--- a/03DE-E-Detector.pptx
+++ b/03DE-E-Detector.pptx
@@ -11,6 +11,8 @@
     <p:sldId id="259" r:id="rId5"/>
     <p:sldId id="260" r:id="rId6"/>
     <p:sldId id="261" r:id="rId7"/>
+    <p:sldId id="262" r:id="rId8"/>
+    <p:sldId id="263" r:id="rId9"/>
   </p:sldIdLst>
   <p:sldSz cx="12192000" cy="6858000"/>
   <p:notesSz cx="6858000" cy="9144000"/>
@@ -248,7 +250,7 @@
           <a:p>
             <a:fld id="{B49F1F9E-BB21-4ADB-B707-20B3786FE04D}" type="datetimeFigureOut">
               <a:rPr lang="en-US" smtClean="0"/>
-              <a:t>10/23/2018</a:t>
+              <a:t>10/24/2018</a:t>
             </a:fld>
             <a:endParaRPr lang="en-US"/>
           </a:p>
@@ -418,7 +420,7 @@
           <a:p>
             <a:fld id="{B49F1F9E-BB21-4ADB-B707-20B3786FE04D}" type="datetimeFigureOut">
               <a:rPr lang="en-US" smtClean="0"/>
-              <a:t>10/23/2018</a:t>
+              <a:t>10/24/2018</a:t>
             </a:fld>
             <a:endParaRPr lang="en-US"/>
           </a:p>
@@ -598,7 +600,7 @@
           <a:p>
             <a:fld id="{B49F1F9E-BB21-4ADB-B707-20B3786FE04D}" type="datetimeFigureOut">
               <a:rPr lang="en-US" smtClean="0"/>
-              <a:t>10/23/2018</a:t>
+              <a:t>10/24/2018</a:t>
             </a:fld>
             <a:endParaRPr lang="en-US"/>
           </a:p>
@@ -768,7 +770,7 @@
           <a:p>
             <a:fld id="{B49F1F9E-BB21-4ADB-B707-20B3786FE04D}" type="datetimeFigureOut">
               <a:rPr lang="en-US" smtClean="0"/>
-              <a:t>10/23/2018</a:t>
+              <a:t>10/24/2018</a:t>
             </a:fld>
             <a:endParaRPr lang="en-US"/>
           </a:p>
@@ -1014,7 +1016,7 @@
           <a:p>
             <a:fld id="{B49F1F9E-BB21-4ADB-B707-20B3786FE04D}" type="datetimeFigureOut">
               <a:rPr lang="en-US" smtClean="0"/>
-              <a:t>10/23/2018</a:t>
+              <a:t>10/24/2018</a:t>
             </a:fld>
             <a:endParaRPr lang="en-US"/>
           </a:p>
@@ -1246,7 +1248,7 @@
           <a:p>
             <a:fld id="{B49F1F9E-BB21-4ADB-B707-20B3786FE04D}" type="datetimeFigureOut">
               <a:rPr lang="en-US" smtClean="0"/>
-              <a:t>10/23/2018</a:t>
+              <a:t>10/24/2018</a:t>
             </a:fld>
             <a:endParaRPr lang="en-US"/>
           </a:p>
@@ -1613,7 +1615,7 @@
           <a:p>
             <a:fld id="{B49F1F9E-BB21-4ADB-B707-20B3786FE04D}" type="datetimeFigureOut">
               <a:rPr lang="en-US" smtClean="0"/>
-              <a:t>10/23/2018</a:t>
+              <a:t>10/24/2018</a:t>
             </a:fld>
             <a:endParaRPr lang="en-US"/>
           </a:p>
@@ -1731,7 +1733,7 @@
           <a:p>
             <a:fld id="{B49F1F9E-BB21-4ADB-B707-20B3786FE04D}" type="datetimeFigureOut">
               <a:rPr lang="en-US" smtClean="0"/>
-              <a:t>10/23/2018</a:t>
+              <a:t>10/24/2018</a:t>
             </a:fld>
             <a:endParaRPr lang="en-US"/>
           </a:p>
@@ -1826,7 +1828,7 @@
           <a:p>
             <a:fld id="{B49F1F9E-BB21-4ADB-B707-20B3786FE04D}" type="datetimeFigureOut">
               <a:rPr lang="en-US" smtClean="0"/>
-              <a:t>10/23/2018</a:t>
+              <a:t>10/24/2018</a:t>
             </a:fld>
             <a:endParaRPr lang="en-US"/>
           </a:p>
@@ -2103,7 +2105,7 @@
           <a:p>
             <a:fld id="{B49F1F9E-BB21-4ADB-B707-20B3786FE04D}" type="datetimeFigureOut">
               <a:rPr lang="en-US" smtClean="0"/>
-              <a:t>10/23/2018</a:t>
+              <a:t>10/24/2018</a:t>
             </a:fld>
             <a:endParaRPr lang="en-US"/>
           </a:p>
@@ -2356,7 +2358,7 @@
           <a:p>
             <a:fld id="{B49F1F9E-BB21-4ADB-B707-20B3786FE04D}" type="datetimeFigureOut">
               <a:rPr lang="en-US" smtClean="0"/>
-              <a:t>10/23/2018</a:t>
+              <a:t>10/24/2018</a:t>
             </a:fld>
             <a:endParaRPr lang="en-US"/>
           </a:p>
@@ -2569,7 +2571,7 @@
           <a:p>
             <a:fld id="{B49F1F9E-BB21-4ADB-B707-20B3786FE04D}" type="datetimeFigureOut">
               <a:rPr lang="en-US" smtClean="0"/>
-              <a:t>10/23/2018</a:t>
+              <a:t>10/24/2018</a:t>
             </a:fld>
             <a:endParaRPr lang="en-US"/>
           </a:p>
@@ -3278,25 +3280,30 @@
                   <a:srgbClr val="FF0000"/>
                 </a:solidFill>
               </a:rPr>
-              <a:t>Date: 2018-10-23</a:t>
-            </a:r>
-          </a:p>
-          <a:p>
+              <a:t>Date: </a:t>
+            </a:r>
             <a:r>
               <a:rPr lang="en-US" sz="1600" dirty="0" smtClean="0">
                 <a:solidFill>
                   <a:srgbClr val="FF0000"/>
                 </a:solidFill>
               </a:rPr>
-              <a:t>Source: </a:t>
-            </a:r>
+              <a:t>2018-10-24</a:t>
+            </a:r>
+            <a:endParaRPr lang="en-US" sz="1600" dirty="0" smtClean="0">
+              <a:solidFill>
+                <a:srgbClr val="FF0000"/>
+              </a:solidFill>
+            </a:endParaRPr>
+          </a:p>
+          <a:p>
             <a:r>
               <a:rPr lang="en-US" sz="1600" dirty="0" smtClean="0">
                 <a:solidFill>
                   <a:srgbClr val="FF0000"/>
                 </a:solidFill>
               </a:rPr>
-              <a:t> </a:t>
+              <a:t>Source:  </a:t>
             </a:r>
             <a:r>
               <a:rPr lang="en-US" sz="1600" dirty="0">
@@ -3470,6 +3477,66 @@
     <p:extLst>
       <p:ext uri="{BB962C8B-B14F-4D97-AF65-F5344CB8AC3E}">
         <p14:creationId xmlns:p14="http://schemas.microsoft.com/office/powerpoint/2010/main" val="1885448950"/>
+      </p:ext>
+    </p:extLst>
+  </p:cSld>
+  <p:clrMapOvr>
+    <a:masterClrMapping/>
+  </p:clrMapOvr>
+</p:sld>
+</file>
+
+<file path=ppt/slides/slide7.xml><?xml version="1.0" encoding="utf-8"?>
+<p:sld xmlns:a="http://schemas.openxmlformats.org/drawingml/2006/main" xmlns:r="http://schemas.openxmlformats.org/officeDocument/2006/relationships" xmlns:p="http://schemas.openxmlformats.org/presentationml/2006/main">
+  <p:cSld>
+    <p:spTree>
+      <p:nvGrpSpPr>
+        <p:cNvPr id="1" name=""/>
+        <p:cNvGrpSpPr/>
+        <p:nvPr/>
+      </p:nvGrpSpPr>
+      <p:grpSpPr>
+        <a:xfrm>
+          <a:off x="0" y="0"/>
+          <a:ext cx="0" cy="0"/>
+          <a:chOff x="0" y="0"/>
+          <a:chExt cx="0" cy="0"/>
+        </a:xfrm>
+      </p:grpSpPr>
+    </p:spTree>
+    <p:extLst>
+      <p:ext uri="{BB962C8B-B14F-4D97-AF65-F5344CB8AC3E}">
+        <p14:creationId xmlns:p14="http://schemas.microsoft.com/office/powerpoint/2010/main" val="2761243511"/>
+      </p:ext>
+    </p:extLst>
+  </p:cSld>
+  <p:clrMapOvr>
+    <a:masterClrMapping/>
+  </p:clrMapOvr>
+</p:sld>
+</file>
+
+<file path=ppt/slides/slide8.xml><?xml version="1.0" encoding="utf-8"?>
+<p:sld xmlns:a="http://schemas.openxmlformats.org/drawingml/2006/main" xmlns:r="http://schemas.openxmlformats.org/officeDocument/2006/relationships" xmlns:p="http://schemas.openxmlformats.org/presentationml/2006/main">
+  <p:cSld>
+    <p:spTree>
+      <p:nvGrpSpPr>
+        <p:cNvPr id="1" name=""/>
+        <p:cNvGrpSpPr/>
+        <p:nvPr/>
+      </p:nvGrpSpPr>
+      <p:grpSpPr>
+        <a:xfrm>
+          <a:off x="0" y="0"/>
+          <a:ext cx="0" cy="0"/>
+          <a:chOff x="0" y="0"/>
+          <a:chExt cx="0" cy="0"/>
+        </a:xfrm>
+      </p:grpSpPr>
+    </p:spTree>
+    <p:extLst>
+      <p:ext uri="{BB962C8B-B14F-4D97-AF65-F5344CB8AC3E}">
+        <p14:creationId xmlns:p14="http://schemas.microsoft.com/office/powerpoint/2010/main" val="1392733591"/>
       </p:ext>
     </p:extLst>
   </p:cSld>

--- a/03DE-E-Detector.pptx
+++ b/03DE-E-Detector.pptx
@@ -6,13 +6,18 @@
   </p:sldMasterIdLst>
   <p:sldIdLst>
     <p:sldId id="256" r:id="rId2"/>
-    <p:sldId id="257" r:id="rId3"/>
-    <p:sldId id="258" r:id="rId4"/>
-    <p:sldId id="259" r:id="rId5"/>
-    <p:sldId id="260" r:id="rId6"/>
-    <p:sldId id="261" r:id="rId7"/>
-    <p:sldId id="262" r:id="rId8"/>
-    <p:sldId id="263" r:id="rId9"/>
+    <p:sldId id="265" r:id="rId3"/>
+    <p:sldId id="257" r:id="rId4"/>
+    <p:sldId id="266" r:id="rId5"/>
+    <p:sldId id="267" r:id="rId6"/>
+    <p:sldId id="268" r:id="rId7"/>
+    <p:sldId id="269" r:id="rId8"/>
+    <p:sldId id="258" r:id="rId9"/>
+    <p:sldId id="259" r:id="rId10"/>
+    <p:sldId id="260" r:id="rId11"/>
+    <p:sldId id="261" r:id="rId12"/>
+    <p:sldId id="262" r:id="rId13"/>
+    <p:sldId id="263" r:id="rId14"/>
   </p:sldIdLst>
   <p:sldSz cx="12192000" cy="6858000"/>
   <p:notesSz cx="6858000" cy="9144000"/>
@@ -250,7 +255,7 @@
           <a:p>
             <a:fld id="{B49F1F9E-BB21-4ADB-B707-20B3786FE04D}" type="datetimeFigureOut">
               <a:rPr lang="en-US" smtClean="0"/>
-              <a:t>10/24/2018</a:t>
+              <a:t>10/28/2018</a:t>
             </a:fld>
             <a:endParaRPr lang="en-US"/>
           </a:p>
@@ -420,7 +425,7 @@
           <a:p>
             <a:fld id="{B49F1F9E-BB21-4ADB-B707-20B3786FE04D}" type="datetimeFigureOut">
               <a:rPr lang="en-US" smtClean="0"/>
-              <a:t>10/24/2018</a:t>
+              <a:t>10/28/2018</a:t>
             </a:fld>
             <a:endParaRPr lang="en-US"/>
           </a:p>
@@ -600,7 +605,7 @@
           <a:p>
             <a:fld id="{B49F1F9E-BB21-4ADB-B707-20B3786FE04D}" type="datetimeFigureOut">
               <a:rPr lang="en-US" smtClean="0"/>
-              <a:t>10/24/2018</a:t>
+              <a:t>10/28/2018</a:t>
             </a:fld>
             <a:endParaRPr lang="en-US"/>
           </a:p>
@@ -770,7 +775,7 @@
           <a:p>
             <a:fld id="{B49F1F9E-BB21-4ADB-B707-20B3786FE04D}" type="datetimeFigureOut">
               <a:rPr lang="en-US" smtClean="0"/>
-              <a:t>10/24/2018</a:t>
+              <a:t>10/28/2018</a:t>
             </a:fld>
             <a:endParaRPr lang="en-US"/>
           </a:p>
@@ -1016,7 +1021,7 @@
           <a:p>
             <a:fld id="{B49F1F9E-BB21-4ADB-B707-20B3786FE04D}" type="datetimeFigureOut">
               <a:rPr lang="en-US" smtClean="0"/>
-              <a:t>10/24/2018</a:t>
+              <a:t>10/28/2018</a:t>
             </a:fld>
             <a:endParaRPr lang="en-US"/>
           </a:p>
@@ -1248,7 +1253,7 @@
           <a:p>
             <a:fld id="{B49F1F9E-BB21-4ADB-B707-20B3786FE04D}" type="datetimeFigureOut">
               <a:rPr lang="en-US" smtClean="0"/>
-              <a:t>10/24/2018</a:t>
+              <a:t>10/28/2018</a:t>
             </a:fld>
             <a:endParaRPr lang="en-US"/>
           </a:p>
@@ -1615,7 +1620,7 @@
           <a:p>
             <a:fld id="{B49F1F9E-BB21-4ADB-B707-20B3786FE04D}" type="datetimeFigureOut">
               <a:rPr lang="en-US" smtClean="0"/>
-              <a:t>10/24/2018</a:t>
+              <a:t>10/28/2018</a:t>
             </a:fld>
             <a:endParaRPr lang="en-US"/>
           </a:p>
@@ -1733,7 +1738,7 @@
           <a:p>
             <a:fld id="{B49F1F9E-BB21-4ADB-B707-20B3786FE04D}" type="datetimeFigureOut">
               <a:rPr lang="en-US" smtClean="0"/>
-              <a:t>10/24/2018</a:t>
+              <a:t>10/28/2018</a:t>
             </a:fld>
             <a:endParaRPr lang="en-US"/>
           </a:p>
@@ -1828,7 +1833,7 @@
           <a:p>
             <a:fld id="{B49F1F9E-BB21-4ADB-B707-20B3786FE04D}" type="datetimeFigureOut">
               <a:rPr lang="en-US" smtClean="0"/>
-              <a:t>10/24/2018</a:t>
+              <a:t>10/28/2018</a:t>
             </a:fld>
             <a:endParaRPr lang="en-US"/>
           </a:p>
@@ -2105,7 +2110,7 @@
           <a:p>
             <a:fld id="{B49F1F9E-BB21-4ADB-B707-20B3786FE04D}" type="datetimeFigureOut">
               <a:rPr lang="en-US" smtClean="0"/>
-              <a:t>10/24/2018</a:t>
+              <a:t>10/28/2018</a:t>
             </a:fld>
             <a:endParaRPr lang="en-US"/>
           </a:p>
@@ -2358,7 +2363,7 @@
           <a:p>
             <a:fld id="{B49F1F9E-BB21-4ADB-B707-20B3786FE04D}" type="datetimeFigureOut">
               <a:rPr lang="en-US" smtClean="0"/>
-              <a:t>10/24/2018</a:t>
+              <a:t>10/28/2018</a:t>
             </a:fld>
             <a:endParaRPr lang="en-US"/>
           </a:p>
@@ -2571,7 +2576,7 @@
           <a:p>
             <a:fld id="{B49F1F9E-BB21-4ADB-B707-20B3786FE04D}" type="datetimeFigureOut">
               <a:rPr lang="en-US" smtClean="0"/>
-              <a:t>10/24/2018</a:t>
+              <a:t>10/28/2018</a:t>
             </a:fld>
             <a:endParaRPr lang="en-US"/>
           </a:p>
@@ -3081,7 +3086,24 @@
                 <a:latin typeface="Times New Roman" panose="02020603050405020304" pitchFamily="18" charset="0"/>
                 <a:cs typeface="Times New Roman" panose="02020603050405020304" pitchFamily="18" charset="0"/>
               </a:rPr>
-              <a:t>● Th228, characterized by eight well-known alpha energies, and alpha peak are separated by at least 0.1MeV </a:t>
+              <a:t>● Th228, characterized by </a:t>
+            </a:r>
+            <a:r>
+              <a:rPr lang="en-US" b="1" dirty="0" smtClean="0">
+                <a:solidFill>
+                  <a:srgbClr val="FF0000"/>
+                </a:solidFill>
+                <a:latin typeface="Times New Roman" panose="02020603050405020304" pitchFamily="18" charset="0"/>
+                <a:cs typeface="Times New Roman" panose="02020603050405020304" pitchFamily="18" charset="0"/>
+              </a:rPr>
+              <a:t>eight well-known alpha energies</a:t>
+            </a:r>
+            <a:r>
+              <a:rPr lang="en-US" dirty="0" smtClean="0">
+                <a:latin typeface="Times New Roman" panose="02020603050405020304" pitchFamily="18" charset="0"/>
+                <a:cs typeface="Times New Roman" panose="02020603050405020304" pitchFamily="18" charset="0"/>
+              </a:rPr>
+              <a:t>, and alpha peak are separated by at least 0.1MeV </a:t>
             </a:r>
             <a:endParaRPr lang="en-US" dirty="0">
               <a:latin typeface="Times New Roman" panose="02020603050405020304" pitchFamily="18" charset="0"/>
@@ -3226,6 +3248,126 @@
     <p:extLst>
       <p:ext uri="{BB962C8B-B14F-4D97-AF65-F5344CB8AC3E}">
         <p14:creationId xmlns:p14="http://schemas.microsoft.com/office/powerpoint/2010/main" val="39117988"/>
+      </p:ext>
+    </p:extLst>
+  </p:cSld>
+  <p:clrMapOvr>
+    <a:masterClrMapping/>
+  </p:clrMapOvr>
+</p:sld>
+</file>
+
+<file path=ppt/slides/slide10.xml><?xml version="1.0" encoding="utf-8"?>
+<p:sld xmlns:a="http://schemas.openxmlformats.org/drawingml/2006/main" xmlns:r="http://schemas.openxmlformats.org/officeDocument/2006/relationships" xmlns:p="http://schemas.openxmlformats.org/presentationml/2006/main">
+  <p:cSld>
+    <p:spTree>
+      <p:nvGrpSpPr>
+        <p:cNvPr id="1" name=""/>
+        <p:cNvGrpSpPr/>
+        <p:nvPr/>
+      </p:nvGrpSpPr>
+      <p:grpSpPr>
+        <a:xfrm>
+          <a:off x="0" y="0"/>
+          <a:ext cx="0" cy="0"/>
+          <a:chOff x="0" y="0"/>
+          <a:chExt cx="0" cy="0"/>
+        </a:xfrm>
+      </p:grpSpPr>
+    </p:spTree>
+    <p:extLst>
+      <p:ext uri="{BB962C8B-B14F-4D97-AF65-F5344CB8AC3E}">
+        <p14:creationId xmlns:p14="http://schemas.microsoft.com/office/powerpoint/2010/main" val="3578612920"/>
+      </p:ext>
+    </p:extLst>
+  </p:cSld>
+  <p:clrMapOvr>
+    <a:masterClrMapping/>
+  </p:clrMapOvr>
+</p:sld>
+</file>
+
+<file path=ppt/slides/slide11.xml><?xml version="1.0" encoding="utf-8"?>
+<p:sld xmlns:a="http://schemas.openxmlformats.org/drawingml/2006/main" xmlns:r="http://schemas.openxmlformats.org/officeDocument/2006/relationships" xmlns:p="http://schemas.openxmlformats.org/presentationml/2006/main">
+  <p:cSld>
+    <p:spTree>
+      <p:nvGrpSpPr>
+        <p:cNvPr id="1" name=""/>
+        <p:cNvGrpSpPr/>
+        <p:nvPr/>
+      </p:nvGrpSpPr>
+      <p:grpSpPr>
+        <a:xfrm>
+          <a:off x="0" y="0"/>
+          <a:ext cx="0" cy="0"/>
+          <a:chOff x="0" y="0"/>
+          <a:chExt cx="0" cy="0"/>
+        </a:xfrm>
+      </p:grpSpPr>
+    </p:spTree>
+    <p:extLst>
+      <p:ext uri="{BB962C8B-B14F-4D97-AF65-F5344CB8AC3E}">
+        <p14:creationId xmlns:p14="http://schemas.microsoft.com/office/powerpoint/2010/main" val="1885448950"/>
+      </p:ext>
+    </p:extLst>
+  </p:cSld>
+  <p:clrMapOvr>
+    <a:masterClrMapping/>
+  </p:clrMapOvr>
+</p:sld>
+</file>
+
+<file path=ppt/slides/slide12.xml><?xml version="1.0" encoding="utf-8"?>
+<p:sld xmlns:a="http://schemas.openxmlformats.org/drawingml/2006/main" xmlns:r="http://schemas.openxmlformats.org/officeDocument/2006/relationships" xmlns:p="http://schemas.openxmlformats.org/presentationml/2006/main">
+  <p:cSld>
+    <p:spTree>
+      <p:nvGrpSpPr>
+        <p:cNvPr id="1" name=""/>
+        <p:cNvGrpSpPr/>
+        <p:nvPr/>
+      </p:nvGrpSpPr>
+      <p:grpSpPr>
+        <a:xfrm>
+          <a:off x="0" y="0"/>
+          <a:ext cx="0" cy="0"/>
+          <a:chOff x="0" y="0"/>
+          <a:chExt cx="0" cy="0"/>
+        </a:xfrm>
+      </p:grpSpPr>
+    </p:spTree>
+    <p:extLst>
+      <p:ext uri="{BB962C8B-B14F-4D97-AF65-F5344CB8AC3E}">
+        <p14:creationId xmlns:p14="http://schemas.microsoft.com/office/powerpoint/2010/main" val="2761243511"/>
+      </p:ext>
+    </p:extLst>
+  </p:cSld>
+  <p:clrMapOvr>
+    <a:masterClrMapping/>
+  </p:clrMapOvr>
+</p:sld>
+</file>
+
+<file path=ppt/slides/slide13.xml><?xml version="1.0" encoding="utf-8"?>
+<p:sld xmlns:a="http://schemas.openxmlformats.org/drawingml/2006/main" xmlns:r="http://schemas.openxmlformats.org/officeDocument/2006/relationships" xmlns:p="http://schemas.openxmlformats.org/presentationml/2006/main">
+  <p:cSld>
+    <p:spTree>
+      <p:nvGrpSpPr>
+        <p:cNvPr id="1" name=""/>
+        <p:cNvGrpSpPr/>
+        <p:nvPr/>
+      </p:nvGrpSpPr>
+      <p:grpSpPr>
+        <a:xfrm>
+          <a:off x="0" y="0"/>
+          <a:ext cx="0" cy="0"/>
+          <a:chOff x="0" y="0"/>
+          <a:chExt cx="0" cy="0"/>
+        </a:xfrm>
+      </p:grpSpPr>
+    </p:spTree>
+    <p:extLst>
+      <p:ext uri="{BB962C8B-B14F-4D97-AF65-F5344CB8AC3E}">
+        <p14:creationId xmlns:p14="http://schemas.microsoft.com/office/powerpoint/2010/main" val="1392733591"/>
       </p:ext>
     </p:extLst>
   </p:cSld>
@@ -3280,21 +3422,8 @@
                   <a:srgbClr val="FF0000"/>
                 </a:solidFill>
               </a:rPr>
-              <a:t>Date: </a:t>
-            </a:r>
-            <a:r>
-              <a:rPr lang="en-US" sz="1600" dirty="0" smtClean="0">
-                <a:solidFill>
-                  <a:srgbClr val="FF0000"/>
-                </a:solidFill>
-              </a:rPr>
-              <a:t>2018-10-24</a:t>
-            </a:r>
-            <a:endParaRPr lang="en-US" sz="1600" dirty="0" smtClean="0">
-              <a:solidFill>
-                <a:srgbClr val="FF0000"/>
-              </a:solidFill>
-            </a:endParaRPr>
+              <a:t>Date: 2018-10-24</a:t>
+            </a:r>
           </a:p>
           <a:p>
             <a:r>
@@ -3349,6 +3478,361 @@
             <a:endParaRPr lang="en-US" b="1" i="0" dirty="0">
               <a:effectLst/>
               <a:latin typeface="Arial" panose="020B0604020202020204" pitchFamily="34" charset="0"/>
+            </a:endParaRPr>
+          </a:p>
+        </p:txBody>
+      </p:sp>
+      <p:sp>
+        <p:nvSpPr>
+          <p:cNvPr id="4" name="文本框 3"/>
+          <p:cNvSpPr txBox="1"/>
+          <p:nvPr/>
+        </p:nvSpPr>
+        <p:spPr>
+          <a:xfrm>
+            <a:off x="813429" y="1675237"/>
+            <a:ext cx="4753182" cy="369332"/>
+          </a:xfrm>
+          <a:prstGeom prst="rect">
+            <a:avLst/>
+          </a:prstGeom>
+          <a:noFill/>
+        </p:spPr>
+        <p:txBody>
+          <a:bodyPr wrap="square" rtlCol="0">
+            <a:spAutoFit/>
+          </a:bodyPr>
+          <a:lstStyle/>
+          <a:p>
+            <a:r>
+              <a:rPr lang="en-US" altLang="zh-CN" dirty="0" smtClean="0"/>
+              <a:t>Q1: </a:t>
+            </a:r>
+            <a:r>
+              <a:rPr lang="zh-CN" altLang="en-US" dirty="0" smtClean="0"/>
+              <a:t>放射源发射粒子是各向同性的吗</a:t>
+            </a:r>
+            <a:r>
+              <a:rPr lang="zh-CN" altLang="en-US" dirty="0"/>
+              <a:t>？</a:t>
+            </a:r>
+          </a:p>
+        </p:txBody>
+      </p:sp>
+    </p:spTree>
+    <p:extLst>
+      <p:ext uri="{BB962C8B-B14F-4D97-AF65-F5344CB8AC3E}">
+        <p14:creationId xmlns:p14="http://schemas.microsoft.com/office/powerpoint/2010/main" val="2643122334"/>
+      </p:ext>
+    </p:extLst>
+  </p:cSld>
+  <p:clrMapOvr>
+    <a:masterClrMapping/>
+  </p:clrMapOvr>
+</p:sld>
+</file>
+
+<file path=ppt/slides/slide3.xml><?xml version="1.0" encoding="utf-8"?>
+<p:sld xmlns:a="http://schemas.openxmlformats.org/drawingml/2006/main" xmlns:r="http://schemas.openxmlformats.org/officeDocument/2006/relationships" xmlns:p="http://schemas.openxmlformats.org/presentationml/2006/main">
+  <p:cSld>
+    <p:spTree>
+      <p:nvGrpSpPr>
+        <p:cNvPr id="1" name=""/>
+        <p:cNvGrpSpPr/>
+        <p:nvPr/>
+      </p:nvGrpSpPr>
+      <p:grpSpPr>
+        <a:xfrm>
+          <a:off x="0" y="0"/>
+          <a:ext cx="0" cy="0"/>
+          <a:chOff x="0" y="0"/>
+          <a:chExt cx="0" cy="0"/>
+        </a:xfrm>
+      </p:grpSpPr>
+      <p:sp>
+        <p:nvSpPr>
+          <p:cNvPr id="2" name="TextBox 1"/>
+          <p:cNvSpPr txBox="1"/>
+          <p:nvPr/>
+        </p:nvSpPr>
+        <p:spPr>
+          <a:xfrm>
+            <a:off x="0" y="0"/>
+            <a:ext cx="7010400" cy="584775"/>
+          </a:xfrm>
+          <a:prstGeom prst="rect">
+            <a:avLst/>
+          </a:prstGeom>
+          <a:noFill/>
+        </p:spPr>
+        <p:txBody>
+          <a:bodyPr wrap="square" rtlCol="0">
+            <a:spAutoFit/>
+          </a:bodyPr>
+          <a:lstStyle/>
+          <a:p>
+            <a:r>
+              <a:rPr lang="en-US" sz="1600" dirty="0" smtClean="0">
+                <a:solidFill>
+                  <a:srgbClr val="FF0000"/>
+                </a:solidFill>
+              </a:rPr>
+              <a:t>Date</a:t>
+            </a:r>
+            <a:r>
+              <a:rPr lang="en-US" sz="1600" dirty="0" smtClean="0">
+                <a:solidFill>
+                  <a:srgbClr val="FF0000"/>
+                </a:solidFill>
+              </a:rPr>
+              <a:t>: 2018</a:t>
+            </a:r>
+            <a:r>
+              <a:rPr lang="en-US" altLang="zh-CN" sz="1600" dirty="0" smtClean="0">
+                <a:solidFill>
+                  <a:srgbClr val="FF0000"/>
+                </a:solidFill>
+              </a:rPr>
+              <a:t>-10-28</a:t>
+            </a:r>
+            <a:endParaRPr lang="en-US" sz="1600" dirty="0" smtClean="0">
+              <a:solidFill>
+                <a:srgbClr val="FF0000"/>
+              </a:solidFill>
+            </a:endParaRPr>
+          </a:p>
+          <a:p>
+            <a:r>
+              <a:rPr lang="en-US" sz="1600" dirty="0" smtClean="0">
+                <a:solidFill>
+                  <a:srgbClr val="FF0000"/>
+                </a:solidFill>
+              </a:rPr>
+              <a:t>Source</a:t>
+            </a:r>
+            <a:r>
+              <a:rPr lang="en-US" sz="1600" dirty="0" smtClean="0">
+                <a:solidFill>
+                  <a:srgbClr val="FF0000"/>
+                </a:solidFill>
+              </a:rPr>
+              <a:t>: T</a:t>
+            </a:r>
+            <a:r>
+              <a:rPr lang="en-US" sz="1600" dirty="0" smtClean="0">
+                <a:solidFill>
+                  <a:srgbClr val="FF0000"/>
+                </a:solidFill>
+              </a:rPr>
+              <a:t>alk with Daniele</a:t>
+            </a:r>
+            <a:endParaRPr lang="en-US" sz="1600" dirty="0">
+              <a:solidFill>
+                <a:srgbClr val="FF0000"/>
+              </a:solidFill>
+            </a:endParaRPr>
+          </a:p>
+        </p:txBody>
+      </p:sp>
+      <p:sp>
+        <p:nvSpPr>
+          <p:cNvPr id="5" name="文本框 4"/>
+          <p:cNvSpPr txBox="1"/>
+          <p:nvPr/>
+        </p:nvSpPr>
+        <p:spPr>
+          <a:xfrm>
+            <a:off x="2646947" y="955220"/>
+            <a:ext cx="6713622" cy="707886"/>
+          </a:xfrm>
+          <a:prstGeom prst="rect">
+            <a:avLst/>
+          </a:prstGeom>
+          <a:noFill/>
+        </p:spPr>
+        <p:txBody>
+          <a:bodyPr wrap="square" rtlCol="0">
+            <a:spAutoFit/>
+          </a:bodyPr>
+          <a:lstStyle/>
+          <a:p>
+            <a:r>
+              <a:rPr lang="en-US" altLang="zh-CN" sz="2400" b="1" dirty="0" smtClean="0">
+                <a:latin typeface="Times New Roman" panose="02020603050405020304" pitchFamily="18" charset="0"/>
+                <a:ea typeface="+mj-ea"/>
+                <a:cs typeface="Times New Roman" panose="02020603050405020304" pitchFamily="18" charset="0"/>
+              </a:rPr>
+              <a:t>Si-Si-</a:t>
+            </a:r>
+            <a:r>
+              <a:rPr lang="en-US" altLang="zh-CN" sz="2400" b="1" dirty="0" err="1" smtClean="0">
+                <a:latin typeface="Times New Roman" panose="02020603050405020304" pitchFamily="18" charset="0"/>
+                <a:ea typeface="+mj-ea"/>
+                <a:cs typeface="Times New Roman" panose="02020603050405020304" pitchFamily="18" charset="0"/>
+              </a:rPr>
+              <a:t>CsI</a:t>
+            </a:r>
+            <a:r>
+              <a:rPr lang="en-US" altLang="zh-CN" sz="2400" b="1" dirty="0" smtClean="0">
+                <a:latin typeface="Times New Roman" panose="02020603050405020304" pitchFamily="18" charset="0"/>
+                <a:ea typeface="+mj-ea"/>
+                <a:cs typeface="Times New Roman" panose="02020603050405020304" pitchFamily="18" charset="0"/>
+              </a:rPr>
+              <a:t> detector data analysis procedures</a:t>
+            </a:r>
+            <a:r>
+              <a:rPr lang="zh-CN" altLang="en-US" sz="2400" b="1" dirty="0" smtClean="0">
+                <a:latin typeface="Times New Roman" panose="02020603050405020304" pitchFamily="18" charset="0"/>
+                <a:ea typeface="+mj-ea"/>
+                <a:cs typeface="Times New Roman" panose="02020603050405020304" pitchFamily="18" charset="0"/>
+              </a:rPr>
+              <a:t>：</a:t>
+            </a:r>
+            <a:endParaRPr lang="en-US" altLang="zh-CN" sz="2400" b="1" dirty="0" smtClean="0">
+              <a:latin typeface="Times New Roman" panose="02020603050405020304" pitchFamily="18" charset="0"/>
+              <a:ea typeface="+mj-ea"/>
+              <a:cs typeface="Times New Roman" panose="02020603050405020304" pitchFamily="18" charset="0"/>
+            </a:endParaRPr>
+          </a:p>
+          <a:p>
+            <a:endParaRPr lang="en-US" altLang="zh-CN" sz="1600" dirty="0">
+              <a:latin typeface="+mj-ea"/>
+              <a:ea typeface="+mj-ea"/>
+            </a:endParaRPr>
+          </a:p>
+        </p:txBody>
+      </p:sp>
+      <p:sp>
+        <p:nvSpPr>
+          <p:cNvPr id="6" name="矩形 5"/>
+          <p:cNvSpPr/>
+          <p:nvPr/>
+        </p:nvSpPr>
+        <p:spPr>
+          <a:xfrm>
+            <a:off x="382648" y="1664219"/>
+            <a:ext cx="9413796" cy="2308324"/>
+          </a:xfrm>
+          <a:prstGeom prst="rect">
+            <a:avLst/>
+          </a:prstGeom>
+        </p:spPr>
+        <p:txBody>
+          <a:bodyPr wrap="none">
+            <a:spAutoFit/>
+          </a:bodyPr>
+          <a:lstStyle/>
+          <a:p>
+            <a:r>
+              <a:rPr lang="en-US" altLang="zh-CN" dirty="0" smtClean="0">
+                <a:latin typeface="Times New Roman" panose="02020603050405020304" pitchFamily="18" charset="0"/>
+                <a:cs typeface="Times New Roman" panose="02020603050405020304" pitchFamily="18" charset="0"/>
+              </a:rPr>
+              <a:t>1. Energy calibrations of Si detector with alpha source</a:t>
+            </a:r>
+          </a:p>
+          <a:p>
+            <a:r>
+              <a:rPr lang="en-US" altLang="zh-CN" dirty="0">
+                <a:latin typeface="Times New Roman" panose="02020603050405020304" pitchFamily="18" charset="0"/>
+                <a:cs typeface="Times New Roman" panose="02020603050405020304" pitchFamily="18" charset="0"/>
+              </a:rPr>
+              <a:t>2</a:t>
+            </a:r>
+            <a:r>
+              <a:rPr lang="en-US" altLang="zh-CN" dirty="0" smtClean="0">
+                <a:latin typeface="Times New Roman" panose="02020603050405020304" pitchFamily="18" charset="0"/>
+                <a:cs typeface="Times New Roman" panose="02020603050405020304" pitchFamily="18" charset="0"/>
+              </a:rPr>
+              <a:t>. Charge sharing method to determine the position of the hits: if the hit happens between two strips</a:t>
+            </a:r>
+            <a:endParaRPr lang="en-US" altLang="zh-CN" dirty="0">
+              <a:latin typeface="Times New Roman" panose="02020603050405020304" pitchFamily="18" charset="0"/>
+              <a:cs typeface="Times New Roman" panose="02020603050405020304" pitchFamily="18" charset="0"/>
+            </a:endParaRPr>
+          </a:p>
+          <a:p>
+            <a:r>
+              <a:rPr lang="en-US" altLang="zh-CN" dirty="0" smtClean="0">
+                <a:latin typeface="Times New Roman" panose="02020603050405020304" pitchFamily="18" charset="0"/>
+                <a:cs typeface="Times New Roman" panose="02020603050405020304" pitchFamily="18" charset="0"/>
+              </a:rPr>
+              <a:t>3. </a:t>
+            </a:r>
+            <a:r>
+              <a:rPr lang="en-US" altLang="zh-CN" dirty="0">
+                <a:latin typeface="Times New Roman" panose="02020603050405020304" pitchFamily="18" charset="0"/>
+                <a:cs typeface="Times New Roman" panose="02020603050405020304" pitchFamily="18" charset="0"/>
+              </a:rPr>
+              <a:t>Calibrations of </a:t>
+            </a:r>
+            <a:r>
+              <a:rPr lang="en-US" altLang="zh-CN" dirty="0" err="1" smtClean="0">
+                <a:latin typeface="Times New Roman" panose="02020603050405020304" pitchFamily="18" charset="0"/>
+                <a:cs typeface="Times New Roman" panose="02020603050405020304" pitchFamily="18" charset="0"/>
+              </a:rPr>
+              <a:t>CsI</a:t>
+            </a:r>
+            <a:endParaRPr lang="en-US" altLang="zh-CN" dirty="0" smtClean="0">
+              <a:latin typeface="Times New Roman" panose="02020603050405020304" pitchFamily="18" charset="0"/>
+              <a:cs typeface="Times New Roman" panose="02020603050405020304" pitchFamily="18" charset="0"/>
+            </a:endParaRPr>
+          </a:p>
+          <a:p>
+            <a:r>
+              <a:rPr lang="en-US" altLang="zh-CN" dirty="0" smtClean="0">
+                <a:latin typeface="Times New Roman" panose="02020603050405020304" pitchFamily="18" charset="0"/>
+                <a:cs typeface="Times New Roman" panose="02020603050405020304" pitchFamily="18" charset="0"/>
+              </a:rPr>
+              <a:t>4. </a:t>
+            </a:r>
+            <a:r>
+              <a:rPr lang="en-US" altLang="zh-CN" dirty="0" err="1" smtClean="0">
+                <a:latin typeface="Times New Roman" panose="02020603050405020304" pitchFamily="18" charset="0"/>
+                <a:cs typeface="Times New Roman" panose="02020603050405020304" pitchFamily="18" charset="0"/>
+              </a:rPr>
+              <a:t>Pixelization</a:t>
+            </a:r>
+            <a:endParaRPr lang="en-US" altLang="zh-CN" dirty="0" smtClean="0">
+              <a:latin typeface="Times New Roman" panose="02020603050405020304" pitchFamily="18" charset="0"/>
+              <a:cs typeface="Times New Roman" panose="02020603050405020304" pitchFamily="18" charset="0"/>
+            </a:endParaRPr>
+          </a:p>
+          <a:p>
+            <a:r>
+              <a:rPr lang="en-US" altLang="zh-CN" dirty="0" smtClean="0">
+                <a:latin typeface="Times New Roman" panose="02020603050405020304" pitchFamily="18" charset="0"/>
+                <a:cs typeface="Times New Roman" panose="02020603050405020304" pitchFamily="18" charset="0"/>
+              </a:rPr>
+              <a:t>5. Multiplicity analysis</a:t>
+            </a:r>
+          </a:p>
+          <a:p>
+            <a:r>
+              <a:rPr lang="en-US" altLang="zh-CN" dirty="0" smtClean="0">
+                <a:latin typeface="Times New Roman" panose="02020603050405020304" pitchFamily="18" charset="0"/>
+                <a:cs typeface="Times New Roman" panose="02020603050405020304" pitchFamily="18" charset="0"/>
+              </a:rPr>
+              <a:t>6. Double hit or multi-hit</a:t>
+            </a:r>
+          </a:p>
+          <a:p>
+            <a:r>
+              <a:rPr lang="en-US" altLang="zh-CN" dirty="0" smtClean="0">
+                <a:latin typeface="Times New Roman" panose="02020603050405020304" pitchFamily="18" charset="0"/>
+                <a:cs typeface="Times New Roman" panose="02020603050405020304" pitchFamily="18" charset="0"/>
+              </a:rPr>
+              <a:t>7. Particle Identification</a:t>
+            </a:r>
+            <a:endParaRPr lang="en-US" altLang="zh-CN" dirty="0">
+              <a:latin typeface="Times New Roman" panose="02020603050405020304" pitchFamily="18" charset="0"/>
+              <a:cs typeface="Times New Roman" panose="02020603050405020304" pitchFamily="18" charset="0"/>
+            </a:endParaRPr>
+          </a:p>
+          <a:p>
+            <a:endParaRPr lang="en-US" altLang="zh-CN" dirty="0">
+              <a:latin typeface="Times New Roman" panose="02020603050405020304" pitchFamily="18" charset="0"/>
+              <a:cs typeface="Times New Roman" panose="02020603050405020304" pitchFamily="18" charset="0"/>
             </a:endParaRPr>
           </a:p>
         </p:txBody>
@@ -3366,7 +3850,403 @@
 </p:sld>
 </file>
 
-<file path=ppt/slides/slide3.xml><?xml version="1.0" encoding="utf-8"?>
+<file path=ppt/slides/slide4.xml><?xml version="1.0" encoding="utf-8"?>
+<p:sld xmlns:a="http://schemas.openxmlformats.org/drawingml/2006/main" xmlns:r="http://schemas.openxmlformats.org/officeDocument/2006/relationships" xmlns:p="http://schemas.openxmlformats.org/presentationml/2006/main">
+  <p:cSld>
+    <p:spTree>
+      <p:nvGrpSpPr>
+        <p:cNvPr id="1" name=""/>
+        <p:cNvGrpSpPr/>
+        <p:nvPr/>
+      </p:nvGrpSpPr>
+      <p:grpSpPr>
+        <a:xfrm>
+          <a:off x="0" y="0"/>
+          <a:ext cx="0" cy="0"/>
+          <a:chOff x="0" y="0"/>
+          <a:chExt cx="0" cy="0"/>
+        </a:xfrm>
+      </p:grpSpPr>
+      <p:sp>
+        <p:nvSpPr>
+          <p:cNvPr id="2" name="TextBox 1"/>
+          <p:cNvSpPr txBox="1"/>
+          <p:nvPr/>
+        </p:nvSpPr>
+        <p:spPr>
+          <a:xfrm>
+            <a:off x="0" y="0"/>
+            <a:ext cx="7010400" cy="584775"/>
+          </a:xfrm>
+          <a:prstGeom prst="rect">
+            <a:avLst/>
+          </a:prstGeom>
+          <a:noFill/>
+        </p:spPr>
+        <p:txBody>
+          <a:bodyPr wrap="square" rtlCol="0">
+            <a:spAutoFit/>
+          </a:bodyPr>
+          <a:lstStyle/>
+          <a:p>
+            <a:r>
+              <a:rPr lang="en-US" sz="1600" dirty="0" smtClean="0">
+                <a:solidFill>
+                  <a:srgbClr val="FF0000"/>
+                </a:solidFill>
+              </a:rPr>
+              <a:t>Date</a:t>
+            </a:r>
+            <a:r>
+              <a:rPr lang="en-US" sz="1600" dirty="0" smtClean="0">
+                <a:solidFill>
+                  <a:srgbClr val="FF0000"/>
+                </a:solidFill>
+              </a:rPr>
+              <a:t>:</a:t>
+            </a:r>
+            <a:endParaRPr lang="en-US" sz="1600" dirty="0" smtClean="0">
+              <a:solidFill>
+                <a:srgbClr val="FF0000"/>
+              </a:solidFill>
+            </a:endParaRPr>
+          </a:p>
+          <a:p>
+            <a:r>
+              <a:rPr lang="en-US" sz="1600" dirty="0" smtClean="0">
+                <a:solidFill>
+                  <a:srgbClr val="FF0000"/>
+                </a:solidFill>
+              </a:rPr>
+              <a:t>Source</a:t>
+            </a:r>
+            <a:r>
+              <a:rPr lang="en-US" sz="1600" dirty="0" smtClean="0">
+                <a:solidFill>
+                  <a:srgbClr val="FF0000"/>
+                </a:solidFill>
+              </a:rPr>
+              <a:t>:</a:t>
+            </a:r>
+            <a:endParaRPr lang="en-US" sz="1600" dirty="0">
+              <a:solidFill>
+                <a:srgbClr val="FF0000"/>
+              </a:solidFill>
+            </a:endParaRPr>
+          </a:p>
+        </p:txBody>
+      </p:sp>
+    </p:spTree>
+    <p:extLst>
+      <p:ext uri="{BB962C8B-B14F-4D97-AF65-F5344CB8AC3E}">
+        <p14:creationId xmlns:p14="http://schemas.microsoft.com/office/powerpoint/2010/main" val="694994779"/>
+      </p:ext>
+    </p:extLst>
+  </p:cSld>
+  <p:clrMapOvr>
+    <a:masterClrMapping/>
+  </p:clrMapOvr>
+</p:sld>
+</file>
+
+<file path=ppt/slides/slide5.xml><?xml version="1.0" encoding="utf-8"?>
+<p:sld xmlns:a="http://schemas.openxmlformats.org/drawingml/2006/main" xmlns:r="http://schemas.openxmlformats.org/officeDocument/2006/relationships" xmlns:p="http://schemas.openxmlformats.org/presentationml/2006/main">
+  <p:cSld>
+    <p:spTree>
+      <p:nvGrpSpPr>
+        <p:cNvPr id="1" name=""/>
+        <p:cNvGrpSpPr/>
+        <p:nvPr/>
+      </p:nvGrpSpPr>
+      <p:grpSpPr>
+        <a:xfrm>
+          <a:off x="0" y="0"/>
+          <a:ext cx="0" cy="0"/>
+          <a:chOff x="0" y="0"/>
+          <a:chExt cx="0" cy="0"/>
+        </a:xfrm>
+      </p:grpSpPr>
+      <p:sp>
+        <p:nvSpPr>
+          <p:cNvPr id="2" name="TextBox 1"/>
+          <p:cNvSpPr txBox="1"/>
+          <p:nvPr/>
+        </p:nvSpPr>
+        <p:spPr>
+          <a:xfrm>
+            <a:off x="0" y="0"/>
+            <a:ext cx="7010400" cy="584775"/>
+          </a:xfrm>
+          <a:prstGeom prst="rect">
+            <a:avLst/>
+          </a:prstGeom>
+          <a:noFill/>
+        </p:spPr>
+        <p:txBody>
+          <a:bodyPr wrap="square" rtlCol="0">
+            <a:spAutoFit/>
+          </a:bodyPr>
+          <a:lstStyle/>
+          <a:p>
+            <a:r>
+              <a:rPr lang="en-US" sz="1600" dirty="0" smtClean="0">
+                <a:solidFill>
+                  <a:srgbClr val="FF0000"/>
+                </a:solidFill>
+              </a:rPr>
+              <a:t>Date</a:t>
+            </a:r>
+            <a:r>
+              <a:rPr lang="en-US" sz="1600" dirty="0" smtClean="0">
+                <a:solidFill>
+                  <a:srgbClr val="FF0000"/>
+                </a:solidFill>
+              </a:rPr>
+              <a:t>:</a:t>
+            </a:r>
+            <a:endParaRPr lang="en-US" sz="1600" dirty="0" smtClean="0">
+              <a:solidFill>
+                <a:srgbClr val="FF0000"/>
+              </a:solidFill>
+            </a:endParaRPr>
+          </a:p>
+          <a:p>
+            <a:r>
+              <a:rPr lang="en-US" sz="1600" dirty="0" smtClean="0">
+                <a:solidFill>
+                  <a:srgbClr val="FF0000"/>
+                </a:solidFill>
+              </a:rPr>
+              <a:t>Source</a:t>
+            </a:r>
+            <a:r>
+              <a:rPr lang="en-US" sz="1600" dirty="0" smtClean="0">
+                <a:solidFill>
+                  <a:srgbClr val="FF0000"/>
+                </a:solidFill>
+              </a:rPr>
+              <a:t>:</a:t>
+            </a:r>
+            <a:endParaRPr lang="en-US" sz="1600" dirty="0">
+              <a:solidFill>
+                <a:srgbClr val="FF0000"/>
+              </a:solidFill>
+            </a:endParaRPr>
+          </a:p>
+        </p:txBody>
+      </p:sp>
+    </p:spTree>
+    <p:extLst>
+      <p:ext uri="{BB962C8B-B14F-4D97-AF65-F5344CB8AC3E}">
+        <p14:creationId xmlns:p14="http://schemas.microsoft.com/office/powerpoint/2010/main" val="1318587503"/>
+      </p:ext>
+    </p:extLst>
+  </p:cSld>
+  <p:clrMapOvr>
+    <a:masterClrMapping/>
+  </p:clrMapOvr>
+</p:sld>
+</file>
+
+<file path=ppt/slides/slide6.xml><?xml version="1.0" encoding="utf-8"?>
+<p:sld xmlns:a="http://schemas.openxmlformats.org/drawingml/2006/main" xmlns:r="http://schemas.openxmlformats.org/officeDocument/2006/relationships" xmlns:p="http://schemas.openxmlformats.org/presentationml/2006/main">
+  <p:cSld>
+    <p:spTree>
+      <p:nvGrpSpPr>
+        <p:cNvPr id="1" name=""/>
+        <p:cNvGrpSpPr/>
+        <p:nvPr/>
+      </p:nvGrpSpPr>
+      <p:grpSpPr>
+        <a:xfrm>
+          <a:off x="0" y="0"/>
+          <a:ext cx="0" cy="0"/>
+          <a:chOff x="0" y="0"/>
+          <a:chExt cx="0" cy="0"/>
+        </a:xfrm>
+      </p:grpSpPr>
+      <p:sp>
+        <p:nvSpPr>
+          <p:cNvPr id="2" name="TextBox 1"/>
+          <p:cNvSpPr txBox="1"/>
+          <p:nvPr/>
+        </p:nvSpPr>
+        <p:spPr>
+          <a:xfrm>
+            <a:off x="0" y="0"/>
+            <a:ext cx="7010400" cy="584775"/>
+          </a:xfrm>
+          <a:prstGeom prst="rect">
+            <a:avLst/>
+          </a:prstGeom>
+          <a:noFill/>
+        </p:spPr>
+        <p:txBody>
+          <a:bodyPr wrap="square" rtlCol="0">
+            <a:spAutoFit/>
+          </a:bodyPr>
+          <a:lstStyle/>
+          <a:p>
+            <a:r>
+              <a:rPr lang="en-US" sz="1600" dirty="0" smtClean="0">
+                <a:solidFill>
+                  <a:srgbClr val="FF0000"/>
+                </a:solidFill>
+              </a:rPr>
+              <a:t>Date</a:t>
+            </a:r>
+            <a:r>
+              <a:rPr lang="en-US" sz="1600" dirty="0" smtClean="0">
+                <a:solidFill>
+                  <a:srgbClr val="FF0000"/>
+                </a:solidFill>
+              </a:rPr>
+              <a:t>:</a:t>
+            </a:r>
+            <a:endParaRPr lang="en-US" sz="1600" dirty="0" smtClean="0">
+              <a:solidFill>
+                <a:srgbClr val="FF0000"/>
+              </a:solidFill>
+            </a:endParaRPr>
+          </a:p>
+          <a:p>
+            <a:r>
+              <a:rPr lang="en-US" sz="1600" dirty="0" smtClean="0">
+                <a:solidFill>
+                  <a:srgbClr val="FF0000"/>
+                </a:solidFill>
+              </a:rPr>
+              <a:t>Source</a:t>
+            </a:r>
+            <a:r>
+              <a:rPr lang="en-US" sz="1600" dirty="0" smtClean="0">
+                <a:solidFill>
+                  <a:srgbClr val="FF0000"/>
+                </a:solidFill>
+              </a:rPr>
+              <a:t>:</a:t>
+            </a:r>
+            <a:endParaRPr lang="en-US" sz="1600" dirty="0">
+              <a:solidFill>
+                <a:srgbClr val="FF0000"/>
+              </a:solidFill>
+            </a:endParaRPr>
+          </a:p>
+        </p:txBody>
+      </p:sp>
+    </p:spTree>
+    <p:extLst>
+      <p:ext uri="{BB962C8B-B14F-4D97-AF65-F5344CB8AC3E}">
+        <p14:creationId xmlns:p14="http://schemas.microsoft.com/office/powerpoint/2010/main" val="2814243742"/>
+      </p:ext>
+    </p:extLst>
+  </p:cSld>
+  <p:clrMapOvr>
+    <a:masterClrMapping/>
+  </p:clrMapOvr>
+</p:sld>
+</file>
+
+<file path=ppt/slides/slide7.xml><?xml version="1.0" encoding="utf-8"?>
+<p:sld xmlns:a="http://schemas.openxmlformats.org/drawingml/2006/main" xmlns:r="http://schemas.openxmlformats.org/officeDocument/2006/relationships" xmlns:p="http://schemas.openxmlformats.org/presentationml/2006/main">
+  <p:cSld>
+    <p:spTree>
+      <p:nvGrpSpPr>
+        <p:cNvPr id="1" name=""/>
+        <p:cNvGrpSpPr/>
+        <p:nvPr/>
+      </p:nvGrpSpPr>
+      <p:grpSpPr>
+        <a:xfrm>
+          <a:off x="0" y="0"/>
+          <a:ext cx="0" cy="0"/>
+          <a:chOff x="0" y="0"/>
+          <a:chExt cx="0" cy="0"/>
+        </a:xfrm>
+      </p:grpSpPr>
+      <p:sp>
+        <p:nvSpPr>
+          <p:cNvPr id="2" name="TextBox 1"/>
+          <p:cNvSpPr txBox="1"/>
+          <p:nvPr/>
+        </p:nvSpPr>
+        <p:spPr>
+          <a:xfrm>
+            <a:off x="0" y="0"/>
+            <a:ext cx="7010400" cy="584775"/>
+          </a:xfrm>
+          <a:prstGeom prst="rect">
+            <a:avLst/>
+          </a:prstGeom>
+          <a:noFill/>
+        </p:spPr>
+        <p:txBody>
+          <a:bodyPr wrap="square" rtlCol="0">
+            <a:spAutoFit/>
+          </a:bodyPr>
+          <a:lstStyle/>
+          <a:p>
+            <a:r>
+              <a:rPr lang="en-US" sz="1600" dirty="0" smtClean="0">
+                <a:solidFill>
+                  <a:srgbClr val="FF0000"/>
+                </a:solidFill>
+              </a:rPr>
+              <a:t>Date</a:t>
+            </a:r>
+            <a:r>
+              <a:rPr lang="en-US" sz="1600" dirty="0" smtClean="0">
+                <a:solidFill>
+                  <a:srgbClr val="FF0000"/>
+                </a:solidFill>
+              </a:rPr>
+              <a:t>:</a:t>
+            </a:r>
+            <a:endParaRPr lang="en-US" sz="1600" dirty="0" smtClean="0">
+              <a:solidFill>
+                <a:srgbClr val="FF0000"/>
+              </a:solidFill>
+            </a:endParaRPr>
+          </a:p>
+          <a:p>
+            <a:r>
+              <a:rPr lang="en-US" sz="1600" dirty="0" smtClean="0">
+                <a:solidFill>
+                  <a:srgbClr val="FF0000"/>
+                </a:solidFill>
+              </a:rPr>
+              <a:t>Source</a:t>
+            </a:r>
+            <a:r>
+              <a:rPr lang="en-US" sz="1600" dirty="0" smtClean="0">
+                <a:solidFill>
+                  <a:srgbClr val="FF0000"/>
+                </a:solidFill>
+              </a:rPr>
+              <a:t>:</a:t>
+            </a:r>
+            <a:endParaRPr lang="en-US" sz="1600" dirty="0">
+              <a:solidFill>
+                <a:srgbClr val="FF0000"/>
+              </a:solidFill>
+            </a:endParaRPr>
+          </a:p>
+        </p:txBody>
+      </p:sp>
+    </p:spTree>
+    <p:extLst>
+      <p:ext uri="{BB962C8B-B14F-4D97-AF65-F5344CB8AC3E}">
+        <p14:creationId xmlns:p14="http://schemas.microsoft.com/office/powerpoint/2010/main" val="3093701310"/>
+      </p:ext>
+    </p:extLst>
+  </p:cSld>
+  <p:clrMapOvr>
+    <a:masterClrMapping/>
+  </p:clrMapOvr>
+</p:sld>
+</file>
+
+<file path=ppt/slides/slide8.xml><?xml version="1.0" encoding="utf-8"?>
 <p:sld xmlns:a="http://schemas.openxmlformats.org/drawingml/2006/main" xmlns:r="http://schemas.openxmlformats.org/officeDocument/2006/relationships" xmlns:p="http://schemas.openxmlformats.org/presentationml/2006/main">
   <p:cSld>
     <p:spTree>
@@ -3396,7 +4276,7 @@
 </p:sld>
 </file>
 
-<file path=ppt/slides/slide4.xml><?xml version="1.0" encoding="utf-8"?>
+<file path=ppt/slides/slide9.xml><?xml version="1.0" encoding="utf-8"?>
 <p:sld xmlns:a="http://schemas.openxmlformats.org/drawingml/2006/main" xmlns:r="http://schemas.openxmlformats.org/officeDocument/2006/relationships" xmlns:p="http://schemas.openxmlformats.org/presentationml/2006/main">
   <p:cSld>
     <p:spTree>
@@ -3417,126 +4297,6 @@
     <p:extLst>
       <p:ext uri="{BB962C8B-B14F-4D97-AF65-F5344CB8AC3E}">
         <p14:creationId xmlns:p14="http://schemas.microsoft.com/office/powerpoint/2010/main" val="1833532843"/>
-      </p:ext>
-    </p:extLst>
-  </p:cSld>
-  <p:clrMapOvr>
-    <a:masterClrMapping/>
-  </p:clrMapOvr>
-</p:sld>
-</file>
-
-<file path=ppt/slides/slide5.xml><?xml version="1.0" encoding="utf-8"?>
-<p:sld xmlns:a="http://schemas.openxmlformats.org/drawingml/2006/main" xmlns:r="http://schemas.openxmlformats.org/officeDocument/2006/relationships" xmlns:p="http://schemas.openxmlformats.org/presentationml/2006/main">
-  <p:cSld>
-    <p:spTree>
-      <p:nvGrpSpPr>
-        <p:cNvPr id="1" name=""/>
-        <p:cNvGrpSpPr/>
-        <p:nvPr/>
-      </p:nvGrpSpPr>
-      <p:grpSpPr>
-        <a:xfrm>
-          <a:off x="0" y="0"/>
-          <a:ext cx="0" cy="0"/>
-          <a:chOff x="0" y="0"/>
-          <a:chExt cx="0" cy="0"/>
-        </a:xfrm>
-      </p:grpSpPr>
-    </p:spTree>
-    <p:extLst>
-      <p:ext uri="{BB962C8B-B14F-4D97-AF65-F5344CB8AC3E}">
-        <p14:creationId xmlns:p14="http://schemas.microsoft.com/office/powerpoint/2010/main" val="3578612920"/>
-      </p:ext>
-    </p:extLst>
-  </p:cSld>
-  <p:clrMapOvr>
-    <a:masterClrMapping/>
-  </p:clrMapOvr>
-</p:sld>
-</file>
-
-<file path=ppt/slides/slide6.xml><?xml version="1.0" encoding="utf-8"?>
-<p:sld xmlns:a="http://schemas.openxmlformats.org/drawingml/2006/main" xmlns:r="http://schemas.openxmlformats.org/officeDocument/2006/relationships" xmlns:p="http://schemas.openxmlformats.org/presentationml/2006/main">
-  <p:cSld>
-    <p:spTree>
-      <p:nvGrpSpPr>
-        <p:cNvPr id="1" name=""/>
-        <p:cNvGrpSpPr/>
-        <p:nvPr/>
-      </p:nvGrpSpPr>
-      <p:grpSpPr>
-        <a:xfrm>
-          <a:off x="0" y="0"/>
-          <a:ext cx="0" cy="0"/>
-          <a:chOff x="0" y="0"/>
-          <a:chExt cx="0" cy="0"/>
-        </a:xfrm>
-      </p:grpSpPr>
-    </p:spTree>
-    <p:extLst>
-      <p:ext uri="{BB962C8B-B14F-4D97-AF65-F5344CB8AC3E}">
-        <p14:creationId xmlns:p14="http://schemas.microsoft.com/office/powerpoint/2010/main" val="1885448950"/>
-      </p:ext>
-    </p:extLst>
-  </p:cSld>
-  <p:clrMapOvr>
-    <a:masterClrMapping/>
-  </p:clrMapOvr>
-</p:sld>
-</file>
-
-<file path=ppt/slides/slide7.xml><?xml version="1.0" encoding="utf-8"?>
-<p:sld xmlns:a="http://schemas.openxmlformats.org/drawingml/2006/main" xmlns:r="http://schemas.openxmlformats.org/officeDocument/2006/relationships" xmlns:p="http://schemas.openxmlformats.org/presentationml/2006/main">
-  <p:cSld>
-    <p:spTree>
-      <p:nvGrpSpPr>
-        <p:cNvPr id="1" name=""/>
-        <p:cNvGrpSpPr/>
-        <p:nvPr/>
-      </p:nvGrpSpPr>
-      <p:grpSpPr>
-        <a:xfrm>
-          <a:off x="0" y="0"/>
-          <a:ext cx="0" cy="0"/>
-          <a:chOff x="0" y="0"/>
-          <a:chExt cx="0" cy="0"/>
-        </a:xfrm>
-      </p:grpSpPr>
-    </p:spTree>
-    <p:extLst>
-      <p:ext uri="{BB962C8B-B14F-4D97-AF65-F5344CB8AC3E}">
-        <p14:creationId xmlns:p14="http://schemas.microsoft.com/office/powerpoint/2010/main" val="2761243511"/>
-      </p:ext>
-    </p:extLst>
-  </p:cSld>
-  <p:clrMapOvr>
-    <a:masterClrMapping/>
-  </p:clrMapOvr>
-</p:sld>
-</file>
-
-<file path=ppt/slides/slide8.xml><?xml version="1.0" encoding="utf-8"?>
-<p:sld xmlns:a="http://schemas.openxmlformats.org/drawingml/2006/main" xmlns:r="http://schemas.openxmlformats.org/officeDocument/2006/relationships" xmlns:p="http://schemas.openxmlformats.org/presentationml/2006/main">
-  <p:cSld>
-    <p:spTree>
-      <p:nvGrpSpPr>
-        <p:cNvPr id="1" name=""/>
-        <p:cNvGrpSpPr/>
-        <p:nvPr/>
-      </p:nvGrpSpPr>
-      <p:grpSpPr>
-        <a:xfrm>
-          <a:off x="0" y="0"/>
-          <a:ext cx="0" cy="0"/>
-          <a:chOff x="0" y="0"/>
-          <a:chExt cx="0" cy="0"/>
-        </a:xfrm>
-      </p:grpSpPr>
-    </p:spTree>
-    <p:extLst>
-      <p:ext uri="{BB962C8B-B14F-4D97-AF65-F5344CB8AC3E}">
-        <p14:creationId xmlns:p14="http://schemas.microsoft.com/office/powerpoint/2010/main" val="1392733591"/>
       </p:ext>
     </p:extLst>
   </p:cSld>

--- a/03DE-E-Detector.pptx
+++ b/03DE-E-Detector.pptx
@@ -6,18 +6,26 @@
   </p:sldMasterIdLst>
   <p:sldIdLst>
     <p:sldId id="256" r:id="rId2"/>
-    <p:sldId id="265" r:id="rId3"/>
+    <p:sldId id="259" r:id="rId3"/>
     <p:sldId id="257" r:id="rId4"/>
-    <p:sldId id="266" r:id="rId5"/>
-    <p:sldId id="267" r:id="rId6"/>
-    <p:sldId id="268" r:id="rId7"/>
-    <p:sldId id="269" r:id="rId8"/>
-    <p:sldId id="258" r:id="rId9"/>
-    <p:sldId id="259" r:id="rId10"/>
-    <p:sldId id="260" r:id="rId11"/>
-    <p:sldId id="261" r:id="rId12"/>
-    <p:sldId id="262" r:id="rId13"/>
-    <p:sldId id="263" r:id="rId14"/>
+    <p:sldId id="267" r:id="rId5"/>
+    <p:sldId id="265" r:id="rId6"/>
+    <p:sldId id="266" r:id="rId7"/>
+    <p:sldId id="270" r:id="rId8"/>
+    <p:sldId id="271" r:id="rId9"/>
+    <p:sldId id="273" r:id="rId10"/>
+    <p:sldId id="274" r:id="rId11"/>
+    <p:sldId id="275" r:id="rId12"/>
+    <p:sldId id="276" r:id="rId13"/>
+    <p:sldId id="277" r:id="rId14"/>
+    <p:sldId id="272" r:id="rId15"/>
+    <p:sldId id="268" r:id="rId16"/>
+    <p:sldId id="269" r:id="rId17"/>
+    <p:sldId id="258" r:id="rId18"/>
+    <p:sldId id="260" r:id="rId19"/>
+    <p:sldId id="261" r:id="rId20"/>
+    <p:sldId id="262" r:id="rId21"/>
+    <p:sldId id="263" r:id="rId22"/>
   </p:sldIdLst>
   <p:sldSz cx="12192000" cy="6858000"/>
   <p:notesSz cx="6858000" cy="9144000"/>
@@ -3274,6 +3282,2529 @@
           <a:chExt cx="0" cy="0"/>
         </a:xfrm>
       </p:grpSpPr>
+      <p:sp>
+        <p:nvSpPr>
+          <p:cNvPr id="4" name="TextBox 3"/>
+          <p:cNvSpPr txBox="1"/>
+          <p:nvPr/>
+        </p:nvSpPr>
+        <p:spPr>
+          <a:xfrm>
+            <a:off x="0" y="0"/>
+            <a:ext cx="7010400" cy="584775"/>
+          </a:xfrm>
+          <a:prstGeom prst="rect">
+            <a:avLst/>
+          </a:prstGeom>
+          <a:noFill/>
+        </p:spPr>
+        <p:txBody>
+          <a:bodyPr wrap="square" rtlCol="0">
+            <a:spAutoFit/>
+          </a:bodyPr>
+          <a:lstStyle/>
+          <a:p>
+            <a:r>
+              <a:rPr lang="en-US" sz="1600" dirty="0" smtClean="0">
+                <a:solidFill>
+                  <a:srgbClr val="FF0000"/>
+                </a:solidFill>
+              </a:rPr>
+              <a:t>Date: </a:t>
+            </a:r>
+            <a:r>
+              <a:rPr lang="en-US" sz="1600" dirty="0" smtClean="0">
+                <a:solidFill>
+                  <a:srgbClr val="FF0000"/>
+                </a:solidFill>
+              </a:rPr>
+              <a:t>2018-10-28</a:t>
+            </a:r>
+            <a:endParaRPr lang="en-US" sz="1600" dirty="0" smtClean="0">
+              <a:solidFill>
+                <a:srgbClr val="FF0000"/>
+              </a:solidFill>
+            </a:endParaRPr>
+          </a:p>
+          <a:p>
+            <a:r>
+              <a:rPr lang="en-US" sz="1600" dirty="0" smtClean="0">
+                <a:solidFill>
+                  <a:srgbClr val="FF0000"/>
+                </a:solidFill>
+              </a:rPr>
+              <a:t>Source:  </a:t>
+            </a:r>
+            <a:r>
+              <a:rPr lang="en-US" sz="1600" dirty="0">
+                <a:hlinkClick r:id="rId2" tooltip="Persistent link using digital object identifier"/>
+              </a:rPr>
+              <a:t>https://doi.org/10.1016/j.nima.2017.12.082</a:t>
+            </a:r>
+            <a:endParaRPr lang="en-US" sz="1600" dirty="0">
+              <a:solidFill>
+                <a:srgbClr val="FF0000"/>
+              </a:solidFill>
+            </a:endParaRPr>
+          </a:p>
+        </p:txBody>
+      </p:sp>
+      <p:sp>
+        <p:nvSpPr>
+          <p:cNvPr id="3" name="Rectangle 2"/>
+          <p:cNvSpPr/>
+          <p:nvPr/>
+        </p:nvSpPr>
+        <p:spPr>
+          <a:xfrm>
+            <a:off x="96571" y="817313"/>
+            <a:ext cx="11627666" cy="646331"/>
+          </a:xfrm>
+          <a:prstGeom prst="rect">
+            <a:avLst/>
+          </a:prstGeom>
+        </p:spPr>
+        <p:txBody>
+          <a:bodyPr wrap="square">
+            <a:spAutoFit/>
+          </a:bodyPr>
+          <a:lstStyle/>
+          <a:p>
+            <a:r>
+              <a:rPr lang="en-US" dirty="0" smtClean="0"/>
+              <a:t> ● Only two peaks in the pin source data:</a:t>
+            </a:r>
+          </a:p>
+          <a:p>
+            <a:r>
+              <a:rPr lang="en-US" b="1" dirty="0">
+                <a:solidFill>
+                  <a:srgbClr val="00B050"/>
+                </a:solidFill>
+              </a:rPr>
+              <a:t> </a:t>
+            </a:r>
+            <a:r>
+              <a:rPr lang="en-US" b="1" dirty="0" smtClean="0">
+                <a:solidFill>
+                  <a:srgbClr val="00B050"/>
+                </a:solidFill>
+              </a:rPr>
+              <a:t>       6.062 MeV &amp;&amp; 8.785MeV</a:t>
+            </a:r>
+            <a:endParaRPr lang="en-US" b="1" dirty="0">
+              <a:solidFill>
+                <a:srgbClr val="00B050"/>
+              </a:solidFill>
+            </a:endParaRPr>
+          </a:p>
+        </p:txBody>
+      </p:sp>
+      <p:pic>
+        <p:nvPicPr>
+          <p:cNvPr id="2" name="Picture 1"/>
+          <p:cNvPicPr>
+            <a:picLocks noChangeAspect="1"/>
+          </p:cNvPicPr>
+          <p:nvPr/>
+        </p:nvPicPr>
+        <p:blipFill>
+          <a:blip r:embed="rId3">
+            <a:extLst>
+              <a:ext uri="{28A0092B-C50C-407E-A947-70E740481C1C}">
+                <a14:useLocalDpi xmlns:a14="http://schemas.microsoft.com/office/drawing/2010/main" val="0"/>
+              </a:ext>
+            </a:extLst>
+          </a:blip>
+          <a:stretch>
+            <a:fillRect/>
+          </a:stretch>
+        </p:blipFill>
+        <p:spPr>
+          <a:xfrm>
+            <a:off x="7091881" y="196164"/>
+            <a:ext cx="4731944" cy="3832335"/>
+          </a:xfrm>
+          <a:prstGeom prst="rect">
+            <a:avLst/>
+          </a:prstGeom>
+        </p:spPr>
+      </p:pic>
+      <p:sp>
+        <p:nvSpPr>
+          <p:cNvPr id="5" name="TextBox 4"/>
+          <p:cNvSpPr txBox="1"/>
+          <p:nvPr/>
+        </p:nvSpPr>
+        <p:spPr>
+          <a:xfrm>
+            <a:off x="10366218" y="651528"/>
+            <a:ext cx="1294646" cy="369332"/>
+          </a:xfrm>
+          <a:prstGeom prst="rect">
+            <a:avLst/>
+          </a:prstGeom>
+          <a:noFill/>
+        </p:spPr>
+        <p:txBody>
+          <a:bodyPr wrap="square" rtlCol="0">
+            <a:spAutoFit/>
+          </a:bodyPr>
+          <a:lstStyle/>
+          <a:p>
+            <a:r>
+              <a:rPr lang="en-US" dirty="0" smtClean="0">
+                <a:solidFill>
+                  <a:srgbClr val="FF0000"/>
+                </a:solidFill>
+              </a:rPr>
+              <a:t>8.785MeV</a:t>
+            </a:r>
+            <a:endParaRPr lang="en-US" dirty="0">
+              <a:solidFill>
+                <a:srgbClr val="FF0000"/>
+              </a:solidFill>
+            </a:endParaRPr>
+          </a:p>
+        </p:txBody>
+      </p:sp>
+      <p:sp>
+        <p:nvSpPr>
+          <p:cNvPr id="6" name="TextBox 5"/>
+          <p:cNvSpPr txBox="1"/>
+          <p:nvPr/>
+        </p:nvSpPr>
+        <p:spPr>
+          <a:xfrm>
+            <a:off x="7752029" y="348951"/>
+            <a:ext cx="2717549" cy="1200329"/>
+          </a:xfrm>
+          <a:prstGeom prst="rect">
+            <a:avLst/>
+          </a:prstGeom>
+          <a:noFill/>
+        </p:spPr>
+        <p:txBody>
+          <a:bodyPr wrap="square" rtlCol="0">
+            <a:spAutoFit/>
+          </a:bodyPr>
+          <a:lstStyle/>
+          <a:p>
+            <a:r>
+              <a:rPr lang="en-US" dirty="0" smtClean="0">
+                <a:solidFill>
+                  <a:srgbClr val="FF0000"/>
+                </a:solidFill>
+              </a:rPr>
+              <a:t>Two unresolved peaks: 6.051MeV(25.1%) &amp; 6.090MeV(9.75%)</a:t>
+            </a:r>
+          </a:p>
+          <a:p>
+            <a:endParaRPr lang="en-US" dirty="0">
+              <a:solidFill>
+                <a:srgbClr val="FF0000"/>
+              </a:solidFill>
+            </a:endParaRPr>
+          </a:p>
+        </p:txBody>
+      </p:sp>
+      <p:sp>
+        <p:nvSpPr>
+          <p:cNvPr id="7" name="Rectangle 6"/>
+          <p:cNvSpPr/>
+          <p:nvPr/>
+        </p:nvSpPr>
+        <p:spPr>
+          <a:xfrm>
+            <a:off x="7348467" y="1352032"/>
+            <a:ext cx="3121111" cy="646331"/>
+          </a:xfrm>
+          <a:prstGeom prst="rect">
+            <a:avLst/>
+          </a:prstGeom>
+        </p:spPr>
+        <p:txBody>
+          <a:bodyPr wrap="none">
+            <a:spAutoFit/>
+          </a:bodyPr>
+          <a:lstStyle/>
+          <a:p>
+            <a:r>
+              <a:rPr lang="en-US" dirty="0">
+                <a:solidFill>
+                  <a:srgbClr val="FF0000"/>
+                </a:solidFill>
+              </a:rPr>
+              <a:t>Combined via a weighted sum: </a:t>
+            </a:r>
+            <a:endParaRPr lang="en-US" dirty="0" smtClean="0">
+              <a:solidFill>
+                <a:srgbClr val="FF0000"/>
+              </a:solidFill>
+            </a:endParaRPr>
+          </a:p>
+          <a:p>
+            <a:r>
+              <a:rPr lang="en-US" dirty="0">
+                <a:solidFill>
+                  <a:srgbClr val="FF0000"/>
+                </a:solidFill>
+              </a:rPr>
+              <a:t> </a:t>
+            </a:r>
+            <a:r>
+              <a:rPr lang="en-US" dirty="0" smtClean="0">
+                <a:solidFill>
+                  <a:srgbClr val="FF0000"/>
+                </a:solidFill>
+              </a:rPr>
+              <a:t>             6.062MeV</a:t>
+            </a:r>
+            <a:endParaRPr lang="en-US" dirty="0">
+              <a:solidFill>
+                <a:srgbClr val="FF0000"/>
+              </a:solidFill>
+            </a:endParaRPr>
+          </a:p>
+        </p:txBody>
+      </p:sp>
+      <mc:AlternateContent xmlns:mc="http://schemas.openxmlformats.org/markup-compatibility/2006">
+        <mc:Choice xmlns:a14="http://schemas.microsoft.com/office/drawing/2010/main" Requires="a14">
+          <p:sp>
+            <p:nvSpPr>
+              <p:cNvPr id="8" name="Rectangle 7"/>
+              <p:cNvSpPr/>
+              <p:nvPr/>
+            </p:nvSpPr>
+            <p:spPr>
+              <a:xfrm>
+                <a:off x="96571" y="1617587"/>
+                <a:ext cx="11627666" cy="3416320"/>
+              </a:xfrm>
+              <a:prstGeom prst="rect">
+                <a:avLst/>
+              </a:prstGeom>
+            </p:spPr>
+            <p:txBody>
+              <a:bodyPr wrap="square">
+                <a:spAutoFit/>
+              </a:bodyPr>
+              <a:lstStyle/>
+              <a:p>
+                <a:r>
+                  <a:rPr lang="en-US" dirty="0" smtClean="0"/>
+                  <a:t> ● Steps to determine the thickness of dead layer</a:t>
+                </a:r>
+              </a:p>
+              <a:p>
+                <a:endParaRPr lang="en-US" dirty="0" smtClean="0"/>
+              </a:p>
+              <a:p>
+                <a:r>
+                  <a:rPr lang="en-US" dirty="0"/>
+                  <a:t> </a:t>
+                </a:r>
+                <a:r>
+                  <a:rPr lang="en-US" dirty="0" smtClean="0"/>
+                  <a:t>   &lt;1&gt; </a:t>
+                </a:r>
+                <a:r>
+                  <a:rPr lang="en-US" b="1" dirty="0" smtClean="0">
+                    <a:solidFill>
+                      <a:srgbClr val="FF0000"/>
+                    </a:solidFill>
+                  </a:rPr>
+                  <a:t>Initial calibration using Th228 source</a:t>
+                </a:r>
+                <a:r>
+                  <a:rPr lang="en-US" dirty="0" smtClean="0"/>
+                  <a:t>, with a reasonable guess</a:t>
+                </a:r>
+              </a:p>
+              <a:p>
+                <a:r>
+                  <a:rPr lang="en-US" dirty="0"/>
+                  <a:t> </a:t>
+                </a:r>
+                <a:r>
+                  <a:rPr lang="en-US" dirty="0" smtClean="0"/>
+                  <a:t>         of </a:t>
+                </a:r>
+                <a14:m>
+                  <m:oMath xmlns:m="http://schemas.openxmlformats.org/officeDocument/2006/math">
+                    <m:r>
+                      <a:rPr lang="en-US" b="0" i="1" smtClean="0">
+                        <a:latin typeface="Cambria Math" panose="02040503050406030204" pitchFamily="18" charset="0"/>
+                      </a:rPr>
+                      <m:t>𝑇</m:t>
+                    </m:r>
+                    <m:r>
+                      <a:rPr lang="en-US" b="0" i="1" smtClean="0">
+                        <a:latin typeface="Cambria Math" panose="02040503050406030204" pitchFamily="18" charset="0"/>
+                        <a:ea typeface="Cambria Math" panose="02040503050406030204" pitchFamily="18" charset="0"/>
+                      </a:rPr>
+                      <m:t>~1.0</m:t>
+                    </m:r>
+                    <m:r>
+                      <a:rPr lang="en-US" b="0" i="1" smtClean="0">
+                        <a:latin typeface="Cambria Math" panose="02040503050406030204" pitchFamily="18" charset="0"/>
+                        <a:ea typeface="Cambria Math" panose="02040503050406030204" pitchFamily="18" charset="0"/>
+                      </a:rPr>
+                      <m:t>𝜇</m:t>
+                    </m:r>
+                    <m:r>
+                      <a:rPr lang="en-US" b="0" i="1" smtClean="0">
+                        <a:latin typeface="Cambria Math" panose="02040503050406030204" pitchFamily="18" charset="0"/>
+                        <a:ea typeface="Cambria Math" panose="02040503050406030204" pitchFamily="18" charset="0"/>
+                      </a:rPr>
+                      <m:t>𝑚</m:t>
+                    </m:r>
+                  </m:oMath>
+                </a14:m>
+                <a:endParaRPr lang="en-US" dirty="0" smtClean="0"/>
+              </a:p>
+              <a:p>
+                <a:r>
+                  <a:rPr lang="en-US" dirty="0"/>
+                  <a:t> </a:t>
+                </a:r>
+                <a:r>
+                  <a:rPr lang="en-US" dirty="0" smtClean="0"/>
+                  <a:t>   &lt;2&gt; To </a:t>
+                </a:r>
+                <a:r>
+                  <a:rPr lang="en-US" b="1" dirty="0" smtClean="0">
+                    <a:solidFill>
+                      <a:srgbClr val="FF0000"/>
+                    </a:solidFill>
+                  </a:rPr>
+                  <a:t>find the central pixel</a:t>
+                </a:r>
+                <a:r>
+                  <a:rPr lang="en-US" dirty="0" smtClean="0"/>
+                  <a:t>: the pixel closest to the pin source.</a:t>
+                </a:r>
+              </a:p>
+              <a:p>
+                <a:r>
+                  <a:rPr lang="en-US" dirty="0"/>
+                  <a:t> </a:t>
+                </a:r>
+                <a:r>
+                  <a:rPr lang="en-US" dirty="0" smtClean="0"/>
+                  <a:t>           ● The central pixel provides a good approximation to the precise </a:t>
+                </a:r>
+              </a:p>
+              <a:p>
+                <a:r>
+                  <a:rPr lang="en-US" dirty="0"/>
+                  <a:t> </a:t>
+                </a:r>
+                <a:r>
+                  <a:rPr lang="en-US" dirty="0" smtClean="0"/>
+                  <a:t>               location of the pin source, which has relatively large solid angle </a:t>
+                </a:r>
+              </a:p>
+              <a:p>
+                <a:r>
+                  <a:rPr lang="en-US" dirty="0"/>
+                  <a:t> </a:t>
+                </a:r>
+                <a:r>
+                  <a:rPr lang="en-US" dirty="0" smtClean="0"/>
+                  <a:t>               coverage.</a:t>
+                </a:r>
+              </a:p>
+              <a:p>
+                <a:r>
+                  <a:rPr lang="en-US" dirty="0"/>
+                  <a:t> </a:t>
+                </a:r>
+                <a:r>
+                  <a:rPr lang="en-US" dirty="0" smtClean="0"/>
+                  <a:t>           ● Since the emission of alpha particle is isotropous,  the central </a:t>
+                </a:r>
+              </a:p>
+              <a:p>
+                <a:r>
+                  <a:rPr lang="en-US" dirty="0"/>
+                  <a:t> </a:t>
+                </a:r>
+                <a:r>
+                  <a:rPr lang="en-US" dirty="0" smtClean="0"/>
+                  <a:t>               pixel should have more counts</a:t>
+                </a:r>
+              </a:p>
+              <a:p>
+                <a:r>
+                  <a:rPr lang="en-US" dirty="0"/>
+                  <a:t> </a:t>
+                </a:r>
+                <a:r>
+                  <a:rPr lang="en-US" dirty="0" smtClean="0"/>
+                  <a:t>           ● </a:t>
+                </a:r>
+                <a:r>
+                  <a:rPr lang="en-US" dirty="0"/>
+                  <a:t>The </a:t>
+                </a:r>
+                <a:r>
+                  <a:rPr lang="en-US" dirty="0" smtClean="0"/>
+                  <a:t>central pixel is at the intersection of the central front strip</a:t>
+                </a:r>
+              </a:p>
+              <a:p>
+                <a:r>
+                  <a:rPr lang="en-US" dirty="0"/>
+                  <a:t> </a:t>
+                </a:r>
+                <a:r>
+                  <a:rPr lang="en-US" dirty="0" smtClean="0"/>
+                  <a:t>               and central back strip</a:t>
+                </a:r>
+              </a:p>
+            </p:txBody>
+          </p:sp>
+        </mc:Choice>
+        <mc:Fallback>
+          <p:sp>
+            <p:nvSpPr>
+              <p:cNvPr id="8" name="Rectangle 7"/>
+              <p:cNvSpPr>
+                <a:spLocks noRot="1" noChangeAspect="1" noMove="1" noResize="1" noEditPoints="1" noAdjustHandles="1" noChangeArrowheads="1" noChangeShapeType="1" noTextEdit="1"/>
+              </p:cNvSpPr>
+              <p:nvPr/>
+            </p:nvSpPr>
+            <p:spPr>
+              <a:xfrm>
+                <a:off x="96571" y="1617587"/>
+                <a:ext cx="11627666" cy="3416320"/>
+              </a:xfrm>
+              <a:prstGeom prst="rect">
+                <a:avLst/>
+              </a:prstGeom>
+              <a:blipFill rotWithShape="0">
+                <a:blip r:embed="rId4"/>
+                <a:stretch>
+                  <a:fillRect t="-891" b="-1783"/>
+                </a:stretch>
+              </a:blipFill>
+            </p:spPr>
+            <p:txBody>
+              <a:bodyPr/>
+              <a:lstStyle/>
+              <a:p>
+                <a:r>
+                  <a:rPr lang="en-US">
+                    <a:noFill/>
+                  </a:rPr>
+                  <a:t> </a:t>
+                </a:r>
+              </a:p>
+            </p:txBody>
+          </p:sp>
+        </mc:Fallback>
+      </mc:AlternateContent>
+      <p:pic>
+        <p:nvPicPr>
+          <p:cNvPr id="10" name="Picture 9"/>
+          <p:cNvPicPr>
+            <a:picLocks noChangeAspect="1"/>
+          </p:cNvPicPr>
+          <p:nvPr/>
+        </p:nvPicPr>
+        <p:blipFill>
+          <a:blip r:embed="rId5">
+            <a:extLst>
+              <a:ext uri="{28A0092B-C50C-407E-A947-70E740481C1C}">
+                <a14:useLocalDpi xmlns:a14="http://schemas.microsoft.com/office/drawing/2010/main" val="0"/>
+              </a:ext>
+            </a:extLst>
+          </a:blip>
+          <a:stretch>
+            <a:fillRect/>
+          </a:stretch>
+        </p:blipFill>
+        <p:spPr>
+          <a:xfrm>
+            <a:off x="8167894" y="4181286"/>
+            <a:ext cx="2845647" cy="2478317"/>
+          </a:xfrm>
+          <a:prstGeom prst="rect">
+            <a:avLst/>
+          </a:prstGeom>
+        </p:spPr>
+      </p:pic>
+    </p:spTree>
+    <p:extLst>
+      <p:ext uri="{BB962C8B-B14F-4D97-AF65-F5344CB8AC3E}">
+        <p14:creationId xmlns:p14="http://schemas.microsoft.com/office/powerpoint/2010/main" val="4117960288"/>
+      </p:ext>
+    </p:extLst>
+  </p:cSld>
+  <p:clrMapOvr>
+    <a:masterClrMapping/>
+  </p:clrMapOvr>
+</p:sld>
+</file>
+
+<file path=ppt/slides/slide11.xml><?xml version="1.0" encoding="utf-8"?>
+<p:sld xmlns:a="http://schemas.openxmlformats.org/drawingml/2006/main" xmlns:r="http://schemas.openxmlformats.org/officeDocument/2006/relationships" xmlns:p="http://schemas.openxmlformats.org/presentationml/2006/main">
+  <p:cSld>
+    <p:spTree>
+      <p:nvGrpSpPr>
+        <p:cNvPr id="1" name=""/>
+        <p:cNvGrpSpPr/>
+        <p:nvPr/>
+      </p:nvGrpSpPr>
+      <p:grpSpPr>
+        <a:xfrm>
+          <a:off x="0" y="0"/>
+          <a:ext cx="0" cy="0"/>
+          <a:chOff x="0" y="0"/>
+          <a:chExt cx="0" cy="0"/>
+        </a:xfrm>
+      </p:grpSpPr>
+      <p:sp>
+        <p:nvSpPr>
+          <p:cNvPr id="4" name="TextBox 3"/>
+          <p:cNvSpPr txBox="1"/>
+          <p:nvPr/>
+        </p:nvSpPr>
+        <p:spPr>
+          <a:xfrm>
+            <a:off x="0" y="0"/>
+            <a:ext cx="7010400" cy="584775"/>
+          </a:xfrm>
+          <a:prstGeom prst="rect">
+            <a:avLst/>
+          </a:prstGeom>
+          <a:noFill/>
+        </p:spPr>
+        <p:txBody>
+          <a:bodyPr wrap="square" rtlCol="0">
+            <a:spAutoFit/>
+          </a:bodyPr>
+          <a:lstStyle/>
+          <a:p>
+            <a:r>
+              <a:rPr lang="en-US" sz="1600" dirty="0" smtClean="0">
+                <a:solidFill>
+                  <a:srgbClr val="FF0000"/>
+                </a:solidFill>
+              </a:rPr>
+              <a:t>Date: </a:t>
+            </a:r>
+            <a:r>
+              <a:rPr lang="en-US" sz="1600" dirty="0" smtClean="0">
+                <a:solidFill>
+                  <a:srgbClr val="FF0000"/>
+                </a:solidFill>
+              </a:rPr>
+              <a:t>2018-10-28</a:t>
+            </a:r>
+            <a:endParaRPr lang="en-US" sz="1600" dirty="0" smtClean="0">
+              <a:solidFill>
+                <a:srgbClr val="FF0000"/>
+              </a:solidFill>
+            </a:endParaRPr>
+          </a:p>
+          <a:p>
+            <a:r>
+              <a:rPr lang="en-US" sz="1600" dirty="0" smtClean="0">
+                <a:solidFill>
+                  <a:srgbClr val="FF0000"/>
+                </a:solidFill>
+              </a:rPr>
+              <a:t>Source:  </a:t>
+            </a:r>
+            <a:r>
+              <a:rPr lang="en-US" sz="1600" dirty="0">
+                <a:hlinkClick r:id="rId2" tooltip="Persistent link using digital object identifier"/>
+              </a:rPr>
+              <a:t>https://doi.org/10.1016/j.nima.2017.12.082</a:t>
+            </a:r>
+            <a:endParaRPr lang="en-US" sz="1600" dirty="0">
+              <a:solidFill>
+                <a:srgbClr val="FF0000"/>
+              </a:solidFill>
+            </a:endParaRPr>
+          </a:p>
+        </p:txBody>
+      </p:sp>
+      <p:sp>
+        <p:nvSpPr>
+          <p:cNvPr id="2" name="Rectangle 1"/>
+          <p:cNvSpPr/>
+          <p:nvPr/>
+        </p:nvSpPr>
+        <p:spPr>
+          <a:xfrm>
+            <a:off x="78464" y="885224"/>
+            <a:ext cx="8694344" cy="369332"/>
+          </a:xfrm>
+          <a:prstGeom prst="rect">
+            <a:avLst/>
+          </a:prstGeom>
+        </p:spPr>
+        <p:txBody>
+          <a:bodyPr wrap="square">
+            <a:spAutoFit/>
+          </a:bodyPr>
+          <a:lstStyle/>
+          <a:p>
+            <a:r>
+              <a:rPr lang="en-US" dirty="0"/>
+              <a:t> </a:t>
+            </a:r>
+            <a:r>
+              <a:rPr lang="en-US" dirty="0" smtClean="0"/>
+              <a:t>&lt;3&gt; Fit for each peak of each pixel </a:t>
+            </a:r>
+            <a:endParaRPr lang="en-US" dirty="0"/>
+          </a:p>
+        </p:txBody>
+      </p:sp>
+      <p:pic>
+        <p:nvPicPr>
+          <p:cNvPr id="3" name="Picture 2"/>
+          <p:cNvPicPr>
+            <a:picLocks noChangeAspect="1"/>
+          </p:cNvPicPr>
+          <p:nvPr/>
+        </p:nvPicPr>
+        <p:blipFill>
+          <a:blip r:embed="rId3">
+            <a:extLst>
+              <a:ext uri="{28A0092B-C50C-407E-A947-70E740481C1C}">
+                <a14:useLocalDpi xmlns:a14="http://schemas.microsoft.com/office/drawing/2010/main" val="0"/>
+              </a:ext>
+            </a:extLst>
+          </a:blip>
+          <a:stretch>
+            <a:fillRect/>
+          </a:stretch>
+        </p:blipFill>
+        <p:spPr>
+          <a:xfrm>
+            <a:off x="744004" y="1419234"/>
+            <a:ext cx="5163271" cy="543001"/>
+          </a:xfrm>
+          <a:prstGeom prst="rect">
+            <a:avLst/>
+          </a:prstGeom>
+        </p:spPr>
+      </p:pic>
+      <mc:AlternateContent xmlns:mc="http://schemas.openxmlformats.org/markup-compatibility/2006">
+        <mc:Choice xmlns:a14="http://schemas.microsoft.com/office/drawing/2010/main" Requires="a14">
+          <p:sp>
+            <p:nvSpPr>
+              <p:cNvPr id="5" name="TextBox 4"/>
+              <p:cNvSpPr txBox="1"/>
+              <p:nvPr/>
+            </p:nvSpPr>
+            <p:spPr>
+              <a:xfrm>
+                <a:off x="506993" y="2199992"/>
+                <a:ext cx="8184333" cy="2674322"/>
+              </a:xfrm>
+              <a:prstGeom prst="rect">
+                <a:avLst/>
+              </a:prstGeom>
+              <a:noFill/>
+            </p:spPr>
+            <p:txBody>
+              <a:bodyPr wrap="square" rtlCol="0">
+                <a:spAutoFit/>
+              </a:bodyPr>
+              <a:lstStyle/>
+              <a:p>
+                <a14:m>
+                  <m:oMath xmlns:m="http://schemas.openxmlformats.org/officeDocument/2006/math">
+                    <m:sSub>
+                      <m:sSubPr>
+                        <m:ctrlPr>
+                          <a:rPr lang="en-US" i="1" smtClean="0">
+                            <a:latin typeface="Cambria Math" panose="02040503050406030204" pitchFamily="18" charset="0"/>
+                          </a:rPr>
+                        </m:ctrlPr>
+                      </m:sSubPr>
+                      <m:e>
+                        <m:r>
+                          <a:rPr lang="en-US" b="0" i="1" smtClean="0">
+                            <a:latin typeface="Cambria Math" panose="02040503050406030204" pitchFamily="18" charset="0"/>
+                          </a:rPr>
+                          <m:t>𝑠</m:t>
+                        </m:r>
+                      </m:e>
+                      <m:sub>
+                        <m:r>
+                          <a:rPr lang="en-US" b="0" i="1" smtClean="0">
+                            <a:latin typeface="Cambria Math" panose="02040503050406030204" pitchFamily="18" charset="0"/>
+                          </a:rPr>
+                          <m:t>𝑓</m:t>
+                        </m:r>
+                      </m:sub>
+                    </m:sSub>
+                  </m:oMath>
+                </a14:m>
+                <a:r>
+                  <a:rPr lang="en-US" dirty="0" smtClean="0"/>
+                  <a:t>: the front strip number of the pixel</a:t>
+                </a:r>
+              </a:p>
+              <a:p>
+                <a14:m>
+                  <m:oMath xmlns:m="http://schemas.openxmlformats.org/officeDocument/2006/math">
+                    <m:sSub>
+                      <m:sSubPr>
+                        <m:ctrlPr>
+                          <a:rPr lang="en-US" i="1">
+                            <a:latin typeface="Cambria Math" panose="02040503050406030204" pitchFamily="18" charset="0"/>
+                          </a:rPr>
+                        </m:ctrlPr>
+                      </m:sSubPr>
+                      <m:e>
+                        <m:r>
+                          <a:rPr lang="en-US" i="1">
+                            <a:latin typeface="Cambria Math" panose="02040503050406030204" pitchFamily="18" charset="0"/>
+                          </a:rPr>
+                          <m:t>𝑠</m:t>
+                        </m:r>
+                      </m:e>
+                      <m:sub>
+                        <m:r>
+                          <a:rPr lang="en-US" b="0" i="1" smtClean="0">
+                            <a:latin typeface="Cambria Math" panose="02040503050406030204" pitchFamily="18" charset="0"/>
+                          </a:rPr>
+                          <m:t>𝑏</m:t>
+                        </m:r>
+                      </m:sub>
+                    </m:sSub>
+                  </m:oMath>
+                </a14:m>
+                <a:r>
+                  <a:rPr lang="en-US" dirty="0" smtClean="0"/>
+                  <a:t>: the back </a:t>
+                </a:r>
+                <a:r>
+                  <a:rPr lang="en-US" dirty="0"/>
+                  <a:t>strip number of the </a:t>
+                </a:r>
+                <a:r>
+                  <a:rPr lang="en-US" dirty="0" smtClean="0"/>
+                  <a:t>pixel</a:t>
+                </a:r>
+              </a:p>
+              <a:p>
+                <a14:m>
+                  <m:oMath xmlns:m="http://schemas.openxmlformats.org/officeDocument/2006/math">
+                    <m:sSub>
+                      <m:sSubPr>
+                        <m:ctrlPr>
+                          <a:rPr lang="en-US" i="1">
+                            <a:latin typeface="Cambria Math" panose="02040503050406030204" pitchFamily="18" charset="0"/>
+                          </a:rPr>
+                        </m:ctrlPr>
+                      </m:sSubPr>
+                      <m:e>
+                        <m:r>
+                          <a:rPr lang="en-US" i="1">
+                            <a:latin typeface="Cambria Math" panose="02040503050406030204" pitchFamily="18" charset="0"/>
+                          </a:rPr>
+                          <m:t>𝑠</m:t>
+                        </m:r>
+                      </m:e>
+                      <m:sub>
+                        <m:r>
+                          <a:rPr lang="en-US" b="0" i="1" smtClean="0">
+                            <a:latin typeface="Cambria Math" panose="02040503050406030204" pitchFamily="18" charset="0"/>
+                          </a:rPr>
+                          <m:t>𝑓</m:t>
+                        </m:r>
+                        <m:r>
+                          <a:rPr lang="en-US" b="0" i="1" smtClean="0">
+                            <a:latin typeface="Cambria Math" panose="02040503050406030204" pitchFamily="18" charset="0"/>
+                          </a:rPr>
+                          <m:t>0</m:t>
+                        </m:r>
+                      </m:sub>
+                    </m:sSub>
+                  </m:oMath>
+                </a14:m>
+                <a:r>
+                  <a:rPr lang="en-US" dirty="0" smtClean="0"/>
+                  <a:t>: the </a:t>
+                </a:r>
+                <a:r>
+                  <a:rPr lang="en-US" dirty="0"/>
+                  <a:t>front strip number of the </a:t>
+                </a:r>
+                <a:r>
+                  <a:rPr lang="en-US" dirty="0" smtClean="0"/>
+                  <a:t>central pixel (the front pin source position)</a:t>
+                </a:r>
+                <a:endParaRPr lang="en-US" dirty="0"/>
+              </a:p>
+              <a:p>
+                <a14:m>
+                  <m:oMath xmlns:m="http://schemas.openxmlformats.org/officeDocument/2006/math">
+                    <m:sSub>
+                      <m:sSubPr>
+                        <m:ctrlPr>
+                          <a:rPr lang="en-US" i="1">
+                            <a:latin typeface="Cambria Math" panose="02040503050406030204" pitchFamily="18" charset="0"/>
+                          </a:rPr>
+                        </m:ctrlPr>
+                      </m:sSubPr>
+                      <m:e>
+                        <m:r>
+                          <a:rPr lang="en-US" i="1">
+                            <a:latin typeface="Cambria Math" panose="02040503050406030204" pitchFamily="18" charset="0"/>
+                          </a:rPr>
+                          <m:t>𝑠</m:t>
+                        </m:r>
+                      </m:e>
+                      <m:sub>
+                        <m:r>
+                          <a:rPr lang="en-US" b="0" i="1" smtClean="0">
+                            <a:latin typeface="Cambria Math" panose="02040503050406030204" pitchFamily="18" charset="0"/>
+                          </a:rPr>
+                          <m:t>𝑏</m:t>
+                        </m:r>
+                        <m:r>
+                          <a:rPr lang="en-US" b="0" i="1" smtClean="0">
+                            <a:latin typeface="Cambria Math" panose="02040503050406030204" pitchFamily="18" charset="0"/>
+                          </a:rPr>
+                          <m:t>0</m:t>
+                        </m:r>
+                      </m:sub>
+                    </m:sSub>
+                  </m:oMath>
+                </a14:m>
+                <a:r>
+                  <a:rPr lang="en-US" dirty="0" smtClean="0"/>
+                  <a:t>: </a:t>
+                </a:r>
+                <a:r>
+                  <a:rPr lang="en-US" dirty="0"/>
+                  <a:t>the </a:t>
+                </a:r>
+                <a:r>
+                  <a:rPr lang="en-US" dirty="0" smtClean="0"/>
+                  <a:t>back </a:t>
+                </a:r>
+                <a:r>
+                  <a:rPr lang="en-US" dirty="0"/>
+                  <a:t>strip number of the central pixel (the </a:t>
+                </a:r>
+                <a:r>
+                  <a:rPr lang="en-US" dirty="0" smtClean="0"/>
+                  <a:t>back </a:t>
+                </a:r>
+                <a:r>
+                  <a:rPr lang="en-US" dirty="0"/>
+                  <a:t>pin source position</a:t>
+                </a:r>
+                <a:r>
+                  <a:rPr lang="en-US" dirty="0" smtClean="0"/>
+                  <a:t>)</a:t>
+                </a:r>
+                <a:endParaRPr lang="en-US" dirty="0"/>
+              </a:p>
+              <a:p>
+                <a14:m>
+                  <m:oMath xmlns:m="http://schemas.openxmlformats.org/officeDocument/2006/math">
+                    <m:sSub>
+                      <m:sSubPr>
+                        <m:ctrlPr>
+                          <a:rPr lang="en-US" i="1">
+                            <a:latin typeface="Cambria Math" panose="02040503050406030204" pitchFamily="18" charset="0"/>
+                          </a:rPr>
+                        </m:ctrlPr>
+                      </m:sSubPr>
+                      <m:e>
+                        <m:r>
+                          <a:rPr lang="en-US" b="0" i="1" smtClean="0">
+                            <a:latin typeface="Cambria Math" panose="02040503050406030204" pitchFamily="18" charset="0"/>
+                          </a:rPr>
+                          <m:t>𝑑</m:t>
+                        </m:r>
+                      </m:e>
+                      <m:sub>
+                        <m:r>
+                          <a:rPr lang="en-US" b="0" i="1" smtClean="0">
+                            <a:latin typeface="Cambria Math" panose="02040503050406030204" pitchFamily="18" charset="0"/>
+                          </a:rPr>
+                          <m:t>0</m:t>
+                        </m:r>
+                      </m:sub>
+                    </m:sSub>
+                  </m:oMath>
+                </a14:m>
+                <a:r>
+                  <a:rPr lang="en-US" dirty="0" smtClean="0"/>
+                  <a:t>: width of each strip(fixed to 1.95mm)</a:t>
+                </a:r>
+              </a:p>
+              <a:p>
+                <a:r>
+                  <a:rPr lang="en-US" dirty="0" smtClean="0"/>
+                  <a:t>h:  the distance from the pin source to the detector surface (fixed to 3.2mm)</a:t>
+                </a:r>
+                <a:endParaRPr lang="en-US" dirty="0"/>
+              </a:p>
+              <a:p>
+                <a14:m>
+                  <m:oMath xmlns:m="http://schemas.openxmlformats.org/officeDocument/2006/math">
+                    <m:sSub>
+                      <m:sSubPr>
+                        <m:ctrlPr>
+                          <a:rPr lang="en-US" i="1">
+                            <a:latin typeface="Cambria Math" panose="02040503050406030204" pitchFamily="18" charset="0"/>
+                          </a:rPr>
+                        </m:ctrlPr>
+                      </m:sSubPr>
+                      <m:e>
+                        <m:r>
+                          <a:rPr lang="en-US" b="0" i="1" smtClean="0">
+                            <a:latin typeface="Cambria Math" panose="02040503050406030204" pitchFamily="18" charset="0"/>
+                          </a:rPr>
+                          <m:t>𝐸</m:t>
+                        </m:r>
+                      </m:e>
+                      <m:sub>
+                        <m:r>
+                          <a:rPr lang="en-US" b="0" i="1" smtClean="0">
+                            <a:latin typeface="Cambria Math" panose="02040503050406030204" pitchFamily="18" charset="0"/>
+                          </a:rPr>
+                          <m:t>0</m:t>
+                        </m:r>
+                      </m:sub>
+                    </m:sSub>
+                  </m:oMath>
+                </a14:m>
+                <a:r>
+                  <a:rPr lang="en-US" dirty="0" smtClean="0"/>
+                  <a:t>: initial energy</a:t>
+                </a:r>
+                <a:endParaRPr lang="en-US" dirty="0"/>
+              </a:p>
+              <a:p>
+                <a:endParaRPr lang="en-US" dirty="0"/>
+              </a:p>
+              <a:p>
+                <a:endParaRPr lang="en-US" dirty="0"/>
+              </a:p>
+            </p:txBody>
+          </p:sp>
+        </mc:Choice>
+        <mc:Fallback>
+          <p:sp>
+            <p:nvSpPr>
+              <p:cNvPr id="5" name="TextBox 4"/>
+              <p:cNvSpPr txBox="1">
+                <a:spLocks noRot="1" noChangeAspect="1" noMove="1" noResize="1" noEditPoints="1" noAdjustHandles="1" noChangeArrowheads="1" noChangeShapeType="1" noTextEdit="1"/>
+              </p:cNvSpPr>
+              <p:nvPr/>
+            </p:nvSpPr>
+            <p:spPr>
+              <a:xfrm>
+                <a:off x="506993" y="2199992"/>
+                <a:ext cx="8184333" cy="2674322"/>
+              </a:xfrm>
+              <a:prstGeom prst="rect">
+                <a:avLst/>
+              </a:prstGeom>
+              <a:blipFill rotWithShape="0">
+                <a:blip r:embed="rId4"/>
+                <a:stretch>
+                  <a:fillRect l="-596" t="-1139"/>
+                </a:stretch>
+              </a:blipFill>
+            </p:spPr>
+            <p:txBody>
+              <a:bodyPr/>
+              <a:lstStyle/>
+              <a:p>
+                <a:r>
+                  <a:rPr lang="en-US">
+                    <a:noFill/>
+                  </a:rPr>
+                  <a:t> </a:t>
+                </a:r>
+              </a:p>
+            </p:txBody>
+          </p:sp>
+        </mc:Fallback>
+      </mc:AlternateContent>
+      <mc:AlternateContent xmlns:mc="http://schemas.openxmlformats.org/markup-compatibility/2006">
+        <mc:Choice xmlns:a14="http://schemas.microsoft.com/office/drawing/2010/main" Requires="a14">
+          <p:sp>
+            <p:nvSpPr>
+              <p:cNvPr id="6" name="TextBox 5"/>
+              <p:cNvSpPr txBox="1"/>
+              <p:nvPr/>
+            </p:nvSpPr>
+            <p:spPr>
+              <a:xfrm>
+                <a:off x="506993" y="4472412"/>
+                <a:ext cx="5567882" cy="369332"/>
+              </a:xfrm>
+              <a:prstGeom prst="rect">
+                <a:avLst/>
+              </a:prstGeom>
+              <a:noFill/>
+            </p:spPr>
+            <p:txBody>
+              <a:bodyPr wrap="square" rtlCol="0">
+                <a:spAutoFit/>
+              </a:bodyPr>
+              <a:lstStyle/>
+              <a:p>
+                <a:r>
+                  <a:rPr lang="en-US" b="1" dirty="0" smtClean="0">
+                    <a:solidFill>
+                      <a:srgbClr val="FF0000"/>
+                    </a:solidFill>
+                  </a:rPr>
+                  <a:t>Only 2 free parameters: T and </a:t>
+                </a:r>
+                <a14:m>
+                  <m:oMath xmlns:m="http://schemas.openxmlformats.org/officeDocument/2006/math">
+                    <m:sSub>
+                      <m:sSubPr>
+                        <m:ctrlPr>
+                          <a:rPr lang="en-US" b="1" i="1">
+                            <a:solidFill>
+                              <a:srgbClr val="FF0000"/>
+                            </a:solidFill>
+                            <a:latin typeface="Cambria Math" panose="02040503050406030204" pitchFamily="18" charset="0"/>
+                          </a:rPr>
+                        </m:ctrlPr>
+                      </m:sSubPr>
+                      <m:e>
+                        <m:r>
+                          <a:rPr lang="en-US" b="1" i="1">
+                            <a:solidFill>
+                              <a:srgbClr val="FF0000"/>
+                            </a:solidFill>
+                            <a:latin typeface="Cambria Math" panose="02040503050406030204" pitchFamily="18" charset="0"/>
+                          </a:rPr>
+                          <m:t>𝑬</m:t>
+                        </m:r>
+                      </m:e>
+                      <m:sub>
+                        <m:r>
+                          <a:rPr lang="en-US" b="1" i="1">
+                            <a:solidFill>
+                              <a:srgbClr val="FF0000"/>
+                            </a:solidFill>
+                            <a:latin typeface="Cambria Math" panose="02040503050406030204" pitchFamily="18" charset="0"/>
+                          </a:rPr>
+                          <m:t>𝟎</m:t>
+                        </m:r>
+                      </m:sub>
+                    </m:sSub>
+                  </m:oMath>
+                </a14:m>
+                <a:endParaRPr lang="en-US" b="1" dirty="0"/>
+              </a:p>
+            </p:txBody>
+          </p:sp>
+        </mc:Choice>
+        <mc:Fallback>
+          <p:sp>
+            <p:nvSpPr>
+              <p:cNvPr id="6" name="TextBox 5"/>
+              <p:cNvSpPr txBox="1">
+                <a:spLocks noRot="1" noChangeAspect="1" noMove="1" noResize="1" noEditPoints="1" noAdjustHandles="1" noChangeArrowheads="1" noChangeShapeType="1" noTextEdit="1"/>
+              </p:cNvSpPr>
+              <p:nvPr/>
+            </p:nvSpPr>
+            <p:spPr>
+              <a:xfrm>
+                <a:off x="506993" y="4472412"/>
+                <a:ext cx="5567882" cy="369332"/>
+              </a:xfrm>
+              <a:prstGeom prst="rect">
+                <a:avLst/>
+              </a:prstGeom>
+              <a:blipFill rotWithShape="0">
+                <a:blip r:embed="rId5"/>
+                <a:stretch>
+                  <a:fillRect l="-875" t="-10000" b="-26667"/>
+                </a:stretch>
+              </a:blipFill>
+            </p:spPr>
+            <p:txBody>
+              <a:bodyPr/>
+              <a:lstStyle/>
+              <a:p>
+                <a:r>
+                  <a:rPr lang="en-US">
+                    <a:noFill/>
+                  </a:rPr>
+                  <a:t> </a:t>
+                </a:r>
+              </a:p>
+            </p:txBody>
+          </p:sp>
+        </mc:Fallback>
+      </mc:AlternateContent>
+      <p:pic>
+        <p:nvPicPr>
+          <p:cNvPr id="7" name="Picture 6"/>
+          <p:cNvPicPr>
+            <a:picLocks noChangeAspect="1"/>
+          </p:cNvPicPr>
+          <p:nvPr/>
+        </p:nvPicPr>
+        <p:blipFill>
+          <a:blip r:embed="rId6">
+            <a:extLst>
+              <a:ext uri="{28A0092B-C50C-407E-A947-70E740481C1C}">
+                <a14:useLocalDpi xmlns:a14="http://schemas.microsoft.com/office/drawing/2010/main" val="0"/>
+              </a:ext>
+            </a:extLst>
+          </a:blip>
+          <a:stretch>
+            <a:fillRect/>
+          </a:stretch>
+        </p:blipFill>
+        <p:spPr>
+          <a:xfrm>
+            <a:off x="7769089" y="133470"/>
+            <a:ext cx="4059493" cy="3187609"/>
+          </a:xfrm>
+          <a:prstGeom prst="rect">
+            <a:avLst/>
+          </a:prstGeom>
+        </p:spPr>
+      </p:pic>
+      <p:pic>
+        <p:nvPicPr>
+          <p:cNvPr id="8" name="Picture 7"/>
+          <p:cNvPicPr>
+            <a:picLocks noChangeAspect="1"/>
+          </p:cNvPicPr>
+          <p:nvPr/>
+        </p:nvPicPr>
+        <p:blipFill>
+          <a:blip r:embed="rId7">
+            <a:extLst>
+              <a:ext uri="{28A0092B-C50C-407E-A947-70E740481C1C}">
+                <a14:useLocalDpi xmlns:a14="http://schemas.microsoft.com/office/drawing/2010/main" val="0"/>
+              </a:ext>
+            </a:extLst>
+          </a:blip>
+          <a:stretch>
+            <a:fillRect/>
+          </a:stretch>
+        </p:blipFill>
+        <p:spPr>
+          <a:xfrm>
+            <a:off x="8256762" y="3321079"/>
+            <a:ext cx="3690998" cy="3295534"/>
+          </a:xfrm>
+          <a:prstGeom prst="rect">
+            <a:avLst/>
+          </a:prstGeom>
+        </p:spPr>
+      </p:pic>
+      <mc:AlternateContent xmlns:mc="http://schemas.openxmlformats.org/markup-compatibility/2006">
+        <mc:Choice xmlns:a14="http://schemas.microsoft.com/office/drawing/2010/main" Requires="a14">
+          <p:sp>
+            <p:nvSpPr>
+              <p:cNvPr id="9" name="TextBox 8"/>
+              <p:cNvSpPr txBox="1"/>
+              <p:nvPr/>
+            </p:nvSpPr>
+            <p:spPr>
+              <a:xfrm>
+                <a:off x="10032648" y="3702868"/>
+                <a:ext cx="1681130" cy="307777"/>
+              </a:xfrm>
+              <a:prstGeom prst="rect">
+                <a:avLst/>
+              </a:prstGeom>
+              <a:noFill/>
+            </p:spPr>
+            <p:txBody>
+              <a:bodyPr wrap="square" rtlCol="0">
+                <a:spAutoFit/>
+              </a:bodyPr>
+              <a:lstStyle/>
+              <a:p>
+                <a14:m>
+                  <m:oMathPara xmlns:m="http://schemas.openxmlformats.org/officeDocument/2006/math">
+                    <m:oMathParaPr>
+                      <m:jc m:val="centerGroup"/>
+                    </m:oMathParaPr>
+                    <m:oMath xmlns:m="http://schemas.openxmlformats.org/officeDocument/2006/math">
+                      <m:r>
+                        <a:rPr lang="en-US" sz="1400" b="1" i="1" smtClean="0">
+                          <a:solidFill>
+                            <a:srgbClr val="FF0000"/>
+                          </a:solidFill>
+                          <a:latin typeface="Cambria Math" panose="02040503050406030204" pitchFamily="18" charset="0"/>
+                        </a:rPr>
+                        <m:t>𝟎</m:t>
+                      </m:r>
+                      <m:r>
+                        <a:rPr lang="en-US" sz="1400" b="1" i="1" smtClean="0">
+                          <a:solidFill>
+                            <a:srgbClr val="FF0000"/>
+                          </a:solidFill>
+                          <a:latin typeface="Cambria Math" panose="02040503050406030204" pitchFamily="18" charset="0"/>
+                        </a:rPr>
+                        <m:t>.</m:t>
+                      </m:r>
+                      <m:r>
+                        <a:rPr lang="en-US" sz="1400" b="1" i="1" smtClean="0">
+                          <a:solidFill>
+                            <a:srgbClr val="FF0000"/>
+                          </a:solidFill>
+                          <a:latin typeface="Cambria Math" panose="02040503050406030204" pitchFamily="18" charset="0"/>
+                        </a:rPr>
+                        <m:t>𝟔𝟏</m:t>
+                      </m:r>
+                      <m:r>
+                        <a:rPr lang="en-US" sz="1400" b="1" i="1" smtClean="0">
+                          <a:solidFill>
+                            <a:srgbClr val="FF0000"/>
+                          </a:solidFill>
+                          <a:latin typeface="Cambria Math" panose="02040503050406030204" pitchFamily="18" charset="0"/>
+                          <a:ea typeface="Cambria Math" panose="02040503050406030204" pitchFamily="18" charset="0"/>
+                        </a:rPr>
+                        <m:t>±</m:t>
+                      </m:r>
+                      <m:r>
+                        <a:rPr lang="en-US" sz="1400" b="1" i="1" smtClean="0">
+                          <a:solidFill>
+                            <a:srgbClr val="FF0000"/>
+                          </a:solidFill>
+                          <a:latin typeface="Cambria Math" panose="02040503050406030204" pitchFamily="18" charset="0"/>
+                          <a:ea typeface="Cambria Math" panose="02040503050406030204" pitchFamily="18" charset="0"/>
+                        </a:rPr>
+                        <m:t>𝟎</m:t>
+                      </m:r>
+                      <m:r>
+                        <a:rPr lang="en-US" sz="1400" b="1" i="1" smtClean="0">
+                          <a:solidFill>
+                            <a:srgbClr val="FF0000"/>
+                          </a:solidFill>
+                          <a:latin typeface="Cambria Math" panose="02040503050406030204" pitchFamily="18" charset="0"/>
+                          <a:ea typeface="Cambria Math" panose="02040503050406030204" pitchFamily="18" charset="0"/>
+                        </a:rPr>
+                        <m:t>.</m:t>
+                      </m:r>
+                      <m:r>
+                        <a:rPr lang="en-US" sz="1400" b="1" i="1" smtClean="0">
+                          <a:solidFill>
+                            <a:srgbClr val="FF0000"/>
+                          </a:solidFill>
+                          <a:latin typeface="Cambria Math" panose="02040503050406030204" pitchFamily="18" charset="0"/>
+                          <a:ea typeface="Cambria Math" panose="02040503050406030204" pitchFamily="18" charset="0"/>
+                        </a:rPr>
+                        <m:t>𝟎𝟕</m:t>
+                      </m:r>
+                      <m:r>
+                        <a:rPr lang="en-US" sz="1400" b="1" i="1" smtClean="0">
+                          <a:solidFill>
+                            <a:srgbClr val="FF0000"/>
+                          </a:solidFill>
+                          <a:latin typeface="Cambria Math" panose="02040503050406030204" pitchFamily="18" charset="0"/>
+                          <a:ea typeface="Cambria Math" panose="02040503050406030204" pitchFamily="18" charset="0"/>
+                        </a:rPr>
+                        <m:t>𝝁</m:t>
+                      </m:r>
+                      <m:r>
+                        <a:rPr lang="en-US" sz="1400" b="1" i="1" smtClean="0">
+                          <a:solidFill>
+                            <a:srgbClr val="FF0000"/>
+                          </a:solidFill>
+                          <a:latin typeface="Cambria Math" panose="02040503050406030204" pitchFamily="18" charset="0"/>
+                          <a:ea typeface="Cambria Math" panose="02040503050406030204" pitchFamily="18" charset="0"/>
+                        </a:rPr>
+                        <m:t>𝒎</m:t>
+                      </m:r>
+                    </m:oMath>
+                  </m:oMathPara>
+                </a14:m>
+                <a:endParaRPr lang="en-US" sz="1400" b="1" dirty="0">
+                  <a:solidFill>
+                    <a:srgbClr val="FF0000"/>
+                  </a:solidFill>
+                </a:endParaRPr>
+              </a:p>
+            </p:txBody>
+          </p:sp>
+        </mc:Choice>
+        <mc:Fallback>
+          <p:sp>
+            <p:nvSpPr>
+              <p:cNvPr id="9" name="TextBox 8"/>
+              <p:cNvSpPr txBox="1">
+                <a:spLocks noRot="1" noChangeAspect="1" noMove="1" noResize="1" noEditPoints="1" noAdjustHandles="1" noChangeArrowheads="1" noChangeShapeType="1" noTextEdit="1"/>
+              </p:cNvSpPr>
+              <p:nvPr/>
+            </p:nvSpPr>
+            <p:spPr>
+              <a:xfrm>
+                <a:off x="10032648" y="3702868"/>
+                <a:ext cx="1681130" cy="307777"/>
+              </a:xfrm>
+              <a:prstGeom prst="rect">
+                <a:avLst/>
+              </a:prstGeom>
+              <a:blipFill rotWithShape="0">
+                <a:blip r:embed="rId8"/>
+                <a:stretch>
+                  <a:fillRect b="-5882"/>
+                </a:stretch>
+              </a:blipFill>
+            </p:spPr>
+            <p:txBody>
+              <a:bodyPr/>
+              <a:lstStyle/>
+              <a:p>
+                <a:r>
+                  <a:rPr lang="en-US">
+                    <a:noFill/>
+                  </a:rPr>
+                  <a:t> </a:t>
+                </a:r>
+              </a:p>
+            </p:txBody>
+          </p:sp>
+        </mc:Fallback>
+      </mc:AlternateContent>
+    </p:spTree>
+    <p:extLst>
+      <p:ext uri="{BB962C8B-B14F-4D97-AF65-F5344CB8AC3E}">
+        <p14:creationId xmlns:p14="http://schemas.microsoft.com/office/powerpoint/2010/main" val="2806492060"/>
+      </p:ext>
+    </p:extLst>
+  </p:cSld>
+  <p:clrMapOvr>
+    <a:masterClrMapping/>
+  </p:clrMapOvr>
+</p:sld>
+</file>
+
+<file path=ppt/slides/slide12.xml><?xml version="1.0" encoding="utf-8"?>
+<p:sld xmlns:a="http://schemas.openxmlformats.org/drawingml/2006/main" xmlns:r="http://schemas.openxmlformats.org/officeDocument/2006/relationships" xmlns:p="http://schemas.openxmlformats.org/presentationml/2006/main">
+  <p:cSld>
+    <p:spTree>
+      <p:nvGrpSpPr>
+        <p:cNvPr id="1" name=""/>
+        <p:cNvGrpSpPr/>
+        <p:nvPr/>
+      </p:nvGrpSpPr>
+      <p:grpSpPr>
+        <a:xfrm>
+          <a:off x="0" y="0"/>
+          <a:ext cx="0" cy="0"/>
+          <a:chOff x="0" y="0"/>
+          <a:chExt cx="0" cy="0"/>
+        </a:xfrm>
+      </p:grpSpPr>
+      <p:sp>
+        <p:nvSpPr>
+          <p:cNvPr id="4" name="TextBox 3"/>
+          <p:cNvSpPr txBox="1"/>
+          <p:nvPr/>
+        </p:nvSpPr>
+        <p:spPr>
+          <a:xfrm>
+            <a:off x="0" y="0"/>
+            <a:ext cx="7010400" cy="584775"/>
+          </a:xfrm>
+          <a:prstGeom prst="rect">
+            <a:avLst/>
+          </a:prstGeom>
+          <a:noFill/>
+        </p:spPr>
+        <p:txBody>
+          <a:bodyPr wrap="square" rtlCol="0">
+            <a:spAutoFit/>
+          </a:bodyPr>
+          <a:lstStyle/>
+          <a:p>
+            <a:r>
+              <a:rPr lang="en-US" sz="1600" dirty="0" smtClean="0">
+                <a:solidFill>
+                  <a:srgbClr val="FF0000"/>
+                </a:solidFill>
+              </a:rPr>
+              <a:t>Date: </a:t>
+            </a:r>
+            <a:r>
+              <a:rPr lang="en-US" sz="1600" dirty="0" smtClean="0">
+                <a:solidFill>
+                  <a:srgbClr val="FF0000"/>
+                </a:solidFill>
+              </a:rPr>
+              <a:t>2018-10-28</a:t>
+            </a:r>
+            <a:endParaRPr lang="en-US" sz="1600" dirty="0" smtClean="0">
+              <a:solidFill>
+                <a:srgbClr val="FF0000"/>
+              </a:solidFill>
+            </a:endParaRPr>
+          </a:p>
+          <a:p>
+            <a:r>
+              <a:rPr lang="en-US" sz="1600" dirty="0" smtClean="0">
+                <a:solidFill>
+                  <a:srgbClr val="FF0000"/>
+                </a:solidFill>
+              </a:rPr>
+              <a:t>Source:  </a:t>
+            </a:r>
+            <a:r>
+              <a:rPr lang="en-US" sz="1600" dirty="0">
+                <a:hlinkClick r:id="rId2" tooltip="Persistent link using digital object identifier"/>
+              </a:rPr>
+              <a:t>https://doi.org/10.1016/j.nima.2017.12.082</a:t>
+            </a:r>
+            <a:endParaRPr lang="en-US" sz="1600" dirty="0">
+              <a:solidFill>
+                <a:srgbClr val="FF0000"/>
+              </a:solidFill>
+            </a:endParaRPr>
+          </a:p>
+        </p:txBody>
+      </p:sp>
+      <p:sp>
+        <p:nvSpPr>
+          <p:cNvPr id="3" name="TextBox 2"/>
+          <p:cNvSpPr txBox="1"/>
+          <p:nvPr/>
+        </p:nvSpPr>
+        <p:spPr>
+          <a:xfrm>
+            <a:off x="126749" y="787650"/>
+            <a:ext cx="4074059" cy="369332"/>
+          </a:xfrm>
+          <a:prstGeom prst="rect">
+            <a:avLst/>
+          </a:prstGeom>
+          <a:noFill/>
+        </p:spPr>
+        <p:txBody>
+          <a:bodyPr wrap="square" rtlCol="0">
+            <a:spAutoFit/>
+          </a:bodyPr>
+          <a:lstStyle/>
+          <a:p>
+            <a:r>
+              <a:rPr lang="en-US" dirty="0" smtClean="0">
+                <a:latin typeface="Times New Roman" panose="02020603050405020304" pitchFamily="18" charset="0"/>
+                <a:cs typeface="Times New Roman" panose="02020603050405020304" pitchFamily="18" charset="0"/>
+              </a:rPr>
+              <a:t>3. Si detector thickness determination</a:t>
+            </a:r>
+            <a:endParaRPr lang="en-US" dirty="0">
+              <a:latin typeface="Times New Roman" panose="02020603050405020304" pitchFamily="18" charset="0"/>
+              <a:cs typeface="Times New Roman" panose="02020603050405020304" pitchFamily="18" charset="0"/>
+            </a:endParaRPr>
+          </a:p>
+        </p:txBody>
+      </p:sp>
+      <p:sp>
+        <p:nvSpPr>
+          <p:cNvPr id="2" name="TextBox 1"/>
+          <p:cNvSpPr txBox="1"/>
+          <p:nvPr/>
+        </p:nvSpPr>
+        <p:spPr>
+          <a:xfrm>
+            <a:off x="190122" y="1376127"/>
+            <a:ext cx="11108603" cy="923330"/>
+          </a:xfrm>
+          <a:prstGeom prst="rect">
+            <a:avLst/>
+          </a:prstGeom>
+          <a:noFill/>
+        </p:spPr>
+        <p:txBody>
+          <a:bodyPr wrap="square" rtlCol="0">
+            <a:spAutoFit/>
+          </a:bodyPr>
+          <a:lstStyle/>
+          <a:p>
+            <a:r>
+              <a:rPr lang="en-US" dirty="0" smtClean="0"/>
+              <a:t>(1) Dead layer has a </a:t>
+            </a:r>
+            <a:r>
+              <a:rPr lang="en-US" b="1" dirty="0" smtClean="0">
+                <a:solidFill>
+                  <a:srgbClr val="00B050"/>
+                </a:solidFill>
+              </a:rPr>
+              <a:t>smaller effect on relatively high energy particles </a:t>
+            </a:r>
+            <a:r>
+              <a:rPr lang="en-US" dirty="0" smtClean="0"/>
+              <a:t>that punch through the entire E </a:t>
+            </a:r>
+          </a:p>
+          <a:p>
+            <a:r>
+              <a:rPr lang="en-US" dirty="0" smtClean="0"/>
+              <a:t>      detector.  In this case, it’s important to understand the overall thickness of E since </a:t>
+            </a:r>
+            <a:r>
+              <a:rPr lang="en-US" b="1" dirty="0" err="1" smtClean="0">
+                <a:solidFill>
+                  <a:srgbClr val="00B050"/>
+                </a:solidFill>
+              </a:rPr>
+              <a:t>CsI</a:t>
+            </a:r>
+            <a:r>
+              <a:rPr lang="en-US" b="1" dirty="0" smtClean="0">
+                <a:solidFill>
+                  <a:srgbClr val="00B050"/>
+                </a:solidFill>
+              </a:rPr>
+              <a:t> are typically </a:t>
+            </a:r>
+          </a:p>
+          <a:p>
+            <a:r>
+              <a:rPr lang="en-US" b="1" dirty="0">
+                <a:solidFill>
+                  <a:srgbClr val="00B050"/>
+                </a:solidFill>
+              </a:rPr>
+              <a:t> </a:t>
+            </a:r>
+            <a:r>
+              <a:rPr lang="en-US" b="1" dirty="0" smtClean="0">
+                <a:solidFill>
+                  <a:srgbClr val="00B050"/>
+                </a:solidFill>
+              </a:rPr>
+              <a:t>     calibrated using particles that punch-through the E.</a:t>
+            </a:r>
+            <a:endParaRPr lang="en-US" b="1" dirty="0">
+              <a:solidFill>
+                <a:srgbClr val="00B050"/>
+              </a:solidFill>
+            </a:endParaRPr>
+          </a:p>
+        </p:txBody>
+      </p:sp>
+      <mc:AlternateContent xmlns:mc="http://schemas.openxmlformats.org/markup-compatibility/2006">
+        <mc:Choice xmlns:a14="http://schemas.microsoft.com/office/drawing/2010/main" Requires="a14">
+          <p:sp>
+            <p:nvSpPr>
+              <p:cNvPr id="5" name="TextBox 4"/>
+              <p:cNvSpPr txBox="1"/>
+              <p:nvPr/>
+            </p:nvSpPr>
+            <p:spPr>
+              <a:xfrm>
+                <a:off x="190121" y="2518602"/>
+                <a:ext cx="10076507" cy="1200329"/>
+              </a:xfrm>
+              <a:prstGeom prst="rect">
+                <a:avLst/>
+              </a:prstGeom>
+              <a:noFill/>
+            </p:spPr>
+            <p:txBody>
+              <a:bodyPr wrap="square" rtlCol="0">
+                <a:spAutoFit/>
+              </a:bodyPr>
+              <a:lstStyle/>
+              <a:p>
+                <a:r>
+                  <a:rPr lang="en-US" dirty="0" smtClean="0"/>
+                  <a:t>(2) Two ways to calibrate a </a:t>
+                </a:r>
+                <a:r>
+                  <a:rPr lang="en-US" dirty="0" err="1" smtClean="0"/>
+                  <a:t>CsI</a:t>
+                </a:r>
+                <a:r>
+                  <a:rPr lang="en-US" dirty="0" smtClean="0"/>
+                  <a:t> crystal:</a:t>
+                </a:r>
+              </a:p>
+              <a:p>
+                <a:r>
+                  <a:rPr lang="en-US" dirty="0"/>
+                  <a:t> </a:t>
+                </a:r>
+                <a:r>
+                  <a:rPr lang="en-US" dirty="0" smtClean="0"/>
+                  <a:t>    &lt;1&gt; </a:t>
+                </a:r>
+                <a:r>
+                  <a:rPr lang="en-US" b="1" dirty="0" smtClean="0">
+                    <a:solidFill>
+                      <a:srgbClr val="FF0000"/>
+                    </a:solidFill>
+                  </a:rPr>
+                  <a:t>Kinematics points: </a:t>
+                </a:r>
+                <a:r>
+                  <a:rPr lang="en-US" dirty="0" smtClean="0"/>
+                  <a:t>elastically scatter light charge particle at known energies into the crystal</a:t>
+                </a:r>
+              </a:p>
+              <a:p>
+                <a:r>
+                  <a:rPr lang="en-US" dirty="0"/>
+                  <a:t> </a:t>
+                </a:r>
+                <a:r>
+                  <a:rPr lang="en-US" dirty="0" smtClean="0"/>
+                  <a:t>            ●  projectile: proton,  target: CH2</a:t>
+                </a:r>
+              </a:p>
+              <a:p>
+                <a:r>
+                  <a:rPr lang="en-US" dirty="0"/>
+                  <a:t> </a:t>
+                </a:r>
+                <a:r>
+                  <a:rPr lang="en-US" dirty="0" smtClean="0"/>
+                  <a:t>                      reaction channel: </a:t>
+                </a:r>
+                <a14:m>
+                  <m:oMath xmlns:m="http://schemas.openxmlformats.org/officeDocument/2006/math">
+                    <m:r>
+                      <a:rPr lang="en-US" b="0" i="1" smtClean="0">
+                        <a:latin typeface="Cambria Math" panose="02040503050406030204" pitchFamily="18" charset="0"/>
+                      </a:rPr>
+                      <m:t>𝑝</m:t>
+                    </m:r>
+                    <m:r>
+                      <a:rPr lang="en-US" b="0" i="1" smtClean="0">
+                        <a:latin typeface="Cambria Math" panose="02040503050406030204" pitchFamily="18" charset="0"/>
+                      </a:rPr>
+                      <m:t>+</m:t>
+                    </m:r>
+                    <m:r>
+                      <a:rPr lang="en-US" b="0" i="1" smtClean="0">
+                        <a:latin typeface="Cambria Math" panose="02040503050406030204" pitchFamily="18" charset="0"/>
+                      </a:rPr>
+                      <m:t>𝐶</m:t>
+                    </m:r>
+                    <m:r>
+                      <a:rPr lang="en-US" b="0" i="1" smtClean="0">
+                        <a:latin typeface="Cambria Math" panose="02040503050406030204" pitchFamily="18" charset="0"/>
+                        <a:ea typeface="Cambria Math" panose="02040503050406030204" pitchFamily="18" charset="0"/>
+                      </a:rPr>
+                      <m:t>→</m:t>
+                    </m:r>
+                    <m:r>
+                      <a:rPr lang="en-US" b="0" i="1" smtClean="0">
+                        <a:latin typeface="Cambria Math" panose="02040503050406030204" pitchFamily="18" charset="0"/>
+                        <a:ea typeface="Cambria Math" panose="02040503050406030204" pitchFamily="18" charset="0"/>
+                      </a:rPr>
+                      <m:t>𝑝</m:t>
+                    </m:r>
+                    <m:r>
+                      <a:rPr lang="en-US" b="0" i="1" smtClean="0">
+                        <a:latin typeface="Cambria Math" panose="02040503050406030204" pitchFamily="18" charset="0"/>
+                        <a:ea typeface="Cambria Math" panose="02040503050406030204" pitchFamily="18" charset="0"/>
+                      </a:rPr>
+                      <m:t>+</m:t>
+                    </m:r>
+                    <m:r>
+                      <a:rPr lang="en-US" b="0" i="1" smtClean="0">
+                        <a:latin typeface="Cambria Math" panose="02040503050406030204" pitchFamily="18" charset="0"/>
+                        <a:ea typeface="Cambria Math" panose="02040503050406030204" pitchFamily="18" charset="0"/>
+                      </a:rPr>
+                      <m:t>𝐶</m:t>
+                    </m:r>
+                  </m:oMath>
+                </a14:m>
+                <a:endParaRPr lang="en-US" dirty="0"/>
+              </a:p>
+            </p:txBody>
+          </p:sp>
+        </mc:Choice>
+        <mc:Fallback>
+          <p:sp>
+            <p:nvSpPr>
+              <p:cNvPr id="5" name="TextBox 4"/>
+              <p:cNvSpPr txBox="1">
+                <a:spLocks noRot="1" noChangeAspect="1" noMove="1" noResize="1" noEditPoints="1" noAdjustHandles="1" noChangeArrowheads="1" noChangeShapeType="1" noTextEdit="1"/>
+              </p:cNvSpPr>
+              <p:nvPr/>
+            </p:nvSpPr>
+            <p:spPr>
+              <a:xfrm>
+                <a:off x="190121" y="2518602"/>
+                <a:ext cx="10076507" cy="1200329"/>
+              </a:xfrm>
+              <a:prstGeom prst="rect">
+                <a:avLst/>
+              </a:prstGeom>
+              <a:blipFill rotWithShape="0">
+                <a:blip r:embed="rId3"/>
+                <a:stretch>
+                  <a:fillRect l="-484" t="-2538" b="-7107"/>
+                </a:stretch>
+              </a:blipFill>
+            </p:spPr>
+            <p:txBody>
+              <a:bodyPr/>
+              <a:lstStyle/>
+              <a:p>
+                <a:r>
+                  <a:rPr lang="en-US">
+                    <a:noFill/>
+                  </a:rPr>
+                  <a:t> </a:t>
+                </a:r>
+              </a:p>
+            </p:txBody>
+          </p:sp>
+        </mc:Fallback>
+      </mc:AlternateContent>
+      <p:sp>
+        <p:nvSpPr>
+          <p:cNvPr id="6" name="Rectangle 5"/>
+          <p:cNvSpPr/>
+          <p:nvPr/>
+        </p:nvSpPr>
+        <p:spPr>
+          <a:xfrm>
+            <a:off x="876930" y="3753410"/>
+            <a:ext cx="9598461" cy="646331"/>
+          </a:xfrm>
+          <a:prstGeom prst="rect">
+            <a:avLst/>
+          </a:prstGeom>
+        </p:spPr>
+        <p:txBody>
+          <a:bodyPr wrap="none">
+            <a:spAutoFit/>
+          </a:bodyPr>
+          <a:lstStyle/>
+          <a:p>
+            <a:r>
+              <a:rPr lang="en-US" dirty="0"/>
+              <a:t>●  </a:t>
+            </a:r>
+            <a:r>
+              <a:rPr lang="en-US" dirty="0" smtClean="0"/>
+              <a:t>In this experiment, since the kinematic relationship between scattering angle and energy is weak, </a:t>
+            </a:r>
+          </a:p>
+          <a:p>
+            <a:r>
+              <a:rPr lang="en-US" dirty="0"/>
+              <a:t> </a:t>
+            </a:r>
+            <a:r>
+              <a:rPr lang="en-US" dirty="0" smtClean="0"/>
+              <a:t>    this results in one elastically scattered proton calibration per crystal.</a:t>
+            </a:r>
+            <a:endParaRPr lang="en-US" dirty="0"/>
+          </a:p>
+        </p:txBody>
+      </p:sp>
+      <p:pic>
+        <p:nvPicPr>
+          <p:cNvPr id="7" name="Picture 6"/>
+          <p:cNvPicPr>
+            <a:picLocks noChangeAspect="1"/>
+          </p:cNvPicPr>
+          <p:nvPr/>
+        </p:nvPicPr>
+        <p:blipFill>
+          <a:blip r:embed="rId4">
+            <a:extLst>
+              <a:ext uri="{28A0092B-C50C-407E-A947-70E740481C1C}">
+                <a14:useLocalDpi xmlns:a14="http://schemas.microsoft.com/office/drawing/2010/main" val="0"/>
+              </a:ext>
+            </a:extLst>
+          </a:blip>
+          <a:stretch>
+            <a:fillRect/>
+          </a:stretch>
+        </p:blipFill>
+        <p:spPr>
+          <a:xfrm>
+            <a:off x="8039476" y="4106679"/>
+            <a:ext cx="4025775" cy="2751321"/>
+          </a:xfrm>
+          <a:prstGeom prst="rect">
+            <a:avLst/>
+          </a:prstGeom>
+        </p:spPr>
+      </p:pic>
+      <mc:AlternateContent xmlns:mc="http://schemas.openxmlformats.org/markup-compatibility/2006">
+        <mc:Choice xmlns:a14="http://schemas.microsoft.com/office/drawing/2010/main" Requires="a14">
+          <p:sp>
+            <p:nvSpPr>
+              <p:cNvPr id="8" name="Rectangle 7"/>
+              <p:cNvSpPr/>
+              <p:nvPr/>
+            </p:nvSpPr>
+            <p:spPr>
+              <a:xfrm>
+                <a:off x="876929" y="4553532"/>
+                <a:ext cx="6773393" cy="946991"/>
+              </a:xfrm>
+              <a:prstGeom prst="rect">
+                <a:avLst/>
+              </a:prstGeom>
+            </p:spPr>
+            <p:txBody>
+              <a:bodyPr wrap="none">
+                <a:spAutoFit/>
+              </a:bodyPr>
+              <a:lstStyle/>
+              <a:p>
+                <a:r>
+                  <a:rPr lang="en-US" dirty="0" smtClean="0"/>
+                  <a:t>● For kinematic points: the higher energy peak corresponds to proton </a:t>
+                </a:r>
+              </a:p>
+              <a:p>
+                <a:r>
+                  <a:rPr lang="en-US" dirty="0"/>
+                  <a:t> </a:t>
+                </a:r>
+                <a:r>
+                  <a:rPr lang="en-US" dirty="0" smtClean="0"/>
+                  <a:t>   elastic scattering off carbon, and the lower peak is from inelastic </a:t>
+                </a:r>
+              </a:p>
+              <a:p>
+                <a:r>
+                  <a:rPr lang="en-US" dirty="0"/>
+                  <a:t> </a:t>
+                </a:r>
+                <a:r>
+                  <a:rPr lang="en-US" dirty="0" smtClean="0"/>
+                  <a:t>   scattering (</a:t>
+                </a:r>
+                <a14:m>
+                  <m:oMath xmlns:m="http://schemas.openxmlformats.org/officeDocument/2006/math">
+                    <m:sSup>
+                      <m:sSupPr>
+                        <m:ctrlPr>
+                          <a:rPr lang="en-US" b="0" i="1" smtClean="0">
+                            <a:latin typeface="Cambria Math" panose="02040503050406030204" pitchFamily="18" charset="0"/>
+                          </a:rPr>
+                        </m:ctrlPr>
+                      </m:sSupPr>
+                      <m:e>
+                        <m:r>
+                          <a:rPr lang="en-US" b="0" i="1" smtClean="0">
+                            <a:latin typeface="Cambria Math" panose="02040503050406030204" pitchFamily="18" charset="0"/>
+                          </a:rPr>
+                          <m:t>𝐸</m:t>
+                        </m:r>
+                      </m:e>
+                      <m:sup>
+                        <m:r>
+                          <a:rPr lang="en-US" b="0" i="1" smtClean="0">
+                            <a:latin typeface="Cambria Math" panose="02040503050406030204" pitchFamily="18" charset="0"/>
+                          </a:rPr>
+                          <m:t>∗</m:t>
+                        </m:r>
+                      </m:sup>
+                    </m:sSup>
+                    <m:d>
+                      <m:dPr>
+                        <m:ctrlPr>
+                          <a:rPr lang="en-US" b="0" i="1" smtClean="0">
+                            <a:latin typeface="Cambria Math" panose="02040503050406030204" pitchFamily="18" charset="0"/>
+                          </a:rPr>
+                        </m:ctrlPr>
+                      </m:dPr>
+                      <m:e>
+                        <m:r>
+                          <a:rPr lang="en-US" b="0" i="1" smtClean="0">
+                            <a:latin typeface="Cambria Math" panose="02040503050406030204" pitchFamily="18" charset="0"/>
+                          </a:rPr>
+                          <m:t>12</m:t>
+                        </m:r>
+                        <m:r>
+                          <a:rPr lang="en-US" b="0" i="1" smtClean="0">
+                            <a:latin typeface="Cambria Math" panose="02040503050406030204" pitchFamily="18" charset="0"/>
+                          </a:rPr>
+                          <m:t>𝐶</m:t>
+                        </m:r>
+                      </m:e>
+                    </m:d>
+                    <m:r>
+                      <a:rPr lang="en-US" b="0" i="1" smtClean="0">
+                        <a:latin typeface="Cambria Math" panose="02040503050406030204" pitchFamily="18" charset="0"/>
+                      </a:rPr>
+                      <m:t>=4.439</m:t>
+                    </m:r>
+                    <m:r>
+                      <a:rPr lang="en-US" b="0" i="1" smtClean="0">
+                        <a:latin typeface="Cambria Math" panose="02040503050406030204" pitchFamily="18" charset="0"/>
+                      </a:rPr>
+                      <m:t>𝑀𝑒𝑉</m:t>
+                    </m:r>
+                  </m:oMath>
+                </a14:m>
+                <a:r>
+                  <a:rPr lang="en-US" dirty="0" smtClean="0"/>
+                  <a:t>).</a:t>
+                </a:r>
+                <a:endParaRPr lang="en-US" dirty="0"/>
+              </a:p>
+            </p:txBody>
+          </p:sp>
+        </mc:Choice>
+        <mc:Fallback>
+          <p:sp>
+            <p:nvSpPr>
+              <p:cNvPr id="8" name="Rectangle 7"/>
+              <p:cNvSpPr>
+                <a:spLocks noRot="1" noChangeAspect="1" noMove="1" noResize="1" noEditPoints="1" noAdjustHandles="1" noChangeArrowheads="1" noChangeShapeType="1" noTextEdit="1"/>
+              </p:cNvSpPr>
+              <p:nvPr/>
+            </p:nvSpPr>
+            <p:spPr>
+              <a:xfrm>
+                <a:off x="876929" y="4553532"/>
+                <a:ext cx="6773393" cy="946991"/>
+              </a:xfrm>
+              <a:prstGeom prst="rect">
+                <a:avLst/>
+              </a:prstGeom>
+              <a:blipFill rotWithShape="0">
+                <a:blip r:embed="rId5"/>
+                <a:stretch>
+                  <a:fillRect l="-810" t="-3871" b="-7097"/>
+                </a:stretch>
+              </a:blipFill>
+            </p:spPr>
+            <p:txBody>
+              <a:bodyPr/>
+              <a:lstStyle/>
+              <a:p>
+                <a:r>
+                  <a:rPr lang="en-US">
+                    <a:noFill/>
+                  </a:rPr>
+                  <a:t> </a:t>
+                </a:r>
+              </a:p>
+            </p:txBody>
+          </p:sp>
+        </mc:Fallback>
+      </mc:AlternateContent>
+    </p:spTree>
+    <p:extLst>
+      <p:ext uri="{BB962C8B-B14F-4D97-AF65-F5344CB8AC3E}">
+        <p14:creationId xmlns:p14="http://schemas.microsoft.com/office/powerpoint/2010/main" val="1531142808"/>
+      </p:ext>
+    </p:extLst>
+  </p:cSld>
+  <p:clrMapOvr>
+    <a:masterClrMapping/>
+  </p:clrMapOvr>
+</p:sld>
+</file>
+
+<file path=ppt/slides/slide13.xml><?xml version="1.0" encoding="utf-8"?>
+<p:sld xmlns:a="http://schemas.openxmlformats.org/drawingml/2006/main" xmlns:r="http://schemas.openxmlformats.org/officeDocument/2006/relationships" xmlns:p="http://schemas.openxmlformats.org/presentationml/2006/main">
+  <p:cSld>
+    <p:spTree>
+      <p:nvGrpSpPr>
+        <p:cNvPr id="1" name=""/>
+        <p:cNvGrpSpPr/>
+        <p:nvPr/>
+      </p:nvGrpSpPr>
+      <p:grpSpPr>
+        <a:xfrm>
+          <a:off x="0" y="0"/>
+          <a:ext cx="0" cy="0"/>
+          <a:chOff x="0" y="0"/>
+          <a:chExt cx="0" cy="0"/>
+        </a:xfrm>
+      </p:grpSpPr>
+      <p:sp>
+        <p:nvSpPr>
+          <p:cNvPr id="4" name="TextBox 3"/>
+          <p:cNvSpPr txBox="1"/>
+          <p:nvPr/>
+        </p:nvSpPr>
+        <p:spPr>
+          <a:xfrm>
+            <a:off x="0" y="0"/>
+            <a:ext cx="7010400" cy="584775"/>
+          </a:xfrm>
+          <a:prstGeom prst="rect">
+            <a:avLst/>
+          </a:prstGeom>
+          <a:noFill/>
+        </p:spPr>
+        <p:txBody>
+          <a:bodyPr wrap="square" rtlCol="0">
+            <a:spAutoFit/>
+          </a:bodyPr>
+          <a:lstStyle/>
+          <a:p>
+            <a:r>
+              <a:rPr lang="en-US" sz="1600" dirty="0" smtClean="0">
+                <a:solidFill>
+                  <a:srgbClr val="FF0000"/>
+                </a:solidFill>
+              </a:rPr>
+              <a:t>Date: </a:t>
+            </a:r>
+            <a:r>
+              <a:rPr lang="en-US" sz="1600" dirty="0" smtClean="0">
+                <a:solidFill>
+                  <a:srgbClr val="FF0000"/>
+                </a:solidFill>
+              </a:rPr>
+              <a:t>2018-10-28</a:t>
+            </a:r>
+            <a:endParaRPr lang="en-US" sz="1600" dirty="0" smtClean="0">
+              <a:solidFill>
+                <a:srgbClr val="FF0000"/>
+              </a:solidFill>
+            </a:endParaRPr>
+          </a:p>
+          <a:p>
+            <a:r>
+              <a:rPr lang="en-US" sz="1600" dirty="0" smtClean="0">
+                <a:solidFill>
+                  <a:srgbClr val="FF0000"/>
+                </a:solidFill>
+              </a:rPr>
+              <a:t>Source:  </a:t>
+            </a:r>
+            <a:r>
+              <a:rPr lang="en-US" sz="1600" dirty="0">
+                <a:hlinkClick r:id="rId2" tooltip="Persistent link using digital object identifier"/>
+              </a:rPr>
+              <a:t>https://doi.org/10.1016/j.nima.2017.12.082</a:t>
+            </a:r>
+            <a:endParaRPr lang="en-US" sz="1600" dirty="0">
+              <a:solidFill>
+                <a:srgbClr val="FF0000"/>
+              </a:solidFill>
+            </a:endParaRPr>
+          </a:p>
+        </p:txBody>
+      </p:sp>
+      <p:sp>
+        <p:nvSpPr>
+          <p:cNvPr id="2" name="Rectangle 1"/>
+          <p:cNvSpPr/>
+          <p:nvPr/>
+        </p:nvSpPr>
+        <p:spPr>
+          <a:xfrm>
+            <a:off x="117879" y="718417"/>
+            <a:ext cx="3727302" cy="646331"/>
+          </a:xfrm>
+          <a:prstGeom prst="rect">
+            <a:avLst/>
+          </a:prstGeom>
+        </p:spPr>
+        <p:txBody>
+          <a:bodyPr wrap="none">
+            <a:spAutoFit/>
+          </a:bodyPr>
+          <a:lstStyle/>
+          <a:p>
+            <a:r>
+              <a:rPr lang="en-US" dirty="0" smtClean="0"/>
+              <a:t>&lt;2&gt; </a:t>
+            </a:r>
+            <a:r>
+              <a:rPr lang="en-US" b="1" dirty="0" smtClean="0">
+                <a:solidFill>
+                  <a:srgbClr val="FF0000"/>
+                </a:solidFill>
+              </a:rPr>
+              <a:t>∆E-E points (Energy loss method)</a:t>
+            </a:r>
+          </a:p>
+          <a:p>
+            <a:r>
+              <a:rPr lang="en-US" b="1" dirty="0">
+                <a:solidFill>
+                  <a:srgbClr val="FF0000"/>
+                </a:solidFill>
+              </a:rPr>
+              <a:t> </a:t>
+            </a:r>
+            <a:r>
+              <a:rPr lang="en-US" b="1" dirty="0" smtClean="0">
+                <a:solidFill>
+                  <a:srgbClr val="FF0000"/>
+                </a:solidFill>
+              </a:rPr>
+              <a:t>      ●</a:t>
+            </a:r>
+            <a:endParaRPr lang="en-US" dirty="0"/>
+          </a:p>
+        </p:txBody>
+      </p:sp>
+    </p:spTree>
+    <p:extLst>
+      <p:ext uri="{BB962C8B-B14F-4D97-AF65-F5344CB8AC3E}">
+        <p14:creationId xmlns:p14="http://schemas.microsoft.com/office/powerpoint/2010/main" val="917626728"/>
+      </p:ext>
+    </p:extLst>
+  </p:cSld>
+  <p:clrMapOvr>
+    <a:masterClrMapping/>
+  </p:clrMapOvr>
+</p:sld>
+</file>
+
+<file path=ppt/slides/slide14.xml><?xml version="1.0" encoding="utf-8"?>
+<p:sld xmlns:a="http://schemas.openxmlformats.org/drawingml/2006/main" xmlns:r="http://schemas.openxmlformats.org/officeDocument/2006/relationships" xmlns:p="http://schemas.openxmlformats.org/presentationml/2006/main">
+  <p:cSld>
+    <p:spTree>
+      <p:nvGrpSpPr>
+        <p:cNvPr id="1" name=""/>
+        <p:cNvGrpSpPr/>
+        <p:nvPr/>
+      </p:nvGrpSpPr>
+      <p:grpSpPr>
+        <a:xfrm>
+          <a:off x="0" y="0"/>
+          <a:ext cx="0" cy="0"/>
+          <a:chOff x="0" y="0"/>
+          <a:chExt cx="0" cy="0"/>
+        </a:xfrm>
+      </p:grpSpPr>
+      <p:sp>
+        <p:nvSpPr>
+          <p:cNvPr id="3" name="文本框 3"/>
+          <p:cNvSpPr txBox="1"/>
+          <p:nvPr/>
+        </p:nvSpPr>
+        <p:spPr>
+          <a:xfrm>
+            <a:off x="7438818" y="5752863"/>
+            <a:ext cx="4753182" cy="369332"/>
+          </a:xfrm>
+          <a:prstGeom prst="rect">
+            <a:avLst/>
+          </a:prstGeom>
+          <a:noFill/>
+        </p:spPr>
+        <p:txBody>
+          <a:bodyPr wrap="square" rtlCol="0">
+            <a:spAutoFit/>
+          </a:bodyPr>
+          <a:lstStyle/>
+          <a:p>
+            <a:r>
+              <a:rPr lang="en-US" altLang="zh-CN" dirty="0" smtClean="0"/>
+              <a:t>Q1: </a:t>
+            </a:r>
+            <a:r>
+              <a:rPr lang="zh-CN" altLang="en-US" dirty="0" smtClean="0"/>
+              <a:t>放射源发射粒子是各向同性的吗</a:t>
+            </a:r>
+            <a:r>
+              <a:rPr lang="zh-CN" altLang="en-US" dirty="0"/>
+              <a:t>？</a:t>
+            </a:r>
+          </a:p>
+        </p:txBody>
+      </p:sp>
+      <p:sp>
+        <p:nvSpPr>
+          <p:cNvPr id="4" name="TextBox 3"/>
+          <p:cNvSpPr txBox="1"/>
+          <p:nvPr/>
+        </p:nvSpPr>
+        <p:spPr>
+          <a:xfrm>
+            <a:off x="0" y="0"/>
+            <a:ext cx="7010400" cy="584775"/>
+          </a:xfrm>
+          <a:prstGeom prst="rect">
+            <a:avLst/>
+          </a:prstGeom>
+          <a:noFill/>
+        </p:spPr>
+        <p:txBody>
+          <a:bodyPr wrap="square" rtlCol="0">
+            <a:spAutoFit/>
+          </a:bodyPr>
+          <a:lstStyle/>
+          <a:p>
+            <a:r>
+              <a:rPr lang="en-US" sz="1600" dirty="0" smtClean="0">
+                <a:solidFill>
+                  <a:srgbClr val="FF0000"/>
+                </a:solidFill>
+              </a:rPr>
+              <a:t>Date: </a:t>
+            </a:r>
+            <a:r>
+              <a:rPr lang="en-US" sz="1600" dirty="0" smtClean="0">
+                <a:solidFill>
+                  <a:srgbClr val="FF0000"/>
+                </a:solidFill>
+              </a:rPr>
+              <a:t>2018-10-28</a:t>
+            </a:r>
+            <a:endParaRPr lang="en-US" sz="1600" dirty="0" smtClean="0">
+              <a:solidFill>
+                <a:srgbClr val="FF0000"/>
+              </a:solidFill>
+            </a:endParaRPr>
+          </a:p>
+          <a:p>
+            <a:r>
+              <a:rPr lang="en-US" sz="1600" dirty="0" smtClean="0">
+                <a:solidFill>
+                  <a:srgbClr val="FF0000"/>
+                </a:solidFill>
+              </a:rPr>
+              <a:t>Source:  </a:t>
+            </a:r>
+            <a:r>
+              <a:rPr lang="en-US" sz="1600" dirty="0">
+                <a:hlinkClick r:id="rId2" tooltip="Persistent link using digital object identifier"/>
+              </a:rPr>
+              <a:t>https://doi.org/10.1016/j.nima.2017.12.082</a:t>
+            </a:r>
+            <a:endParaRPr lang="en-US" sz="1600" dirty="0">
+              <a:solidFill>
+                <a:srgbClr val="FF0000"/>
+              </a:solidFill>
+            </a:endParaRPr>
+          </a:p>
+        </p:txBody>
+      </p:sp>
+    </p:spTree>
+    <p:extLst>
+      <p:ext uri="{BB962C8B-B14F-4D97-AF65-F5344CB8AC3E}">
+        <p14:creationId xmlns:p14="http://schemas.microsoft.com/office/powerpoint/2010/main" val="2814418396"/>
+      </p:ext>
+    </p:extLst>
+  </p:cSld>
+  <p:clrMapOvr>
+    <a:masterClrMapping/>
+  </p:clrMapOvr>
+</p:sld>
+</file>
+
+<file path=ppt/slides/slide15.xml><?xml version="1.0" encoding="utf-8"?>
+<p:sld xmlns:a="http://schemas.openxmlformats.org/drawingml/2006/main" xmlns:r="http://schemas.openxmlformats.org/officeDocument/2006/relationships" xmlns:p="http://schemas.openxmlformats.org/presentationml/2006/main">
+  <p:cSld>
+    <p:spTree>
+      <p:nvGrpSpPr>
+        <p:cNvPr id="1" name=""/>
+        <p:cNvGrpSpPr/>
+        <p:nvPr/>
+      </p:nvGrpSpPr>
+      <p:grpSpPr>
+        <a:xfrm>
+          <a:off x="0" y="0"/>
+          <a:ext cx="0" cy="0"/>
+          <a:chOff x="0" y="0"/>
+          <a:chExt cx="0" cy="0"/>
+        </a:xfrm>
+      </p:grpSpPr>
+      <p:sp>
+        <p:nvSpPr>
+          <p:cNvPr id="2" name="TextBox 1"/>
+          <p:cNvSpPr txBox="1"/>
+          <p:nvPr/>
+        </p:nvSpPr>
+        <p:spPr>
+          <a:xfrm>
+            <a:off x="0" y="0"/>
+            <a:ext cx="7010400" cy="584775"/>
+          </a:xfrm>
+          <a:prstGeom prst="rect">
+            <a:avLst/>
+          </a:prstGeom>
+          <a:noFill/>
+        </p:spPr>
+        <p:txBody>
+          <a:bodyPr wrap="square" rtlCol="0">
+            <a:spAutoFit/>
+          </a:bodyPr>
+          <a:lstStyle/>
+          <a:p>
+            <a:r>
+              <a:rPr lang="en-US" sz="1600" dirty="0" smtClean="0">
+                <a:solidFill>
+                  <a:srgbClr val="FF0000"/>
+                </a:solidFill>
+              </a:rPr>
+              <a:t>Date:</a:t>
+            </a:r>
+          </a:p>
+          <a:p>
+            <a:r>
+              <a:rPr lang="en-US" sz="1600" dirty="0" smtClean="0">
+                <a:solidFill>
+                  <a:srgbClr val="FF0000"/>
+                </a:solidFill>
+              </a:rPr>
+              <a:t>Source:</a:t>
+            </a:r>
+            <a:endParaRPr lang="en-US" sz="1600" dirty="0">
+              <a:solidFill>
+                <a:srgbClr val="FF0000"/>
+              </a:solidFill>
+            </a:endParaRPr>
+          </a:p>
+        </p:txBody>
+      </p:sp>
+    </p:spTree>
+    <p:extLst>
+      <p:ext uri="{BB962C8B-B14F-4D97-AF65-F5344CB8AC3E}">
+        <p14:creationId xmlns:p14="http://schemas.microsoft.com/office/powerpoint/2010/main" val="2814243742"/>
+      </p:ext>
+    </p:extLst>
+  </p:cSld>
+  <p:clrMapOvr>
+    <a:masterClrMapping/>
+  </p:clrMapOvr>
+</p:sld>
+</file>
+
+<file path=ppt/slides/slide16.xml><?xml version="1.0" encoding="utf-8"?>
+<p:sld xmlns:a="http://schemas.openxmlformats.org/drawingml/2006/main" xmlns:r="http://schemas.openxmlformats.org/officeDocument/2006/relationships" xmlns:p="http://schemas.openxmlformats.org/presentationml/2006/main">
+  <p:cSld>
+    <p:spTree>
+      <p:nvGrpSpPr>
+        <p:cNvPr id="1" name=""/>
+        <p:cNvGrpSpPr/>
+        <p:nvPr/>
+      </p:nvGrpSpPr>
+      <p:grpSpPr>
+        <a:xfrm>
+          <a:off x="0" y="0"/>
+          <a:ext cx="0" cy="0"/>
+          <a:chOff x="0" y="0"/>
+          <a:chExt cx="0" cy="0"/>
+        </a:xfrm>
+      </p:grpSpPr>
+      <p:sp>
+        <p:nvSpPr>
+          <p:cNvPr id="2" name="TextBox 1"/>
+          <p:cNvSpPr txBox="1"/>
+          <p:nvPr/>
+        </p:nvSpPr>
+        <p:spPr>
+          <a:xfrm>
+            <a:off x="0" y="0"/>
+            <a:ext cx="7010400" cy="584775"/>
+          </a:xfrm>
+          <a:prstGeom prst="rect">
+            <a:avLst/>
+          </a:prstGeom>
+          <a:noFill/>
+        </p:spPr>
+        <p:txBody>
+          <a:bodyPr wrap="square" rtlCol="0">
+            <a:spAutoFit/>
+          </a:bodyPr>
+          <a:lstStyle/>
+          <a:p>
+            <a:r>
+              <a:rPr lang="en-US" sz="1600" dirty="0" smtClean="0">
+                <a:solidFill>
+                  <a:srgbClr val="FF0000"/>
+                </a:solidFill>
+              </a:rPr>
+              <a:t>Date:</a:t>
+            </a:r>
+          </a:p>
+          <a:p>
+            <a:r>
+              <a:rPr lang="en-US" sz="1600" dirty="0" smtClean="0">
+                <a:solidFill>
+                  <a:srgbClr val="FF0000"/>
+                </a:solidFill>
+              </a:rPr>
+              <a:t>Source:</a:t>
+            </a:r>
+            <a:endParaRPr lang="en-US" sz="1600" dirty="0">
+              <a:solidFill>
+                <a:srgbClr val="FF0000"/>
+              </a:solidFill>
+            </a:endParaRPr>
+          </a:p>
+        </p:txBody>
+      </p:sp>
+    </p:spTree>
+    <p:extLst>
+      <p:ext uri="{BB962C8B-B14F-4D97-AF65-F5344CB8AC3E}">
+        <p14:creationId xmlns:p14="http://schemas.microsoft.com/office/powerpoint/2010/main" val="3093701310"/>
+      </p:ext>
+    </p:extLst>
+  </p:cSld>
+  <p:clrMapOvr>
+    <a:masterClrMapping/>
+  </p:clrMapOvr>
+</p:sld>
+</file>
+
+<file path=ppt/slides/slide17.xml><?xml version="1.0" encoding="utf-8"?>
+<p:sld xmlns:a="http://schemas.openxmlformats.org/drawingml/2006/main" xmlns:r="http://schemas.openxmlformats.org/officeDocument/2006/relationships" xmlns:p="http://schemas.openxmlformats.org/presentationml/2006/main">
+  <p:cSld>
+    <p:spTree>
+      <p:nvGrpSpPr>
+        <p:cNvPr id="1" name=""/>
+        <p:cNvGrpSpPr/>
+        <p:nvPr/>
+      </p:nvGrpSpPr>
+      <p:grpSpPr>
+        <a:xfrm>
+          <a:off x="0" y="0"/>
+          <a:ext cx="0" cy="0"/>
+          <a:chOff x="0" y="0"/>
+          <a:chExt cx="0" cy="0"/>
+        </a:xfrm>
+      </p:grpSpPr>
+    </p:spTree>
+    <p:extLst>
+      <p:ext uri="{BB962C8B-B14F-4D97-AF65-F5344CB8AC3E}">
+        <p14:creationId xmlns:p14="http://schemas.microsoft.com/office/powerpoint/2010/main" val="296665691"/>
+      </p:ext>
+    </p:extLst>
+  </p:cSld>
+  <p:clrMapOvr>
+    <a:masterClrMapping/>
+  </p:clrMapOvr>
+</p:sld>
+</file>
+
+<file path=ppt/slides/slide18.xml><?xml version="1.0" encoding="utf-8"?>
+<p:sld xmlns:a="http://schemas.openxmlformats.org/drawingml/2006/main" xmlns:r="http://schemas.openxmlformats.org/officeDocument/2006/relationships" xmlns:p="http://schemas.openxmlformats.org/presentationml/2006/main">
+  <p:cSld>
+    <p:spTree>
+      <p:nvGrpSpPr>
+        <p:cNvPr id="1" name=""/>
+        <p:cNvGrpSpPr/>
+        <p:nvPr/>
+      </p:nvGrpSpPr>
+      <p:grpSpPr>
+        <a:xfrm>
+          <a:off x="0" y="0"/>
+          <a:ext cx="0" cy="0"/>
+          <a:chOff x="0" y="0"/>
+          <a:chExt cx="0" cy="0"/>
+        </a:xfrm>
+      </p:grpSpPr>
     </p:spTree>
     <p:extLst>
       <p:ext uri="{BB962C8B-B14F-4D97-AF65-F5344CB8AC3E}">
@@ -3287,7 +5818,7 @@
 </p:sld>
 </file>
 
-<file path=ppt/slides/slide11.xml><?xml version="1.0" encoding="utf-8"?>
+<file path=ppt/slides/slide19.xml><?xml version="1.0" encoding="utf-8"?>
 <p:sld xmlns:a="http://schemas.openxmlformats.org/drawingml/2006/main" xmlns:r="http://schemas.openxmlformats.org/officeDocument/2006/relationships" xmlns:p="http://schemas.openxmlformats.org/presentationml/2006/main">
   <p:cSld>
     <p:spTree>
@@ -3317,7 +5848,37 @@
 </p:sld>
 </file>
 
-<file path=ppt/slides/slide12.xml><?xml version="1.0" encoding="utf-8"?>
+<file path=ppt/slides/slide2.xml><?xml version="1.0" encoding="utf-8"?>
+<p:sld xmlns:a="http://schemas.openxmlformats.org/drawingml/2006/main" xmlns:r="http://schemas.openxmlformats.org/officeDocument/2006/relationships" xmlns:p="http://schemas.openxmlformats.org/presentationml/2006/main">
+  <p:cSld>
+    <p:spTree>
+      <p:nvGrpSpPr>
+        <p:cNvPr id="1" name=""/>
+        <p:cNvGrpSpPr/>
+        <p:nvPr/>
+      </p:nvGrpSpPr>
+      <p:grpSpPr>
+        <a:xfrm>
+          <a:off x="0" y="0"/>
+          <a:ext cx="0" cy="0"/>
+          <a:chOff x="0" y="0"/>
+          <a:chExt cx="0" cy="0"/>
+        </a:xfrm>
+      </p:grpSpPr>
+    </p:spTree>
+    <p:extLst>
+      <p:ext uri="{BB962C8B-B14F-4D97-AF65-F5344CB8AC3E}">
+        <p14:creationId xmlns:p14="http://schemas.microsoft.com/office/powerpoint/2010/main" val="1833532843"/>
+      </p:ext>
+    </p:extLst>
+  </p:cSld>
+  <p:clrMapOvr>
+    <a:masterClrMapping/>
+  </p:clrMapOvr>
+</p:sld>
+</file>
+
+<file path=ppt/slides/slide20.xml><?xml version="1.0" encoding="utf-8"?>
 <p:sld xmlns:a="http://schemas.openxmlformats.org/drawingml/2006/main" xmlns:r="http://schemas.openxmlformats.org/officeDocument/2006/relationships" xmlns:p="http://schemas.openxmlformats.org/presentationml/2006/main">
   <p:cSld>
     <p:spTree>
@@ -3347,7 +5908,7 @@
 </p:sld>
 </file>
 
-<file path=ppt/slides/slide13.xml><?xml version="1.0" encoding="utf-8"?>
+<file path=ppt/slides/slide21.xml><?xml version="1.0" encoding="utf-8"?>
 <p:sld xmlns:a="http://schemas.openxmlformats.org/drawingml/2006/main" xmlns:r="http://schemas.openxmlformats.org/officeDocument/2006/relationships" xmlns:p="http://schemas.openxmlformats.org/presentationml/2006/main">
   <p:cSld>
     <p:spTree>
@@ -3377,161 +5938,6 @@
 </p:sld>
 </file>
 
-<file path=ppt/slides/slide2.xml><?xml version="1.0" encoding="utf-8"?>
-<p:sld xmlns:a="http://schemas.openxmlformats.org/drawingml/2006/main" xmlns:r="http://schemas.openxmlformats.org/officeDocument/2006/relationships" xmlns:p="http://schemas.openxmlformats.org/presentationml/2006/main">
-  <p:cSld>
-    <p:spTree>
-      <p:nvGrpSpPr>
-        <p:cNvPr id="1" name=""/>
-        <p:cNvGrpSpPr/>
-        <p:nvPr/>
-      </p:nvGrpSpPr>
-      <p:grpSpPr>
-        <a:xfrm>
-          <a:off x="0" y="0"/>
-          <a:ext cx="0" cy="0"/>
-          <a:chOff x="0" y="0"/>
-          <a:chExt cx="0" cy="0"/>
-        </a:xfrm>
-      </p:grpSpPr>
-      <p:sp>
-        <p:nvSpPr>
-          <p:cNvPr id="2" name="TextBox 1"/>
-          <p:cNvSpPr txBox="1"/>
-          <p:nvPr/>
-        </p:nvSpPr>
-        <p:spPr>
-          <a:xfrm>
-            <a:off x="0" y="0"/>
-            <a:ext cx="7010400" cy="584775"/>
-          </a:xfrm>
-          <a:prstGeom prst="rect">
-            <a:avLst/>
-          </a:prstGeom>
-          <a:noFill/>
-        </p:spPr>
-        <p:txBody>
-          <a:bodyPr wrap="square" rtlCol="0">
-            <a:spAutoFit/>
-          </a:bodyPr>
-          <a:lstStyle/>
-          <a:p>
-            <a:r>
-              <a:rPr lang="en-US" sz="1600" dirty="0" smtClean="0">
-                <a:solidFill>
-                  <a:srgbClr val="FF0000"/>
-                </a:solidFill>
-              </a:rPr>
-              <a:t>Date: 2018-10-24</a:t>
-            </a:r>
-          </a:p>
-          <a:p>
-            <a:r>
-              <a:rPr lang="en-US" sz="1600" dirty="0" smtClean="0">
-                <a:solidFill>
-                  <a:srgbClr val="FF0000"/>
-                </a:solidFill>
-              </a:rPr>
-              <a:t>Source:  </a:t>
-            </a:r>
-            <a:r>
-              <a:rPr lang="en-US" sz="1600" dirty="0">
-                <a:hlinkClick r:id="rId2" tooltip="Persistent link using digital object identifier"/>
-              </a:rPr>
-              <a:t>https://doi.org/10.1016/j.nima.2017.12.082</a:t>
-            </a:r>
-            <a:endParaRPr lang="en-US" sz="1600" dirty="0">
-              <a:solidFill>
-                <a:srgbClr val="FF0000"/>
-              </a:solidFill>
-            </a:endParaRPr>
-          </a:p>
-        </p:txBody>
-      </p:sp>
-      <p:sp>
-        <p:nvSpPr>
-          <p:cNvPr id="3" name="Rectangle 2"/>
-          <p:cNvSpPr/>
-          <p:nvPr/>
-        </p:nvSpPr>
-        <p:spPr>
-          <a:xfrm>
-            <a:off x="1021976" y="945340"/>
-            <a:ext cx="10461812" cy="369332"/>
-          </a:xfrm>
-          <a:prstGeom prst="rect">
-            <a:avLst/>
-          </a:prstGeom>
-        </p:spPr>
-        <p:txBody>
-          <a:bodyPr wrap="square">
-            <a:spAutoFit/>
-          </a:bodyPr>
-          <a:lstStyle/>
-          <a:p>
-            <a:r>
-              <a:rPr lang="en-US" b="1" dirty="0">
-                <a:latin typeface="Arial" panose="020B0604020202020204" pitchFamily="34" charset="0"/>
-              </a:rPr>
-              <a:t>On determining dead layer and detector thicknesses for a position-sensitive silicon detector</a:t>
-            </a:r>
-            <a:endParaRPr lang="en-US" b="1" i="0" dirty="0">
-              <a:effectLst/>
-              <a:latin typeface="Arial" panose="020B0604020202020204" pitchFamily="34" charset="0"/>
-            </a:endParaRPr>
-          </a:p>
-        </p:txBody>
-      </p:sp>
-      <p:sp>
-        <p:nvSpPr>
-          <p:cNvPr id="4" name="文本框 3"/>
-          <p:cNvSpPr txBox="1"/>
-          <p:nvPr/>
-        </p:nvSpPr>
-        <p:spPr>
-          <a:xfrm>
-            <a:off x="813429" y="1675237"/>
-            <a:ext cx="4753182" cy="369332"/>
-          </a:xfrm>
-          <a:prstGeom prst="rect">
-            <a:avLst/>
-          </a:prstGeom>
-          <a:noFill/>
-        </p:spPr>
-        <p:txBody>
-          <a:bodyPr wrap="square" rtlCol="0">
-            <a:spAutoFit/>
-          </a:bodyPr>
-          <a:lstStyle/>
-          <a:p>
-            <a:r>
-              <a:rPr lang="en-US" altLang="zh-CN" dirty="0" smtClean="0"/>
-              <a:t>Q1: </a:t>
-            </a:r>
-            <a:r>
-              <a:rPr lang="zh-CN" altLang="en-US" dirty="0" smtClean="0"/>
-              <a:t>放射源发射粒子是各向同性的吗</a:t>
-            </a:r>
-            <a:r>
-              <a:rPr lang="zh-CN" altLang="en-US" dirty="0"/>
-              <a:t>？</a:t>
-            </a:r>
-          </a:p>
-        </p:txBody>
-      </p:sp>
-    </p:spTree>
-    <p:extLst>
-      <p:ext uri="{BB962C8B-B14F-4D97-AF65-F5344CB8AC3E}">
-        <p14:creationId xmlns:p14="http://schemas.microsoft.com/office/powerpoint/2010/main" val="2643122334"/>
-      </p:ext>
-    </p:extLst>
-  </p:cSld>
-  <p:clrMapOvr>
-    <a:masterClrMapping/>
-  </p:clrMapOvr>
-</p:sld>
-</file>
-
 <file path=ppt/slides/slide3.xml><?xml version="1.0" encoding="utf-8"?>
 <p:sld xmlns:a="http://schemas.openxmlformats.org/drawingml/2006/main" xmlns:r="http://schemas.openxmlformats.org/officeDocument/2006/relationships" xmlns:p="http://schemas.openxmlformats.org/presentationml/2006/main">
   <p:cSld>
@@ -3577,7 +5983,7 @@
                   <a:srgbClr val="FF0000"/>
                 </a:solidFill>
               </a:rPr>
-              <a:t>Date</a:t>
+              <a:t>Date: </a:t>
             </a:r>
             <a:r>
               <a:rPr lang="en-US" sz="1600" dirty="0" smtClean="0">
@@ -3585,7 +5991,7 @@
                   <a:srgbClr val="FF0000"/>
                 </a:solidFill>
               </a:rPr>
-              <a:t>: 2018</a:t>
+              <a:t>2018</a:t>
             </a:r>
             <a:r>
               <a:rPr lang="en-US" altLang="zh-CN" sz="1600" dirty="0" smtClean="0">
@@ -3593,7 +5999,7 @@
                   <a:srgbClr val="FF0000"/>
                 </a:solidFill>
               </a:rPr>
-              <a:t>-10-28</a:t>
+              <a:t>-10-27</a:t>
             </a:r>
             <a:endParaRPr lang="en-US" sz="1600" dirty="0" smtClean="0">
               <a:solidFill>
@@ -3608,23 +6014,7 @@
                   <a:srgbClr val="FF0000"/>
                 </a:solidFill>
               </a:rPr>
-              <a:t>Source</a:t>
-            </a:r>
-            <a:r>
-              <a:rPr lang="en-US" sz="1600" dirty="0" smtClean="0">
-                <a:solidFill>
-                  <a:srgbClr val="FF0000"/>
-                </a:solidFill>
-              </a:rPr>
-              <a:t>: T</a:t>
-            </a:r>
-            <a:r>
-              <a:rPr lang="en-US" sz="1600" dirty="0" smtClean="0">
-                <a:solidFill>
-                  <a:srgbClr val="FF0000"/>
-                </a:solidFill>
-              </a:rPr>
-              <a:t>alk with Daniele</a:t>
+              <a:t>Source: Talk with Daniele</a:t>
             </a:r>
             <a:endParaRPr lang="en-US" sz="1600" dirty="0">
               <a:solidFill>
@@ -3895,38 +6285,17 @@
                   <a:srgbClr val="FF0000"/>
                 </a:solidFill>
               </a:rPr>
-              <a:t>Date</a:t>
-            </a:r>
+              <a:t>Date:</a:t>
+            </a:r>
+          </a:p>
+          <a:p>
             <a:r>
               <a:rPr lang="en-US" sz="1600" dirty="0" smtClean="0">
                 <a:solidFill>
                   <a:srgbClr val="FF0000"/>
                 </a:solidFill>
               </a:rPr>
-              <a:t>:</a:t>
-            </a:r>
-            <a:endParaRPr lang="en-US" sz="1600" dirty="0" smtClean="0">
-              <a:solidFill>
-                <a:srgbClr val="FF0000"/>
-              </a:solidFill>
-            </a:endParaRPr>
-          </a:p>
-          <a:p>
-            <a:r>
-              <a:rPr lang="en-US" sz="1600" dirty="0" smtClean="0">
-                <a:solidFill>
-                  <a:srgbClr val="FF0000"/>
-                </a:solidFill>
-              </a:rPr>
-              <a:t>Source</a:t>
-            </a:r>
-            <a:r>
-              <a:rPr lang="en-US" sz="1600" dirty="0" smtClean="0">
-                <a:solidFill>
-                  <a:srgbClr val="FF0000"/>
-                </a:solidFill>
-              </a:rPr>
-              <a:t>:</a:t>
+              <a:t>Source:</a:t>
             </a:r>
             <a:endParaRPr lang="en-US" sz="1600" dirty="0">
               <a:solidFill>
@@ -3939,7 +6308,7 @@
     </p:spTree>
     <p:extLst>
       <p:ext uri="{BB962C8B-B14F-4D97-AF65-F5344CB8AC3E}">
-        <p14:creationId xmlns:p14="http://schemas.microsoft.com/office/powerpoint/2010/main" val="694994779"/>
+        <p14:creationId xmlns:p14="http://schemas.microsoft.com/office/powerpoint/2010/main" val="1318587503"/>
       </p:ext>
     </p:extLst>
   </p:cSld>
@@ -3994,7 +6363,7 @@
                   <a:srgbClr val="FF0000"/>
                 </a:solidFill>
               </a:rPr>
-              <a:t>Date</a:t>
+              <a:t>Date: </a:t>
             </a:r>
             <a:r>
               <a:rPr lang="en-US" sz="1600" dirty="0" smtClean="0">
@@ -4002,7 +6371,7 @@
                   <a:srgbClr val="FF0000"/>
                 </a:solidFill>
               </a:rPr>
-              <a:t>:</a:t>
+              <a:t>2018-10-28</a:t>
             </a:r>
             <a:endParaRPr lang="en-US" sz="1600" dirty="0" smtClean="0">
               <a:solidFill>
@@ -4017,15 +6386,13 @@
                   <a:srgbClr val="FF0000"/>
                 </a:solidFill>
               </a:rPr>
-              <a:t>Source</a:t>
-            </a:r>
-            <a:r>
-              <a:rPr lang="en-US" sz="1600" dirty="0" smtClean="0">
-                <a:solidFill>
-                  <a:srgbClr val="FF0000"/>
-                </a:solidFill>
-              </a:rPr>
-              <a:t>:</a:t>
+              <a:t>Source:  </a:t>
+            </a:r>
+            <a:r>
+              <a:rPr lang="en-US" sz="1600" dirty="0">
+                <a:hlinkClick r:id="rId2" tooltip="Persistent link using digital object identifier"/>
+              </a:rPr>
+              <a:t>https://doi.org/10.1016/j.nima.2017.12.082</a:t>
             </a:r>
             <a:endParaRPr lang="en-US" sz="1600" dirty="0">
               <a:solidFill>
@@ -4035,10 +6402,40 @@
           </a:p>
         </p:txBody>
       </p:sp>
+      <p:pic>
+        <p:nvPicPr>
+          <p:cNvPr id="6" name="Picture 5"/>
+          <p:cNvPicPr>
+            <a:picLocks noChangeAspect="1"/>
+          </p:cNvPicPr>
+          <p:nvPr/>
+        </p:nvPicPr>
+        <p:blipFill>
+          <a:blip r:embed="rId3">
+            <a:extLst>
+              <a:ext uri="{28A0092B-C50C-407E-A947-70E740481C1C}">
+                <a14:useLocalDpi xmlns:a14="http://schemas.microsoft.com/office/drawing/2010/main" val="0"/>
+              </a:ext>
+            </a:extLst>
+          </a:blip>
+          <a:stretch>
+            <a:fillRect/>
+          </a:stretch>
+        </p:blipFill>
+        <p:spPr>
+          <a:xfrm>
+            <a:off x="2078182" y="579316"/>
+            <a:ext cx="7811203" cy="6278684"/>
+          </a:xfrm>
+          <a:prstGeom prst="rect">
+            <a:avLst/>
+          </a:prstGeom>
+        </p:spPr>
+      </p:pic>
     </p:spTree>
     <p:extLst>
       <p:ext uri="{BB962C8B-B14F-4D97-AF65-F5344CB8AC3E}">
-        <p14:creationId xmlns:p14="http://schemas.microsoft.com/office/powerpoint/2010/main" val="1318587503"/>
+        <p14:creationId xmlns:p14="http://schemas.microsoft.com/office/powerpoint/2010/main" val="2643122334"/>
       </p:ext>
     </p:extLst>
   </p:cSld>
@@ -4067,7 +6464,7 @@
       </p:grpSpPr>
       <p:sp>
         <p:nvSpPr>
-          <p:cNvPr id="2" name="TextBox 1"/>
+          <p:cNvPr id="4" name="TextBox 3"/>
           <p:cNvSpPr txBox="1"/>
           <p:nvPr/>
         </p:nvSpPr>
@@ -4093,7 +6490,7 @@
                   <a:srgbClr val="FF0000"/>
                 </a:solidFill>
               </a:rPr>
-              <a:t>Date</a:t>
+              <a:t>Date: </a:t>
             </a:r>
             <a:r>
               <a:rPr lang="en-US" sz="1600" dirty="0" smtClean="0">
@@ -4101,7 +6498,7 @@
                   <a:srgbClr val="FF0000"/>
                 </a:solidFill>
               </a:rPr>
-              <a:t>:</a:t>
+              <a:t>2018-10-28</a:t>
             </a:r>
             <a:endParaRPr lang="en-US" sz="1600" dirty="0" smtClean="0">
               <a:solidFill>
@@ -4116,15 +6513,13 @@
                   <a:srgbClr val="FF0000"/>
                 </a:solidFill>
               </a:rPr>
-              <a:t>Source</a:t>
-            </a:r>
-            <a:r>
-              <a:rPr lang="en-US" sz="1600" dirty="0" smtClean="0">
-                <a:solidFill>
-                  <a:srgbClr val="FF0000"/>
-                </a:solidFill>
-              </a:rPr>
-              <a:t>:</a:t>
+              <a:t>Source:  </a:t>
+            </a:r>
+            <a:r>
+              <a:rPr lang="en-US" sz="1600" dirty="0">
+                <a:hlinkClick r:id="rId2" tooltip="Persistent link using digital object identifier"/>
+              </a:rPr>
+              <a:t>https://doi.org/10.1016/j.nima.2017.12.082</a:t>
             </a:r>
             <a:endParaRPr lang="en-US" sz="1600" dirty="0">
               <a:solidFill>
@@ -4134,10 +6529,555 @@
           </a:p>
         </p:txBody>
       </p:sp>
+      <p:sp>
+        <p:nvSpPr>
+          <p:cNvPr id="5" name="TextBox 4"/>
+          <p:cNvSpPr txBox="1"/>
+          <p:nvPr/>
+        </p:nvSpPr>
+        <p:spPr>
+          <a:xfrm>
+            <a:off x="153909" y="932507"/>
+            <a:ext cx="2987643" cy="369332"/>
+          </a:xfrm>
+          <a:prstGeom prst="rect">
+            <a:avLst/>
+          </a:prstGeom>
+          <a:noFill/>
+        </p:spPr>
+        <p:txBody>
+          <a:bodyPr wrap="square" rtlCol="0">
+            <a:spAutoFit/>
+          </a:bodyPr>
+          <a:lstStyle/>
+          <a:p>
+            <a:r>
+              <a:rPr lang="en-US" dirty="0" smtClean="0">
+                <a:latin typeface="Times New Roman" panose="02020603050405020304" pitchFamily="18" charset="0"/>
+                <a:cs typeface="Times New Roman" panose="02020603050405020304" pitchFamily="18" charset="0"/>
+              </a:rPr>
+              <a:t>1. Introduction</a:t>
+            </a:r>
+            <a:endParaRPr lang="en-US" dirty="0">
+              <a:latin typeface="Times New Roman" panose="02020603050405020304" pitchFamily="18" charset="0"/>
+              <a:cs typeface="Times New Roman" panose="02020603050405020304" pitchFamily="18" charset="0"/>
+            </a:endParaRPr>
+          </a:p>
+        </p:txBody>
+      </p:sp>
+      <p:sp>
+        <p:nvSpPr>
+          <p:cNvPr id="6" name="TextBox 5"/>
+          <p:cNvSpPr txBox="1"/>
+          <p:nvPr/>
+        </p:nvSpPr>
+        <p:spPr>
+          <a:xfrm>
+            <a:off x="271604" y="1575303"/>
+            <a:ext cx="9098733" cy="369332"/>
+          </a:xfrm>
+          <a:prstGeom prst="rect">
+            <a:avLst/>
+          </a:prstGeom>
+          <a:noFill/>
+        </p:spPr>
+        <p:txBody>
+          <a:bodyPr wrap="square" rtlCol="0">
+            <a:spAutoFit/>
+          </a:bodyPr>
+          <a:lstStyle/>
+          <a:p>
+            <a:r>
+              <a:rPr lang="en-US" dirty="0" smtClean="0"/>
+              <a:t>(1) The dead layer on the surface </a:t>
+            </a:r>
+            <a:r>
+              <a:rPr lang="en-US" b="1" dirty="0" smtClean="0"/>
+              <a:t>protects the active silicon wafer of the detector.</a:t>
+            </a:r>
+            <a:endParaRPr lang="en-US" b="1" dirty="0"/>
+          </a:p>
+        </p:txBody>
+      </p:sp>
+      <mc:AlternateContent xmlns:mc="http://schemas.openxmlformats.org/markup-compatibility/2006">
+        <mc:Choice xmlns:a14="http://schemas.microsoft.com/office/drawing/2010/main" Requires="a14">
+          <p:sp>
+            <p:nvSpPr>
+              <p:cNvPr id="7" name="TextBox 6"/>
+              <p:cNvSpPr txBox="1"/>
+              <p:nvPr/>
+            </p:nvSpPr>
+            <p:spPr>
+              <a:xfrm>
+                <a:off x="271603" y="1993499"/>
+                <a:ext cx="9823011" cy="1477328"/>
+              </a:xfrm>
+              <a:prstGeom prst="rect">
+                <a:avLst/>
+              </a:prstGeom>
+              <a:noFill/>
+            </p:spPr>
+            <p:txBody>
+              <a:bodyPr wrap="square" rtlCol="0">
+                <a:spAutoFit/>
+              </a:bodyPr>
+              <a:lstStyle/>
+              <a:p>
+                <a:r>
+                  <a:rPr lang="en-US" dirty="0" smtClean="0"/>
+                  <a:t>(2) </a:t>
+                </a:r>
+                <a:r>
+                  <a:rPr lang="en-US" dirty="0" err="1" smtClean="0"/>
+                  <a:t>HiRA</a:t>
+                </a:r>
+                <a:r>
+                  <a:rPr lang="en-US" dirty="0" smtClean="0"/>
+                  <a:t> telescope: the </a:t>
+                </a:r>
+                <a:r>
+                  <a:rPr lang="en-US" b="1" dirty="0" smtClean="0">
+                    <a:solidFill>
+                      <a:srgbClr val="FF0000"/>
+                    </a:solidFill>
+                  </a:rPr>
+                  <a:t>High Resolution Array</a:t>
+                </a:r>
+              </a:p>
+              <a:p>
+                <a:r>
+                  <a:rPr lang="en-US" b="1" dirty="0">
+                    <a:solidFill>
+                      <a:srgbClr val="00B050"/>
+                    </a:solidFill>
+                  </a:rPr>
+                  <a:t> </a:t>
+                </a:r>
+                <a:r>
+                  <a:rPr lang="en-US" b="1" dirty="0" smtClean="0">
+                    <a:solidFill>
+                      <a:srgbClr val="00B050"/>
+                    </a:solidFill>
+                  </a:rPr>
+                  <a:t>   configuration: </a:t>
+                </a:r>
+              </a:p>
+              <a:p>
+                <a:r>
+                  <a:rPr lang="en-US" b="1" dirty="0">
+                    <a:solidFill>
+                      <a:srgbClr val="00B050"/>
+                    </a:solidFill>
+                  </a:rPr>
+                  <a:t> </a:t>
+                </a:r>
+                <a:r>
+                  <a:rPr lang="en-US" b="1" dirty="0" smtClean="0">
+                    <a:solidFill>
+                      <a:srgbClr val="00B050"/>
+                    </a:solidFill>
+                  </a:rPr>
+                  <a:t>      </a:t>
+                </a:r>
+                <a:r>
+                  <a:rPr lang="en-US" dirty="0"/>
+                  <a:t>●</a:t>
+                </a:r>
+                <a:r>
+                  <a:rPr lang="en-US" dirty="0" smtClean="0">
+                    <a:solidFill>
+                      <a:schemeClr val="tx1"/>
+                    </a:solidFill>
+                  </a:rPr>
+                  <a:t> a </a:t>
+                </a:r>
+                <a:r>
+                  <a:rPr lang="en-US" b="1" dirty="0" smtClean="0">
+                    <a:solidFill>
+                      <a:schemeClr val="tx1"/>
+                    </a:solidFill>
+                  </a:rPr>
+                  <a:t>65-</a:t>
+                </a:r>
+                <a14:m>
+                  <m:oMath xmlns:m="http://schemas.openxmlformats.org/officeDocument/2006/math">
+                    <m:r>
+                      <a:rPr lang="en-US" b="1" i="1" smtClean="0">
+                        <a:solidFill>
+                          <a:schemeClr val="tx1"/>
+                        </a:solidFill>
+                        <a:latin typeface="Cambria Math" panose="02040503050406030204" pitchFamily="18" charset="0"/>
+                        <a:ea typeface="Cambria Math" panose="02040503050406030204" pitchFamily="18" charset="0"/>
+                      </a:rPr>
+                      <m:t>𝝁</m:t>
+                    </m:r>
+                    <m:r>
+                      <a:rPr lang="en-US" b="1" i="1" smtClean="0">
+                        <a:solidFill>
+                          <a:schemeClr val="tx1"/>
+                        </a:solidFill>
+                        <a:latin typeface="Cambria Math" panose="02040503050406030204" pitchFamily="18" charset="0"/>
+                        <a:ea typeface="Cambria Math" panose="02040503050406030204" pitchFamily="18" charset="0"/>
+                      </a:rPr>
+                      <m:t>𝒎</m:t>
+                    </m:r>
+                  </m:oMath>
+                </a14:m>
+                <a:r>
+                  <a:rPr lang="en-US" b="1" dirty="0" smtClean="0">
+                    <a:solidFill>
+                      <a:schemeClr val="tx1"/>
+                    </a:solidFill>
+                  </a:rPr>
+                  <a:t> </a:t>
+                </a:r>
+                <a:r>
+                  <a:rPr lang="en-US" dirty="0" smtClean="0"/>
+                  <a:t>single-sided silicon strip detector </a:t>
+                </a:r>
+                <a:r>
+                  <a:rPr lang="en-US" dirty="0" smtClean="0">
+                    <a:solidFill>
+                      <a:srgbClr val="00B050"/>
+                    </a:solidFill>
+                  </a:rPr>
+                  <a:t>(“</a:t>
+                </a:r>
+                <a14:m>
+                  <m:oMath xmlns:m="http://schemas.openxmlformats.org/officeDocument/2006/math">
+                    <m:r>
+                      <a:rPr lang="en-US" b="0" i="1" smtClean="0">
+                        <a:solidFill>
+                          <a:srgbClr val="00B050"/>
+                        </a:solidFill>
+                        <a:latin typeface="Cambria Math" panose="02040503050406030204" pitchFamily="18" charset="0"/>
+                        <a:ea typeface="Cambria Math" panose="02040503050406030204" pitchFamily="18" charset="0"/>
+                      </a:rPr>
+                      <m:t>∆</m:t>
+                    </m:r>
+                    <m:r>
+                      <a:rPr lang="en-US" b="0" i="1" smtClean="0">
+                        <a:solidFill>
+                          <a:srgbClr val="00B050"/>
+                        </a:solidFill>
+                        <a:latin typeface="Cambria Math" panose="02040503050406030204" pitchFamily="18" charset="0"/>
+                        <a:ea typeface="Cambria Math" panose="02040503050406030204" pitchFamily="18" charset="0"/>
+                      </a:rPr>
+                      <m:t>𝐸</m:t>
+                    </m:r>
+                  </m:oMath>
+                </a14:m>
+                <a:r>
+                  <a:rPr lang="en-US" dirty="0" smtClean="0">
+                    <a:solidFill>
+                      <a:srgbClr val="00B050"/>
+                    </a:solidFill>
+                  </a:rPr>
+                  <a:t>”, manufactured by Micron Semiconductor)</a:t>
+                </a:r>
+              </a:p>
+              <a:p>
+                <a:r>
+                  <a:rPr lang="en-US" dirty="0"/>
+                  <a:t> </a:t>
+                </a:r>
+                <a:r>
+                  <a:rPr lang="en-US" dirty="0" smtClean="0"/>
+                  <a:t>      ● a </a:t>
+                </a:r>
+                <a:r>
+                  <a:rPr lang="en-US" b="1" dirty="0" smtClean="0"/>
+                  <a:t>1500-</a:t>
+                </a:r>
+                <a14:m>
+                  <m:oMath xmlns:m="http://schemas.openxmlformats.org/officeDocument/2006/math">
+                    <m:r>
+                      <a:rPr lang="en-US" b="1" i="1" smtClean="0">
+                        <a:latin typeface="Cambria Math" panose="02040503050406030204" pitchFamily="18" charset="0"/>
+                        <a:ea typeface="Cambria Math" panose="02040503050406030204" pitchFamily="18" charset="0"/>
+                      </a:rPr>
+                      <m:t>𝝁</m:t>
+                    </m:r>
+                    <m:r>
+                      <a:rPr lang="en-US" b="1" i="1" smtClean="0">
+                        <a:latin typeface="Cambria Math" panose="02040503050406030204" pitchFamily="18" charset="0"/>
+                        <a:ea typeface="Cambria Math" panose="02040503050406030204" pitchFamily="18" charset="0"/>
+                      </a:rPr>
+                      <m:t>𝒎</m:t>
+                    </m:r>
+                  </m:oMath>
+                </a14:m>
+                <a:r>
+                  <a:rPr lang="en-US" b="1" dirty="0" smtClean="0"/>
+                  <a:t> </a:t>
+                </a:r>
+                <a:r>
+                  <a:rPr lang="en-US" dirty="0" smtClean="0"/>
+                  <a:t>double sided silicon strip detector </a:t>
+                </a:r>
+                <a:r>
+                  <a:rPr lang="en-US" dirty="0" smtClean="0">
+                    <a:solidFill>
+                      <a:srgbClr val="00B050"/>
+                    </a:solidFill>
+                  </a:rPr>
+                  <a:t>(“E”, </a:t>
+                </a:r>
+                <a:r>
+                  <a:rPr lang="en-US" dirty="0">
+                    <a:solidFill>
+                      <a:srgbClr val="00B050"/>
+                    </a:solidFill>
+                  </a:rPr>
+                  <a:t>manufactured by Micron Semiconductor</a:t>
+                </a:r>
+                <a:r>
+                  <a:rPr lang="en-US" dirty="0" smtClean="0">
+                    <a:solidFill>
+                      <a:srgbClr val="00B050"/>
+                    </a:solidFill>
+                  </a:rPr>
+                  <a:t>)</a:t>
+                </a:r>
+              </a:p>
+              <a:p>
+                <a:r>
+                  <a:rPr lang="en-US" dirty="0"/>
+                  <a:t> </a:t>
+                </a:r>
+                <a:r>
+                  <a:rPr lang="en-US" dirty="0" smtClean="0"/>
+                  <a:t>      ● an array of 4 </a:t>
+                </a:r>
+                <a:r>
+                  <a:rPr lang="en-US" dirty="0" err="1" smtClean="0"/>
+                  <a:t>CsI</a:t>
+                </a:r>
+                <a:r>
+                  <a:rPr lang="en-US" dirty="0" smtClean="0"/>
+                  <a:t> scintillator crystals, read-out by silicon photodiodes </a:t>
+                </a:r>
+                <a:endParaRPr lang="en-US" dirty="0"/>
+              </a:p>
+            </p:txBody>
+          </p:sp>
+        </mc:Choice>
+        <mc:Fallback>
+          <p:sp>
+            <p:nvSpPr>
+              <p:cNvPr id="7" name="TextBox 6"/>
+              <p:cNvSpPr txBox="1">
+                <a:spLocks noRot="1" noChangeAspect="1" noMove="1" noResize="1" noEditPoints="1" noAdjustHandles="1" noChangeArrowheads="1" noChangeShapeType="1" noTextEdit="1"/>
+              </p:cNvSpPr>
+              <p:nvPr/>
+            </p:nvSpPr>
+            <p:spPr>
+              <a:xfrm>
+                <a:off x="271603" y="1993499"/>
+                <a:ext cx="9823011" cy="1477328"/>
+              </a:xfrm>
+              <a:prstGeom prst="rect">
+                <a:avLst/>
+              </a:prstGeom>
+              <a:blipFill rotWithShape="0">
+                <a:blip r:embed="rId3"/>
+                <a:stretch>
+                  <a:fillRect l="-559" t="-2066" b="-5785"/>
+                </a:stretch>
+              </a:blipFill>
+            </p:spPr>
+            <p:txBody>
+              <a:bodyPr/>
+              <a:lstStyle/>
+              <a:p>
+                <a:r>
+                  <a:rPr lang="en-US">
+                    <a:noFill/>
+                  </a:rPr>
+                  <a:t> </a:t>
+                </a:r>
+              </a:p>
+            </p:txBody>
+          </p:sp>
+        </mc:Fallback>
+      </mc:AlternateContent>
+      <p:sp>
+        <p:nvSpPr>
+          <p:cNvPr id="8" name="TextBox 7"/>
+          <p:cNvSpPr txBox="1"/>
+          <p:nvPr/>
+        </p:nvSpPr>
+        <p:spPr>
+          <a:xfrm>
+            <a:off x="271602" y="3838669"/>
+            <a:ext cx="9995027" cy="646331"/>
+          </a:xfrm>
+          <a:prstGeom prst="rect">
+            <a:avLst/>
+          </a:prstGeom>
+          <a:noFill/>
+        </p:spPr>
+        <p:txBody>
+          <a:bodyPr wrap="square" rtlCol="0">
+            <a:spAutoFit/>
+          </a:bodyPr>
+          <a:lstStyle/>
+          <a:p>
+            <a:r>
+              <a:rPr lang="en-US" dirty="0" smtClean="0"/>
+              <a:t>(3) At the front of each telescope: a thin </a:t>
+            </a:r>
+            <a:r>
+              <a:rPr lang="en-US" dirty="0" err="1" smtClean="0"/>
+              <a:t>mylar</a:t>
+            </a:r>
+            <a:r>
+              <a:rPr lang="en-US" dirty="0" smtClean="0"/>
+              <a:t> foil </a:t>
+            </a:r>
+            <a:r>
+              <a:rPr lang="en-US" b="1" dirty="0" err="1" smtClean="0">
+                <a:solidFill>
+                  <a:srgbClr val="00B050"/>
+                </a:solidFill>
+              </a:rPr>
+              <a:t>pretecting</a:t>
+            </a:r>
+            <a:r>
+              <a:rPr lang="en-US" b="1" dirty="0" smtClean="0">
+                <a:solidFill>
+                  <a:srgbClr val="00B050"/>
+                </a:solidFill>
+              </a:rPr>
+              <a:t> the sensitive silicon detectors</a:t>
+            </a:r>
+            <a:r>
+              <a:rPr lang="en-US" dirty="0" smtClean="0"/>
+              <a:t>, and also completing </a:t>
+            </a:r>
+            <a:r>
+              <a:rPr lang="en-US" b="1" dirty="0" smtClean="0">
+                <a:solidFill>
+                  <a:srgbClr val="00B050"/>
+                </a:solidFill>
+              </a:rPr>
+              <a:t>a Faraday cage around the detectors to minimize the noise</a:t>
+            </a:r>
+            <a:r>
+              <a:rPr lang="en-US" dirty="0" smtClean="0"/>
+              <a:t>.</a:t>
+            </a:r>
+            <a:endParaRPr lang="en-US" dirty="0"/>
+          </a:p>
+        </p:txBody>
+      </p:sp>
+      <p:sp>
+        <p:nvSpPr>
+          <p:cNvPr id="9" name="Rectangle 8"/>
+          <p:cNvSpPr/>
+          <p:nvPr/>
+        </p:nvSpPr>
+        <p:spPr>
+          <a:xfrm>
+            <a:off x="1234176" y="4657266"/>
+            <a:ext cx="6096000" cy="830997"/>
+          </a:xfrm>
+          <a:prstGeom prst="rect">
+            <a:avLst/>
+          </a:prstGeom>
+          <a:ln w="28575">
+            <a:solidFill>
+              <a:srgbClr val="FF0000"/>
+            </a:solidFill>
+          </a:ln>
+        </p:spPr>
+        <p:txBody>
+          <a:bodyPr>
+            <a:spAutoFit/>
+          </a:bodyPr>
+          <a:lstStyle/>
+          <a:p>
+            <a:r>
+              <a:rPr lang="en-US" sz="1600" dirty="0">
+                <a:solidFill>
+                  <a:srgbClr val="222222"/>
+                </a:solidFill>
+                <a:latin typeface="Times New Roman" panose="02020603050405020304" pitchFamily="18" charset="0"/>
+                <a:cs typeface="Times New Roman" panose="02020603050405020304" pitchFamily="18" charset="0"/>
+              </a:rPr>
+              <a:t> </a:t>
+            </a:r>
+            <a:r>
+              <a:rPr lang="en-US" sz="1600" b="1" dirty="0">
+                <a:solidFill>
+                  <a:srgbClr val="00B050"/>
+                </a:solidFill>
+                <a:latin typeface="Times New Roman" panose="02020603050405020304" pitchFamily="18" charset="0"/>
+                <a:cs typeface="Times New Roman" panose="02020603050405020304" pitchFamily="18" charset="0"/>
+              </a:rPr>
+              <a:t>a Faraday Cage </a:t>
+            </a:r>
+            <a:r>
+              <a:rPr lang="en-US" sz="1600" dirty="0">
+                <a:solidFill>
+                  <a:srgbClr val="222222"/>
+                </a:solidFill>
+                <a:latin typeface="Times New Roman" panose="02020603050405020304" pitchFamily="18" charset="0"/>
+                <a:cs typeface="Times New Roman" panose="02020603050405020304" pitchFamily="18" charset="0"/>
+              </a:rPr>
+              <a:t>is just an electronic isolation chamber. Or even more simply it’s a special container that prevents electrical signals or waves from passing through it.</a:t>
+            </a:r>
+            <a:endParaRPr lang="en-US" sz="1600" dirty="0">
+              <a:latin typeface="Times New Roman" panose="02020603050405020304" pitchFamily="18" charset="0"/>
+              <a:cs typeface="Times New Roman" panose="02020603050405020304" pitchFamily="18" charset="0"/>
+            </a:endParaRPr>
+          </a:p>
+        </p:txBody>
+      </p:sp>
+      <p:sp>
+        <p:nvSpPr>
+          <p:cNvPr id="10" name="Right Arrow 9"/>
+          <p:cNvSpPr/>
+          <p:nvPr/>
+        </p:nvSpPr>
+        <p:spPr>
+          <a:xfrm>
+            <a:off x="633312" y="4880187"/>
+            <a:ext cx="453103" cy="276873"/>
+          </a:xfrm>
+          <a:prstGeom prst="rightArrow">
+            <a:avLst/>
+          </a:prstGeom>
+        </p:spPr>
+        <p:style>
+          <a:lnRef idx="2">
+            <a:schemeClr val="accent1">
+              <a:shade val="50000"/>
+            </a:schemeClr>
+          </a:lnRef>
+          <a:fillRef idx="1">
+            <a:schemeClr val="accent1"/>
+          </a:fillRef>
+          <a:effectRef idx="0">
+            <a:schemeClr val="accent1"/>
+          </a:effectRef>
+          <a:fontRef idx="minor">
+            <a:schemeClr val="lt1"/>
+          </a:fontRef>
+        </p:style>
+        <p:txBody>
+          <a:bodyPr rtlCol="0" anchor="ctr"/>
+          <a:lstStyle/>
+          <a:p>
+            <a:pPr algn="ctr"/>
+            <a:endParaRPr lang="en-US"/>
+          </a:p>
+        </p:txBody>
+      </p:sp>
     </p:spTree>
     <p:extLst>
       <p:ext uri="{BB962C8B-B14F-4D97-AF65-F5344CB8AC3E}">
-        <p14:creationId xmlns:p14="http://schemas.microsoft.com/office/powerpoint/2010/main" val="2814243742"/>
+        <p14:creationId xmlns:p14="http://schemas.microsoft.com/office/powerpoint/2010/main" val="694994779"/>
       </p:ext>
     </p:extLst>
   </p:cSld>
@@ -4166,7 +7106,7 @@
       </p:grpSpPr>
       <p:sp>
         <p:nvSpPr>
-          <p:cNvPr id="2" name="TextBox 1"/>
+          <p:cNvPr id="4" name="TextBox 3"/>
           <p:cNvSpPr txBox="1"/>
           <p:nvPr/>
         </p:nvSpPr>
@@ -4192,7 +7132,7 @@
                   <a:srgbClr val="FF0000"/>
                 </a:solidFill>
               </a:rPr>
-              <a:t>Date</a:t>
+              <a:t>Date: </a:t>
             </a:r>
             <a:r>
               <a:rPr lang="en-US" sz="1600" dirty="0" smtClean="0">
@@ -4200,7 +7140,7 @@
                   <a:srgbClr val="FF0000"/>
                 </a:solidFill>
               </a:rPr>
-              <a:t>:</a:t>
+              <a:t>2018-10-28</a:t>
             </a:r>
             <a:endParaRPr lang="en-US" sz="1600" dirty="0" smtClean="0">
               <a:solidFill>
@@ -4215,15 +7155,13 @@
                   <a:srgbClr val="FF0000"/>
                 </a:solidFill>
               </a:rPr>
-              <a:t>Source</a:t>
-            </a:r>
-            <a:r>
-              <a:rPr lang="en-US" sz="1600" dirty="0" smtClean="0">
-                <a:solidFill>
-                  <a:srgbClr val="FF0000"/>
-                </a:solidFill>
-              </a:rPr>
-              <a:t>:</a:t>
+              <a:t>Source:  </a:t>
+            </a:r>
+            <a:r>
+              <a:rPr lang="en-US" sz="1600" dirty="0">
+                <a:hlinkClick r:id="rId2" tooltip="Persistent link using digital object identifier"/>
+              </a:rPr>
+              <a:t>https://doi.org/10.1016/j.nima.2017.12.082</a:t>
             </a:r>
             <a:endParaRPr lang="en-US" sz="1600" dirty="0">
               <a:solidFill>
@@ -4233,10 +7171,463 @@
           </a:p>
         </p:txBody>
       </p:sp>
+      <p:pic>
+        <p:nvPicPr>
+          <p:cNvPr id="2" name="Picture 1"/>
+          <p:cNvPicPr>
+            <a:picLocks noChangeAspect="1"/>
+          </p:cNvPicPr>
+          <p:nvPr/>
+        </p:nvPicPr>
+        <p:blipFill>
+          <a:blip r:embed="rId3">
+            <a:extLst>
+              <a:ext uri="{28A0092B-C50C-407E-A947-70E740481C1C}">
+                <a14:useLocalDpi xmlns:a14="http://schemas.microsoft.com/office/drawing/2010/main" val="0"/>
+              </a:ext>
+            </a:extLst>
+          </a:blip>
+          <a:stretch>
+            <a:fillRect/>
+          </a:stretch>
+        </p:blipFill>
+        <p:spPr>
+          <a:xfrm>
+            <a:off x="6636190" y="807402"/>
+            <a:ext cx="4682082" cy="4458022"/>
+          </a:xfrm>
+          <a:prstGeom prst="rect">
+            <a:avLst/>
+          </a:prstGeom>
+        </p:spPr>
+      </p:pic>
+      <mc:AlternateContent xmlns:mc="http://schemas.openxmlformats.org/markup-compatibility/2006">
+        <mc:Choice xmlns:a14="http://schemas.microsoft.com/office/drawing/2010/main" Requires="a14">
+          <p:sp>
+            <p:nvSpPr>
+              <p:cNvPr id="5" name="TextBox 4"/>
+              <p:cNvSpPr txBox="1"/>
+              <p:nvPr/>
+            </p:nvSpPr>
+            <p:spPr>
+              <a:xfrm>
+                <a:off x="181069" y="925096"/>
+                <a:ext cx="6980222" cy="923330"/>
+              </a:xfrm>
+              <a:prstGeom prst="rect">
+                <a:avLst/>
+              </a:prstGeom>
+              <a:noFill/>
+            </p:spPr>
+            <p:txBody>
+              <a:bodyPr wrap="square" rtlCol="0">
+                <a:spAutoFit/>
+              </a:bodyPr>
+              <a:lstStyle/>
+              <a:p>
+                <a:r>
+                  <a:rPr lang="en-US" dirty="0" smtClean="0"/>
+                  <a:t>(4) The strips on the opposite sides of E detector are perpendicular to each other, so detecting a particle in both a front strip and a back strip results in a single </a:t>
+                </a:r>
+                <a:r>
+                  <a:rPr lang="en-US" b="1" dirty="0" smtClean="0">
+                    <a:solidFill>
+                      <a:srgbClr val="00B050"/>
+                    </a:solidFill>
+                  </a:rPr>
+                  <a:t>1.95mm </a:t>
+                </a:r>
+                <a14:m>
+                  <m:oMath xmlns:m="http://schemas.openxmlformats.org/officeDocument/2006/math">
+                    <m:r>
+                      <a:rPr lang="en-US" b="1" i="1" smtClean="0">
+                        <a:solidFill>
+                          <a:srgbClr val="00B050"/>
+                        </a:solidFill>
+                        <a:latin typeface="Cambria Math" panose="02040503050406030204" pitchFamily="18" charset="0"/>
+                        <a:ea typeface="Cambria Math" panose="02040503050406030204" pitchFamily="18" charset="0"/>
+                      </a:rPr>
+                      <m:t>×</m:t>
+                    </m:r>
+                    <m:r>
+                      <a:rPr lang="en-US" b="1" i="1" smtClean="0">
+                        <a:solidFill>
+                          <a:srgbClr val="00B050"/>
+                        </a:solidFill>
+                        <a:latin typeface="Cambria Math" panose="02040503050406030204" pitchFamily="18" charset="0"/>
+                        <a:ea typeface="Cambria Math" panose="02040503050406030204" pitchFamily="18" charset="0"/>
+                      </a:rPr>
+                      <m:t>𝟏</m:t>
+                    </m:r>
+                    <m:r>
+                      <a:rPr lang="en-US" b="1" i="1" smtClean="0">
+                        <a:solidFill>
+                          <a:srgbClr val="00B050"/>
+                        </a:solidFill>
+                        <a:latin typeface="Cambria Math" panose="02040503050406030204" pitchFamily="18" charset="0"/>
+                        <a:ea typeface="Cambria Math" panose="02040503050406030204" pitchFamily="18" charset="0"/>
+                      </a:rPr>
+                      <m:t>.</m:t>
+                    </m:r>
+                    <m:r>
+                      <a:rPr lang="en-US" b="1" i="1" smtClean="0">
+                        <a:solidFill>
+                          <a:srgbClr val="00B050"/>
+                        </a:solidFill>
+                        <a:latin typeface="Cambria Math" panose="02040503050406030204" pitchFamily="18" charset="0"/>
+                        <a:ea typeface="Cambria Math" panose="02040503050406030204" pitchFamily="18" charset="0"/>
+                      </a:rPr>
+                      <m:t>𝟗𝟓</m:t>
+                    </m:r>
+                    <m:r>
+                      <a:rPr lang="en-US" b="1" i="1" smtClean="0">
+                        <a:solidFill>
+                          <a:srgbClr val="00B050"/>
+                        </a:solidFill>
+                        <a:latin typeface="Cambria Math" panose="02040503050406030204" pitchFamily="18" charset="0"/>
+                        <a:ea typeface="Cambria Math" panose="02040503050406030204" pitchFamily="18" charset="0"/>
+                      </a:rPr>
+                      <m:t>𝒎𝒎</m:t>
+                    </m:r>
+                    <m:r>
+                      <a:rPr lang="en-US" b="1" i="1" smtClean="0">
+                        <a:solidFill>
+                          <a:srgbClr val="00B050"/>
+                        </a:solidFill>
+                        <a:latin typeface="Cambria Math" panose="02040503050406030204" pitchFamily="18" charset="0"/>
+                        <a:ea typeface="Cambria Math" panose="02040503050406030204" pitchFamily="18" charset="0"/>
+                      </a:rPr>
+                      <m:t> </m:t>
+                    </m:r>
+                  </m:oMath>
+                </a14:m>
+                <a:r>
+                  <a:rPr lang="en-US" b="1" dirty="0" smtClean="0">
+                    <a:solidFill>
+                      <a:srgbClr val="00B050"/>
+                    </a:solidFill>
+                  </a:rPr>
+                  <a:t> “pixel”</a:t>
+                </a:r>
+                <a:endParaRPr lang="en-US" b="1" dirty="0">
+                  <a:solidFill>
+                    <a:srgbClr val="00B050"/>
+                  </a:solidFill>
+                </a:endParaRPr>
+              </a:p>
+            </p:txBody>
+          </p:sp>
+        </mc:Choice>
+        <mc:Fallback>
+          <p:sp>
+            <p:nvSpPr>
+              <p:cNvPr id="5" name="TextBox 4"/>
+              <p:cNvSpPr txBox="1">
+                <a:spLocks noRot="1" noChangeAspect="1" noMove="1" noResize="1" noEditPoints="1" noAdjustHandles="1" noChangeArrowheads="1" noChangeShapeType="1" noTextEdit="1"/>
+              </p:cNvSpPr>
+              <p:nvPr/>
+            </p:nvSpPr>
+            <p:spPr>
+              <a:xfrm>
+                <a:off x="181069" y="925096"/>
+                <a:ext cx="6980222" cy="923330"/>
+              </a:xfrm>
+              <a:prstGeom prst="rect">
+                <a:avLst/>
+              </a:prstGeom>
+              <a:blipFill rotWithShape="0">
+                <a:blip r:embed="rId4"/>
+                <a:stretch>
+                  <a:fillRect l="-786" t="-3974" b="-9934"/>
+                </a:stretch>
+              </a:blipFill>
+            </p:spPr>
+            <p:txBody>
+              <a:bodyPr/>
+              <a:lstStyle/>
+              <a:p>
+                <a:r>
+                  <a:rPr lang="en-US">
+                    <a:noFill/>
+                  </a:rPr>
+                  <a:t> </a:t>
+                </a:r>
+              </a:p>
+            </p:txBody>
+          </p:sp>
+        </mc:Fallback>
+      </mc:AlternateContent>
+      <mc:AlternateContent xmlns:mc="http://schemas.openxmlformats.org/markup-compatibility/2006">
+        <mc:Choice xmlns:a14="http://schemas.microsoft.com/office/drawing/2010/main" Requires="a14">
+          <p:sp>
+            <p:nvSpPr>
+              <p:cNvPr id="7" name="TextBox 6"/>
+              <p:cNvSpPr txBox="1"/>
+              <p:nvPr/>
+            </p:nvSpPr>
+            <p:spPr>
+              <a:xfrm>
+                <a:off x="181069" y="2043893"/>
+                <a:ext cx="6980222" cy="1829668"/>
+              </a:xfrm>
+              <a:prstGeom prst="rect">
+                <a:avLst/>
+              </a:prstGeom>
+              <a:noFill/>
+            </p:spPr>
+            <p:txBody>
+              <a:bodyPr wrap="square" rtlCol="0">
+                <a:spAutoFit/>
+              </a:bodyPr>
+              <a:lstStyle/>
+              <a:p>
+                <a:r>
+                  <a:rPr lang="en-US" dirty="0" smtClean="0"/>
+                  <a:t>(5) What can </a:t>
+                </a:r>
+                <a:r>
+                  <a:rPr lang="en-US" dirty="0" err="1" smtClean="0"/>
+                  <a:t>HiRA</a:t>
+                </a:r>
+                <a:r>
+                  <a:rPr lang="en-US" dirty="0" smtClean="0"/>
+                  <a:t> do?</a:t>
+                </a:r>
+                <a:r>
+                  <a:rPr lang="en-US" b="1" dirty="0" smtClean="0">
+                    <a:solidFill>
+                      <a:srgbClr val="00B050"/>
+                    </a:solidFill>
+                  </a:rPr>
+                  <a:t>  </a:t>
+                </a:r>
+              </a:p>
+              <a:p>
+                <a:r>
+                  <a:rPr lang="en-US" b="1" dirty="0" smtClean="0">
+                    <a:solidFill>
+                      <a:srgbClr val="00B050"/>
+                    </a:solidFill>
+                  </a:rPr>
+                  <a:t>      </a:t>
+                </a:r>
+                <a:r>
+                  <a:rPr lang="en-US" dirty="0" smtClean="0"/>
+                  <a:t>● Excellent energy resolution     =&gt; </a:t>
+                </a:r>
+                <a:r>
+                  <a:rPr lang="en-US" b="1" dirty="0"/>
+                  <a:t>to detect </a:t>
+                </a:r>
+                <a:r>
+                  <a:rPr lang="en-US" b="1" dirty="0" smtClean="0">
+                    <a:solidFill>
+                      <a:srgbClr val="FF0000"/>
+                    </a:solidFill>
+                  </a:rPr>
+                  <a:t>energy</a:t>
+                </a:r>
+                <a:endParaRPr lang="en-US" b="1" dirty="0" smtClean="0">
+                  <a:solidFill>
+                    <a:srgbClr val="00B050"/>
+                  </a:solidFill>
+                </a:endParaRPr>
+              </a:p>
+              <a:p>
+                <a:r>
+                  <a:rPr lang="en-US" dirty="0" smtClean="0"/>
+                  <a:t>      ● Excellent position resolution   =&gt; </a:t>
+                </a:r>
+                <a:r>
+                  <a:rPr lang="en-US" b="1" dirty="0" smtClean="0"/>
+                  <a:t>to detect </a:t>
+                </a:r>
+                <a:r>
+                  <a:rPr lang="en-US" b="1" dirty="0" smtClean="0">
+                    <a:solidFill>
+                      <a:srgbClr val="FF0000"/>
+                    </a:solidFill>
+                  </a:rPr>
+                  <a:t>moving direction</a:t>
+                </a:r>
+              </a:p>
+              <a:p>
+                <a:r>
+                  <a:rPr lang="en-US" b="1" dirty="0">
+                    <a:solidFill>
+                      <a:srgbClr val="FF0000"/>
+                    </a:solidFill>
+                  </a:rPr>
+                  <a:t> </a:t>
+                </a:r>
+                <a:r>
+                  <a:rPr lang="en-US" b="1" dirty="0" smtClean="0">
+                    <a:solidFill>
+                      <a:srgbClr val="FF0000"/>
+                    </a:solidFill>
+                  </a:rPr>
+                  <a:t>     </a:t>
+                </a:r>
+                <a:r>
+                  <a:rPr lang="en-US" dirty="0" smtClean="0"/>
+                  <a:t>● particle identification               =&gt; </a:t>
+                </a:r>
+                <a:r>
+                  <a:rPr lang="en-US" b="1" dirty="0" smtClean="0"/>
+                  <a:t>to detect </a:t>
+                </a:r>
+                <a:r>
+                  <a:rPr lang="en-US" b="1" dirty="0" smtClean="0">
+                    <a:solidFill>
+                      <a:srgbClr val="FF0000"/>
+                    </a:solidFill>
+                  </a:rPr>
+                  <a:t>mass &amp;&amp; charge</a:t>
+                </a:r>
+              </a:p>
+              <a:p>
+                <a:endParaRPr lang="en-US" b="1" dirty="0">
+                  <a:solidFill>
+                    <a:srgbClr val="FF0000"/>
+                  </a:solidFill>
+                </a:endParaRPr>
+              </a:p>
+              <a:p>
+                <a:r>
+                  <a:rPr lang="en-US" b="1" dirty="0" smtClean="0">
+                    <a:solidFill>
+                      <a:srgbClr val="FF0000"/>
+                    </a:solidFill>
+                  </a:rPr>
+                  <a:t>                    we can get E(energy) and </a:t>
+                </a:r>
+                <a14:m>
+                  <m:oMath xmlns:m="http://schemas.openxmlformats.org/officeDocument/2006/math">
+                    <m:groupChr>
+                      <m:groupChrPr>
+                        <m:chr m:val="→"/>
+                        <m:pos m:val="top"/>
+                        <m:ctrlPr>
+                          <a:rPr lang="en-US" b="1" i="1" smtClean="0">
+                            <a:solidFill>
+                              <a:srgbClr val="FF0000"/>
+                            </a:solidFill>
+                            <a:latin typeface="Cambria Math" panose="02040503050406030204" pitchFamily="18" charset="0"/>
+                          </a:rPr>
+                        </m:ctrlPr>
+                      </m:groupChrPr>
+                      <m:e>
+                        <m:r>
+                          <m:rPr>
+                            <m:brk m:alnAt="1"/>
+                          </m:rPr>
+                          <a:rPr lang="en-US" b="1" i="1" smtClean="0">
+                            <a:solidFill>
+                              <a:srgbClr val="FF0000"/>
+                            </a:solidFill>
+                            <a:latin typeface="Cambria Math" panose="02040503050406030204" pitchFamily="18" charset="0"/>
+                          </a:rPr>
+                          <m:t>𝑷</m:t>
+                        </m:r>
+                      </m:e>
+                    </m:groupChr>
+                  </m:oMath>
+                </a14:m>
+                <a:r>
+                  <a:rPr lang="en-US" b="1" dirty="0" smtClean="0">
+                    <a:solidFill>
+                      <a:srgbClr val="FF0000"/>
+                    </a:solidFill>
+                  </a:rPr>
+                  <a:t> </a:t>
+                </a:r>
+              </a:p>
+            </p:txBody>
+          </p:sp>
+        </mc:Choice>
+        <mc:Fallback>
+          <p:sp>
+            <p:nvSpPr>
+              <p:cNvPr id="7" name="TextBox 6"/>
+              <p:cNvSpPr txBox="1">
+                <a:spLocks noRot="1" noChangeAspect="1" noMove="1" noResize="1" noEditPoints="1" noAdjustHandles="1" noChangeArrowheads="1" noChangeShapeType="1" noTextEdit="1"/>
+              </p:cNvSpPr>
+              <p:nvPr/>
+            </p:nvSpPr>
+            <p:spPr>
+              <a:xfrm>
+                <a:off x="181069" y="2043893"/>
+                <a:ext cx="6980222" cy="1829668"/>
+              </a:xfrm>
+              <a:prstGeom prst="rect">
+                <a:avLst/>
+              </a:prstGeom>
+              <a:blipFill rotWithShape="0">
+                <a:blip r:embed="rId5"/>
+                <a:stretch>
+                  <a:fillRect l="-786" t="-1667" b="-4667"/>
+                </a:stretch>
+              </a:blipFill>
+            </p:spPr>
+            <p:txBody>
+              <a:bodyPr/>
+              <a:lstStyle/>
+              <a:p>
+                <a:r>
+                  <a:rPr lang="en-US">
+                    <a:noFill/>
+                  </a:rPr>
+                  <a:t> </a:t>
+                </a:r>
+              </a:p>
+            </p:txBody>
+          </p:sp>
+        </mc:Fallback>
+      </mc:AlternateContent>
+      <p:sp>
+        <p:nvSpPr>
+          <p:cNvPr id="8" name="Right Arrow 7"/>
+          <p:cNvSpPr/>
+          <p:nvPr/>
+        </p:nvSpPr>
+        <p:spPr>
+          <a:xfrm>
+            <a:off x="579422" y="3463259"/>
+            <a:ext cx="506994" cy="334960"/>
+          </a:xfrm>
+          <a:prstGeom prst="rightArrow">
+            <a:avLst/>
+          </a:prstGeom>
+        </p:spPr>
+        <p:style>
+          <a:lnRef idx="2">
+            <a:schemeClr val="accent1">
+              <a:shade val="50000"/>
+            </a:schemeClr>
+          </a:lnRef>
+          <a:fillRef idx="1">
+            <a:schemeClr val="accent1"/>
+          </a:fillRef>
+          <a:effectRef idx="0">
+            <a:schemeClr val="accent1"/>
+          </a:effectRef>
+          <a:fontRef idx="minor">
+            <a:schemeClr val="lt1"/>
+          </a:fontRef>
+        </p:style>
+        <p:txBody>
+          <a:bodyPr rtlCol="0" anchor="ctr"/>
+          <a:lstStyle/>
+          <a:p>
+            <a:pPr algn="ctr"/>
+            <a:endParaRPr lang="en-US"/>
+          </a:p>
+        </p:txBody>
+      </p:sp>
     </p:spTree>
     <p:extLst>
       <p:ext uri="{BB962C8B-B14F-4D97-AF65-F5344CB8AC3E}">
-        <p14:creationId xmlns:p14="http://schemas.microsoft.com/office/powerpoint/2010/main" val="3093701310"/>
+        <p14:creationId xmlns:p14="http://schemas.microsoft.com/office/powerpoint/2010/main" val="2869660725"/>
       </p:ext>
     </p:extLst>
   </p:cSld>
@@ -4263,10 +7654,712 @@
           <a:chExt cx="0" cy="0"/>
         </a:xfrm>
       </p:grpSpPr>
+      <p:sp>
+        <p:nvSpPr>
+          <p:cNvPr id="4" name="TextBox 3"/>
+          <p:cNvSpPr txBox="1"/>
+          <p:nvPr/>
+        </p:nvSpPr>
+        <p:spPr>
+          <a:xfrm>
+            <a:off x="0" y="0"/>
+            <a:ext cx="7010400" cy="584775"/>
+          </a:xfrm>
+          <a:prstGeom prst="rect">
+            <a:avLst/>
+          </a:prstGeom>
+          <a:noFill/>
+        </p:spPr>
+        <p:txBody>
+          <a:bodyPr wrap="square" rtlCol="0">
+            <a:spAutoFit/>
+          </a:bodyPr>
+          <a:lstStyle/>
+          <a:p>
+            <a:r>
+              <a:rPr lang="en-US" sz="1600" dirty="0" smtClean="0">
+                <a:solidFill>
+                  <a:srgbClr val="FF0000"/>
+                </a:solidFill>
+              </a:rPr>
+              <a:t>Date: </a:t>
+            </a:r>
+            <a:r>
+              <a:rPr lang="en-US" sz="1600" dirty="0" smtClean="0">
+                <a:solidFill>
+                  <a:srgbClr val="FF0000"/>
+                </a:solidFill>
+              </a:rPr>
+              <a:t>2018-10-28</a:t>
+            </a:r>
+            <a:endParaRPr lang="en-US" sz="1600" dirty="0" smtClean="0">
+              <a:solidFill>
+                <a:srgbClr val="FF0000"/>
+              </a:solidFill>
+            </a:endParaRPr>
+          </a:p>
+          <a:p>
+            <a:r>
+              <a:rPr lang="en-US" sz="1600" dirty="0" smtClean="0">
+                <a:solidFill>
+                  <a:srgbClr val="FF0000"/>
+                </a:solidFill>
+              </a:rPr>
+              <a:t>Source:  </a:t>
+            </a:r>
+            <a:r>
+              <a:rPr lang="en-US" sz="1600" dirty="0">
+                <a:hlinkClick r:id="rId2" tooltip="Persistent link using digital object identifier"/>
+              </a:rPr>
+              <a:t>https://doi.org/10.1016/j.nima.2017.12.082</a:t>
+            </a:r>
+            <a:endParaRPr lang="en-US" sz="1600" dirty="0">
+              <a:solidFill>
+                <a:srgbClr val="FF0000"/>
+              </a:solidFill>
+            </a:endParaRPr>
+          </a:p>
+        </p:txBody>
+      </p:sp>
+      <p:sp>
+        <p:nvSpPr>
+          <p:cNvPr id="5" name="TextBox 4"/>
+          <p:cNvSpPr txBox="1"/>
+          <p:nvPr/>
+        </p:nvSpPr>
+        <p:spPr>
+          <a:xfrm>
+            <a:off x="153909" y="932507"/>
+            <a:ext cx="4074059" cy="369332"/>
+          </a:xfrm>
+          <a:prstGeom prst="rect">
+            <a:avLst/>
+          </a:prstGeom>
+          <a:noFill/>
+        </p:spPr>
+        <p:txBody>
+          <a:bodyPr wrap="square" rtlCol="0">
+            <a:spAutoFit/>
+          </a:bodyPr>
+          <a:lstStyle/>
+          <a:p>
+            <a:r>
+              <a:rPr lang="en-US" dirty="0">
+                <a:latin typeface="Times New Roman" panose="02020603050405020304" pitchFamily="18" charset="0"/>
+                <a:cs typeface="Times New Roman" panose="02020603050405020304" pitchFamily="18" charset="0"/>
+              </a:rPr>
+              <a:t>2</a:t>
+            </a:r>
+            <a:r>
+              <a:rPr lang="en-US" dirty="0" smtClean="0">
+                <a:latin typeface="Times New Roman" panose="02020603050405020304" pitchFamily="18" charset="0"/>
+                <a:cs typeface="Times New Roman" panose="02020603050405020304" pitchFamily="18" charset="0"/>
+              </a:rPr>
+              <a:t>. Dead layer thickness determination</a:t>
+            </a:r>
+            <a:endParaRPr lang="en-US" dirty="0">
+              <a:latin typeface="Times New Roman" panose="02020603050405020304" pitchFamily="18" charset="0"/>
+              <a:cs typeface="Times New Roman" panose="02020603050405020304" pitchFamily="18" charset="0"/>
+            </a:endParaRPr>
+          </a:p>
+        </p:txBody>
+      </p:sp>
+      <p:sp>
+        <p:nvSpPr>
+          <p:cNvPr id="6" name="TextBox 5"/>
+          <p:cNvSpPr txBox="1"/>
+          <p:nvPr/>
+        </p:nvSpPr>
+        <p:spPr>
+          <a:xfrm>
+            <a:off x="244443" y="1464905"/>
+            <a:ext cx="9098733" cy="1200329"/>
+          </a:xfrm>
+          <a:prstGeom prst="rect">
+            <a:avLst/>
+          </a:prstGeom>
+          <a:noFill/>
+        </p:spPr>
+        <p:txBody>
+          <a:bodyPr wrap="square" rtlCol="0">
+            <a:spAutoFit/>
+          </a:bodyPr>
+          <a:lstStyle/>
+          <a:p>
+            <a:r>
+              <a:rPr lang="en-US" dirty="0" smtClean="0"/>
+              <a:t>(1)</a:t>
+            </a:r>
+            <a:r>
+              <a:rPr lang="en-US" dirty="0" smtClean="0">
+                <a:solidFill>
+                  <a:srgbClr val="FF0000"/>
+                </a:solidFill>
+              </a:rPr>
+              <a:t> Using Th228 alpha source to calibrate the </a:t>
+            </a:r>
+            <a:r>
+              <a:rPr lang="en-US" dirty="0" err="1" smtClean="0">
+                <a:solidFill>
+                  <a:srgbClr val="FF0000"/>
+                </a:solidFill>
+              </a:rPr>
+              <a:t>HiRA</a:t>
+            </a:r>
+            <a:r>
+              <a:rPr lang="en-US" dirty="0" smtClean="0">
+                <a:solidFill>
+                  <a:srgbClr val="FF0000"/>
+                </a:solidFill>
+              </a:rPr>
+              <a:t> E and ∆E detectors</a:t>
+            </a:r>
+            <a:r>
+              <a:rPr lang="en-US" dirty="0" smtClean="0"/>
+              <a:t>. </a:t>
+            </a:r>
+            <a:r>
+              <a:rPr lang="en-US" b="1" dirty="0" smtClean="0">
+                <a:solidFill>
+                  <a:srgbClr val="00B050"/>
+                </a:solidFill>
+              </a:rPr>
+              <a:t>3 advantages:</a:t>
+            </a:r>
+          </a:p>
+          <a:p>
+            <a:r>
+              <a:rPr lang="en-US" dirty="0"/>
+              <a:t> </a:t>
+            </a:r>
+            <a:r>
+              <a:rPr lang="en-US" dirty="0" smtClean="0"/>
+              <a:t>     ●  </a:t>
+            </a:r>
+            <a:r>
+              <a:rPr lang="en-US" b="1" i="1" dirty="0" smtClean="0">
+                <a:solidFill>
+                  <a:srgbClr val="00B050"/>
+                </a:solidFill>
+              </a:rPr>
+              <a:t>Six clearly separated peaks </a:t>
+            </a:r>
+            <a:r>
+              <a:rPr lang="en-US" dirty="0" smtClean="0"/>
+              <a:t>with energy from about 5 MeV to 9MeV</a:t>
+            </a:r>
+          </a:p>
+          <a:p>
+            <a:r>
+              <a:rPr lang="en-US" dirty="0" smtClean="0"/>
+              <a:t>      ● Th228 sources of various strengths are </a:t>
+            </a:r>
+            <a:r>
+              <a:rPr lang="en-US" b="1" i="1" dirty="0" smtClean="0">
+                <a:solidFill>
+                  <a:srgbClr val="00B050"/>
+                </a:solidFill>
+              </a:rPr>
+              <a:t>commercially available</a:t>
+            </a:r>
+          </a:p>
+          <a:p>
+            <a:r>
+              <a:rPr lang="en-US" dirty="0"/>
+              <a:t> </a:t>
+            </a:r>
+            <a:r>
+              <a:rPr lang="en-US" dirty="0" smtClean="0"/>
+              <a:t>     ● Th228 has a </a:t>
+            </a:r>
+            <a:r>
+              <a:rPr lang="en-US" b="1" i="1" dirty="0" smtClean="0">
+                <a:solidFill>
+                  <a:srgbClr val="00B050"/>
+                </a:solidFill>
+              </a:rPr>
+              <a:t>relatively long half-life</a:t>
+            </a:r>
+            <a:r>
+              <a:rPr lang="en-US" dirty="0" smtClean="0"/>
+              <a:t>(1.9 year)</a:t>
+            </a:r>
+            <a:endParaRPr lang="en-US" dirty="0"/>
+          </a:p>
+        </p:txBody>
+      </p:sp>
+      <p:pic>
+        <p:nvPicPr>
+          <p:cNvPr id="7" name="Picture 6"/>
+          <p:cNvPicPr>
+            <a:picLocks noChangeAspect="1"/>
+          </p:cNvPicPr>
+          <p:nvPr/>
+        </p:nvPicPr>
+        <p:blipFill>
+          <a:blip r:embed="rId3">
+            <a:extLst>
+              <a:ext uri="{28A0092B-C50C-407E-A947-70E740481C1C}">
+                <a14:useLocalDpi xmlns:a14="http://schemas.microsoft.com/office/drawing/2010/main" val="0"/>
+              </a:ext>
+            </a:extLst>
+          </a:blip>
+          <a:stretch>
+            <a:fillRect/>
+          </a:stretch>
+        </p:blipFill>
+        <p:spPr>
+          <a:xfrm>
+            <a:off x="8681964" y="277683"/>
+            <a:ext cx="3034661" cy="2889438"/>
+          </a:xfrm>
+          <a:prstGeom prst="rect">
+            <a:avLst/>
+          </a:prstGeom>
+        </p:spPr>
+      </p:pic>
+      <mc:AlternateContent xmlns:mc="http://schemas.openxmlformats.org/markup-compatibility/2006">
+        <mc:Choice xmlns:a14="http://schemas.microsoft.com/office/drawing/2010/main" Requires="a14">
+          <p:sp>
+            <p:nvSpPr>
+              <p:cNvPr id="8" name="TextBox 7"/>
+              <p:cNvSpPr txBox="1"/>
+              <p:nvPr/>
+            </p:nvSpPr>
+            <p:spPr>
+              <a:xfrm>
+                <a:off x="244442" y="2716993"/>
+                <a:ext cx="9098733" cy="946991"/>
+              </a:xfrm>
+              <a:prstGeom prst="rect">
+                <a:avLst/>
+              </a:prstGeom>
+              <a:noFill/>
+            </p:spPr>
+            <p:txBody>
+              <a:bodyPr wrap="square" rtlCol="0">
+                <a:spAutoFit/>
+              </a:bodyPr>
+              <a:lstStyle/>
+              <a:p>
+                <a:r>
+                  <a:rPr lang="en-US" dirty="0" smtClean="0"/>
+                  <a:t>(2)</a:t>
+                </a:r>
+                <a:r>
+                  <a:rPr lang="en-US" dirty="0" smtClean="0">
+                    <a:solidFill>
+                      <a:srgbClr val="FF0000"/>
+                    </a:solidFill>
+                  </a:rPr>
+                  <a:t> How to get the Th228 source?</a:t>
+                </a:r>
+              </a:p>
+              <a:p>
+                <a:r>
+                  <a:rPr lang="en-US" dirty="0"/>
+                  <a:t> </a:t>
+                </a:r>
+                <a:r>
+                  <a:rPr lang="en-US" dirty="0" smtClean="0"/>
+                  <a:t>     ● </a:t>
+                </a:r>
+                <a:r>
+                  <a:rPr lang="en-US" b="1" i="1" dirty="0" smtClean="0">
+                    <a:solidFill>
+                      <a:srgbClr val="00B050"/>
+                    </a:solidFill>
+                  </a:rPr>
+                  <a:t>Electroplated</a:t>
+                </a:r>
+                <a:r>
+                  <a:rPr lang="en-US" dirty="0" smtClean="0"/>
+                  <a:t> onto a platinum surface </a:t>
+                </a:r>
+              </a:p>
+              <a:p>
+                <a:r>
+                  <a:rPr lang="en-US" dirty="0"/>
+                  <a:t> </a:t>
+                </a:r>
+                <a:r>
+                  <a:rPr lang="en-US" dirty="0" smtClean="0"/>
+                  <a:t>     ● Then </a:t>
+                </a:r>
+                <a:r>
+                  <a:rPr lang="en-US" b="1" i="1" dirty="0" smtClean="0">
+                    <a:solidFill>
+                      <a:srgbClr val="00B050"/>
+                    </a:solidFill>
+                  </a:rPr>
+                  <a:t>fixed in an aluminum holder </a:t>
+                </a:r>
+                <a:r>
+                  <a:rPr lang="en-US" dirty="0" smtClean="0"/>
+                  <a:t>with a </a:t>
+                </a:r>
+                <a14:m>
+                  <m:oMath xmlns:m="http://schemas.openxmlformats.org/officeDocument/2006/math">
+                    <m:r>
+                      <a:rPr lang="en-US" b="0" i="1" smtClean="0">
+                        <a:latin typeface="Cambria Math" panose="02040503050406030204" pitchFamily="18" charset="0"/>
+                      </a:rPr>
+                      <m:t>100</m:t>
+                    </m:r>
+                    <m:r>
+                      <a:rPr lang="en-US" b="0" i="1" smtClean="0">
+                        <a:latin typeface="Cambria Math" panose="02040503050406030204" pitchFamily="18" charset="0"/>
+                        <a:ea typeface="Cambria Math" panose="02040503050406030204" pitchFamily="18" charset="0"/>
+                      </a:rPr>
+                      <m:t>𝜇</m:t>
+                    </m:r>
+                    <m:r>
+                      <a:rPr lang="en-US" b="0" i="1" smtClean="0">
+                        <a:latin typeface="Cambria Math" panose="02040503050406030204" pitchFamily="18" charset="0"/>
+                        <a:ea typeface="Cambria Math" panose="02040503050406030204" pitchFamily="18" charset="0"/>
+                      </a:rPr>
+                      <m:t>𝑔</m:t>
+                    </m:r>
+                    <m:r>
+                      <a:rPr lang="en-US" b="0" i="1" smtClean="0">
+                        <a:latin typeface="Cambria Math" panose="02040503050406030204" pitchFamily="18" charset="0"/>
+                        <a:ea typeface="Cambria Math" panose="02040503050406030204" pitchFamily="18" charset="0"/>
+                      </a:rPr>
+                      <m:t>/</m:t>
+                    </m:r>
+                    <m:sSup>
+                      <m:sSupPr>
+                        <m:ctrlPr>
+                          <a:rPr lang="en-US" b="0" i="1" smtClean="0">
+                            <a:latin typeface="Cambria Math" panose="02040503050406030204" pitchFamily="18" charset="0"/>
+                            <a:ea typeface="Cambria Math" panose="02040503050406030204" pitchFamily="18" charset="0"/>
+                          </a:rPr>
+                        </m:ctrlPr>
+                      </m:sSupPr>
+                      <m:e>
+                        <m:r>
+                          <a:rPr lang="en-US" b="0" i="1" smtClean="0">
+                            <a:latin typeface="Cambria Math" panose="02040503050406030204" pitchFamily="18" charset="0"/>
+                            <a:ea typeface="Cambria Math" panose="02040503050406030204" pitchFamily="18" charset="0"/>
+                          </a:rPr>
+                          <m:t>𝑐𝑚</m:t>
+                        </m:r>
+                        <m:r>
+                          <a:rPr lang="en-US" b="0" i="1" smtClean="0">
+                            <a:latin typeface="Cambria Math" panose="02040503050406030204" pitchFamily="18" charset="0"/>
+                            <a:ea typeface="Cambria Math" panose="02040503050406030204" pitchFamily="18" charset="0"/>
+                          </a:rPr>
+                          <m:t> </m:t>
+                        </m:r>
+                      </m:e>
+                      <m:sup>
+                        <m:r>
+                          <a:rPr lang="en-US" b="0" i="1" smtClean="0">
+                            <a:latin typeface="Cambria Math" panose="02040503050406030204" pitchFamily="18" charset="0"/>
+                            <a:ea typeface="Cambria Math" panose="02040503050406030204" pitchFamily="18" charset="0"/>
+                          </a:rPr>
+                          <m:t>2 </m:t>
+                        </m:r>
+                      </m:sup>
+                    </m:sSup>
+                  </m:oMath>
+                </a14:m>
+                <a:r>
+                  <a:rPr lang="en-US" dirty="0" smtClean="0"/>
+                  <a:t> </a:t>
+                </a:r>
+                <a:r>
+                  <a:rPr lang="en-US" b="1" i="1" dirty="0" smtClean="0">
+                    <a:solidFill>
+                      <a:srgbClr val="00B050"/>
+                    </a:solidFill>
+                  </a:rPr>
+                  <a:t>gold window</a:t>
+                </a:r>
+                <a:r>
+                  <a:rPr lang="en-US" dirty="0" smtClean="0"/>
+                  <a:t>.</a:t>
+                </a:r>
+                <a:endParaRPr lang="en-US" dirty="0"/>
+              </a:p>
+            </p:txBody>
+          </p:sp>
+        </mc:Choice>
+        <mc:Fallback>
+          <p:sp>
+            <p:nvSpPr>
+              <p:cNvPr id="8" name="TextBox 7"/>
+              <p:cNvSpPr txBox="1">
+                <a:spLocks noRot="1" noChangeAspect="1" noMove="1" noResize="1" noEditPoints="1" noAdjustHandles="1" noChangeArrowheads="1" noChangeShapeType="1" noTextEdit="1"/>
+              </p:cNvSpPr>
+              <p:nvPr/>
+            </p:nvSpPr>
+            <p:spPr>
+              <a:xfrm>
+                <a:off x="244442" y="2716993"/>
+                <a:ext cx="9098733" cy="946991"/>
+              </a:xfrm>
+              <a:prstGeom prst="rect">
+                <a:avLst/>
+              </a:prstGeom>
+              <a:blipFill rotWithShape="0">
+                <a:blip r:embed="rId4"/>
+                <a:stretch>
+                  <a:fillRect l="-536" t="-3871" b="-7097"/>
+                </a:stretch>
+              </a:blipFill>
+            </p:spPr>
+            <p:txBody>
+              <a:bodyPr/>
+              <a:lstStyle/>
+              <a:p>
+                <a:r>
+                  <a:rPr lang="en-US">
+                    <a:noFill/>
+                  </a:rPr>
+                  <a:t> </a:t>
+                </a:r>
+              </a:p>
+            </p:txBody>
+          </p:sp>
+        </mc:Fallback>
+      </mc:AlternateContent>
+      <p:sp>
+        <p:nvSpPr>
+          <p:cNvPr id="9" name="TextBox 8"/>
+          <p:cNvSpPr txBox="1"/>
+          <p:nvPr/>
+        </p:nvSpPr>
+        <p:spPr>
+          <a:xfrm>
+            <a:off x="244441" y="3838114"/>
+            <a:ext cx="9098733" cy="646331"/>
+          </a:xfrm>
+          <a:prstGeom prst="rect">
+            <a:avLst/>
+          </a:prstGeom>
+          <a:noFill/>
+        </p:spPr>
+        <p:txBody>
+          <a:bodyPr wrap="square" rtlCol="0">
+            <a:spAutoFit/>
+          </a:bodyPr>
+          <a:lstStyle/>
+          <a:p>
+            <a:r>
+              <a:rPr lang="en-US" dirty="0" smtClean="0"/>
+              <a:t>(3) Ideally, if an alpha source can be inserted between the </a:t>
+            </a:r>
+            <a:r>
+              <a:rPr lang="en-US" dirty="0"/>
+              <a:t>∆</a:t>
+            </a:r>
+            <a:r>
+              <a:rPr lang="en-US" dirty="0" smtClean="0"/>
+              <a:t>E and E detectors,</a:t>
+            </a:r>
+          </a:p>
+          <a:p>
+            <a:r>
+              <a:rPr lang="en-US" dirty="0"/>
+              <a:t> </a:t>
+            </a:r>
+            <a:r>
+              <a:rPr lang="en-US" dirty="0" smtClean="0"/>
+              <a:t>     the E detector can be calibrated without disassembling the </a:t>
+            </a:r>
+            <a:r>
+              <a:rPr lang="en-US" dirty="0" err="1" smtClean="0"/>
+              <a:t>HiRA</a:t>
+            </a:r>
+            <a:r>
+              <a:rPr lang="en-US" dirty="0" smtClean="0"/>
+              <a:t> telescope. </a:t>
+            </a:r>
+            <a:endParaRPr lang="en-US" dirty="0"/>
+          </a:p>
+        </p:txBody>
+      </p:sp>
+      <p:sp>
+        <p:nvSpPr>
+          <p:cNvPr id="10" name="TextBox 9"/>
+          <p:cNvSpPr txBox="1"/>
+          <p:nvPr/>
+        </p:nvSpPr>
+        <p:spPr>
+          <a:xfrm>
+            <a:off x="244440" y="4658575"/>
+            <a:ext cx="9098733" cy="646331"/>
+          </a:xfrm>
+          <a:prstGeom prst="rect">
+            <a:avLst/>
+          </a:prstGeom>
+          <a:noFill/>
+        </p:spPr>
+        <p:txBody>
+          <a:bodyPr wrap="square" rtlCol="0">
+            <a:spAutoFit/>
+          </a:bodyPr>
+          <a:lstStyle/>
+          <a:p>
+            <a:r>
+              <a:rPr lang="en-US" dirty="0" smtClean="0"/>
+              <a:t>(4) The pin </a:t>
+            </a:r>
+            <a:r>
+              <a:rPr lang="en-US" dirty="0" smtClean="0">
+                <a:solidFill>
+                  <a:srgbClr val="FF0000"/>
+                </a:solidFill>
+              </a:rPr>
+              <a:t>source </a:t>
+            </a:r>
+            <a:r>
+              <a:rPr lang="en-US" b="1" i="1" dirty="0" smtClean="0">
+                <a:solidFill>
+                  <a:srgbClr val="FF0000"/>
+                </a:solidFill>
+              </a:rPr>
+              <a:t>is primarily Pb212 </a:t>
+            </a:r>
+            <a:r>
+              <a:rPr lang="en-US" dirty="0" smtClean="0"/>
+              <a:t>(one of the isotopes from the decay chain</a:t>
+            </a:r>
+          </a:p>
+          <a:p>
+            <a:r>
+              <a:rPr lang="en-US" dirty="0"/>
+              <a:t> </a:t>
+            </a:r>
+            <a:r>
+              <a:rPr lang="en-US" dirty="0" smtClean="0"/>
+              <a:t>     of Th228) </a:t>
+            </a:r>
+            <a:endParaRPr lang="en-US" dirty="0"/>
+          </a:p>
+        </p:txBody>
+      </p:sp>
+      <p:sp>
+        <p:nvSpPr>
+          <p:cNvPr id="11" name="TextBox 10"/>
+          <p:cNvSpPr txBox="1"/>
+          <p:nvPr/>
+        </p:nvSpPr>
+        <p:spPr>
+          <a:xfrm>
+            <a:off x="244440" y="5431520"/>
+            <a:ext cx="9098733" cy="923330"/>
+          </a:xfrm>
+          <a:prstGeom prst="rect">
+            <a:avLst/>
+          </a:prstGeom>
+          <a:noFill/>
+        </p:spPr>
+        <p:txBody>
+          <a:bodyPr wrap="square" rtlCol="0">
+            <a:spAutoFit/>
+          </a:bodyPr>
+          <a:lstStyle/>
+          <a:p>
+            <a:r>
+              <a:rPr lang="en-US" dirty="0" smtClean="0"/>
+              <a:t>(5) The </a:t>
+            </a:r>
+            <a:r>
+              <a:rPr lang="en-US" dirty="0" err="1" smtClean="0"/>
+              <a:t>HiRA</a:t>
+            </a:r>
+            <a:r>
+              <a:rPr lang="en-US" dirty="0" smtClean="0"/>
+              <a:t> telescope was designed so that the pin source mounted in the </a:t>
+            </a:r>
+          </a:p>
+          <a:p>
+            <a:r>
+              <a:rPr lang="en-US" dirty="0"/>
+              <a:t> </a:t>
+            </a:r>
+            <a:r>
+              <a:rPr lang="en-US" dirty="0" smtClean="0"/>
+              <a:t>     frame </a:t>
+            </a:r>
+            <a:r>
+              <a:rPr lang="en-US" dirty="0" smtClean="0">
+                <a:solidFill>
+                  <a:srgbClr val="FF0000"/>
+                </a:solidFill>
+              </a:rPr>
+              <a:t>sits </a:t>
+            </a:r>
+            <a:r>
+              <a:rPr lang="en-US" b="1" i="1" dirty="0" smtClean="0">
+                <a:solidFill>
+                  <a:srgbClr val="FF0000"/>
+                </a:solidFill>
+              </a:rPr>
+              <a:t>3.2mm above </a:t>
+            </a:r>
+            <a:r>
+              <a:rPr lang="en-US" dirty="0" smtClean="0">
+                <a:solidFill>
+                  <a:srgbClr val="FF0000"/>
+                </a:solidFill>
+              </a:rPr>
+              <a:t>the surface of the E detector </a:t>
+            </a:r>
+            <a:r>
+              <a:rPr lang="en-US" dirty="0" smtClean="0"/>
+              <a:t>when the frame </a:t>
+            </a:r>
+          </a:p>
+          <a:p>
+            <a:r>
+              <a:rPr lang="en-US" dirty="0"/>
+              <a:t> </a:t>
+            </a:r>
+            <a:r>
+              <a:rPr lang="en-US" dirty="0" smtClean="0"/>
+              <a:t>     is inserted into the slot.</a:t>
+            </a:r>
+            <a:endParaRPr lang="en-US" dirty="0"/>
+          </a:p>
+        </p:txBody>
+      </p:sp>
+      <p:pic>
+        <p:nvPicPr>
+          <p:cNvPr id="2" name="Picture 1"/>
+          <p:cNvPicPr>
+            <a:picLocks noChangeAspect="1"/>
+          </p:cNvPicPr>
+          <p:nvPr/>
+        </p:nvPicPr>
+        <p:blipFill>
+          <a:blip r:embed="rId5">
+            <a:extLst>
+              <a:ext uri="{28A0092B-C50C-407E-A947-70E740481C1C}">
+                <a14:useLocalDpi xmlns:a14="http://schemas.microsoft.com/office/drawing/2010/main" val="0"/>
+              </a:ext>
+            </a:extLst>
+          </a:blip>
+          <a:stretch>
+            <a:fillRect/>
+          </a:stretch>
+        </p:blipFill>
+        <p:spPr>
+          <a:xfrm>
+            <a:off x="7758819" y="3815817"/>
+            <a:ext cx="4271548" cy="2897599"/>
+          </a:xfrm>
+          <a:prstGeom prst="rect">
+            <a:avLst/>
+          </a:prstGeom>
+        </p:spPr>
+      </p:pic>
     </p:spTree>
     <p:extLst>
       <p:ext uri="{BB962C8B-B14F-4D97-AF65-F5344CB8AC3E}">
-        <p14:creationId xmlns:p14="http://schemas.microsoft.com/office/powerpoint/2010/main" val="296665691"/>
+        <p14:creationId xmlns:p14="http://schemas.microsoft.com/office/powerpoint/2010/main" val="4219060194"/>
       </p:ext>
     </p:extLst>
   </p:cSld>
@@ -4293,10 +8386,900 @@
           <a:chExt cx="0" cy="0"/>
         </a:xfrm>
       </p:grpSpPr>
+      <p:sp>
+        <p:nvSpPr>
+          <p:cNvPr id="4" name="TextBox 3"/>
+          <p:cNvSpPr txBox="1"/>
+          <p:nvPr/>
+        </p:nvSpPr>
+        <p:spPr>
+          <a:xfrm>
+            <a:off x="0" y="0"/>
+            <a:ext cx="7010400" cy="584775"/>
+          </a:xfrm>
+          <a:prstGeom prst="rect">
+            <a:avLst/>
+          </a:prstGeom>
+          <a:noFill/>
+        </p:spPr>
+        <p:txBody>
+          <a:bodyPr wrap="square" rtlCol="0">
+            <a:spAutoFit/>
+          </a:bodyPr>
+          <a:lstStyle/>
+          <a:p>
+            <a:r>
+              <a:rPr lang="en-US" sz="1600" dirty="0" smtClean="0">
+                <a:solidFill>
+                  <a:srgbClr val="FF0000"/>
+                </a:solidFill>
+              </a:rPr>
+              <a:t>Date: </a:t>
+            </a:r>
+            <a:r>
+              <a:rPr lang="en-US" sz="1600" dirty="0" smtClean="0">
+                <a:solidFill>
+                  <a:srgbClr val="FF0000"/>
+                </a:solidFill>
+              </a:rPr>
+              <a:t>2018-10-28</a:t>
+            </a:r>
+            <a:endParaRPr lang="en-US" sz="1600" dirty="0" smtClean="0">
+              <a:solidFill>
+                <a:srgbClr val="FF0000"/>
+              </a:solidFill>
+            </a:endParaRPr>
+          </a:p>
+          <a:p>
+            <a:r>
+              <a:rPr lang="en-US" sz="1600" dirty="0" smtClean="0">
+                <a:solidFill>
+                  <a:srgbClr val="FF0000"/>
+                </a:solidFill>
+              </a:rPr>
+              <a:t>Source:  </a:t>
+            </a:r>
+            <a:r>
+              <a:rPr lang="en-US" sz="1600" dirty="0">
+                <a:hlinkClick r:id="rId2" tooltip="Persistent link using digital object identifier"/>
+              </a:rPr>
+              <a:t>https://doi.org/10.1016/j.nima.2017.12.082</a:t>
+            </a:r>
+            <a:endParaRPr lang="en-US" sz="1600" dirty="0">
+              <a:solidFill>
+                <a:srgbClr val="FF0000"/>
+              </a:solidFill>
+            </a:endParaRPr>
+          </a:p>
+        </p:txBody>
+      </p:sp>
+      <p:sp>
+        <p:nvSpPr>
+          <p:cNvPr id="3" name="TextBox 2"/>
+          <p:cNvSpPr txBox="1"/>
+          <p:nvPr/>
+        </p:nvSpPr>
+        <p:spPr>
+          <a:xfrm>
+            <a:off x="126745" y="828959"/>
+            <a:ext cx="10674039" cy="369332"/>
+          </a:xfrm>
+          <a:prstGeom prst="rect">
+            <a:avLst/>
+          </a:prstGeom>
+          <a:noFill/>
+        </p:spPr>
+        <p:txBody>
+          <a:bodyPr wrap="square" rtlCol="0">
+            <a:spAutoFit/>
+          </a:bodyPr>
+          <a:lstStyle/>
+          <a:p>
+            <a:r>
+              <a:rPr lang="en-US" dirty="0" smtClean="0"/>
+              <a:t>(6) The idea of testing the thickness of the dead layer</a:t>
+            </a:r>
+          </a:p>
+        </p:txBody>
+      </p:sp>
+      <p:sp>
+        <p:nvSpPr>
+          <p:cNvPr id="2" name="Rectangle 1"/>
+          <p:cNvSpPr/>
+          <p:nvPr/>
+        </p:nvSpPr>
+        <p:spPr>
+          <a:xfrm>
+            <a:off x="322908" y="1370047"/>
+            <a:ext cx="11627666" cy="923330"/>
+          </a:xfrm>
+          <a:prstGeom prst="rect">
+            <a:avLst/>
+          </a:prstGeom>
+        </p:spPr>
+        <p:txBody>
+          <a:bodyPr wrap="square">
+            <a:spAutoFit/>
+          </a:bodyPr>
+          <a:lstStyle/>
+          <a:p>
+            <a:r>
+              <a:rPr lang="en-US" dirty="0"/>
+              <a:t> ● The </a:t>
+            </a:r>
+            <a:r>
+              <a:rPr lang="en-US" b="1" i="1" dirty="0">
+                <a:solidFill>
+                  <a:srgbClr val="FF0000"/>
+                </a:solidFill>
+              </a:rPr>
+              <a:t>dead layer is the only potential cause </a:t>
+            </a:r>
+            <a:r>
+              <a:rPr lang="en-US" dirty="0"/>
+              <a:t>of energy loss between the source and </a:t>
+            </a:r>
+            <a:r>
+              <a:rPr lang="en-US" dirty="0" smtClean="0"/>
+              <a:t>active</a:t>
+            </a:r>
+          </a:p>
+          <a:p>
+            <a:r>
+              <a:rPr lang="en-US" dirty="0"/>
+              <a:t> </a:t>
+            </a:r>
+            <a:r>
+              <a:rPr lang="en-US" dirty="0" smtClean="0"/>
+              <a:t>    volume</a:t>
+            </a:r>
+            <a:r>
+              <a:rPr lang="en-US" dirty="0"/>
+              <a:t>, as </a:t>
+            </a:r>
+            <a:r>
+              <a:rPr lang="en-US" dirty="0" smtClean="0"/>
+              <a:t>alpha particles </a:t>
+            </a:r>
+            <a:r>
+              <a:rPr lang="en-US" dirty="0"/>
+              <a:t>from </a:t>
+            </a:r>
+            <a:r>
+              <a:rPr lang="en-US" dirty="0" smtClean="0"/>
+              <a:t>  the </a:t>
+            </a:r>
+            <a:r>
+              <a:rPr lang="en-US" dirty="0"/>
+              <a:t>pin do not need to pass through a </a:t>
+            </a:r>
+            <a:r>
+              <a:rPr lang="en-US" dirty="0">
+                <a:solidFill>
+                  <a:srgbClr val="00B050"/>
+                </a:solidFill>
+              </a:rPr>
+              <a:t>gold window </a:t>
+            </a:r>
+            <a:r>
+              <a:rPr lang="en-US" dirty="0"/>
+              <a:t>or </a:t>
+            </a:r>
+            <a:endParaRPr lang="en-US" dirty="0" smtClean="0"/>
+          </a:p>
+          <a:p>
+            <a:r>
+              <a:rPr lang="en-US" dirty="0"/>
+              <a:t> </a:t>
+            </a:r>
+            <a:r>
+              <a:rPr lang="en-US" dirty="0" smtClean="0"/>
+              <a:t>    </a:t>
+            </a:r>
+            <a:r>
+              <a:rPr lang="en-US" dirty="0" smtClean="0">
+                <a:solidFill>
+                  <a:srgbClr val="00B050"/>
+                </a:solidFill>
+              </a:rPr>
+              <a:t>Mylar foil </a:t>
+            </a:r>
+            <a:r>
+              <a:rPr lang="en-US" dirty="0" smtClean="0"/>
+              <a:t>to </a:t>
+            </a:r>
+            <a:r>
+              <a:rPr lang="en-US" dirty="0"/>
+              <a:t>reach the detector.</a:t>
+            </a:r>
+          </a:p>
+        </p:txBody>
+      </p:sp>
+      <p:sp>
+        <p:nvSpPr>
+          <p:cNvPr id="6" name="Rectangle 5"/>
+          <p:cNvSpPr/>
+          <p:nvPr/>
+        </p:nvSpPr>
+        <p:spPr>
+          <a:xfrm>
+            <a:off x="322908" y="2293377"/>
+            <a:ext cx="11627666" cy="1200329"/>
+          </a:xfrm>
+          <a:prstGeom prst="rect">
+            <a:avLst/>
+          </a:prstGeom>
+        </p:spPr>
+        <p:txBody>
+          <a:bodyPr wrap="square">
+            <a:spAutoFit/>
+          </a:bodyPr>
+          <a:lstStyle/>
+          <a:p>
+            <a:r>
+              <a:rPr lang="en-US" dirty="0"/>
+              <a:t> </a:t>
+            </a:r>
+            <a:r>
+              <a:rPr lang="en-US" dirty="0" smtClean="0"/>
+              <a:t>●  Some assumptions:</a:t>
+            </a:r>
+          </a:p>
+          <a:p>
+            <a:r>
+              <a:rPr lang="en-US" dirty="0"/>
+              <a:t> </a:t>
+            </a:r>
+            <a:r>
+              <a:rPr lang="en-US" dirty="0" smtClean="0"/>
+              <a:t>     &lt;1&gt; Assuming an effective dead layer of </a:t>
+            </a:r>
+            <a:r>
+              <a:rPr lang="en-US" b="1" dirty="0" smtClean="0">
+                <a:solidFill>
+                  <a:srgbClr val="00B050"/>
+                </a:solidFill>
+              </a:rPr>
+              <a:t>pure silicon</a:t>
+            </a:r>
+          </a:p>
+          <a:p>
+            <a:r>
+              <a:rPr lang="en-US" b="1" dirty="0">
+                <a:solidFill>
+                  <a:srgbClr val="00B050"/>
+                </a:solidFill>
+              </a:rPr>
+              <a:t> </a:t>
+            </a:r>
+            <a:r>
+              <a:rPr lang="en-US" b="1" dirty="0" smtClean="0">
+                <a:solidFill>
+                  <a:srgbClr val="00B050"/>
+                </a:solidFill>
+              </a:rPr>
+              <a:t> </a:t>
+            </a:r>
+            <a:r>
+              <a:rPr lang="en-US" dirty="0"/>
+              <a:t> </a:t>
+            </a:r>
+            <a:r>
+              <a:rPr lang="en-US" dirty="0" smtClean="0"/>
+              <a:t>   &lt;2&gt; Assuming a </a:t>
+            </a:r>
+            <a:r>
+              <a:rPr lang="en-US" b="1" dirty="0" smtClean="0">
+                <a:solidFill>
+                  <a:srgbClr val="00B050"/>
+                </a:solidFill>
+              </a:rPr>
+              <a:t>uniform dead layer</a:t>
+            </a:r>
+            <a:r>
+              <a:rPr lang="en-US" dirty="0" smtClean="0"/>
+              <a:t>, means a constant thickness of the dead layer</a:t>
+            </a:r>
+          </a:p>
+          <a:p>
+            <a:r>
+              <a:rPr lang="en-US" b="1" dirty="0">
+                <a:solidFill>
+                  <a:srgbClr val="00B050"/>
+                </a:solidFill>
+              </a:rPr>
+              <a:t> </a:t>
+            </a:r>
+            <a:r>
+              <a:rPr lang="en-US" b="1" dirty="0" smtClean="0">
+                <a:solidFill>
+                  <a:srgbClr val="00B050"/>
+                </a:solidFill>
+              </a:rPr>
+              <a:t>    </a:t>
+            </a:r>
+            <a:r>
+              <a:rPr lang="en-US" dirty="0"/>
+              <a:t> </a:t>
+            </a:r>
+            <a:r>
+              <a:rPr lang="en-US" dirty="0" smtClean="0"/>
+              <a:t>&lt;3&gt; </a:t>
+            </a:r>
+            <a:r>
+              <a:rPr lang="en-US" dirty="0"/>
+              <a:t>Assuming </a:t>
+            </a:r>
+            <a:r>
+              <a:rPr lang="en-US" dirty="0" smtClean="0"/>
+              <a:t>a </a:t>
+            </a:r>
+            <a:r>
+              <a:rPr lang="en-US" b="1" dirty="0" smtClean="0">
+                <a:solidFill>
+                  <a:srgbClr val="00B050"/>
+                </a:solidFill>
+              </a:rPr>
+              <a:t>constant value for energy loss</a:t>
+            </a:r>
+            <a:r>
+              <a:rPr lang="en-US" dirty="0" smtClean="0"/>
+              <a:t>, since the thickness of the dead layer is very small.</a:t>
+            </a:r>
+            <a:endParaRPr lang="en-US" b="1" dirty="0">
+              <a:solidFill>
+                <a:srgbClr val="00B050"/>
+              </a:solidFill>
+            </a:endParaRPr>
+          </a:p>
+        </p:txBody>
+      </p:sp>
+      <p:sp>
+        <p:nvSpPr>
+          <p:cNvPr id="7" name="Rectangle 6"/>
+          <p:cNvSpPr/>
+          <p:nvPr/>
+        </p:nvSpPr>
+        <p:spPr>
+          <a:xfrm>
+            <a:off x="322908" y="3595567"/>
+            <a:ext cx="11627666" cy="369332"/>
+          </a:xfrm>
+          <a:prstGeom prst="rect">
+            <a:avLst/>
+          </a:prstGeom>
+        </p:spPr>
+        <p:txBody>
+          <a:bodyPr wrap="square">
+            <a:spAutoFit/>
+          </a:bodyPr>
+          <a:lstStyle/>
+          <a:p>
+            <a:r>
+              <a:rPr lang="en-US" dirty="0" smtClean="0"/>
+              <a:t> ● Basic formula used for extraction of T</a:t>
+            </a:r>
+            <a:endParaRPr lang="en-US" b="1" dirty="0">
+              <a:solidFill>
+                <a:srgbClr val="00B050"/>
+              </a:solidFill>
+            </a:endParaRPr>
+          </a:p>
+        </p:txBody>
+      </p:sp>
+      <mc:AlternateContent xmlns:mc="http://schemas.openxmlformats.org/markup-compatibility/2006">
+        <mc:Choice xmlns:a14="http://schemas.microsoft.com/office/drawing/2010/main" Requires="a14">
+          <p:sp>
+            <p:nvSpPr>
+              <p:cNvPr id="8" name="Rectangle 7"/>
+              <p:cNvSpPr/>
+              <p:nvPr/>
+            </p:nvSpPr>
+            <p:spPr>
+              <a:xfrm>
+                <a:off x="1146857" y="3964899"/>
+                <a:ext cx="2021772" cy="768352"/>
+              </a:xfrm>
+              <a:prstGeom prst="rect">
+                <a:avLst/>
+              </a:prstGeom>
+            </p:spPr>
+            <p:txBody>
+              <a:bodyPr wrap="none">
+                <a:spAutoFit/>
+              </a:bodyPr>
+              <a:lstStyle/>
+              <a:p>
+                <a14:m>
+                  <m:oMath xmlns:m="http://schemas.openxmlformats.org/officeDocument/2006/math">
+                    <m:r>
+                      <a:rPr lang="en-US" i="1" smtClean="0">
+                        <a:latin typeface="Cambria Math" panose="02040503050406030204" pitchFamily="18" charset="0"/>
+                      </a:rPr>
+                      <m:t>𝐸</m:t>
+                    </m:r>
+                    <m:r>
+                      <a:rPr lang="en-US" i="1" smtClean="0">
+                        <a:latin typeface="Cambria Math" panose="02040503050406030204" pitchFamily="18" charset="0"/>
+                      </a:rPr>
+                      <m:t>=</m:t>
+                    </m:r>
+                    <m:sSub>
+                      <m:sSubPr>
+                        <m:ctrlPr>
+                          <a:rPr lang="en-US" i="1">
+                            <a:latin typeface="Cambria Math" panose="02040503050406030204" pitchFamily="18" charset="0"/>
+                          </a:rPr>
+                        </m:ctrlPr>
+                      </m:sSubPr>
+                      <m:e>
+                        <m:r>
+                          <a:rPr lang="en-US" i="1">
+                            <a:latin typeface="Cambria Math" panose="02040503050406030204" pitchFamily="18" charset="0"/>
+                          </a:rPr>
+                          <m:t>𝐸</m:t>
+                        </m:r>
+                      </m:e>
+                      <m:sub>
+                        <m:r>
+                          <a:rPr lang="en-US" i="1">
+                            <a:latin typeface="Cambria Math" panose="02040503050406030204" pitchFamily="18" charset="0"/>
+                          </a:rPr>
+                          <m:t>0</m:t>
+                        </m:r>
+                      </m:sub>
+                    </m:sSub>
+                    <m:r>
+                      <a:rPr lang="en-US" i="1">
+                        <a:latin typeface="Cambria Math" panose="02040503050406030204" pitchFamily="18" charset="0"/>
+                      </a:rPr>
+                      <m:t>−</m:t>
+                    </m:r>
+                    <m:f>
+                      <m:fPr>
+                        <m:ctrlPr>
+                          <a:rPr lang="en-US" i="1">
+                            <a:latin typeface="Cambria Math" panose="02040503050406030204" pitchFamily="18" charset="0"/>
+                          </a:rPr>
+                        </m:ctrlPr>
+                      </m:fPr>
+                      <m:num>
+                        <m:r>
+                          <a:rPr lang="en-US" i="1">
+                            <a:latin typeface="Cambria Math" panose="02040503050406030204" pitchFamily="18" charset="0"/>
+                          </a:rPr>
+                          <m:t>𝑑𝐸</m:t>
+                        </m:r>
+                      </m:num>
+                      <m:den>
+                        <m:r>
+                          <a:rPr lang="en-US" i="1">
+                            <a:latin typeface="Cambria Math" panose="02040503050406030204" pitchFamily="18" charset="0"/>
+                          </a:rPr>
+                          <m:t>𝑑𝑥</m:t>
+                        </m:r>
+                      </m:den>
+                    </m:f>
+                    <m:r>
+                      <a:rPr lang="en-US" i="1">
+                        <a:latin typeface="Cambria Math" panose="02040503050406030204" pitchFamily="18" charset="0"/>
+                        <a:ea typeface="Cambria Math" panose="02040503050406030204" pitchFamily="18" charset="0"/>
+                      </a:rPr>
+                      <m:t>∗</m:t>
+                    </m:r>
+                    <m:f>
+                      <m:fPr>
+                        <m:ctrlPr>
+                          <a:rPr lang="en-US" i="1">
+                            <a:latin typeface="Cambria Math" panose="02040503050406030204" pitchFamily="18" charset="0"/>
+                            <a:ea typeface="Cambria Math" panose="02040503050406030204" pitchFamily="18" charset="0"/>
+                          </a:rPr>
+                        </m:ctrlPr>
+                      </m:fPr>
+                      <m:num>
+                        <m:r>
+                          <a:rPr lang="en-US" i="1">
+                            <a:latin typeface="Cambria Math" panose="02040503050406030204" pitchFamily="18" charset="0"/>
+                            <a:ea typeface="Cambria Math" panose="02040503050406030204" pitchFamily="18" charset="0"/>
+                          </a:rPr>
+                          <m:t>𝑇</m:t>
+                        </m:r>
+                      </m:num>
+                      <m:den>
+                        <m:r>
+                          <a:rPr lang="en-US" i="1" smtClean="0">
+                            <a:latin typeface="Cambria Math" panose="02040503050406030204" pitchFamily="18" charset="0"/>
+                            <a:ea typeface="Cambria Math" panose="02040503050406030204" pitchFamily="18" charset="0"/>
+                          </a:rPr>
+                          <m:t>𝑐𝑜𝑠</m:t>
+                        </m:r>
+                        <m:r>
+                          <a:rPr lang="en-US" i="1" smtClean="0">
+                            <a:latin typeface="Cambria Math" panose="02040503050406030204" pitchFamily="18" charset="0"/>
+                            <a:ea typeface="Cambria Math" panose="02040503050406030204" pitchFamily="18" charset="0"/>
+                          </a:rPr>
+                          <m:t>𝜃</m:t>
+                        </m:r>
+                      </m:den>
+                    </m:f>
+                  </m:oMath>
+                </a14:m>
+                <a:r>
+                  <a:rPr lang="en-US" dirty="0" smtClean="0"/>
+                  <a:t> </a:t>
+                </a:r>
+              </a:p>
+              <a:p>
+                <a:endParaRPr lang="en-US" dirty="0" smtClean="0"/>
+              </a:p>
+            </p:txBody>
+          </p:sp>
+        </mc:Choice>
+        <mc:Fallback>
+          <p:sp>
+            <p:nvSpPr>
+              <p:cNvPr id="8" name="Rectangle 7"/>
+              <p:cNvSpPr>
+                <a:spLocks noRot="1" noChangeAspect="1" noMove="1" noResize="1" noEditPoints="1" noAdjustHandles="1" noChangeArrowheads="1" noChangeShapeType="1" noTextEdit="1"/>
+              </p:cNvSpPr>
+              <p:nvPr/>
+            </p:nvSpPr>
+            <p:spPr>
+              <a:xfrm>
+                <a:off x="1146857" y="3964899"/>
+                <a:ext cx="2021772" cy="768352"/>
+              </a:xfrm>
+              <a:prstGeom prst="rect">
+                <a:avLst/>
+              </a:prstGeom>
+              <a:blipFill rotWithShape="0">
+                <a:blip r:embed="rId3"/>
+                <a:stretch>
+                  <a:fillRect/>
+                </a:stretch>
+              </a:blipFill>
+            </p:spPr>
+            <p:txBody>
+              <a:bodyPr/>
+              <a:lstStyle/>
+              <a:p>
+                <a:r>
+                  <a:rPr lang="en-US">
+                    <a:noFill/>
+                  </a:rPr>
+                  <a:t> </a:t>
+                </a:r>
+              </a:p>
+            </p:txBody>
+          </p:sp>
+        </mc:Fallback>
+      </mc:AlternateContent>
+      <p:pic>
+        <p:nvPicPr>
+          <p:cNvPr id="9" name="Picture 8"/>
+          <p:cNvPicPr>
+            <a:picLocks noChangeAspect="1"/>
+          </p:cNvPicPr>
+          <p:nvPr/>
+        </p:nvPicPr>
+        <p:blipFill>
+          <a:blip r:embed="rId4">
+            <a:extLst>
+              <a:ext uri="{28A0092B-C50C-407E-A947-70E740481C1C}">
+                <a14:useLocalDpi xmlns:a14="http://schemas.microsoft.com/office/drawing/2010/main" val="0"/>
+              </a:ext>
+            </a:extLst>
+          </a:blip>
+          <a:stretch>
+            <a:fillRect/>
+          </a:stretch>
+        </p:blipFill>
+        <p:spPr>
+          <a:xfrm>
+            <a:off x="7695775" y="3780233"/>
+            <a:ext cx="3391373" cy="2753109"/>
+          </a:xfrm>
+          <a:prstGeom prst="rect">
+            <a:avLst/>
+          </a:prstGeom>
+        </p:spPr>
+      </p:pic>
+      <mc:AlternateContent xmlns:mc="http://schemas.openxmlformats.org/markup-compatibility/2006">
+        <mc:Choice xmlns:a14="http://schemas.microsoft.com/office/drawing/2010/main" Requires="a14">
+          <p:sp>
+            <p:nvSpPr>
+              <p:cNvPr id="10" name="Rectangle 9"/>
+              <p:cNvSpPr/>
+              <p:nvPr/>
+            </p:nvSpPr>
+            <p:spPr>
+              <a:xfrm>
+                <a:off x="3505200" y="3978285"/>
+                <a:ext cx="6096000" cy="1599284"/>
+              </a:xfrm>
+              <a:prstGeom prst="rect">
+                <a:avLst/>
+              </a:prstGeom>
+            </p:spPr>
+            <p:txBody>
+              <a:bodyPr>
+                <a:spAutoFit/>
+              </a:bodyPr>
+              <a:lstStyle/>
+              <a:p>
+                <a:r>
+                  <a:rPr lang="en-US" dirty="0"/>
+                  <a:t>E: detected energy in E detector</a:t>
+                </a:r>
+              </a:p>
+              <a:p>
+                <a14:m>
+                  <m:oMath xmlns:m="http://schemas.openxmlformats.org/officeDocument/2006/math">
+                    <m:sSub>
+                      <m:sSubPr>
+                        <m:ctrlPr>
+                          <a:rPr lang="en-US" i="1">
+                            <a:latin typeface="Cambria Math" panose="02040503050406030204" pitchFamily="18" charset="0"/>
+                          </a:rPr>
+                        </m:ctrlPr>
+                      </m:sSubPr>
+                      <m:e>
+                        <m:r>
+                          <a:rPr lang="en-US" i="1">
+                            <a:latin typeface="Cambria Math" panose="02040503050406030204" pitchFamily="18" charset="0"/>
+                          </a:rPr>
+                          <m:t>𝐸</m:t>
+                        </m:r>
+                      </m:e>
+                      <m:sub>
+                        <m:r>
+                          <a:rPr lang="en-US" i="1">
+                            <a:latin typeface="Cambria Math" panose="02040503050406030204" pitchFamily="18" charset="0"/>
+                          </a:rPr>
+                          <m:t>0</m:t>
+                        </m:r>
+                      </m:sub>
+                    </m:sSub>
+                  </m:oMath>
+                </a14:m>
+                <a:r>
+                  <a:rPr lang="en-US" dirty="0"/>
+                  <a:t>: the initial energy of alpha particle</a:t>
+                </a:r>
+              </a:p>
+              <a:p>
+                <a14:m>
+                  <m:oMath xmlns:m="http://schemas.openxmlformats.org/officeDocument/2006/math">
+                    <m:r>
+                      <a:rPr lang="en-US" i="1">
+                        <a:latin typeface="Cambria Math" panose="02040503050406030204" pitchFamily="18" charset="0"/>
+                        <a:ea typeface="Cambria Math" panose="02040503050406030204" pitchFamily="18" charset="0"/>
+                      </a:rPr>
+                      <m:t>𝜃</m:t>
+                    </m:r>
+                  </m:oMath>
+                </a14:m>
+                <a:r>
+                  <a:rPr lang="en-US" dirty="0"/>
+                  <a:t>: emission angle</a:t>
+                </a:r>
+              </a:p>
+              <a:p>
+                <a14:m>
+                  <m:oMath xmlns:m="http://schemas.openxmlformats.org/officeDocument/2006/math">
+                    <m:f>
+                      <m:fPr>
+                        <m:ctrlPr>
+                          <a:rPr lang="en-US" i="1">
+                            <a:latin typeface="Cambria Math" panose="02040503050406030204" pitchFamily="18" charset="0"/>
+                          </a:rPr>
+                        </m:ctrlPr>
+                      </m:fPr>
+                      <m:num>
+                        <m:r>
+                          <a:rPr lang="en-US" i="1">
+                            <a:latin typeface="Cambria Math" panose="02040503050406030204" pitchFamily="18" charset="0"/>
+                          </a:rPr>
+                          <m:t>𝑑𝐸</m:t>
+                        </m:r>
+                      </m:num>
+                      <m:den>
+                        <m:r>
+                          <a:rPr lang="en-US" i="1">
+                            <a:latin typeface="Cambria Math" panose="02040503050406030204" pitchFamily="18" charset="0"/>
+                          </a:rPr>
+                          <m:t>𝑑𝑥</m:t>
+                        </m:r>
+                      </m:den>
+                    </m:f>
+                  </m:oMath>
+                </a14:m>
+                <a:r>
+                  <a:rPr lang="en-US" dirty="0"/>
+                  <a:t>: stopping power of an alpha particle in Si at energy </a:t>
+                </a:r>
+                <a14:m>
+                  <m:oMath xmlns:m="http://schemas.openxmlformats.org/officeDocument/2006/math">
+                    <m:sSub>
+                      <m:sSubPr>
+                        <m:ctrlPr>
+                          <a:rPr lang="en-US" i="1">
+                            <a:latin typeface="Cambria Math" panose="02040503050406030204" pitchFamily="18" charset="0"/>
+                          </a:rPr>
+                        </m:ctrlPr>
+                      </m:sSubPr>
+                      <m:e>
+                        <m:r>
+                          <a:rPr lang="en-US" i="1">
+                            <a:latin typeface="Cambria Math" panose="02040503050406030204" pitchFamily="18" charset="0"/>
+                          </a:rPr>
+                          <m:t>𝐸</m:t>
+                        </m:r>
+                      </m:e>
+                      <m:sub>
+                        <m:r>
+                          <a:rPr lang="en-US" i="1">
+                            <a:latin typeface="Cambria Math" panose="02040503050406030204" pitchFamily="18" charset="0"/>
+                          </a:rPr>
+                          <m:t>0</m:t>
+                        </m:r>
+                      </m:sub>
+                    </m:sSub>
+                  </m:oMath>
+                </a14:m>
+                <a:endParaRPr lang="en-US" dirty="0"/>
+              </a:p>
+              <a:p>
+                <a:r>
+                  <a:rPr lang="en-US" dirty="0"/>
+                  <a:t> </a:t>
+                </a:r>
+                <a:r>
+                  <a:rPr lang="en-US" dirty="0"/>
+                  <a:t>    (assumed to be a constant)</a:t>
+                </a:r>
+                <a:endParaRPr lang="en-US" dirty="0"/>
+              </a:p>
+            </p:txBody>
+          </p:sp>
+        </mc:Choice>
+        <mc:Fallback>
+          <p:sp>
+            <p:nvSpPr>
+              <p:cNvPr id="10" name="Rectangle 9"/>
+              <p:cNvSpPr>
+                <a:spLocks noRot="1" noChangeAspect="1" noMove="1" noResize="1" noEditPoints="1" noAdjustHandles="1" noChangeArrowheads="1" noChangeShapeType="1" noTextEdit="1"/>
+              </p:cNvSpPr>
+              <p:nvPr/>
+            </p:nvSpPr>
+            <p:spPr>
+              <a:xfrm>
+                <a:off x="3505200" y="3978285"/>
+                <a:ext cx="6096000" cy="1599284"/>
+              </a:xfrm>
+              <a:prstGeom prst="rect">
+                <a:avLst/>
+              </a:prstGeom>
+              <a:blipFill rotWithShape="0">
+                <a:blip r:embed="rId5"/>
+                <a:stretch>
+                  <a:fillRect l="-800" t="-2290" b="-5344"/>
+                </a:stretch>
+              </a:blipFill>
+            </p:spPr>
+            <p:txBody>
+              <a:bodyPr/>
+              <a:lstStyle/>
+              <a:p>
+                <a:r>
+                  <a:rPr lang="en-US">
+                    <a:noFill/>
+                  </a:rPr>
+                  <a:t> </a:t>
+                </a:r>
+              </a:p>
+            </p:txBody>
+          </p:sp>
+        </mc:Fallback>
+      </mc:AlternateContent>
+      <mc:AlternateContent xmlns:mc="http://schemas.openxmlformats.org/markup-compatibility/2006">
+        <mc:Choice xmlns:a14="http://schemas.microsoft.com/office/drawing/2010/main" Requires="a14">
+          <p:sp>
+            <p:nvSpPr>
+              <p:cNvPr id="11" name="TextBox 10"/>
+              <p:cNvSpPr txBox="1"/>
+              <p:nvPr/>
+            </p:nvSpPr>
+            <p:spPr>
+              <a:xfrm>
+                <a:off x="679011" y="5501457"/>
+                <a:ext cx="4399984" cy="369332"/>
+              </a:xfrm>
+              <a:prstGeom prst="rect">
+                <a:avLst/>
+              </a:prstGeom>
+              <a:noFill/>
+            </p:spPr>
+            <p:txBody>
+              <a:bodyPr wrap="square" rtlCol="0">
+                <a:spAutoFit/>
+              </a:bodyPr>
+              <a:lstStyle/>
+              <a:p>
+                <a:r>
+                  <a:rPr lang="en-US" b="1" dirty="0" smtClean="0">
+                    <a:solidFill>
+                      <a:srgbClr val="FF0000"/>
+                    </a:solidFill>
+                  </a:rPr>
+                  <a:t>Observable quantities: E , </a:t>
+                </a:r>
+                <a14:m>
+                  <m:oMath xmlns:m="http://schemas.openxmlformats.org/officeDocument/2006/math">
+                    <m:r>
+                      <a:rPr lang="en-US" b="1" i="1">
+                        <a:solidFill>
+                          <a:srgbClr val="FF0000"/>
+                        </a:solidFill>
+                        <a:latin typeface="Cambria Math" panose="02040503050406030204" pitchFamily="18" charset="0"/>
+                        <a:ea typeface="Cambria Math" panose="02040503050406030204" pitchFamily="18" charset="0"/>
+                      </a:rPr>
+                      <m:t>𝜽</m:t>
+                    </m:r>
+                  </m:oMath>
+                </a14:m>
+                <a:endParaRPr lang="en-US" b="1" dirty="0">
+                  <a:solidFill>
+                    <a:srgbClr val="FF0000"/>
+                  </a:solidFill>
+                </a:endParaRPr>
+              </a:p>
+            </p:txBody>
+          </p:sp>
+        </mc:Choice>
+        <mc:Fallback>
+          <p:sp>
+            <p:nvSpPr>
+              <p:cNvPr id="11" name="TextBox 10"/>
+              <p:cNvSpPr txBox="1">
+                <a:spLocks noRot="1" noChangeAspect="1" noMove="1" noResize="1" noEditPoints="1" noAdjustHandles="1" noChangeArrowheads="1" noChangeShapeType="1" noTextEdit="1"/>
+              </p:cNvSpPr>
+              <p:nvPr/>
+            </p:nvSpPr>
+            <p:spPr>
+              <a:xfrm>
+                <a:off x="679011" y="5501457"/>
+                <a:ext cx="4399984" cy="369332"/>
+              </a:xfrm>
+              <a:prstGeom prst="rect">
+                <a:avLst/>
+              </a:prstGeom>
+              <a:blipFill rotWithShape="0">
+                <a:blip r:embed="rId6"/>
+                <a:stretch>
+                  <a:fillRect l="-1108" t="-8197" b="-24590"/>
+                </a:stretch>
+              </a:blipFill>
+            </p:spPr>
+            <p:txBody>
+              <a:bodyPr/>
+              <a:lstStyle/>
+              <a:p>
+                <a:r>
+                  <a:rPr lang="en-US">
+                    <a:noFill/>
+                  </a:rPr>
+                  <a:t> </a:t>
+                </a:r>
+              </a:p>
+            </p:txBody>
+          </p:sp>
+        </mc:Fallback>
+      </mc:AlternateContent>
     </p:spTree>
     <p:extLst>
       <p:ext uri="{BB962C8B-B14F-4D97-AF65-F5344CB8AC3E}">
-        <p14:creationId xmlns:p14="http://schemas.microsoft.com/office/powerpoint/2010/main" val="1833532843"/>
+        <p14:creationId xmlns:p14="http://schemas.microsoft.com/office/powerpoint/2010/main" val="229368771"/>
       </p:ext>
     </p:extLst>
   </p:cSld>

--- a/03DE-E-Detector.pptx
+++ b/03DE-E-Detector.pptx
@@ -6,26 +6,28 @@
   </p:sldMasterIdLst>
   <p:sldIdLst>
     <p:sldId id="278" r:id="rId2"/>
-    <p:sldId id="256" r:id="rId3"/>
-    <p:sldId id="259" r:id="rId4"/>
+    <p:sldId id="259" r:id="rId3"/>
+    <p:sldId id="256" r:id="rId4"/>
     <p:sldId id="257" r:id="rId5"/>
-    <p:sldId id="267" r:id="rId6"/>
-    <p:sldId id="265" r:id="rId7"/>
-    <p:sldId id="266" r:id="rId8"/>
-    <p:sldId id="270" r:id="rId9"/>
-    <p:sldId id="271" r:id="rId10"/>
-    <p:sldId id="273" r:id="rId11"/>
-    <p:sldId id="274" r:id="rId12"/>
-    <p:sldId id="275" r:id="rId13"/>
-    <p:sldId id="276" r:id="rId14"/>
-    <p:sldId id="277" r:id="rId15"/>
-    <p:sldId id="268" r:id="rId16"/>
-    <p:sldId id="269" r:id="rId17"/>
-    <p:sldId id="258" r:id="rId18"/>
-    <p:sldId id="260" r:id="rId19"/>
-    <p:sldId id="261" r:id="rId20"/>
-    <p:sldId id="262" r:id="rId21"/>
-    <p:sldId id="263" r:id="rId22"/>
+    <p:sldId id="279" r:id="rId6"/>
+    <p:sldId id="281" r:id="rId7"/>
+    <p:sldId id="282" r:id="rId8"/>
+    <p:sldId id="265" r:id="rId9"/>
+    <p:sldId id="266" r:id="rId10"/>
+    <p:sldId id="270" r:id="rId11"/>
+    <p:sldId id="271" r:id="rId12"/>
+    <p:sldId id="273" r:id="rId13"/>
+    <p:sldId id="274" r:id="rId14"/>
+    <p:sldId id="275" r:id="rId15"/>
+    <p:sldId id="276" r:id="rId16"/>
+    <p:sldId id="277" r:id="rId17"/>
+    <p:sldId id="268" r:id="rId18"/>
+    <p:sldId id="269" r:id="rId19"/>
+    <p:sldId id="258" r:id="rId20"/>
+    <p:sldId id="260" r:id="rId21"/>
+    <p:sldId id="261" r:id="rId22"/>
+    <p:sldId id="262" r:id="rId23"/>
+    <p:sldId id="263" r:id="rId24"/>
   </p:sldIdLst>
   <p:sldSz cx="12192000" cy="6858000"/>
   <p:notesSz cx="6858000" cy="9144000"/>
@@ -263,7 +265,7 @@
           <a:p>
             <a:fld id="{B49F1F9E-BB21-4ADB-B707-20B3786FE04D}" type="datetimeFigureOut">
               <a:rPr lang="en-US" smtClean="0"/>
-              <a:t>10/29/2018</a:t>
+              <a:t>10/30/2018</a:t>
             </a:fld>
             <a:endParaRPr lang="en-US"/>
           </a:p>
@@ -433,7 +435,7 @@
           <a:p>
             <a:fld id="{B49F1F9E-BB21-4ADB-B707-20B3786FE04D}" type="datetimeFigureOut">
               <a:rPr lang="en-US" smtClean="0"/>
-              <a:t>10/29/2018</a:t>
+              <a:t>10/30/2018</a:t>
             </a:fld>
             <a:endParaRPr lang="en-US"/>
           </a:p>
@@ -613,7 +615,7 @@
           <a:p>
             <a:fld id="{B49F1F9E-BB21-4ADB-B707-20B3786FE04D}" type="datetimeFigureOut">
               <a:rPr lang="en-US" smtClean="0"/>
-              <a:t>10/29/2018</a:t>
+              <a:t>10/30/2018</a:t>
             </a:fld>
             <a:endParaRPr lang="en-US"/>
           </a:p>
@@ -783,7 +785,7 @@
           <a:p>
             <a:fld id="{B49F1F9E-BB21-4ADB-B707-20B3786FE04D}" type="datetimeFigureOut">
               <a:rPr lang="en-US" smtClean="0"/>
-              <a:t>10/29/2018</a:t>
+              <a:t>10/30/2018</a:t>
             </a:fld>
             <a:endParaRPr lang="en-US"/>
           </a:p>
@@ -1029,7 +1031,7 @@
           <a:p>
             <a:fld id="{B49F1F9E-BB21-4ADB-B707-20B3786FE04D}" type="datetimeFigureOut">
               <a:rPr lang="en-US" smtClean="0"/>
-              <a:t>10/29/2018</a:t>
+              <a:t>10/30/2018</a:t>
             </a:fld>
             <a:endParaRPr lang="en-US"/>
           </a:p>
@@ -1261,7 +1263,7 @@
           <a:p>
             <a:fld id="{B49F1F9E-BB21-4ADB-B707-20B3786FE04D}" type="datetimeFigureOut">
               <a:rPr lang="en-US" smtClean="0"/>
-              <a:t>10/29/2018</a:t>
+              <a:t>10/30/2018</a:t>
             </a:fld>
             <a:endParaRPr lang="en-US"/>
           </a:p>
@@ -1628,7 +1630,7 @@
           <a:p>
             <a:fld id="{B49F1F9E-BB21-4ADB-B707-20B3786FE04D}" type="datetimeFigureOut">
               <a:rPr lang="en-US" smtClean="0"/>
-              <a:t>10/29/2018</a:t>
+              <a:t>10/30/2018</a:t>
             </a:fld>
             <a:endParaRPr lang="en-US"/>
           </a:p>
@@ -1746,7 +1748,7 @@
           <a:p>
             <a:fld id="{B49F1F9E-BB21-4ADB-B707-20B3786FE04D}" type="datetimeFigureOut">
               <a:rPr lang="en-US" smtClean="0"/>
-              <a:t>10/29/2018</a:t>
+              <a:t>10/30/2018</a:t>
             </a:fld>
             <a:endParaRPr lang="en-US"/>
           </a:p>
@@ -1841,7 +1843,7 @@
           <a:p>
             <a:fld id="{B49F1F9E-BB21-4ADB-B707-20B3786FE04D}" type="datetimeFigureOut">
               <a:rPr lang="en-US" smtClean="0"/>
-              <a:t>10/29/2018</a:t>
+              <a:t>10/30/2018</a:t>
             </a:fld>
             <a:endParaRPr lang="en-US"/>
           </a:p>
@@ -2118,7 +2120,7 @@
           <a:p>
             <a:fld id="{B49F1F9E-BB21-4ADB-B707-20B3786FE04D}" type="datetimeFigureOut">
               <a:rPr lang="en-US" smtClean="0"/>
-              <a:t>10/29/2018</a:t>
+              <a:t>10/30/2018</a:t>
             </a:fld>
             <a:endParaRPr lang="en-US"/>
           </a:p>
@@ -2371,7 +2373,7 @@
           <a:p>
             <a:fld id="{B49F1F9E-BB21-4ADB-B707-20B3786FE04D}" type="datetimeFigureOut">
               <a:rPr lang="en-US" smtClean="0"/>
-              <a:t>10/29/2018</a:t>
+              <a:t>10/30/2018</a:t>
             </a:fld>
             <a:endParaRPr lang="en-US"/>
           </a:p>
@@ -2584,7 +2586,7 @@
           <a:p>
             <a:fld id="{B49F1F9E-BB21-4ADB-B707-20B3786FE04D}" type="datetimeFigureOut">
               <a:rPr lang="en-US" smtClean="0"/>
-              <a:t>10/29/2018</a:t>
+              <a:t>10/30/2018</a:t>
             </a:fld>
             <a:endParaRPr lang="en-US"/>
           </a:p>
@@ -2991,62 +2993,13 @@
       </p:grpSpPr>
       <p:sp>
         <p:nvSpPr>
-          <p:cNvPr id="2" name="文本框 1"/>
-          <p:cNvSpPr txBox="1"/>
-          <p:nvPr/>
-        </p:nvSpPr>
-        <p:spPr>
-          <a:xfrm>
-            <a:off x="574431" y="398585"/>
-            <a:ext cx="10410092" cy="646331"/>
-          </a:xfrm>
-          <a:prstGeom prst="rect">
-            <a:avLst/>
-          </a:prstGeom>
-          <a:noFill/>
-        </p:spPr>
-        <p:txBody>
-          <a:bodyPr wrap="square" rtlCol="0">
-            <a:spAutoFit/>
-          </a:bodyPr>
-          <a:lstStyle/>
-          <a:p>
-            <a:r>
-              <a:rPr lang="en-US" altLang="zh-CN" dirty="0" smtClean="0"/>
-              <a:t>Q1: </a:t>
-            </a:r>
-            <a:r>
-              <a:rPr lang="zh-CN" altLang="en-US" dirty="0" smtClean="0"/>
-              <a:t>在双层硅条探测器中，如果粒子斜入射，那么前面和背面都应该有多个条有信号，这时如何</a:t>
-            </a:r>
-            <a:endParaRPr lang="en-US" altLang="zh-CN" dirty="0" smtClean="0"/>
-          </a:p>
-          <a:p>
-            <a:r>
-              <a:rPr lang="en-US" altLang="zh-CN" dirty="0"/>
-              <a:t> </a:t>
-            </a:r>
-            <a:r>
-              <a:rPr lang="en-US" altLang="zh-CN" dirty="0" smtClean="0"/>
-              <a:t>       </a:t>
-            </a:r>
-            <a:r>
-              <a:rPr lang="zh-CN" altLang="en-US" dirty="0" smtClean="0"/>
-              <a:t>确定入射粒子的位置？</a:t>
-            </a:r>
-            <a:endParaRPr lang="zh-CN" altLang="en-US" dirty="0"/>
-          </a:p>
-        </p:txBody>
-      </p:sp>
-      <p:sp>
-        <p:nvSpPr>
           <p:cNvPr id="3" name="TextBox 5"/>
           <p:cNvSpPr txBox="1"/>
           <p:nvPr/>
         </p:nvSpPr>
         <p:spPr>
           <a:xfrm>
-            <a:off x="574431" y="1224008"/>
+            <a:off x="323419" y="372361"/>
             <a:ext cx="10676965" cy="369332"/>
           </a:xfrm>
           <a:prstGeom prst="rect">
@@ -3068,7 +3021,7 @@
                 <a:latin typeface="Times New Roman" panose="02020603050405020304" pitchFamily="18" charset="0"/>
                 <a:cs typeface="Times New Roman" panose="02020603050405020304" pitchFamily="18" charset="0"/>
               </a:rPr>
-              <a:t>Q2: </a:t>
+              <a:t>Q1: </a:t>
             </a:r>
             <a:r>
               <a:rPr lang="en-US" dirty="0" smtClean="0">
@@ -3104,6 +3057,1262 @@
 </file>
 
 <file path=ppt/slides/slide10.xml><?xml version="1.0" encoding="utf-8"?>
+<p:sld xmlns:a="http://schemas.openxmlformats.org/drawingml/2006/main" xmlns:r="http://schemas.openxmlformats.org/officeDocument/2006/relationships" xmlns:p="http://schemas.openxmlformats.org/presentationml/2006/main">
+  <p:cSld>
+    <p:spTree>
+      <p:nvGrpSpPr>
+        <p:cNvPr id="1" name=""/>
+        <p:cNvGrpSpPr/>
+        <p:nvPr/>
+      </p:nvGrpSpPr>
+      <p:grpSpPr>
+        <a:xfrm>
+          <a:off x="0" y="0"/>
+          <a:ext cx="0" cy="0"/>
+          <a:chOff x="0" y="0"/>
+          <a:chExt cx="0" cy="0"/>
+        </a:xfrm>
+      </p:grpSpPr>
+      <p:sp>
+        <p:nvSpPr>
+          <p:cNvPr id="4" name="TextBox 3"/>
+          <p:cNvSpPr txBox="1"/>
+          <p:nvPr/>
+        </p:nvSpPr>
+        <p:spPr>
+          <a:xfrm>
+            <a:off x="0" y="0"/>
+            <a:ext cx="7010400" cy="584775"/>
+          </a:xfrm>
+          <a:prstGeom prst="rect">
+            <a:avLst/>
+          </a:prstGeom>
+          <a:noFill/>
+        </p:spPr>
+        <p:txBody>
+          <a:bodyPr wrap="square" rtlCol="0">
+            <a:spAutoFit/>
+          </a:bodyPr>
+          <a:lstStyle/>
+          <a:p>
+            <a:r>
+              <a:rPr lang="en-US" sz="1600" dirty="0" smtClean="0">
+                <a:solidFill>
+                  <a:srgbClr val="FF0000"/>
+                </a:solidFill>
+              </a:rPr>
+              <a:t>Date: 2018-10-28</a:t>
+            </a:r>
+          </a:p>
+          <a:p>
+            <a:r>
+              <a:rPr lang="en-US" sz="1600" dirty="0" smtClean="0">
+                <a:solidFill>
+                  <a:srgbClr val="FF0000"/>
+                </a:solidFill>
+              </a:rPr>
+              <a:t>Source:  </a:t>
+            </a:r>
+            <a:r>
+              <a:rPr lang="en-US" sz="1600" dirty="0">
+                <a:hlinkClick r:id="rId2" tooltip="Persistent link using digital object identifier"/>
+              </a:rPr>
+              <a:t>https://doi.org/10.1016/j.nima.2017.12.082</a:t>
+            </a:r>
+            <a:endParaRPr lang="en-US" sz="1600" dirty="0">
+              <a:solidFill>
+                <a:srgbClr val="FF0000"/>
+              </a:solidFill>
+            </a:endParaRPr>
+          </a:p>
+        </p:txBody>
+      </p:sp>
+      <p:pic>
+        <p:nvPicPr>
+          <p:cNvPr id="2" name="Picture 1"/>
+          <p:cNvPicPr>
+            <a:picLocks noChangeAspect="1"/>
+          </p:cNvPicPr>
+          <p:nvPr/>
+        </p:nvPicPr>
+        <p:blipFill>
+          <a:blip r:embed="rId3">
+            <a:extLst>
+              <a:ext uri="{28A0092B-C50C-407E-A947-70E740481C1C}">
+                <a14:useLocalDpi xmlns:a14="http://schemas.microsoft.com/office/drawing/2010/main" val="0"/>
+              </a:ext>
+            </a:extLst>
+          </a:blip>
+          <a:stretch>
+            <a:fillRect/>
+          </a:stretch>
+        </p:blipFill>
+        <p:spPr>
+          <a:xfrm>
+            <a:off x="6636190" y="807402"/>
+            <a:ext cx="4682082" cy="4458022"/>
+          </a:xfrm>
+          <a:prstGeom prst="rect">
+            <a:avLst/>
+          </a:prstGeom>
+        </p:spPr>
+      </p:pic>
+      <mc:AlternateContent xmlns:mc="http://schemas.openxmlformats.org/markup-compatibility/2006" xmlns:a14="http://schemas.microsoft.com/office/drawing/2010/main">
+        <mc:Choice Requires="a14">
+          <p:sp>
+            <p:nvSpPr>
+              <p:cNvPr id="5" name="TextBox 4"/>
+              <p:cNvSpPr txBox="1"/>
+              <p:nvPr/>
+            </p:nvSpPr>
+            <p:spPr>
+              <a:xfrm>
+                <a:off x="181069" y="925096"/>
+                <a:ext cx="6980222" cy="923330"/>
+              </a:xfrm>
+              <a:prstGeom prst="rect">
+                <a:avLst/>
+              </a:prstGeom>
+              <a:noFill/>
+            </p:spPr>
+            <p:txBody>
+              <a:bodyPr wrap="square" rtlCol="0">
+                <a:spAutoFit/>
+              </a:bodyPr>
+              <a:lstStyle/>
+              <a:p>
+                <a:r>
+                  <a:rPr lang="en-US" dirty="0" smtClean="0"/>
+                  <a:t>(4) The strips on the opposite sides of E detector are perpendicular to each other, so detecting a particle in both a front strip and a back strip results in a single </a:t>
+                </a:r>
+                <a:r>
+                  <a:rPr lang="en-US" b="1" dirty="0" smtClean="0">
+                    <a:solidFill>
+                      <a:srgbClr val="00B050"/>
+                    </a:solidFill>
+                  </a:rPr>
+                  <a:t>1.95mm </a:t>
+                </a:r>
+                <a14:m>
+                  <m:oMath xmlns:m="http://schemas.openxmlformats.org/officeDocument/2006/math">
+                    <m:r>
+                      <a:rPr lang="en-US" b="1" i="1" smtClean="0">
+                        <a:solidFill>
+                          <a:srgbClr val="00B050"/>
+                        </a:solidFill>
+                        <a:latin typeface="Cambria Math" panose="02040503050406030204" pitchFamily="18" charset="0"/>
+                        <a:ea typeface="Cambria Math" panose="02040503050406030204" pitchFamily="18" charset="0"/>
+                      </a:rPr>
+                      <m:t>×</m:t>
+                    </m:r>
+                    <m:r>
+                      <a:rPr lang="en-US" b="1" i="1" smtClean="0">
+                        <a:solidFill>
+                          <a:srgbClr val="00B050"/>
+                        </a:solidFill>
+                        <a:latin typeface="Cambria Math" panose="02040503050406030204" pitchFamily="18" charset="0"/>
+                        <a:ea typeface="Cambria Math" panose="02040503050406030204" pitchFamily="18" charset="0"/>
+                      </a:rPr>
+                      <m:t>𝟏</m:t>
+                    </m:r>
+                    <m:r>
+                      <a:rPr lang="en-US" b="1" i="1" smtClean="0">
+                        <a:solidFill>
+                          <a:srgbClr val="00B050"/>
+                        </a:solidFill>
+                        <a:latin typeface="Cambria Math" panose="02040503050406030204" pitchFamily="18" charset="0"/>
+                        <a:ea typeface="Cambria Math" panose="02040503050406030204" pitchFamily="18" charset="0"/>
+                      </a:rPr>
+                      <m:t>.</m:t>
+                    </m:r>
+                    <m:r>
+                      <a:rPr lang="en-US" b="1" i="1" smtClean="0">
+                        <a:solidFill>
+                          <a:srgbClr val="00B050"/>
+                        </a:solidFill>
+                        <a:latin typeface="Cambria Math" panose="02040503050406030204" pitchFamily="18" charset="0"/>
+                        <a:ea typeface="Cambria Math" panose="02040503050406030204" pitchFamily="18" charset="0"/>
+                      </a:rPr>
+                      <m:t>𝟗𝟓</m:t>
+                    </m:r>
+                    <m:r>
+                      <a:rPr lang="en-US" b="1" i="1" smtClean="0">
+                        <a:solidFill>
+                          <a:srgbClr val="00B050"/>
+                        </a:solidFill>
+                        <a:latin typeface="Cambria Math" panose="02040503050406030204" pitchFamily="18" charset="0"/>
+                        <a:ea typeface="Cambria Math" panose="02040503050406030204" pitchFamily="18" charset="0"/>
+                      </a:rPr>
+                      <m:t>𝒎𝒎</m:t>
+                    </m:r>
+                    <m:r>
+                      <a:rPr lang="en-US" b="1" i="1" smtClean="0">
+                        <a:solidFill>
+                          <a:srgbClr val="00B050"/>
+                        </a:solidFill>
+                        <a:latin typeface="Cambria Math" panose="02040503050406030204" pitchFamily="18" charset="0"/>
+                        <a:ea typeface="Cambria Math" panose="02040503050406030204" pitchFamily="18" charset="0"/>
+                      </a:rPr>
+                      <m:t> </m:t>
+                    </m:r>
+                  </m:oMath>
+                </a14:m>
+                <a:r>
+                  <a:rPr lang="en-US" b="1" dirty="0" smtClean="0">
+                    <a:solidFill>
+                      <a:srgbClr val="00B050"/>
+                    </a:solidFill>
+                  </a:rPr>
+                  <a:t> “pixel”</a:t>
+                </a:r>
+                <a:endParaRPr lang="en-US" b="1" dirty="0">
+                  <a:solidFill>
+                    <a:srgbClr val="00B050"/>
+                  </a:solidFill>
+                </a:endParaRPr>
+              </a:p>
+            </p:txBody>
+          </p:sp>
+        </mc:Choice>
+        <mc:Fallback xmlns="">
+          <p:sp>
+            <p:nvSpPr>
+              <p:cNvPr id="5" name="TextBox 4"/>
+              <p:cNvSpPr txBox="1">
+                <a:spLocks noRot="1" noChangeAspect="1" noMove="1" noResize="1" noEditPoints="1" noAdjustHandles="1" noChangeArrowheads="1" noChangeShapeType="1" noTextEdit="1"/>
+              </p:cNvSpPr>
+              <p:nvPr/>
+            </p:nvSpPr>
+            <p:spPr>
+              <a:xfrm>
+                <a:off x="181069" y="925096"/>
+                <a:ext cx="6980222" cy="923330"/>
+              </a:xfrm>
+              <a:prstGeom prst="rect">
+                <a:avLst/>
+              </a:prstGeom>
+              <a:blipFill rotWithShape="0">
+                <a:blip r:embed="rId4"/>
+                <a:stretch>
+                  <a:fillRect l="-786" t="-3974" b="-9934"/>
+                </a:stretch>
+              </a:blipFill>
+            </p:spPr>
+            <p:txBody>
+              <a:bodyPr/>
+              <a:lstStyle/>
+              <a:p>
+                <a:r>
+                  <a:rPr lang="en-US">
+                    <a:noFill/>
+                  </a:rPr>
+                  <a:t> </a:t>
+                </a:r>
+              </a:p>
+            </p:txBody>
+          </p:sp>
+        </mc:Fallback>
+      </mc:AlternateContent>
+      <mc:AlternateContent xmlns:mc="http://schemas.openxmlformats.org/markup-compatibility/2006" xmlns:a14="http://schemas.microsoft.com/office/drawing/2010/main">
+        <mc:Choice Requires="a14">
+          <p:sp>
+            <p:nvSpPr>
+              <p:cNvPr id="7" name="TextBox 6"/>
+              <p:cNvSpPr txBox="1"/>
+              <p:nvPr/>
+            </p:nvSpPr>
+            <p:spPr>
+              <a:xfrm>
+                <a:off x="181069" y="2043893"/>
+                <a:ext cx="6980222" cy="1829668"/>
+              </a:xfrm>
+              <a:prstGeom prst="rect">
+                <a:avLst/>
+              </a:prstGeom>
+              <a:noFill/>
+            </p:spPr>
+            <p:txBody>
+              <a:bodyPr wrap="square" rtlCol="0">
+                <a:spAutoFit/>
+              </a:bodyPr>
+              <a:lstStyle/>
+              <a:p>
+                <a:r>
+                  <a:rPr lang="en-US" dirty="0" smtClean="0"/>
+                  <a:t>(5) What can </a:t>
+                </a:r>
+                <a:r>
+                  <a:rPr lang="en-US" dirty="0" err="1" smtClean="0"/>
+                  <a:t>HiRA</a:t>
+                </a:r>
+                <a:r>
+                  <a:rPr lang="en-US" dirty="0" smtClean="0"/>
+                  <a:t> do?</a:t>
+                </a:r>
+                <a:r>
+                  <a:rPr lang="en-US" b="1" dirty="0" smtClean="0">
+                    <a:solidFill>
+                      <a:srgbClr val="00B050"/>
+                    </a:solidFill>
+                  </a:rPr>
+                  <a:t>  </a:t>
+                </a:r>
+              </a:p>
+              <a:p>
+                <a:r>
+                  <a:rPr lang="en-US" b="1" dirty="0" smtClean="0">
+                    <a:solidFill>
+                      <a:srgbClr val="00B050"/>
+                    </a:solidFill>
+                  </a:rPr>
+                  <a:t>      </a:t>
+                </a:r>
+                <a:r>
+                  <a:rPr lang="en-US" dirty="0" smtClean="0"/>
+                  <a:t>● Excellent energy resolution     =&gt; </a:t>
+                </a:r>
+                <a:r>
+                  <a:rPr lang="en-US" b="1" dirty="0"/>
+                  <a:t>to detect </a:t>
+                </a:r>
+                <a:r>
+                  <a:rPr lang="en-US" b="1" dirty="0" smtClean="0">
+                    <a:solidFill>
+                      <a:srgbClr val="FF0000"/>
+                    </a:solidFill>
+                  </a:rPr>
+                  <a:t>energy</a:t>
+                </a:r>
+                <a:endParaRPr lang="en-US" b="1" dirty="0" smtClean="0">
+                  <a:solidFill>
+                    <a:srgbClr val="00B050"/>
+                  </a:solidFill>
+                </a:endParaRPr>
+              </a:p>
+              <a:p>
+                <a:r>
+                  <a:rPr lang="en-US" dirty="0" smtClean="0"/>
+                  <a:t>      ● Excellent position resolution   =&gt; </a:t>
+                </a:r>
+                <a:r>
+                  <a:rPr lang="en-US" b="1" dirty="0" smtClean="0"/>
+                  <a:t>to detect </a:t>
+                </a:r>
+                <a:r>
+                  <a:rPr lang="en-US" b="1" dirty="0" smtClean="0">
+                    <a:solidFill>
+                      <a:srgbClr val="FF0000"/>
+                    </a:solidFill>
+                  </a:rPr>
+                  <a:t>moving direction</a:t>
+                </a:r>
+              </a:p>
+              <a:p>
+                <a:r>
+                  <a:rPr lang="en-US" b="1" dirty="0">
+                    <a:solidFill>
+                      <a:srgbClr val="FF0000"/>
+                    </a:solidFill>
+                  </a:rPr>
+                  <a:t> </a:t>
+                </a:r>
+                <a:r>
+                  <a:rPr lang="en-US" b="1" dirty="0" smtClean="0">
+                    <a:solidFill>
+                      <a:srgbClr val="FF0000"/>
+                    </a:solidFill>
+                  </a:rPr>
+                  <a:t>     </a:t>
+                </a:r>
+                <a:r>
+                  <a:rPr lang="en-US" dirty="0" smtClean="0"/>
+                  <a:t>● particle identification               =&gt; </a:t>
+                </a:r>
+                <a:r>
+                  <a:rPr lang="en-US" b="1" dirty="0" smtClean="0"/>
+                  <a:t>to detect </a:t>
+                </a:r>
+                <a:r>
+                  <a:rPr lang="en-US" b="1" dirty="0" smtClean="0">
+                    <a:solidFill>
+                      <a:srgbClr val="FF0000"/>
+                    </a:solidFill>
+                  </a:rPr>
+                  <a:t>mass &amp;&amp; charge</a:t>
+                </a:r>
+              </a:p>
+              <a:p>
+                <a:endParaRPr lang="en-US" b="1" dirty="0">
+                  <a:solidFill>
+                    <a:srgbClr val="FF0000"/>
+                  </a:solidFill>
+                </a:endParaRPr>
+              </a:p>
+              <a:p>
+                <a:r>
+                  <a:rPr lang="en-US" b="1" dirty="0" smtClean="0">
+                    <a:solidFill>
+                      <a:srgbClr val="FF0000"/>
+                    </a:solidFill>
+                  </a:rPr>
+                  <a:t>                    we can get E(energy) and </a:t>
+                </a:r>
+                <a14:m>
+                  <m:oMath xmlns:m="http://schemas.openxmlformats.org/officeDocument/2006/math">
+                    <m:groupChr>
+                      <m:groupChrPr>
+                        <m:chr m:val="→"/>
+                        <m:pos m:val="top"/>
+                        <m:ctrlPr>
+                          <a:rPr lang="en-US" b="1" i="1" smtClean="0">
+                            <a:solidFill>
+                              <a:srgbClr val="FF0000"/>
+                            </a:solidFill>
+                            <a:latin typeface="Cambria Math" panose="02040503050406030204" pitchFamily="18" charset="0"/>
+                          </a:rPr>
+                        </m:ctrlPr>
+                      </m:groupChrPr>
+                      <m:e>
+                        <m:r>
+                          <m:rPr>
+                            <m:brk m:alnAt="1"/>
+                          </m:rPr>
+                          <a:rPr lang="en-US" b="1" i="1" smtClean="0">
+                            <a:solidFill>
+                              <a:srgbClr val="FF0000"/>
+                            </a:solidFill>
+                            <a:latin typeface="Cambria Math" panose="02040503050406030204" pitchFamily="18" charset="0"/>
+                          </a:rPr>
+                          <m:t>𝑷</m:t>
+                        </m:r>
+                      </m:e>
+                    </m:groupChr>
+                  </m:oMath>
+                </a14:m>
+                <a:r>
+                  <a:rPr lang="en-US" b="1" dirty="0" smtClean="0">
+                    <a:solidFill>
+                      <a:srgbClr val="FF0000"/>
+                    </a:solidFill>
+                  </a:rPr>
+                  <a:t> </a:t>
+                </a:r>
+              </a:p>
+            </p:txBody>
+          </p:sp>
+        </mc:Choice>
+        <mc:Fallback xmlns="">
+          <p:sp>
+            <p:nvSpPr>
+              <p:cNvPr id="7" name="TextBox 6"/>
+              <p:cNvSpPr txBox="1">
+                <a:spLocks noRot="1" noChangeAspect="1" noMove="1" noResize="1" noEditPoints="1" noAdjustHandles="1" noChangeArrowheads="1" noChangeShapeType="1" noTextEdit="1"/>
+              </p:cNvSpPr>
+              <p:nvPr/>
+            </p:nvSpPr>
+            <p:spPr>
+              <a:xfrm>
+                <a:off x="181069" y="2043893"/>
+                <a:ext cx="6980222" cy="1829668"/>
+              </a:xfrm>
+              <a:prstGeom prst="rect">
+                <a:avLst/>
+              </a:prstGeom>
+              <a:blipFill rotWithShape="0">
+                <a:blip r:embed="rId5"/>
+                <a:stretch>
+                  <a:fillRect l="-786" t="-1667" b="-4667"/>
+                </a:stretch>
+              </a:blipFill>
+            </p:spPr>
+            <p:txBody>
+              <a:bodyPr/>
+              <a:lstStyle/>
+              <a:p>
+                <a:r>
+                  <a:rPr lang="en-US">
+                    <a:noFill/>
+                  </a:rPr>
+                  <a:t> </a:t>
+                </a:r>
+              </a:p>
+            </p:txBody>
+          </p:sp>
+        </mc:Fallback>
+      </mc:AlternateContent>
+      <p:sp>
+        <p:nvSpPr>
+          <p:cNvPr id="8" name="Right Arrow 7"/>
+          <p:cNvSpPr/>
+          <p:nvPr/>
+        </p:nvSpPr>
+        <p:spPr>
+          <a:xfrm>
+            <a:off x="579422" y="3463259"/>
+            <a:ext cx="506994" cy="334960"/>
+          </a:xfrm>
+          <a:prstGeom prst="rightArrow">
+            <a:avLst/>
+          </a:prstGeom>
+        </p:spPr>
+        <p:style>
+          <a:lnRef idx="2">
+            <a:schemeClr val="accent1">
+              <a:shade val="50000"/>
+            </a:schemeClr>
+          </a:lnRef>
+          <a:fillRef idx="1">
+            <a:schemeClr val="accent1"/>
+          </a:fillRef>
+          <a:effectRef idx="0">
+            <a:schemeClr val="accent1"/>
+          </a:effectRef>
+          <a:fontRef idx="minor">
+            <a:schemeClr val="lt1"/>
+          </a:fontRef>
+        </p:style>
+        <p:txBody>
+          <a:bodyPr rtlCol="0" anchor="ctr"/>
+          <a:lstStyle/>
+          <a:p>
+            <a:pPr algn="ctr"/>
+            <a:endParaRPr lang="en-US"/>
+          </a:p>
+        </p:txBody>
+      </p:sp>
+    </p:spTree>
+    <p:extLst>
+      <p:ext uri="{BB962C8B-B14F-4D97-AF65-F5344CB8AC3E}">
+        <p14:creationId xmlns:p14="http://schemas.microsoft.com/office/powerpoint/2010/main" val="2869660725"/>
+      </p:ext>
+    </p:extLst>
+  </p:cSld>
+  <p:clrMapOvr>
+    <a:masterClrMapping/>
+  </p:clrMapOvr>
+</p:sld>
+</file>
+
+<file path=ppt/slides/slide11.xml><?xml version="1.0" encoding="utf-8"?>
+<p:sld xmlns:a="http://schemas.openxmlformats.org/drawingml/2006/main" xmlns:r="http://schemas.openxmlformats.org/officeDocument/2006/relationships" xmlns:p="http://schemas.openxmlformats.org/presentationml/2006/main">
+  <p:cSld>
+    <p:spTree>
+      <p:nvGrpSpPr>
+        <p:cNvPr id="1" name=""/>
+        <p:cNvGrpSpPr/>
+        <p:nvPr/>
+      </p:nvGrpSpPr>
+      <p:grpSpPr>
+        <a:xfrm>
+          <a:off x="0" y="0"/>
+          <a:ext cx="0" cy="0"/>
+          <a:chOff x="0" y="0"/>
+          <a:chExt cx="0" cy="0"/>
+        </a:xfrm>
+      </p:grpSpPr>
+      <p:sp>
+        <p:nvSpPr>
+          <p:cNvPr id="4" name="TextBox 3"/>
+          <p:cNvSpPr txBox="1"/>
+          <p:nvPr/>
+        </p:nvSpPr>
+        <p:spPr>
+          <a:xfrm>
+            <a:off x="0" y="0"/>
+            <a:ext cx="7010400" cy="584775"/>
+          </a:xfrm>
+          <a:prstGeom prst="rect">
+            <a:avLst/>
+          </a:prstGeom>
+          <a:noFill/>
+        </p:spPr>
+        <p:txBody>
+          <a:bodyPr wrap="square" rtlCol="0">
+            <a:spAutoFit/>
+          </a:bodyPr>
+          <a:lstStyle/>
+          <a:p>
+            <a:r>
+              <a:rPr lang="en-US" sz="1600" dirty="0" smtClean="0">
+                <a:solidFill>
+                  <a:srgbClr val="FF0000"/>
+                </a:solidFill>
+              </a:rPr>
+              <a:t>Date: 2018-10-28</a:t>
+            </a:r>
+          </a:p>
+          <a:p>
+            <a:r>
+              <a:rPr lang="en-US" sz="1600" dirty="0" smtClean="0">
+                <a:solidFill>
+                  <a:srgbClr val="FF0000"/>
+                </a:solidFill>
+              </a:rPr>
+              <a:t>Source:  </a:t>
+            </a:r>
+            <a:r>
+              <a:rPr lang="en-US" sz="1600" dirty="0">
+                <a:hlinkClick r:id="rId2" tooltip="Persistent link using digital object identifier"/>
+              </a:rPr>
+              <a:t>https://doi.org/10.1016/j.nima.2017.12.082</a:t>
+            </a:r>
+            <a:endParaRPr lang="en-US" sz="1600" dirty="0">
+              <a:solidFill>
+                <a:srgbClr val="FF0000"/>
+              </a:solidFill>
+            </a:endParaRPr>
+          </a:p>
+        </p:txBody>
+      </p:sp>
+      <p:sp>
+        <p:nvSpPr>
+          <p:cNvPr id="5" name="TextBox 4"/>
+          <p:cNvSpPr txBox="1"/>
+          <p:nvPr/>
+        </p:nvSpPr>
+        <p:spPr>
+          <a:xfrm>
+            <a:off x="153909" y="932507"/>
+            <a:ext cx="4074059" cy="369332"/>
+          </a:xfrm>
+          <a:prstGeom prst="rect">
+            <a:avLst/>
+          </a:prstGeom>
+          <a:noFill/>
+        </p:spPr>
+        <p:txBody>
+          <a:bodyPr wrap="square" rtlCol="0">
+            <a:spAutoFit/>
+          </a:bodyPr>
+          <a:lstStyle/>
+          <a:p>
+            <a:r>
+              <a:rPr lang="en-US" dirty="0">
+                <a:latin typeface="Times New Roman" panose="02020603050405020304" pitchFamily="18" charset="0"/>
+                <a:cs typeface="Times New Roman" panose="02020603050405020304" pitchFamily="18" charset="0"/>
+              </a:rPr>
+              <a:t>2</a:t>
+            </a:r>
+            <a:r>
+              <a:rPr lang="en-US" dirty="0" smtClean="0">
+                <a:latin typeface="Times New Roman" panose="02020603050405020304" pitchFamily="18" charset="0"/>
+                <a:cs typeface="Times New Roman" panose="02020603050405020304" pitchFamily="18" charset="0"/>
+              </a:rPr>
+              <a:t>. Dead layer thickness determination</a:t>
+            </a:r>
+            <a:endParaRPr lang="en-US" dirty="0">
+              <a:latin typeface="Times New Roman" panose="02020603050405020304" pitchFamily="18" charset="0"/>
+              <a:cs typeface="Times New Roman" panose="02020603050405020304" pitchFamily="18" charset="0"/>
+            </a:endParaRPr>
+          </a:p>
+        </p:txBody>
+      </p:sp>
+      <p:sp>
+        <p:nvSpPr>
+          <p:cNvPr id="6" name="TextBox 5"/>
+          <p:cNvSpPr txBox="1"/>
+          <p:nvPr/>
+        </p:nvSpPr>
+        <p:spPr>
+          <a:xfrm>
+            <a:off x="244443" y="1464905"/>
+            <a:ext cx="9098733" cy="1200329"/>
+          </a:xfrm>
+          <a:prstGeom prst="rect">
+            <a:avLst/>
+          </a:prstGeom>
+          <a:noFill/>
+        </p:spPr>
+        <p:txBody>
+          <a:bodyPr wrap="square" rtlCol="0">
+            <a:spAutoFit/>
+          </a:bodyPr>
+          <a:lstStyle/>
+          <a:p>
+            <a:r>
+              <a:rPr lang="en-US" dirty="0" smtClean="0"/>
+              <a:t>(1)</a:t>
+            </a:r>
+            <a:r>
+              <a:rPr lang="en-US" dirty="0" smtClean="0">
+                <a:solidFill>
+                  <a:srgbClr val="FF0000"/>
+                </a:solidFill>
+              </a:rPr>
+              <a:t> Using Th228 alpha source to calibrate the </a:t>
+            </a:r>
+            <a:r>
+              <a:rPr lang="en-US" dirty="0" err="1" smtClean="0">
+                <a:solidFill>
+                  <a:srgbClr val="FF0000"/>
+                </a:solidFill>
+              </a:rPr>
+              <a:t>HiRA</a:t>
+            </a:r>
+            <a:r>
+              <a:rPr lang="en-US" dirty="0" smtClean="0">
+                <a:solidFill>
+                  <a:srgbClr val="FF0000"/>
+                </a:solidFill>
+              </a:rPr>
+              <a:t> E and ∆E detectors</a:t>
+            </a:r>
+            <a:r>
+              <a:rPr lang="en-US" dirty="0" smtClean="0"/>
+              <a:t>. </a:t>
+            </a:r>
+            <a:r>
+              <a:rPr lang="en-US" b="1" dirty="0" smtClean="0">
+                <a:solidFill>
+                  <a:srgbClr val="00B050"/>
+                </a:solidFill>
+              </a:rPr>
+              <a:t>3 advantages:</a:t>
+            </a:r>
+          </a:p>
+          <a:p>
+            <a:r>
+              <a:rPr lang="en-US" dirty="0"/>
+              <a:t> </a:t>
+            </a:r>
+            <a:r>
+              <a:rPr lang="en-US" dirty="0" smtClean="0"/>
+              <a:t>     ●  </a:t>
+            </a:r>
+            <a:r>
+              <a:rPr lang="en-US" b="1" i="1" dirty="0" smtClean="0">
+                <a:solidFill>
+                  <a:srgbClr val="00B050"/>
+                </a:solidFill>
+              </a:rPr>
+              <a:t>Six clearly separated peaks </a:t>
+            </a:r>
+            <a:r>
+              <a:rPr lang="en-US" dirty="0" smtClean="0"/>
+              <a:t>with energy from about 5 MeV to 9MeV</a:t>
+            </a:r>
+          </a:p>
+          <a:p>
+            <a:r>
+              <a:rPr lang="en-US" dirty="0" smtClean="0"/>
+              <a:t>      ● Th228 sources of various strengths are </a:t>
+            </a:r>
+            <a:r>
+              <a:rPr lang="en-US" b="1" i="1" dirty="0" smtClean="0">
+                <a:solidFill>
+                  <a:srgbClr val="00B050"/>
+                </a:solidFill>
+              </a:rPr>
+              <a:t>commercially available</a:t>
+            </a:r>
+          </a:p>
+          <a:p>
+            <a:r>
+              <a:rPr lang="en-US" dirty="0"/>
+              <a:t> </a:t>
+            </a:r>
+            <a:r>
+              <a:rPr lang="en-US" dirty="0" smtClean="0"/>
+              <a:t>     ● Th228 has a </a:t>
+            </a:r>
+            <a:r>
+              <a:rPr lang="en-US" b="1" i="1" dirty="0" smtClean="0">
+                <a:solidFill>
+                  <a:srgbClr val="00B050"/>
+                </a:solidFill>
+              </a:rPr>
+              <a:t>relatively long half-life</a:t>
+            </a:r>
+            <a:r>
+              <a:rPr lang="en-US" dirty="0" smtClean="0"/>
+              <a:t>(1.9 year)</a:t>
+            </a:r>
+            <a:endParaRPr lang="en-US" dirty="0"/>
+          </a:p>
+        </p:txBody>
+      </p:sp>
+      <p:pic>
+        <p:nvPicPr>
+          <p:cNvPr id="7" name="Picture 6"/>
+          <p:cNvPicPr>
+            <a:picLocks noChangeAspect="1"/>
+          </p:cNvPicPr>
+          <p:nvPr/>
+        </p:nvPicPr>
+        <p:blipFill>
+          <a:blip r:embed="rId3">
+            <a:extLst>
+              <a:ext uri="{28A0092B-C50C-407E-A947-70E740481C1C}">
+                <a14:useLocalDpi xmlns:a14="http://schemas.microsoft.com/office/drawing/2010/main" val="0"/>
+              </a:ext>
+            </a:extLst>
+          </a:blip>
+          <a:stretch>
+            <a:fillRect/>
+          </a:stretch>
+        </p:blipFill>
+        <p:spPr>
+          <a:xfrm>
+            <a:off x="8681964" y="277683"/>
+            <a:ext cx="3034661" cy="2889438"/>
+          </a:xfrm>
+          <a:prstGeom prst="rect">
+            <a:avLst/>
+          </a:prstGeom>
+        </p:spPr>
+      </p:pic>
+      <mc:AlternateContent xmlns:mc="http://schemas.openxmlformats.org/markup-compatibility/2006" xmlns:a14="http://schemas.microsoft.com/office/drawing/2010/main">
+        <mc:Choice Requires="a14">
+          <p:sp>
+            <p:nvSpPr>
+              <p:cNvPr id="8" name="TextBox 7"/>
+              <p:cNvSpPr txBox="1"/>
+              <p:nvPr/>
+            </p:nvSpPr>
+            <p:spPr>
+              <a:xfrm>
+                <a:off x="244442" y="2716993"/>
+                <a:ext cx="9098733" cy="946991"/>
+              </a:xfrm>
+              <a:prstGeom prst="rect">
+                <a:avLst/>
+              </a:prstGeom>
+              <a:noFill/>
+            </p:spPr>
+            <p:txBody>
+              <a:bodyPr wrap="square" rtlCol="0">
+                <a:spAutoFit/>
+              </a:bodyPr>
+              <a:lstStyle/>
+              <a:p>
+                <a:r>
+                  <a:rPr lang="en-US" dirty="0" smtClean="0"/>
+                  <a:t>(2)</a:t>
+                </a:r>
+                <a:r>
+                  <a:rPr lang="en-US" dirty="0" smtClean="0">
+                    <a:solidFill>
+                      <a:srgbClr val="FF0000"/>
+                    </a:solidFill>
+                  </a:rPr>
+                  <a:t> How to get the Th228 source?</a:t>
+                </a:r>
+              </a:p>
+              <a:p>
+                <a:r>
+                  <a:rPr lang="en-US" dirty="0"/>
+                  <a:t> </a:t>
+                </a:r>
+                <a:r>
+                  <a:rPr lang="en-US" dirty="0" smtClean="0"/>
+                  <a:t>     ● </a:t>
+                </a:r>
+                <a:r>
+                  <a:rPr lang="en-US" b="1" i="1" dirty="0" smtClean="0">
+                    <a:solidFill>
+                      <a:srgbClr val="00B050"/>
+                    </a:solidFill>
+                  </a:rPr>
+                  <a:t>Electroplated</a:t>
+                </a:r>
+                <a:r>
+                  <a:rPr lang="en-US" dirty="0" smtClean="0"/>
+                  <a:t> onto a platinum surface </a:t>
+                </a:r>
+              </a:p>
+              <a:p>
+                <a:r>
+                  <a:rPr lang="en-US" dirty="0"/>
+                  <a:t> </a:t>
+                </a:r>
+                <a:r>
+                  <a:rPr lang="en-US" dirty="0" smtClean="0"/>
+                  <a:t>     ● Then </a:t>
+                </a:r>
+                <a:r>
+                  <a:rPr lang="en-US" b="1" i="1" dirty="0" smtClean="0">
+                    <a:solidFill>
+                      <a:srgbClr val="00B050"/>
+                    </a:solidFill>
+                  </a:rPr>
+                  <a:t>fixed in an aluminum holder </a:t>
+                </a:r>
+                <a:r>
+                  <a:rPr lang="en-US" dirty="0" smtClean="0"/>
+                  <a:t>with a </a:t>
+                </a:r>
+                <a14:m>
+                  <m:oMath xmlns:m="http://schemas.openxmlformats.org/officeDocument/2006/math">
+                    <m:r>
+                      <a:rPr lang="en-US" b="0" i="1" smtClean="0">
+                        <a:latin typeface="Cambria Math" panose="02040503050406030204" pitchFamily="18" charset="0"/>
+                      </a:rPr>
+                      <m:t>100</m:t>
+                    </m:r>
+                    <m:r>
+                      <a:rPr lang="en-US" b="0" i="1" smtClean="0">
+                        <a:latin typeface="Cambria Math" panose="02040503050406030204" pitchFamily="18" charset="0"/>
+                        <a:ea typeface="Cambria Math" panose="02040503050406030204" pitchFamily="18" charset="0"/>
+                      </a:rPr>
+                      <m:t>𝜇</m:t>
+                    </m:r>
+                    <m:r>
+                      <a:rPr lang="en-US" b="0" i="1" smtClean="0">
+                        <a:latin typeface="Cambria Math" panose="02040503050406030204" pitchFamily="18" charset="0"/>
+                        <a:ea typeface="Cambria Math" panose="02040503050406030204" pitchFamily="18" charset="0"/>
+                      </a:rPr>
+                      <m:t>𝑔</m:t>
+                    </m:r>
+                    <m:r>
+                      <a:rPr lang="en-US" b="0" i="1" smtClean="0">
+                        <a:latin typeface="Cambria Math" panose="02040503050406030204" pitchFamily="18" charset="0"/>
+                        <a:ea typeface="Cambria Math" panose="02040503050406030204" pitchFamily="18" charset="0"/>
+                      </a:rPr>
+                      <m:t>/</m:t>
+                    </m:r>
+                    <m:sSup>
+                      <m:sSupPr>
+                        <m:ctrlPr>
+                          <a:rPr lang="en-US" b="0" i="1" smtClean="0">
+                            <a:latin typeface="Cambria Math" panose="02040503050406030204" pitchFamily="18" charset="0"/>
+                            <a:ea typeface="Cambria Math" panose="02040503050406030204" pitchFamily="18" charset="0"/>
+                          </a:rPr>
+                        </m:ctrlPr>
+                      </m:sSupPr>
+                      <m:e>
+                        <m:r>
+                          <a:rPr lang="en-US" b="0" i="1" smtClean="0">
+                            <a:latin typeface="Cambria Math" panose="02040503050406030204" pitchFamily="18" charset="0"/>
+                            <a:ea typeface="Cambria Math" panose="02040503050406030204" pitchFamily="18" charset="0"/>
+                          </a:rPr>
+                          <m:t>𝑐𝑚</m:t>
+                        </m:r>
+                        <m:r>
+                          <a:rPr lang="en-US" b="0" i="1" smtClean="0">
+                            <a:latin typeface="Cambria Math" panose="02040503050406030204" pitchFamily="18" charset="0"/>
+                            <a:ea typeface="Cambria Math" panose="02040503050406030204" pitchFamily="18" charset="0"/>
+                          </a:rPr>
+                          <m:t> </m:t>
+                        </m:r>
+                      </m:e>
+                      <m:sup>
+                        <m:r>
+                          <a:rPr lang="en-US" b="0" i="1" smtClean="0">
+                            <a:latin typeface="Cambria Math" panose="02040503050406030204" pitchFamily="18" charset="0"/>
+                            <a:ea typeface="Cambria Math" panose="02040503050406030204" pitchFamily="18" charset="0"/>
+                          </a:rPr>
+                          <m:t>2 </m:t>
+                        </m:r>
+                      </m:sup>
+                    </m:sSup>
+                  </m:oMath>
+                </a14:m>
+                <a:r>
+                  <a:rPr lang="en-US" dirty="0" smtClean="0"/>
+                  <a:t> </a:t>
+                </a:r>
+                <a:r>
+                  <a:rPr lang="en-US" b="1" i="1" dirty="0" smtClean="0">
+                    <a:solidFill>
+                      <a:srgbClr val="00B050"/>
+                    </a:solidFill>
+                  </a:rPr>
+                  <a:t>gold window</a:t>
+                </a:r>
+                <a:r>
+                  <a:rPr lang="en-US" dirty="0" smtClean="0"/>
+                  <a:t>.</a:t>
+                </a:r>
+                <a:endParaRPr lang="en-US" dirty="0"/>
+              </a:p>
+            </p:txBody>
+          </p:sp>
+        </mc:Choice>
+        <mc:Fallback xmlns="">
+          <p:sp>
+            <p:nvSpPr>
+              <p:cNvPr id="8" name="TextBox 7"/>
+              <p:cNvSpPr txBox="1">
+                <a:spLocks noRot="1" noChangeAspect="1" noMove="1" noResize="1" noEditPoints="1" noAdjustHandles="1" noChangeArrowheads="1" noChangeShapeType="1" noTextEdit="1"/>
+              </p:cNvSpPr>
+              <p:nvPr/>
+            </p:nvSpPr>
+            <p:spPr>
+              <a:xfrm>
+                <a:off x="244442" y="2716993"/>
+                <a:ext cx="9098733" cy="946991"/>
+              </a:xfrm>
+              <a:prstGeom prst="rect">
+                <a:avLst/>
+              </a:prstGeom>
+              <a:blipFill rotWithShape="0">
+                <a:blip r:embed="rId4"/>
+                <a:stretch>
+                  <a:fillRect l="-536" t="-3871" b="-7097"/>
+                </a:stretch>
+              </a:blipFill>
+            </p:spPr>
+            <p:txBody>
+              <a:bodyPr/>
+              <a:lstStyle/>
+              <a:p>
+                <a:r>
+                  <a:rPr lang="en-US">
+                    <a:noFill/>
+                  </a:rPr>
+                  <a:t> </a:t>
+                </a:r>
+              </a:p>
+            </p:txBody>
+          </p:sp>
+        </mc:Fallback>
+      </mc:AlternateContent>
+      <p:sp>
+        <p:nvSpPr>
+          <p:cNvPr id="9" name="TextBox 8"/>
+          <p:cNvSpPr txBox="1"/>
+          <p:nvPr/>
+        </p:nvSpPr>
+        <p:spPr>
+          <a:xfrm>
+            <a:off x="244441" y="3838114"/>
+            <a:ext cx="9098733" cy="646331"/>
+          </a:xfrm>
+          <a:prstGeom prst="rect">
+            <a:avLst/>
+          </a:prstGeom>
+          <a:noFill/>
+        </p:spPr>
+        <p:txBody>
+          <a:bodyPr wrap="square" rtlCol="0">
+            <a:spAutoFit/>
+          </a:bodyPr>
+          <a:lstStyle/>
+          <a:p>
+            <a:r>
+              <a:rPr lang="en-US" dirty="0" smtClean="0"/>
+              <a:t>(3) Ideally, if an alpha source can be inserted between the </a:t>
+            </a:r>
+            <a:r>
+              <a:rPr lang="en-US" dirty="0"/>
+              <a:t>∆</a:t>
+            </a:r>
+            <a:r>
+              <a:rPr lang="en-US" dirty="0" smtClean="0"/>
+              <a:t>E and E detectors,</a:t>
+            </a:r>
+          </a:p>
+          <a:p>
+            <a:r>
+              <a:rPr lang="en-US" dirty="0"/>
+              <a:t> </a:t>
+            </a:r>
+            <a:r>
+              <a:rPr lang="en-US" dirty="0" smtClean="0"/>
+              <a:t>     the E detector can be calibrated without disassembling the </a:t>
+            </a:r>
+            <a:r>
+              <a:rPr lang="en-US" dirty="0" err="1" smtClean="0"/>
+              <a:t>HiRA</a:t>
+            </a:r>
+            <a:r>
+              <a:rPr lang="en-US" dirty="0" smtClean="0"/>
+              <a:t> telescope. </a:t>
+            </a:r>
+            <a:endParaRPr lang="en-US" dirty="0"/>
+          </a:p>
+        </p:txBody>
+      </p:sp>
+      <p:sp>
+        <p:nvSpPr>
+          <p:cNvPr id="10" name="TextBox 9"/>
+          <p:cNvSpPr txBox="1"/>
+          <p:nvPr/>
+        </p:nvSpPr>
+        <p:spPr>
+          <a:xfrm>
+            <a:off x="244440" y="4658575"/>
+            <a:ext cx="9098733" cy="646331"/>
+          </a:xfrm>
+          <a:prstGeom prst="rect">
+            <a:avLst/>
+          </a:prstGeom>
+          <a:noFill/>
+        </p:spPr>
+        <p:txBody>
+          <a:bodyPr wrap="square" rtlCol="0">
+            <a:spAutoFit/>
+          </a:bodyPr>
+          <a:lstStyle/>
+          <a:p>
+            <a:r>
+              <a:rPr lang="en-US" dirty="0" smtClean="0"/>
+              <a:t>(4) The pin </a:t>
+            </a:r>
+            <a:r>
+              <a:rPr lang="en-US" dirty="0" smtClean="0">
+                <a:solidFill>
+                  <a:srgbClr val="FF0000"/>
+                </a:solidFill>
+              </a:rPr>
+              <a:t>source </a:t>
+            </a:r>
+            <a:r>
+              <a:rPr lang="en-US" b="1" i="1" dirty="0" smtClean="0">
+                <a:solidFill>
+                  <a:srgbClr val="FF0000"/>
+                </a:solidFill>
+              </a:rPr>
+              <a:t>is primarily Pb212 </a:t>
+            </a:r>
+            <a:r>
+              <a:rPr lang="en-US" dirty="0" smtClean="0"/>
+              <a:t>(one of the isotopes from the decay chain</a:t>
+            </a:r>
+          </a:p>
+          <a:p>
+            <a:r>
+              <a:rPr lang="en-US" dirty="0"/>
+              <a:t> </a:t>
+            </a:r>
+            <a:r>
+              <a:rPr lang="en-US" dirty="0" smtClean="0"/>
+              <a:t>     of Th228) </a:t>
+            </a:r>
+            <a:endParaRPr lang="en-US" dirty="0"/>
+          </a:p>
+        </p:txBody>
+      </p:sp>
+      <p:sp>
+        <p:nvSpPr>
+          <p:cNvPr id="11" name="TextBox 10"/>
+          <p:cNvSpPr txBox="1"/>
+          <p:nvPr/>
+        </p:nvSpPr>
+        <p:spPr>
+          <a:xfrm>
+            <a:off x="244440" y="5431520"/>
+            <a:ext cx="9098733" cy="923330"/>
+          </a:xfrm>
+          <a:prstGeom prst="rect">
+            <a:avLst/>
+          </a:prstGeom>
+          <a:noFill/>
+        </p:spPr>
+        <p:txBody>
+          <a:bodyPr wrap="square" rtlCol="0">
+            <a:spAutoFit/>
+          </a:bodyPr>
+          <a:lstStyle/>
+          <a:p>
+            <a:r>
+              <a:rPr lang="en-US" dirty="0" smtClean="0"/>
+              <a:t>(5) The </a:t>
+            </a:r>
+            <a:r>
+              <a:rPr lang="en-US" dirty="0" err="1" smtClean="0"/>
+              <a:t>HiRA</a:t>
+            </a:r>
+            <a:r>
+              <a:rPr lang="en-US" dirty="0" smtClean="0"/>
+              <a:t> telescope was designed so that the pin source mounted in the </a:t>
+            </a:r>
+          </a:p>
+          <a:p>
+            <a:r>
+              <a:rPr lang="en-US" dirty="0"/>
+              <a:t> </a:t>
+            </a:r>
+            <a:r>
+              <a:rPr lang="en-US" dirty="0" smtClean="0"/>
+              <a:t>     frame </a:t>
+            </a:r>
+            <a:r>
+              <a:rPr lang="en-US" dirty="0" smtClean="0">
+                <a:solidFill>
+                  <a:srgbClr val="FF0000"/>
+                </a:solidFill>
+              </a:rPr>
+              <a:t>sits </a:t>
+            </a:r>
+            <a:r>
+              <a:rPr lang="en-US" b="1" i="1" dirty="0" smtClean="0">
+                <a:solidFill>
+                  <a:srgbClr val="FF0000"/>
+                </a:solidFill>
+              </a:rPr>
+              <a:t>3.2mm above </a:t>
+            </a:r>
+            <a:r>
+              <a:rPr lang="en-US" dirty="0" smtClean="0">
+                <a:solidFill>
+                  <a:srgbClr val="FF0000"/>
+                </a:solidFill>
+              </a:rPr>
+              <a:t>the surface of the E detector </a:t>
+            </a:r>
+            <a:r>
+              <a:rPr lang="en-US" dirty="0" smtClean="0"/>
+              <a:t>when the frame </a:t>
+            </a:r>
+          </a:p>
+          <a:p>
+            <a:r>
+              <a:rPr lang="en-US" dirty="0"/>
+              <a:t> </a:t>
+            </a:r>
+            <a:r>
+              <a:rPr lang="en-US" dirty="0" smtClean="0"/>
+              <a:t>     is inserted into the slot.</a:t>
+            </a:r>
+            <a:endParaRPr lang="en-US" dirty="0"/>
+          </a:p>
+        </p:txBody>
+      </p:sp>
+      <p:pic>
+        <p:nvPicPr>
+          <p:cNvPr id="2" name="Picture 1"/>
+          <p:cNvPicPr>
+            <a:picLocks noChangeAspect="1"/>
+          </p:cNvPicPr>
+          <p:nvPr/>
+        </p:nvPicPr>
+        <p:blipFill>
+          <a:blip r:embed="rId5">
+            <a:extLst>
+              <a:ext uri="{28A0092B-C50C-407E-A947-70E740481C1C}">
+                <a14:useLocalDpi xmlns:a14="http://schemas.microsoft.com/office/drawing/2010/main" val="0"/>
+              </a:ext>
+            </a:extLst>
+          </a:blip>
+          <a:stretch>
+            <a:fillRect/>
+          </a:stretch>
+        </p:blipFill>
+        <p:spPr>
+          <a:xfrm>
+            <a:off x="7758819" y="3815817"/>
+            <a:ext cx="4271548" cy="2897599"/>
+          </a:xfrm>
+          <a:prstGeom prst="rect">
+            <a:avLst/>
+          </a:prstGeom>
+        </p:spPr>
+      </p:pic>
+    </p:spTree>
+    <p:extLst>
+      <p:ext uri="{BB962C8B-B14F-4D97-AF65-F5344CB8AC3E}">
+        <p14:creationId xmlns:p14="http://schemas.microsoft.com/office/powerpoint/2010/main" val="4219060194"/>
+      </p:ext>
+    </p:extLst>
+  </p:cSld>
+  <p:clrMapOvr>
+    <a:masterClrMapping/>
+  </p:clrMapOvr>
+</p:sld>
+</file>
+
+<file path=ppt/slides/slide12.xml><?xml version="1.0" encoding="utf-8"?>
 <p:sld xmlns:a="http://schemas.openxmlformats.org/drawingml/2006/main" xmlns:r="http://schemas.openxmlformats.org/officeDocument/2006/relationships" xmlns:p="http://schemas.openxmlformats.org/presentationml/2006/main">
   <p:cSld>
     <p:spTree>
@@ -4005,7 +5214,7 @@
 </p:sld>
 </file>
 
-<file path=ppt/slides/slide11.xml><?xml version="1.0" encoding="utf-8"?>
+<file path=ppt/slides/slide13.xml><?xml version="1.0" encoding="utf-8"?>
 <p:sld xmlns:a="http://schemas.openxmlformats.org/drawingml/2006/main" xmlns:r="http://schemas.openxmlformats.org/officeDocument/2006/relationships" xmlns:p="http://schemas.openxmlformats.org/presentationml/2006/main">
   <p:cSld>
     <p:spTree>
@@ -4575,7 +5784,7 @@
 </p:sld>
 </file>
 
-<file path=ppt/slides/slide12.xml><?xml version="1.0" encoding="utf-8"?>
+<file path=ppt/slides/slide14.xml><?xml version="1.0" encoding="utf-8"?>
 <p:sld xmlns:a="http://schemas.openxmlformats.org/drawingml/2006/main" xmlns:r="http://schemas.openxmlformats.org/officeDocument/2006/relationships" xmlns:p="http://schemas.openxmlformats.org/presentationml/2006/main">
   <p:cSld>
     <p:spTree>
@@ -5408,7 +6617,7 @@
 </p:sld>
 </file>
 
-<file path=ppt/slides/slide13.xml><?xml version="1.0" encoding="utf-8"?>
+<file path=ppt/slides/slide15.xml><?xml version="1.0" encoding="utf-8"?>
 <p:sld xmlns:a="http://schemas.openxmlformats.org/drawingml/2006/main" xmlns:r="http://schemas.openxmlformats.org/officeDocument/2006/relationships" xmlns:p="http://schemas.openxmlformats.org/presentationml/2006/main">
   <p:cSld>
     <p:spTree>
@@ -6018,7 +7227,7 @@
 </p:sld>
 </file>
 
-<file path=ppt/slides/slide14.xml><?xml version="1.0" encoding="utf-8"?>
+<file path=ppt/slides/slide16.xml><?xml version="1.0" encoding="utf-8"?>
 <p:sld xmlns:a="http://schemas.openxmlformats.org/drawingml/2006/main" xmlns:r="http://schemas.openxmlformats.org/officeDocument/2006/relationships" xmlns:p="http://schemas.openxmlformats.org/presentationml/2006/main">
   <p:cSld>
     <p:spTree>
@@ -6130,15 +7339,7 @@
             </a:r>
             <a:r>
               <a:rPr lang="en-US" b="1" dirty="0" smtClean="0"/>
-              <a:t>      </a:t>
-            </a:r>
-            <a:r>
-              <a:rPr lang="en-US" b="1" dirty="0" smtClean="0"/>
-              <a:t>●  T</a:t>
-            </a:r>
-            <a:r>
-              <a:rPr lang="en-US" b="1" dirty="0" smtClean="0"/>
-              <a:t>wo important notes:</a:t>
+              <a:t>      ●  Two important notes:</a:t>
             </a:r>
           </a:p>
           <a:p>
@@ -6232,11 +7433,7 @@
           <a:p>
             <a:r>
               <a:rPr lang="en-US" dirty="0" smtClean="0"/>
-              <a:t>(3</a:t>
-            </a:r>
-            <a:r>
-              <a:rPr lang="en-US" dirty="0" smtClean="0"/>
-              <a:t>) In this energy range</a:t>
+              <a:t>(3) In this energy range</a:t>
             </a:r>
             <a:r>
               <a:rPr lang="en-US" b="1" dirty="0" smtClean="0">
@@ -6326,11 +7523,7 @@
           <a:p>
             <a:r>
               <a:rPr lang="en-US" dirty="0" smtClean="0"/>
-              <a:t>(4</a:t>
-            </a:r>
-            <a:r>
-              <a:rPr lang="en-US" dirty="0" smtClean="0"/>
-              <a:t>) Summarize the idea for </a:t>
+              <a:t>(4) Summarize the idea for </a:t>
             </a:r>
             <a:r>
               <a:rPr lang="en-US" altLang="zh-CN" dirty="0">
@@ -6459,7 +7652,7 @@
 </p:sld>
 </file>
 
-<file path=ppt/slides/slide15.xml><?xml version="1.0" encoding="utf-8"?>
+<file path=ppt/slides/slide17.xml><?xml version="1.0" encoding="utf-8"?>
 <p:sld xmlns:a="http://schemas.openxmlformats.org/drawingml/2006/main" xmlns:r="http://schemas.openxmlformats.org/officeDocument/2006/relationships" xmlns:p="http://schemas.openxmlformats.org/presentationml/2006/main">
   <p:cSld>
     <p:spTree>
@@ -6537,7 +7730,7 @@
 </p:sld>
 </file>
 
-<file path=ppt/slides/slide16.xml><?xml version="1.0" encoding="utf-8"?>
+<file path=ppt/slides/slide18.xml><?xml version="1.0" encoding="utf-8"?>
 <p:sld xmlns:a="http://schemas.openxmlformats.org/drawingml/2006/main" xmlns:r="http://schemas.openxmlformats.org/officeDocument/2006/relationships" xmlns:p="http://schemas.openxmlformats.org/presentationml/2006/main">
   <p:cSld>
     <p:spTree>
@@ -6615,7 +7808,7 @@
 </p:sld>
 </file>
 
-<file path=ppt/slides/slide17.xml><?xml version="1.0" encoding="utf-8"?>
+<file path=ppt/slides/slide19.xml><?xml version="1.0" encoding="utf-8"?>
 <p:sld xmlns:a="http://schemas.openxmlformats.org/drawingml/2006/main" xmlns:r="http://schemas.openxmlformats.org/officeDocument/2006/relationships" xmlns:p="http://schemas.openxmlformats.org/presentationml/2006/main">
   <p:cSld>
     <p:spTree>
@@ -6645,7 +7838,37 @@
 </p:sld>
 </file>
 
-<file path=ppt/slides/slide18.xml><?xml version="1.0" encoding="utf-8"?>
+<file path=ppt/slides/slide2.xml><?xml version="1.0" encoding="utf-8"?>
+<p:sld xmlns:a="http://schemas.openxmlformats.org/drawingml/2006/main" xmlns:r="http://schemas.openxmlformats.org/officeDocument/2006/relationships" xmlns:p="http://schemas.openxmlformats.org/presentationml/2006/main">
+  <p:cSld>
+    <p:spTree>
+      <p:nvGrpSpPr>
+        <p:cNvPr id="1" name=""/>
+        <p:cNvGrpSpPr/>
+        <p:nvPr/>
+      </p:nvGrpSpPr>
+      <p:grpSpPr>
+        <a:xfrm>
+          <a:off x="0" y="0"/>
+          <a:ext cx="0" cy="0"/>
+          <a:chOff x="0" y="0"/>
+          <a:chExt cx="0" cy="0"/>
+        </a:xfrm>
+      </p:grpSpPr>
+    </p:spTree>
+    <p:extLst>
+      <p:ext uri="{BB962C8B-B14F-4D97-AF65-F5344CB8AC3E}">
+        <p14:creationId xmlns:p14="http://schemas.microsoft.com/office/powerpoint/2010/main" val="1833532843"/>
+      </p:ext>
+    </p:extLst>
+  </p:cSld>
+  <p:clrMapOvr>
+    <a:masterClrMapping/>
+  </p:clrMapOvr>
+</p:sld>
+</file>
+
+<file path=ppt/slides/slide20.xml><?xml version="1.0" encoding="utf-8"?>
 <p:sld xmlns:a="http://schemas.openxmlformats.org/drawingml/2006/main" xmlns:r="http://schemas.openxmlformats.org/officeDocument/2006/relationships" xmlns:p="http://schemas.openxmlformats.org/presentationml/2006/main">
   <p:cSld>
     <p:spTree>
@@ -6675,7 +7898,7 @@
 </p:sld>
 </file>
 
-<file path=ppt/slides/slide19.xml><?xml version="1.0" encoding="utf-8"?>
+<file path=ppt/slides/slide21.xml><?xml version="1.0" encoding="utf-8"?>
 <p:sld xmlns:a="http://schemas.openxmlformats.org/drawingml/2006/main" xmlns:r="http://schemas.openxmlformats.org/officeDocument/2006/relationships" xmlns:p="http://schemas.openxmlformats.org/presentationml/2006/main">
   <p:cSld>
     <p:spTree>
@@ -6705,258 +7928,7 @@
 </p:sld>
 </file>
 
-<file path=ppt/slides/slide2.xml><?xml version="1.0" encoding="utf-8"?>
-<p:sld xmlns:a="http://schemas.openxmlformats.org/drawingml/2006/main" xmlns:r="http://schemas.openxmlformats.org/officeDocument/2006/relationships" xmlns:p="http://schemas.openxmlformats.org/presentationml/2006/main">
-  <p:cSld>
-    <p:spTree>
-      <p:nvGrpSpPr>
-        <p:cNvPr id="1" name=""/>
-        <p:cNvGrpSpPr/>
-        <p:nvPr/>
-      </p:nvGrpSpPr>
-      <p:grpSpPr>
-        <a:xfrm>
-          <a:off x="0" y="0"/>
-          <a:ext cx="0" cy="0"/>
-          <a:chOff x="0" y="0"/>
-          <a:chExt cx="0" cy="0"/>
-        </a:xfrm>
-      </p:grpSpPr>
-      <p:sp>
-        <p:nvSpPr>
-          <p:cNvPr id="4" name="TextBox 3"/>
-          <p:cNvSpPr txBox="1"/>
-          <p:nvPr/>
-        </p:nvSpPr>
-        <p:spPr>
-          <a:xfrm>
-            <a:off x="0" y="0"/>
-            <a:ext cx="7010400" cy="584775"/>
-          </a:xfrm>
-          <a:prstGeom prst="rect">
-            <a:avLst/>
-          </a:prstGeom>
-          <a:noFill/>
-        </p:spPr>
-        <p:txBody>
-          <a:bodyPr wrap="square" rtlCol="0">
-            <a:spAutoFit/>
-          </a:bodyPr>
-          <a:lstStyle/>
-          <a:p>
-            <a:r>
-              <a:rPr lang="en-US" sz="1600" dirty="0" smtClean="0">
-                <a:solidFill>
-                  <a:srgbClr val="FF0000"/>
-                </a:solidFill>
-              </a:rPr>
-              <a:t>Date: 2018-10-23</a:t>
-            </a:r>
-          </a:p>
-          <a:p>
-            <a:r>
-              <a:rPr lang="en-US" sz="1600" dirty="0" smtClean="0">
-                <a:solidFill>
-                  <a:srgbClr val="FF0000"/>
-                </a:solidFill>
-              </a:rPr>
-              <a:t>Source: https://groups.nscl.msu.edu/hira/05049/LASSA_Calibrations.pdf</a:t>
-            </a:r>
-            <a:endParaRPr lang="en-US" sz="1600" dirty="0">
-              <a:solidFill>
-                <a:srgbClr val="FF0000"/>
-              </a:solidFill>
-            </a:endParaRPr>
-          </a:p>
-        </p:txBody>
-      </p:sp>
-      <p:sp>
-        <p:nvSpPr>
-          <p:cNvPr id="2" name="TextBox 1"/>
-          <p:cNvSpPr txBox="1"/>
-          <p:nvPr/>
-        </p:nvSpPr>
-        <p:spPr>
-          <a:xfrm>
-            <a:off x="3119718" y="833718"/>
-            <a:ext cx="3890682" cy="369332"/>
-          </a:xfrm>
-          <a:prstGeom prst="rect">
-            <a:avLst/>
-          </a:prstGeom>
-          <a:noFill/>
-        </p:spPr>
-        <p:txBody>
-          <a:bodyPr wrap="square" rtlCol="0">
-            <a:spAutoFit/>
-          </a:bodyPr>
-          <a:lstStyle/>
-          <a:p>
-            <a:r>
-              <a:rPr lang="en-US" b="1" dirty="0" smtClean="0"/>
-              <a:t>Calibration on Silicon Detectors</a:t>
-            </a:r>
-            <a:endParaRPr lang="en-US" b="1" dirty="0"/>
-          </a:p>
-        </p:txBody>
-      </p:sp>
-      <p:sp>
-        <p:nvSpPr>
-          <p:cNvPr id="3" name="TextBox 2"/>
-          <p:cNvSpPr txBox="1"/>
-          <p:nvPr/>
-        </p:nvSpPr>
-        <p:spPr>
-          <a:xfrm>
-            <a:off x="313764" y="1595718"/>
-            <a:ext cx="10676965" cy="369332"/>
-          </a:xfrm>
-          <a:prstGeom prst="rect">
-            <a:avLst/>
-          </a:prstGeom>
-          <a:noFill/>
-        </p:spPr>
-        <p:txBody>
-          <a:bodyPr wrap="square" rtlCol="0">
-            <a:spAutoFit/>
-          </a:bodyPr>
-          <a:lstStyle/>
-          <a:p>
-            <a:r>
-              <a:rPr lang="en-US" dirty="0" smtClean="0">
-                <a:latin typeface="Times New Roman" panose="02020603050405020304" pitchFamily="18" charset="0"/>
-                <a:cs typeface="Times New Roman" panose="02020603050405020304" pitchFamily="18" charset="0"/>
-              </a:rPr>
-              <a:t>● Th228, characterized by </a:t>
-            </a:r>
-            <a:r>
-              <a:rPr lang="en-US" b="1" dirty="0" smtClean="0">
-                <a:solidFill>
-                  <a:srgbClr val="FF0000"/>
-                </a:solidFill>
-                <a:latin typeface="Times New Roman" panose="02020603050405020304" pitchFamily="18" charset="0"/>
-                <a:cs typeface="Times New Roman" panose="02020603050405020304" pitchFamily="18" charset="0"/>
-              </a:rPr>
-              <a:t>eight well-known alpha energies</a:t>
-            </a:r>
-            <a:r>
-              <a:rPr lang="en-US" dirty="0" smtClean="0">
-                <a:latin typeface="Times New Roman" panose="02020603050405020304" pitchFamily="18" charset="0"/>
-                <a:cs typeface="Times New Roman" panose="02020603050405020304" pitchFamily="18" charset="0"/>
-              </a:rPr>
-              <a:t>, and alpha peak are separated by at least 0.1MeV </a:t>
-            </a:r>
-            <a:endParaRPr lang="en-US" dirty="0">
-              <a:latin typeface="Times New Roman" panose="02020603050405020304" pitchFamily="18" charset="0"/>
-              <a:cs typeface="Times New Roman" panose="02020603050405020304" pitchFamily="18" charset="0"/>
-            </a:endParaRPr>
-          </a:p>
-        </p:txBody>
-      </p:sp>
-      <p:sp>
-        <p:nvSpPr>
-          <p:cNvPr id="5" name="Rectangle 4"/>
-          <p:cNvSpPr/>
-          <p:nvPr/>
-        </p:nvSpPr>
-        <p:spPr>
-          <a:xfrm>
-            <a:off x="313763" y="2443353"/>
-            <a:ext cx="10793507" cy="646331"/>
-          </a:xfrm>
-          <a:prstGeom prst="rect">
-            <a:avLst/>
-          </a:prstGeom>
-        </p:spPr>
-        <p:txBody>
-          <a:bodyPr wrap="square">
-            <a:spAutoFit/>
-          </a:bodyPr>
-          <a:lstStyle/>
-          <a:p>
-            <a:r>
-              <a:rPr lang="en-US" dirty="0">
-                <a:latin typeface="Times New Roman" panose="02020603050405020304" pitchFamily="18" charset="0"/>
-                <a:cs typeface="Times New Roman" panose="02020603050405020304" pitchFamily="18" charset="0"/>
-              </a:rPr>
-              <a:t>● </a:t>
-            </a:r>
-            <a:r>
-              <a:rPr lang="en-US" dirty="0" smtClean="0">
-                <a:latin typeface="Times New Roman" panose="02020603050405020304" pitchFamily="18" charset="0"/>
-                <a:cs typeface="Times New Roman" panose="02020603050405020304" pitchFamily="18" charset="0"/>
-              </a:rPr>
-              <a:t> If </a:t>
-            </a:r>
-            <a:r>
-              <a:rPr lang="en-US" dirty="0">
-                <a:latin typeface="Times New Roman" panose="02020603050405020304" pitchFamily="18" charset="0"/>
-                <a:cs typeface="Times New Roman" panose="02020603050405020304" pitchFamily="18" charset="0"/>
-              </a:rPr>
-              <a:t>a </a:t>
-            </a:r>
-            <a:r>
-              <a:rPr lang="en-US" dirty="0" err="1">
-                <a:latin typeface="Times New Roman" panose="02020603050405020304" pitchFamily="18" charset="0"/>
-                <a:cs typeface="Times New Roman" panose="02020603050405020304" pitchFamily="18" charset="0"/>
-              </a:rPr>
-              <a:t>dE</a:t>
-            </a:r>
-            <a:r>
-              <a:rPr lang="en-US" dirty="0">
-                <a:latin typeface="Times New Roman" panose="02020603050405020304" pitchFamily="18" charset="0"/>
-                <a:cs typeface="Times New Roman" panose="02020603050405020304" pitchFamily="18" charset="0"/>
-              </a:rPr>
-              <a:t> silicon detector is placed in front of the double sided E silicon detector, the </a:t>
-            </a:r>
-            <a:r>
-              <a:rPr lang="en-US" dirty="0" err="1">
-                <a:latin typeface="Times New Roman" panose="02020603050405020304" pitchFamily="18" charset="0"/>
-                <a:cs typeface="Times New Roman" panose="02020603050405020304" pitchFamily="18" charset="0"/>
-              </a:rPr>
-              <a:t>dE</a:t>
-            </a:r>
-            <a:r>
-              <a:rPr lang="en-US" dirty="0">
-                <a:latin typeface="Times New Roman" panose="02020603050405020304" pitchFamily="18" charset="0"/>
-                <a:cs typeface="Times New Roman" panose="02020603050405020304" pitchFamily="18" charset="0"/>
-              </a:rPr>
-              <a:t> detector can be calibrated by 228Th source as discussed above; while </a:t>
-            </a:r>
-            <a:r>
-              <a:rPr lang="en-US" b="1" i="1" dirty="0">
-                <a:solidFill>
-                  <a:srgbClr val="FF0000"/>
-                </a:solidFill>
-                <a:latin typeface="Times New Roman" panose="02020603050405020304" pitchFamily="18" charset="0"/>
-                <a:cs typeface="Times New Roman" panose="02020603050405020304" pitchFamily="18" charset="0"/>
-              </a:rPr>
-              <a:t>pin source </a:t>
-            </a:r>
-            <a:r>
-              <a:rPr lang="en-US" dirty="0">
-                <a:latin typeface="Times New Roman" panose="02020603050405020304" pitchFamily="18" charset="0"/>
-                <a:cs typeface="Times New Roman" panose="02020603050405020304" pitchFamily="18" charset="0"/>
-              </a:rPr>
-              <a:t>is used to calibrate E detector</a:t>
-            </a:r>
-          </a:p>
-        </p:txBody>
-      </p:sp>
-    </p:spTree>
-    <p:extLst>
-      <p:ext uri="{BB962C8B-B14F-4D97-AF65-F5344CB8AC3E}">
-        <p14:creationId xmlns:p14="http://schemas.microsoft.com/office/powerpoint/2010/main" val="39117988"/>
-      </p:ext>
-    </p:extLst>
-  </p:cSld>
-  <p:clrMapOvr>
-    <a:masterClrMapping/>
-  </p:clrMapOvr>
-</p:sld>
-</file>
-
-<file path=ppt/slides/slide20.xml><?xml version="1.0" encoding="utf-8"?>
+<file path=ppt/slides/slide22.xml><?xml version="1.0" encoding="utf-8"?>
 <p:sld xmlns:a="http://schemas.openxmlformats.org/drawingml/2006/main" xmlns:r="http://schemas.openxmlformats.org/officeDocument/2006/relationships" xmlns:p="http://schemas.openxmlformats.org/presentationml/2006/main">
   <p:cSld>
     <p:spTree>
@@ -6986,7 +7958,7 @@
 </p:sld>
 </file>
 
-<file path=ppt/slides/slide21.xml><?xml version="1.0" encoding="utf-8"?>
+<file path=ppt/slides/slide23.xml><?xml version="1.0" encoding="utf-8"?>
 <p:sld xmlns:a="http://schemas.openxmlformats.org/drawingml/2006/main" xmlns:r="http://schemas.openxmlformats.org/officeDocument/2006/relationships" xmlns:p="http://schemas.openxmlformats.org/presentationml/2006/main">
   <p:cSld>
     <p:spTree>
@@ -7033,10 +8005,237 @@
           <a:chExt cx="0" cy="0"/>
         </a:xfrm>
       </p:grpSpPr>
+      <p:sp>
+        <p:nvSpPr>
+          <p:cNvPr id="4" name="TextBox 3"/>
+          <p:cNvSpPr txBox="1"/>
+          <p:nvPr/>
+        </p:nvSpPr>
+        <p:spPr>
+          <a:xfrm>
+            <a:off x="0" y="0"/>
+            <a:ext cx="7010400" cy="584775"/>
+          </a:xfrm>
+          <a:prstGeom prst="rect">
+            <a:avLst/>
+          </a:prstGeom>
+          <a:noFill/>
+        </p:spPr>
+        <p:txBody>
+          <a:bodyPr wrap="square" rtlCol="0">
+            <a:spAutoFit/>
+          </a:bodyPr>
+          <a:lstStyle/>
+          <a:p>
+            <a:r>
+              <a:rPr lang="en-US" sz="1600" dirty="0" smtClean="0">
+                <a:solidFill>
+                  <a:srgbClr val="FF0000"/>
+                </a:solidFill>
+              </a:rPr>
+              <a:t>Date: 2018-10-23</a:t>
+            </a:r>
+          </a:p>
+          <a:p>
+            <a:r>
+              <a:rPr lang="en-US" sz="1600" dirty="0" smtClean="0">
+                <a:solidFill>
+                  <a:srgbClr val="FF0000"/>
+                </a:solidFill>
+              </a:rPr>
+              <a:t>Source: https://groups.nscl.msu.edu/hira/05049/LASSA_Calibrations.pdf</a:t>
+            </a:r>
+            <a:endParaRPr lang="en-US" sz="1600" dirty="0">
+              <a:solidFill>
+                <a:srgbClr val="FF0000"/>
+              </a:solidFill>
+            </a:endParaRPr>
+          </a:p>
+        </p:txBody>
+      </p:sp>
+      <p:sp>
+        <p:nvSpPr>
+          <p:cNvPr id="2" name="TextBox 1"/>
+          <p:cNvSpPr txBox="1"/>
+          <p:nvPr/>
+        </p:nvSpPr>
+        <p:spPr>
+          <a:xfrm>
+            <a:off x="3039035" y="859414"/>
+            <a:ext cx="5719482" cy="461665"/>
+          </a:xfrm>
+          <a:prstGeom prst="rect">
+            <a:avLst/>
+          </a:prstGeom>
+          <a:noFill/>
+        </p:spPr>
+        <p:txBody>
+          <a:bodyPr wrap="square" rtlCol="0">
+            <a:spAutoFit/>
+          </a:bodyPr>
+          <a:lstStyle/>
+          <a:p>
+            <a:r>
+              <a:rPr lang="en-US" sz="2400" b="1" dirty="0" smtClean="0">
+                <a:latin typeface="Times New Roman" panose="02020603050405020304" pitchFamily="18" charset="0"/>
+                <a:cs typeface="Times New Roman" panose="02020603050405020304" pitchFamily="18" charset="0"/>
+              </a:rPr>
+              <a:t>Calibration on Silicon Detectors</a:t>
+            </a:r>
+            <a:endParaRPr lang="en-US" sz="2400" b="1" dirty="0">
+              <a:latin typeface="Times New Roman" panose="02020603050405020304" pitchFamily="18" charset="0"/>
+              <a:cs typeface="Times New Roman" panose="02020603050405020304" pitchFamily="18" charset="0"/>
+            </a:endParaRPr>
+          </a:p>
+        </p:txBody>
+      </p:sp>
+      <p:sp>
+        <p:nvSpPr>
+          <p:cNvPr id="3" name="TextBox 2"/>
+          <p:cNvSpPr txBox="1"/>
+          <p:nvPr/>
+        </p:nvSpPr>
+        <p:spPr>
+          <a:xfrm>
+            <a:off x="313764" y="2154750"/>
+            <a:ext cx="10676965" cy="369332"/>
+          </a:xfrm>
+          <a:prstGeom prst="rect">
+            <a:avLst/>
+          </a:prstGeom>
+          <a:noFill/>
+        </p:spPr>
+        <p:txBody>
+          <a:bodyPr wrap="square" rtlCol="0">
+            <a:spAutoFit/>
+          </a:bodyPr>
+          <a:lstStyle/>
+          <a:p>
+            <a:r>
+              <a:rPr lang="en-US" dirty="0" smtClean="0">
+                <a:latin typeface="Times New Roman" panose="02020603050405020304" pitchFamily="18" charset="0"/>
+                <a:cs typeface="Times New Roman" panose="02020603050405020304" pitchFamily="18" charset="0"/>
+              </a:rPr>
+              <a:t>● Th228, characterized by </a:t>
+            </a:r>
+            <a:r>
+              <a:rPr lang="en-US" b="1" dirty="0" smtClean="0">
+                <a:solidFill>
+                  <a:srgbClr val="FF0000"/>
+                </a:solidFill>
+                <a:latin typeface="Times New Roman" panose="02020603050405020304" pitchFamily="18" charset="0"/>
+                <a:cs typeface="Times New Roman" panose="02020603050405020304" pitchFamily="18" charset="0"/>
+              </a:rPr>
+              <a:t>eight well-known alpha energies</a:t>
+            </a:r>
+            <a:r>
+              <a:rPr lang="en-US" dirty="0" smtClean="0">
+                <a:latin typeface="Times New Roman" panose="02020603050405020304" pitchFamily="18" charset="0"/>
+                <a:cs typeface="Times New Roman" panose="02020603050405020304" pitchFamily="18" charset="0"/>
+              </a:rPr>
+              <a:t>, and alpha peak are separated by at least 0.1MeV </a:t>
+            </a:r>
+            <a:endParaRPr lang="en-US" dirty="0">
+              <a:latin typeface="Times New Roman" panose="02020603050405020304" pitchFamily="18" charset="0"/>
+              <a:cs typeface="Times New Roman" panose="02020603050405020304" pitchFamily="18" charset="0"/>
+            </a:endParaRPr>
+          </a:p>
+        </p:txBody>
+      </p:sp>
+      <p:sp>
+        <p:nvSpPr>
+          <p:cNvPr id="5" name="Rectangle 4"/>
+          <p:cNvSpPr/>
+          <p:nvPr/>
+        </p:nvSpPr>
+        <p:spPr>
+          <a:xfrm>
+            <a:off x="313764" y="3357753"/>
+            <a:ext cx="10793507" cy="646331"/>
+          </a:xfrm>
+          <a:prstGeom prst="rect">
+            <a:avLst/>
+          </a:prstGeom>
+        </p:spPr>
+        <p:txBody>
+          <a:bodyPr wrap="square">
+            <a:spAutoFit/>
+          </a:bodyPr>
+          <a:lstStyle/>
+          <a:p>
+            <a:r>
+              <a:rPr lang="en-US" dirty="0">
+                <a:latin typeface="Times New Roman" panose="02020603050405020304" pitchFamily="18" charset="0"/>
+                <a:cs typeface="Times New Roman" panose="02020603050405020304" pitchFamily="18" charset="0"/>
+              </a:rPr>
+              <a:t>● </a:t>
+            </a:r>
+            <a:r>
+              <a:rPr lang="en-US" dirty="0" smtClean="0">
+                <a:latin typeface="Times New Roman" panose="02020603050405020304" pitchFamily="18" charset="0"/>
+                <a:cs typeface="Times New Roman" panose="02020603050405020304" pitchFamily="18" charset="0"/>
+              </a:rPr>
+              <a:t> If </a:t>
+            </a:r>
+            <a:r>
+              <a:rPr lang="en-US" dirty="0">
+                <a:latin typeface="Times New Roman" panose="02020603050405020304" pitchFamily="18" charset="0"/>
+                <a:cs typeface="Times New Roman" panose="02020603050405020304" pitchFamily="18" charset="0"/>
+              </a:rPr>
+              <a:t>a </a:t>
+            </a:r>
+            <a:r>
+              <a:rPr lang="en-US" dirty="0" err="1">
+                <a:latin typeface="Times New Roman" panose="02020603050405020304" pitchFamily="18" charset="0"/>
+                <a:cs typeface="Times New Roman" panose="02020603050405020304" pitchFamily="18" charset="0"/>
+              </a:rPr>
+              <a:t>dE</a:t>
+            </a:r>
+            <a:r>
+              <a:rPr lang="en-US" dirty="0">
+                <a:latin typeface="Times New Roman" panose="02020603050405020304" pitchFamily="18" charset="0"/>
+                <a:cs typeface="Times New Roman" panose="02020603050405020304" pitchFamily="18" charset="0"/>
+              </a:rPr>
+              <a:t> silicon detector is placed in front of the double sided E silicon detector, the </a:t>
+            </a:r>
+            <a:r>
+              <a:rPr lang="en-US" dirty="0" err="1">
+                <a:latin typeface="Times New Roman" panose="02020603050405020304" pitchFamily="18" charset="0"/>
+                <a:cs typeface="Times New Roman" panose="02020603050405020304" pitchFamily="18" charset="0"/>
+              </a:rPr>
+              <a:t>dE</a:t>
+            </a:r>
+            <a:r>
+              <a:rPr lang="en-US" dirty="0">
+                <a:latin typeface="Times New Roman" panose="02020603050405020304" pitchFamily="18" charset="0"/>
+                <a:cs typeface="Times New Roman" panose="02020603050405020304" pitchFamily="18" charset="0"/>
+              </a:rPr>
+              <a:t> detector can be calibrated by 228Th source as discussed above; while </a:t>
+            </a:r>
+            <a:r>
+              <a:rPr lang="en-US" b="1" i="1" dirty="0">
+                <a:solidFill>
+                  <a:srgbClr val="FF0000"/>
+                </a:solidFill>
+                <a:latin typeface="Times New Roman" panose="02020603050405020304" pitchFamily="18" charset="0"/>
+                <a:cs typeface="Times New Roman" panose="02020603050405020304" pitchFamily="18" charset="0"/>
+              </a:rPr>
+              <a:t>pin source </a:t>
+            </a:r>
+            <a:r>
+              <a:rPr lang="en-US" dirty="0">
+                <a:latin typeface="Times New Roman" panose="02020603050405020304" pitchFamily="18" charset="0"/>
+                <a:cs typeface="Times New Roman" panose="02020603050405020304" pitchFamily="18" charset="0"/>
+              </a:rPr>
+              <a:t>is used to calibrate E detector</a:t>
+            </a:r>
+          </a:p>
+        </p:txBody>
+      </p:sp>
     </p:spTree>
     <p:extLst>
       <p:ext uri="{BB962C8B-B14F-4D97-AF65-F5344CB8AC3E}">
-        <p14:creationId xmlns:p14="http://schemas.microsoft.com/office/powerpoint/2010/main" val="1833532843"/>
+        <p14:creationId xmlns:p14="http://schemas.microsoft.com/office/powerpoint/2010/main" val="39117988"/>
       </p:ext>
     </p:extLst>
   </p:cSld>
@@ -7357,10 +8556,581 @@
           <a:chExt cx="0" cy="0"/>
         </a:xfrm>
       </p:grpSpPr>
+      <p:sp>
+        <p:nvSpPr>
+          <p:cNvPr id="2" name="TextBox 1"/>
+          <p:cNvSpPr txBox="1"/>
+          <p:nvPr/>
+        </p:nvSpPr>
+        <p:spPr>
+          <a:xfrm>
+            <a:off x="0" y="0"/>
+            <a:ext cx="7010400" cy="584775"/>
+          </a:xfrm>
+          <a:prstGeom prst="rect">
+            <a:avLst/>
+          </a:prstGeom>
+          <a:noFill/>
+        </p:spPr>
+        <p:txBody>
+          <a:bodyPr wrap="square" rtlCol="0">
+            <a:spAutoFit/>
+          </a:bodyPr>
+          <a:lstStyle/>
+          <a:p>
+            <a:r>
+              <a:rPr lang="en-US" sz="1600" dirty="0" smtClean="0">
+                <a:solidFill>
+                  <a:srgbClr val="FF0000"/>
+                </a:solidFill>
+              </a:rPr>
+              <a:t>Date: 2018</a:t>
+            </a:r>
+            <a:r>
+              <a:rPr lang="en-US" altLang="zh-CN" sz="1600" dirty="0" smtClean="0">
+                <a:solidFill>
+                  <a:srgbClr val="FF0000"/>
+                </a:solidFill>
+              </a:rPr>
+              <a:t>-10-30</a:t>
+            </a:r>
+            <a:endParaRPr lang="en-US" sz="1600" dirty="0" smtClean="0">
+              <a:solidFill>
+                <a:srgbClr val="FF0000"/>
+              </a:solidFill>
+            </a:endParaRPr>
+          </a:p>
+          <a:p>
+            <a:r>
+              <a:rPr lang="en-US" sz="1600" dirty="0" smtClean="0">
+                <a:solidFill>
+                  <a:srgbClr val="FF0000"/>
+                </a:solidFill>
+              </a:rPr>
+              <a:t>Source: Talk with Daniele</a:t>
+            </a:r>
+            <a:endParaRPr lang="en-US" sz="1600" dirty="0">
+              <a:solidFill>
+                <a:srgbClr val="FF0000"/>
+              </a:solidFill>
+            </a:endParaRPr>
+          </a:p>
+        </p:txBody>
+      </p:sp>
+      <p:sp>
+        <p:nvSpPr>
+          <p:cNvPr id="3" name="文本框 4"/>
+          <p:cNvSpPr txBox="1"/>
+          <p:nvPr/>
+        </p:nvSpPr>
+        <p:spPr>
+          <a:xfrm>
+            <a:off x="3039036" y="400109"/>
+            <a:ext cx="5378823" cy="707886"/>
+          </a:xfrm>
+          <a:prstGeom prst="rect">
+            <a:avLst/>
+          </a:prstGeom>
+          <a:noFill/>
+        </p:spPr>
+        <p:txBody>
+          <a:bodyPr wrap="square" rtlCol="0">
+            <a:spAutoFit/>
+          </a:bodyPr>
+          <a:lstStyle/>
+          <a:p>
+            <a:r>
+              <a:rPr lang="en-US" altLang="zh-CN" sz="2400" b="1" dirty="0" smtClean="0">
+                <a:latin typeface="Times New Roman" panose="02020603050405020304" pitchFamily="18" charset="0"/>
+                <a:ea typeface="+mj-ea"/>
+                <a:cs typeface="Times New Roman" panose="02020603050405020304" pitchFamily="18" charset="0"/>
+              </a:rPr>
+              <a:t>Double-sided </a:t>
+            </a:r>
+            <a:r>
+              <a:rPr lang="en-US" altLang="zh-CN" sz="2400" b="1" dirty="0" smtClean="0">
+                <a:latin typeface="Times New Roman" panose="02020603050405020304" pitchFamily="18" charset="0"/>
+                <a:ea typeface="+mj-ea"/>
+                <a:cs typeface="Times New Roman" panose="02020603050405020304" pitchFamily="18" charset="0"/>
+              </a:rPr>
+              <a:t>Silicon Strip </a:t>
+            </a:r>
+            <a:r>
+              <a:rPr lang="en-US" altLang="zh-CN" sz="2400" b="1" dirty="0" smtClean="0">
+                <a:latin typeface="Times New Roman" panose="02020603050405020304" pitchFamily="18" charset="0"/>
+                <a:ea typeface="+mj-ea"/>
+                <a:cs typeface="Times New Roman" panose="02020603050405020304" pitchFamily="18" charset="0"/>
+              </a:rPr>
+              <a:t>D</a:t>
+            </a:r>
+            <a:r>
+              <a:rPr lang="en-US" altLang="zh-CN" sz="2400" b="1" dirty="0" smtClean="0">
+                <a:latin typeface="Times New Roman" panose="02020603050405020304" pitchFamily="18" charset="0"/>
+                <a:ea typeface="+mj-ea"/>
+                <a:cs typeface="Times New Roman" panose="02020603050405020304" pitchFamily="18" charset="0"/>
+              </a:rPr>
+              <a:t>etector </a:t>
+            </a:r>
+            <a:endParaRPr lang="en-US" altLang="zh-CN" sz="2400" b="1" dirty="0" smtClean="0">
+              <a:latin typeface="Times New Roman" panose="02020603050405020304" pitchFamily="18" charset="0"/>
+              <a:ea typeface="+mj-ea"/>
+              <a:cs typeface="Times New Roman" panose="02020603050405020304" pitchFamily="18" charset="0"/>
+            </a:endParaRPr>
+          </a:p>
+          <a:p>
+            <a:endParaRPr lang="en-US" altLang="zh-CN" sz="1600" dirty="0">
+              <a:latin typeface="+mj-ea"/>
+              <a:ea typeface="+mj-ea"/>
+            </a:endParaRPr>
+          </a:p>
+        </p:txBody>
+      </p:sp>
+      <p:sp>
+        <p:nvSpPr>
+          <p:cNvPr id="4" name="TextBox 3"/>
+          <p:cNvSpPr txBox="1"/>
+          <p:nvPr/>
+        </p:nvSpPr>
+        <p:spPr>
+          <a:xfrm>
+            <a:off x="206189" y="1543674"/>
+            <a:ext cx="7019364" cy="1477328"/>
+          </a:xfrm>
+          <a:prstGeom prst="rect">
+            <a:avLst/>
+          </a:prstGeom>
+          <a:noFill/>
+          <a:ln w="28575">
+            <a:solidFill>
+              <a:srgbClr val="FF0000"/>
+            </a:solidFill>
+          </a:ln>
+        </p:spPr>
+        <p:txBody>
+          <a:bodyPr wrap="square" rtlCol="0">
+            <a:spAutoFit/>
+          </a:bodyPr>
+          <a:lstStyle/>
+          <a:p>
+            <a:r>
+              <a:rPr lang="en-US" b="1" dirty="0" smtClean="0"/>
+              <a:t>1. </a:t>
+            </a:r>
+            <a:r>
+              <a:rPr lang="en-US" b="1" dirty="0" smtClean="0"/>
+              <a:t> </a:t>
+            </a:r>
+            <a:r>
+              <a:rPr lang="en-US" b="1" dirty="0" smtClean="0"/>
+              <a:t>What is a “pixel” </a:t>
+            </a:r>
+            <a:r>
+              <a:rPr lang="en-US" b="1" dirty="0" smtClean="0"/>
+              <a:t>?</a:t>
+            </a:r>
+          </a:p>
+          <a:p>
+            <a:r>
+              <a:rPr lang="en-US" dirty="0"/>
+              <a:t> </a:t>
+            </a:r>
+            <a:r>
+              <a:rPr lang="en-US" dirty="0" smtClean="0"/>
+              <a:t>    ● Double-sided silicon strip detector can read out signal on both the </a:t>
+            </a:r>
+          </a:p>
+          <a:p>
+            <a:r>
+              <a:rPr lang="en-US" dirty="0"/>
+              <a:t> </a:t>
+            </a:r>
+            <a:r>
+              <a:rPr lang="en-US" dirty="0" smtClean="0"/>
+              <a:t>       sides. The back strips are perpendicular to the front strips. </a:t>
+            </a:r>
+            <a:r>
+              <a:rPr lang="en-US" b="1" dirty="0" smtClean="0">
+                <a:solidFill>
+                  <a:srgbClr val="00B050"/>
+                </a:solidFill>
+              </a:rPr>
+              <a:t>A “pixel”</a:t>
+            </a:r>
+          </a:p>
+          <a:p>
+            <a:r>
+              <a:rPr lang="en-US" b="1" dirty="0">
+                <a:solidFill>
+                  <a:srgbClr val="00B050"/>
+                </a:solidFill>
+              </a:rPr>
+              <a:t> </a:t>
+            </a:r>
+            <a:r>
+              <a:rPr lang="en-US" b="1" dirty="0" smtClean="0">
+                <a:solidFill>
+                  <a:srgbClr val="00B050"/>
+                </a:solidFill>
+              </a:rPr>
+              <a:t>        means the overlap of a font strip and a back strip. </a:t>
+            </a:r>
+          </a:p>
+          <a:p>
+            <a:r>
+              <a:rPr lang="en-US" b="1" dirty="0">
+                <a:solidFill>
+                  <a:srgbClr val="00B050"/>
+                </a:solidFill>
+              </a:rPr>
+              <a:t> </a:t>
+            </a:r>
+            <a:r>
+              <a:rPr lang="en-US" b="1" dirty="0" smtClean="0">
+                <a:solidFill>
+                  <a:srgbClr val="00B050"/>
+                </a:solidFill>
+              </a:rPr>
+              <a:t>    </a:t>
+            </a:r>
+            <a:r>
+              <a:rPr lang="en-US" dirty="0" smtClean="0"/>
+              <a:t>● Double-sided SSD also called “matrix detector”</a:t>
+            </a:r>
+            <a:endParaRPr lang="en-US" b="1" dirty="0">
+              <a:solidFill>
+                <a:srgbClr val="00B050"/>
+              </a:solidFill>
+            </a:endParaRPr>
+          </a:p>
+        </p:txBody>
+      </p:sp>
+      <p:sp>
+        <p:nvSpPr>
+          <p:cNvPr id="5" name="TextBox 4"/>
+          <p:cNvSpPr txBox="1"/>
+          <p:nvPr/>
+        </p:nvSpPr>
+        <p:spPr>
+          <a:xfrm>
+            <a:off x="206189" y="3297071"/>
+            <a:ext cx="8507505" cy="2585323"/>
+          </a:xfrm>
+          <a:prstGeom prst="rect">
+            <a:avLst/>
+          </a:prstGeom>
+          <a:noFill/>
+          <a:ln w="28575">
+            <a:solidFill>
+              <a:srgbClr val="FF0000"/>
+            </a:solidFill>
+          </a:ln>
+        </p:spPr>
+        <p:txBody>
+          <a:bodyPr wrap="square" rtlCol="0">
+            <a:spAutoFit/>
+          </a:bodyPr>
+          <a:lstStyle/>
+          <a:p>
+            <a:r>
+              <a:rPr lang="en-US" b="1" dirty="0" smtClean="0"/>
+              <a:t>2. </a:t>
+            </a:r>
+            <a:r>
+              <a:rPr lang="en-US" b="1" dirty="0" smtClean="0"/>
+              <a:t> </a:t>
+            </a:r>
+            <a:r>
+              <a:rPr lang="en-US" b="1" dirty="0" smtClean="0"/>
+              <a:t>What does a pixel works as a position sensitive detector</a:t>
+            </a:r>
+            <a:r>
+              <a:rPr lang="en-US" b="1" dirty="0" smtClean="0"/>
+              <a:t>?</a:t>
+            </a:r>
+          </a:p>
+          <a:p>
+            <a:r>
+              <a:rPr lang="en-US" dirty="0" smtClean="0"/>
+              <a:t>     </a:t>
+            </a:r>
+            <a:r>
+              <a:rPr lang="en-US" dirty="0"/>
+              <a:t> ● </a:t>
+            </a:r>
+            <a:r>
+              <a:rPr lang="en-US" dirty="0" smtClean="0"/>
+              <a:t>The position of SSD is </a:t>
+            </a:r>
+            <a:r>
+              <a:rPr lang="en-US" b="1" dirty="0" smtClean="0"/>
+              <a:t>determined by the pixel</a:t>
+            </a:r>
+            <a:r>
+              <a:rPr lang="en-US" dirty="0" smtClean="0"/>
+              <a:t>. When charge particle pass </a:t>
+            </a:r>
+          </a:p>
+          <a:p>
+            <a:r>
+              <a:rPr lang="en-US" dirty="0"/>
+              <a:t> </a:t>
+            </a:r>
+            <a:r>
+              <a:rPr lang="en-US" dirty="0" smtClean="0"/>
+              <a:t>         through a SSD, ideally, there will be </a:t>
+            </a:r>
+            <a:r>
+              <a:rPr lang="en-US" b="1" i="1" dirty="0" smtClean="0">
+                <a:solidFill>
+                  <a:srgbClr val="00B050"/>
+                </a:solidFill>
+              </a:rPr>
+              <a:t>a same a energy signal on both a front strip</a:t>
+            </a:r>
+          </a:p>
+          <a:p>
+            <a:r>
+              <a:rPr lang="en-US" b="1" i="1" dirty="0">
+                <a:solidFill>
+                  <a:srgbClr val="00B050"/>
+                </a:solidFill>
+              </a:rPr>
+              <a:t> </a:t>
+            </a:r>
+            <a:r>
+              <a:rPr lang="en-US" b="1" i="1" dirty="0" smtClean="0">
+                <a:solidFill>
+                  <a:srgbClr val="00B050"/>
+                </a:solidFill>
+              </a:rPr>
+              <a:t>         and a back strip</a:t>
+            </a:r>
+            <a:r>
+              <a:rPr lang="en-US" dirty="0" smtClean="0"/>
+              <a:t>, which determines the position of the particle hits the detector.</a:t>
+            </a:r>
+            <a:endParaRPr lang="en-US" dirty="0"/>
+          </a:p>
+          <a:p>
+            <a:r>
+              <a:rPr lang="en-US" dirty="0"/>
+              <a:t>      </a:t>
+            </a:r>
+            <a:r>
+              <a:rPr lang="en-US" dirty="0" smtClean="0"/>
+              <a:t>● </a:t>
+            </a:r>
+            <a:r>
+              <a:rPr lang="en-US" b="1" dirty="0" smtClean="0">
+                <a:solidFill>
+                  <a:srgbClr val="FF0000"/>
+                </a:solidFill>
+              </a:rPr>
+              <a:t>Charge sharing effect: </a:t>
+            </a:r>
+            <a:r>
+              <a:rPr lang="en-US" dirty="0" smtClean="0"/>
+              <a:t>means the charge generated by a particle is collected </a:t>
+            </a:r>
+          </a:p>
+          <a:p>
+            <a:r>
+              <a:rPr lang="en-US" dirty="0"/>
+              <a:t> </a:t>
+            </a:r>
+            <a:r>
+              <a:rPr lang="en-US" dirty="0" smtClean="0"/>
+              <a:t>          by two or more than two strips. In this case, </a:t>
+            </a:r>
+            <a:r>
+              <a:rPr lang="en-US" b="1" dirty="0" smtClean="0">
+                <a:solidFill>
+                  <a:srgbClr val="00B050"/>
+                </a:solidFill>
+              </a:rPr>
+              <a:t>we </a:t>
+            </a:r>
+            <a:r>
+              <a:rPr lang="en-US" b="1" dirty="0" smtClean="0">
+                <a:solidFill>
+                  <a:srgbClr val="FF0000"/>
+                </a:solidFill>
+              </a:rPr>
+              <a:t>should find the strip with the</a:t>
+            </a:r>
+          </a:p>
+          <a:p>
+            <a:r>
+              <a:rPr lang="en-US" b="1" dirty="0">
+                <a:solidFill>
+                  <a:srgbClr val="FF0000"/>
+                </a:solidFill>
+              </a:rPr>
+              <a:t> </a:t>
+            </a:r>
+            <a:r>
+              <a:rPr lang="en-US" b="1" dirty="0" smtClean="0">
+                <a:solidFill>
+                  <a:srgbClr val="FF0000"/>
+                </a:solidFill>
+              </a:rPr>
+              <a:t>          largest energy</a:t>
+            </a:r>
+            <a:r>
+              <a:rPr lang="en-US" b="1" dirty="0" smtClean="0">
+                <a:solidFill>
+                  <a:srgbClr val="00B050"/>
+                </a:solidFill>
+              </a:rPr>
+              <a:t>, this is the strip that the particle hitting or the strip nearest to the</a:t>
+            </a:r>
+          </a:p>
+          <a:p>
+            <a:r>
+              <a:rPr lang="en-US" b="1" dirty="0">
+                <a:solidFill>
+                  <a:srgbClr val="00B050"/>
+                </a:solidFill>
+              </a:rPr>
+              <a:t> </a:t>
+            </a:r>
+            <a:r>
+              <a:rPr lang="en-US" b="1" dirty="0" smtClean="0">
+                <a:solidFill>
+                  <a:srgbClr val="00B050"/>
+                </a:solidFill>
+              </a:rPr>
+              <a:t>          hitting  point.</a:t>
+            </a:r>
+            <a:r>
+              <a:rPr lang="en-US" dirty="0" smtClean="0"/>
+              <a:t> Then, </a:t>
+            </a:r>
+            <a:r>
+              <a:rPr lang="en-US" b="1" dirty="0" smtClean="0">
+                <a:solidFill>
+                  <a:srgbClr val="FF0000"/>
+                </a:solidFill>
+              </a:rPr>
+              <a:t>sum up </a:t>
+            </a:r>
+            <a:r>
+              <a:rPr lang="en-US" b="1" dirty="0" smtClean="0">
+                <a:solidFill>
+                  <a:srgbClr val="00B050"/>
+                </a:solidFill>
+              </a:rPr>
+              <a:t>the energy in the adjacent strips to this strip.</a:t>
+            </a:r>
+            <a:endParaRPr lang="en-US" b="1" dirty="0" smtClean="0">
+              <a:solidFill>
+                <a:srgbClr val="00B050"/>
+              </a:solidFill>
+            </a:endParaRPr>
+          </a:p>
+          <a:p>
+            <a:r>
+              <a:rPr lang="en-US" dirty="0" smtClean="0"/>
+              <a:t>          </a:t>
+            </a:r>
+            <a:endParaRPr lang="en-US" dirty="0"/>
+          </a:p>
+        </p:txBody>
+      </p:sp>
+      <p:pic>
+        <p:nvPicPr>
+          <p:cNvPr id="7" name="Picture 6"/>
+          <p:cNvPicPr>
+            <a:picLocks noChangeAspect="1"/>
+          </p:cNvPicPr>
+          <p:nvPr/>
+        </p:nvPicPr>
+        <p:blipFill>
+          <a:blip r:embed="rId2" cstate="print">
+            <a:extLst>
+              <a:ext uri="{28A0092B-C50C-407E-A947-70E740481C1C}">
+                <a14:useLocalDpi xmlns:a14="http://schemas.microsoft.com/office/drawing/2010/main" val="0"/>
+              </a:ext>
+            </a:extLst>
+          </a:blip>
+          <a:stretch>
+            <a:fillRect/>
+          </a:stretch>
+        </p:blipFill>
+        <p:spPr>
+          <a:xfrm>
+            <a:off x="8840623" y="1535388"/>
+            <a:ext cx="3351376" cy="2638846"/>
+          </a:xfrm>
+          <a:prstGeom prst="rect">
+            <a:avLst/>
+          </a:prstGeom>
+        </p:spPr>
+      </p:pic>
+      <p:pic>
+        <p:nvPicPr>
+          <p:cNvPr id="19" name="Picture 18"/>
+          <p:cNvPicPr>
+            <a:picLocks noChangeAspect="1"/>
+          </p:cNvPicPr>
+          <p:nvPr/>
+        </p:nvPicPr>
+        <p:blipFill>
+          <a:blip r:embed="rId3">
+            <a:extLst>
+              <a:ext uri="{28A0092B-C50C-407E-A947-70E740481C1C}">
+                <a14:useLocalDpi xmlns:a14="http://schemas.microsoft.com/office/drawing/2010/main" val="0"/>
+              </a:ext>
+            </a:extLst>
+          </a:blip>
+          <a:stretch>
+            <a:fillRect/>
+          </a:stretch>
+        </p:blipFill>
+        <p:spPr>
+          <a:xfrm>
+            <a:off x="8058518" y="126802"/>
+            <a:ext cx="2568257" cy="2337921"/>
+          </a:xfrm>
+          <a:prstGeom prst="rect">
+            <a:avLst/>
+          </a:prstGeom>
+        </p:spPr>
+      </p:pic>
+      <p:pic>
+        <p:nvPicPr>
+          <p:cNvPr id="32" name="Picture 31"/>
+          <p:cNvPicPr>
+            <a:picLocks noChangeAspect="1"/>
+          </p:cNvPicPr>
+          <p:nvPr/>
+        </p:nvPicPr>
+        <p:blipFill>
+          <a:blip r:embed="rId4">
+            <a:extLst>
+              <a:ext uri="{28A0092B-C50C-407E-A947-70E740481C1C}">
+                <a14:useLocalDpi xmlns:a14="http://schemas.microsoft.com/office/drawing/2010/main" val="0"/>
+              </a:ext>
+            </a:extLst>
+          </a:blip>
+          <a:stretch>
+            <a:fillRect/>
+          </a:stretch>
+        </p:blipFill>
+        <p:spPr>
+          <a:xfrm>
+            <a:off x="7866134" y="5361071"/>
+            <a:ext cx="4227254" cy="1353671"/>
+          </a:xfrm>
+          <a:prstGeom prst="rect">
+            <a:avLst/>
+          </a:prstGeom>
+        </p:spPr>
+      </p:pic>
     </p:spTree>
     <p:extLst>
       <p:ext uri="{BB962C8B-B14F-4D97-AF65-F5344CB8AC3E}">
-        <p14:creationId xmlns:p14="http://schemas.microsoft.com/office/powerpoint/2010/main" val="1318587503"/>
+        <p14:creationId xmlns:p14="http://schemas.microsoft.com/office/powerpoint/2010/main" val="2007053952"/>
       </p:ext>
     </p:extLst>
   </p:cSld>
@@ -7371,6 +9141,169 @@
 </file>
 
 <file path=ppt/slides/slide6.xml><?xml version="1.0" encoding="utf-8"?>
+<p:sld xmlns:a="http://schemas.openxmlformats.org/drawingml/2006/main" xmlns:r="http://schemas.openxmlformats.org/officeDocument/2006/relationships" xmlns:p="http://schemas.openxmlformats.org/presentationml/2006/main">
+  <p:cSld>
+    <p:spTree>
+      <p:nvGrpSpPr>
+        <p:cNvPr id="1" name=""/>
+        <p:cNvGrpSpPr/>
+        <p:nvPr/>
+      </p:nvGrpSpPr>
+      <p:grpSpPr>
+        <a:xfrm>
+          <a:off x="0" y="0"/>
+          <a:ext cx="0" cy="0"/>
+          <a:chOff x="0" y="0"/>
+          <a:chExt cx="0" cy="0"/>
+        </a:xfrm>
+      </p:grpSpPr>
+      <p:sp>
+        <p:nvSpPr>
+          <p:cNvPr id="2" name="TextBox 1"/>
+          <p:cNvSpPr txBox="1"/>
+          <p:nvPr/>
+        </p:nvSpPr>
+        <p:spPr>
+          <a:xfrm>
+            <a:off x="147918" y="186445"/>
+            <a:ext cx="10412506" cy="923330"/>
+          </a:xfrm>
+          <a:prstGeom prst="rect">
+            <a:avLst/>
+          </a:prstGeom>
+          <a:noFill/>
+          <a:ln w="28575">
+            <a:solidFill>
+              <a:srgbClr val="FF0000"/>
+            </a:solidFill>
+          </a:ln>
+        </p:spPr>
+        <p:txBody>
+          <a:bodyPr wrap="square" rtlCol="0">
+            <a:spAutoFit/>
+          </a:bodyPr>
+          <a:lstStyle/>
+          <a:p>
+            <a:r>
+              <a:rPr lang="en-US" dirty="0" smtClean="0"/>
+              <a:t>3.</a:t>
+            </a:r>
+            <a:r>
+              <a:rPr lang="en-US" dirty="0" smtClean="0"/>
+              <a:t> </a:t>
+            </a:r>
+            <a:r>
+              <a:rPr lang="en-US" dirty="0" smtClean="0"/>
+              <a:t>What is </a:t>
+            </a:r>
+            <a:r>
+              <a:rPr lang="en-US" b="1" dirty="0" smtClean="0">
+                <a:solidFill>
+                  <a:srgbClr val="FF0000"/>
+                </a:solidFill>
+              </a:rPr>
+              <a:t>multiple</a:t>
+            </a:r>
+            <a:r>
+              <a:rPr lang="en-US" b="1" dirty="0" smtClean="0">
+                <a:solidFill>
+                  <a:srgbClr val="FF0000"/>
+                </a:solidFill>
+              </a:rPr>
+              <a:t> </a:t>
+            </a:r>
+            <a:r>
+              <a:rPr lang="en-US" b="1" dirty="0" smtClean="0">
+                <a:solidFill>
+                  <a:srgbClr val="FF0000"/>
+                </a:solidFill>
+              </a:rPr>
+              <a:t>hit</a:t>
+            </a:r>
+            <a:r>
+              <a:rPr lang="en-US" dirty="0" smtClean="0"/>
+              <a:t>?</a:t>
+            </a:r>
+          </a:p>
+          <a:p>
+            <a:r>
+              <a:rPr lang="en-US" dirty="0"/>
+              <a:t> </a:t>
+            </a:r>
+            <a:r>
+              <a:rPr lang="en-US" dirty="0" smtClean="0"/>
+              <a:t>    ● Multiple hit means there are </a:t>
+            </a:r>
+            <a:r>
+              <a:rPr lang="en-US" b="1" dirty="0" smtClean="0">
+                <a:solidFill>
+                  <a:srgbClr val="00B050"/>
+                </a:solidFill>
+              </a:rPr>
+              <a:t>multiple particles hits the SSD with one readout period </a:t>
+            </a:r>
+            <a:r>
+              <a:rPr lang="en-US" dirty="0" smtClean="0"/>
+              <a:t>(no need hit</a:t>
+            </a:r>
+          </a:p>
+          <a:p>
+            <a:r>
+              <a:rPr lang="en-US" dirty="0"/>
+              <a:t> </a:t>
+            </a:r>
+            <a:r>
+              <a:rPr lang="en-US" dirty="0" smtClean="0"/>
+              <a:t>        simultaneously). Silicon strip can not assign the hit positions clearly. </a:t>
+            </a:r>
+            <a:endParaRPr lang="en-US" dirty="0"/>
+          </a:p>
+        </p:txBody>
+      </p:sp>
+    </p:spTree>
+    <p:extLst>
+      <p:ext uri="{BB962C8B-B14F-4D97-AF65-F5344CB8AC3E}">
+        <p14:creationId xmlns:p14="http://schemas.microsoft.com/office/powerpoint/2010/main" val="2168773788"/>
+      </p:ext>
+    </p:extLst>
+  </p:cSld>
+  <p:clrMapOvr>
+    <a:masterClrMapping/>
+  </p:clrMapOvr>
+</p:sld>
+</file>
+
+<file path=ppt/slides/slide7.xml><?xml version="1.0" encoding="utf-8"?>
+<p:sld xmlns:a="http://schemas.openxmlformats.org/drawingml/2006/main" xmlns:r="http://schemas.openxmlformats.org/officeDocument/2006/relationships" xmlns:p="http://schemas.openxmlformats.org/presentationml/2006/main">
+  <p:cSld>
+    <p:spTree>
+      <p:nvGrpSpPr>
+        <p:cNvPr id="1" name=""/>
+        <p:cNvGrpSpPr/>
+        <p:nvPr/>
+      </p:nvGrpSpPr>
+      <p:grpSpPr>
+        <a:xfrm>
+          <a:off x="0" y="0"/>
+          <a:ext cx="0" cy="0"/>
+          <a:chOff x="0" y="0"/>
+          <a:chExt cx="0" cy="0"/>
+        </a:xfrm>
+      </p:grpSpPr>
+    </p:spTree>
+    <p:extLst>
+      <p:ext uri="{BB962C8B-B14F-4D97-AF65-F5344CB8AC3E}">
+        <p14:creationId xmlns:p14="http://schemas.microsoft.com/office/powerpoint/2010/main" val="2805884038"/>
+      </p:ext>
+    </p:extLst>
+  </p:cSld>
+  <p:clrMapOvr>
+    <a:masterClrMapping/>
+  </p:clrMapOvr>
+</p:sld>
+</file>
+
+<file path=ppt/slides/slide8.xml><?xml version="1.0" encoding="utf-8"?>
 <p:sld xmlns:a="http://schemas.openxmlformats.org/drawingml/2006/main" xmlns:r="http://schemas.openxmlformats.org/officeDocument/2006/relationships" xmlns:p="http://schemas.openxmlformats.org/presentationml/2006/main">
   <p:cSld>
     <p:spTree>
@@ -7484,7 +9417,7 @@
 </p:sld>
 </file>
 
-<file path=ppt/slides/slide7.xml><?xml version="1.0" encoding="utf-8"?>
+<file path=ppt/slides/slide9.xml><?xml version="1.0" encoding="utf-8"?>
 <p:sld xmlns:a="http://schemas.openxmlformats.org/drawingml/2006/main" xmlns:r="http://schemas.openxmlformats.org/officeDocument/2006/relationships" xmlns:p="http://schemas.openxmlformats.org/presentationml/2006/main">
   <p:cSld>
     <p:spTree>
@@ -8104,1262 +10037,6 @@
     <p:extLst>
       <p:ext uri="{BB962C8B-B14F-4D97-AF65-F5344CB8AC3E}">
         <p14:creationId xmlns:p14="http://schemas.microsoft.com/office/powerpoint/2010/main" val="694994779"/>
-      </p:ext>
-    </p:extLst>
-  </p:cSld>
-  <p:clrMapOvr>
-    <a:masterClrMapping/>
-  </p:clrMapOvr>
-</p:sld>
-</file>
-
-<file path=ppt/slides/slide8.xml><?xml version="1.0" encoding="utf-8"?>
-<p:sld xmlns:a="http://schemas.openxmlformats.org/drawingml/2006/main" xmlns:r="http://schemas.openxmlformats.org/officeDocument/2006/relationships" xmlns:p="http://schemas.openxmlformats.org/presentationml/2006/main">
-  <p:cSld>
-    <p:spTree>
-      <p:nvGrpSpPr>
-        <p:cNvPr id="1" name=""/>
-        <p:cNvGrpSpPr/>
-        <p:nvPr/>
-      </p:nvGrpSpPr>
-      <p:grpSpPr>
-        <a:xfrm>
-          <a:off x="0" y="0"/>
-          <a:ext cx="0" cy="0"/>
-          <a:chOff x="0" y="0"/>
-          <a:chExt cx="0" cy="0"/>
-        </a:xfrm>
-      </p:grpSpPr>
-      <p:sp>
-        <p:nvSpPr>
-          <p:cNvPr id="4" name="TextBox 3"/>
-          <p:cNvSpPr txBox="1"/>
-          <p:nvPr/>
-        </p:nvSpPr>
-        <p:spPr>
-          <a:xfrm>
-            <a:off x="0" y="0"/>
-            <a:ext cx="7010400" cy="584775"/>
-          </a:xfrm>
-          <a:prstGeom prst="rect">
-            <a:avLst/>
-          </a:prstGeom>
-          <a:noFill/>
-        </p:spPr>
-        <p:txBody>
-          <a:bodyPr wrap="square" rtlCol="0">
-            <a:spAutoFit/>
-          </a:bodyPr>
-          <a:lstStyle/>
-          <a:p>
-            <a:r>
-              <a:rPr lang="en-US" sz="1600" dirty="0" smtClean="0">
-                <a:solidFill>
-                  <a:srgbClr val="FF0000"/>
-                </a:solidFill>
-              </a:rPr>
-              <a:t>Date: 2018-10-28</a:t>
-            </a:r>
-          </a:p>
-          <a:p>
-            <a:r>
-              <a:rPr lang="en-US" sz="1600" dirty="0" smtClean="0">
-                <a:solidFill>
-                  <a:srgbClr val="FF0000"/>
-                </a:solidFill>
-              </a:rPr>
-              <a:t>Source:  </a:t>
-            </a:r>
-            <a:r>
-              <a:rPr lang="en-US" sz="1600" dirty="0">
-                <a:hlinkClick r:id="rId2" tooltip="Persistent link using digital object identifier"/>
-              </a:rPr>
-              <a:t>https://doi.org/10.1016/j.nima.2017.12.082</a:t>
-            </a:r>
-            <a:endParaRPr lang="en-US" sz="1600" dirty="0">
-              <a:solidFill>
-                <a:srgbClr val="FF0000"/>
-              </a:solidFill>
-            </a:endParaRPr>
-          </a:p>
-        </p:txBody>
-      </p:sp>
-      <p:pic>
-        <p:nvPicPr>
-          <p:cNvPr id="2" name="Picture 1"/>
-          <p:cNvPicPr>
-            <a:picLocks noChangeAspect="1"/>
-          </p:cNvPicPr>
-          <p:nvPr/>
-        </p:nvPicPr>
-        <p:blipFill>
-          <a:blip r:embed="rId3">
-            <a:extLst>
-              <a:ext uri="{28A0092B-C50C-407E-A947-70E740481C1C}">
-                <a14:useLocalDpi xmlns:a14="http://schemas.microsoft.com/office/drawing/2010/main" val="0"/>
-              </a:ext>
-            </a:extLst>
-          </a:blip>
-          <a:stretch>
-            <a:fillRect/>
-          </a:stretch>
-        </p:blipFill>
-        <p:spPr>
-          <a:xfrm>
-            <a:off x="6636190" y="807402"/>
-            <a:ext cx="4682082" cy="4458022"/>
-          </a:xfrm>
-          <a:prstGeom prst="rect">
-            <a:avLst/>
-          </a:prstGeom>
-        </p:spPr>
-      </p:pic>
-      <mc:AlternateContent xmlns:mc="http://schemas.openxmlformats.org/markup-compatibility/2006" xmlns:a14="http://schemas.microsoft.com/office/drawing/2010/main">
-        <mc:Choice Requires="a14">
-          <p:sp>
-            <p:nvSpPr>
-              <p:cNvPr id="5" name="TextBox 4"/>
-              <p:cNvSpPr txBox="1"/>
-              <p:nvPr/>
-            </p:nvSpPr>
-            <p:spPr>
-              <a:xfrm>
-                <a:off x="181069" y="925096"/>
-                <a:ext cx="6980222" cy="923330"/>
-              </a:xfrm>
-              <a:prstGeom prst="rect">
-                <a:avLst/>
-              </a:prstGeom>
-              <a:noFill/>
-            </p:spPr>
-            <p:txBody>
-              <a:bodyPr wrap="square" rtlCol="0">
-                <a:spAutoFit/>
-              </a:bodyPr>
-              <a:lstStyle/>
-              <a:p>
-                <a:r>
-                  <a:rPr lang="en-US" dirty="0" smtClean="0"/>
-                  <a:t>(4) The strips on the opposite sides of E detector are perpendicular to each other, so detecting a particle in both a front strip and a back strip results in a single </a:t>
-                </a:r>
-                <a:r>
-                  <a:rPr lang="en-US" b="1" dirty="0" smtClean="0">
-                    <a:solidFill>
-                      <a:srgbClr val="00B050"/>
-                    </a:solidFill>
-                  </a:rPr>
-                  <a:t>1.95mm </a:t>
-                </a:r>
-                <a14:m>
-                  <m:oMath xmlns:m="http://schemas.openxmlformats.org/officeDocument/2006/math">
-                    <m:r>
-                      <a:rPr lang="en-US" b="1" i="1" smtClean="0">
-                        <a:solidFill>
-                          <a:srgbClr val="00B050"/>
-                        </a:solidFill>
-                        <a:latin typeface="Cambria Math" panose="02040503050406030204" pitchFamily="18" charset="0"/>
-                        <a:ea typeface="Cambria Math" panose="02040503050406030204" pitchFamily="18" charset="0"/>
-                      </a:rPr>
-                      <m:t>×</m:t>
-                    </m:r>
-                    <m:r>
-                      <a:rPr lang="en-US" b="1" i="1" smtClean="0">
-                        <a:solidFill>
-                          <a:srgbClr val="00B050"/>
-                        </a:solidFill>
-                        <a:latin typeface="Cambria Math" panose="02040503050406030204" pitchFamily="18" charset="0"/>
-                        <a:ea typeface="Cambria Math" panose="02040503050406030204" pitchFamily="18" charset="0"/>
-                      </a:rPr>
-                      <m:t>𝟏</m:t>
-                    </m:r>
-                    <m:r>
-                      <a:rPr lang="en-US" b="1" i="1" smtClean="0">
-                        <a:solidFill>
-                          <a:srgbClr val="00B050"/>
-                        </a:solidFill>
-                        <a:latin typeface="Cambria Math" panose="02040503050406030204" pitchFamily="18" charset="0"/>
-                        <a:ea typeface="Cambria Math" panose="02040503050406030204" pitchFamily="18" charset="0"/>
-                      </a:rPr>
-                      <m:t>.</m:t>
-                    </m:r>
-                    <m:r>
-                      <a:rPr lang="en-US" b="1" i="1" smtClean="0">
-                        <a:solidFill>
-                          <a:srgbClr val="00B050"/>
-                        </a:solidFill>
-                        <a:latin typeface="Cambria Math" panose="02040503050406030204" pitchFamily="18" charset="0"/>
-                        <a:ea typeface="Cambria Math" panose="02040503050406030204" pitchFamily="18" charset="0"/>
-                      </a:rPr>
-                      <m:t>𝟗𝟓</m:t>
-                    </m:r>
-                    <m:r>
-                      <a:rPr lang="en-US" b="1" i="1" smtClean="0">
-                        <a:solidFill>
-                          <a:srgbClr val="00B050"/>
-                        </a:solidFill>
-                        <a:latin typeface="Cambria Math" panose="02040503050406030204" pitchFamily="18" charset="0"/>
-                        <a:ea typeface="Cambria Math" panose="02040503050406030204" pitchFamily="18" charset="0"/>
-                      </a:rPr>
-                      <m:t>𝒎𝒎</m:t>
-                    </m:r>
-                    <m:r>
-                      <a:rPr lang="en-US" b="1" i="1" smtClean="0">
-                        <a:solidFill>
-                          <a:srgbClr val="00B050"/>
-                        </a:solidFill>
-                        <a:latin typeface="Cambria Math" panose="02040503050406030204" pitchFamily="18" charset="0"/>
-                        <a:ea typeface="Cambria Math" panose="02040503050406030204" pitchFamily="18" charset="0"/>
-                      </a:rPr>
-                      <m:t> </m:t>
-                    </m:r>
-                  </m:oMath>
-                </a14:m>
-                <a:r>
-                  <a:rPr lang="en-US" b="1" dirty="0" smtClean="0">
-                    <a:solidFill>
-                      <a:srgbClr val="00B050"/>
-                    </a:solidFill>
-                  </a:rPr>
-                  <a:t> “pixel”</a:t>
-                </a:r>
-                <a:endParaRPr lang="en-US" b="1" dirty="0">
-                  <a:solidFill>
-                    <a:srgbClr val="00B050"/>
-                  </a:solidFill>
-                </a:endParaRPr>
-              </a:p>
-            </p:txBody>
-          </p:sp>
-        </mc:Choice>
-        <mc:Fallback xmlns="">
-          <p:sp>
-            <p:nvSpPr>
-              <p:cNvPr id="5" name="TextBox 4"/>
-              <p:cNvSpPr txBox="1">
-                <a:spLocks noRot="1" noChangeAspect="1" noMove="1" noResize="1" noEditPoints="1" noAdjustHandles="1" noChangeArrowheads="1" noChangeShapeType="1" noTextEdit="1"/>
-              </p:cNvSpPr>
-              <p:nvPr/>
-            </p:nvSpPr>
-            <p:spPr>
-              <a:xfrm>
-                <a:off x="181069" y="925096"/>
-                <a:ext cx="6980222" cy="923330"/>
-              </a:xfrm>
-              <a:prstGeom prst="rect">
-                <a:avLst/>
-              </a:prstGeom>
-              <a:blipFill rotWithShape="0">
-                <a:blip r:embed="rId4"/>
-                <a:stretch>
-                  <a:fillRect l="-786" t="-3974" b="-9934"/>
-                </a:stretch>
-              </a:blipFill>
-            </p:spPr>
-            <p:txBody>
-              <a:bodyPr/>
-              <a:lstStyle/>
-              <a:p>
-                <a:r>
-                  <a:rPr lang="en-US">
-                    <a:noFill/>
-                  </a:rPr>
-                  <a:t> </a:t>
-                </a:r>
-              </a:p>
-            </p:txBody>
-          </p:sp>
-        </mc:Fallback>
-      </mc:AlternateContent>
-      <mc:AlternateContent xmlns:mc="http://schemas.openxmlformats.org/markup-compatibility/2006" xmlns:a14="http://schemas.microsoft.com/office/drawing/2010/main">
-        <mc:Choice Requires="a14">
-          <p:sp>
-            <p:nvSpPr>
-              <p:cNvPr id="7" name="TextBox 6"/>
-              <p:cNvSpPr txBox="1"/>
-              <p:nvPr/>
-            </p:nvSpPr>
-            <p:spPr>
-              <a:xfrm>
-                <a:off x="181069" y="2043893"/>
-                <a:ext cx="6980222" cy="1829668"/>
-              </a:xfrm>
-              <a:prstGeom prst="rect">
-                <a:avLst/>
-              </a:prstGeom>
-              <a:noFill/>
-            </p:spPr>
-            <p:txBody>
-              <a:bodyPr wrap="square" rtlCol="0">
-                <a:spAutoFit/>
-              </a:bodyPr>
-              <a:lstStyle/>
-              <a:p>
-                <a:r>
-                  <a:rPr lang="en-US" dirty="0" smtClean="0"/>
-                  <a:t>(5) What can </a:t>
-                </a:r>
-                <a:r>
-                  <a:rPr lang="en-US" dirty="0" err="1" smtClean="0"/>
-                  <a:t>HiRA</a:t>
-                </a:r>
-                <a:r>
-                  <a:rPr lang="en-US" dirty="0" smtClean="0"/>
-                  <a:t> do?</a:t>
-                </a:r>
-                <a:r>
-                  <a:rPr lang="en-US" b="1" dirty="0" smtClean="0">
-                    <a:solidFill>
-                      <a:srgbClr val="00B050"/>
-                    </a:solidFill>
-                  </a:rPr>
-                  <a:t>  </a:t>
-                </a:r>
-              </a:p>
-              <a:p>
-                <a:r>
-                  <a:rPr lang="en-US" b="1" dirty="0" smtClean="0">
-                    <a:solidFill>
-                      <a:srgbClr val="00B050"/>
-                    </a:solidFill>
-                  </a:rPr>
-                  <a:t>      </a:t>
-                </a:r>
-                <a:r>
-                  <a:rPr lang="en-US" dirty="0" smtClean="0"/>
-                  <a:t>● Excellent energy resolution     =&gt; </a:t>
-                </a:r>
-                <a:r>
-                  <a:rPr lang="en-US" b="1" dirty="0"/>
-                  <a:t>to detect </a:t>
-                </a:r>
-                <a:r>
-                  <a:rPr lang="en-US" b="1" dirty="0" smtClean="0">
-                    <a:solidFill>
-                      <a:srgbClr val="FF0000"/>
-                    </a:solidFill>
-                  </a:rPr>
-                  <a:t>energy</a:t>
-                </a:r>
-                <a:endParaRPr lang="en-US" b="1" dirty="0" smtClean="0">
-                  <a:solidFill>
-                    <a:srgbClr val="00B050"/>
-                  </a:solidFill>
-                </a:endParaRPr>
-              </a:p>
-              <a:p>
-                <a:r>
-                  <a:rPr lang="en-US" dirty="0" smtClean="0"/>
-                  <a:t>      ● Excellent position resolution   =&gt; </a:t>
-                </a:r>
-                <a:r>
-                  <a:rPr lang="en-US" b="1" dirty="0" smtClean="0"/>
-                  <a:t>to detect </a:t>
-                </a:r>
-                <a:r>
-                  <a:rPr lang="en-US" b="1" dirty="0" smtClean="0">
-                    <a:solidFill>
-                      <a:srgbClr val="FF0000"/>
-                    </a:solidFill>
-                  </a:rPr>
-                  <a:t>moving direction</a:t>
-                </a:r>
-              </a:p>
-              <a:p>
-                <a:r>
-                  <a:rPr lang="en-US" b="1" dirty="0">
-                    <a:solidFill>
-                      <a:srgbClr val="FF0000"/>
-                    </a:solidFill>
-                  </a:rPr>
-                  <a:t> </a:t>
-                </a:r>
-                <a:r>
-                  <a:rPr lang="en-US" b="1" dirty="0" smtClean="0">
-                    <a:solidFill>
-                      <a:srgbClr val="FF0000"/>
-                    </a:solidFill>
-                  </a:rPr>
-                  <a:t>     </a:t>
-                </a:r>
-                <a:r>
-                  <a:rPr lang="en-US" dirty="0" smtClean="0"/>
-                  <a:t>● particle identification               =&gt; </a:t>
-                </a:r>
-                <a:r>
-                  <a:rPr lang="en-US" b="1" dirty="0" smtClean="0"/>
-                  <a:t>to detect </a:t>
-                </a:r>
-                <a:r>
-                  <a:rPr lang="en-US" b="1" dirty="0" smtClean="0">
-                    <a:solidFill>
-                      <a:srgbClr val="FF0000"/>
-                    </a:solidFill>
-                  </a:rPr>
-                  <a:t>mass &amp;&amp; charge</a:t>
-                </a:r>
-              </a:p>
-              <a:p>
-                <a:endParaRPr lang="en-US" b="1" dirty="0">
-                  <a:solidFill>
-                    <a:srgbClr val="FF0000"/>
-                  </a:solidFill>
-                </a:endParaRPr>
-              </a:p>
-              <a:p>
-                <a:r>
-                  <a:rPr lang="en-US" b="1" dirty="0" smtClean="0">
-                    <a:solidFill>
-                      <a:srgbClr val="FF0000"/>
-                    </a:solidFill>
-                  </a:rPr>
-                  <a:t>                    we can get E(energy) and </a:t>
-                </a:r>
-                <a14:m>
-                  <m:oMath xmlns:m="http://schemas.openxmlformats.org/officeDocument/2006/math">
-                    <m:groupChr>
-                      <m:groupChrPr>
-                        <m:chr m:val="→"/>
-                        <m:pos m:val="top"/>
-                        <m:ctrlPr>
-                          <a:rPr lang="en-US" b="1" i="1" smtClean="0">
-                            <a:solidFill>
-                              <a:srgbClr val="FF0000"/>
-                            </a:solidFill>
-                            <a:latin typeface="Cambria Math" panose="02040503050406030204" pitchFamily="18" charset="0"/>
-                          </a:rPr>
-                        </m:ctrlPr>
-                      </m:groupChrPr>
-                      <m:e>
-                        <m:r>
-                          <m:rPr>
-                            <m:brk m:alnAt="1"/>
-                          </m:rPr>
-                          <a:rPr lang="en-US" b="1" i="1" smtClean="0">
-                            <a:solidFill>
-                              <a:srgbClr val="FF0000"/>
-                            </a:solidFill>
-                            <a:latin typeface="Cambria Math" panose="02040503050406030204" pitchFamily="18" charset="0"/>
-                          </a:rPr>
-                          <m:t>𝑷</m:t>
-                        </m:r>
-                      </m:e>
-                    </m:groupChr>
-                  </m:oMath>
-                </a14:m>
-                <a:r>
-                  <a:rPr lang="en-US" b="1" dirty="0" smtClean="0">
-                    <a:solidFill>
-                      <a:srgbClr val="FF0000"/>
-                    </a:solidFill>
-                  </a:rPr>
-                  <a:t> </a:t>
-                </a:r>
-              </a:p>
-            </p:txBody>
-          </p:sp>
-        </mc:Choice>
-        <mc:Fallback xmlns="">
-          <p:sp>
-            <p:nvSpPr>
-              <p:cNvPr id="7" name="TextBox 6"/>
-              <p:cNvSpPr txBox="1">
-                <a:spLocks noRot="1" noChangeAspect="1" noMove="1" noResize="1" noEditPoints="1" noAdjustHandles="1" noChangeArrowheads="1" noChangeShapeType="1" noTextEdit="1"/>
-              </p:cNvSpPr>
-              <p:nvPr/>
-            </p:nvSpPr>
-            <p:spPr>
-              <a:xfrm>
-                <a:off x="181069" y="2043893"/>
-                <a:ext cx="6980222" cy="1829668"/>
-              </a:xfrm>
-              <a:prstGeom prst="rect">
-                <a:avLst/>
-              </a:prstGeom>
-              <a:blipFill rotWithShape="0">
-                <a:blip r:embed="rId5"/>
-                <a:stretch>
-                  <a:fillRect l="-786" t="-1667" b="-4667"/>
-                </a:stretch>
-              </a:blipFill>
-            </p:spPr>
-            <p:txBody>
-              <a:bodyPr/>
-              <a:lstStyle/>
-              <a:p>
-                <a:r>
-                  <a:rPr lang="en-US">
-                    <a:noFill/>
-                  </a:rPr>
-                  <a:t> </a:t>
-                </a:r>
-              </a:p>
-            </p:txBody>
-          </p:sp>
-        </mc:Fallback>
-      </mc:AlternateContent>
-      <p:sp>
-        <p:nvSpPr>
-          <p:cNvPr id="8" name="Right Arrow 7"/>
-          <p:cNvSpPr/>
-          <p:nvPr/>
-        </p:nvSpPr>
-        <p:spPr>
-          <a:xfrm>
-            <a:off x="579422" y="3463259"/>
-            <a:ext cx="506994" cy="334960"/>
-          </a:xfrm>
-          <a:prstGeom prst="rightArrow">
-            <a:avLst/>
-          </a:prstGeom>
-        </p:spPr>
-        <p:style>
-          <a:lnRef idx="2">
-            <a:schemeClr val="accent1">
-              <a:shade val="50000"/>
-            </a:schemeClr>
-          </a:lnRef>
-          <a:fillRef idx="1">
-            <a:schemeClr val="accent1"/>
-          </a:fillRef>
-          <a:effectRef idx="0">
-            <a:schemeClr val="accent1"/>
-          </a:effectRef>
-          <a:fontRef idx="minor">
-            <a:schemeClr val="lt1"/>
-          </a:fontRef>
-        </p:style>
-        <p:txBody>
-          <a:bodyPr rtlCol="0" anchor="ctr"/>
-          <a:lstStyle/>
-          <a:p>
-            <a:pPr algn="ctr"/>
-            <a:endParaRPr lang="en-US"/>
-          </a:p>
-        </p:txBody>
-      </p:sp>
-    </p:spTree>
-    <p:extLst>
-      <p:ext uri="{BB962C8B-B14F-4D97-AF65-F5344CB8AC3E}">
-        <p14:creationId xmlns:p14="http://schemas.microsoft.com/office/powerpoint/2010/main" val="2869660725"/>
-      </p:ext>
-    </p:extLst>
-  </p:cSld>
-  <p:clrMapOvr>
-    <a:masterClrMapping/>
-  </p:clrMapOvr>
-</p:sld>
-</file>
-
-<file path=ppt/slides/slide9.xml><?xml version="1.0" encoding="utf-8"?>
-<p:sld xmlns:a="http://schemas.openxmlformats.org/drawingml/2006/main" xmlns:r="http://schemas.openxmlformats.org/officeDocument/2006/relationships" xmlns:p="http://schemas.openxmlformats.org/presentationml/2006/main">
-  <p:cSld>
-    <p:spTree>
-      <p:nvGrpSpPr>
-        <p:cNvPr id="1" name=""/>
-        <p:cNvGrpSpPr/>
-        <p:nvPr/>
-      </p:nvGrpSpPr>
-      <p:grpSpPr>
-        <a:xfrm>
-          <a:off x="0" y="0"/>
-          <a:ext cx="0" cy="0"/>
-          <a:chOff x="0" y="0"/>
-          <a:chExt cx="0" cy="0"/>
-        </a:xfrm>
-      </p:grpSpPr>
-      <p:sp>
-        <p:nvSpPr>
-          <p:cNvPr id="4" name="TextBox 3"/>
-          <p:cNvSpPr txBox="1"/>
-          <p:nvPr/>
-        </p:nvSpPr>
-        <p:spPr>
-          <a:xfrm>
-            <a:off x="0" y="0"/>
-            <a:ext cx="7010400" cy="584775"/>
-          </a:xfrm>
-          <a:prstGeom prst="rect">
-            <a:avLst/>
-          </a:prstGeom>
-          <a:noFill/>
-        </p:spPr>
-        <p:txBody>
-          <a:bodyPr wrap="square" rtlCol="0">
-            <a:spAutoFit/>
-          </a:bodyPr>
-          <a:lstStyle/>
-          <a:p>
-            <a:r>
-              <a:rPr lang="en-US" sz="1600" dirty="0" smtClean="0">
-                <a:solidFill>
-                  <a:srgbClr val="FF0000"/>
-                </a:solidFill>
-              </a:rPr>
-              <a:t>Date: 2018-10-28</a:t>
-            </a:r>
-          </a:p>
-          <a:p>
-            <a:r>
-              <a:rPr lang="en-US" sz="1600" dirty="0" smtClean="0">
-                <a:solidFill>
-                  <a:srgbClr val="FF0000"/>
-                </a:solidFill>
-              </a:rPr>
-              <a:t>Source:  </a:t>
-            </a:r>
-            <a:r>
-              <a:rPr lang="en-US" sz="1600" dirty="0">
-                <a:hlinkClick r:id="rId2" tooltip="Persistent link using digital object identifier"/>
-              </a:rPr>
-              <a:t>https://doi.org/10.1016/j.nima.2017.12.082</a:t>
-            </a:r>
-            <a:endParaRPr lang="en-US" sz="1600" dirty="0">
-              <a:solidFill>
-                <a:srgbClr val="FF0000"/>
-              </a:solidFill>
-            </a:endParaRPr>
-          </a:p>
-        </p:txBody>
-      </p:sp>
-      <p:sp>
-        <p:nvSpPr>
-          <p:cNvPr id="5" name="TextBox 4"/>
-          <p:cNvSpPr txBox="1"/>
-          <p:nvPr/>
-        </p:nvSpPr>
-        <p:spPr>
-          <a:xfrm>
-            <a:off x="153909" y="932507"/>
-            <a:ext cx="4074059" cy="369332"/>
-          </a:xfrm>
-          <a:prstGeom prst="rect">
-            <a:avLst/>
-          </a:prstGeom>
-          <a:noFill/>
-        </p:spPr>
-        <p:txBody>
-          <a:bodyPr wrap="square" rtlCol="0">
-            <a:spAutoFit/>
-          </a:bodyPr>
-          <a:lstStyle/>
-          <a:p>
-            <a:r>
-              <a:rPr lang="en-US" dirty="0">
-                <a:latin typeface="Times New Roman" panose="02020603050405020304" pitchFamily="18" charset="0"/>
-                <a:cs typeface="Times New Roman" panose="02020603050405020304" pitchFamily="18" charset="0"/>
-              </a:rPr>
-              <a:t>2</a:t>
-            </a:r>
-            <a:r>
-              <a:rPr lang="en-US" dirty="0" smtClean="0">
-                <a:latin typeface="Times New Roman" panose="02020603050405020304" pitchFamily="18" charset="0"/>
-                <a:cs typeface="Times New Roman" panose="02020603050405020304" pitchFamily="18" charset="0"/>
-              </a:rPr>
-              <a:t>. Dead layer thickness determination</a:t>
-            </a:r>
-            <a:endParaRPr lang="en-US" dirty="0">
-              <a:latin typeface="Times New Roman" panose="02020603050405020304" pitchFamily="18" charset="0"/>
-              <a:cs typeface="Times New Roman" panose="02020603050405020304" pitchFamily="18" charset="0"/>
-            </a:endParaRPr>
-          </a:p>
-        </p:txBody>
-      </p:sp>
-      <p:sp>
-        <p:nvSpPr>
-          <p:cNvPr id="6" name="TextBox 5"/>
-          <p:cNvSpPr txBox="1"/>
-          <p:nvPr/>
-        </p:nvSpPr>
-        <p:spPr>
-          <a:xfrm>
-            <a:off x="244443" y="1464905"/>
-            <a:ext cx="9098733" cy="1200329"/>
-          </a:xfrm>
-          <a:prstGeom prst="rect">
-            <a:avLst/>
-          </a:prstGeom>
-          <a:noFill/>
-        </p:spPr>
-        <p:txBody>
-          <a:bodyPr wrap="square" rtlCol="0">
-            <a:spAutoFit/>
-          </a:bodyPr>
-          <a:lstStyle/>
-          <a:p>
-            <a:r>
-              <a:rPr lang="en-US" dirty="0" smtClean="0"/>
-              <a:t>(1)</a:t>
-            </a:r>
-            <a:r>
-              <a:rPr lang="en-US" dirty="0" smtClean="0">
-                <a:solidFill>
-                  <a:srgbClr val="FF0000"/>
-                </a:solidFill>
-              </a:rPr>
-              <a:t> Using Th228 alpha source to calibrate the </a:t>
-            </a:r>
-            <a:r>
-              <a:rPr lang="en-US" dirty="0" err="1" smtClean="0">
-                <a:solidFill>
-                  <a:srgbClr val="FF0000"/>
-                </a:solidFill>
-              </a:rPr>
-              <a:t>HiRA</a:t>
-            </a:r>
-            <a:r>
-              <a:rPr lang="en-US" dirty="0" smtClean="0">
-                <a:solidFill>
-                  <a:srgbClr val="FF0000"/>
-                </a:solidFill>
-              </a:rPr>
-              <a:t> E and ∆E detectors</a:t>
-            </a:r>
-            <a:r>
-              <a:rPr lang="en-US" dirty="0" smtClean="0"/>
-              <a:t>. </a:t>
-            </a:r>
-            <a:r>
-              <a:rPr lang="en-US" b="1" dirty="0" smtClean="0">
-                <a:solidFill>
-                  <a:srgbClr val="00B050"/>
-                </a:solidFill>
-              </a:rPr>
-              <a:t>3 advantages:</a:t>
-            </a:r>
-          </a:p>
-          <a:p>
-            <a:r>
-              <a:rPr lang="en-US" dirty="0"/>
-              <a:t> </a:t>
-            </a:r>
-            <a:r>
-              <a:rPr lang="en-US" dirty="0" smtClean="0"/>
-              <a:t>     ●  </a:t>
-            </a:r>
-            <a:r>
-              <a:rPr lang="en-US" b="1" i="1" dirty="0" smtClean="0">
-                <a:solidFill>
-                  <a:srgbClr val="00B050"/>
-                </a:solidFill>
-              </a:rPr>
-              <a:t>Six clearly separated peaks </a:t>
-            </a:r>
-            <a:r>
-              <a:rPr lang="en-US" dirty="0" smtClean="0"/>
-              <a:t>with energy from about 5 MeV to 9MeV</a:t>
-            </a:r>
-          </a:p>
-          <a:p>
-            <a:r>
-              <a:rPr lang="en-US" dirty="0" smtClean="0"/>
-              <a:t>      ● Th228 sources of various strengths are </a:t>
-            </a:r>
-            <a:r>
-              <a:rPr lang="en-US" b="1" i="1" dirty="0" smtClean="0">
-                <a:solidFill>
-                  <a:srgbClr val="00B050"/>
-                </a:solidFill>
-              </a:rPr>
-              <a:t>commercially available</a:t>
-            </a:r>
-          </a:p>
-          <a:p>
-            <a:r>
-              <a:rPr lang="en-US" dirty="0"/>
-              <a:t> </a:t>
-            </a:r>
-            <a:r>
-              <a:rPr lang="en-US" dirty="0" smtClean="0"/>
-              <a:t>     ● Th228 has a </a:t>
-            </a:r>
-            <a:r>
-              <a:rPr lang="en-US" b="1" i="1" dirty="0" smtClean="0">
-                <a:solidFill>
-                  <a:srgbClr val="00B050"/>
-                </a:solidFill>
-              </a:rPr>
-              <a:t>relatively long half-life</a:t>
-            </a:r>
-            <a:r>
-              <a:rPr lang="en-US" dirty="0" smtClean="0"/>
-              <a:t>(1.9 year)</a:t>
-            </a:r>
-            <a:endParaRPr lang="en-US" dirty="0"/>
-          </a:p>
-        </p:txBody>
-      </p:sp>
-      <p:pic>
-        <p:nvPicPr>
-          <p:cNvPr id="7" name="Picture 6"/>
-          <p:cNvPicPr>
-            <a:picLocks noChangeAspect="1"/>
-          </p:cNvPicPr>
-          <p:nvPr/>
-        </p:nvPicPr>
-        <p:blipFill>
-          <a:blip r:embed="rId3">
-            <a:extLst>
-              <a:ext uri="{28A0092B-C50C-407E-A947-70E740481C1C}">
-                <a14:useLocalDpi xmlns:a14="http://schemas.microsoft.com/office/drawing/2010/main" val="0"/>
-              </a:ext>
-            </a:extLst>
-          </a:blip>
-          <a:stretch>
-            <a:fillRect/>
-          </a:stretch>
-        </p:blipFill>
-        <p:spPr>
-          <a:xfrm>
-            <a:off x="8681964" y="277683"/>
-            <a:ext cx="3034661" cy="2889438"/>
-          </a:xfrm>
-          <a:prstGeom prst="rect">
-            <a:avLst/>
-          </a:prstGeom>
-        </p:spPr>
-      </p:pic>
-      <mc:AlternateContent xmlns:mc="http://schemas.openxmlformats.org/markup-compatibility/2006" xmlns:a14="http://schemas.microsoft.com/office/drawing/2010/main">
-        <mc:Choice Requires="a14">
-          <p:sp>
-            <p:nvSpPr>
-              <p:cNvPr id="8" name="TextBox 7"/>
-              <p:cNvSpPr txBox="1"/>
-              <p:nvPr/>
-            </p:nvSpPr>
-            <p:spPr>
-              <a:xfrm>
-                <a:off x="244442" y="2716993"/>
-                <a:ext cx="9098733" cy="946991"/>
-              </a:xfrm>
-              <a:prstGeom prst="rect">
-                <a:avLst/>
-              </a:prstGeom>
-              <a:noFill/>
-            </p:spPr>
-            <p:txBody>
-              <a:bodyPr wrap="square" rtlCol="0">
-                <a:spAutoFit/>
-              </a:bodyPr>
-              <a:lstStyle/>
-              <a:p>
-                <a:r>
-                  <a:rPr lang="en-US" dirty="0" smtClean="0"/>
-                  <a:t>(2)</a:t>
-                </a:r>
-                <a:r>
-                  <a:rPr lang="en-US" dirty="0" smtClean="0">
-                    <a:solidFill>
-                      <a:srgbClr val="FF0000"/>
-                    </a:solidFill>
-                  </a:rPr>
-                  <a:t> How to get the Th228 source?</a:t>
-                </a:r>
-              </a:p>
-              <a:p>
-                <a:r>
-                  <a:rPr lang="en-US" dirty="0"/>
-                  <a:t> </a:t>
-                </a:r>
-                <a:r>
-                  <a:rPr lang="en-US" dirty="0" smtClean="0"/>
-                  <a:t>     ● </a:t>
-                </a:r>
-                <a:r>
-                  <a:rPr lang="en-US" b="1" i="1" dirty="0" smtClean="0">
-                    <a:solidFill>
-                      <a:srgbClr val="00B050"/>
-                    </a:solidFill>
-                  </a:rPr>
-                  <a:t>Electroplated</a:t>
-                </a:r>
-                <a:r>
-                  <a:rPr lang="en-US" dirty="0" smtClean="0"/>
-                  <a:t> onto a platinum surface </a:t>
-                </a:r>
-              </a:p>
-              <a:p>
-                <a:r>
-                  <a:rPr lang="en-US" dirty="0"/>
-                  <a:t> </a:t>
-                </a:r>
-                <a:r>
-                  <a:rPr lang="en-US" dirty="0" smtClean="0"/>
-                  <a:t>     ● Then </a:t>
-                </a:r>
-                <a:r>
-                  <a:rPr lang="en-US" b="1" i="1" dirty="0" smtClean="0">
-                    <a:solidFill>
-                      <a:srgbClr val="00B050"/>
-                    </a:solidFill>
-                  </a:rPr>
-                  <a:t>fixed in an aluminum holder </a:t>
-                </a:r>
-                <a:r>
-                  <a:rPr lang="en-US" dirty="0" smtClean="0"/>
-                  <a:t>with a </a:t>
-                </a:r>
-                <a14:m>
-                  <m:oMath xmlns:m="http://schemas.openxmlformats.org/officeDocument/2006/math">
-                    <m:r>
-                      <a:rPr lang="en-US" b="0" i="1" smtClean="0">
-                        <a:latin typeface="Cambria Math" panose="02040503050406030204" pitchFamily="18" charset="0"/>
-                      </a:rPr>
-                      <m:t>100</m:t>
-                    </m:r>
-                    <m:r>
-                      <a:rPr lang="en-US" b="0" i="1" smtClean="0">
-                        <a:latin typeface="Cambria Math" panose="02040503050406030204" pitchFamily="18" charset="0"/>
-                        <a:ea typeface="Cambria Math" panose="02040503050406030204" pitchFamily="18" charset="0"/>
-                      </a:rPr>
-                      <m:t>𝜇</m:t>
-                    </m:r>
-                    <m:r>
-                      <a:rPr lang="en-US" b="0" i="1" smtClean="0">
-                        <a:latin typeface="Cambria Math" panose="02040503050406030204" pitchFamily="18" charset="0"/>
-                        <a:ea typeface="Cambria Math" panose="02040503050406030204" pitchFamily="18" charset="0"/>
-                      </a:rPr>
-                      <m:t>𝑔</m:t>
-                    </m:r>
-                    <m:r>
-                      <a:rPr lang="en-US" b="0" i="1" smtClean="0">
-                        <a:latin typeface="Cambria Math" panose="02040503050406030204" pitchFamily="18" charset="0"/>
-                        <a:ea typeface="Cambria Math" panose="02040503050406030204" pitchFamily="18" charset="0"/>
-                      </a:rPr>
-                      <m:t>/</m:t>
-                    </m:r>
-                    <m:sSup>
-                      <m:sSupPr>
-                        <m:ctrlPr>
-                          <a:rPr lang="en-US" b="0" i="1" smtClean="0">
-                            <a:latin typeface="Cambria Math" panose="02040503050406030204" pitchFamily="18" charset="0"/>
-                            <a:ea typeface="Cambria Math" panose="02040503050406030204" pitchFamily="18" charset="0"/>
-                          </a:rPr>
-                        </m:ctrlPr>
-                      </m:sSupPr>
-                      <m:e>
-                        <m:r>
-                          <a:rPr lang="en-US" b="0" i="1" smtClean="0">
-                            <a:latin typeface="Cambria Math" panose="02040503050406030204" pitchFamily="18" charset="0"/>
-                            <a:ea typeface="Cambria Math" panose="02040503050406030204" pitchFamily="18" charset="0"/>
-                          </a:rPr>
-                          <m:t>𝑐𝑚</m:t>
-                        </m:r>
-                        <m:r>
-                          <a:rPr lang="en-US" b="0" i="1" smtClean="0">
-                            <a:latin typeface="Cambria Math" panose="02040503050406030204" pitchFamily="18" charset="0"/>
-                            <a:ea typeface="Cambria Math" panose="02040503050406030204" pitchFamily="18" charset="0"/>
-                          </a:rPr>
-                          <m:t> </m:t>
-                        </m:r>
-                      </m:e>
-                      <m:sup>
-                        <m:r>
-                          <a:rPr lang="en-US" b="0" i="1" smtClean="0">
-                            <a:latin typeface="Cambria Math" panose="02040503050406030204" pitchFamily="18" charset="0"/>
-                            <a:ea typeface="Cambria Math" panose="02040503050406030204" pitchFamily="18" charset="0"/>
-                          </a:rPr>
-                          <m:t>2 </m:t>
-                        </m:r>
-                      </m:sup>
-                    </m:sSup>
-                  </m:oMath>
-                </a14:m>
-                <a:r>
-                  <a:rPr lang="en-US" dirty="0" smtClean="0"/>
-                  <a:t> </a:t>
-                </a:r>
-                <a:r>
-                  <a:rPr lang="en-US" b="1" i="1" dirty="0" smtClean="0">
-                    <a:solidFill>
-                      <a:srgbClr val="00B050"/>
-                    </a:solidFill>
-                  </a:rPr>
-                  <a:t>gold window</a:t>
-                </a:r>
-                <a:r>
-                  <a:rPr lang="en-US" dirty="0" smtClean="0"/>
-                  <a:t>.</a:t>
-                </a:r>
-                <a:endParaRPr lang="en-US" dirty="0"/>
-              </a:p>
-            </p:txBody>
-          </p:sp>
-        </mc:Choice>
-        <mc:Fallback xmlns="">
-          <p:sp>
-            <p:nvSpPr>
-              <p:cNvPr id="8" name="TextBox 7"/>
-              <p:cNvSpPr txBox="1">
-                <a:spLocks noRot="1" noChangeAspect="1" noMove="1" noResize="1" noEditPoints="1" noAdjustHandles="1" noChangeArrowheads="1" noChangeShapeType="1" noTextEdit="1"/>
-              </p:cNvSpPr>
-              <p:nvPr/>
-            </p:nvSpPr>
-            <p:spPr>
-              <a:xfrm>
-                <a:off x="244442" y="2716993"/>
-                <a:ext cx="9098733" cy="946991"/>
-              </a:xfrm>
-              <a:prstGeom prst="rect">
-                <a:avLst/>
-              </a:prstGeom>
-              <a:blipFill rotWithShape="0">
-                <a:blip r:embed="rId4"/>
-                <a:stretch>
-                  <a:fillRect l="-536" t="-3871" b="-7097"/>
-                </a:stretch>
-              </a:blipFill>
-            </p:spPr>
-            <p:txBody>
-              <a:bodyPr/>
-              <a:lstStyle/>
-              <a:p>
-                <a:r>
-                  <a:rPr lang="en-US">
-                    <a:noFill/>
-                  </a:rPr>
-                  <a:t> </a:t>
-                </a:r>
-              </a:p>
-            </p:txBody>
-          </p:sp>
-        </mc:Fallback>
-      </mc:AlternateContent>
-      <p:sp>
-        <p:nvSpPr>
-          <p:cNvPr id="9" name="TextBox 8"/>
-          <p:cNvSpPr txBox="1"/>
-          <p:nvPr/>
-        </p:nvSpPr>
-        <p:spPr>
-          <a:xfrm>
-            <a:off x="244441" y="3838114"/>
-            <a:ext cx="9098733" cy="646331"/>
-          </a:xfrm>
-          <a:prstGeom prst="rect">
-            <a:avLst/>
-          </a:prstGeom>
-          <a:noFill/>
-        </p:spPr>
-        <p:txBody>
-          <a:bodyPr wrap="square" rtlCol="0">
-            <a:spAutoFit/>
-          </a:bodyPr>
-          <a:lstStyle/>
-          <a:p>
-            <a:r>
-              <a:rPr lang="en-US" dirty="0" smtClean="0"/>
-              <a:t>(3) Ideally, if an alpha source can be inserted between the </a:t>
-            </a:r>
-            <a:r>
-              <a:rPr lang="en-US" dirty="0"/>
-              <a:t>∆</a:t>
-            </a:r>
-            <a:r>
-              <a:rPr lang="en-US" dirty="0" smtClean="0"/>
-              <a:t>E and E detectors,</a:t>
-            </a:r>
-          </a:p>
-          <a:p>
-            <a:r>
-              <a:rPr lang="en-US" dirty="0"/>
-              <a:t> </a:t>
-            </a:r>
-            <a:r>
-              <a:rPr lang="en-US" dirty="0" smtClean="0"/>
-              <a:t>     the E detector can be calibrated without disassembling the </a:t>
-            </a:r>
-            <a:r>
-              <a:rPr lang="en-US" dirty="0" err="1" smtClean="0"/>
-              <a:t>HiRA</a:t>
-            </a:r>
-            <a:r>
-              <a:rPr lang="en-US" dirty="0" smtClean="0"/>
-              <a:t> telescope. </a:t>
-            </a:r>
-            <a:endParaRPr lang="en-US" dirty="0"/>
-          </a:p>
-        </p:txBody>
-      </p:sp>
-      <p:sp>
-        <p:nvSpPr>
-          <p:cNvPr id="10" name="TextBox 9"/>
-          <p:cNvSpPr txBox="1"/>
-          <p:nvPr/>
-        </p:nvSpPr>
-        <p:spPr>
-          <a:xfrm>
-            <a:off x="244440" y="4658575"/>
-            <a:ext cx="9098733" cy="646331"/>
-          </a:xfrm>
-          <a:prstGeom prst="rect">
-            <a:avLst/>
-          </a:prstGeom>
-          <a:noFill/>
-        </p:spPr>
-        <p:txBody>
-          <a:bodyPr wrap="square" rtlCol="0">
-            <a:spAutoFit/>
-          </a:bodyPr>
-          <a:lstStyle/>
-          <a:p>
-            <a:r>
-              <a:rPr lang="en-US" dirty="0" smtClean="0"/>
-              <a:t>(4) The pin </a:t>
-            </a:r>
-            <a:r>
-              <a:rPr lang="en-US" dirty="0" smtClean="0">
-                <a:solidFill>
-                  <a:srgbClr val="FF0000"/>
-                </a:solidFill>
-              </a:rPr>
-              <a:t>source </a:t>
-            </a:r>
-            <a:r>
-              <a:rPr lang="en-US" b="1" i="1" dirty="0" smtClean="0">
-                <a:solidFill>
-                  <a:srgbClr val="FF0000"/>
-                </a:solidFill>
-              </a:rPr>
-              <a:t>is primarily Pb212 </a:t>
-            </a:r>
-            <a:r>
-              <a:rPr lang="en-US" dirty="0" smtClean="0"/>
-              <a:t>(one of the isotopes from the decay chain</a:t>
-            </a:r>
-          </a:p>
-          <a:p>
-            <a:r>
-              <a:rPr lang="en-US" dirty="0"/>
-              <a:t> </a:t>
-            </a:r>
-            <a:r>
-              <a:rPr lang="en-US" dirty="0" smtClean="0"/>
-              <a:t>     of Th228) </a:t>
-            </a:r>
-            <a:endParaRPr lang="en-US" dirty="0"/>
-          </a:p>
-        </p:txBody>
-      </p:sp>
-      <p:sp>
-        <p:nvSpPr>
-          <p:cNvPr id="11" name="TextBox 10"/>
-          <p:cNvSpPr txBox="1"/>
-          <p:nvPr/>
-        </p:nvSpPr>
-        <p:spPr>
-          <a:xfrm>
-            <a:off x="244440" y="5431520"/>
-            <a:ext cx="9098733" cy="923330"/>
-          </a:xfrm>
-          <a:prstGeom prst="rect">
-            <a:avLst/>
-          </a:prstGeom>
-          <a:noFill/>
-        </p:spPr>
-        <p:txBody>
-          <a:bodyPr wrap="square" rtlCol="0">
-            <a:spAutoFit/>
-          </a:bodyPr>
-          <a:lstStyle/>
-          <a:p>
-            <a:r>
-              <a:rPr lang="en-US" dirty="0" smtClean="0"/>
-              <a:t>(5) The </a:t>
-            </a:r>
-            <a:r>
-              <a:rPr lang="en-US" dirty="0" err="1" smtClean="0"/>
-              <a:t>HiRA</a:t>
-            </a:r>
-            <a:r>
-              <a:rPr lang="en-US" dirty="0" smtClean="0"/>
-              <a:t> telescope was designed so that the pin source mounted in the </a:t>
-            </a:r>
-          </a:p>
-          <a:p>
-            <a:r>
-              <a:rPr lang="en-US" dirty="0"/>
-              <a:t> </a:t>
-            </a:r>
-            <a:r>
-              <a:rPr lang="en-US" dirty="0" smtClean="0"/>
-              <a:t>     frame </a:t>
-            </a:r>
-            <a:r>
-              <a:rPr lang="en-US" dirty="0" smtClean="0">
-                <a:solidFill>
-                  <a:srgbClr val="FF0000"/>
-                </a:solidFill>
-              </a:rPr>
-              <a:t>sits </a:t>
-            </a:r>
-            <a:r>
-              <a:rPr lang="en-US" b="1" i="1" dirty="0" smtClean="0">
-                <a:solidFill>
-                  <a:srgbClr val="FF0000"/>
-                </a:solidFill>
-              </a:rPr>
-              <a:t>3.2mm above </a:t>
-            </a:r>
-            <a:r>
-              <a:rPr lang="en-US" dirty="0" smtClean="0">
-                <a:solidFill>
-                  <a:srgbClr val="FF0000"/>
-                </a:solidFill>
-              </a:rPr>
-              <a:t>the surface of the E detector </a:t>
-            </a:r>
-            <a:r>
-              <a:rPr lang="en-US" dirty="0" smtClean="0"/>
-              <a:t>when the frame </a:t>
-            </a:r>
-          </a:p>
-          <a:p>
-            <a:r>
-              <a:rPr lang="en-US" dirty="0"/>
-              <a:t> </a:t>
-            </a:r>
-            <a:r>
-              <a:rPr lang="en-US" dirty="0" smtClean="0"/>
-              <a:t>     is inserted into the slot.</a:t>
-            </a:r>
-            <a:endParaRPr lang="en-US" dirty="0"/>
-          </a:p>
-        </p:txBody>
-      </p:sp>
-      <p:pic>
-        <p:nvPicPr>
-          <p:cNvPr id="2" name="Picture 1"/>
-          <p:cNvPicPr>
-            <a:picLocks noChangeAspect="1"/>
-          </p:cNvPicPr>
-          <p:nvPr/>
-        </p:nvPicPr>
-        <p:blipFill>
-          <a:blip r:embed="rId5">
-            <a:extLst>
-              <a:ext uri="{28A0092B-C50C-407E-A947-70E740481C1C}">
-                <a14:useLocalDpi xmlns:a14="http://schemas.microsoft.com/office/drawing/2010/main" val="0"/>
-              </a:ext>
-            </a:extLst>
-          </a:blip>
-          <a:stretch>
-            <a:fillRect/>
-          </a:stretch>
-        </p:blipFill>
-        <p:spPr>
-          <a:xfrm>
-            <a:off x="7758819" y="3815817"/>
-            <a:ext cx="4271548" cy="2897599"/>
-          </a:xfrm>
-          <a:prstGeom prst="rect">
-            <a:avLst/>
-          </a:prstGeom>
-        </p:spPr>
-      </p:pic>
-    </p:spTree>
-    <p:extLst>
-      <p:ext uri="{BB962C8B-B14F-4D97-AF65-F5344CB8AC3E}">
-        <p14:creationId xmlns:p14="http://schemas.microsoft.com/office/powerpoint/2010/main" val="4219060194"/>
       </p:ext>
     </p:extLst>
   </p:cSld>

--- a/03DE-E-Detector.pptx
+++ b/03DE-E-Detector.pptx
@@ -4,6 +4,9 @@
   <p:sldMasterIdLst>
     <p:sldMasterId id="2147483648" r:id="rId1"/>
   </p:sldMasterIdLst>
+  <p:notesMasterIdLst>
+    <p:notesMasterId r:id="rId25"/>
+  </p:notesMasterIdLst>
   <p:sldIdLst>
     <p:sldId id="278" r:id="rId2"/>
     <p:sldId id="259" r:id="rId3"/>
@@ -134,6 +137,440 @@
 </p:presentation>
 </file>
 
+<file path=ppt/notesMasters/notesMaster1.xml><?xml version="1.0" encoding="utf-8"?>
+<p:notesMaster xmlns:a="http://schemas.openxmlformats.org/drawingml/2006/main" xmlns:r="http://schemas.openxmlformats.org/officeDocument/2006/relationships" xmlns:p="http://schemas.openxmlformats.org/presentationml/2006/main">
+  <p:cSld>
+    <p:bg>
+      <p:bgRef idx="1001">
+        <a:schemeClr val="bg1"/>
+      </p:bgRef>
+    </p:bg>
+    <p:spTree>
+      <p:nvGrpSpPr>
+        <p:cNvPr id="1" name=""/>
+        <p:cNvGrpSpPr/>
+        <p:nvPr/>
+      </p:nvGrpSpPr>
+      <p:grpSpPr>
+        <a:xfrm>
+          <a:off x="0" y="0"/>
+          <a:ext cx="0" cy="0"/>
+          <a:chOff x="0" y="0"/>
+          <a:chExt cx="0" cy="0"/>
+        </a:xfrm>
+      </p:grpSpPr>
+      <p:sp>
+        <p:nvSpPr>
+          <p:cNvPr id="2" name="页眉占位符 1"/>
+          <p:cNvSpPr>
+            <a:spLocks noGrp="1"/>
+          </p:cNvSpPr>
+          <p:nvPr>
+            <p:ph type="hdr" sz="quarter"/>
+          </p:nvPr>
+        </p:nvSpPr>
+        <p:spPr>
+          <a:xfrm>
+            <a:off x="0" y="0"/>
+            <a:ext cx="2971800" cy="458788"/>
+          </a:xfrm>
+          <a:prstGeom prst="rect">
+            <a:avLst/>
+          </a:prstGeom>
+        </p:spPr>
+        <p:txBody>
+          <a:bodyPr vert="horz" lIns="91440" tIns="45720" rIns="91440" bIns="45720" rtlCol="0"/>
+          <a:lstStyle>
+            <a:lvl1pPr algn="l">
+              <a:defRPr sz="1200"/>
+            </a:lvl1pPr>
+          </a:lstStyle>
+          <a:p>
+            <a:endParaRPr lang="zh-CN" altLang="en-US"/>
+          </a:p>
+        </p:txBody>
+      </p:sp>
+      <p:sp>
+        <p:nvSpPr>
+          <p:cNvPr id="3" name="日期占位符 2"/>
+          <p:cNvSpPr>
+            <a:spLocks noGrp="1"/>
+          </p:cNvSpPr>
+          <p:nvPr>
+            <p:ph type="dt" idx="1"/>
+          </p:nvPr>
+        </p:nvSpPr>
+        <p:spPr>
+          <a:xfrm>
+            <a:off x="3884613" y="0"/>
+            <a:ext cx="2971800" cy="458788"/>
+          </a:xfrm>
+          <a:prstGeom prst="rect">
+            <a:avLst/>
+          </a:prstGeom>
+        </p:spPr>
+        <p:txBody>
+          <a:bodyPr vert="horz" lIns="91440" tIns="45720" rIns="91440" bIns="45720" rtlCol="0"/>
+          <a:lstStyle>
+            <a:lvl1pPr algn="r">
+              <a:defRPr sz="1200"/>
+            </a:lvl1pPr>
+          </a:lstStyle>
+          <a:p>
+            <a:fld id="{793144BA-D827-4C5F-84CE-235CAC5CC0A7}" type="datetimeFigureOut">
+              <a:rPr lang="zh-CN" altLang="en-US" smtClean="0"/>
+              <a:t>2018/10/31</a:t>
+            </a:fld>
+            <a:endParaRPr lang="zh-CN" altLang="en-US"/>
+          </a:p>
+        </p:txBody>
+      </p:sp>
+      <p:sp>
+        <p:nvSpPr>
+          <p:cNvPr id="4" name="幻灯片图像占位符 3"/>
+          <p:cNvSpPr>
+            <a:spLocks noGrp="1" noRot="1" noChangeAspect="1"/>
+          </p:cNvSpPr>
+          <p:nvPr>
+            <p:ph type="sldImg" idx="2"/>
+          </p:nvPr>
+        </p:nvSpPr>
+        <p:spPr>
+          <a:xfrm>
+            <a:off x="685800" y="1143000"/>
+            <a:ext cx="5486400" cy="3086100"/>
+          </a:xfrm>
+          <a:prstGeom prst="rect">
+            <a:avLst/>
+          </a:prstGeom>
+          <a:noFill/>
+          <a:ln w="12700">
+            <a:solidFill>
+              <a:prstClr val="black"/>
+            </a:solidFill>
+          </a:ln>
+        </p:spPr>
+        <p:txBody>
+          <a:bodyPr vert="horz" lIns="91440" tIns="45720" rIns="91440" bIns="45720" rtlCol="0" anchor="ctr"/>
+          <a:lstStyle/>
+          <a:p>
+            <a:endParaRPr lang="zh-CN" altLang="en-US"/>
+          </a:p>
+        </p:txBody>
+      </p:sp>
+      <p:sp>
+        <p:nvSpPr>
+          <p:cNvPr id="5" name="备注占位符 4"/>
+          <p:cNvSpPr>
+            <a:spLocks noGrp="1"/>
+          </p:cNvSpPr>
+          <p:nvPr>
+            <p:ph type="body" sz="quarter" idx="3"/>
+          </p:nvPr>
+        </p:nvSpPr>
+        <p:spPr>
+          <a:xfrm>
+            <a:off x="685800" y="4400550"/>
+            <a:ext cx="5486400" cy="3600450"/>
+          </a:xfrm>
+          <a:prstGeom prst="rect">
+            <a:avLst/>
+          </a:prstGeom>
+        </p:spPr>
+        <p:txBody>
+          <a:bodyPr vert="horz" lIns="91440" tIns="45720" rIns="91440" bIns="45720" rtlCol="0"/>
+          <a:lstStyle/>
+          <a:p>
+            <a:pPr lvl="0"/>
+            <a:r>
+              <a:rPr lang="zh-CN" altLang="en-US" smtClean="0"/>
+              <a:t>单击此处编辑母版文本样式</a:t>
+            </a:r>
+          </a:p>
+          <a:p>
+            <a:pPr lvl="1"/>
+            <a:r>
+              <a:rPr lang="zh-CN" altLang="en-US" smtClean="0"/>
+              <a:t>第二级</a:t>
+            </a:r>
+          </a:p>
+          <a:p>
+            <a:pPr lvl="2"/>
+            <a:r>
+              <a:rPr lang="zh-CN" altLang="en-US" smtClean="0"/>
+              <a:t>第三级</a:t>
+            </a:r>
+          </a:p>
+          <a:p>
+            <a:pPr lvl="3"/>
+            <a:r>
+              <a:rPr lang="zh-CN" altLang="en-US" smtClean="0"/>
+              <a:t>第四级</a:t>
+            </a:r>
+          </a:p>
+          <a:p>
+            <a:pPr lvl="4"/>
+            <a:r>
+              <a:rPr lang="zh-CN" altLang="en-US" smtClean="0"/>
+              <a:t>第五级</a:t>
+            </a:r>
+            <a:endParaRPr lang="zh-CN" altLang="en-US"/>
+          </a:p>
+        </p:txBody>
+      </p:sp>
+      <p:sp>
+        <p:nvSpPr>
+          <p:cNvPr id="6" name="页脚占位符 5"/>
+          <p:cNvSpPr>
+            <a:spLocks noGrp="1"/>
+          </p:cNvSpPr>
+          <p:nvPr>
+            <p:ph type="ftr" sz="quarter" idx="4"/>
+          </p:nvPr>
+        </p:nvSpPr>
+        <p:spPr>
+          <a:xfrm>
+            <a:off x="0" y="8685213"/>
+            <a:ext cx="2971800" cy="458787"/>
+          </a:xfrm>
+          <a:prstGeom prst="rect">
+            <a:avLst/>
+          </a:prstGeom>
+        </p:spPr>
+        <p:txBody>
+          <a:bodyPr vert="horz" lIns="91440" tIns="45720" rIns="91440" bIns="45720" rtlCol="0" anchor="b"/>
+          <a:lstStyle>
+            <a:lvl1pPr algn="l">
+              <a:defRPr sz="1200"/>
+            </a:lvl1pPr>
+          </a:lstStyle>
+          <a:p>
+            <a:endParaRPr lang="zh-CN" altLang="en-US"/>
+          </a:p>
+        </p:txBody>
+      </p:sp>
+      <p:sp>
+        <p:nvSpPr>
+          <p:cNvPr id="7" name="灯片编号占位符 6"/>
+          <p:cNvSpPr>
+            <a:spLocks noGrp="1"/>
+          </p:cNvSpPr>
+          <p:nvPr>
+            <p:ph type="sldNum" sz="quarter" idx="5"/>
+          </p:nvPr>
+        </p:nvSpPr>
+        <p:spPr>
+          <a:xfrm>
+            <a:off x="3884613" y="8685213"/>
+            <a:ext cx="2971800" cy="458787"/>
+          </a:xfrm>
+          <a:prstGeom prst="rect">
+            <a:avLst/>
+          </a:prstGeom>
+        </p:spPr>
+        <p:txBody>
+          <a:bodyPr vert="horz" lIns="91440" tIns="45720" rIns="91440" bIns="45720" rtlCol="0" anchor="b"/>
+          <a:lstStyle>
+            <a:lvl1pPr algn="r">
+              <a:defRPr sz="1200"/>
+            </a:lvl1pPr>
+          </a:lstStyle>
+          <a:p>
+            <a:fld id="{7D439003-F4DC-4184-820E-8661A476C97D}" type="slidenum">
+              <a:rPr lang="zh-CN" altLang="en-US" smtClean="0"/>
+              <a:t>‹#›</a:t>
+            </a:fld>
+            <a:endParaRPr lang="zh-CN" altLang="en-US"/>
+          </a:p>
+        </p:txBody>
+      </p:sp>
+    </p:spTree>
+    <p:extLst>
+      <p:ext uri="{BB962C8B-B14F-4D97-AF65-F5344CB8AC3E}">
+        <p14:creationId xmlns:p14="http://schemas.microsoft.com/office/powerpoint/2010/main" val="1272058579"/>
+      </p:ext>
+    </p:extLst>
+  </p:cSld>
+  <p:clrMap bg1="lt1" tx1="dk1" bg2="lt2" tx2="dk2" accent1="accent1" accent2="accent2" accent3="accent3" accent4="accent4" accent5="accent5" accent6="accent6" hlink="hlink" folHlink="folHlink"/>
+  <p:notesStyle>
+    <a:lvl1pPr marL="0" algn="l" defTabSz="914400" rtl="0" eaLnBrk="1" latinLnBrk="0" hangingPunct="1">
+      <a:defRPr sz="1200" kern="1200">
+        <a:solidFill>
+          <a:schemeClr val="tx1"/>
+        </a:solidFill>
+        <a:latin typeface="+mn-lt"/>
+        <a:ea typeface="+mn-ea"/>
+        <a:cs typeface="+mn-cs"/>
+      </a:defRPr>
+    </a:lvl1pPr>
+    <a:lvl2pPr marL="457200" algn="l" defTabSz="914400" rtl="0" eaLnBrk="1" latinLnBrk="0" hangingPunct="1">
+      <a:defRPr sz="1200" kern="1200">
+        <a:solidFill>
+          <a:schemeClr val="tx1"/>
+        </a:solidFill>
+        <a:latin typeface="+mn-lt"/>
+        <a:ea typeface="+mn-ea"/>
+        <a:cs typeface="+mn-cs"/>
+      </a:defRPr>
+    </a:lvl2pPr>
+    <a:lvl3pPr marL="914400" algn="l" defTabSz="914400" rtl="0" eaLnBrk="1" latinLnBrk="0" hangingPunct="1">
+      <a:defRPr sz="1200" kern="1200">
+        <a:solidFill>
+          <a:schemeClr val="tx1"/>
+        </a:solidFill>
+        <a:latin typeface="+mn-lt"/>
+        <a:ea typeface="+mn-ea"/>
+        <a:cs typeface="+mn-cs"/>
+      </a:defRPr>
+    </a:lvl3pPr>
+    <a:lvl4pPr marL="1371600" algn="l" defTabSz="914400" rtl="0" eaLnBrk="1" latinLnBrk="0" hangingPunct="1">
+      <a:defRPr sz="1200" kern="1200">
+        <a:solidFill>
+          <a:schemeClr val="tx1"/>
+        </a:solidFill>
+        <a:latin typeface="+mn-lt"/>
+        <a:ea typeface="+mn-ea"/>
+        <a:cs typeface="+mn-cs"/>
+      </a:defRPr>
+    </a:lvl4pPr>
+    <a:lvl5pPr marL="1828800" algn="l" defTabSz="914400" rtl="0" eaLnBrk="1" latinLnBrk="0" hangingPunct="1">
+      <a:defRPr sz="1200" kern="1200">
+        <a:solidFill>
+          <a:schemeClr val="tx1"/>
+        </a:solidFill>
+        <a:latin typeface="+mn-lt"/>
+        <a:ea typeface="+mn-ea"/>
+        <a:cs typeface="+mn-cs"/>
+      </a:defRPr>
+    </a:lvl5pPr>
+    <a:lvl6pPr marL="2286000" algn="l" defTabSz="914400" rtl="0" eaLnBrk="1" latinLnBrk="0" hangingPunct="1">
+      <a:defRPr sz="1200" kern="1200">
+        <a:solidFill>
+          <a:schemeClr val="tx1"/>
+        </a:solidFill>
+        <a:latin typeface="+mn-lt"/>
+        <a:ea typeface="+mn-ea"/>
+        <a:cs typeface="+mn-cs"/>
+      </a:defRPr>
+    </a:lvl6pPr>
+    <a:lvl7pPr marL="2743200" algn="l" defTabSz="914400" rtl="0" eaLnBrk="1" latinLnBrk="0" hangingPunct="1">
+      <a:defRPr sz="1200" kern="1200">
+        <a:solidFill>
+          <a:schemeClr val="tx1"/>
+        </a:solidFill>
+        <a:latin typeface="+mn-lt"/>
+        <a:ea typeface="+mn-ea"/>
+        <a:cs typeface="+mn-cs"/>
+      </a:defRPr>
+    </a:lvl7pPr>
+    <a:lvl8pPr marL="3200400" algn="l" defTabSz="914400" rtl="0" eaLnBrk="1" latinLnBrk="0" hangingPunct="1">
+      <a:defRPr sz="1200" kern="1200">
+        <a:solidFill>
+          <a:schemeClr val="tx1"/>
+        </a:solidFill>
+        <a:latin typeface="+mn-lt"/>
+        <a:ea typeface="+mn-ea"/>
+        <a:cs typeface="+mn-cs"/>
+      </a:defRPr>
+    </a:lvl8pPr>
+    <a:lvl9pPr marL="3657600" algn="l" defTabSz="914400" rtl="0" eaLnBrk="1" latinLnBrk="0" hangingPunct="1">
+      <a:defRPr sz="1200" kern="1200">
+        <a:solidFill>
+          <a:schemeClr val="tx1"/>
+        </a:solidFill>
+        <a:latin typeface="+mn-lt"/>
+        <a:ea typeface="+mn-ea"/>
+        <a:cs typeface="+mn-cs"/>
+      </a:defRPr>
+    </a:lvl9pPr>
+  </p:notesStyle>
+</p:notesMaster>
+</file>
+
+<file path=ppt/notesSlides/notesSlide1.xml><?xml version="1.0" encoding="utf-8"?>
+<p:notes xmlns:a="http://schemas.openxmlformats.org/drawingml/2006/main" xmlns:r="http://schemas.openxmlformats.org/officeDocument/2006/relationships" xmlns:p="http://schemas.openxmlformats.org/presentationml/2006/main">
+  <p:cSld>
+    <p:spTree>
+      <p:nvGrpSpPr>
+        <p:cNvPr id="1" name=""/>
+        <p:cNvGrpSpPr/>
+        <p:nvPr/>
+      </p:nvGrpSpPr>
+      <p:grpSpPr>
+        <a:xfrm>
+          <a:off x="0" y="0"/>
+          <a:ext cx="0" cy="0"/>
+          <a:chOff x="0" y="0"/>
+          <a:chExt cx="0" cy="0"/>
+        </a:xfrm>
+      </p:grpSpPr>
+      <p:sp>
+        <p:nvSpPr>
+          <p:cNvPr id="2" name="幻灯片图像占位符 1"/>
+          <p:cNvSpPr>
+            <a:spLocks noGrp="1" noRot="1" noChangeAspect="1"/>
+          </p:cNvSpPr>
+          <p:nvPr>
+            <p:ph type="sldImg"/>
+          </p:nvPr>
+        </p:nvSpPr>
+        <p:spPr/>
+      </p:sp>
+      <p:sp>
+        <p:nvSpPr>
+          <p:cNvPr id="3" name="备注占位符 2"/>
+          <p:cNvSpPr>
+            <a:spLocks noGrp="1"/>
+          </p:cNvSpPr>
+          <p:nvPr>
+            <p:ph type="body" idx="1"/>
+          </p:nvPr>
+        </p:nvSpPr>
+        <p:spPr/>
+        <p:txBody>
+          <a:bodyPr/>
+          <a:lstStyle/>
+          <a:p>
+            <a:endParaRPr lang="zh-CN" altLang="en-US" dirty="0"/>
+          </a:p>
+        </p:txBody>
+      </p:sp>
+      <p:sp>
+        <p:nvSpPr>
+          <p:cNvPr id="4" name="灯片编号占位符 3"/>
+          <p:cNvSpPr>
+            <a:spLocks noGrp="1"/>
+          </p:cNvSpPr>
+          <p:nvPr>
+            <p:ph type="sldNum" sz="quarter" idx="10"/>
+          </p:nvPr>
+        </p:nvSpPr>
+        <p:spPr/>
+        <p:txBody>
+          <a:bodyPr/>
+          <a:lstStyle/>
+          <a:p>
+            <a:fld id="{7D439003-F4DC-4184-820E-8661A476C97D}" type="slidenum">
+              <a:rPr lang="zh-CN" altLang="en-US" smtClean="0"/>
+              <a:t>1</a:t>
+            </a:fld>
+            <a:endParaRPr lang="zh-CN" altLang="en-US"/>
+          </a:p>
+        </p:txBody>
+      </p:sp>
+    </p:spTree>
+    <p:extLst>
+      <p:ext uri="{BB962C8B-B14F-4D97-AF65-F5344CB8AC3E}">
+        <p14:creationId xmlns:p14="http://schemas.microsoft.com/office/powerpoint/2010/main" val="605223528"/>
+      </p:ext>
+    </p:extLst>
+  </p:cSld>
+  <p:clrMapOvr>
+    <a:masterClrMapping/>
+  </p:clrMapOvr>
+</p:notes>
+</file>
+
 <file path=ppt/slideLayouts/slideLayout1.xml><?xml version="1.0" encoding="utf-8"?>
 <p:sldLayout xmlns:a="http://schemas.openxmlformats.org/drawingml/2006/main" xmlns:r="http://schemas.openxmlformats.org/officeDocument/2006/relationships" xmlns:p="http://schemas.openxmlformats.org/presentationml/2006/main" type="title" preserve="1">
   <p:cSld name="Title Slide">
@@ -265,7 +702,7 @@
           <a:p>
             <a:fld id="{B49F1F9E-BB21-4ADB-B707-20B3786FE04D}" type="datetimeFigureOut">
               <a:rPr lang="en-US" smtClean="0"/>
-              <a:t>10/30/2018</a:t>
+              <a:t>10/31/2018</a:t>
             </a:fld>
             <a:endParaRPr lang="en-US"/>
           </a:p>
@@ -435,7 +872,7 @@
           <a:p>
             <a:fld id="{B49F1F9E-BB21-4ADB-B707-20B3786FE04D}" type="datetimeFigureOut">
               <a:rPr lang="en-US" smtClean="0"/>
-              <a:t>10/30/2018</a:t>
+              <a:t>10/31/2018</a:t>
             </a:fld>
             <a:endParaRPr lang="en-US"/>
           </a:p>
@@ -615,7 +1052,7 @@
           <a:p>
             <a:fld id="{B49F1F9E-BB21-4ADB-B707-20B3786FE04D}" type="datetimeFigureOut">
               <a:rPr lang="en-US" smtClean="0"/>
-              <a:t>10/30/2018</a:t>
+              <a:t>10/31/2018</a:t>
             </a:fld>
             <a:endParaRPr lang="en-US"/>
           </a:p>
@@ -785,7 +1222,7 @@
           <a:p>
             <a:fld id="{B49F1F9E-BB21-4ADB-B707-20B3786FE04D}" type="datetimeFigureOut">
               <a:rPr lang="en-US" smtClean="0"/>
-              <a:t>10/30/2018</a:t>
+              <a:t>10/31/2018</a:t>
             </a:fld>
             <a:endParaRPr lang="en-US"/>
           </a:p>
@@ -1031,7 +1468,7 @@
           <a:p>
             <a:fld id="{B49F1F9E-BB21-4ADB-B707-20B3786FE04D}" type="datetimeFigureOut">
               <a:rPr lang="en-US" smtClean="0"/>
-              <a:t>10/30/2018</a:t>
+              <a:t>10/31/2018</a:t>
             </a:fld>
             <a:endParaRPr lang="en-US"/>
           </a:p>
@@ -1263,7 +1700,7 @@
           <a:p>
             <a:fld id="{B49F1F9E-BB21-4ADB-B707-20B3786FE04D}" type="datetimeFigureOut">
               <a:rPr lang="en-US" smtClean="0"/>
-              <a:t>10/30/2018</a:t>
+              <a:t>10/31/2018</a:t>
             </a:fld>
             <a:endParaRPr lang="en-US"/>
           </a:p>
@@ -1630,7 +2067,7 @@
           <a:p>
             <a:fld id="{B49F1F9E-BB21-4ADB-B707-20B3786FE04D}" type="datetimeFigureOut">
               <a:rPr lang="en-US" smtClean="0"/>
-              <a:t>10/30/2018</a:t>
+              <a:t>10/31/2018</a:t>
             </a:fld>
             <a:endParaRPr lang="en-US"/>
           </a:p>
@@ -1748,7 +2185,7 @@
           <a:p>
             <a:fld id="{B49F1F9E-BB21-4ADB-B707-20B3786FE04D}" type="datetimeFigureOut">
               <a:rPr lang="en-US" smtClean="0"/>
-              <a:t>10/30/2018</a:t>
+              <a:t>10/31/2018</a:t>
             </a:fld>
             <a:endParaRPr lang="en-US"/>
           </a:p>
@@ -1843,7 +2280,7 @@
           <a:p>
             <a:fld id="{B49F1F9E-BB21-4ADB-B707-20B3786FE04D}" type="datetimeFigureOut">
               <a:rPr lang="en-US" smtClean="0"/>
-              <a:t>10/30/2018</a:t>
+              <a:t>10/31/2018</a:t>
             </a:fld>
             <a:endParaRPr lang="en-US"/>
           </a:p>
@@ -2120,7 +2557,7 @@
           <a:p>
             <a:fld id="{B49F1F9E-BB21-4ADB-B707-20B3786FE04D}" type="datetimeFigureOut">
               <a:rPr lang="en-US" smtClean="0"/>
-              <a:t>10/30/2018</a:t>
+              <a:t>10/31/2018</a:t>
             </a:fld>
             <a:endParaRPr lang="en-US"/>
           </a:p>
@@ -2373,7 +2810,7 @@
           <a:p>
             <a:fld id="{B49F1F9E-BB21-4ADB-B707-20B3786FE04D}" type="datetimeFigureOut">
               <a:rPr lang="en-US" smtClean="0"/>
-              <a:t>10/30/2018</a:t>
+              <a:t>10/31/2018</a:t>
             </a:fld>
             <a:endParaRPr lang="en-US"/>
           </a:p>
@@ -2586,7 +3023,7 @@
           <a:p>
             <a:fld id="{B49F1F9E-BB21-4ADB-B707-20B3786FE04D}" type="datetimeFigureOut">
               <a:rPr lang="en-US" smtClean="0"/>
-              <a:t>10/30/2018</a:t>
+              <a:t>10/31/2018</a:t>
             </a:fld>
             <a:endParaRPr lang="en-US"/>
           </a:p>
@@ -3021,8 +3458,40 @@
                 <a:latin typeface="Times New Roman" panose="02020603050405020304" pitchFamily="18" charset="0"/>
                 <a:cs typeface="Times New Roman" panose="02020603050405020304" pitchFamily="18" charset="0"/>
               </a:rPr>
-              <a:t>Q1: </a:t>
-            </a:r>
+              <a:t>Q1: How to calibrate the double side SSD in our experiment?</a:t>
+            </a:r>
+            <a:endParaRPr lang="en-US" dirty="0">
+              <a:solidFill>
+                <a:srgbClr val="FF0000"/>
+              </a:solidFill>
+              <a:latin typeface="Times New Roman" panose="02020603050405020304" pitchFamily="18" charset="0"/>
+              <a:cs typeface="Times New Roman" panose="02020603050405020304" pitchFamily="18" charset="0"/>
+            </a:endParaRPr>
+          </a:p>
+        </p:txBody>
+      </p:sp>
+      <p:sp>
+        <p:nvSpPr>
+          <p:cNvPr id="4" name="TextBox 5"/>
+          <p:cNvSpPr txBox="1"/>
+          <p:nvPr/>
+        </p:nvSpPr>
+        <p:spPr>
+          <a:xfrm>
+            <a:off x="323418" y="1118318"/>
+            <a:ext cx="10676965" cy="369332"/>
+          </a:xfrm>
+          <a:prstGeom prst="rect">
+            <a:avLst/>
+          </a:prstGeom>
+          <a:noFill/>
+        </p:spPr>
+        <p:txBody>
+          <a:bodyPr wrap="square" rtlCol="0">
+            <a:spAutoFit/>
+          </a:bodyPr>
+          <a:lstStyle/>
+          <a:p>
             <a:r>
               <a:rPr lang="en-US" dirty="0" smtClean="0">
                 <a:solidFill>
@@ -3031,7 +3500,17 @@
                 <a:latin typeface="Times New Roman" panose="02020603050405020304" pitchFamily="18" charset="0"/>
                 <a:cs typeface="Times New Roman" panose="02020603050405020304" pitchFamily="18" charset="0"/>
               </a:rPr>
-              <a:t>How to calibrate the double side SSD in our experiment?</a:t>
+              <a:t>Q2: </a:t>
+            </a:r>
+            <a:r>
+              <a:rPr lang="zh-CN" altLang="en-US" dirty="0" smtClean="0">
+                <a:solidFill>
+                  <a:srgbClr val="FF0000"/>
+                </a:solidFill>
+                <a:latin typeface="Times New Roman" panose="02020603050405020304" pitchFamily="18" charset="0"/>
+                <a:cs typeface="Times New Roman" panose="02020603050405020304" pitchFamily="18" charset="0"/>
+              </a:rPr>
+              <a:t>电荷重心法</a:t>
             </a:r>
             <a:endParaRPr lang="en-US" dirty="0">
               <a:solidFill>
@@ -8645,37 +9124,8 @@
                 <a:ea typeface="+mj-ea"/>
                 <a:cs typeface="Times New Roman" panose="02020603050405020304" pitchFamily="18" charset="0"/>
               </a:rPr>
-              <a:t>Double-sided </a:t>
-            </a:r>
-            <a:r>
-              <a:rPr lang="en-US" altLang="zh-CN" sz="2400" b="1" dirty="0" smtClean="0">
-                <a:latin typeface="Times New Roman" panose="02020603050405020304" pitchFamily="18" charset="0"/>
-                <a:ea typeface="+mj-ea"/>
-                <a:cs typeface="Times New Roman" panose="02020603050405020304" pitchFamily="18" charset="0"/>
-              </a:rPr>
-              <a:t>Silicon Strip </a:t>
-            </a:r>
-            <a:r>
-              <a:rPr lang="en-US" altLang="zh-CN" sz="2400" b="1" dirty="0" smtClean="0">
-                <a:latin typeface="Times New Roman" panose="02020603050405020304" pitchFamily="18" charset="0"/>
-                <a:ea typeface="+mj-ea"/>
-                <a:cs typeface="Times New Roman" panose="02020603050405020304" pitchFamily="18" charset="0"/>
-              </a:rPr>
-              <a:t>D</a:t>
-            </a:r>
-            <a:r>
-              <a:rPr lang="en-US" altLang="zh-CN" sz="2400" b="1" dirty="0" smtClean="0">
-                <a:latin typeface="Times New Roman" panose="02020603050405020304" pitchFamily="18" charset="0"/>
-                <a:ea typeface="+mj-ea"/>
-                <a:cs typeface="Times New Roman" panose="02020603050405020304" pitchFamily="18" charset="0"/>
-              </a:rPr>
-              <a:t>etector </a:t>
-            </a:r>
-            <a:endParaRPr lang="en-US" altLang="zh-CN" sz="2400" b="1" dirty="0" smtClean="0">
-              <a:latin typeface="Times New Roman" panose="02020603050405020304" pitchFamily="18" charset="0"/>
-              <a:ea typeface="+mj-ea"/>
-              <a:cs typeface="Times New Roman" panose="02020603050405020304" pitchFamily="18" charset="0"/>
-            </a:endParaRPr>
+              <a:t>Double-sided Silicon Strip Detector </a:t>
+            </a:r>
           </a:p>
           <a:p>
             <a:endParaRPr lang="en-US" altLang="zh-CN" sz="1600" dirty="0">
@@ -8714,19 +9164,7 @@
           <a:p>
             <a:r>
               <a:rPr lang="en-US" b="1" dirty="0" smtClean="0"/>
-              <a:t>1. </a:t>
-            </a:r>
-            <a:r>
-              <a:rPr lang="en-US" b="1" dirty="0" smtClean="0"/>
-              <a:t> </a:t>
-            </a:r>
-            <a:r>
-              <a:rPr lang="en-US" b="1" dirty="0" smtClean="0"/>
-              <a:t>What is a “pixel” </a:t>
-            </a:r>
-            <a:r>
-              <a:rPr lang="en-US" b="1" dirty="0" smtClean="0"/>
-              <a:t>?</a:t>
+              <a:t>1.  What is a “pixel” ?</a:t>
             </a:r>
           </a:p>
           <a:p>
@@ -8833,19 +9271,7 @@
           <a:p>
             <a:r>
               <a:rPr lang="en-US" b="1" dirty="0" smtClean="0"/>
-              <a:t>2. </a:t>
-            </a:r>
-            <a:r>
-              <a:rPr lang="en-US" b="1" dirty="0" smtClean="0"/>
-              <a:t> </a:t>
-            </a:r>
-            <a:r>
-              <a:rPr lang="en-US" b="1" dirty="0" smtClean="0"/>
-              <a:t>What does a pixel works as a position sensitive detector</a:t>
-            </a:r>
-            <a:r>
-              <a:rPr lang="en-US" b="1" dirty="0" smtClean="0"/>
-              <a:t>?</a:t>
+              <a:t>2.  What does a pixel works as a position sensitive detector?</a:t>
             </a:r>
           </a:p>
           <a:p>
@@ -8913,12 +9339,8 @@
           </a:p>
           <a:p>
             <a:r>
-              <a:rPr lang="en-US" dirty="0"/>
-              <a:t>      </a:t>
-            </a:r>
-            <a:r>
               <a:rPr lang="en-US" dirty="0" smtClean="0"/>
-              <a:t>● </a:t>
+              <a:t>      ● </a:t>
             </a:r>
             <a:r>
               <a:rPr lang="en-US" b="1" dirty="0" smtClean="0">
@@ -8926,7 +9348,15 @@
                   <a:srgbClr val="FF0000"/>
                 </a:solidFill>
               </a:rPr>
-              <a:t>Charge sharing effect: </a:t>
+              <a:t>Charge </a:t>
+            </a:r>
+            <a:r>
+              <a:rPr lang="en-US" b="1" dirty="0" smtClean="0">
+                <a:solidFill>
+                  <a:srgbClr val="FF0000"/>
+                </a:solidFill>
+              </a:rPr>
+              <a:t>sharing effect: </a:t>
             </a:r>
             <a:r>
               <a:rPr lang="en-US" dirty="0" smtClean="0"/>
@@ -9022,16 +9452,39 @@
               </a:rPr>
               <a:t>the energy in the adjacent strips to this strip.</a:t>
             </a:r>
-            <a:endParaRPr lang="en-US" b="1" dirty="0" smtClean="0">
-              <a:solidFill>
-                <a:srgbClr val="00B050"/>
-              </a:solidFill>
-            </a:endParaRPr>
           </a:p>
           <a:p>
             <a:r>
               <a:rPr lang="en-US" dirty="0" smtClean="0"/>
-              <a:t>          </a:t>
+              <a:t> </a:t>
+            </a:r>
+            <a:r>
+              <a:rPr lang="en-US" dirty="0"/>
+              <a:t>     ● </a:t>
+            </a:r>
+            <a:r>
+              <a:rPr lang="zh-CN" altLang="en-US" dirty="0" smtClean="0"/>
+              <a:t>对于 </a:t>
+            </a:r>
+            <a:r>
+              <a:rPr lang="en-US" altLang="zh-CN" dirty="0" smtClean="0"/>
+              <a:t>Charge sharing</a:t>
+            </a:r>
+            <a:r>
+              <a:rPr lang="zh-CN" altLang="en-US" dirty="0" smtClean="0"/>
+              <a:t>，需要采用</a:t>
+            </a:r>
+            <a:r>
+              <a:rPr lang="zh-CN" altLang="en-US" b="1" dirty="0" smtClean="0">
+                <a:solidFill>
+                  <a:srgbClr val="FF0000"/>
+                </a:solidFill>
+              </a:rPr>
+              <a:t>电荷重心法</a:t>
+            </a:r>
+            <a:r>
+              <a:rPr lang="zh-CN" altLang="en-US" dirty="0" smtClean="0"/>
+              <a:t>来处理。</a:t>
             </a:r>
             <a:endParaRPr lang="en-US" dirty="0"/>
           </a:p>
@@ -9166,7 +9619,7 @@
         <p:spPr>
           <a:xfrm>
             <a:off x="147918" y="186445"/>
-            <a:ext cx="10412506" cy="923330"/>
+            <a:ext cx="10412506" cy="3693319"/>
           </a:xfrm>
           <a:prstGeom prst="rect">
             <a:avLst/>
@@ -9186,15 +9639,7 @@
           <a:p>
             <a:r>
               <a:rPr lang="en-US" dirty="0" smtClean="0"/>
-              <a:t>3.</a:t>
-            </a:r>
-            <a:r>
-              <a:rPr lang="en-US" dirty="0" smtClean="0"/>
-              <a:t> </a:t>
-            </a:r>
-            <a:r>
-              <a:rPr lang="en-US" dirty="0" smtClean="0"/>
-              <a:t>What is </a:t>
+              <a:t>3. What is </a:t>
             </a:r>
             <a:r>
               <a:rPr lang="en-US" b="1" dirty="0" smtClean="0">
@@ -9202,23 +9647,7 @@
                   <a:srgbClr val="FF0000"/>
                 </a:solidFill>
               </a:rPr>
-              <a:t>multiple</a:t>
-            </a:r>
-            <a:r>
-              <a:rPr lang="en-US" b="1" dirty="0" smtClean="0">
-                <a:solidFill>
-                  <a:srgbClr val="FF0000"/>
-                </a:solidFill>
-              </a:rPr>
-              <a:t> </a:t>
-            </a:r>
-            <a:r>
-              <a:rPr lang="en-US" b="1" dirty="0" smtClean="0">
-                <a:solidFill>
-                  <a:srgbClr val="FF0000"/>
-                </a:solidFill>
-              </a:rPr>
-              <a:t>hit</a:t>
+              <a:t>multiple hit</a:t>
             </a:r>
             <a:r>
               <a:rPr lang="en-US" dirty="0" smtClean="0"/>
@@ -9232,7 +9661,15 @@
             </a:r>
             <a:r>
               <a:rPr lang="en-US" dirty="0" smtClean="0"/>
-              <a:t>    ● Multiple hit means there are </a:t>
+              <a:t>    </a:t>
+            </a:r>
+            <a:r>
+              <a:rPr lang="en-US" dirty="0" smtClean="0"/>
+              <a:t>(1)  Multiple </a:t>
+            </a:r>
+            <a:r>
+              <a:rPr lang="en-US" dirty="0" smtClean="0"/>
+              <a:t>hit means there are </a:t>
             </a:r>
             <a:r>
               <a:rPr lang="en-US" b="1" dirty="0" smtClean="0">
@@ -9254,12 +9691,398 @@
             </a:r>
             <a:r>
               <a:rPr lang="en-US" dirty="0" smtClean="0"/>
-              <a:t>        simultaneously). Silicon strip can not assign the hit positions clearly. </a:t>
+              <a:t>        </a:t>
+            </a:r>
+            <a:r>
+              <a:rPr lang="en-US" dirty="0" smtClean="0"/>
+              <a:t>   simultaneously</a:t>
+            </a:r>
+            <a:r>
+              <a:rPr lang="en-US" dirty="0" smtClean="0"/>
+              <a:t>). Silicon strip can not assign the hit positions clearly. </a:t>
+            </a:r>
+            <a:endParaRPr lang="en-US" dirty="0" smtClean="0"/>
+          </a:p>
+          <a:p>
+            <a:r>
+              <a:rPr lang="en-US" dirty="0" smtClean="0"/>
+              <a:t>   </a:t>
+            </a:r>
+          </a:p>
+          <a:p>
+            <a:r>
+              <a:rPr lang="en-US" altLang="zh-CN" dirty="0" smtClean="0"/>
+              <a:t>     (2) </a:t>
+            </a:r>
+            <a:r>
+              <a:rPr lang="zh-CN" altLang="en-US" dirty="0" smtClean="0"/>
+              <a:t>如何筛选出“多击事件”事件呢？</a:t>
+            </a:r>
+            <a:endParaRPr lang="en-US" altLang="zh-CN" dirty="0" smtClean="0"/>
+          </a:p>
+          <a:p>
+            <a:endParaRPr lang="en-US" altLang="zh-CN" dirty="0" smtClean="0"/>
+          </a:p>
+          <a:p>
+            <a:r>
+              <a:rPr lang="en-US" dirty="0"/>
+              <a:t>         </a:t>
+            </a:r>
+            <a:r>
+              <a:rPr lang="en-US" dirty="0" smtClean="0"/>
+              <a:t>● </a:t>
+            </a:r>
+            <a:r>
+              <a:rPr lang="zh-CN" altLang="en-US" dirty="0" smtClean="0"/>
+              <a:t>在</a:t>
+            </a:r>
+            <a:r>
+              <a:rPr lang="en-US" altLang="zh-CN" dirty="0" err="1" smtClean="0"/>
+              <a:t>pixelization</a:t>
+            </a:r>
+            <a:r>
+              <a:rPr lang="zh-CN" altLang="en-US" dirty="0" smtClean="0"/>
+              <a:t>过程中：当前面某个</a:t>
+            </a:r>
+            <a:r>
+              <a:rPr lang="en-US" altLang="zh-CN" dirty="0" smtClean="0"/>
+              <a:t>strip</a:t>
+            </a:r>
+            <a:r>
+              <a:rPr lang="zh-CN" altLang="en-US" dirty="0" smtClean="0"/>
+              <a:t>探测到一个能量信号时，原则上需要用这个</a:t>
+            </a:r>
+            <a:r>
+              <a:rPr lang="en-US" altLang="zh-CN" dirty="0" smtClean="0"/>
+              <a:t>strip</a:t>
+            </a:r>
+            <a:r>
+              <a:rPr lang="zh-CN" altLang="en-US" dirty="0" smtClean="0"/>
+              <a:t>跟</a:t>
+            </a:r>
+            <a:endParaRPr lang="en-US" altLang="zh-CN" dirty="0" smtClean="0"/>
+          </a:p>
+          <a:p>
+            <a:r>
+              <a:rPr lang="en-US" altLang="zh-CN" dirty="0"/>
+              <a:t> </a:t>
+            </a:r>
+            <a:r>
+              <a:rPr lang="en-US" altLang="zh-CN" dirty="0" smtClean="0"/>
+              <a:t>          </a:t>
+            </a:r>
+            <a:r>
+              <a:rPr lang="zh-CN" altLang="en-US" dirty="0" smtClean="0"/>
+              <a:t>  背面的</a:t>
+            </a:r>
+            <a:r>
+              <a:rPr lang="en-US" altLang="zh-CN" dirty="0" smtClean="0"/>
+              <a:t>32</a:t>
+            </a:r>
+            <a:r>
+              <a:rPr lang="zh-CN" altLang="en-US" dirty="0" smtClean="0"/>
+              <a:t>个</a:t>
+            </a:r>
+            <a:r>
+              <a:rPr lang="en-US" altLang="zh-CN" dirty="0" smtClean="0"/>
+              <a:t>strip</a:t>
+            </a:r>
+            <a:r>
+              <a:rPr lang="zh-CN" altLang="en-US" dirty="0" smtClean="0"/>
+              <a:t>进行组合，如果</a:t>
+            </a:r>
+            <a:r>
+              <a:rPr lang="zh-CN" altLang="en-US" b="1" dirty="0" smtClean="0">
+                <a:solidFill>
+                  <a:srgbClr val="FF0000"/>
+                </a:solidFill>
+              </a:rPr>
+              <a:t>背面只有一个</a:t>
+            </a:r>
+            <a:r>
+              <a:rPr lang="en-US" altLang="zh-CN" b="1" dirty="0" smtClean="0">
+                <a:solidFill>
+                  <a:srgbClr val="FF0000"/>
+                </a:solidFill>
+              </a:rPr>
+              <a:t>strip</a:t>
+            </a:r>
+            <a:r>
+              <a:rPr lang="en-US" altLang="zh-CN" dirty="0" smtClean="0"/>
+              <a:t>(</a:t>
+            </a:r>
+            <a:r>
+              <a:rPr lang="zh-CN" altLang="en-US" dirty="0" smtClean="0"/>
+              <a:t>考虑</a:t>
+            </a:r>
+            <a:r>
+              <a:rPr lang="en-US" altLang="zh-CN" dirty="0" smtClean="0"/>
+              <a:t>charge sharing</a:t>
+            </a:r>
+            <a:r>
+              <a:rPr lang="zh-CN" altLang="en-US" dirty="0" smtClean="0"/>
+              <a:t>之后</a:t>
+            </a:r>
+            <a:r>
+              <a:rPr lang="en-US" altLang="zh-CN" dirty="0" smtClean="0"/>
+              <a:t>)</a:t>
+            </a:r>
+            <a:r>
+              <a:rPr lang="zh-CN" altLang="en-US" dirty="0" smtClean="0"/>
+              <a:t>也同时探测到</a:t>
+            </a:r>
+            <a:endParaRPr lang="en-US" altLang="zh-CN" dirty="0" smtClean="0"/>
+          </a:p>
+          <a:p>
+            <a:r>
+              <a:rPr lang="en-US" altLang="zh-CN" dirty="0"/>
+              <a:t> </a:t>
+            </a:r>
+            <a:r>
+              <a:rPr lang="en-US" altLang="zh-CN" dirty="0" smtClean="0"/>
+              <a:t>            </a:t>
+            </a:r>
+            <a:r>
+              <a:rPr lang="zh-CN" altLang="en-US" dirty="0" smtClean="0"/>
+              <a:t>信号，并且两个能量信号相同</a:t>
+            </a:r>
+            <a:r>
+              <a:rPr lang="en-US" altLang="zh-CN" dirty="0" smtClean="0"/>
+              <a:t>(</a:t>
+            </a:r>
+            <a:r>
+              <a:rPr lang="zh-CN" altLang="en-US" dirty="0" smtClean="0"/>
+              <a:t>或接近相同</a:t>
+            </a:r>
+            <a:r>
+              <a:rPr lang="en-US" altLang="zh-CN" dirty="0" smtClean="0"/>
+              <a:t>)</a:t>
+            </a:r>
+            <a:r>
+              <a:rPr lang="zh-CN" altLang="en-US" dirty="0"/>
+              <a:t>，</a:t>
+            </a:r>
+            <a:r>
+              <a:rPr lang="zh-CN" altLang="en-US" dirty="0" smtClean="0"/>
+              <a:t>那么这两个</a:t>
+            </a:r>
+            <a:r>
+              <a:rPr lang="en-US" altLang="zh-CN" dirty="0" smtClean="0"/>
+              <a:t>strip</a:t>
+            </a:r>
+            <a:r>
+              <a:rPr lang="zh-CN" altLang="en-US" dirty="0" smtClean="0"/>
+              <a:t>对应的“</a:t>
+            </a:r>
+            <a:r>
+              <a:rPr lang="en-US" altLang="zh-CN" dirty="0" smtClean="0"/>
+              <a:t>pixel</a:t>
+            </a:r>
+            <a:r>
+              <a:rPr lang="zh-CN" altLang="en-US" dirty="0" smtClean="0"/>
+              <a:t>”就是入射粒</a:t>
+            </a:r>
+            <a:endParaRPr lang="en-US" altLang="zh-CN" dirty="0" smtClean="0"/>
+          </a:p>
+          <a:p>
+            <a:r>
+              <a:rPr lang="en-US" altLang="zh-CN" dirty="0"/>
+              <a:t> </a:t>
+            </a:r>
+            <a:r>
+              <a:rPr lang="en-US" altLang="zh-CN" dirty="0" smtClean="0"/>
+              <a:t>            </a:t>
+            </a:r>
+            <a:r>
+              <a:rPr lang="zh-CN" altLang="en-US" dirty="0" smtClean="0"/>
+              <a:t>子的位置</a:t>
+            </a:r>
+            <a:r>
+              <a:rPr lang="en-US" altLang="zh-CN" dirty="0" smtClean="0"/>
+              <a:t>. </a:t>
+            </a:r>
+            <a:r>
+              <a:rPr lang="zh-CN" altLang="en-US" dirty="0" smtClean="0"/>
+              <a:t>这种情况下，</a:t>
+            </a:r>
+            <a:r>
+              <a:rPr lang="zh-CN" altLang="en-US" b="1" dirty="0" smtClean="0">
+                <a:solidFill>
+                  <a:srgbClr val="FF0000"/>
+                </a:solidFill>
+              </a:rPr>
+              <a:t>前面和背面总能</a:t>
+            </a:r>
+            <a:r>
+              <a:rPr lang="en-US" altLang="zh-CN" b="1" dirty="0" smtClean="0">
+                <a:solidFill>
+                  <a:srgbClr val="FF0000"/>
+                </a:solidFill>
+              </a:rPr>
+              <a:t>match</a:t>
+            </a:r>
+            <a:r>
+              <a:rPr lang="zh-CN" altLang="en-US" b="1" dirty="0" smtClean="0">
+                <a:solidFill>
+                  <a:srgbClr val="FF0000"/>
+                </a:solidFill>
+              </a:rPr>
+              <a:t>上</a:t>
+            </a:r>
+            <a:r>
+              <a:rPr lang="en-US" altLang="zh-CN" b="1" dirty="0" smtClean="0">
+                <a:solidFill>
+                  <a:srgbClr val="FF0000"/>
+                </a:solidFill>
+              </a:rPr>
+              <a:t>.</a:t>
+            </a:r>
+          </a:p>
+          <a:p>
+            <a:endParaRPr lang="en-US" altLang="zh-CN" dirty="0" smtClean="0"/>
+          </a:p>
+          <a:p>
+            <a:r>
+              <a:rPr lang="en-US" dirty="0"/>
+              <a:t>        </a:t>
+            </a:r>
+            <a:r>
+              <a:rPr lang="en-US" dirty="0" smtClean="0"/>
+              <a:t> ● </a:t>
+            </a:r>
+            <a:r>
+              <a:rPr lang="zh-CN" altLang="en-US" dirty="0" smtClean="0"/>
+              <a:t>如果</a:t>
+            </a:r>
+            <a:r>
+              <a:rPr lang="zh-CN" altLang="en-US" b="1" dirty="0" smtClean="0">
+                <a:solidFill>
+                  <a:srgbClr val="FF0000"/>
+                </a:solidFill>
+              </a:rPr>
+              <a:t>后面不止有一个</a:t>
+            </a:r>
+            <a:r>
+              <a:rPr lang="en-US" altLang="zh-CN" b="1" dirty="0" smtClean="0">
+                <a:solidFill>
+                  <a:srgbClr val="FF0000"/>
+                </a:solidFill>
+              </a:rPr>
+              <a:t>strip</a:t>
+            </a:r>
+            <a:r>
+              <a:rPr lang="zh-CN" altLang="en-US" b="1" dirty="0" smtClean="0">
+                <a:solidFill>
+                  <a:srgbClr val="FF0000"/>
+                </a:solidFill>
+              </a:rPr>
+              <a:t>有信号</a:t>
+            </a:r>
+            <a:r>
+              <a:rPr lang="zh-CN" altLang="en-US" dirty="0" smtClean="0"/>
+              <a:t>，这种情况下，背面的每个信号会比前面小得多。</a:t>
+            </a:r>
+            <a:r>
+              <a:rPr lang="zh-CN" altLang="en-US" b="1" dirty="0" smtClean="0">
+                <a:solidFill>
+                  <a:srgbClr val="FF0000"/>
+                </a:solidFill>
+              </a:rPr>
+              <a:t>前面和</a:t>
+            </a:r>
+            <a:endParaRPr lang="en-US" altLang="zh-CN" b="1" dirty="0" smtClean="0">
+              <a:solidFill>
+                <a:srgbClr val="FF0000"/>
+              </a:solidFill>
+            </a:endParaRPr>
+          </a:p>
+          <a:p>
+            <a:r>
+              <a:rPr lang="en-US" altLang="zh-CN" b="1" dirty="0">
+                <a:solidFill>
+                  <a:srgbClr val="FF0000"/>
+                </a:solidFill>
+              </a:rPr>
+              <a:t> </a:t>
+            </a:r>
+            <a:r>
+              <a:rPr lang="en-US" altLang="zh-CN" b="1" dirty="0" smtClean="0">
+                <a:solidFill>
+                  <a:srgbClr val="FF0000"/>
+                </a:solidFill>
+              </a:rPr>
+              <a:t>            </a:t>
+            </a:r>
+            <a:r>
+              <a:rPr lang="zh-CN" altLang="en-US" b="1" dirty="0" smtClean="0">
+                <a:solidFill>
+                  <a:srgbClr val="FF0000"/>
+                </a:solidFill>
+              </a:rPr>
+              <a:t>背面</a:t>
+            </a:r>
+            <a:r>
+              <a:rPr lang="en-US" altLang="zh-CN" b="1" dirty="0" smtClean="0">
+                <a:solidFill>
+                  <a:srgbClr val="FF0000"/>
+                </a:solidFill>
+              </a:rPr>
+              <a:t>match</a:t>
+            </a:r>
+            <a:r>
+              <a:rPr lang="zh-CN" altLang="en-US" b="1" dirty="0" smtClean="0">
+                <a:solidFill>
+                  <a:srgbClr val="FF0000"/>
+                </a:solidFill>
+              </a:rPr>
+              <a:t>不上！</a:t>
+            </a:r>
+            <a:r>
+              <a:rPr lang="zh-CN" altLang="en-US" dirty="0" smtClean="0"/>
+              <a:t> </a:t>
+            </a:r>
+            <a:r>
+              <a:rPr lang="zh-CN" altLang="en-US" dirty="0" smtClean="0"/>
+              <a:t>对于这种“多击事件”，</a:t>
+            </a:r>
+            <a:r>
+              <a:rPr lang="zh-CN" altLang="en-US" dirty="0" smtClean="0"/>
+              <a:t>通常我们通常直接扔掉！！</a:t>
             </a:r>
             <a:endParaRPr lang="en-US" dirty="0"/>
           </a:p>
         </p:txBody>
       </p:sp>
+      <p:pic>
+        <p:nvPicPr>
+          <p:cNvPr id="3" name="Picture 6"/>
+          <p:cNvPicPr>
+            <a:picLocks noChangeAspect="1"/>
+          </p:cNvPicPr>
+          <p:nvPr/>
+        </p:nvPicPr>
+        <p:blipFill>
+          <a:blip r:embed="rId2" cstate="print">
+            <a:extLst>
+              <a:ext uri="{28A0092B-C50C-407E-A947-70E740481C1C}">
+                <a14:useLocalDpi xmlns:a14="http://schemas.microsoft.com/office/drawing/2010/main" val="0"/>
+              </a:ext>
+            </a:extLst>
+          </a:blip>
+          <a:stretch>
+            <a:fillRect/>
+          </a:stretch>
+        </p:blipFill>
+        <p:spPr>
+          <a:xfrm>
+            <a:off x="8760412" y="3951953"/>
+            <a:ext cx="3351376" cy="2638846"/>
+          </a:xfrm>
+          <a:prstGeom prst="rect">
+            <a:avLst/>
+          </a:prstGeom>
+        </p:spPr>
+      </p:pic>
     </p:spTree>
     <p:extLst>
       <p:ext uri="{BB962C8B-B14F-4D97-AF65-F5344CB8AC3E}">
@@ -10305,4 +11128,265 @@
     </a:ext>
   </a:extLst>
 </a:theme>
+</file>
+
+<file path=ppt/theme/theme2.xml><?xml version="1.0" encoding="utf-8"?>
+<a:theme xmlns:a="http://schemas.openxmlformats.org/drawingml/2006/main" name="Office 主题">
+  <a:themeElements>
+    <a:clrScheme name="Office">
+      <a:dk1>
+        <a:sysClr val="windowText" lastClr="000000"/>
+      </a:dk1>
+      <a:lt1>
+        <a:sysClr val="window" lastClr="FFFFFF"/>
+      </a:lt1>
+      <a:dk2>
+        <a:srgbClr val="44546A"/>
+      </a:dk2>
+      <a:lt2>
+        <a:srgbClr val="E7E6E6"/>
+      </a:lt2>
+      <a:accent1>
+        <a:srgbClr val="5B9BD5"/>
+      </a:accent1>
+      <a:accent2>
+        <a:srgbClr val="ED7D31"/>
+      </a:accent2>
+      <a:accent3>
+        <a:srgbClr val="A5A5A5"/>
+      </a:accent3>
+      <a:accent4>
+        <a:srgbClr val="FFC000"/>
+      </a:accent4>
+      <a:accent5>
+        <a:srgbClr val="4472C4"/>
+      </a:accent5>
+      <a:accent6>
+        <a:srgbClr val="70AD47"/>
+      </a:accent6>
+      <a:hlink>
+        <a:srgbClr val="0563C1"/>
+      </a:hlink>
+      <a:folHlink>
+        <a:srgbClr val="954F72"/>
+      </a:folHlink>
+    </a:clrScheme>
+    <a:fontScheme name="Office">
+      <a:majorFont>
+        <a:latin typeface="Calibri Light" panose="020F0302020204030204"/>
+        <a:ea typeface=""/>
+        <a:cs typeface=""/>
+        <a:font script="Jpan" typeface="ＭＳ Ｐゴシック"/>
+        <a:font script="Hang" typeface="맑은 고딕"/>
+        <a:font script="Hans" typeface="宋体"/>
+        <a:font script="Hant" typeface="新細明體"/>
+        <a:font script="Arab" typeface="Times New Roman"/>
+        <a:font script="Hebr" typeface="Times New Roman"/>
+        <a:font script="Thai" typeface="Angsana New"/>
+        <a:font script="Ethi" typeface="Nyala"/>
+        <a:font script="Beng" typeface="Vrinda"/>
+        <a:font script="Gujr" typeface="Shruti"/>
+        <a:font script="Khmr" typeface="MoolBoran"/>
+        <a:font script="Knda" typeface="Tunga"/>
+        <a:font script="Guru" typeface="Raavi"/>
+        <a:font script="Cans" typeface="Euphemia"/>
+        <a:font script="Cher" typeface="Plantagenet Cherokee"/>
+        <a:font script="Yiii" typeface="Microsoft Yi Baiti"/>
+        <a:font script="Tibt" typeface="Microsoft Himalaya"/>
+        <a:font script="Thaa" typeface="MV Boli"/>
+        <a:font script="Deva" typeface="Mangal"/>
+        <a:font script="Telu" typeface="Gautami"/>
+        <a:font script="Taml" typeface="Latha"/>
+        <a:font script="Syrc" typeface="Estrangelo Edessa"/>
+        <a:font script="Orya" typeface="Kalinga"/>
+        <a:font script="Mlym" typeface="Kartika"/>
+        <a:font script="Laoo" typeface="DokChampa"/>
+        <a:font script="Sinh" typeface="Iskoola Pota"/>
+        <a:font script="Mong" typeface="Mongolian Baiti"/>
+        <a:font script="Viet" typeface="Times New Roman"/>
+        <a:font script="Uigh" typeface="Microsoft Uighur"/>
+        <a:font script="Geor" typeface="Sylfaen"/>
+      </a:majorFont>
+      <a:minorFont>
+        <a:latin typeface="Calibri" panose="020F0502020204030204"/>
+        <a:ea typeface=""/>
+        <a:cs typeface=""/>
+        <a:font script="Jpan" typeface="ＭＳ Ｐゴシック"/>
+        <a:font script="Hang" typeface="맑은 고딕"/>
+        <a:font script="Hans" typeface="宋体"/>
+        <a:font script="Hant" typeface="新細明體"/>
+        <a:font script="Arab" typeface="Arial"/>
+        <a:font script="Hebr" typeface="Arial"/>
+        <a:font script="Thai" typeface="Cordia New"/>
+        <a:font script="Ethi" typeface="Nyala"/>
+        <a:font script="Beng" typeface="Vrinda"/>
+        <a:font script="Gujr" typeface="Shruti"/>
+        <a:font script="Khmr" typeface="DaunPenh"/>
+        <a:font script="Knda" typeface="Tunga"/>
+        <a:font script="Guru" typeface="Raavi"/>
+        <a:font script="Cans" typeface="Euphemia"/>
+        <a:font script="Cher" typeface="Plantagenet Cherokee"/>
+        <a:font script="Yiii" typeface="Microsoft Yi Baiti"/>
+        <a:font script="Tibt" typeface="Microsoft Himalaya"/>
+        <a:font script="Thaa" typeface="MV Boli"/>
+        <a:font script="Deva" typeface="Mangal"/>
+        <a:font script="Telu" typeface="Gautami"/>
+        <a:font script="Taml" typeface="Latha"/>
+        <a:font script="Syrc" typeface="Estrangelo Edessa"/>
+        <a:font script="Orya" typeface="Kalinga"/>
+        <a:font script="Mlym" typeface="Kartika"/>
+        <a:font script="Laoo" typeface="DokChampa"/>
+        <a:font script="Sinh" typeface="Iskoola Pota"/>
+        <a:font script="Mong" typeface="Mongolian Baiti"/>
+        <a:font script="Viet" typeface="Arial"/>
+        <a:font script="Uigh" typeface="Microsoft Uighur"/>
+        <a:font script="Geor" typeface="Sylfaen"/>
+      </a:minorFont>
+    </a:fontScheme>
+    <a:fmtScheme name="Office">
+      <a:fillStyleLst>
+        <a:solidFill>
+          <a:schemeClr val="phClr"/>
+        </a:solidFill>
+        <a:gradFill rotWithShape="1">
+          <a:gsLst>
+            <a:gs pos="0">
+              <a:schemeClr val="phClr">
+                <a:lumMod val="110000"/>
+                <a:satMod val="105000"/>
+                <a:tint val="67000"/>
+              </a:schemeClr>
+            </a:gs>
+            <a:gs pos="50000">
+              <a:schemeClr val="phClr">
+                <a:lumMod val="105000"/>
+                <a:satMod val="103000"/>
+                <a:tint val="73000"/>
+              </a:schemeClr>
+            </a:gs>
+            <a:gs pos="100000">
+              <a:schemeClr val="phClr">
+                <a:lumMod val="105000"/>
+                <a:satMod val="109000"/>
+                <a:tint val="81000"/>
+              </a:schemeClr>
+            </a:gs>
+          </a:gsLst>
+          <a:lin ang="5400000" scaled="0"/>
+        </a:gradFill>
+        <a:gradFill rotWithShape="1">
+          <a:gsLst>
+            <a:gs pos="0">
+              <a:schemeClr val="phClr">
+                <a:satMod val="103000"/>
+                <a:lumMod val="102000"/>
+                <a:tint val="94000"/>
+              </a:schemeClr>
+            </a:gs>
+            <a:gs pos="50000">
+              <a:schemeClr val="phClr">
+                <a:satMod val="110000"/>
+                <a:lumMod val="100000"/>
+                <a:shade val="100000"/>
+              </a:schemeClr>
+            </a:gs>
+            <a:gs pos="100000">
+              <a:schemeClr val="phClr">
+                <a:lumMod val="99000"/>
+                <a:satMod val="120000"/>
+                <a:shade val="78000"/>
+              </a:schemeClr>
+            </a:gs>
+          </a:gsLst>
+          <a:lin ang="5400000" scaled="0"/>
+        </a:gradFill>
+      </a:fillStyleLst>
+      <a:lnStyleLst>
+        <a:ln w="6350" cap="flat" cmpd="sng" algn="ctr">
+          <a:solidFill>
+            <a:schemeClr val="phClr"/>
+          </a:solidFill>
+          <a:prstDash val="solid"/>
+          <a:miter lim="800000"/>
+        </a:ln>
+        <a:ln w="12700" cap="flat" cmpd="sng" algn="ctr">
+          <a:solidFill>
+            <a:schemeClr val="phClr"/>
+          </a:solidFill>
+          <a:prstDash val="solid"/>
+          <a:miter lim="800000"/>
+        </a:ln>
+        <a:ln w="19050" cap="flat" cmpd="sng" algn="ctr">
+          <a:solidFill>
+            <a:schemeClr val="phClr"/>
+          </a:solidFill>
+          <a:prstDash val="solid"/>
+          <a:miter lim="800000"/>
+        </a:ln>
+      </a:lnStyleLst>
+      <a:effectStyleLst>
+        <a:effectStyle>
+          <a:effectLst/>
+        </a:effectStyle>
+        <a:effectStyle>
+          <a:effectLst/>
+        </a:effectStyle>
+        <a:effectStyle>
+          <a:effectLst>
+            <a:outerShdw blurRad="57150" dist="19050" dir="5400000" algn="ctr" rotWithShape="0">
+              <a:srgbClr val="000000">
+                <a:alpha val="63000"/>
+              </a:srgbClr>
+            </a:outerShdw>
+          </a:effectLst>
+        </a:effectStyle>
+      </a:effectStyleLst>
+      <a:bgFillStyleLst>
+        <a:solidFill>
+          <a:schemeClr val="phClr"/>
+        </a:solidFill>
+        <a:solidFill>
+          <a:schemeClr val="phClr">
+            <a:tint val="95000"/>
+            <a:satMod val="170000"/>
+          </a:schemeClr>
+        </a:solidFill>
+        <a:gradFill rotWithShape="1">
+          <a:gsLst>
+            <a:gs pos="0">
+              <a:schemeClr val="phClr">
+                <a:tint val="93000"/>
+                <a:satMod val="150000"/>
+                <a:shade val="98000"/>
+                <a:lumMod val="102000"/>
+              </a:schemeClr>
+            </a:gs>
+            <a:gs pos="50000">
+              <a:schemeClr val="phClr">
+                <a:tint val="98000"/>
+                <a:satMod val="130000"/>
+                <a:shade val="90000"/>
+                <a:lumMod val="103000"/>
+              </a:schemeClr>
+            </a:gs>
+            <a:gs pos="100000">
+              <a:schemeClr val="phClr">
+                <a:shade val="63000"/>
+                <a:satMod val="120000"/>
+              </a:schemeClr>
+            </a:gs>
+          </a:gsLst>
+          <a:lin ang="5400000" scaled="0"/>
+        </a:gradFill>
+      </a:bgFillStyleLst>
+    </a:fmtScheme>
+  </a:themeElements>
+  <a:objectDefaults/>
+  <a:extraClrSchemeLst/>
+  <a:extLst>
+    <a:ext uri="{05A4C25C-085E-4340-85A3-A5531E510DB2}">
+      <thm15:themeFamily xmlns:thm15="http://schemas.microsoft.com/office/thememl/2012/main" name="Office Theme" id="{62F939B6-93AF-4DB8-9C6B-D6C7DFDC589F}" vid="{4A3C46E8-61CC-4603-A589-7422A47A8E4A}"/>
+    </a:ext>
+  </a:extLst>
+</a:theme>
 </file>
--- a/03DE-E-Detector.pptx
+++ b/03DE-E-Detector.pptx
@@ -5,7 +5,7 @@
     <p:sldMasterId id="2147483648" r:id="rId1"/>
   </p:sldMasterIdLst>
   <p:notesMasterIdLst>
-    <p:notesMasterId r:id="rId44"/>
+    <p:notesMasterId r:id="rId47"/>
   </p:notesMasterIdLst>
   <p:sldIdLst>
     <p:sldId id="278" r:id="rId2"/>
@@ -16,40 +16,43 @@
     <p:sldId id="279" r:id="rId7"/>
     <p:sldId id="281" r:id="rId8"/>
     <p:sldId id="282" r:id="rId9"/>
-    <p:sldId id="285" r:id="rId10"/>
-    <p:sldId id="286" r:id="rId11"/>
-    <p:sldId id="284" r:id="rId12"/>
-    <p:sldId id="265" r:id="rId13"/>
-    <p:sldId id="266" r:id="rId14"/>
-    <p:sldId id="270" r:id="rId15"/>
-    <p:sldId id="271" r:id="rId16"/>
-    <p:sldId id="273" r:id="rId17"/>
-    <p:sldId id="274" r:id="rId18"/>
-    <p:sldId id="275" r:id="rId19"/>
-    <p:sldId id="276" r:id="rId20"/>
-    <p:sldId id="277" r:id="rId21"/>
-    <p:sldId id="268" r:id="rId22"/>
-    <p:sldId id="269" r:id="rId23"/>
-    <p:sldId id="258" r:id="rId24"/>
-    <p:sldId id="260" r:id="rId25"/>
-    <p:sldId id="262" r:id="rId26"/>
-    <p:sldId id="287" r:id="rId27"/>
-    <p:sldId id="289" r:id="rId28"/>
-    <p:sldId id="290" r:id="rId29"/>
-    <p:sldId id="291" r:id="rId30"/>
-    <p:sldId id="292" r:id="rId31"/>
-    <p:sldId id="293" r:id="rId32"/>
-    <p:sldId id="294" r:id="rId33"/>
-    <p:sldId id="295" r:id="rId34"/>
-    <p:sldId id="296" r:id="rId35"/>
-    <p:sldId id="297" r:id="rId36"/>
-    <p:sldId id="298" r:id="rId37"/>
-    <p:sldId id="299" r:id="rId38"/>
-    <p:sldId id="300" r:id="rId39"/>
-    <p:sldId id="301" r:id="rId40"/>
-    <p:sldId id="302" r:id="rId41"/>
-    <p:sldId id="288" r:id="rId42"/>
-    <p:sldId id="263" r:id="rId43"/>
+    <p:sldId id="265" r:id="rId10"/>
+    <p:sldId id="266" r:id="rId11"/>
+    <p:sldId id="270" r:id="rId12"/>
+    <p:sldId id="271" r:id="rId13"/>
+    <p:sldId id="273" r:id="rId14"/>
+    <p:sldId id="274" r:id="rId15"/>
+    <p:sldId id="275" r:id="rId16"/>
+    <p:sldId id="276" r:id="rId17"/>
+    <p:sldId id="277" r:id="rId18"/>
+    <p:sldId id="260" r:id="rId19"/>
+    <p:sldId id="287" r:id="rId20"/>
+    <p:sldId id="289" r:id="rId21"/>
+    <p:sldId id="290" r:id="rId22"/>
+    <p:sldId id="291" r:id="rId23"/>
+    <p:sldId id="292" r:id="rId24"/>
+    <p:sldId id="293" r:id="rId25"/>
+    <p:sldId id="294" r:id="rId26"/>
+    <p:sldId id="295" r:id="rId27"/>
+    <p:sldId id="296" r:id="rId28"/>
+    <p:sldId id="297" r:id="rId29"/>
+    <p:sldId id="298" r:id="rId30"/>
+    <p:sldId id="299" r:id="rId31"/>
+    <p:sldId id="300" r:id="rId32"/>
+    <p:sldId id="301" r:id="rId33"/>
+    <p:sldId id="302" r:id="rId34"/>
+    <p:sldId id="288" r:id="rId35"/>
+    <p:sldId id="303" r:id="rId36"/>
+    <p:sldId id="304" r:id="rId37"/>
+    <p:sldId id="312" r:id="rId38"/>
+    <p:sldId id="263" r:id="rId39"/>
+    <p:sldId id="305" r:id="rId40"/>
+    <p:sldId id="306" r:id="rId41"/>
+    <p:sldId id="307" r:id="rId42"/>
+    <p:sldId id="308" r:id="rId43"/>
+    <p:sldId id="309" r:id="rId44"/>
+    <p:sldId id="310" r:id="rId45"/>
+    <p:sldId id="311" r:id="rId46"/>
   </p:sldIdLst>
   <p:sldSz cx="12192000" cy="6858000"/>
   <p:notesSz cx="6858000" cy="9144000"/>
@@ -238,7 +241,7 @@
           <a:p>
             <a:fld id="{793144BA-D827-4C5F-84CE-235CAC5CC0A7}" type="datetimeFigureOut">
               <a:rPr lang="zh-CN" altLang="en-US" smtClean="0"/>
-              <a:t>2018/10/31</a:t>
+              <a:t>2018/11/1</a:t>
             </a:fld>
             <a:endParaRPr lang="zh-CN" altLang="en-US"/>
           </a:p>
@@ -655,7 +658,7 @@
           <a:p>
             <a:fld id="{2BB619C3-A3AD-4738-A8F3-054951D8ADA7}" type="slidenum">
               <a:rPr lang="en-US" smtClean="0"/>
-              <a:t>27</a:t>
+              <a:t>20</a:t>
             </a:fld>
             <a:endParaRPr lang="en-US"/>
           </a:p>
@@ -665,6 +668,90 @@
     <p:extLst>
       <p:ext uri="{BB962C8B-B14F-4D97-AF65-F5344CB8AC3E}">
         <p14:creationId xmlns:p14="http://schemas.microsoft.com/office/powerpoint/2010/main" val="2198577436"/>
+      </p:ext>
+    </p:extLst>
+  </p:cSld>
+  <p:clrMapOvr>
+    <a:masterClrMapping/>
+  </p:clrMapOvr>
+</p:notes>
+</file>
+
+<file path=ppt/notesSlides/notesSlide3.xml><?xml version="1.0" encoding="utf-8"?>
+<p:notes xmlns:a="http://schemas.openxmlformats.org/drawingml/2006/main" xmlns:r="http://schemas.openxmlformats.org/officeDocument/2006/relationships" xmlns:p="http://schemas.openxmlformats.org/presentationml/2006/main">
+  <p:cSld>
+    <p:spTree>
+      <p:nvGrpSpPr>
+        <p:cNvPr id="1" name=""/>
+        <p:cNvGrpSpPr/>
+        <p:nvPr/>
+      </p:nvGrpSpPr>
+      <p:grpSpPr>
+        <a:xfrm>
+          <a:off x="0" y="0"/>
+          <a:ext cx="0" cy="0"/>
+          <a:chOff x="0" y="0"/>
+          <a:chExt cx="0" cy="0"/>
+        </a:xfrm>
+      </p:grpSpPr>
+      <p:sp>
+        <p:nvSpPr>
+          <p:cNvPr id="2" name="幻灯片图像占位符 1"/>
+          <p:cNvSpPr>
+            <a:spLocks noGrp="1" noRot="1" noChangeAspect="1"/>
+          </p:cNvSpPr>
+          <p:nvPr>
+            <p:ph type="sldImg"/>
+          </p:nvPr>
+        </p:nvSpPr>
+        <p:spPr/>
+      </p:sp>
+      <p:sp>
+        <p:nvSpPr>
+          <p:cNvPr id="3" name="备注占位符 2"/>
+          <p:cNvSpPr>
+            <a:spLocks noGrp="1"/>
+          </p:cNvSpPr>
+          <p:nvPr>
+            <p:ph type="body" idx="1"/>
+          </p:nvPr>
+        </p:nvSpPr>
+        <p:spPr/>
+        <p:txBody>
+          <a:bodyPr/>
+          <a:lstStyle/>
+          <a:p>
+            <a:endParaRPr lang="zh-CN" altLang="en-US"/>
+          </a:p>
+        </p:txBody>
+      </p:sp>
+      <p:sp>
+        <p:nvSpPr>
+          <p:cNvPr id="4" name="灯片编号占位符 3"/>
+          <p:cNvSpPr>
+            <a:spLocks noGrp="1"/>
+          </p:cNvSpPr>
+          <p:nvPr>
+            <p:ph type="sldNum" sz="quarter" idx="10"/>
+          </p:nvPr>
+        </p:nvSpPr>
+        <p:spPr/>
+        <p:txBody>
+          <a:bodyPr/>
+          <a:lstStyle/>
+          <a:p>
+            <a:fld id="{7D439003-F4DC-4184-820E-8661A476C97D}" type="slidenum">
+              <a:rPr lang="zh-CN" altLang="en-US" smtClean="0"/>
+              <a:t>35</a:t>
+            </a:fld>
+            <a:endParaRPr lang="zh-CN" altLang="en-US"/>
+          </a:p>
+        </p:txBody>
+      </p:sp>
+    </p:spTree>
+    <p:extLst>
+      <p:ext uri="{BB962C8B-B14F-4D97-AF65-F5344CB8AC3E}">
+        <p14:creationId xmlns:p14="http://schemas.microsoft.com/office/powerpoint/2010/main" val="3156489935"/>
       </p:ext>
     </p:extLst>
   </p:cSld>
@@ -805,7 +892,7 @@
           <a:p>
             <a:fld id="{B49F1F9E-BB21-4ADB-B707-20B3786FE04D}" type="datetimeFigureOut">
               <a:rPr lang="en-US" smtClean="0"/>
-              <a:t>10/31/2018</a:t>
+              <a:t>11/1/2018</a:t>
             </a:fld>
             <a:endParaRPr lang="en-US"/>
           </a:p>
@@ -975,7 +1062,7 @@
           <a:p>
             <a:fld id="{B49F1F9E-BB21-4ADB-B707-20B3786FE04D}" type="datetimeFigureOut">
               <a:rPr lang="en-US" smtClean="0"/>
-              <a:t>10/31/2018</a:t>
+              <a:t>11/1/2018</a:t>
             </a:fld>
             <a:endParaRPr lang="en-US"/>
           </a:p>
@@ -1155,7 +1242,7 @@
           <a:p>
             <a:fld id="{B49F1F9E-BB21-4ADB-B707-20B3786FE04D}" type="datetimeFigureOut">
               <a:rPr lang="en-US" smtClean="0"/>
-              <a:t>10/31/2018</a:t>
+              <a:t>11/1/2018</a:t>
             </a:fld>
             <a:endParaRPr lang="en-US"/>
           </a:p>
@@ -1325,7 +1412,7 @@
           <a:p>
             <a:fld id="{B49F1F9E-BB21-4ADB-B707-20B3786FE04D}" type="datetimeFigureOut">
               <a:rPr lang="en-US" smtClean="0"/>
-              <a:t>10/31/2018</a:t>
+              <a:t>11/1/2018</a:t>
             </a:fld>
             <a:endParaRPr lang="en-US"/>
           </a:p>
@@ -1571,7 +1658,7 @@
           <a:p>
             <a:fld id="{B49F1F9E-BB21-4ADB-B707-20B3786FE04D}" type="datetimeFigureOut">
               <a:rPr lang="en-US" smtClean="0"/>
-              <a:t>10/31/2018</a:t>
+              <a:t>11/1/2018</a:t>
             </a:fld>
             <a:endParaRPr lang="en-US"/>
           </a:p>
@@ -1803,7 +1890,7 @@
           <a:p>
             <a:fld id="{B49F1F9E-BB21-4ADB-B707-20B3786FE04D}" type="datetimeFigureOut">
               <a:rPr lang="en-US" smtClean="0"/>
-              <a:t>10/31/2018</a:t>
+              <a:t>11/1/2018</a:t>
             </a:fld>
             <a:endParaRPr lang="en-US"/>
           </a:p>
@@ -2170,7 +2257,7 @@
           <a:p>
             <a:fld id="{B49F1F9E-BB21-4ADB-B707-20B3786FE04D}" type="datetimeFigureOut">
               <a:rPr lang="en-US" smtClean="0"/>
-              <a:t>10/31/2018</a:t>
+              <a:t>11/1/2018</a:t>
             </a:fld>
             <a:endParaRPr lang="en-US"/>
           </a:p>
@@ -2288,7 +2375,7 @@
           <a:p>
             <a:fld id="{B49F1F9E-BB21-4ADB-B707-20B3786FE04D}" type="datetimeFigureOut">
               <a:rPr lang="en-US" smtClean="0"/>
-              <a:t>10/31/2018</a:t>
+              <a:t>11/1/2018</a:t>
             </a:fld>
             <a:endParaRPr lang="en-US"/>
           </a:p>
@@ -2383,7 +2470,7 @@
           <a:p>
             <a:fld id="{B49F1F9E-BB21-4ADB-B707-20B3786FE04D}" type="datetimeFigureOut">
               <a:rPr lang="en-US" smtClean="0"/>
-              <a:t>10/31/2018</a:t>
+              <a:t>11/1/2018</a:t>
             </a:fld>
             <a:endParaRPr lang="en-US"/>
           </a:p>
@@ -2660,7 +2747,7 @@
           <a:p>
             <a:fld id="{B49F1F9E-BB21-4ADB-B707-20B3786FE04D}" type="datetimeFigureOut">
               <a:rPr lang="en-US" smtClean="0"/>
-              <a:t>10/31/2018</a:t>
+              <a:t>11/1/2018</a:t>
             </a:fld>
             <a:endParaRPr lang="en-US"/>
           </a:p>
@@ -2913,7 +3000,7 @@
           <a:p>
             <a:fld id="{B49F1F9E-BB21-4ADB-B707-20B3786FE04D}" type="datetimeFigureOut">
               <a:rPr lang="en-US" smtClean="0"/>
-              <a:t>10/31/2018</a:t>
+              <a:t>11/1/2018</a:t>
             </a:fld>
             <a:endParaRPr lang="en-US"/>
           </a:p>
@@ -3126,7 +3213,7 @@
           <a:p>
             <a:fld id="{B49F1F9E-BB21-4ADB-B707-20B3786FE04D}" type="datetimeFigureOut">
               <a:rPr lang="en-US" smtClean="0"/>
-              <a:t>10/31/2018</a:t>
+              <a:t>11/1/2018</a:t>
             </a:fld>
             <a:endParaRPr lang="en-US"/>
           </a:p>
@@ -3625,6 +3712,58 @@
           </a:p>
         </p:txBody>
       </p:sp>
+      <p:sp>
+        <p:nvSpPr>
+          <p:cNvPr id="5" name="TextBox 5"/>
+          <p:cNvSpPr txBox="1"/>
+          <p:nvPr/>
+        </p:nvSpPr>
+        <p:spPr>
+          <a:xfrm>
+            <a:off x="323417" y="1751981"/>
+            <a:ext cx="10676965" cy="369332"/>
+          </a:xfrm>
+          <a:prstGeom prst="rect">
+            <a:avLst/>
+          </a:prstGeom>
+          <a:noFill/>
+        </p:spPr>
+        <p:txBody>
+          <a:bodyPr wrap="square" rtlCol="0">
+            <a:spAutoFit/>
+          </a:bodyPr>
+          <a:lstStyle/>
+          <a:p>
+            <a:r>
+              <a:rPr lang="en-US" dirty="0" smtClean="0">
+                <a:solidFill>
+                  <a:srgbClr val="FF0000"/>
+                </a:solidFill>
+                <a:latin typeface="Times New Roman" panose="02020603050405020304" pitchFamily="18" charset="0"/>
+                <a:cs typeface="Times New Roman" panose="02020603050405020304" pitchFamily="18" charset="0"/>
+              </a:rPr>
+              <a:t>Q3: </a:t>
+            </a:r>
+            <a:r>
+              <a:rPr lang="zh-CN" altLang="en-US" dirty="0" smtClean="0">
+                <a:solidFill>
+                  <a:srgbClr val="FF0000"/>
+                </a:solidFill>
+                <a:latin typeface="Times New Roman" panose="02020603050405020304" pitchFamily="18" charset="0"/>
+                <a:cs typeface="Times New Roman" panose="02020603050405020304" pitchFamily="18" charset="0"/>
+              </a:rPr>
+              <a:t>光在晶体中的自吸收？</a:t>
+            </a:r>
+            <a:endParaRPr lang="en-US" dirty="0">
+              <a:solidFill>
+                <a:srgbClr val="FF0000"/>
+              </a:solidFill>
+              <a:latin typeface="Times New Roman" panose="02020603050405020304" pitchFamily="18" charset="0"/>
+              <a:cs typeface="Times New Roman" panose="02020603050405020304" pitchFamily="18" charset="0"/>
+            </a:endParaRPr>
+          </a:p>
+        </p:txBody>
+      </p:sp>
     </p:spTree>
     <p:extLst>
       <p:ext uri="{BB962C8B-B14F-4D97-AF65-F5344CB8AC3E}">
@@ -3639,216 +3778,6 @@
 </file>
 
 <file path=ppt/slides/slide10.xml><?xml version="1.0" encoding="utf-8"?>
-<p:sld xmlns:a="http://schemas.openxmlformats.org/drawingml/2006/main" xmlns:r="http://schemas.openxmlformats.org/officeDocument/2006/relationships" xmlns:p="http://schemas.openxmlformats.org/presentationml/2006/main">
-  <p:cSld>
-    <p:spTree>
-      <p:nvGrpSpPr>
-        <p:cNvPr id="1" name=""/>
-        <p:cNvGrpSpPr/>
-        <p:nvPr/>
-      </p:nvGrpSpPr>
-      <p:grpSpPr>
-        <a:xfrm>
-          <a:off x="0" y="0"/>
-          <a:ext cx="0" cy="0"/>
-          <a:chOff x="0" y="0"/>
-          <a:chExt cx="0" cy="0"/>
-        </a:xfrm>
-      </p:grpSpPr>
-    </p:spTree>
-    <p:extLst>
-      <p:ext uri="{BB962C8B-B14F-4D97-AF65-F5344CB8AC3E}">
-        <p14:creationId xmlns:p14="http://schemas.microsoft.com/office/powerpoint/2010/main" val="1400918416"/>
-      </p:ext>
-    </p:extLst>
-  </p:cSld>
-  <p:clrMapOvr>
-    <a:masterClrMapping/>
-  </p:clrMapOvr>
-</p:sld>
-</file>
-
-<file path=ppt/slides/slide11.xml><?xml version="1.0" encoding="utf-8"?>
-<p:sld xmlns:a="http://schemas.openxmlformats.org/drawingml/2006/main" xmlns:r="http://schemas.openxmlformats.org/officeDocument/2006/relationships" xmlns:p="http://schemas.openxmlformats.org/presentationml/2006/main">
-  <p:cSld>
-    <p:spTree>
-      <p:nvGrpSpPr>
-        <p:cNvPr id="1" name=""/>
-        <p:cNvGrpSpPr/>
-        <p:nvPr/>
-      </p:nvGrpSpPr>
-      <p:grpSpPr>
-        <a:xfrm>
-          <a:off x="0" y="0"/>
-          <a:ext cx="0" cy="0"/>
-          <a:chOff x="0" y="0"/>
-          <a:chExt cx="0" cy="0"/>
-        </a:xfrm>
-      </p:grpSpPr>
-      <p:sp>
-        <p:nvSpPr>
-          <p:cNvPr id="2" name="TextBox 1"/>
-          <p:cNvSpPr txBox="1"/>
-          <p:nvPr/>
-        </p:nvSpPr>
-        <p:spPr>
-          <a:xfrm>
-            <a:off x="3908612" y="2429436"/>
-            <a:ext cx="3998258" cy="584775"/>
-          </a:xfrm>
-          <a:prstGeom prst="rect">
-            <a:avLst/>
-          </a:prstGeom>
-          <a:noFill/>
-        </p:spPr>
-        <p:txBody>
-          <a:bodyPr wrap="square" rtlCol="0">
-            <a:spAutoFit/>
-          </a:bodyPr>
-          <a:lstStyle/>
-          <a:p>
-            <a:r>
-              <a:rPr lang="en-US" sz="3200" b="1" dirty="0" smtClean="0">
-                <a:latin typeface="Times New Roman" panose="02020603050405020304" pitchFamily="18" charset="0"/>
-                <a:cs typeface="Times New Roman" panose="02020603050405020304" pitchFamily="18" charset="0"/>
-              </a:rPr>
-              <a:t>2. Learn from Papers </a:t>
-            </a:r>
-            <a:endParaRPr lang="en-US" sz="3200" b="1" dirty="0">
-              <a:latin typeface="Times New Roman" panose="02020603050405020304" pitchFamily="18" charset="0"/>
-              <a:cs typeface="Times New Roman" panose="02020603050405020304" pitchFamily="18" charset="0"/>
-            </a:endParaRPr>
-          </a:p>
-        </p:txBody>
-      </p:sp>
-    </p:spTree>
-    <p:extLst>
-      <p:ext uri="{BB962C8B-B14F-4D97-AF65-F5344CB8AC3E}">
-        <p14:creationId xmlns:p14="http://schemas.microsoft.com/office/powerpoint/2010/main" val="3478649108"/>
-      </p:ext>
-    </p:extLst>
-  </p:cSld>
-  <p:clrMapOvr>
-    <a:masterClrMapping/>
-  </p:clrMapOvr>
-</p:sld>
-</file>
-
-<file path=ppt/slides/slide12.xml><?xml version="1.0" encoding="utf-8"?>
-<p:sld xmlns:a="http://schemas.openxmlformats.org/drawingml/2006/main" xmlns:r="http://schemas.openxmlformats.org/officeDocument/2006/relationships" xmlns:p="http://schemas.openxmlformats.org/presentationml/2006/main">
-  <p:cSld>
-    <p:spTree>
-      <p:nvGrpSpPr>
-        <p:cNvPr id="1" name=""/>
-        <p:cNvGrpSpPr/>
-        <p:nvPr/>
-      </p:nvGrpSpPr>
-      <p:grpSpPr>
-        <a:xfrm>
-          <a:off x="0" y="0"/>
-          <a:ext cx="0" cy="0"/>
-          <a:chOff x="0" y="0"/>
-          <a:chExt cx="0" cy="0"/>
-        </a:xfrm>
-      </p:grpSpPr>
-      <p:sp>
-        <p:nvSpPr>
-          <p:cNvPr id="2" name="TextBox 1"/>
-          <p:cNvSpPr txBox="1"/>
-          <p:nvPr/>
-        </p:nvSpPr>
-        <p:spPr>
-          <a:xfrm>
-            <a:off x="0" y="0"/>
-            <a:ext cx="7010400" cy="584775"/>
-          </a:xfrm>
-          <a:prstGeom prst="rect">
-            <a:avLst/>
-          </a:prstGeom>
-          <a:noFill/>
-        </p:spPr>
-        <p:txBody>
-          <a:bodyPr wrap="square" rtlCol="0">
-            <a:spAutoFit/>
-          </a:bodyPr>
-          <a:lstStyle/>
-          <a:p>
-            <a:r>
-              <a:rPr lang="en-US" sz="1600" dirty="0" smtClean="0">
-                <a:solidFill>
-                  <a:srgbClr val="FF0000"/>
-                </a:solidFill>
-              </a:rPr>
-              <a:t>Date: 2018-10-28</a:t>
-            </a:r>
-          </a:p>
-          <a:p>
-            <a:r>
-              <a:rPr lang="en-US" sz="1600" dirty="0" smtClean="0">
-                <a:solidFill>
-                  <a:srgbClr val="FF0000"/>
-                </a:solidFill>
-              </a:rPr>
-              <a:t>Source:  </a:t>
-            </a:r>
-            <a:r>
-              <a:rPr lang="en-US" sz="1600" dirty="0">
-                <a:hlinkClick r:id="rId2" tooltip="Persistent link using digital object identifier"/>
-              </a:rPr>
-              <a:t>https://doi.org/10.1016/j.nima.2017.12.082</a:t>
-            </a:r>
-            <a:endParaRPr lang="en-US" sz="1600" dirty="0">
-              <a:solidFill>
-                <a:srgbClr val="FF0000"/>
-              </a:solidFill>
-            </a:endParaRPr>
-          </a:p>
-        </p:txBody>
-      </p:sp>
-      <p:pic>
-        <p:nvPicPr>
-          <p:cNvPr id="6" name="Picture 5"/>
-          <p:cNvPicPr>
-            <a:picLocks noChangeAspect="1"/>
-          </p:cNvPicPr>
-          <p:nvPr/>
-        </p:nvPicPr>
-        <p:blipFill>
-          <a:blip r:embed="rId3">
-            <a:extLst>
-              <a:ext uri="{28A0092B-C50C-407E-A947-70E740481C1C}">
-                <a14:useLocalDpi xmlns:a14="http://schemas.microsoft.com/office/drawing/2010/main" val="0"/>
-              </a:ext>
-            </a:extLst>
-          </a:blip>
-          <a:stretch>
-            <a:fillRect/>
-          </a:stretch>
-        </p:blipFill>
-        <p:spPr>
-          <a:xfrm>
-            <a:off x="2078182" y="579316"/>
-            <a:ext cx="7811203" cy="6278684"/>
-          </a:xfrm>
-          <a:prstGeom prst="rect">
-            <a:avLst/>
-          </a:prstGeom>
-        </p:spPr>
-      </p:pic>
-    </p:spTree>
-    <p:extLst>
-      <p:ext uri="{BB962C8B-B14F-4D97-AF65-F5344CB8AC3E}">
-        <p14:creationId xmlns:p14="http://schemas.microsoft.com/office/powerpoint/2010/main" val="2643122334"/>
-      </p:ext>
-    </p:extLst>
-  </p:cSld>
-  <p:clrMapOvr>
-    <a:masterClrMapping/>
-  </p:clrMapOvr>
-</p:sld>
-</file>
-
-<file path=ppt/slides/slide13.xml><?xml version="1.0" encoding="utf-8"?>
 <p:sld xmlns:a="http://schemas.openxmlformats.org/drawingml/2006/main" xmlns:r="http://schemas.openxmlformats.org/officeDocument/2006/relationships" xmlns:p="http://schemas.openxmlformats.org/presentationml/2006/main">
   <p:cSld>
     <p:spTree>
@@ -4477,7 +4406,7 @@
 </p:sld>
 </file>
 
-<file path=ppt/slides/slide14.xml><?xml version="1.0" encoding="utf-8"?>
+<file path=ppt/slides/slide11.xml><?xml version="1.0" encoding="utf-8"?>
 <p:sld xmlns:a="http://schemas.openxmlformats.org/drawingml/2006/main" xmlns:r="http://schemas.openxmlformats.org/officeDocument/2006/relationships" xmlns:p="http://schemas.openxmlformats.org/presentationml/2006/main">
   <p:cSld>
     <p:spTree>
@@ -5014,7 +4943,7 @@
 </p:sld>
 </file>
 
-<file path=ppt/slides/slide15.xml><?xml version="1.0" encoding="utf-8"?>
+<file path=ppt/slides/slide12.xml><?xml version="1.0" encoding="utf-8"?>
 <p:sld xmlns:a="http://schemas.openxmlformats.org/drawingml/2006/main" xmlns:r="http://schemas.openxmlformats.org/officeDocument/2006/relationships" xmlns:p="http://schemas.openxmlformats.org/presentationml/2006/main">
   <p:cSld>
     <p:spTree>
@@ -5733,7 +5662,7 @@
 </p:sld>
 </file>
 
-<file path=ppt/slides/slide16.xml><?xml version="1.0" encoding="utf-8"?>
+<file path=ppt/slides/slide13.xml><?xml version="1.0" encoding="utf-8"?>
 <p:sld xmlns:a="http://schemas.openxmlformats.org/drawingml/2006/main" xmlns:r="http://schemas.openxmlformats.org/officeDocument/2006/relationships" xmlns:p="http://schemas.openxmlformats.org/presentationml/2006/main">
   <p:cSld>
     <p:spTree>
@@ -6635,7 +6564,7 @@
 </p:sld>
 </file>
 
-<file path=ppt/slides/slide17.xml><?xml version="1.0" encoding="utf-8"?>
+<file path=ppt/slides/slide14.xml><?xml version="1.0" encoding="utf-8"?>
 <p:sld xmlns:a="http://schemas.openxmlformats.org/drawingml/2006/main" xmlns:r="http://schemas.openxmlformats.org/officeDocument/2006/relationships" xmlns:p="http://schemas.openxmlformats.org/presentationml/2006/main">
   <p:cSld>
     <p:spTree>
@@ -7205,7 +7134,7 @@
 </p:sld>
 </file>
 
-<file path=ppt/slides/slide18.xml><?xml version="1.0" encoding="utf-8"?>
+<file path=ppt/slides/slide15.xml><?xml version="1.0" encoding="utf-8"?>
 <p:sld xmlns:a="http://schemas.openxmlformats.org/drawingml/2006/main" xmlns:r="http://schemas.openxmlformats.org/officeDocument/2006/relationships" xmlns:p="http://schemas.openxmlformats.org/presentationml/2006/main">
   <p:cSld>
     <p:spTree>
@@ -8038,7 +7967,7 @@
 </p:sld>
 </file>
 
-<file path=ppt/slides/slide19.xml><?xml version="1.0" encoding="utf-8"?>
+<file path=ppt/slides/slide16.xml><?xml version="1.0" encoding="utf-8"?>
 <p:sld xmlns:a="http://schemas.openxmlformats.org/drawingml/2006/main" xmlns:r="http://schemas.openxmlformats.org/officeDocument/2006/relationships" xmlns:p="http://schemas.openxmlformats.org/presentationml/2006/main">
   <p:cSld>
     <p:spTree>
@@ -8648,6 +8577,534 @@
 </p:sld>
 </file>
 
+<file path=ppt/slides/slide17.xml><?xml version="1.0" encoding="utf-8"?>
+<p:sld xmlns:a="http://schemas.openxmlformats.org/drawingml/2006/main" xmlns:r="http://schemas.openxmlformats.org/officeDocument/2006/relationships" xmlns:p="http://schemas.openxmlformats.org/presentationml/2006/main">
+  <p:cSld>
+    <p:spTree>
+      <p:nvGrpSpPr>
+        <p:cNvPr id="1" name=""/>
+        <p:cNvGrpSpPr/>
+        <p:nvPr/>
+      </p:nvGrpSpPr>
+      <p:grpSpPr>
+        <a:xfrm>
+          <a:off x="0" y="0"/>
+          <a:ext cx="0" cy="0"/>
+          <a:chOff x="0" y="0"/>
+          <a:chExt cx="0" cy="0"/>
+        </a:xfrm>
+      </p:grpSpPr>
+      <p:sp>
+        <p:nvSpPr>
+          <p:cNvPr id="4" name="TextBox 3"/>
+          <p:cNvSpPr txBox="1"/>
+          <p:nvPr/>
+        </p:nvSpPr>
+        <p:spPr>
+          <a:xfrm>
+            <a:off x="0" y="0"/>
+            <a:ext cx="7010400" cy="584775"/>
+          </a:xfrm>
+          <a:prstGeom prst="rect">
+            <a:avLst/>
+          </a:prstGeom>
+          <a:noFill/>
+        </p:spPr>
+        <p:txBody>
+          <a:bodyPr wrap="square" rtlCol="0">
+            <a:spAutoFit/>
+          </a:bodyPr>
+          <a:lstStyle/>
+          <a:p>
+            <a:r>
+              <a:rPr lang="en-US" sz="1600" dirty="0" smtClean="0">
+                <a:solidFill>
+                  <a:srgbClr val="FF0000"/>
+                </a:solidFill>
+              </a:rPr>
+              <a:t>Date: 2018-10-28</a:t>
+            </a:r>
+          </a:p>
+          <a:p>
+            <a:r>
+              <a:rPr lang="en-US" sz="1600" dirty="0" smtClean="0">
+                <a:solidFill>
+                  <a:srgbClr val="FF0000"/>
+                </a:solidFill>
+              </a:rPr>
+              <a:t>Source:  </a:t>
+            </a:r>
+            <a:r>
+              <a:rPr lang="en-US" sz="1600" dirty="0">
+                <a:hlinkClick r:id="rId2" tooltip="Persistent link using digital object identifier"/>
+              </a:rPr>
+              <a:t>https://doi.org/10.1016/j.nima.2017.12.082</a:t>
+            </a:r>
+            <a:endParaRPr lang="en-US" sz="1600" dirty="0">
+              <a:solidFill>
+                <a:srgbClr val="FF0000"/>
+              </a:solidFill>
+            </a:endParaRPr>
+          </a:p>
+        </p:txBody>
+      </p:sp>
+      <p:sp>
+        <p:nvSpPr>
+          <p:cNvPr id="2" name="Rectangle 1"/>
+          <p:cNvSpPr/>
+          <p:nvPr/>
+        </p:nvSpPr>
+        <p:spPr>
+          <a:xfrm>
+            <a:off x="117879" y="718417"/>
+            <a:ext cx="11951413" cy="1200329"/>
+          </a:xfrm>
+          <a:prstGeom prst="rect">
+            <a:avLst/>
+          </a:prstGeom>
+        </p:spPr>
+        <p:txBody>
+          <a:bodyPr wrap="none">
+            <a:spAutoFit/>
+          </a:bodyPr>
+          <a:lstStyle/>
+          <a:p>
+            <a:r>
+              <a:rPr lang="en-US" dirty="0" smtClean="0"/>
+              <a:t>&lt;2&gt; </a:t>
+            </a:r>
+            <a:r>
+              <a:rPr lang="en-US" b="1" dirty="0" smtClean="0">
+                <a:solidFill>
+                  <a:srgbClr val="FF0000"/>
+                </a:solidFill>
+              </a:rPr>
+              <a:t>∆E-E points (Energy loss method)</a:t>
+            </a:r>
+          </a:p>
+          <a:p>
+            <a:r>
+              <a:rPr lang="en-US" b="1" dirty="0"/>
+              <a:t> </a:t>
+            </a:r>
+            <a:r>
+              <a:rPr lang="en-US" b="1" dirty="0" smtClean="0"/>
+              <a:t>      ●  Two important notes:</a:t>
+            </a:r>
+          </a:p>
+          <a:p>
+            <a:r>
+              <a:rPr lang="en-US" b="1" dirty="0"/>
+              <a:t> </a:t>
+            </a:r>
+            <a:r>
+              <a:rPr lang="en-US" b="1" dirty="0" smtClean="0"/>
+              <a:t>            </a:t>
+            </a:r>
+            <a:r>
+              <a:rPr lang="en-US" dirty="0" smtClean="0"/>
+              <a:t>* This method relies on the assumption that the </a:t>
+            </a:r>
+            <a:r>
+              <a:rPr lang="en-US" dirty="0" err="1" smtClean="0"/>
+              <a:t>CsI</a:t>
+            </a:r>
+            <a:r>
+              <a:rPr lang="en-US" dirty="0" smtClean="0"/>
+              <a:t> detector response is </a:t>
+            </a:r>
+            <a:r>
+              <a:rPr lang="en-US" b="1" i="1" dirty="0" smtClean="0">
+                <a:solidFill>
+                  <a:srgbClr val="FF0000"/>
+                </a:solidFill>
+              </a:rPr>
+              <a:t>linear at low energy </a:t>
+            </a:r>
+            <a:r>
+              <a:rPr lang="en-US" dirty="0" smtClean="0"/>
+              <a:t>(</a:t>
+            </a:r>
+            <a:r>
+              <a:rPr lang="en-US" dirty="0" err="1" smtClean="0"/>
+              <a:t>confired</a:t>
+            </a:r>
+            <a:r>
+              <a:rPr lang="en-US" dirty="0" smtClean="0"/>
+              <a:t> by WMU data)</a:t>
+            </a:r>
+          </a:p>
+          <a:p>
+            <a:r>
+              <a:rPr lang="en-US" dirty="0"/>
+              <a:t> </a:t>
+            </a:r>
+            <a:r>
+              <a:rPr lang="en-US" dirty="0" smtClean="0"/>
+              <a:t>            *  Requiring that only data from </a:t>
+            </a:r>
+            <a:r>
+              <a:rPr lang="en-US" b="1" i="1" dirty="0" smtClean="0">
+                <a:solidFill>
+                  <a:srgbClr val="FF0000"/>
+                </a:solidFill>
+              </a:rPr>
+              <a:t>proton hitting </a:t>
+            </a:r>
+            <a:r>
+              <a:rPr lang="en-US" dirty="0" smtClean="0"/>
+              <a:t>the detector be used.</a:t>
+            </a:r>
+            <a:endParaRPr lang="en-US" dirty="0"/>
+          </a:p>
+        </p:txBody>
+      </p:sp>
+      <p:sp>
+        <p:nvSpPr>
+          <p:cNvPr id="5" name="TextBox 4"/>
+          <p:cNvSpPr txBox="1"/>
+          <p:nvPr/>
+        </p:nvSpPr>
+        <p:spPr>
+          <a:xfrm>
+            <a:off x="117879" y="2249661"/>
+            <a:ext cx="10076507" cy="646331"/>
+          </a:xfrm>
+          <a:prstGeom prst="rect">
+            <a:avLst/>
+          </a:prstGeom>
+          <a:noFill/>
+        </p:spPr>
+        <p:txBody>
+          <a:bodyPr wrap="square" rtlCol="0">
+            <a:spAutoFit/>
+          </a:bodyPr>
+          <a:lstStyle/>
+          <a:p>
+            <a:r>
+              <a:rPr lang="en-US" dirty="0" smtClean="0"/>
+              <a:t>(3) In this energy range</a:t>
+            </a:r>
+            <a:r>
+              <a:rPr lang="en-US" b="1" dirty="0" smtClean="0">
+                <a:solidFill>
+                  <a:srgbClr val="FF0000"/>
+                </a:solidFill>
+              </a:rPr>
+              <a:t>, kinematic points </a:t>
+            </a:r>
+            <a:r>
+              <a:rPr lang="en-US" dirty="0" smtClean="0"/>
+              <a:t>and  </a:t>
+            </a:r>
+            <a:r>
+              <a:rPr lang="en-US" altLang="zh-CN" b="1" dirty="0" smtClean="0">
+                <a:solidFill>
+                  <a:srgbClr val="FF0000"/>
+                </a:solidFill>
+              </a:rPr>
+              <a:t>∆</a:t>
+            </a:r>
+            <a:r>
+              <a:rPr lang="en-US" altLang="zh-CN" b="1" dirty="0">
+                <a:solidFill>
+                  <a:srgbClr val="FF0000"/>
+                </a:solidFill>
+              </a:rPr>
+              <a:t>E-E </a:t>
+            </a:r>
+            <a:r>
+              <a:rPr lang="en-US" altLang="zh-CN" b="1" dirty="0" smtClean="0">
+                <a:solidFill>
+                  <a:srgbClr val="FF0000"/>
+                </a:solidFill>
+              </a:rPr>
+              <a:t>points </a:t>
+            </a:r>
+            <a:r>
+              <a:rPr lang="en-US" altLang="zh-CN" dirty="0" smtClean="0"/>
+              <a:t>should be collinear.  Since the </a:t>
+            </a:r>
+            <a:r>
+              <a:rPr lang="en-US" altLang="zh-CN" b="1" dirty="0">
+                <a:solidFill>
+                  <a:srgbClr val="FF0000"/>
+                </a:solidFill>
+              </a:rPr>
+              <a:t>∆E-E </a:t>
+            </a:r>
+            <a:r>
+              <a:rPr lang="en-US" altLang="zh-CN" b="1" dirty="0" smtClean="0">
+                <a:solidFill>
+                  <a:srgbClr val="FF0000"/>
+                </a:solidFill>
+              </a:rPr>
+              <a:t>points are </a:t>
+            </a:r>
+            <a:r>
+              <a:rPr lang="en-US" altLang="zh-CN" dirty="0" smtClean="0"/>
+              <a:t>sensitive to the  E thickness, the E thickness can be extracted.</a:t>
+            </a:r>
+            <a:endParaRPr lang="en-US" dirty="0"/>
+          </a:p>
+        </p:txBody>
+      </p:sp>
+      <p:sp>
+        <p:nvSpPr>
+          <p:cNvPr id="6" name="TextBox 4"/>
+          <p:cNvSpPr txBox="1"/>
+          <p:nvPr/>
+        </p:nvSpPr>
+        <p:spPr>
+          <a:xfrm>
+            <a:off x="117879" y="3226907"/>
+            <a:ext cx="10076507" cy="646331"/>
+          </a:xfrm>
+          <a:prstGeom prst="rect">
+            <a:avLst/>
+          </a:prstGeom>
+          <a:noFill/>
+        </p:spPr>
+        <p:txBody>
+          <a:bodyPr wrap="square" rtlCol="0">
+            <a:spAutoFit/>
+          </a:bodyPr>
+          <a:lstStyle/>
+          <a:p>
+            <a:r>
+              <a:rPr lang="en-US" dirty="0" smtClean="0"/>
+              <a:t>(4) Summarize the idea for </a:t>
+            </a:r>
+            <a:r>
+              <a:rPr lang="en-US" altLang="zh-CN" dirty="0">
+                <a:latin typeface="Times New Roman" panose="02020603050405020304" pitchFamily="18" charset="0"/>
+                <a:cs typeface="Times New Roman" panose="02020603050405020304" pitchFamily="18" charset="0"/>
+              </a:rPr>
+              <a:t>Si detector thickness determination</a:t>
+            </a:r>
+          </a:p>
+          <a:p>
+            <a:r>
+              <a:rPr lang="en-US" dirty="0" smtClean="0"/>
+              <a:t>        </a:t>
+            </a:r>
+            <a:endParaRPr lang="en-US" dirty="0"/>
+          </a:p>
+        </p:txBody>
+      </p:sp>
+      <p:sp>
+        <p:nvSpPr>
+          <p:cNvPr id="8" name="矩形 7"/>
+          <p:cNvSpPr/>
+          <p:nvPr/>
+        </p:nvSpPr>
+        <p:spPr>
+          <a:xfrm>
+            <a:off x="235502" y="3742488"/>
+            <a:ext cx="6716390" cy="1200329"/>
+          </a:xfrm>
+          <a:prstGeom prst="rect">
+            <a:avLst/>
+          </a:prstGeom>
+        </p:spPr>
+        <p:txBody>
+          <a:bodyPr wrap="none">
+            <a:spAutoFit/>
+          </a:bodyPr>
+          <a:lstStyle/>
+          <a:p>
+            <a:r>
+              <a:rPr lang="en-US" altLang="zh-CN" b="1" dirty="0" smtClean="0"/>
+              <a:t>&lt;1&gt;Use kinematic points to constrain the calibration at high energy</a:t>
+            </a:r>
+          </a:p>
+          <a:p>
+            <a:r>
+              <a:rPr lang="en-US" altLang="zh-CN" b="1" dirty="0" smtClean="0"/>
+              <a:t>&lt;2&gt; ∆</a:t>
+            </a:r>
+            <a:r>
+              <a:rPr lang="en-US" altLang="zh-CN" b="1" dirty="0"/>
+              <a:t>E-E points </a:t>
+            </a:r>
+            <a:r>
+              <a:rPr lang="en-US" altLang="zh-CN" b="1" dirty="0" smtClean="0"/>
+              <a:t>should be linear at low energy and be collinear with </a:t>
+            </a:r>
+          </a:p>
+          <a:p>
+            <a:r>
+              <a:rPr lang="en-US" altLang="zh-CN" b="1" dirty="0"/>
+              <a:t> </a:t>
+            </a:r>
+            <a:r>
+              <a:rPr lang="en-US" altLang="zh-CN" b="1" dirty="0" smtClean="0"/>
+              <a:t>       kinematic points</a:t>
+            </a:r>
+          </a:p>
+          <a:p>
+            <a:r>
+              <a:rPr lang="en-US" altLang="zh-CN" b="1" dirty="0" smtClean="0"/>
+              <a:t>&lt;</a:t>
+            </a:r>
+            <a:r>
+              <a:rPr lang="en-US" altLang="zh-CN" b="1" dirty="0"/>
+              <a:t>3</a:t>
+            </a:r>
+            <a:r>
+              <a:rPr lang="en-US" altLang="zh-CN" b="1" dirty="0" smtClean="0"/>
+              <a:t>&gt; Adjust the E thickness to satisfy the condition in &lt;2&gt;</a:t>
+            </a:r>
+            <a:endParaRPr lang="zh-CN" altLang="en-US" b="1" dirty="0"/>
+          </a:p>
+        </p:txBody>
+      </p:sp>
+      <p:pic>
+        <p:nvPicPr>
+          <p:cNvPr id="9" name="图片 8"/>
+          <p:cNvPicPr>
+            <a:picLocks noChangeAspect="1"/>
+          </p:cNvPicPr>
+          <p:nvPr/>
+        </p:nvPicPr>
+        <p:blipFill>
+          <a:blip r:embed="rId3">
+            <a:extLst>
+              <a:ext uri="{28A0092B-C50C-407E-A947-70E740481C1C}">
+                <a14:useLocalDpi xmlns:a14="http://schemas.microsoft.com/office/drawing/2010/main" val="0"/>
+              </a:ext>
+            </a:extLst>
+          </a:blip>
+          <a:stretch>
+            <a:fillRect/>
+          </a:stretch>
+        </p:blipFill>
+        <p:spPr>
+          <a:xfrm>
+            <a:off x="6849978" y="3226907"/>
+            <a:ext cx="5108524" cy="2399507"/>
+          </a:xfrm>
+          <a:prstGeom prst="rect">
+            <a:avLst/>
+          </a:prstGeom>
+        </p:spPr>
+      </p:pic>
+    </p:spTree>
+    <p:extLst>
+      <p:ext uri="{BB962C8B-B14F-4D97-AF65-F5344CB8AC3E}">
+        <p14:creationId xmlns:p14="http://schemas.microsoft.com/office/powerpoint/2010/main" val="917626728"/>
+      </p:ext>
+    </p:extLst>
+  </p:cSld>
+  <p:clrMapOvr>
+    <a:masterClrMapping/>
+  </p:clrMapOvr>
+</p:sld>
+</file>
+
+<file path=ppt/slides/slide18.xml><?xml version="1.0" encoding="utf-8"?>
+<p:sld xmlns:a="http://schemas.openxmlformats.org/drawingml/2006/main" xmlns:r="http://schemas.openxmlformats.org/officeDocument/2006/relationships" xmlns:p="http://schemas.openxmlformats.org/presentationml/2006/main">
+  <p:cSld>
+    <p:spTree>
+      <p:nvGrpSpPr>
+        <p:cNvPr id="1" name=""/>
+        <p:cNvGrpSpPr/>
+        <p:nvPr/>
+      </p:nvGrpSpPr>
+      <p:grpSpPr>
+        <a:xfrm>
+          <a:off x="0" y="0"/>
+          <a:ext cx="0" cy="0"/>
+          <a:chOff x="0" y="0"/>
+          <a:chExt cx="0" cy="0"/>
+        </a:xfrm>
+      </p:grpSpPr>
+    </p:spTree>
+    <p:extLst>
+      <p:ext uri="{BB962C8B-B14F-4D97-AF65-F5344CB8AC3E}">
+        <p14:creationId xmlns:p14="http://schemas.microsoft.com/office/powerpoint/2010/main" val="3578612920"/>
+      </p:ext>
+    </p:extLst>
+  </p:cSld>
+  <p:clrMapOvr>
+    <a:masterClrMapping/>
+  </p:clrMapOvr>
+</p:sld>
+</file>
+
+<file path=ppt/slides/slide19.xml><?xml version="1.0" encoding="utf-8"?>
+<p:sld xmlns:a="http://schemas.openxmlformats.org/drawingml/2006/main" xmlns:r="http://schemas.openxmlformats.org/officeDocument/2006/relationships" xmlns:p="http://schemas.openxmlformats.org/presentationml/2006/main">
+  <p:cSld>
+    <p:spTree>
+      <p:nvGrpSpPr>
+        <p:cNvPr id="1" name=""/>
+        <p:cNvGrpSpPr/>
+        <p:nvPr/>
+      </p:nvGrpSpPr>
+      <p:grpSpPr>
+        <a:xfrm>
+          <a:off x="0" y="0"/>
+          <a:ext cx="0" cy="0"/>
+          <a:chOff x="0" y="0"/>
+          <a:chExt cx="0" cy="0"/>
+        </a:xfrm>
+      </p:grpSpPr>
+      <p:sp>
+        <p:nvSpPr>
+          <p:cNvPr id="2" name="TextBox 1"/>
+          <p:cNvSpPr txBox="1"/>
+          <p:nvPr/>
+        </p:nvSpPr>
+        <p:spPr>
+          <a:xfrm>
+            <a:off x="3022521" y="2328937"/>
+            <a:ext cx="6714565" cy="584775"/>
+          </a:xfrm>
+          <a:prstGeom prst="rect">
+            <a:avLst/>
+          </a:prstGeom>
+          <a:noFill/>
+        </p:spPr>
+        <p:txBody>
+          <a:bodyPr wrap="square" rtlCol="0">
+            <a:spAutoFit/>
+          </a:bodyPr>
+          <a:lstStyle/>
+          <a:p>
+            <a:r>
+              <a:rPr lang="en-US" sz="3200" b="1" dirty="0" smtClean="0">
+                <a:latin typeface="Times New Roman" panose="02020603050405020304" pitchFamily="18" charset="0"/>
+                <a:cs typeface="Times New Roman" panose="02020603050405020304" pitchFamily="18" charset="0"/>
+              </a:rPr>
+              <a:t>Scintillator—inorganic </a:t>
+            </a:r>
+            <a:r>
+              <a:rPr lang="en-US" sz="3200" b="1" dirty="0" smtClean="0">
+                <a:latin typeface="Times New Roman" panose="02020603050405020304" pitchFamily="18" charset="0"/>
+                <a:cs typeface="Times New Roman" panose="02020603050405020304" pitchFamily="18" charset="0"/>
+              </a:rPr>
+              <a:t>crystal</a:t>
+            </a:r>
+            <a:endParaRPr lang="en-US" sz="3200" b="1" dirty="0">
+              <a:latin typeface="Times New Roman" panose="02020603050405020304" pitchFamily="18" charset="0"/>
+              <a:cs typeface="Times New Roman" panose="02020603050405020304" pitchFamily="18" charset="0"/>
+            </a:endParaRPr>
+          </a:p>
+        </p:txBody>
+      </p:sp>
+    </p:spTree>
+    <p:extLst>
+      <p:ext uri="{BB962C8B-B14F-4D97-AF65-F5344CB8AC3E}">
+        <p14:creationId xmlns:p14="http://schemas.microsoft.com/office/powerpoint/2010/main" val="2931871503"/>
+      </p:ext>
+    </p:extLst>
+  </p:cSld>
+  <p:clrMapOvr>
+    <a:masterClrMapping/>
+  </p:clrMapOvr>
+</p:sld>
+</file>
+
 <file path=ppt/slides/slide2.xml><?xml version="1.0" encoding="utf-8"?>
 <p:sld xmlns:a="http://schemas.openxmlformats.org/drawingml/2006/main" xmlns:r="http://schemas.openxmlformats.org/officeDocument/2006/relationships" xmlns:p="http://schemas.openxmlformats.org/presentationml/2006/main">
   <p:cSld>
@@ -8679,750 +9136,6 @@
 </file>
 
 <file path=ppt/slides/slide20.xml><?xml version="1.0" encoding="utf-8"?>
-<p:sld xmlns:a="http://schemas.openxmlformats.org/drawingml/2006/main" xmlns:r="http://schemas.openxmlformats.org/officeDocument/2006/relationships" xmlns:p="http://schemas.openxmlformats.org/presentationml/2006/main">
-  <p:cSld>
-    <p:spTree>
-      <p:nvGrpSpPr>
-        <p:cNvPr id="1" name=""/>
-        <p:cNvGrpSpPr/>
-        <p:nvPr/>
-      </p:nvGrpSpPr>
-      <p:grpSpPr>
-        <a:xfrm>
-          <a:off x="0" y="0"/>
-          <a:ext cx="0" cy="0"/>
-          <a:chOff x="0" y="0"/>
-          <a:chExt cx="0" cy="0"/>
-        </a:xfrm>
-      </p:grpSpPr>
-      <p:sp>
-        <p:nvSpPr>
-          <p:cNvPr id="4" name="TextBox 3"/>
-          <p:cNvSpPr txBox="1"/>
-          <p:nvPr/>
-        </p:nvSpPr>
-        <p:spPr>
-          <a:xfrm>
-            <a:off x="0" y="0"/>
-            <a:ext cx="7010400" cy="584775"/>
-          </a:xfrm>
-          <a:prstGeom prst="rect">
-            <a:avLst/>
-          </a:prstGeom>
-          <a:noFill/>
-        </p:spPr>
-        <p:txBody>
-          <a:bodyPr wrap="square" rtlCol="0">
-            <a:spAutoFit/>
-          </a:bodyPr>
-          <a:lstStyle/>
-          <a:p>
-            <a:r>
-              <a:rPr lang="en-US" sz="1600" dirty="0" smtClean="0">
-                <a:solidFill>
-                  <a:srgbClr val="FF0000"/>
-                </a:solidFill>
-              </a:rPr>
-              <a:t>Date: 2018-10-28</a:t>
-            </a:r>
-          </a:p>
-          <a:p>
-            <a:r>
-              <a:rPr lang="en-US" sz="1600" dirty="0" smtClean="0">
-                <a:solidFill>
-                  <a:srgbClr val="FF0000"/>
-                </a:solidFill>
-              </a:rPr>
-              <a:t>Source:  </a:t>
-            </a:r>
-            <a:r>
-              <a:rPr lang="en-US" sz="1600" dirty="0">
-                <a:hlinkClick r:id="rId2" tooltip="Persistent link using digital object identifier"/>
-              </a:rPr>
-              <a:t>https://doi.org/10.1016/j.nima.2017.12.082</a:t>
-            </a:r>
-            <a:endParaRPr lang="en-US" sz="1600" dirty="0">
-              <a:solidFill>
-                <a:srgbClr val="FF0000"/>
-              </a:solidFill>
-            </a:endParaRPr>
-          </a:p>
-        </p:txBody>
-      </p:sp>
-      <p:sp>
-        <p:nvSpPr>
-          <p:cNvPr id="2" name="Rectangle 1"/>
-          <p:cNvSpPr/>
-          <p:nvPr/>
-        </p:nvSpPr>
-        <p:spPr>
-          <a:xfrm>
-            <a:off x="117879" y="718417"/>
-            <a:ext cx="11951413" cy="1200329"/>
-          </a:xfrm>
-          <a:prstGeom prst="rect">
-            <a:avLst/>
-          </a:prstGeom>
-        </p:spPr>
-        <p:txBody>
-          <a:bodyPr wrap="none">
-            <a:spAutoFit/>
-          </a:bodyPr>
-          <a:lstStyle/>
-          <a:p>
-            <a:r>
-              <a:rPr lang="en-US" dirty="0" smtClean="0"/>
-              <a:t>&lt;2&gt; </a:t>
-            </a:r>
-            <a:r>
-              <a:rPr lang="en-US" b="1" dirty="0" smtClean="0">
-                <a:solidFill>
-                  <a:srgbClr val="FF0000"/>
-                </a:solidFill>
-              </a:rPr>
-              <a:t>∆E-E points (Energy loss method)</a:t>
-            </a:r>
-          </a:p>
-          <a:p>
-            <a:r>
-              <a:rPr lang="en-US" b="1" dirty="0"/>
-              <a:t> </a:t>
-            </a:r>
-            <a:r>
-              <a:rPr lang="en-US" b="1" dirty="0" smtClean="0"/>
-              <a:t>      ●  Two important notes:</a:t>
-            </a:r>
-          </a:p>
-          <a:p>
-            <a:r>
-              <a:rPr lang="en-US" b="1" dirty="0"/>
-              <a:t> </a:t>
-            </a:r>
-            <a:r>
-              <a:rPr lang="en-US" b="1" dirty="0" smtClean="0"/>
-              <a:t>            </a:t>
-            </a:r>
-            <a:r>
-              <a:rPr lang="en-US" dirty="0" smtClean="0"/>
-              <a:t>* This method relies on the assumption that the </a:t>
-            </a:r>
-            <a:r>
-              <a:rPr lang="en-US" dirty="0" err="1" smtClean="0"/>
-              <a:t>CsI</a:t>
-            </a:r>
-            <a:r>
-              <a:rPr lang="en-US" dirty="0" smtClean="0"/>
-              <a:t> detector response is </a:t>
-            </a:r>
-            <a:r>
-              <a:rPr lang="en-US" b="1" i="1" dirty="0" smtClean="0">
-                <a:solidFill>
-                  <a:srgbClr val="FF0000"/>
-                </a:solidFill>
-              </a:rPr>
-              <a:t>linear at low energy </a:t>
-            </a:r>
-            <a:r>
-              <a:rPr lang="en-US" dirty="0" smtClean="0"/>
-              <a:t>(</a:t>
-            </a:r>
-            <a:r>
-              <a:rPr lang="en-US" dirty="0" err="1" smtClean="0"/>
-              <a:t>confired</a:t>
-            </a:r>
-            <a:r>
-              <a:rPr lang="en-US" dirty="0" smtClean="0"/>
-              <a:t> by WMU data)</a:t>
-            </a:r>
-          </a:p>
-          <a:p>
-            <a:r>
-              <a:rPr lang="en-US" dirty="0"/>
-              <a:t> </a:t>
-            </a:r>
-            <a:r>
-              <a:rPr lang="en-US" dirty="0" smtClean="0"/>
-              <a:t>            *  Requiring that only data from </a:t>
-            </a:r>
-            <a:r>
-              <a:rPr lang="en-US" b="1" i="1" dirty="0" smtClean="0">
-                <a:solidFill>
-                  <a:srgbClr val="FF0000"/>
-                </a:solidFill>
-              </a:rPr>
-              <a:t>proton hitting </a:t>
-            </a:r>
-            <a:r>
-              <a:rPr lang="en-US" dirty="0" smtClean="0"/>
-              <a:t>the detector be used.</a:t>
-            </a:r>
-            <a:endParaRPr lang="en-US" dirty="0"/>
-          </a:p>
-        </p:txBody>
-      </p:sp>
-      <p:sp>
-        <p:nvSpPr>
-          <p:cNvPr id="5" name="TextBox 4"/>
-          <p:cNvSpPr txBox="1"/>
-          <p:nvPr/>
-        </p:nvSpPr>
-        <p:spPr>
-          <a:xfrm>
-            <a:off x="117879" y="2249661"/>
-            <a:ext cx="10076507" cy="646331"/>
-          </a:xfrm>
-          <a:prstGeom prst="rect">
-            <a:avLst/>
-          </a:prstGeom>
-          <a:noFill/>
-        </p:spPr>
-        <p:txBody>
-          <a:bodyPr wrap="square" rtlCol="0">
-            <a:spAutoFit/>
-          </a:bodyPr>
-          <a:lstStyle/>
-          <a:p>
-            <a:r>
-              <a:rPr lang="en-US" dirty="0" smtClean="0"/>
-              <a:t>(3) In this energy range</a:t>
-            </a:r>
-            <a:r>
-              <a:rPr lang="en-US" b="1" dirty="0" smtClean="0">
-                <a:solidFill>
-                  <a:srgbClr val="FF0000"/>
-                </a:solidFill>
-              </a:rPr>
-              <a:t>, kinematic points </a:t>
-            </a:r>
-            <a:r>
-              <a:rPr lang="en-US" dirty="0" smtClean="0"/>
-              <a:t>and  </a:t>
-            </a:r>
-            <a:r>
-              <a:rPr lang="en-US" altLang="zh-CN" b="1" dirty="0" smtClean="0">
-                <a:solidFill>
-                  <a:srgbClr val="FF0000"/>
-                </a:solidFill>
-              </a:rPr>
-              <a:t>∆</a:t>
-            </a:r>
-            <a:r>
-              <a:rPr lang="en-US" altLang="zh-CN" b="1" dirty="0">
-                <a:solidFill>
-                  <a:srgbClr val="FF0000"/>
-                </a:solidFill>
-              </a:rPr>
-              <a:t>E-E </a:t>
-            </a:r>
-            <a:r>
-              <a:rPr lang="en-US" altLang="zh-CN" b="1" dirty="0" smtClean="0">
-                <a:solidFill>
-                  <a:srgbClr val="FF0000"/>
-                </a:solidFill>
-              </a:rPr>
-              <a:t>points </a:t>
-            </a:r>
-            <a:r>
-              <a:rPr lang="en-US" altLang="zh-CN" dirty="0" smtClean="0"/>
-              <a:t>should be collinear.  Since the </a:t>
-            </a:r>
-            <a:r>
-              <a:rPr lang="en-US" altLang="zh-CN" b="1" dirty="0">
-                <a:solidFill>
-                  <a:srgbClr val="FF0000"/>
-                </a:solidFill>
-              </a:rPr>
-              <a:t>∆E-E </a:t>
-            </a:r>
-            <a:r>
-              <a:rPr lang="en-US" altLang="zh-CN" b="1" dirty="0" smtClean="0">
-                <a:solidFill>
-                  <a:srgbClr val="FF0000"/>
-                </a:solidFill>
-              </a:rPr>
-              <a:t>points are </a:t>
-            </a:r>
-            <a:r>
-              <a:rPr lang="en-US" altLang="zh-CN" dirty="0" smtClean="0"/>
-              <a:t>sensitive to the  E thickness, the E thickness can be extracted.</a:t>
-            </a:r>
-            <a:endParaRPr lang="en-US" dirty="0"/>
-          </a:p>
-        </p:txBody>
-      </p:sp>
-      <p:sp>
-        <p:nvSpPr>
-          <p:cNvPr id="6" name="TextBox 4"/>
-          <p:cNvSpPr txBox="1"/>
-          <p:nvPr/>
-        </p:nvSpPr>
-        <p:spPr>
-          <a:xfrm>
-            <a:off x="117879" y="3226907"/>
-            <a:ext cx="10076507" cy="646331"/>
-          </a:xfrm>
-          <a:prstGeom prst="rect">
-            <a:avLst/>
-          </a:prstGeom>
-          <a:noFill/>
-        </p:spPr>
-        <p:txBody>
-          <a:bodyPr wrap="square" rtlCol="0">
-            <a:spAutoFit/>
-          </a:bodyPr>
-          <a:lstStyle/>
-          <a:p>
-            <a:r>
-              <a:rPr lang="en-US" dirty="0" smtClean="0"/>
-              <a:t>(4) Summarize the idea for </a:t>
-            </a:r>
-            <a:r>
-              <a:rPr lang="en-US" altLang="zh-CN" dirty="0">
-                <a:latin typeface="Times New Roman" panose="02020603050405020304" pitchFamily="18" charset="0"/>
-                <a:cs typeface="Times New Roman" panose="02020603050405020304" pitchFamily="18" charset="0"/>
-              </a:rPr>
-              <a:t>Si detector thickness determination</a:t>
-            </a:r>
-          </a:p>
-          <a:p>
-            <a:r>
-              <a:rPr lang="en-US" dirty="0" smtClean="0"/>
-              <a:t>        </a:t>
-            </a:r>
-            <a:endParaRPr lang="en-US" dirty="0"/>
-          </a:p>
-        </p:txBody>
-      </p:sp>
-      <p:sp>
-        <p:nvSpPr>
-          <p:cNvPr id="8" name="矩形 7"/>
-          <p:cNvSpPr/>
-          <p:nvPr/>
-        </p:nvSpPr>
-        <p:spPr>
-          <a:xfrm>
-            <a:off x="235502" y="3742488"/>
-            <a:ext cx="6716390" cy="1200329"/>
-          </a:xfrm>
-          <a:prstGeom prst="rect">
-            <a:avLst/>
-          </a:prstGeom>
-        </p:spPr>
-        <p:txBody>
-          <a:bodyPr wrap="none">
-            <a:spAutoFit/>
-          </a:bodyPr>
-          <a:lstStyle/>
-          <a:p>
-            <a:r>
-              <a:rPr lang="en-US" altLang="zh-CN" b="1" dirty="0" smtClean="0"/>
-              <a:t>&lt;1&gt;Use kinematic points to constrain the calibration at high energy</a:t>
-            </a:r>
-          </a:p>
-          <a:p>
-            <a:r>
-              <a:rPr lang="en-US" altLang="zh-CN" b="1" dirty="0" smtClean="0"/>
-              <a:t>&lt;2&gt; ∆</a:t>
-            </a:r>
-            <a:r>
-              <a:rPr lang="en-US" altLang="zh-CN" b="1" dirty="0"/>
-              <a:t>E-E points </a:t>
-            </a:r>
-            <a:r>
-              <a:rPr lang="en-US" altLang="zh-CN" b="1" dirty="0" smtClean="0"/>
-              <a:t>should be linear at low energy and be collinear with </a:t>
-            </a:r>
-          </a:p>
-          <a:p>
-            <a:r>
-              <a:rPr lang="en-US" altLang="zh-CN" b="1" dirty="0"/>
-              <a:t> </a:t>
-            </a:r>
-            <a:r>
-              <a:rPr lang="en-US" altLang="zh-CN" b="1" dirty="0" smtClean="0"/>
-              <a:t>       kinematic points</a:t>
-            </a:r>
-          </a:p>
-          <a:p>
-            <a:r>
-              <a:rPr lang="en-US" altLang="zh-CN" b="1" dirty="0" smtClean="0"/>
-              <a:t>&lt;</a:t>
-            </a:r>
-            <a:r>
-              <a:rPr lang="en-US" altLang="zh-CN" b="1" dirty="0"/>
-              <a:t>3</a:t>
-            </a:r>
-            <a:r>
-              <a:rPr lang="en-US" altLang="zh-CN" b="1" dirty="0" smtClean="0"/>
-              <a:t>&gt; Adjust the E thickness to satisfy the condition in &lt;2&gt;</a:t>
-            </a:r>
-            <a:endParaRPr lang="zh-CN" altLang="en-US" b="1" dirty="0"/>
-          </a:p>
-        </p:txBody>
-      </p:sp>
-      <p:pic>
-        <p:nvPicPr>
-          <p:cNvPr id="9" name="图片 8"/>
-          <p:cNvPicPr>
-            <a:picLocks noChangeAspect="1"/>
-          </p:cNvPicPr>
-          <p:nvPr/>
-        </p:nvPicPr>
-        <p:blipFill>
-          <a:blip r:embed="rId3">
-            <a:extLst>
-              <a:ext uri="{28A0092B-C50C-407E-A947-70E740481C1C}">
-                <a14:useLocalDpi xmlns:a14="http://schemas.microsoft.com/office/drawing/2010/main" val="0"/>
-              </a:ext>
-            </a:extLst>
-          </a:blip>
-          <a:stretch>
-            <a:fillRect/>
-          </a:stretch>
-        </p:blipFill>
-        <p:spPr>
-          <a:xfrm>
-            <a:off x="6849978" y="3226907"/>
-            <a:ext cx="5108524" cy="2399507"/>
-          </a:xfrm>
-          <a:prstGeom prst="rect">
-            <a:avLst/>
-          </a:prstGeom>
-        </p:spPr>
-      </p:pic>
-    </p:spTree>
-    <p:extLst>
-      <p:ext uri="{BB962C8B-B14F-4D97-AF65-F5344CB8AC3E}">
-        <p14:creationId xmlns:p14="http://schemas.microsoft.com/office/powerpoint/2010/main" val="917626728"/>
-      </p:ext>
-    </p:extLst>
-  </p:cSld>
-  <p:clrMapOvr>
-    <a:masterClrMapping/>
-  </p:clrMapOvr>
-</p:sld>
-</file>
-
-<file path=ppt/slides/slide21.xml><?xml version="1.0" encoding="utf-8"?>
-<p:sld xmlns:a="http://schemas.openxmlformats.org/drawingml/2006/main" xmlns:r="http://schemas.openxmlformats.org/officeDocument/2006/relationships" xmlns:p="http://schemas.openxmlformats.org/presentationml/2006/main">
-  <p:cSld>
-    <p:spTree>
-      <p:nvGrpSpPr>
-        <p:cNvPr id="1" name=""/>
-        <p:cNvGrpSpPr/>
-        <p:nvPr/>
-      </p:nvGrpSpPr>
-      <p:grpSpPr>
-        <a:xfrm>
-          <a:off x="0" y="0"/>
-          <a:ext cx="0" cy="0"/>
-          <a:chOff x="0" y="0"/>
-          <a:chExt cx="0" cy="0"/>
-        </a:xfrm>
-      </p:grpSpPr>
-      <p:sp>
-        <p:nvSpPr>
-          <p:cNvPr id="2" name="TextBox 1"/>
-          <p:cNvSpPr txBox="1"/>
-          <p:nvPr/>
-        </p:nvSpPr>
-        <p:spPr>
-          <a:xfrm>
-            <a:off x="0" y="0"/>
-            <a:ext cx="7010400" cy="584775"/>
-          </a:xfrm>
-          <a:prstGeom prst="rect">
-            <a:avLst/>
-          </a:prstGeom>
-          <a:noFill/>
-        </p:spPr>
-        <p:txBody>
-          <a:bodyPr wrap="square" rtlCol="0">
-            <a:spAutoFit/>
-          </a:bodyPr>
-          <a:lstStyle/>
-          <a:p>
-            <a:r>
-              <a:rPr lang="en-US" sz="1600" dirty="0" smtClean="0">
-                <a:solidFill>
-                  <a:srgbClr val="FF0000"/>
-                </a:solidFill>
-              </a:rPr>
-              <a:t>Date:</a:t>
-            </a:r>
-          </a:p>
-          <a:p>
-            <a:r>
-              <a:rPr lang="en-US" sz="1600" dirty="0" smtClean="0">
-                <a:solidFill>
-                  <a:srgbClr val="FF0000"/>
-                </a:solidFill>
-              </a:rPr>
-              <a:t>Source:</a:t>
-            </a:r>
-            <a:endParaRPr lang="en-US" sz="1600" dirty="0">
-              <a:solidFill>
-                <a:srgbClr val="FF0000"/>
-              </a:solidFill>
-            </a:endParaRPr>
-          </a:p>
-        </p:txBody>
-      </p:sp>
-    </p:spTree>
-    <p:extLst>
-      <p:ext uri="{BB962C8B-B14F-4D97-AF65-F5344CB8AC3E}">
-        <p14:creationId xmlns:p14="http://schemas.microsoft.com/office/powerpoint/2010/main" val="2814243742"/>
-      </p:ext>
-    </p:extLst>
-  </p:cSld>
-  <p:clrMapOvr>
-    <a:masterClrMapping/>
-  </p:clrMapOvr>
-</p:sld>
-</file>
-
-<file path=ppt/slides/slide22.xml><?xml version="1.0" encoding="utf-8"?>
-<p:sld xmlns:a="http://schemas.openxmlformats.org/drawingml/2006/main" xmlns:r="http://schemas.openxmlformats.org/officeDocument/2006/relationships" xmlns:p="http://schemas.openxmlformats.org/presentationml/2006/main">
-  <p:cSld>
-    <p:spTree>
-      <p:nvGrpSpPr>
-        <p:cNvPr id="1" name=""/>
-        <p:cNvGrpSpPr/>
-        <p:nvPr/>
-      </p:nvGrpSpPr>
-      <p:grpSpPr>
-        <a:xfrm>
-          <a:off x="0" y="0"/>
-          <a:ext cx="0" cy="0"/>
-          <a:chOff x="0" y="0"/>
-          <a:chExt cx="0" cy="0"/>
-        </a:xfrm>
-      </p:grpSpPr>
-      <p:sp>
-        <p:nvSpPr>
-          <p:cNvPr id="2" name="TextBox 1"/>
-          <p:cNvSpPr txBox="1"/>
-          <p:nvPr/>
-        </p:nvSpPr>
-        <p:spPr>
-          <a:xfrm>
-            <a:off x="0" y="0"/>
-            <a:ext cx="7010400" cy="584775"/>
-          </a:xfrm>
-          <a:prstGeom prst="rect">
-            <a:avLst/>
-          </a:prstGeom>
-          <a:noFill/>
-        </p:spPr>
-        <p:txBody>
-          <a:bodyPr wrap="square" rtlCol="0">
-            <a:spAutoFit/>
-          </a:bodyPr>
-          <a:lstStyle/>
-          <a:p>
-            <a:r>
-              <a:rPr lang="en-US" sz="1600" dirty="0" smtClean="0">
-                <a:solidFill>
-                  <a:srgbClr val="FF0000"/>
-                </a:solidFill>
-              </a:rPr>
-              <a:t>Date:</a:t>
-            </a:r>
-          </a:p>
-          <a:p>
-            <a:r>
-              <a:rPr lang="en-US" sz="1600" dirty="0" smtClean="0">
-                <a:solidFill>
-                  <a:srgbClr val="FF0000"/>
-                </a:solidFill>
-              </a:rPr>
-              <a:t>Source:</a:t>
-            </a:r>
-            <a:endParaRPr lang="en-US" sz="1600" dirty="0">
-              <a:solidFill>
-                <a:srgbClr val="FF0000"/>
-              </a:solidFill>
-            </a:endParaRPr>
-          </a:p>
-        </p:txBody>
-      </p:sp>
-    </p:spTree>
-    <p:extLst>
-      <p:ext uri="{BB962C8B-B14F-4D97-AF65-F5344CB8AC3E}">
-        <p14:creationId xmlns:p14="http://schemas.microsoft.com/office/powerpoint/2010/main" val="3093701310"/>
-      </p:ext>
-    </p:extLst>
-  </p:cSld>
-  <p:clrMapOvr>
-    <a:masterClrMapping/>
-  </p:clrMapOvr>
-</p:sld>
-</file>
-
-<file path=ppt/slides/slide23.xml><?xml version="1.0" encoding="utf-8"?>
-<p:sld xmlns:a="http://schemas.openxmlformats.org/drawingml/2006/main" xmlns:r="http://schemas.openxmlformats.org/officeDocument/2006/relationships" xmlns:p="http://schemas.openxmlformats.org/presentationml/2006/main">
-  <p:cSld>
-    <p:spTree>
-      <p:nvGrpSpPr>
-        <p:cNvPr id="1" name=""/>
-        <p:cNvGrpSpPr/>
-        <p:nvPr/>
-      </p:nvGrpSpPr>
-      <p:grpSpPr>
-        <a:xfrm>
-          <a:off x="0" y="0"/>
-          <a:ext cx="0" cy="0"/>
-          <a:chOff x="0" y="0"/>
-          <a:chExt cx="0" cy="0"/>
-        </a:xfrm>
-      </p:grpSpPr>
-    </p:spTree>
-    <p:extLst>
-      <p:ext uri="{BB962C8B-B14F-4D97-AF65-F5344CB8AC3E}">
-        <p14:creationId xmlns:p14="http://schemas.microsoft.com/office/powerpoint/2010/main" val="296665691"/>
-      </p:ext>
-    </p:extLst>
-  </p:cSld>
-  <p:clrMapOvr>
-    <a:masterClrMapping/>
-  </p:clrMapOvr>
-</p:sld>
-</file>
-
-<file path=ppt/slides/slide24.xml><?xml version="1.0" encoding="utf-8"?>
-<p:sld xmlns:a="http://schemas.openxmlformats.org/drawingml/2006/main" xmlns:r="http://schemas.openxmlformats.org/officeDocument/2006/relationships" xmlns:p="http://schemas.openxmlformats.org/presentationml/2006/main">
-  <p:cSld>
-    <p:spTree>
-      <p:nvGrpSpPr>
-        <p:cNvPr id="1" name=""/>
-        <p:cNvGrpSpPr/>
-        <p:nvPr/>
-      </p:nvGrpSpPr>
-      <p:grpSpPr>
-        <a:xfrm>
-          <a:off x="0" y="0"/>
-          <a:ext cx="0" cy="0"/>
-          <a:chOff x="0" y="0"/>
-          <a:chExt cx="0" cy="0"/>
-        </a:xfrm>
-      </p:grpSpPr>
-    </p:spTree>
-    <p:extLst>
-      <p:ext uri="{BB962C8B-B14F-4D97-AF65-F5344CB8AC3E}">
-        <p14:creationId xmlns:p14="http://schemas.microsoft.com/office/powerpoint/2010/main" val="3578612920"/>
-      </p:ext>
-    </p:extLst>
-  </p:cSld>
-  <p:clrMapOvr>
-    <a:masterClrMapping/>
-  </p:clrMapOvr>
-</p:sld>
-</file>
-
-<file path=ppt/slides/slide25.xml><?xml version="1.0" encoding="utf-8"?>
-<p:sld xmlns:a="http://schemas.openxmlformats.org/drawingml/2006/main" xmlns:r="http://schemas.openxmlformats.org/officeDocument/2006/relationships" xmlns:p="http://schemas.openxmlformats.org/presentationml/2006/main">
-  <p:cSld>
-    <p:spTree>
-      <p:nvGrpSpPr>
-        <p:cNvPr id="1" name=""/>
-        <p:cNvGrpSpPr/>
-        <p:nvPr/>
-      </p:nvGrpSpPr>
-      <p:grpSpPr>
-        <a:xfrm>
-          <a:off x="0" y="0"/>
-          <a:ext cx="0" cy="0"/>
-          <a:chOff x="0" y="0"/>
-          <a:chExt cx="0" cy="0"/>
-        </a:xfrm>
-      </p:grpSpPr>
-    </p:spTree>
-    <p:extLst>
-      <p:ext uri="{BB962C8B-B14F-4D97-AF65-F5344CB8AC3E}">
-        <p14:creationId xmlns:p14="http://schemas.microsoft.com/office/powerpoint/2010/main" val="2761243511"/>
-      </p:ext>
-    </p:extLst>
-  </p:cSld>
-  <p:clrMapOvr>
-    <a:masterClrMapping/>
-  </p:clrMapOvr>
-</p:sld>
-</file>
-
-<file path=ppt/slides/slide26.xml><?xml version="1.0" encoding="utf-8"?>
-<p:sld xmlns:a="http://schemas.openxmlformats.org/drawingml/2006/main" xmlns:r="http://schemas.openxmlformats.org/officeDocument/2006/relationships" xmlns:p="http://schemas.openxmlformats.org/presentationml/2006/main">
-  <p:cSld>
-    <p:spTree>
-      <p:nvGrpSpPr>
-        <p:cNvPr id="1" name=""/>
-        <p:cNvGrpSpPr/>
-        <p:nvPr/>
-      </p:nvGrpSpPr>
-      <p:grpSpPr>
-        <a:xfrm>
-          <a:off x="0" y="0"/>
-          <a:ext cx="0" cy="0"/>
-          <a:chOff x="0" y="0"/>
-          <a:chExt cx="0" cy="0"/>
-        </a:xfrm>
-      </p:grpSpPr>
-      <p:sp>
-        <p:nvSpPr>
-          <p:cNvPr id="2" name="TextBox 1"/>
-          <p:cNvSpPr txBox="1"/>
-          <p:nvPr/>
-        </p:nvSpPr>
-        <p:spPr>
-          <a:xfrm>
-            <a:off x="3110752" y="2008095"/>
-            <a:ext cx="6714565" cy="584775"/>
-          </a:xfrm>
-          <a:prstGeom prst="rect">
-            <a:avLst/>
-          </a:prstGeom>
-          <a:noFill/>
-        </p:spPr>
-        <p:txBody>
-          <a:bodyPr wrap="square" rtlCol="0">
-            <a:spAutoFit/>
-          </a:bodyPr>
-          <a:lstStyle/>
-          <a:p>
-            <a:r>
-              <a:rPr lang="en-US" sz="3200" b="1" dirty="0">
-                <a:latin typeface="Times New Roman" panose="02020603050405020304" pitchFamily="18" charset="0"/>
-                <a:cs typeface="Times New Roman" panose="02020603050405020304" pitchFamily="18" charset="0"/>
-              </a:rPr>
-              <a:t>3</a:t>
-            </a:r>
-            <a:r>
-              <a:rPr lang="en-US" sz="3200" b="1" dirty="0" smtClean="0">
-                <a:latin typeface="Times New Roman" panose="02020603050405020304" pitchFamily="18" charset="0"/>
-                <a:cs typeface="Times New Roman" panose="02020603050405020304" pitchFamily="18" charset="0"/>
-              </a:rPr>
-              <a:t>. Scintillator—inorganic crystal</a:t>
-            </a:r>
-            <a:endParaRPr lang="en-US" sz="3200" b="1" dirty="0">
-              <a:latin typeface="Times New Roman" panose="02020603050405020304" pitchFamily="18" charset="0"/>
-              <a:cs typeface="Times New Roman" panose="02020603050405020304" pitchFamily="18" charset="0"/>
-            </a:endParaRPr>
-          </a:p>
-        </p:txBody>
-      </p:sp>
-    </p:spTree>
-    <p:extLst>
-      <p:ext uri="{BB962C8B-B14F-4D97-AF65-F5344CB8AC3E}">
-        <p14:creationId xmlns:p14="http://schemas.microsoft.com/office/powerpoint/2010/main" val="2931871503"/>
-      </p:ext>
-    </p:extLst>
-  </p:cSld>
-  <p:clrMapOvr>
-    <a:masterClrMapping/>
-  </p:clrMapOvr>
-</p:sld>
-</file>
-
-<file path=ppt/slides/slide27.xml><?xml version="1.0" encoding="utf-8"?>
 <p:sld xmlns:a="http://schemas.openxmlformats.org/drawingml/2006/main" xmlns:r="http://schemas.openxmlformats.org/officeDocument/2006/relationships" xmlns:p="http://schemas.openxmlformats.org/presentationml/2006/main">
   <p:cSld>
     <p:spTree>
@@ -11079,38 +10792,17 @@
                   <a:srgbClr val="FF0000"/>
                 </a:solidFill>
               </a:rPr>
-              <a:t>Date</a:t>
-            </a:r>
+              <a:t>Date: 2018-10-31</a:t>
+            </a:r>
+          </a:p>
+          <a:p>
             <a:r>
               <a:rPr lang="en-US" sz="1600" dirty="0" smtClean="0">
                 <a:solidFill>
                   <a:srgbClr val="FF0000"/>
                 </a:solidFill>
               </a:rPr>
-              <a:t>: 2018-10-31</a:t>
-            </a:r>
-            <a:endParaRPr lang="en-US" sz="1600" dirty="0" smtClean="0">
-              <a:solidFill>
-                <a:srgbClr val="FF0000"/>
-              </a:solidFill>
-            </a:endParaRPr>
-          </a:p>
-          <a:p>
-            <a:r>
-              <a:rPr lang="en-US" sz="1600" dirty="0" smtClean="0">
-                <a:solidFill>
-                  <a:srgbClr val="FF0000"/>
-                </a:solidFill>
-              </a:rPr>
-              <a:t>Source</a:t>
-            </a:r>
-            <a:r>
-              <a:rPr lang="en-US" sz="1600" dirty="0" smtClean="0">
-                <a:solidFill>
-                  <a:srgbClr val="FF0000"/>
-                </a:solidFill>
-              </a:rPr>
-              <a:t>: Daniele’s group meeting talk</a:t>
+              <a:t>Source: Daniele’s group meeting talk</a:t>
             </a:r>
             <a:endParaRPr lang="en-US" sz="1600" dirty="0">
               <a:solidFill>
@@ -12227,7 +11919,7 @@
 </p:sld>
 </file>
 
-<file path=ppt/slides/slide28.xml><?xml version="1.0" encoding="utf-8"?>
+<file path=ppt/slides/slide21.xml><?xml version="1.0" encoding="utf-8"?>
 <p:sld xmlns:a="http://schemas.openxmlformats.org/drawingml/2006/main" xmlns:r="http://schemas.openxmlformats.org/officeDocument/2006/relationships" xmlns:p="http://schemas.openxmlformats.org/presentationml/2006/main">
   <p:cSld>
     <p:spTree>
@@ -14120,7 +13812,7 @@
 </p:sld>
 </file>
 
-<file path=ppt/slides/slide29.xml><?xml version="1.0" encoding="utf-8"?>
+<file path=ppt/slides/slide22.xml><?xml version="1.0" encoding="utf-8"?>
 <p:sld xmlns:a="http://schemas.openxmlformats.org/drawingml/2006/main" xmlns:r="http://schemas.openxmlformats.org/officeDocument/2006/relationships" xmlns:p="http://schemas.openxmlformats.org/presentationml/2006/main">
   <p:cSld>
     <p:spTree>
@@ -15099,94 +14791,7 @@
 </p:sld>
 </file>
 
-<file path=ppt/slides/slide3.xml><?xml version="1.0" encoding="utf-8"?>
-<p:sld xmlns:a="http://schemas.openxmlformats.org/drawingml/2006/main" xmlns:r="http://schemas.openxmlformats.org/officeDocument/2006/relationships" xmlns:p="http://schemas.openxmlformats.org/presentationml/2006/main">
-  <p:cSld>
-    <p:spTree>
-      <p:nvGrpSpPr>
-        <p:cNvPr id="1" name=""/>
-        <p:cNvGrpSpPr/>
-        <p:nvPr/>
-      </p:nvGrpSpPr>
-      <p:grpSpPr>
-        <a:xfrm>
-          <a:off x="0" y="0"/>
-          <a:ext cx="0" cy="0"/>
-          <a:chOff x="0" y="0"/>
-          <a:chExt cx="0" cy="0"/>
-        </a:xfrm>
-      </p:grpSpPr>
-      <p:sp>
-        <p:nvSpPr>
-          <p:cNvPr id="3" name="TextBox 2"/>
-          <p:cNvSpPr txBox="1"/>
-          <p:nvPr/>
-        </p:nvSpPr>
-        <p:spPr>
-          <a:xfrm>
-            <a:off x="2581836" y="2357719"/>
-            <a:ext cx="8086163" cy="523220"/>
-          </a:xfrm>
-          <a:prstGeom prst="rect">
-            <a:avLst/>
-          </a:prstGeom>
-          <a:noFill/>
-        </p:spPr>
-        <p:txBody>
-          <a:bodyPr wrap="square" rtlCol="0">
-            <a:spAutoFit/>
-          </a:bodyPr>
-          <a:lstStyle/>
-          <a:p>
-            <a:r>
-              <a:rPr lang="en-US" sz="2800" b="1" dirty="0">
-                <a:latin typeface="Times New Roman" panose="02020603050405020304" pitchFamily="18" charset="0"/>
-                <a:cs typeface="Times New Roman" panose="02020603050405020304" pitchFamily="18" charset="0"/>
-              </a:rPr>
-              <a:t>1</a:t>
-            </a:r>
-            <a:r>
-              <a:rPr lang="en-US" sz="2800" b="1" dirty="0" smtClean="0">
-                <a:latin typeface="Times New Roman" panose="02020603050405020304" pitchFamily="18" charset="0"/>
-                <a:cs typeface="Times New Roman" panose="02020603050405020304" pitchFamily="18" charset="0"/>
-              </a:rPr>
-              <a:t>. Basic Knowledges of ∆E1-</a:t>
-            </a:r>
-            <a:r>
-              <a:rPr lang="en-US" sz="2800" b="1" dirty="0">
-                <a:latin typeface="Times New Roman" panose="02020603050405020304" pitchFamily="18" charset="0"/>
-                <a:cs typeface="Times New Roman" panose="02020603050405020304" pitchFamily="18" charset="0"/>
-              </a:rPr>
-              <a:t> ∆</a:t>
-            </a:r>
-            <a:r>
-              <a:rPr lang="en-US" sz="2800" b="1" dirty="0" smtClean="0">
-                <a:latin typeface="Times New Roman" panose="02020603050405020304" pitchFamily="18" charset="0"/>
-                <a:cs typeface="Times New Roman" panose="02020603050405020304" pitchFamily="18" charset="0"/>
-              </a:rPr>
-              <a:t>E2-E Detector</a:t>
-            </a:r>
-            <a:endParaRPr lang="en-US" sz="2800" b="1" dirty="0">
-              <a:latin typeface="Times New Roman" panose="02020603050405020304" pitchFamily="18" charset="0"/>
-              <a:cs typeface="Times New Roman" panose="02020603050405020304" pitchFamily="18" charset="0"/>
-            </a:endParaRPr>
-          </a:p>
-        </p:txBody>
-      </p:sp>
-    </p:spTree>
-    <p:extLst>
-      <p:ext uri="{BB962C8B-B14F-4D97-AF65-F5344CB8AC3E}">
-        <p14:creationId xmlns:p14="http://schemas.microsoft.com/office/powerpoint/2010/main" val="206238080"/>
-      </p:ext>
-    </p:extLst>
-  </p:cSld>
-  <p:clrMapOvr>
-    <a:masterClrMapping/>
-  </p:clrMapOvr>
-</p:sld>
-</file>
-
-<file path=ppt/slides/slide30.xml><?xml version="1.0" encoding="utf-8"?>
+<file path=ppt/slides/slide23.xml><?xml version="1.0" encoding="utf-8"?>
 <p:sld xmlns:a="http://schemas.openxmlformats.org/drawingml/2006/main" xmlns:r="http://schemas.openxmlformats.org/officeDocument/2006/relationships" xmlns:p="http://schemas.openxmlformats.org/presentationml/2006/main">
   <p:cSld>
     <p:spTree>
@@ -16776,7 +16381,7 @@
 </p:sld>
 </file>
 
-<file path=ppt/slides/slide31.xml><?xml version="1.0" encoding="utf-8"?>
+<file path=ppt/slides/slide24.xml><?xml version="1.0" encoding="utf-8"?>
 <p:sld xmlns:a="http://schemas.openxmlformats.org/drawingml/2006/main" xmlns:r="http://schemas.openxmlformats.org/officeDocument/2006/relationships" xmlns:p="http://schemas.openxmlformats.org/presentationml/2006/main">
   <p:cSld>
     <p:spTree>
@@ -16947,7 +16552,7 @@
 </p:sld>
 </file>
 
-<file path=ppt/slides/slide32.xml><?xml version="1.0" encoding="utf-8"?>
+<file path=ppt/slides/slide25.xml><?xml version="1.0" encoding="utf-8"?>
 <p:sld xmlns:a="http://schemas.openxmlformats.org/drawingml/2006/main" xmlns:r="http://schemas.openxmlformats.org/officeDocument/2006/relationships" xmlns:p="http://schemas.openxmlformats.org/presentationml/2006/main">
   <p:cSld>
     <p:spTree>
@@ -19492,7 +19097,7 @@
 </p:sld>
 </file>
 
-<file path=ppt/slides/slide33.xml><?xml version="1.0" encoding="utf-8"?>
+<file path=ppt/slides/slide26.xml><?xml version="1.0" encoding="utf-8"?>
 <p:sld xmlns:a="http://schemas.openxmlformats.org/drawingml/2006/main" xmlns:r="http://schemas.openxmlformats.org/officeDocument/2006/relationships" xmlns:p="http://schemas.openxmlformats.org/presentationml/2006/main">
   <p:cSld>
     <p:spTree>
@@ -20662,7 +20267,7 @@
 </p:sld>
 </file>
 
-<file path=ppt/slides/slide34.xml><?xml version="1.0" encoding="utf-8"?>
+<file path=ppt/slides/slide27.xml><?xml version="1.0" encoding="utf-8"?>
 <p:sld xmlns:a="http://schemas.openxmlformats.org/drawingml/2006/main" xmlns:r="http://schemas.openxmlformats.org/officeDocument/2006/relationships" xmlns:p="http://schemas.openxmlformats.org/presentationml/2006/main">
   <p:cSld>
     <p:spTree>
@@ -21517,7 +21122,7 @@
 </p:sld>
 </file>
 
-<file path=ppt/slides/slide35.xml><?xml version="1.0" encoding="utf-8"?>
+<file path=ppt/slides/slide28.xml><?xml version="1.0" encoding="utf-8"?>
 <p:sld xmlns:a="http://schemas.openxmlformats.org/drawingml/2006/main" xmlns:r="http://schemas.openxmlformats.org/officeDocument/2006/relationships" xmlns:p="http://schemas.openxmlformats.org/presentationml/2006/main">
   <p:cSld>
     <p:spTree>
@@ -22489,7 +22094,7 @@
 </p:sld>
 </file>
 
-<file path=ppt/slides/slide36.xml><?xml version="1.0" encoding="utf-8"?>
+<file path=ppt/slides/slide29.xml><?xml version="1.0" encoding="utf-8"?>
 <p:sld xmlns:a="http://schemas.openxmlformats.org/drawingml/2006/main" xmlns:r="http://schemas.openxmlformats.org/officeDocument/2006/relationships" xmlns:p="http://schemas.openxmlformats.org/presentationml/2006/main">
   <p:cSld>
     <p:spTree>
@@ -23116,7 +22721,94 @@
 </p:sld>
 </file>
 
-<file path=ppt/slides/slide37.xml><?xml version="1.0" encoding="utf-8"?>
+<file path=ppt/slides/slide3.xml><?xml version="1.0" encoding="utf-8"?>
+<p:sld xmlns:a="http://schemas.openxmlformats.org/drawingml/2006/main" xmlns:r="http://schemas.openxmlformats.org/officeDocument/2006/relationships" xmlns:p="http://schemas.openxmlformats.org/presentationml/2006/main">
+  <p:cSld>
+    <p:spTree>
+      <p:nvGrpSpPr>
+        <p:cNvPr id="1" name=""/>
+        <p:cNvGrpSpPr/>
+        <p:nvPr/>
+      </p:nvGrpSpPr>
+      <p:grpSpPr>
+        <a:xfrm>
+          <a:off x="0" y="0"/>
+          <a:ext cx="0" cy="0"/>
+          <a:chOff x="0" y="0"/>
+          <a:chExt cx="0" cy="0"/>
+        </a:xfrm>
+      </p:grpSpPr>
+      <p:sp>
+        <p:nvSpPr>
+          <p:cNvPr id="3" name="TextBox 2"/>
+          <p:cNvSpPr txBox="1"/>
+          <p:nvPr/>
+        </p:nvSpPr>
+        <p:spPr>
+          <a:xfrm>
+            <a:off x="2581836" y="2357719"/>
+            <a:ext cx="8086163" cy="523220"/>
+          </a:xfrm>
+          <a:prstGeom prst="rect">
+            <a:avLst/>
+          </a:prstGeom>
+          <a:noFill/>
+        </p:spPr>
+        <p:txBody>
+          <a:bodyPr wrap="square" rtlCol="0">
+            <a:spAutoFit/>
+          </a:bodyPr>
+          <a:lstStyle/>
+          <a:p>
+            <a:r>
+              <a:rPr lang="en-US" sz="2800" b="1" dirty="0" smtClean="0">
+                <a:latin typeface="Times New Roman" panose="02020603050405020304" pitchFamily="18" charset="0"/>
+                <a:cs typeface="Times New Roman" panose="02020603050405020304" pitchFamily="18" charset="0"/>
+              </a:rPr>
+              <a:t> </a:t>
+            </a:r>
+            <a:r>
+              <a:rPr lang="en-US" sz="2800" b="1" dirty="0" smtClean="0">
+                <a:latin typeface="Times New Roman" panose="02020603050405020304" pitchFamily="18" charset="0"/>
+                <a:cs typeface="Times New Roman" panose="02020603050405020304" pitchFamily="18" charset="0"/>
+              </a:rPr>
+              <a:t>Basic Knowledges of ∆E1-</a:t>
+            </a:r>
+            <a:r>
+              <a:rPr lang="en-US" sz="2800" b="1" dirty="0">
+                <a:latin typeface="Times New Roman" panose="02020603050405020304" pitchFamily="18" charset="0"/>
+                <a:cs typeface="Times New Roman" panose="02020603050405020304" pitchFamily="18" charset="0"/>
+              </a:rPr>
+              <a:t> ∆</a:t>
+            </a:r>
+            <a:r>
+              <a:rPr lang="en-US" sz="2800" b="1" dirty="0" smtClean="0">
+                <a:latin typeface="Times New Roman" panose="02020603050405020304" pitchFamily="18" charset="0"/>
+                <a:cs typeface="Times New Roman" panose="02020603050405020304" pitchFamily="18" charset="0"/>
+              </a:rPr>
+              <a:t>E2-E Detector</a:t>
+            </a:r>
+            <a:endParaRPr lang="en-US" sz="2800" b="1" dirty="0">
+              <a:latin typeface="Times New Roman" panose="02020603050405020304" pitchFamily="18" charset="0"/>
+              <a:cs typeface="Times New Roman" panose="02020603050405020304" pitchFamily="18" charset="0"/>
+            </a:endParaRPr>
+          </a:p>
+        </p:txBody>
+      </p:sp>
+    </p:spTree>
+    <p:extLst>
+      <p:ext uri="{BB962C8B-B14F-4D97-AF65-F5344CB8AC3E}">
+        <p14:creationId xmlns:p14="http://schemas.microsoft.com/office/powerpoint/2010/main" val="206238080"/>
+      </p:ext>
+    </p:extLst>
+  </p:cSld>
+  <p:clrMapOvr>
+    <a:masterClrMapping/>
+  </p:clrMapOvr>
+</p:sld>
+</file>
+
+<file path=ppt/slides/slide30.xml><?xml version="1.0" encoding="utf-8"?>
 <p:sld xmlns:a="http://schemas.openxmlformats.org/drawingml/2006/main" xmlns:r="http://schemas.openxmlformats.org/officeDocument/2006/relationships" xmlns:p="http://schemas.openxmlformats.org/presentationml/2006/main">
   <p:cSld>
     <p:spTree>
@@ -23605,7 +23297,7 @@
 </p:sld>
 </file>
 
-<file path=ppt/slides/slide38.xml><?xml version="1.0" encoding="utf-8"?>
+<file path=ppt/slides/slide31.xml><?xml version="1.0" encoding="utf-8"?>
 <p:sld xmlns:a="http://schemas.openxmlformats.org/drawingml/2006/main" xmlns:r="http://schemas.openxmlformats.org/officeDocument/2006/relationships" xmlns:p="http://schemas.openxmlformats.org/presentationml/2006/main">
   <p:cSld>
     <p:spTree>
@@ -23807,7 +23499,7 @@
 </p:sld>
 </file>
 
-<file path=ppt/slides/slide39.xml><?xml version="1.0" encoding="utf-8"?>
+<file path=ppt/slides/slide32.xml><?xml version="1.0" encoding="utf-8"?>
 <p:sld xmlns:a="http://schemas.openxmlformats.org/drawingml/2006/main" xmlns:r="http://schemas.openxmlformats.org/officeDocument/2006/relationships" xmlns:p="http://schemas.openxmlformats.org/presentationml/2006/main">
   <p:cSld>
     <p:spTree>
@@ -24158,6 +23850,1911 @@
 </p:sld>
 </file>
 
+<file path=ppt/slides/slide33.xml><?xml version="1.0" encoding="utf-8"?>
+<p:sld xmlns:a="http://schemas.openxmlformats.org/drawingml/2006/main" xmlns:r="http://schemas.openxmlformats.org/officeDocument/2006/relationships" xmlns:p="http://schemas.openxmlformats.org/presentationml/2006/main">
+  <p:cSld>
+    <p:spTree>
+      <p:nvGrpSpPr>
+        <p:cNvPr id="1" name=""/>
+        <p:cNvGrpSpPr/>
+        <p:nvPr/>
+      </p:nvGrpSpPr>
+      <p:grpSpPr>
+        <a:xfrm>
+          <a:off x="0" y="0"/>
+          <a:ext cx="0" cy="0"/>
+          <a:chOff x="0" y="0"/>
+          <a:chExt cx="0" cy="0"/>
+        </a:xfrm>
+      </p:grpSpPr>
+      <p:sp>
+        <p:nvSpPr>
+          <p:cNvPr id="6" name="TextBox 5"/>
+          <p:cNvSpPr txBox="1"/>
+          <p:nvPr/>
+        </p:nvSpPr>
+        <p:spPr>
+          <a:xfrm>
+            <a:off x="635726" y="496389"/>
+            <a:ext cx="11556274" cy="2031325"/>
+          </a:xfrm>
+          <a:prstGeom prst="rect">
+            <a:avLst/>
+          </a:prstGeom>
+          <a:noFill/>
+        </p:spPr>
+        <p:txBody>
+          <a:bodyPr wrap="square" rtlCol="0">
+            <a:spAutoFit/>
+          </a:bodyPr>
+          <a:lstStyle/>
+          <a:p>
+            <a:r>
+              <a:rPr lang="en-US" dirty="0" smtClean="0"/>
+              <a:t>It is clear that very few and fragmentary data is reported in the literature for Z=1 light response in </a:t>
+            </a:r>
+            <a:r>
+              <a:rPr lang="en-US" dirty="0" err="1" smtClean="0"/>
+              <a:t>CsI</a:t>
+            </a:r>
+            <a:r>
+              <a:rPr lang="en-US" dirty="0" smtClean="0"/>
+              <a:t>(Tl) (and inorganic scintillators in general).</a:t>
+            </a:r>
+          </a:p>
+          <a:p>
+            <a:endParaRPr lang="en-US" dirty="0"/>
+          </a:p>
+          <a:p>
+            <a:r>
+              <a:rPr lang="en-US" dirty="0" smtClean="0"/>
+              <a:t>Since we are interested in proton energy spectra over a wide range of </a:t>
+            </a:r>
+            <a:r>
+              <a:rPr lang="en-US" dirty="0"/>
+              <a:t>energies (and for the first time we have good quality data of protons in a wide energy range), </a:t>
+            </a:r>
+            <a:r>
+              <a:rPr lang="en-US" dirty="0" smtClean="0"/>
+              <a:t>it is mandatory to explore the possible existence of saturation effects observed in the literature and build a proper fit formula.</a:t>
+            </a:r>
+          </a:p>
+          <a:p>
+            <a:endParaRPr lang="en-US" dirty="0"/>
+          </a:p>
+        </p:txBody>
+      </p:sp>
+      <p:pic>
+        <p:nvPicPr>
+          <p:cNvPr id="8" name="Picture 7"/>
+          <p:cNvPicPr>
+            <a:picLocks noChangeAspect="1"/>
+          </p:cNvPicPr>
+          <p:nvPr/>
+        </p:nvPicPr>
+        <p:blipFill>
+          <a:blip r:embed="rId2"/>
+          <a:stretch>
+            <a:fillRect/>
+          </a:stretch>
+        </p:blipFill>
+        <p:spPr>
+          <a:xfrm>
+            <a:off x="2534665" y="2285662"/>
+            <a:ext cx="6529007" cy="4194773"/>
+          </a:xfrm>
+          <a:prstGeom prst="rect">
+            <a:avLst/>
+          </a:prstGeom>
+        </p:spPr>
+      </p:pic>
+      <p:sp>
+        <p:nvSpPr>
+          <p:cNvPr id="10" name="TextBox 9"/>
+          <p:cNvSpPr txBox="1"/>
+          <p:nvPr/>
+        </p:nvSpPr>
+        <p:spPr>
+          <a:xfrm rot="16200000">
+            <a:off x="2046070" y="4132320"/>
+            <a:ext cx="607859" cy="369332"/>
+          </a:xfrm>
+          <a:prstGeom prst="rect">
+            <a:avLst/>
+          </a:prstGeom>
+          <a:noFill/>
+        </p:spPr>
+        <p:txBody>
+          <a:bodyPr wrap="none" rtlCol="0">
+            <a:spAutoFit/>
+          </a:bodyPr>
+          <a:lstStyle/>
+          <a:p>
+            <a:r>
+              <a:rPr lang="en-US" dirty="0" smtClean="0"/>
+              <a:t>L (V)</a:t>
+            </a:r>
+            <a:endParaRPr lang="en-US" dirty="0"/>
+          </a:p>
+        </p:txBody>
+      </p:sp>
+      <p:sp>
+        <p:nvSpPr>
+          <p:cNvPr id="11" name="TextBox 10"/>
+          <p:cNvSpPr txBox="1"/>
+          <p:nvPr/>
+        </p:nvSpPr>
+        <p:spPr>
+          <a:xfrm>
+            <a:off x="5495238" y="6480435"/>
+            <a:ext cx="934871" cy="369332"/>
+          </a:xfrm>
+          <a:prstGeom prst="rect">
+            <a:avLst/>
+          </a:prstGeom>
+          <a:noFill/>
+        </p:spPr>
+        <p:txBody>
+          <a:bodyPr wrap="none" rtlCol="0">
+            <a:spAutoFit/>
+          </a:bodyPr>
+          <a:lstStyle/>
+          <a:p>
+            <a:r>
+              <a:rPr lang="en-US" dirty="0" smtClean="0"/>
+              <a:t>E (MeV)</a:t>
+            </a:r>
+            <a:endParaRPr lang="en-US" dirty="0"/>
+          </a:p>
+        </p:txBody>
+      </p:sp>
+      <p:sp>
+        <p:nvSpPr>
+          <p:cNvPr id="12" name="TextBox 11"/>
+          <p:cNvSpPr txBox="1"/>
+          <p:nvPr/>
+        </p:nvSpPr>
+        <p:spPr>
+          <a:xfrm>
+            <a:off x="2534664" y="5719483"/>
+            <a:ext cx="615810" cy="369332"/>
+          </a:xfrm>
+          <a:prstGeom prst="rect">
+            <a:avLst/>
+          </a:prstGeom>
+          <a:noFill/>
+        </p:spPr>
+        <p:txBody>
+          <a:bodyPr wrap="none" rtlCol="0">
+            <a:spAutoFit/>
+          </a:bodyPr>
+          <a:lstStyle/>
+          <a:p>
+            <a:r>
+              <a:rPr lang="en-US" dirty="0" err="1" smtClean="0">
+                <a:solidFill>
+                  <a:srgbClr val="0070C0"/>
+                </a:solidFill>
+              </a:rPr>
+              <a:t>p</a:t>
+            </a:r>
+            <a:r>
+              <a:rPr lang="en-US" dirty="0" err="1" smtClean="0"/>
+              <a:t>,</a:t>
+            </a:r>
+            <a:r>
+              <a:rPr lang="en-US" dirty="0" err="1" smtClean="0">
+                <a:solidFill>
+                  <a:schemeClr val="accent2">
+                    <a:lumMod val="75000"/>
+                  </a:schemeClr>
+                </a:solidFill>
+              </a:rPr>
+              <a:t>d</a:t>
+            </a:r>
+            <a:r>
+              <a:rPr lang="en-US" dirty="0" err="1" smtClean="0"/>
+              <a:t>,</a:t>
+            </a:r>
+            <a:r>
+              <a:rPr lang="en-US" dirty="0" err="1" smtClean="0">
+                <a:solidFill>
+                  <a:schemeClr val="accent6">
+                    <a:lumMod val="75000"/>
+                  </a:schemeClr>
+                </a:solidFill>
+              </a:rPr>
+              <a:t>t</a:t>
+            </a:r>
+            <a:endParaRPr lang="en-US" dirty="0">
+              <a:solidFill>
+                <a:schemeClr val="accent6">
+                  <a:lumMod val="75000"/>
+                </a:schemeClr>
+              </a:solidFill>
+            </a:endParaRPr>
+          </a:p>
+        </p:txBody>
+      </p:sp>
+      <p:sp>
+        <p:nvSpPr>
+          <p:cNvPr id="13" name="TextBox 12"/>
+          <p:cNvSpPr txBox="1"/>
+          <p:nvPr/>
+        </p:nvSpPr>
+        <p:spPr>
+          <a:xfrm>
+            <a:off x="5089046" y="4019548"/>
+            <a:ext cx="561372" cy="369332"/>
+          </a:xfrm>
+          <a:prstGeom prst="rect">
+            <a:avLst/>
+          </a:prstGeom>
+          <a:noFill/>
+        </p:spPr>
+        <p:txBody>
+          <a:bodyPr wrap="none" rtlCol="0">
+            <a:spAutoFit/>
+          </a:bodyPr>
+          <a:lstStyle/>
+          <a:p>
+            <a:r>
+              <a:rPr lang="en-US" dirty="0" smtClean="0">
+                <a:solidFill>
+                  <a:srgbClr val="7030A0"/>
+                </a:solidFill>
+              </a:rPr>
+              <a:t>3He</a:t>
+            </a:r>
+            <a:endParaRPr lang="en-US" dirty="0">
+              <a:solidFill>
+                <a:srgbClr val="7030A0"/>
+              </a:solidFill>
+            </a:endParaRPr>
+          </a:p>
+        </p:txBody>
+      </p:sp>
+      <p:sp>
+        <p:nvSpPr>
+          <p:cNvPr id="14" name="TextBox 13"/>
+          <p:cNvSpPr txBox="1"/>
+          <p:nvPr/>
+        </p:nvSpPr>
+        <p:spPr>
+          <a:xfrm>
+            <a:off x="6149423" y="3418913"/>
+            <a:ext cx="561372" cy="369332"/>
+          </a:xfrm>
+          <a:prstGeom prst="rect">
+            <a:avLst/>
+          </a:prstGeom>
+          <a:noFill/>
+        </p:spPr>
+        <p:txBody>
+          <a:bodyPr wrap="none" rtlCol="0">
+            <a:spAutoFit/>
+          </a:bodyPr>
+          <a:lstStyle/>
+          <a:p>
+            <a:r>
+              <a:rPr lang="en-US" dirty="0" smtClean="0">
+                <a:solidFill>
+                  <a:srgbClr val="00B0F0"/>
+                </a:solidFill>
+              </a:rPr>
+              <a:t>4He</a:t>
+            </a:r>
+            <a:endParaRPr lang="en-US" dirty="0">
+              <a:solidFill>
+                <a:srgbClr val="00B0F0"/>
+              </a:solidFill>
+            </a:endParaRPr>
+          </a:p>
+        </p:txBody>
+      </p:sp>
+      <p:sp>
+        <p:nvSpPr>
+          <p:cNvPr id="15" name="TextBox 14"/>
+          <p:cNvSpPr txBox="1"/>
+          <p:nvPr/>
+        </p:nvSpPr>
+        <p:spPr>
+          <a:xfrm>
+            <a:off x="7742599" y="2527714"/>
+            <a:ext cx="627095" cy="369332"/>
+          </a:xfrm>
+          <a:prstGeom prst="rect">
+            <a:avLst/>
+          </a:prstGeom>
+          <a:noFill/>
+        </p:spPr>
+        <p:txBody>
+          <a:bodyPr wrap="none" rtlCol="0">
+            <a:spAutoFit/>
+          </a:bodyPr>
+          <a:lstStyle/>
+          <a:p>
+            <a:r>
+              <a:rPr lang="en-US" dirty="0" smtClean="0"/>
+              <a:t>6,7Li</a:t>
+            </a:r>
+            <a:endParaRPr lang="en-US" dirty="0"/>
+          </a:p>
+        </p:txBody>
+      </p:sp>
+      <p:sp>
+        <p:nvSpPr>
+          <p:cNvPr id="16" name="TextBox 15"/>
+          <p:cNvSpPr txBox="1"/>
+          <p:nvPr/>
+        </p:nvSpPr>
+        <p:spPr>
+          <a:xfrm>
+            <a:off x="7958070" y="3049581"/>
+            <a:ext cx="542136" cy="369332"/>
+          </a:xfrm>
+          <a:prstGeom prst="rect">
+            <a:avLst/>
+          </a:prstGeom>
+          <a:noFill/>
+        </p:spPr>
+        <p:txBody>
+          <a:bodyPr wrap="none" rtlCol="0">
+            <a:spAutoFit/>
+          </a:bodyPr>
+          <a:lstStyle/>
+          <a:p>
+            <a:r>
+              <a:rPr lang="en-US" dirty="0" smtClean="0">
+                <a:solidFill>
+                  <a:schemeClr val="accent2">
+                    <a:lumMod val="50000"/>
+                  </a:schemeClr>
+                </a:solidFill>
+              </a:rPr>
+              <a:t>7Be</a:t>
+            </a:r>
+            <a:endParaRPr lang="en-US" dirty="0">
+              <a:solidFill>
+                <a:schemeClr val="accent2">
+                  <a:lumMod val="50000"/>
+                </a:schemeClr>
+              </a:solidFill>
+            </a:endParaRPr>
+          </a:p>
+        </p:txBody>
+      </p:sp>
+    </p:spTree>
+    <p:extLst>
+      <p:ext uri="{BB962C8B-B14F-4D97-AF65-F5344CB8AC3E}">
+        <p14:creationId xmlns:p14="http://schemas.microsoft.com/office/powerpoint/2010/main" val="1496018760"/>
+      </p:ext>
+    </p:extLst>
+  </p:cSld>
+  <p:clrMapOvr>
+    <a:masterClrMapping/>
+  </p:clrMapOvr>
+  <p:timing>
+    <p:tnLst>
+      <p:par>
+        <p:cTn id="1" dur="indefinite" restart="never" nodeType="tmRoot"/>
+      </p:par>
+    </p:tnLst>
+  </p:timing>
+</p:sld>
+</file>
+
+<file path=ppt/slides/slide34.xml><?xml version="1.0" encoding="utf-8"?>
+<p:sld xmlns:a="http://schemas.openxmlformats.org/drawingml/2006/main" xmlns:r="http://schemas.openxmlformats.org/officeDocument/2006/relationships" xmlns:p="http://schemas.openxmlformats.org/presentationml/2006/main">
+  <p:cSld>
+    <p:spTree>
+      <p:nvGrpSpPr>
+        <p:cNvPr id="1" name=""/>
+        <p:cNvGrpSpPr/>
+        <p:nvPr/>
+      </p:nvGrpSpPr>
+      <p:grpSpPr>
+        <a:xfrm>
+          <a:off x="0" y="0"/>
+          <a:ext cx="0" cy="0"/>
+          <a:chOff x="0" y="0"/>
+          <a:chExt cx="0" cy="0"/>
+        </a:xfrm>
+      </p:grpSpPr>
+    </p:spTree>
+    <p:extLst>
+      <p:ext uri="{BB962C8B-B14F-4D97-AF65-F5344CB8AC3E}">
+        <p14:creationId xmlns:p14="http://schemas.microsoft.com/office/powerpoint/2010/main" val="3670928227"/>
+      </p:ext>
+    </p:extLst>
+  </p:cSld>
+  <p:clrMapOvr>
+    <a:masterClrMapping/>
+  </p:clrMapOvr>
+</p:sld>
+</file>
+
+<file path=ppt/slides/slide35.xml><?xml version="1.0" encoding="utf-8"?>
+<p:sld xmlns:a="http://schemas.openxmlformats.org/drawingml/2006/main" xmlns:r="http://schemas.openxmlformats.org/officeDocument/2006/relationships" xmlns:p="http://schemas.openxmlformats.org/presentationml/2006/main">
+  <p:cSld>
+    <p:spTree>
+      <p:nvGrpSpPr>
+        <p:cNvPr id="1" name=""/>
+        <p:cNvGrpSpPr/>
+        <p:nvPr/>
+      </p:nvGrpSpPr>
+      <p:grpSpPr>
+        <a:xfrm>
+          <a:off x="0" y="0"/>
+          <a:ext cx="0" cy="0"/>
+          <a:chOff x="0" y="0"/>
+          <a:chExt cx="0" cy="0"/>
+        </a:xfrm>
+      </p:grpSpPr>
+      <p:sp>
+        <p:nvSpPr>
+          <p:cNvPr id="3" name="文本框 2"/>
+          <p:cNvSpPr txBox="1"/>
+          <p:nvPr/>
+        </p:nvSpPr>
+        <p:spPr>
+          <a:xfrm>
+            <a:off x="4764505" y="2414337"/>
+            <a:ext cx="2261937" cy="584775"/>
+          </a:xfrm>
+          <a:prstGeom prst="rect">
+            <a:avLst/>
+          </a:prstGeom>
+          <a:noFill/>
+        </p:spPr>
+        <p:txBody>
+          <a:bodyPr wrap="square" rtlCol="0">
+            <a:spAutoFit/>
+          </a:bodyPr>
+          <a:lstStyle/>
+          <a:p>
+            <a:r>
+              <a:rPr lang="zh-CN" altLang="en-US" sz="3200" b="1" dirty="0" smtClean="0"/>
+              <a:t>闪烁探测器</a:t>
+            </a:r>
+            <a:endParaRPr lang="zh-CN" altLang="en-US" sz="3200" b="1" dirty="0"/>
+          </a:p>
+        </p:txBody>
+      </p:sp>
+    </p:spTree>
+    <p:extLst>
+      <p:ext uri="{BB962C8B-B14F-4D97-AF65-F5344CB8AC3E}">
+        <p14:creationId xmlns:p14="http://schemas.microsoft.com/office/powerpoint/2010/main" val="727721732"/>
+      </p:ext>
+    </p:extLst>
+  </p:cSld>
+  <p:clrMapOvr>
+    <a:masterClrMapping/>
+  </p:clrMapOvr>
+</p:sld>
+</file>
+
+<file path=ppt/slides/slide36.xml><?xml version="1.0" encoding="utf-8"?>
+<p:sld xmlns:a="http://schemas.openxmlformats.org/drawingml/2006/main" xmlns:r="http://schemas.openxmlformats.org/officeDocument/2006/relationships" xmlns:p="http://schemas.openxmlformats.org/presentationml/2006/main">
+  <p:cSld>
+    <p:spTree>
+      <p:nvGrpSpPr>
+        <p:cNvPr id="1" name=""/>
+        <p:cNvGrpSpPr/>
+        <p:nvPr/>
+      </p:nvGrpSpPr>
+      <p:grpSpPr>
+        <a:xfrm>
+          <a:off x="0" y="0"/>
+          <a:ext cx="0" cy="0"/>
+          <a:chOff x="0" y="0"/>
+          <a:chExt cx="0" cy="0"/>
+        </a:xfrm>
+      </p:grpSpPr>
+      <p:sp>
+        <p:nvSpPr>
+          <p:cNvPr id="4" name="TextBox 1"/>
+          <p:cNvSpPr txBox="1"/>
+          <p:nvPr/>
+        </p:nvSpPr>
+        <p:spPr>
+          <a:xfrm>
+            <a:off x="0" y="0"/>
+            <a:ext cx="10010274" cy="584775"/>
+          </a:xfrm>
+          <a:prstGeom prst="rect">
+            <a:avLst/>
+          </a:prstGeom>
+          <a:noFill/>
+        </p:spPr>
+        <p:txBody>
+          <a:bodyPr wrap="square" rtlCol="0">
+            <a:spAutoFit/>
+          </a:bodyPr>
+          <a:lstStyle/>
+          <a:p>
+            <a:r>
+              <a:rPr lang="en-US" sz="1600" dirty="0" smtClean="0">
+                <a:solidFill>
+                  <a:srgbClr val="FF0000"/>
+                </a:solidFill>
+              </a:rPr>
+              <a:t>Date: </a:t>
+            </a:r>
+            <a:r>
+              <a:rPr lang="en-US" sz="1600" dirty="0" smtClean="0">
+                <a:solidFill>
+                  <a:srgbClr val="FF0000"/>
+                </a:solidFill>
+              </a:rPr>
+              <a:t>2018</a:t>
+            </a:r>
+            <a:r>
+              <a:rPr lang="en-US" altLang="zh-CN" sz="1600" dirty="0" smtClean="0">
+                <a:solidFill>
+                  <a:srgbClr val="FF0000"/>
+                </a:solidFill>
+              </a:rPr>
+              <a:t>-11-01</a:t>
+            </a:r>
+            <a:endParaRPr lang="en-US" sz="1600" dirty="0" smtClean="0">
+              <a:solidFill>
+                <a:srgbClr val="FF0000"/>
+              </a:solidFill>
+            </a:endParaRPr>
+          </a:p>
+          <a:p>
+            <a:r>
+              <a:rPr lang="en-US" sz="1600" dirty="0" smtClean="0">
+                <a:solidFill>
+                  <a:srgbClr val="FF0000"/>
+                </a:solidFill>
+              </a:rPr>
+              <a:t>Source: </a:t>
+            </a:r>
+            <a:r>
+              <a:rPr lang="zh-CN" altLang="en-US" sz="1600" dirty="0">
+                <a:solidFill>
+                  <a:srgbClr val="FF0000"/>
+                </a:solidFill>
+              </a:rPr>
+              <a:t>高能</a:t>
+            </a:r>
+            <a:r>
+              <a:rPr lang="zh-CN" altLang="en-US" sz="1600" dirty="0" smtClean="0">
+                <a:solidFill>
+                  <a:srgbClr val="FF0000"/>
+                </a:solidFill>
+              </a:rPr>
+              <a:t>所 </a:t>
+            </a:r>
+            <a:r>
+              <a:rPr lang="en-US" altLang="zh-CN" sz="1600" dirty="0" smtClean="0">
+                <a:solidFill>
+                  <a:srgbClr val="FF0000"/>
+                </a:solidFill>
+              </a:rPr>
+              <a:t>《</a:t>
+            </a:r>
+            <a:r>
+              <a:rPr lang="zh-CN" altLang="en-US" sz="1600" dirty="0" smtClean="0">
+                <a:solidFill>
+                  <a:srgbClr val="FF0000"/>
+                </a:solidFill>
+              </a:rPr>
+              <a:t>粒子探测器于数据获取， </a:t>
+            </a:r>
+            <a:r>
+              <a:rPr lang="en-US" altLang="zh-CN" sz="1600" dirty="0" smtClean="0">
+                <a:solidFill>
+                  <a:srgbClr val="FF0000"/>
+                </a:solidFill>
+              </a:rPr>
+              <a:t>Leo &lt;Techniques for Nuclear and Particle Physics Experiment&gt;</a:t>
+            </a:r>
+            <a:endParaRPr lang="en-US" sz="1600" dirty="0">
+              <a:solidFill>
+                <a:srgbClr val="FF0000"/>
+              </a:solidFill>
+            </a:endParaRPr>
+          </a:p>
+        </p:txBody>
+      </p:sp>
+      <p:sp>
+        <p:nvSpPr>
+          <p:cNvPr id="5" name="文本框 4"/>
+          <p:cNvSpPr txBox="1"/>
+          <p:nvPr/>
+        </p:nvSpPr>
+        <p:spPr>
+          <a:xfrm>
+            <a:off x="264694" y="745958"/>
+            <a:ext cx="1973179" cy="369332"/>
+          </a:xfrm>
+          <a:prstGeom prst="rect">
+            <a:avLst/>
+          </a:prstGeom>
+          <a:noFill/>
+        </p:spPr>
+        <p:txBody>
+          <a:bodyPr wrap="square" rtlCol="0">
+            <a:spAutoFit/>
+          </a:bodyPr>
+          <a:lstStyle/>
+          <a:p>
+            <a:r>
+              <a:rPr lang="zh-CN" altLang="en-US" b="1" u="sng" dirty="0" smtClean="0">
+                <a:solidFill>
+                  <a:srgbClr val="00B050"/>
+                </a:solidFill>
+              </a:rPr>
+              <a:t>无机闪烁体</a:t>
+            </a:r>
+            <a:endParaRPr lang="zh-CN" altLang="en-US" b="1" u="sng" dirty="0">
+              <a:solidFill>
+                <a:srgbClr val="00B050"/>
+              </a:solidFill>
+            </a:endParaRPr>
+          </a:p>
+        </p:txBody>
+      </p:sp>
+      <p:sp>
+        <p:nvSpPr>
+          <p:cNvPr id="14" name="Rectangle 1"/>
+          <p:cNvSpPr/>
+          <p:nvPr/>
+        </p:nvSpPr>
+        <p:spPr>
+          <a:xfrm>
+            <a:off x="326427" y="1277599"/>
+            <a:ext cx="10520829" cy="584775"/>
+          </a:xfrm>
+          <a:prstGeom prst="rect">
+            <a:avLst/>
+          </a:prstGeom>
+        </p:spPr>
+        <p:txBody>
+          <a:bodyPr wrap="none">
+            <a:spAutoFit/>
+          </a:bodyPr>
+          <a:lstStyle/>
+          <a:p>
+            <a:r>
+              <a:rPr lang="en-US" sz="1600" b="1" dirty="0" smtClean="0"/>
+              <a:t>● </a:t>
+            </a:r>
+            <a:r>
+              <a:rPr lang="zh-CN" altLang="en-US" sz="1600" b="1" dirty="0"/>
+              <a:t> </a:t>
+            </a:r>
+            <a:r>
+              <a:rPr lang="zh-CN" altLang="en-US" sz="1600" dirty="0" smtClean="0"/>
+              <a:t>无机闪烁体具有</a:t>
+            </a:r>
+            <a:r>
+              <a:rPr lang="zh-CN" altLang="en-US" sz="1600" b="1" dirty="0" smtClean="0">
+                <a:solidFill>
+                  <a:srgbClr val="FF0000"/>
+                </a:solidFill>
+              </a:rPr>
+              <a:t>快发光</a:t>
+            </a:r>
+            <a:r>
+              <a:rPr lang="zh-CN" altLang="en-US" sz="1600" dirty="0" smtClean="0"/>
+              <a:t>的特点，或者发光成分中有</a:t>
+            </a:r>
+            <a:r>
+              <a:rPr lang="zh-CN" altLang="en-US" sz="1600" b="1" dirty="0" smtClean="0">
+                <a:solidFill>
+                  <a:srgbClr val="FF0000"/>
+                </a:solidFill>
+              </a:rPr>
+              <a:t>快发光过程</a:t>
+            </a:r>
+            <a:r>
+              <a:rPr lang="en-US" sz="1600" b="1" dirty="0" smtClean="0">
+                <a:solidFill>
+                  <a:srgbClr val="FF0000"/>
+                </a:solidFill>
+              </a:rPr>
+              <a:t> </a:t>
+            </a:r>
+            <a:r>
+              <a:rPr lang="zh-CN" altLang="en-US" sz="1600" dirty="0" smtClean="0"/>
+              <a:t>。在闪烁晶体中加入金属或者稀土杂质，如</a:t>
+            </a:r>
+            <a:endParaRPr lang="en-US" altLang="zh-CN" sz="1600" dirty="0" smtClean="0"/>
+          </a:p>
+          <a:p>
+            <a:r>
+              <a:rPr lang="en-US" sz="1600" dirty="0"/>
+              <a:t> </a:t>
+            </a:r>
+            <a:r>
+              <a:rPr lang="en-US" sz="1600" dirty="0" smtClean="0"/>
+              <a:t>    </a:t>
+            </a:r>
+            <a:r>
+              <a:rPr lang="en-US" sz="1600" dirty="0" err="1" smtClean="0"/>
+              <a:t>N</a:t>
+            </a:r>
+            <a:r>
+              <a:rPr lang="en-US" altLang="zh-CN" sz="1600" dirty="0" err="1" smtClean="0"/>
+              <a:t>aI</a:t>
+            </a:r>
+            <a:r>
+              <a:rPr lang="en-US" altLang="zh-CN" sz="1600" dirty="0" smtClean="0"/>
+              <a:t>(Tl), </a:t>
+            </a:r>
+            <a:r>
+              <a:rPr lang="en-US" altLang="zh-CN" sz="1600" dirty="0" err="1" smtClean="0"/>
+              <a:t>CsI</a:t>
+            </a:r>
+            <a:r>
+              <a:rPr lang="en-US" altLang="zh-CN" sz="1600" dirty="0" smtClean="0"/>
+              <a:t>(Tl), </a:t>
+            </a:r>
+            <a:r>
+              <a:rPr lang="zh-CN" altLang="en-US" sz="1600" dirty="0" smtClean="0"/>
+              <a:t>以杂质离子为发光中心，</a:t>
+            </a:r>
+            <a:r>
+              <a:rPr lang="zh-CN" altLang="en-US" sz="1600" b="1" dirty="0" smtClean="0">
+                <a:solidFill>
+                  <a:srgbClr val="FF0000"/>
+                </a:solidFill>
+              </a:rPr>
+              <a:t>发光衰减时间慢，但发光较强</a:t>
+            </a:r>
+            <a:r>
+              <a:rPr lang="zh-CN" altLang="en-US" sz="1600" dirty="0" smtClean="0"/>
+              <a:t>。利用这个特点，可以进行</a:t>
+            </a:r>
+            <a:r>
+              <a:rPr lang="zh-CN" altLang="en-US" sz="1600" b="1" dirty="0" smtClean="0"/>
+              <a:t>脉冲形状甄别。</a:t>
+            </a:r>
+            <a:endParaRPr lang="en-US" sz="1600" b="1" dirty="0"/>
+          </a:p>
+        </p:txBody>
+      </p:sp>
+      <p:sp>
+        <p:nvSpPr>
+          <p:cNvPr id="15" name="Rectangle 1"/>
+          <p:cNvSpPr/>
+          <p:nvPr/>
+        </p:nvSpPr>
+        <p:spPr>
+          <a:xfrm>
+            <a:off x="326427" y="2024683"/>
+            <a:ext cx="10257936" cy="584775"/>
+          </a:xfrm>
+          <a:prstGeom prst="rect">
+            <a:avLst/>
+          </a:prstGeom>
+        </p:spPr>
+        <p:txBody>
+          <a:bodyPr wrap="none">
+            <a:spAutoFit/>
+          </a:bodyPr>
+          <a:lstStyle/>
+          <a:p>
+            <a:r>
+              <a:rPr lang="en-US" sz="1600" b="1" dirty="0" smtClean="0"/>
+              <a:t>● </a:t>
+            </a:r>
+            <a:r>
+              <a:rPr lang="zh-CN" altLang="en-US" sz="1600" b="1" dirty="0"/>
+              <a:t> </a:t>
+            </a:r>
+            <a:r>
+              <a:rPr lang="zh-CN" altLang="en-US" sz="1600" dirty="0" smtClean="0"/>
+              <a:t>从能带角度看，无机闪烁晶体是</a:t>
+            </a:r>
+            <a:r>
+              <a:rPr lang="zh-CN" altLang="en-US" sz="1600" b="1" dirty="0" smtClean="0">
+                <a:solidFill>
+                  <a:srgbClr val="FF0000"/>
+                </a:solidFill>
+              </a:rPr>
+              <a:t>绝缘体</a:t>
+            </a:r>
+            <a:r>
+              <a:rPr lang="zh-CN" altLang="en-US" sz="1600" dirty="0" smtClean="0"/>
+              <a:t>。因具有</a:t>
+            </a:r>
+            <a:r>
+              <a:rPr lang="zh-CN" altLang="en-US" sz="1600" dirty="0" smtClean="0">
+                <a:solidFill>
+                  <a:srgbClr val="FF0000"/>
+                </a:solidFill>
+              </a:rPr>
+              <a:t>发光快</a:t>
+            </a:r>
+            <a:r>
+              <a:rPr lang="en-US" altLang="zh-CN" sz="1600" dirty="0" smtClean="0">
+                <a:solidFill>
+                  <a:srgbClr val="FF0000"/>
+                </a:solidFill>
+              </a:rPr>
+              <a:t>(~10ns)</a:t>
+            </a:r>
+            <a:r>
+              <a:rPr lang="zh-CN" altLang="en-US" sz="1600" dirty="0" smtClean="0"/>
+              <a:t>，</a:t>
+            </a:r>
+            <a:r>
+              <a:rPr lang="zh-CN" altLang="en-US" sz="1600" dirty="0" smtClean="0">
+                <a:solidFill>
+                  <a:srgbClr val="FF0000"/>
+                </a:solidFill>
+              </a:rPr>
+              <a:t>产额高</a:t>
+            </a:r>
+            <a:r>
+              <a:rPr lang="zh-CN" altLang="en-US" sz="1600" dirty="0" smtClean="0"/>
+              <a:t>，波长适合，密度大，</a:t>
+            </a:r>
+            <a:r>
+              <a:rPr lang="zh-CN" altLang="en-US" sz="1600" dirty="0" smtClean="0">
+                <a:solidFill>
+                  <a:srgbClr val="FF0000"/>
+                </a:solidFill>
+              </a:rPr>
+              <a:t>价格低</a:t>
+            </a:r>
+            <a:r>
+              <a:rPr lang="zh-CN" altLang="en-US" sz="1600" dirty="0" smtClean="0"/>
+              <a:t>的特点而</a:t>
+            </a:r>
+            <a:endParaRPr lang="en-US" altLang="zh-CN" sz="1600" dirty="0" smtClean="0"/>
+          </a:p>
+          <a:p>
+            <a:r>
+              <a:rPr lang="en-US" sz="1600" dirty="0"/>
+              <a:t> </a:t>
+            </a:r>
+            <a:r>
+              <a:rPr lang="en-US" sz="1600" dirty="0" smtClean="0"/>
+              <a:t>    </a:t>
+            </a:r>
+            <a:r>
+              <a:rPr lang="zh-CN" altLang="en-US" sz="1600" dirty="0" smtClean="0"/>
+              <a:t>广泛应用于粒子物理与核物理实验中。</a:t>
+            </a:r>
+            <a:endParaRPr lang="en-US" sz="1600" dirty="0"/>
+          </a:p>
+        </p:txBody>
+      </p:sp>
+      <p:sp>
+        <p:nvSpPr>
+          <p:cNvPr id="16" name="Rectangle 1"/>
+          <p:cNvSpPr/>
+          <p:nvPr/>
+        </p:nvSpPr>
+        <p:spPr>
+          <a:xfrm>
+            <a:off x="326427" y="2682410"/>
+            <a:ext cx="2422458" cy="338554"/>
+          </a:xfrm>
+          <a:prstGeom prst="rect">
+            <a:avLst/>
+          </a:prstGeom>
+        </p:spPr>
+        <p:txBody>
+          <a:bodyPr wrap="none">
+            <a:spAutoFit/>
+          </a:bodyPr>
+          <a:lstStyle/>
+          <a:p>
+            <a:r>
+              <a:rPr lang="en-US" sz="1600" b="1" dirty="0" smtClean="0"/>
+              <a:t>● </a:t>
+            </a:r>
+            <a:r>
+              <a:rPr lang="zh-CN" altLang="en-US" sz="1600" dirty="0" smtClean="0"/>
+              <a:t>无机闪烁体的发光原理</a:t>
+            </a:r>
+            <a:endParaRPr lang="en-US" sz="1600" dirty="0"/>
+          </a:p>
+        </p:txBody>
+      </p:sp>
+      <p:pic>
+        <p:nvPicPr>
+          <p:cNvPr id="17" name="图片 16"/>
+          <p:cNvPicPr>
+            <a:picLocks noChangeAspect="1"/>
+          </p:cNvPicPr>
+          <p:nvPr/>
+        </p:nvPicPr>
+        <p:blipFill>
+          <a:blip r:embed="rId2">
+            <a:extLst>
+              <a:ext uri="{28A0092B-C50C-407E-A947-70E740481C1C}">
+                <a14:useLocalDpi xmlns:a14="http://schemas.microsoft.com/office/drawing/2010/main" val="0"/>
+              </a:ext>
+            </a:extLst>
+          </a:blip>
+          <a:stretch>
+            <a:fillRect/>
+          </a:stretch>
+        </p:blipFill>
+        <p:spPr>
+          <a:xfrm>
+            <a:off x="7677168" y="3020964"/>
+            <a:ext cx="4048247" cy="3164083"/>
+          </a:xfrm>
+          <a:prstGeom prst="rect">
+            <a:avLst/>
+          </a:prstGeom>
+        </p:spPr>
+      </p:pic>
+      <mc:AlternateContent xmlns:mc="http://schemas.openxmlformats.org/markup-compatibility/2006">
+        <mc:Choice xmlns:a14="http://schemas.microsoft.com/office/drawing/2010/main" Requires="a14">
+          <p:sp>
+            <p:nvSpPr>
+              <p:cNvPr id="18" name="文本框 17"/>
+              <p:cNvSpPr txBox="1"/>
+              <p:nvPr/>
+            </p:nvSpPr>
+            <p:spPr>
+              <a:xfrm>
+                <a:off x="525556" y="3093916"/>
+                <a:ext cx="6292339" cy="954749"/>
+              </a:xfrm>
+              <a:prstGeom prst="rect">
+                <a:avLst/>
+              </a:prstGeom>
+              <a:noFill/>
+            </p:spPr>
+            <p:txBody>
+              <a:bodyPr wrap="square" rtlCol="0">
+                <a:spAutoFit/>
+              </a:bodyPr>
+              <a:lstStyle/>
+              <a:p>
+                <a:r>
+                  <a:rPr lang="en-US" altLang="zh-CN" sz="1600" dirty="0" smtClean="0">
+                    <a:latin typeface="+mn-ea"/>
+                  </a:rPr>
+                  <a:t>(1)</a:t>
+                </a:r>
+                <a:r>
+                  <a:rPr lang="zh-CN" altLang="en-US" sz="1600" dirty="0" smtClean="0">
+                    <a:latin typeface="+mn-ea"/>
+                  </a:rPr>
+                  <a:t>对于纯的闪烁</a:t>
+                </a:r>
+                <a:r>
+                  <a:rPr lang="zh-CN" altLang="en-US" sz="1600" dirty="0" smtClean="0"/>
+                  <a:t>晶体，粒子激发使得电子从价带跃迁到导带，电子</a:t>
+                </a:r>
+                <a:endParaRPr lang="en-US" altLang="zh-CN" sz="1600" dirty="0" smtClean="0"/>
+              </a:p>
+              <a:p>
+                <a:r>
+                  <a:rPr lang="zh-CN" altLang="en-US" sz="1600" dirty="0" smtClean="0"/>
+                  <a:t>      退激时发射一个光子。闪烁晶体是绝缘体，能隙较大</a:t>
+                </a:r>
+                <a:r>
+                  <a:rPr lang="en-US" altLang="zh-CN" sz="1600" dirty="0" smtClean="0"/>
+                  <a:t>(~10eV), </a:t>
+                </a:r>
+                <a:r>
+                  <a:rPr lang="zh-CN" altLang="en-US" sz="1600" b="1" dirty="0" smtClean="0">
+                    <a:solidFill>
+                      <a:srgbClr val="FF0000"/>
+                    </a:solidFill>
+                  </a:rPr>
+                  <a:t>发光</a:t>
+                </a:r>
+                <a:endParaRPr lang="en-US" altLang="zh-CN" sz="1600" b="1" dirty="0" smtClean="0">
+                  <a:solidFill>
+                    <a:srgbClr val="FF0000"/>
+                  </a:solidFill>
+                </a:endParaRPr>
+              </a:p>
+              <a:p>
+                <a:r>
+                  <a:rPr lang="en-US" altLang="zh-CN" sz="1600" b="1" dirty="0">
+                    <a:solidFill>
+                      <a:srgbClr val="FF0000"/>
+                    </a:solidFill>
+                  </a:rPr>
+                  <a:t> </a:t>
+                </a:r>
+                <a:r>
+                  <a:rPr lang="en-US" altLang="zh-CN" sz="1600" b="1" dirty="0" smtClean="0">
+                    <a:solidFill>
+                      <a:srgbClr val="FF0000"/>
+                    </a:solidFill>
+                  </a:rPr>
+                  <a:t>     </a:t>
+                </a:r>
+                <a:r>
+                  <a:rPr lang="zh-CN" altLang="en-US" sz="1600" b="1" dirty="0" smtClean="0">
+                    <a:solidFill>
+                      <a:srgbClr val="FF0000"/>
+                    </a:solidFill>
+                  </a:rPr>
+                  <a:t>过程很快</a:t>
+                </a:r>
+                <a:r>
+                  <a:rPr lang="en-US" altLang="zh-CN" sz="1600" b="1" dirty="0" smtClean="0">
+                    <a:solidFill>
+                      <a:srgbClr val="FF0000"/>
+                    </a:solidFill>
+                  </a:rPr>
+                  <a:t>(~10ns)</a:t>
+                </a:r>
+                <a:r>
+                  <a:rPr lang="zh-CN" altLang="en-US" sz="1600" dirty="0" smtClean="0"/>
+                  <a:t>，</a:t>
+                </a:r>
+                <a:r>
+                  <a:rPr lang="zh-CN" altLang="en-US" sz="1600" b="1" dirty="0" smtClean="0">
+                    <a:solidFill>
+                      <a:srgbClr val="FF0000"/>
+                    </a:solidFill>
+                  </a:rPr>
+                  <a:t>光子能量高</a:t>
+                </a:r>
+                <a:r>
+                  <a:rPr lang="en-US" altLang="zh-CN" sz="1600" dirty="0" smtClean="0"/>
+                  <a:t>(</a:t>
+                </a:r>
+                <a:r>
+                  <a:rPr lang="zh-CN" altLang="en-US" sz="1600" dirty="0" smtClean="0"/>
+                  <a:t>多在紫外区，</a:t>
+                </a:r>
+                <a14:m>
+                  <m:oMath xmlns:m="http://schemas.openxmlformats.org/officeDocument/2006/math">
+                    <m:r>
+                      <a:rPr lang="zh-CN" altLang="en-US" sz="1600" i="1" smtClean="0">
+                        <a:latin typeface="Cambria Math" panose="02040503050406030204" pitchFamily="18" charset="0"/>
+                      </a:rPr>
+                      <m:t>𝜆</m:t>
+                    </m:r>
+                    <m:r>
+                      <a:rPr lang="en-US" altLang="zh-CN" sz="1600" b="0" i="1" smtClean="0">
+                        <a:latin typeface="Cambria Math" panose="02040503050406030204" pitchFamily="18" charset="0"/>
+                      </a:rPr>
+                      <m:t>=</m:t>
+                    </m:r>
+                    <m:f>
+                      <m:fPr>
+                        <m:ctrlPr>
+                          <a:rPr lang="en-US" altLang="zh-CN" sz="1600" b="0" i="1" smtClean="0">
+                            <a:latin typeface="Cambria Math" panose="02040503050406030204" pitchFamily="18" charset="0"/>
+                          </a:rPr>
+                        </m:ctrlPr>
+                      </m:fPr>
+                      <m:num>
+                        <m:r>
+                          <a:rPr lang="en-US" altLang="zh-CN" sz="1600" b="0" i="1" smtClean="0">
+                            <a:latin typeface="Cambria Math" panose="02040503050406030204" pitchFamily="18" charset="0"/>
+                          </a:rPr>
+                          <m:t>h𝑐</m:t>
+                        </m:r>
+                      </m:num>
+                      <m:den>
+                        <m:r>
+                          <a:rPr lang="en-US" altLang="zh-CN" sz="1600" b="0" i="1" smtClean="0">
+                            <a:latin typeface="Cambria Math" panose="02040503050406030204" pitchFamily="18" charset="0"/>
+                          </a:rPr>
+                          <m:t>𝐸</m:t>
+                        </m:r>
+                      </m:den>
+                    </m:f>
+                  </m:oMath>
+                </a14:m>
+                <a:r>
+                  <a:rPr lang="en-US" altLang="zh-CN" sz="1600" dirty="0" smtClean="0"/>
+                  <a:t>), </a:t>
+                </a:r>
+                <a:r>
+                  <a:rPr lang="zh-CN" altLang="en-US" sz="1600" b="1" dirty="0" smtClean="0">
+                    <a:solidFill>
+                      <a:srgbClr val="FF0000"/>
+                    </a:solidFill>
+                  </a:rPr>
+                  <a:t>发光较弱</a:t>
+                </a:r>
+                <a:endParaRPr lang="zh-CN" altLang="en-US" sz="1600" b="1" dirty="0">
+                  <a:solidFill>
+                    <a:srgbClr val="FF0000"/>
+                  </a:solidFill>
+                </a:endParaRPr>
+              </a:p>
+            </p:txBody>
+          </p:sp>
+        </mc:Choice>
+        <mc:Fallback>
+          <p:sp>
+            <p:nvSpPr>
+              <p:cNvPr id="18" name="文本框 17"/>
+              <p:cNvSpPr txBox="1">
+                <a:spLocks noRot="1" noChangeAspect="1" noMove="1" noResize="1" noEditPoints="1" noAdjustHandles="1" noChangeArrowheads="1" noChangeShapeType="1" noTextEdit="1"/>
+              </p:cNvSpPr>
+              <p:nvPr/>
+            </p:nvSpPr>
+            <p:spPr>
+              <a:xfrm>
+                <a:off x="525556" y="3093916"/>
+                <a:ext cx="6292339" cy="954749"/>
+              </a:xfrm>
+              <a:prstGeom prst="rect">
+                <a:avLst/>
+              </a:prstGeom>
+              <a:blipFill rotWithShape="0">
+                <a:blip r:embed="rId3"/>
+                <a:stretch>
+                  <a:fillRect l="-484" t="-3205" r="-581" b="-1282"/>
+                </a:stretch>
+              </a:blipFill>
+            </p:spPr>
+            <p:txBody>
+              <a:bodyPr/>
+              <a:lstStyle/>
+              <a:p>
+                <a:r>
+                  <a:rPr lang="zh-CN" altLang="en-US">
+                    <a:noFill/>
+                  </a:rPr>
+                  <a:t> </a:t>
+                </a:r>
+              </a:p>
+            </p:txBody>
+          </p:sp>
+        </mc:Fallback>
+      </mc:AlternateContent>
+      <p:sp>
+        <p:nvSpPr>
+          <p:cNvPr id="19" name="文本框 18"/>
+          <p:cNvSpPr txBox="1"/>
+          <p:nvPr/>
+        </p:nvSpPr>
+        <p:spPr>
+          <a:xfrm>
+            <a:off x="525555" y="4048665"/>
+            <a:ext cx="6292339" cy="1077218"/>
+          </a:xfrm>
+          <a:prstGeom prst="rect">
+            <a:avLst/>
+          </a:prstGeom>
+          <a:noFill/>
+        </p:spPr>
+        <p:txBody>
+          <a:bodyPr wrap="square" rtlCol="0">
+            <a:spAutoFit/>
+          </a:bodyPr>
+          <a:lstStyle/>
+          <a:p>
+            <a:r>
+              <a:rPr lang="en-US" altLang="zh-CN" sz="1600" dirty="0" smtClean="0">
+                <a:latin typeface="+mn-ea"/>
+              </a:rPr>
+              <a:t>(</a:t>
+            </a:r>
+            <a:r>
+              <a:rPr lang="en-US" altLang="zh-CN" sz="1600" dirty="0">
+                <a:latin typeface="+mn-ea"/>
+              </a:rPr>
+              <a:t>2</a:t>
+            </a:r>
+            <a:r>
+              <a:rPr lang="en-US" altLang="zh-CN" sz="1600" dirty="0" smtClean="0">
+                <a:latin typeface="+mn-ea"/>
+              </a:rPr>
+              <a:t>)</a:t>
+            </a:r>
+            <a:r>
+              <a:rPr lang="zh-CN" altLang="en-US" sz="1600" dirty="0" smtClean="0">
+                <a:latin typeface="+mn-ea"/>
+              </a:rPr>
+              <a:t>在闪烁晶体中加入杂质，在禁带中形成中间能级，且有很宽的寿命分布。部分中间能级的电子在退激过程中发射一个光子，</a:t>
+            </a:r>
+            <a:r>
+              <a:rPr lang="zh-CN" altLang="en-US" sz="1600" b="1" dirty="0" smtClean="0">
+                <a:solidFill>
+                  <a:srgbClr val="FF0000"/>
+                </a:solidFill>
+                <a:latin typeface="+mn-ea"/>
+              </a:rPr>
+              <a:t>短寿命能级的发光构成荧光</a:t>
+            </a:r>
+            <a:r>
+              <a:rPr lang="zh-CN" altLang="en-US" sz="1600" dirty="0" smtClean="0">
+                <a:latin typeface="+mn-ea"/>
+              </a:rPr>
+              <a:t>，</a:t>
+            </a:r>
+            <a:r>
+              <a:rPr lang="zh-CN" altLang="en-US" sz="1600" b="1" dirty="0" smtClean="0">
+                <a:solidFill>
+                  <a:srgbClr val="FF0000"/>
+                </a:solidFill>
+                <a:latin typeface="+mn-ea"/>
+              </a:rPr>
+              <a:t>长寿命能级的发光构成磷光</a:t>
+            </a:r>
+            <a:r>
+              <a:rPr lang="zh-CN" altLang="en-US" sz="1600" dirty="0" smtClean="0">
+                <a:latin typeface="+mn-ea"/>
+              </a:rPr>
+              <a:t>。也有无辐射跃迁</a:t>
+            </a:r>
+            <a:r>
+              <a:rPr lang="en-US" altLang="zh-CN" sz="1600" dirty="0" smtClean="0">
+                <a:latin typeface="+mn-ea"/>
+              </a:rPr>
+              <a:t>(</a:t>
+            </a:r>
+            <a:r>
+              <a:rPr lang="zh-CN" altLang="en-US" sz="1600" dirty="0" smtClean="0">
+                <a:latin typeface="+mn-ea"/>
+              </a:rPr>
+              <a:t>即猝灭</a:t>
+            </a:r>
+            <a:r>
+              <a:rPr lang="en-US" altLang="zh-CN" sz="1600" dirty="0" smtClean="0">
+                <a:latin typeface="+mn-ea"/>
+              </a:rPr>
+              <a:t>)</a:t>
+            </a:r>
+            <a:r>
+              <a:rPr lang="zh-CN" altLang="en-US" sz="1600" dirty="0" smtClean="0">
+                <a:latin typeface="+mn-ea"/>
+              </a:rPr>
+              <a:t>。</a:t>
+            </a:r>
+            <a:endParaRPr lang="zh-CN" altLang="en-US" sz="1600" b="1" dirty="0">
+              <a:solidFill>
+                <a:srgbClr val="FF0000"/>
+              </a:solidFill>
+              <a:latin typeface="+mn-ea"/>
+            </a:endParaRPr>
+          </a:p>
+        </p:txBody>
+      </p:sp>
+    </p:spTree>
+    <p:extLst>
+      <p:ext uri="{BB962C8B-B14F-4D97-AF65-F5344CB8AC3E}">
+        <p14:creationId xmlns:p14="http://schemas.microsoft.com/office/powerpoint/2010/main" val="366044265"/>
+      </p:ext>
+    </p:extLst>
+  </p:cSld>
+  <p:clrMapOvr>
+    <a:masterClrMapping/>
+  </p:clrMapOvr>
+</p:sld>
+</file>
+
+<file path=ppt/slides/slide37.xml><?xml version="1.0" encoding="utf-8"?>
+<p:sld xmlns:a="http://schemas.openxmlformats.org/drawingml/2006/main" xmlns:r="http://schemas.openxmlformats.org/officeDocument/2006/relationships" xmlns:p="http://schemas.openxmlformats.org/presentationml/2006/main">
+  <p:cSld>
+    <p:spTree>
+      <p:nvGrpSpPr>
+        <p:cNvPr id="1" name=""/>
+        <p:cNvGrpSpPr/>
+        <p:nvPr/>
+      </p:nvGrpSpPr>
+      <p:grpSpPr>
+        <a:xfrm>
+          <a:off x="0" y="0"/>
+          <a:ext cx="0" cy="0"/>
+          <a:chOff x="0" y="0"/>
+          <a:chExt cx="0" cy="0"/>
+        </a:xfrm>
+      </p:grpSpPr>
+      <p:sp>
+        <p:nvSpPr>
+          <p:cNvPr id="5" name="Rectangle 1"/>
+          <p:cNvSpPr/>
+          <p:nvPr/>
+        </p:nvSpPr>
+        <p:spPr>
+          <a:xfrm>
+            <a:off x="301488" y="379784"/>
+            <a:ext cx="8909042" cy="830997"/>
+          </a:xfrm>
+          <a:prstGeom prst="rect">
+            <a:avLst/>
+          </a:prstGeom>
+        </p:spPr>
+        <p:txBody>
+          <a:bodyPr wrap="none">
+            <a:spAutoFit/>
+          </a:bodyPr>
+          <a:lstStyle/>
+          <a:p>
+            <a:r>
+              <a:rPr lang="en-US" sz="1600" b="1" dirty="0" smtClean="0"/>
+              <a:t>● </a:t>
+            </a:r>
+            <a:r>
+              <a:rPr lang="zh-CN" altLang="en-US" sz="1600" b="1" dirty="0" smtClean="0">
+                <a:solidFill>
+                  <a:srgbClr val="FF0000"/>
+                </a:solidFill>
+              </a:rPr>
+              <a:t>能量分辨是无机闪烁体的主要性能</a:t>
+            </a:r>
+            <a:r>
+              <a:rPr lang="zh-CN" altLang="en-US" sz="1600" dirty="0" smtClean="0"/>
+              <a:t>。在低能粒子探测中，</a:t>
+            </a:r>
+            <a:r>
+              <a:rPr lang="en-US" altLang="zh-CN" sz="1600" dirty="0" err="1" smtClean="0"/>
+              <a:t>NaI</a:t>
+            </a:r>
+            <a:r>
+              <a:rPr lang="en-US" altLang="zh-CN" sz="1600" dirty="0" smtClean="0"/>
+              <a:t>(Tl), </a:t>
+            </a:r>
+            <a:r>
+              <a:rPr lang="en-US" altLang="zh-CN" sz="1600" dirty="0" err="1" smtClean="0"/>
+              <a:t>CsI</a:t>
+            </a:r>
+            <a:r>
+              <a:rPr lang="en-US" altLang="zh-CN" sz="1600" dirty="0" smtClean="0"/>
+              <a:t>(Tl)</a:t>
+            </a:r>
+            <a:r>
+              <a:rPr lang="zh-CN" altLang="en-US" sz="1600" dirty="0" smtClean="0"/>
+              <a:t>对</a:t>
+            </a:r>
+            <a:r>
+              <a:rPr lang="en-US" altLang="zh-CN" sz="1600" dirty="0" smtClean="0"/>
+              <a:t>Cs137</a:t>
+            </a:r>
+            <a:r>
+              <a:rPr lang="zh-CN" altLang="en-US" sz="1600" dirty="0" smtClean="0"/>
+              <a:t>的</a:t>
+            </a:r>
+            <a:r>
+              <a:rPr lang="en-US" altLang="zh-CN" sz="1600" dirty="0" smtClean="0"/>
+              <a:t>662keV gamma </a:t>
+            </a:r>
+          </a:p>
+          <a:p>
+            <a:r>
+              <a:rPr lang="en-US" altLang="zh-CN" sz="1600" dirty="0"/>
+              <a:t> </a:t>
+            </a:r>
+            <a:r>
+              <a:rPr lang="en-US" altLang="zh-CN" sz="1600" dirty="0" smtClean="0"/>
+              <a:t>   </a:t>
+            </a:r>
+            <a:r>
+              <a:rPr lang="zh-CN" altLang="en-US" sz="1600" dirty="0" smtClean="0"/>
+              <a:t>射线的分辨率</a:t>
+            </a:r>
+            <a:r>
+              <a:rPr lang="en-US" altLang="zh-CN" sz="1600" dirty="0" smtClean="0"/>
+              <a:t>&lt;4%</a:t>
+            </a:r>
+          </a:p>
+          <a:p>
+            <a:r>
+              <a:rPr lang="en-US" sz="1600" dirty="0"/>
+              <a:t> </a:t>
+            </a:r>
+            <a:r>
+              <a:rPr lang="en-US" sz="1600" dirty="0" smtClean="0"/>
+              <a:t>   </a:t>
+            </a:r>
+            <a:endParaRPr lang="en-US" sz="1600" dirty="0"/>
+          </a:p>
+        </p:txBody>
+      </p:sp>
+      <p:sp>
+        <p:nvSpPr>
+          <p:cNvPr id="6" name="Rectangle 1"/>
+          <p:cNvSpPr/>
+          <p:nvPr/>
+        </p:nvSpPr>
+        <p:spPr>
+          <a:xfrm>
+            <a:off x="301488" y="1093658"/>
+            <a:ext cx="9937079" cy="1323439"/>
+          </a:xfrm>
+          <a:prstGeom prst="rect">
+            <a:avLst/>
+          </a:prstGeom>
+        </p:spPr>
+        <p:txBody>
+          <a:bodyPr wrap="none">
+            <a:spAutoFit/>
+          </a:bodyPr>
+          <a:lstStyle/>
+          <a:p>
+            <a:r>
+              <a:rPr lang="en-US" sz="1600" b="1" dirty="0" smtClean="0"/>
+              <a:t>● </a:t>
+            </a:r>
+            <a:r>
+              <a:rPr lang="zh-CN" altLang="en-US" sz="1600" b="1" dirty="0" smtClean="0">
+                <a:solidFill>
+                  <a:srgbClr val="FF0000"/>
+                </a:solidFill>
+              </a:rPr>
+              <a:t>闪烁体的能量线性</a:t>
+            </a:r>
+            <a:endParaRPr lang="en-US" altLang="zh-CN" sz="1600" b="1" dirty="0" smtClean="0">
+              <a:solidFill>
+                <a:srgbClr val="FF0000"/>
+              </a:solidFill>
+            </a:endParaRPr>
+          </a:p>
+          <a:p>
+            <a:r>
+              <a:rPr lang="en-US" sz="1600" dirty="0"/>
+              <a:t> </a:t>
+            </a:r>
+            <a:r>
+              <a:rPr lang="en-US" sz="1600" dirty="0" smtClean="0"/>
+              <a:t>   </a:t>
+            </a:r>
+            <a:r>
+              <a:rPr lang="en-US" sz="1600" dirty="0" smtClean="0"/>
+              <a:t>(1) </a:t>
+            </a:r>
+            <a:r>
+              <a:rPr lang="zh-CN" altLang="en-US" sz="1600" dirty="0" smtClean="0"/>
+              <a:t>一般情况下，闪烁体的光输出与沉积能量呈线性关系。但由于</a:t>
+            </a:r>
+            <a:r>
+              <a:rPr lang="en-US" altLang="zh-CN" sz="1600" dirty="0" smtClean="0"/>
+              <a:t>quenching effect &amp;&amp; saturation effect</a:t>
+            </a:r>
+            <a:r>
+              <a:rPr lang="zh-CN" altLang="en-US" sz="1600" dirty="0" smtClean="0"/>
+              <a:t>的存在</a:t>
+            </a:r>
+            <a:endParaRPr lang="en-US" altLang="zh-CN" sz="1600" dirty="0" smtClean="0"/>
+          </a:p>
+          <a:p>
+            <a:r>
+              <a:rPr lang="en-US" sz="1600" dirty="0"/>
+              <a:t> </a:t>
+            </a:r>
+            <a:r>
+              <a:rPr lang="en-US" sz="1600" dirty="0" smtClean="0"/>
+              <a:t>          </a:t>
+            </a:r>
+            <a:r>
+              <a:rPr lang="zh-CN" altLang="en-US" sz="1600" dirty="0" smtClean="0"/>
+              <a:t>使得光响应出现非线性。</a:t>
+            </a:r>
+            <a:endParaRPr lang="en-US" altLang="zh-CN" sz="1600" dirty="0" smtClean="0"/>
+          </a:p>
+          <a:p>
+            <a:r>
+              <a:rPr lang="en-US" sz="1600" dirty="0"/>
+              <a:t> </a:t>
+            </a:r>
+            <a:r>
+              <a:rPr lang="en-US" sz="1600" dirty="0" smtClean="0"/>
+              <a:t>   (2) Quenching effect </a:t>
+            </a:r>
+            <a:r>
+              <a:rPr lang="zh-CN" altLang="en-US" sz="1600" dirty="0" smtClean="0"/>
+              <a:t>主要发生在重离子的低能端。</a:t>
+            </a:r>
+            <a:endParaRPr lang="en-US" altLang="zh-CN" sz="1600" dirty="0" smtClean="0"/>
+          </a:p>
+          <a:p>
+            <a:r>
+              <a:rPr lang="en-US" sz="1600" dirty="0"/>
+              <a:t> </a:t>
+            </a:r>
+            <a:r>
+              <a:rPr lang="en-US" sz="1600" dirty="0" smtClean="0"/>
+              <a:t>   </a:t>
+            </a:r>
+            <a:r>
+              <a:rPr lang="en-US" sz="1600" dirty="0" smtClean="0"/>
+              <a:t>(3) Saturation effect </a:t>
+            </a:r>
+            <a:r>
+              <a:rPr lang="zh-CN" altLang="en-US" sz="1600" dirty="0" smtClean="0"/>
+              <a:t>只要发生在</a:t>
+            </a:r>
+            <a:r>
+              <a:rPr lang="en-US" altLang="zh-CN" sz="1600" dirty="0" err="1" smtClean="0"/>
+              <a:t>p,d,t</a:t>
+            </a:r>
+            <a:r>
+              <a:rPr lang="zh-CN" altLang="en-US" sz="1600" dirty="0" smtClean="0"/>
+              <a:t>的高能端</a:t>
+            </a:r>
+            <a:endParaRPr lang="en-US" sz="1600" dirty="0"/>
+          </a:p>
+        </p:txBody>
+      </p:sp>
+      <p:pic>
+        <p:nvPicPr>
+          <p:cNvPr id="7" name="Picture 10"/>
+          <p:cNvPicPr>
+            <a:picLocks noChangeAspect="1"/>
+          </p:cNvPicPr>
+          <p:nvPr/>
+        </p:nvPicPr>
+        <p:blipFill>
+          <a:blip r:embed="rId2"/>
+          <a:stretch>
+            <a:fillRect/>
+          </a:stretch>
+        </p:blipFill>
+        <p:spPr>
+          <a:xfrm>
+            <a:off x="7596215" y="2439731"/>
+            <a:ext cx="3800475" cy="2990850"/>
+          </a:xfrm>
+          <a:prstGeom prst="rect">
+            <a:avLst/>
+          </a:prstGeom>
+        </p:spPr>
+      </p:pic>
+    </p:spTree>
+    <p:extLst>
+      <p:ext uri="{BB962C8B-B14F-4D97-AF65-F5344CB8AC3E}">
+        <p14:creationId xmlns:p14="http://schemas.microsoft.com/office/powerpoint/2010/main" val="3110426716"/>
+      </p:ext>
+    </p:extLst>
+  </p:cSld>
+  <p:clrMapOvr>
+    <a:masterClrMapping/>
+  </p:clrMapOvr>
+</p:sld>
+</file>
+
+<file path=ppt/slides/slide38.xml><?xml version="1.0" encoding="utf-8"?>
+<p:sld xmlns:a="http://schemas.openxmlformats.org/drawingml/2006/main" xmlns:r="http://schemas.openxmlformats.org/officeDocument/2006/relationships" xmlns:p="http://schemas.openxmlformats.org/presentationml/2006/main">
+  <p:cSld>
+    <p:spTree>
+      <p:nvGrpSpPr>
+        <p:cNvPr id="1" name=""/>
+        <p:cNvGrpSpPr/>
+        <p:nvPr/>
+      </p:nvGrpSpPr>
+      <p:grpSpPr>
+        <a:xfrm>
+          <a:off x="0" y="0"/>
+          <a:ext cx="0" cy="0"/>
+          <a:chOff x="0" y="0"/>
+          <a:chExt cx="0" cy="0"/>
+        </a:xfrm>
+      </p:grpSpPr>
+      <p:sp>
+        <p:nvSpPr>
+          <p:cNvPr id="3" name="文本框 2"/>
+          <p:cNvSpPr txBox="1"/>
+          <p:nvPr/>
+        </p:nvSpPr>
+        <p:spPr>
+          <a:xfrm>
+            <a:off x="80210" y="144379"/>
+            <a:ext cx="1973179" cy="369332"/>
+          </a:xfrm>
+          <a:prstGeom prst="rect">
+            <a:avLst/>
+          </a:prstGeom>
+          <a:noFill/>
+        </p:spPr>
+        <p:txBody>
+          <a:bodyPr wrap="square" rtlCol="0">
+            <a:spAutoFit/>
+          </a:bodyPr>
+          <a:lstStyle/>
+          <a:p>
+            <a:r>
+              <a:rPr lang="zh-CN" altLang="en-US" b="1" u="sng" dirty="0">
+                <a:solidFill>
+                  <a:srgbClr val="00B050"/>
+                </a:solidFill>
+              </a:rPr>
+              <a:t>有</a:t>
+            </a:r>
+            <a:r>
+              <a:rPr lang="zh-CN" altLang="en-US" b="1" u="sng" dirty="0" smtClean="0">
+                <a:solidFill>
+                  <a:srgbClr val="00B050"/>
+                </a:solidFill>
+              </a:rPr>
+              <a:t>机闪烁体</a:t>
+            </a:r>
+            <a:endParaRPr lang="zh-CN" altLang="en-US" b="1" u="sng" dirty="0">
+              <a:solidFill>
+                <a:srgbClr val="00B050"/>
+              </a:solidFill>
+            </a:endParaRPr>
+          </a:p>
+        </p:txBody>
+      </p:sp>
+      <p:sp>
+        <p:nvSpPr>
+          <p:cNvPr id="4" name="Rectangle 1"/>
+          <p:cNvSpPr/>
+          <p:nvPr/>
+        </p:nvSpPr>
+        <p:spPr>
+          <a:xfrm>
+            <a:off x="77852" y="748210"/>
+            <a:ext cx="10208244" cy="338554"/>
+          </a:xfrm>
+          <a:prstGeom prst="rect">
+            <a:avLst/>
+          </a:prstGeom>
+        </p:spPr>
+        <p:txBody>
+          <a:bodyPr wrap="none">
+            <a:spAutoFit/>
+          </a:bodyPr>
+          <a:lstStyle/>
+          <a:p>
+            <a:pPr algn="r"/>
+            <a:r>
+              <a:rPr lang="en-US" sz="1600" b="1" dirty="0" smtClean="0"/>
+              <a:t>● </a:t>
+            </a:r>
+            <a:r>
+              <a:rPr lang="zh-CN" altLang="en-US" sz="1600" dirty="0" smtClean="0"/>
+              <a:t>有机闪烁体包括：</a:t>
+            </a:r>
+            <a:r>
+              <a:rPr lang="zh-CN" altLang="en-US" sz="1600" b="1" dirty="0" smtClean="0">
+                <a:solidFill>
+                  <a:srgbClr val="FF0000"/>
+                </a:solidFill>
+              </a:rPr>
+              <a:t>有机晶体</a:t>
+            </a:r>
+            <a:r>
+              <a:rPr lang="zh-CN" altLang="en-US" sz="1600" dirty="0" smtClean="0"/>
+              <a:t>，</a:t>
+            </a:r>
+            <a:r>
+              <a:rPr lang="zh-CN" altLang="en-US" sz="1600" b="1" dirty="0" smtClean="0">
+                <a:solidFill>
+                  <a:srgbClr val="FF0000"/>
+                </a:solidFill>
+              </a:rPr>
+              <a:t>有机闪烁液体</a:t>
+            </a:r>
+            <a:r>
+              <a:rPr lang="zh-CN" altLang="en-US" sz="1600" dirty="0" smtClean="0"/>
+              <a:t>，</a:t>
+            </a:r>
+            <a:r>
+              <a:rPr lang="zh-CN" altLang="en-US" sz="1600" b="1" dirty="0" smtClean="0">
+                <a:solidFill>
+                  <a:srgbClr val="FF0000"/>
+                </a:solidFill>
+              </a:rPr>
+              <a:t>塑料闪烁体</a:t>
+            </a:r>
+            <a:r>
+              <a:rPr lang="zh-CN" altLang="en-US" sz="1600" dirty="0" smtClean="0"/>
+              <a:t>。发射荧光波长</a:t>
+            </a:r>
+            <a:r>
+              <a:rPr lang="en-US" altLang="zh-CN" sz="1600" dirty="0" smtClean="0"/>
+              <a:t>350-500nm</a:t>
+            </a:r>
+            <a:r>
+              <a:rPr lang="zh-CN" altLang="en-US" sz="1600" dirty="0" smtClean="0"/>
+              <a:t>，</a:t>
+            </a:r>
+            <a:r>
+              <a:rPr lang="zh-CN" altLang="en-US" sz="1600" b="1" dirty="0" smtClean="0">
+                <a:solidFill>
+                  <a:srgbClr val="FF0000"/>
+                </a:solidFill>
+              </a:rPr>
+              <a:t>发光衰减时间短，</a:t>
+            </a:r>
+            <a:r>
+              <a:rPr lang="en-US" altLang="zh-CN" sz="1600" b="1" dirty="0" smtClean="0">
+                <a:solidFill>
+                  <a:srgbClr val="FF0000"/>
+                </a:solidFill>
+              </a:rPr>
+              <a:t>3-5ns</a:t>
+            </a:r>
+            <a:endParaRPr lang="en-US" sz="1600" b="1" dirty="0">
+              <a:solidFill>
+                <a:srgbClr val="FF0000"/>
+              </a:solidFill>
+            </a:endParaRPr>
+          </a:p>
+        </p:txBody>
+      </p:sp>
+      <p:sp>
+        <p:nvSpPr>
+          <p:cNvPr id="5" name="文本框 4"/>
+          <p:cNvSpPr txBox="1"/>
+          <p:nvPr/>
+        </p:nvSpPr>
+        <p:spPr>
+          <a:xfrm>
+            <a:off x="77852" y="2970707"/>
+            <a:ext cx="1973179" cy="369332"/>
+          </a:xfrm>
+          <a:prstGeom prst="rect">
+            <a:avLst/>
+          </a:prstGeom>
+          <a:noFill/>
+        </p:spPr>
+        <p:txBody>
+          <a:bodyPr wrap="square" rtlCol="0">
+            <a:spAutoFit/>
+          </a:bodyPr>
+          <a:lstStyle/>
+          <a:p>
+            <a:r>
+              <a:rPr lang="zh-CN" altLang="en-US" b="1" u="sng" dirty="0">
+                <a:solidFill>
+                  <a:srgbClr val="00B050"/>
+                </a:solidFill>
+              </a:rPr>
+              <a:t>气体</a:t>
+            </a:r>
+            <a:r>
+              <a:rPr lang="zh-CN" altLang="en-US" b="1" u="sng" dirty="0" smtClean="0">
+                <a:solidFill>
+                  <a:srgbClr val="00B050"/>
+                </a:solidFill>
+              </a:rPr>
+              <a:t>闪烁体</a:t>
+            </a:r>
+            <a:endParaRPr lang="zh-CN" altLang="en-US" b="1" u="sng" dirty="0">
+              <a:solidFill>
+                <a:srgbClr val="00B050"/>
+              </a:solidFill>
+            </a:endParaRPr>
+          </a:p>
+        </p:txBody>
+      </p:sp>
+      <p:sp>
+        <p:nvSpPr>
+          <p:cNvPr id="6" name="Rectangle 1"/>
+          <p:cNvSpPr/>
+          <p:nvPr/>
+        </p:nvSpPr>
+        <p:spPr>
+          <a:xfrm>
+            <a:off x="344362" y="3609538"/>
+            <a:ext cx="7521611" cy="338554"/>
+          </a:xfrm>
+          <a:prstGeom prst="rect">
+            <a:avLst/>
+          </a:prstGeom>
+        </p:spPr>
+        <p:txBody>
+          <a:bodyPr wrap="none">
+            <a:spAutoFit/>
+          </a:bodyPr>
+          <a:lstStyle/>
+          <a:p>
+            <a:r>
+              <a:rPr lang="en-US" sz="1600" b="1" dirty="0" smtClean="0"/>
+              <a:t>● </a:t>
+            </a:r>
+            <a:r>
+              <a:rPr lang="zh-CN" altLang="en-US" sz="1600" dirty="0" smtClean="0"/>
+              <a:t>气体多为惰性气体，发光效率低，光谱集中紫外区，</a:t>
+            </a:r>
+            <a:r>
+              <a:rPr lang="zh-CN" altLang="en-US" sz="1600" b="1" dirty="0" smtClean="0">
+                <a:solidFill>
+                  <a:srgbClr val="FF0000"/>
+                </a:solidFill>
+              </a:rPr>
+              <a:t>发光衰减时间较快</a:t>
+            </a:r>
+            <a:r>
+              <a:rPr lang="zh-CN" altLang="en-US" sz="1600" dirty="0" smtClean="0"/>
+              <a:t>，</a:t>
+            </a:r>
+            <a:r>
+              <a:rPr lang="en-US" altLang="zh-CN" sz="1600" dirty="0" smtClean="0"/>
+              <a:t>~10ns</a:t>
+            </a:r>
+            <a:r>
+              <a:rPr lang="en-US" sz="1600" dirty="0" smtClean="0"/>
+              <a:t> </a:t>
+            </a:r>
+            <a:endParaRPr lang="en-US" sz="1600" dirty="0">
+              <a:solidFill>
+                <a:srgbClr val="FF0000"/>
+              </a:solidFill>
+            </a:endParaRPr>
+          </a:p>
+        </p:txBody>
+      </p:sp>
+    </p:spTree>
+    <p:extLst>
+      <p:ext uri="{BB962C8B-B14F-4D97-AF65-F5344CB8AC3E}">
+        <p14:creationId xmlns:p14="http://schemas.microsoft.com/office/powerpoint/2010/main" val="1392733591"/>
+      </p:ext>
+    </p:extLst>
+  </p:cSld>
+  <p:clrMapOvr>
+    <a:masterClrMapping/>
+  </p:clrMapOvr>
+</p:sld>
+</file>
+
+<file path=ppt/slides/slide39.xml><?xml version="1.0" encoding="utf-8"?>
+<p:sld xmlns:a="http://schemas.openxmlformats.org/drawingml/2006/main" xmlns:r="http://schemas.openxmlformats.org/officeDocument/2006/relationships" xmlns:p="http://schemas.openxmlformats.org/presentationml/2006/main">
+  <p:cSld>
+    <p:spTree>
+      <p:nvGrpSpPr>
+        <p:cNvPr id="1" name=""/>
+        <p:cNvGrpSpPr/>
+        <p:nvPr/>
+      </p:nvGrpSpPr>
+      <p:grpSpPr>
+        <a:xfrm>
+          <a:off x="0" y="0"/>
+          <a:ext cx="0" cy="0"/>
+          <a:chOff x="0" y="0"/>
+          <a:chExt cx="0" cy="0"/>
+        </a:xfrm>
+      </p:grpSpPr>
+      <p:sp>
+        <p:nvSpPr>
+          <p:cNvPr id="3" name="文本框 2"/>
+          <p:cNvSpPr txBox="1"/>
+          <p:nvPr/>
+        </p:nvSpPr>
+        <p:spPr>
+          <a:xfrm>
+            <a:off x="80210" y="144379"/>
+            <a:ext cx="1973179" cy="369332"/>
+          </a:xfrm>
+          <a:prstGeom prst="rect">
+            <a:avLst/>
+          </a:prstGeom>
+          <a:noFill/>
+        </p:spPr>
+        <p:txBody>
+          <a:bodyPr wrap="square" rtlCol="0">
+            <a:spAutoFit/>
+          </a:bodyPr>
+          <a:lstStyle/>
+          <a:p>
+            <a:r>
+              <a:rPr lang="zh-CN" altLang="en-US" b="1" u="sng" dirty="0" smtClean="0">
+                <a:solidFill>
+                  <a:srgbClr val="00B050"/>
+                </a:solidFill>
+              </a:rPr>
+              <a:t>发光衰减时间</a:t>
+            </a:r>
+            <a:endParaRPr lang="zh-CN" altLang="en-US" b="1" u="sng" dirty="0">
+              <a:solidFill>
+                <a:srgbClr val="00B050"/>
+              </a:solidFill>
+            </a:endParaRPr>
+          </a:p>
+        </p:txBody>
+      </p:sp>
+    </p:spTree>
+    <p:extLst>
+      <p:ext uri="{BB962C8B-B14F-4D97-AF65-F5344CB8AC3E}">
+        <p14:creationId xmlns:p14="http://schemas.microsoft.com/office/powerpoint/2010/main" val="2026066038"/>
+      </p:ext>
+    </p:extLst>
+  </p:cSld>
+  <p:clrMapOvr>
+    <a:masterClrMapping/>
+  </p:clrMapOvr>
+</p:sld>
+</file>
+
 <file path=ppt/slides/slide4.xml><?xml version="1.0" encoding="utf-8"?>
 <p:sld xmlns:a="http://schemas.openxmlformats.org/drawingml/2006/main" xmlns:r="http://schemas.openxmlformats.org/officeDocument/2006/relationships" xmlns:p="http://schemas.openxmlformats.org/presentationml/2006/main">
   <p:cSld>
@@ -24432,380 +26029,16 @@
           <a:chExt cx="0" cy="0"/>
         </a:xfrm>
       </p:grpSpPr>
-      <p:sp>
-        <p:nvSpPr>
-          <p:cNvPr id="6" name="TextBox 5"/>
-          <p:cNvSpPr txBox="1"/>
-          <p:nvPr/>
-        </p:nvSpPr>
-        <p:spPr>
-          <a:xfrm>
-            <a:off x="635726" y="496389"/>
-            <a:ext cx="11556274" cy="2031325"/>
-          </a:xfrm>
-          <a:prstGeom prst="rect">
-            <a:avLst/>
-          </a:prstGeom>
-          <a:noFill/>
-        </p:spPr>
-        <p:txBody>
-          <a:bodyPr wrap="square" rtlCol="0">
-            <a:spAutoFit/>
-          </a:bodyPr>
-          <a:lstStyle/>
-          <a:p>
-            <a:r>
-              <a:rPr lang="en-US" dirty="0" smtClean="0"/>
-              <a:t>It is clear that very few and fragmentary data is reported in the literature for Z=1 light response in </a:t>
-            </a:r>
-            <a:r>
-              <a:rPr lang="en-US" dirty="0" err="1" smtClean="0"/>
-              <a:t>CsI</a:t>
-            </a:r>
-            <a:r>
-              <a:rPr lang="en-US" dirty="0" smtClean="0"/>
-              <a:t>(Tl) (and inorganic scintillators in general).</a:t>
-            </a:r>
-          </a:p>
-          <a:p>
-            <a:endParaRPr lang="en-US" dirty="0"/>
-          </a:p>
-          <a:p>
-            <a:r>
-              <a:rPr lang="en-US" dirty="0" smtClean="0"/>
-              <a:t>Since we are interested in proton energy spectra over a wide range of </a:t>
-            </a:r>
-            <a:r>
-              <a:rPr lang="en-US" dirty="0"/>
-              <a:t>energies (and for the first time we have good quality data of protons in a wide energy range), </a:t>
-            </a:r>
-            <a:r>
-              <a:rPr lang="en-US" dirty="0" smtClean="0"/>
-              <a:t>it is mandatory to explore the possible existence of saturation effects observed in the literature and build a proper fit formula.</a:t>
-            </a:r>
-          </a:p>
-          <a:p>
-            <a:endParaRPr lang="en-US" dirty="0"/>
-          </a:p>
-        </p:txBody>
-      </p:sp>
-      <p:pic>
-        <p:nvPicPr>
-          <p:cNvPr id="8" name="Picture 7"/>
-          <p:cNvPicPr>
-            <a:picLocks noChangeAspect="1"/>
-          </p:cNvPicPr>
-          <p:nvPr/>
-        </p:nvPicPr>
-        <p:blipFill>
-          <a:blip r:embed="rId2"/>
-          <a:stretch>
-            <a:fillRect/>
-          </a:stretch>
-        </p:blipFill>
-        <p:spPr>
-          <a:xfrm>
-            <a:off x="2534665" y="2285662"/>
-            <a:ext cx="6529007" cy="4194773"/>
-          </a:xfrm>
-          <a:prstGeom prst="rect">
-            <a:avLst/>
-          </a:prstGeom>
-        </p:spPr>
-      </p:pic>
-      <p:sp>
-        <p:nvSpPr>
-          <p:cNvPr id="10" name="TextBox 9"/>
-          <p:cNvSpPr txBox="1"/>
-          <p:nvPr/>
-        </p:nvSpPr>
-        <p:spPr>
-          <a:xfrm rot="16200000">
-            <a:off x="2046070" y="4132320"/>
-            <a:ext cx="607859" cy="369332"/>
-          </a:xfrm>
-          <a:prstGeom prst="rect">
-            <a:avLst/>
-          </a:prstGeom>
-          <a:noFill/>
-        </p:spPr>
-        <p:txBody>
-          <a:bodyPr wrap="none" rtlCol="0">
-            <a:spAutoFit/>
-          </a:bodyPr>
-          <a:lstStyle/>
-          <a:p>
-            <a:r>
-              <a:rPr lang="en-US" dirty="0" smtClean="0"/>
-              <a:t>L (V)</a:t>
-            </a:r>
-            <a:endParaRPr lang="en-US" dirty="0"/>
-          </a:p>
-        </p:txBody>
-      </p:sp>
-      <p:sp>
-        <p:nvSpPr>
-          <p:cNvPr id="11" name="TextBox 10"/>
-          <p:cNvSpPr txBox="1"/>
-          <p:nvPr/>
-        </p:nvSpPr>
-        <p:spPr>
-          <a:xfrm>
-            <a:off x="5495238" y="6480435"/>
-            <a:ext cx="934871" cy="369332"/>
-          </a:xfrm>
-          <a:prstGeom prst="rect">
-            <a:avLst/>
-          </a:prstGeom>
-          <a:noFill/>
-        </p:spPr>
-        <p:txBody>
-          <a:bodyPr wrap="none" rtlCol="0">
-            <a:spAutoFit/>
-          </a:bodyPr>
-          <a:lstStyle/>
-          <a:p>
-            <a:r>
-              <a:rPr lang="en-US" dirty="0" smtClean="0"/>
-              <a:t>E (MeV)</a:t>
-            </a:r>
-            <a:endParaRPr lang="en-US" dirty="0"/>
-          </a:p>
-        </p:txBody>
-      </p:sp>
-      <p:sp>
-        <p:nvSpPr>
-          <p:cNvPr id="12" name="TextBox 11"/>
-          <p:cNvSpPr txBox="1"/>
-          <p:nvPr/>
-        </p:nvSpPr>
-        <p:spPr>
-          <a:xfrm>
-            <a:off x="2534664" y="5719483"/>
-            <a:ext cx="615810" cy="369332"/>
-          </a:xfrm>
-          <a:prstGeom prst="rect">
-            <a:avLst/>
-          </a:prstGeom>
-          <a:noFill/>
-        </p:spPr>
-        <p:txBody>
-          <a:bodyPr wrap="none" rtlCol="0">
-            <a:spAutoFit/>
-          </a:bodyPr>
-          <a:lstStyle/>
-          <a:p>
-            <a:r>
-              <a:rPr lang="en-US" dirty="0" err="1" smtClean="0">
-                <a:solidFill>
-                  <a:srgbClr val="0070C0"/>
-                </a:solidFill>
-              </a:rPr>
-              <a:t>p</a:t>
-            </a:r>
-            <a:r>
-              <a:rPr lang="en-US" dirty="0" err="1" smtClean="0"/>
-              <a:t>,</a:t>
-            </a:r>
-            <a:r>
-              <a:rPr lang="en-US" dirty="0" err="1" smtClean="0">
-                <a:solidFill>
-                  <a:schemeClr val="accent2">
-                    <a:lumMod val="75000"/>
-                  </a:schemeClr>
-                </a:solidFill>
-              </a:rPr>
-              <a:t>d</a:t>
-            </a:r>
-            <a:r>
-              <a:rPr lang="en-US" dirty="0" err="1" smtClean="0"/>
-              <a:t>,</a:t>
-            </a:r>
-            <a:r>
-              <a:rPr lang="en-US" dirty="0" err="1" smtClean="0">
-                <a:solidFill>
-                  <a:schemeClr val="accent6">
-                    <a:lumMod val="75000"/>
-                  </a:schemeClr>
-                </a:solidFill>
-              </a:rPr>
-              <a:t>t</a:t>
-            </a:r>
-            <a:endParaRPr lang="en-US" dirty="0">
-              <a:solidFill>
-                <a:schemeClr val="accent6">
-                  <a:lumMod val="75000"/>
-                </a:schemeClr>
-              </a:solidFill>
-            </a:endParaRPr>
-          </a:p>
-        </p:txBody>
-      </p:sp>
-      <p:sp>
-        <p:nvSpPr>
-          <p:cNvPr id="13" name="TextBox 12"/>
-          <p:cNvSpPr txBox="1"/>
-          <p:nvPr/>
-        </p:nvSpPr>
-        <p:spPr>
-          <a:xfrm>
-            <a:off x="5089046" y="4019548"/>
-            <a:ext cx="561372" cy="369332"/>
-          </a:xfrm>
-          <a:prstGeom prst="rect">
-            <a:avLst/>
-          </a:prstGeom>
-          <a:noFill/>
-        </p:spPr>
-        <p:txBody>
-          <a:bodyPr wrap="none" rtlCol="0">
-            <a:spAutoFit/>
-          </a:bodyPr>
-          <a:lstStyle/>
-          <a:p>
-            <a:r>
-              <a:rPr lang="en-US" dirty="0" smtClean="0">
-                <a:solidFill>
-                  <a:srgbClr val="7030A0"/>
-                </a:solidFill>
-              </a:rPr>
-              <a:t>3He</a:t>
-            </a:r>
-            <a:endParaRPr lang="en-US" dirty="0">
-              <a:solidFill>
-                <a:srgbClr val="7030A0"/>
-              </a:solidFill>
-            </a:endParaRPr>
-          </a:p>
-        </p:txBody>
-      </p:sp>
-      <p:sp>
-        <p:nvSpPr>
-          <p:cNvPr id="14" name="TextBox 13"/>
-          <p:cNvSpPr txBox="1"/>
-          <p:nvPr/>
-        </p:nvSpPr>
-        <p:spPr>
-          <a:xfrm>
-            <a:off x="6149423" y="3418913"/>
-            <a:ext cx="561372" cy="369332"/>
-          </a:xfrm>
-          <a:prstGeom prst="rect">
-            <a:avLst/>
-          </a:prstGeom>
-          <a:noFill/>
-        </p:spPr>
-        <p:txBody>
-          <a:bodyPr wrap="none" rtlCol="0">
-            <a:spAutoFit/>
-          </a:bodyPr>
-          <a:lstStyle/>
-          <a:p>
-            <a:r>
-              <a:rPr lang="en-US" dirty="0" smtClean="0">
-                <a:solidFill>
-                  <a:srgbClr val="00B0F0"/>
-                </a:solidFill>
-              </a:rPr>
-              <a:t>4He</a:t>
-            </a:r>
-            <a:endParaRPr lang="en-US" dirty="0">
-              <a:solidFill>
-                <a:srgbClr val="00B0F0"/>
-              </a:solidFill>
-            </a:endParaRPr>
-          </a:p>
-        </p:txBody>
-      </p:sp>
-      <p:sp>
-        <p:nvSpPr>
-          <p:cNvPr id="15" name="TextBox 14"/>
-          <p:cNvSpPr txBox="1"/>
-          <p:nvPr/>
-        </p:nvSpPr>
-        <p:spPr>
-          <a:xfrm>
-            <a:off x="7742599" y="2527714"/>
-            <a:ext cx="627095" cy="369332"/>
-          </a:xfrm>
-          <a:prstGeom prst="rect">
-            <a:avLst/>
-          </a:prstGeom>
-          <a:noFill/>
-        </p:spPr>
-        <p:txBody>
-          <a:bodyPr wrap="none" rtlCol="0">
-            <a:spAutoFit/>
-          </a:bodyPr>
-          <a:lstStyle/>
-          <a:p>
-            <a:r>
-              <a:rPr lang="en-US" dirty="0" smtClean="0"/>
-              <a:t>6,7Li</a:t>
-            </a:r>
-            <a:endParaRPr lang="en-US" dirty="0"/>
-          </a:p>
-        </p:txBody>
-      </p:sp>
-      <p:sp>
-        <p:nvSpPr>
-          <p:cNvPr id="16" name="TextBox 15"/>
-          <p:cNvSpPr txBox="1"/>
-          <p:nvPr/>
-        </p:nvSpPr>
-        <p:spPr>
-          <a:xfrm>
-            <a:off x="7958070" y="3049581"/>
-            <a:ext cx="542136" cy="369332"/>
-          </a:xfrm>
-          <a:prstGeom prst="rect">
-            <a:avLst/>
-          </a:prstGeom>
-          <a:noFill/>
-        </p:spPr>
-        <p:txBody>
-          <a:bodyPr wrap="none" rtlCol="0">
-            <a:spAutoFit/>
-          </a:bodyPr>
-          <a:lstStyle/>
-          <a:p>
-            <a:r>
-              <a:rPr lang="en-US" dirty="0" smtClean="0">
-                <a:solidFill>
-                  <a:schemeClr val="accent2">
-                    <a:lumMod val="50000"/>
-                  </a:schemeClr>
-                </a:solidFill>
-              </a:rPr>
-              <a:t>7Be</a:t>
-            </a:r>
-            <a:endParaRPr lang="en-US" dirty="0">
-              <a:solidFill>
-                <a:schemeClr val="accent2">
-                  <a:lumMod val="50000"/>
-                </a:schemeClr>
-              </a:solidFill>
-            </a:endParaRPr>
-          </a:p>
-        </p:txBody>
-      </p:sp>
     </p:spTree>
     <p:extLst>
       <p:ext uri="{BB962C8B-B14F-4D97-AF65-F5344CB8AC3E}">
-        <p14:creationId xmlns:p14="http://schemas.microsoft.com/office/powerpoint/2010/main" val="1496018760"/>
+        <p14:creationId xmlns:p14="http://schemas.microsoft.com/office/powerpoint/2010/main" val="2373244518"/>
       </p:ext>
     </p:extLst>
   </p:cSld>
   <p:clrMapOvr>
     <a:masterClrMapping/>
   </p:clrMapOvr>
-  <p:timing>
-    <p:tnLst>
-      <p:par>
-        <p:cTn id="1" dur="indefinite" restart="never" nodeType="tmRoot"/>
-      </p:par>
-    </p:tnLst>
-  </p:timing>
 </p:sld>
 </file>
 
@@ -24829,7 +26062,7 @@
     </p:spTree>
     <p:extLst>
       <p:ext uri="{BB962C8B-B14F-4D97-AF65-F5344CB8AC3E}">
-        <p14:creationId xmlns:p14="http://schemas.microsoft.com/office/powerpoint/2010/main" val="3670928227"/>
+        <p14:creationId xmlns:p14="http://schemas.microsoft.com/office/powerpoint/2010/main" val="3524756701"/>
       </p:ext>
     </p:extLst>
   </p:cSld>
@@ -24859,7 +26092,97 @@
     </p:spTree>
     <p:extLst>
       <p:ext uri="{BB962C8B-B14F-4D97-AF65-F5344CB8AC3E}">
-        <p14:creationId xmlns:p14="http://schemas.microsoft.com/office/powerpoint/2010/main" val="1392733591"/>
+        <p14:creationId xmlns:p14="http://schemas.microsoft.com/office/powerpoint/2010/main" val="2785149859"/>
+      </p:ext>
+    </p:extLst>
+  </p:cSld>
+  <p:clrMapOvr>
+    <a:masterClrMapping/>
+  </p:clrMapOvr>
+</p:sld>
+</file>
+
+<file path=ppt/slides/slide43.xml><?xml version="1.0" encoding="utf-8"?>
+<p:sld xmlns:a="http://schemas.openxmlformats.org/drawingml/2006/main" xmlns:r="http://schemas.openxmlformats.org/officeDocument/2006/relationships" xmlns:p="http://schemas.openxmlformats.org/presentationml/2006/main">
+  <p:cSld>
+    <p:spTree>
+      <p:nvGrpSpPr>
+        <p:cNvPr id="1" name=""/>
+        <p:cNvGrpSpPr/>
+        <p:nvPr/>
+      </p:nvGrpSpPr>
+      <p:grpSpPr>
+        <a:xfrm>
+          <a:off x="0" y="0"/>
+          <a:ext cx="0" cy="0"/>
+          <a:chOff x="0" y="0"/>
+          <a:chExt cx="0" cy="0"/>
+        </a:xfrm>
+      </p:grpSpPr>
+    </p:spTree>
+    <p:extLst>
+      <p:ext uri="{BB962C8B-B14F-4D97-AF65-F5344CB8AC3E}">
+        <p14:creationId xmlns:p14="http://schemas.microsoft.com/office/powerpoint/2010/main" val="4122656727"/>
+      </p:ext>
+    </p:extLst>
+  </p:cSld>
+  <p:clrMapOvr>
+    <a:masterClrMapping/>
+  </p:clrMapOvr>
+</p:sld>
+</file>
+
+<file path=ppt/slides/slide44.xml><?xml version="1.0" encoding="utf-8"?>
+<p:sld xmlns:a="http://schemas.openxmlformats.org/drawingml/2006/main" xmlns:r="http://schemas.openxmlformats.org/officeDocument/2006/relationships" xmlns:p="http://schemas.openxmlformats.org/presentationml/2006/main">
+  <p:cSld>
+    <p:spTree>
+      <p:nvGrpSpPr>
+        <p:cNvPr id="1" name=""/>
+        <p:cNvGrpSpPr/>
+        <p:nvPr/>
+      </p:nvGrpSpPr>
+      <p:grpSpPr>
+        <a:xfrm>
+          <a:off x="0" y="0"/>
+          <a:ext cx="0" cy="0"/>
+          <a:chOff x="0" y="0"/>
+          <a:chExt cx="0" cy="0"/>
+        </a:xfrm>
+      </p:grpSpPr>
+    </p:spTree>
+    <p:extLst>
+      <p:ext uri="{BB962C8B-B14F-4D97-AF65-F5344CB8AC3E}">
+        <p14:creationId xmlns:p14="http://schemas.microsoft.com/office/powerpoint/2010/main" val="1398061545"/>
+      </p:ext>
+    </p:extLst>
+  </p:cSld>
+  <p:clrMapOvr>
+    <a:masterClrMapping/>
+  </p:clrMapOvr>
+</p:sld>
+</file>
+
+<file path=ppt/slides/slide45.xml><?xml version="1.0" encoding="utf-8"?>
+<p:sld xmlns:a="http://schemas.openxmlformats.org/drawingml/2006/main" xmlns:r="http://schemas.openxmlformats.org/officeDocument/2006/relationships" xmlns:p="http://schemas.openxmlformats.org/presentationml/2006/main">
+  <p:cSld>
+    <p:spTree>
+      <p:nvGrpSpPr>
+        <p:cNvPr id="1" name=""/>
+        <p:cNvGrpSpPr/>
+        <p:nvPr/>
+      </p:nvGrpSpPr>
+      <p:grpSpPr>
+        <a:xfrm>
+          <a:off x="0" y="0"/>
+          <a:ext cx="0" cy="0"/>
+          <a:chOff x="0" y="0"/>
+          <a:chExt cx="0" cy="0"/>
+        </a:xfrm>
+      </p:grpSpPr>
+    </p:spTree>
+    <p:extLst>
+      <p:ext uri="{BB962C8B-B14F-4D97-AF65-F5344CB8AC3E}">
+        <p14:creationId xmlns:p14="http://schemas.microsoft.com/office/powerpoint/2010/main" val="2486574713"/>
       </p:ext>
     </p:extLst>
   </p:cSld>
@@ -26255,10 +27578,94 @@
           <a:chExt cx="0" cy="0"/>
         </a:xfrm>
       </p:grpSpPr>
+      <p:sp>
+        <p:nvSpPr>
+          <p:cNvPr id="2" name="TextBox 1"/>
+          <p:cNvSpPr txBox="1"/>
+          <p:nvPr/>
+        </p:nvSpPr>
+        <p:spPr>
+          <a:xfrm>
+            <a:off x="0" y="0"/>
+            <a:ext cx="7010400" cy="584775"/>
+          </a:xfrm>
+          <a:prstGeom prst="rect">
+            <a:avLst/>
+          </a:prstGeom>
+          <a:noFill/>
+        </p:spPr>
+        <p:txBody>
+          <a:bodyPr wrap="square" rtlCol="0">
+            <a:spAutoFit/>
+          </a:bodyPr>
+          <a:lstStyle/>
+          <a:p>
+            <a:r>
+              <a:rPr lang="en-US" sz="1600" dirty="0" smtClean="0">
+                <a:solidFill>
+                  <a:srgbClr val="FF0000"/>
+                </a:solidFill>
+              </a:rPr>
+              <a:t>Date: 2018-10-28</a:t>
+            </a:r>
+          </a:p>
+          <a:p>
+            <a:r>
+              <a:rPr lang="en-US" sz="1600" dirty="0" smtClean="0">
+                <a:solidFill>
+                  <a:srgbClr val="FF0000"/>
+                </a:solidFill>
+              </a:rPr>
+              <a:t>Source:  </a:t>
+            </a:r>
+            <a:r>
+              <a:rPr lang="en-US" sz="1600" dirty="0">
+                <a:hlinkClick r:id="rId2" tooltip="Persistent link using digital object identifier"/>
+              </a:rPr>
+              <a:t>https://doi.org/10.1016/j.nima.2017.12.082</a:t>
+            </a:r>
+            <a:endParaRPr lang="en-US" sz="1600" dirty="0">
+              <a:solidFill>
+                <a:srgbClr val="FF0000"/>
+              </a:solidFill>
+            </a:endParaRPr>
+          </a:p>
+        </p:txBody>
+      </p:sp>
+      <p:pic>
+        <p:nvPicPr>
+          <p:cNvPr id="6" name="Picture 5"/>
+          <p:cNvPicPr>
+            <a:picLocks noChangeAspect="1"/>
+          </p:cNvPicPr>
+          <p:nvPr/>
+        </p:nvPicPr>
+        <p:blipFill>
+          <a:blip r:embed="rId3">
+            <a:extLst>
+              <a:ext uri="{28A0092B-C50C-407E-A947-70E740481C1C}">
+                <a14:useLocalDpi xmlns:a14="http://schemas.microsoft.com/office/drawing/2010/main" val="0"/>
+              </a:ext>
+            </a:extLst>
+          </a:blip>
+          <a:stretch>
+            <a:fillRect/>
+          </a:stretch>
+        </p:blipFill>
+        <p:spPr>
+          <a:xfrm>
+            <a:off x="2078182" y="579316"/>
+            <a:ext cx="7811203" cy="6278684"/>
+          </a:xfrm>
+          <a:prstGeom prst="rect">
+            <a:avLst/>
+          </a:prstGeom>
+        </p:spPr>
+      </p:pic>
     </p:spTree>
     <p:extLst>
       <p:ext uri="{BB962C8B-B14F-4D97-AF65-F5344CB8AC3E}">
-        <p14:creationId xmlns:p14="http://schemas.microsoft.com/office/powerpoint/2010/main" val="3203084381"/>
+        <p14:creationId xmlns:p14="http://schemas.microsoft.com/office/powerpoint/2010/main" val="2643122334"/>
       </p:ext>
     </p:extLst>
   </p:cSld>

--- a/03DE-E-Detector.pptx
+++ b/03DE-E-Detector.pptx
@@ -5,7 +5,7 @@
     <p:sldMasterId id="2147483648" r:id="rId1"/>
   </p:sldMasterIdLst>
   <p:notesMasterIdLst>
-    <p:notesMasterId r:id="rId47"/>
+    <p:notesMasterId r:id="rId46"/>
   </p:notesMasterIdLst>
   <p:sldIdLst>
     <p:sldId id="278" r:id="rId2"/>
@@ -50,9 +50,8 @@
     <p:sldId id="306" r:id="rId41"/>
     <p:sldId id="307" r:id="rId42"/>
     <p:sldId id="308" r:id="rId43"/>
-    <p:sldId id="309" r:id="rId44"/>
-    <p:sldId id="310" r:id="rId45"/>
-    <p:sldId id="311" r:id="rId46"/>
+    <p:sldId id="310" r:id="rId44"/>
+    <p:sldId id="311" r:id="rId45"/>
   </p:sldIdLst>
   <p:sldSz cx="12192000" cy="6858000"/>
   <p:notesSz cx="6858000" cy="9144000"/>
@@ -9076,14 +9075,7 @@
                 <a:latin typeface="Times New Roman" panose="02020603050405020304" pitchFamily="18" charset="0"/>
                 <a:cs typeface="Times New Roman" panose="02020603050405020304" pitchFamily="18" charset="0"/>
               </a:rPr>
-              <a:t>Scintillator—inorganic </a:t>
-            </a:r>
-            <a:r>
-              <a:rPr lang="en-US" sz="3200" b="1" dirty="0" smtClean="0">
-                <a:latin typeface="Times New Roman" panose="02020603050405020304" pitchFamily="18" charset="0"/>
-                <a:cs typeface="Times New Roman" panose="02020603050405020304" pitchFamily="18" charset="0"/>
-              </a:rPr>
-              <a:t>crystal</a:t>
+              <a:t>Scintillator—inorganic crystal</a:t>
             </a:r>
             <a:endParaRPr lang="en-US" sz="3200" b="1" dirty="0">
               <a:latin typeface="Times New Roman" panose="02020603050405020304" pitchFamily="18" charset="0"/>
@@ -22765,14 +22757,7 @@
                 <a:latin typeface="Times New Roman" panose="02020603050405020304" pitchFamily="18" charset="0"/>
                 <a:cs typeface="Times New Roman" panose="02020603050405020304" pitchFamily="18" charset="0"/>
               </a:rPr>
-              <a:t> </a:t>
-            </a:r>
-            <a:r>
-              <a:rPr lang="en-US" sz="2800" b="1" dirty="0" smtClean="0">
-                <a:latin typeface="Times New Roman" panose="02020603050405020304" pitchFamily="18" charset="0"/>
-                <a:cs typeface="Times New Roman" panose="02020603050405020304" pitchFamily="18" charset="0"/>
-              </a:rPr>
-              <a:t>Basic Knowledges of ∆E1-</a:t>
+              <a:t> Basic Knowledges of ∆E1-</a:t>
             </a:r>
             <a:r>
               <a:rPr lang="en-US" sz="2800" b="1" dirty="0">
@@ -24379,15 +24364,7 @@
                   <a:srgbClr val="FF0000"/>
                 </a:solidFill>
               </a:rPr>
-              <a:t>Date: </a:t>
-            </a:r>
-            <a:r>
-              <a:rPr lang="en-US" sz="1600" dirty="0" smtClean="0">
-                <a:solidFill>
-                  <a:srgbClr val="FF0000"/>
-                </a:solidFill>
-              </a:rPr>
-              <a:t>2018</a:t>
+              <a:t>Date: 2018</a:t>
             </a:r>
             <a:r>
               <a:rPr lang="en-US" altLang="zh-CN" sz="1600" dirty="0" smtClean="0">
@@ -24789,8 +24766,8 @@
           </a:prstGeom>
         </p:spPr>
       </p:pic>
-      <mc:AlternateContent xmlns:mc="http://schemas.openxmlformats.org/markup-compatibility/2006">
-        <mc:Choice xmlns:a14="http://schemas.microsoft.com/office/drawing/2010/main" Requires="a14">
+      <mc:AlternateContent xmlns:mc="http://schemas.openxmlformats.org/markup-compatibility/2006" xmlns:a14="http://schemas.microsoft.com/office/drawing/2010/main">
+        <mc:Choice Requires="a14">
           <p:sp>
             <p:nvSpPr>
               <p:cNvPr id="18" name="文本框 17"/>
@@ -24969,7 +24946,7 @@
             </p:txBody>
           </p:sp>
         </mc:Choice>
-        <mc:Fallback>
+        <mc:Fallback xmlns="">
           <p:sp>
             <p:nvSpPr>
               <p:cNvPr id="18" name="文本框 17"/>
@@ -25294,11 +25271,7 @@
             </a:r>
             <a:r>
               <a:rPr lang="en-US" sz="1600" dirty="0" smtClean="0"/>
-              <a:t>   </a:t>
-            </a:r>
-            <a:r>
-              <a:rPr lang="en-US" sz="1600" dirty="0" smtClean="0"/>
-              <a:t>(1) </a:t>
+              <a:t>   (1) </a:t>
             </a:r>
             <a:r>
               <a:rPr lang="zh-CN" altLang="en-US" sz="1600" dirty="0" smtClean="0"/>
@@ -25351,11 +25324,7 @@
             </a:r>
             <a:r>
               <a:rPr lang="en-US" sz="1600" dirty="0" smtClean="0"/>
-              <a:t>   </a:t>
-            </a:r>
-            <a:r>
-              <a:rPr lang="en-US" sz="1600" dirty="0" smtClean="0"/>
-              <a:t>(3) Saturation effect </a:t>
+              <a:t>   (3) Saturation effect </a:t>
             </a:r>
             <a:r>
               <a:rPr lang="zh-CN" altLang="en-US" sz="1600" dirty="0" smtClean="0"/>
@@ -26122,7 +26091,7 @@
     </p:spTree>
     <p:extLst>
       <p:ext uri="{BB962C8B-B14F-4D97-AF65-F5344CB8AC3E}">
-        <p14:creationId xmlns:p14="http://schemas.microsoft.com/office/powerpoint/2010/main" val="4122656727"/>
+        <p14:creationId xmlns:p14="http://schemas.microsoft.com/office/powerpoint/2010/main" val="1398061545"/>
       </p:ext>
     </p:extLst>
   </p:cSld>
@@ -26133,36 +26102,6 @@
 </file>
 
 <file path=ppt/slides/slide44.xml><?xml version="1.0" encoding="utf-8"?>
-<p:sld xmlns:a="http://schemas.openxmlformats.org/drawingml/2006/main" xmlns:r="http://schemas.openxmlformats.org/officeDocument/2006/relationships" xmlns:p="http://schemas.openxmlformats.org/presentationml/2006/main">
-  <p:cSld>
-    <p:spTree>
-      <p:nvGrpSpPr>
-        <p:cNvPr id="1" name=""/>
-        <p:cNvGrpSpPr/>
-        <p:nvPr/>
-      </p:nvGrpSpPr>
-      <p:grpSpPr>
-        <a:xfrm>
-          <a:off x="0" y="0"/>
-          <a:ext cx="0" cy="0"/>
-          <a:chOff x="0" y="0"/>
-          <a:chExt cx="0" cy="0"/>
-        </a:xfrm>
-      </p:grpSpPr>
-    </p:spTree>
-    <p:extLst>
-      <p:ext uri="{BB962C8B-B14F-4D97-AF65-F5344CB8AC3E}">
-        <p14:creationId xmlns:p14="http://schemas.microsoft.com/office/powerpoint/2010/main" val="1398061545"/>
-      </p:ext>
-    </p:extLst>
-  </p:cSld>
-  <p:clrMapOvr>
-    <a:masterClrMapping/>
-  </p:clrMapOvr>
-</p:sld>
-</file>
-
-<file path=ppt/slides/slide45.xml><?xml version="1.0" encoding="utf-8"?>
 <p:sld xmlns:a="http://schemas.openxmlformats.org/drawingml/2006/main" xmlns:r="http://schemas.openxmlformats.org/officeDocument/2006/relationships" xmlns:p="http://schemas.openxmlformats.org/presentationml/2006/main">
   <p:cSld>
     <p:spTree>

--- a/03DE-E-Detector.pptx
+++ b/03DE-E-Detector.pptx
@@ -5,7 +5,7 @@
     <p:sldMasterId id="2147483648" r:id="rId1"/>
   </p:sldMasterIdLst>
   <p:notesMasterIdLst>
-    <p:notesMasterId r:id="rId46"/>
+    <p:notesMasterId r:id="rId47"/>
   </p:notesMasterIdLst>
   <p:sldIdLst>
     <p:sldId id="278" r:id="rId2"/>
@@ -16,42 +16,43 @@
     <p:sldId id="279" r:id="rId7"/>
     <p:sldId id="281" r:id="rId8"/>
     <p:sldId id="282" r:id="rId9"/>
-    <p:sldId id="265" r:id="rId10"/>
-    <p:sldId id="266" r:id="rId11"/>
-    <p:sldId id="270" r:id="rId12"/>
-    <p:sldId id="271" r:id="rId13"/>
-    <p:sldId id="273" r:id="rId14"/>
-    <p:sldId id="274" r:id="rId15"/>
-    <p:sldId id="275" r:id="rId16"/>
-    <p:sldId id="276" r:id="rId17"/>
-    <p:sldId id="277" r:id="rId18"/>
-    <p:sldId id="260" r:id="rId19"/>
-    <p:sldId id="287" r:id="rId20"/>
-    <p:sldId id="289" r:id="rId21"/>
-    <p:sldId id="290" r:id="rId22"/>
-    <p:sldId id="291" r:id="rId23"/>
-    <p:sldId id="292" r:id="rId24"/>
-    <p:sldId id="293" r:id="rId25"/>
-    <p:sldId id="294" r:id="rId26"/>
-    <p:sldId id="295" r:id="rId27"/>
-    <p:sldId id="296" r:id="rId28"/>
-    <p:sldId id="297" r:id="rId29"/>
-    <p:sldId id="298" r:id="rId30"/>
-    <p:sldId id="299" r:id="rId31"/>
-    <p:sldId id="300" r:id="rId32"/>
-    <p:sldId id="301" r:id="rId33"/>
-    <p:sldId id="302" r:id="rId34"/>
-    <p:sldId id="288" r:id="rId35"/>
-    <p:sldId id="303" r:id="rId36"/>
-    <p:sldId id="304" r:id="rId37"/>
-    <p:sldId id="312" r:id="rId38"/>
-    <p:sldId id="263" r:id="rId39"/>
-    <p:sldId id="305" r:id="rId40"/>
-    <p:sldId id="306" r:id="rId41"/>
-    <p:sldId id="307" r:id="rId42"/>
-    <p:sldId id="308" r:id="rId43"/>
-    <p:sldId id="310" r:id="rId44"/>
-    <p:sldId id="311" r:id="rId45"/>
+    <p:sldId id="313" r:id="rId10"/>
+    <p:sldId id="265" r:id="rId11"/>
+    <p:sldId id="266" r:id="rId12"/>
+    <p:sldId id="270" r:id="rId13"/>
+    <p:sldId id="271" r:id="rId14"/>
+    <p:sldId id="273" r:id="rId15"/>
+    <p:sldId id="274" r:id="rId16"/>
+    <p:sldId id="275" r:id="rId17"/>
+    <p:sldId id="276" r:id="rId18"/>
+    <p:sldId id="277" r:id="rId19"/>
+    <p:sldId id="260" r:id="rId20"/>
+    <p:sldId id="287" r:id="rId21"/>
+    <p:sldId id="289" r:id="rId22"/>
+    <p:sldId id="290" r:id="rId23"/>
+    <p:sldId id="291" r:id="rId24"/>
+    <p:sldId id="292" r:id="rId25"/>
+    <p:sldId id="293" r:id="rId26"/>
+    <p:sldId id="294" r:id="rId27"/>
+    <p:sldId id="295" r:id="rId28"/>
+    <p:sldId id="296" r:id="rId29"/>
+    <p:sldId id="297" r:id="rId30"/>
+    <p:sldId id="298" r:id="rId31"/>
+    <p:sldId id="299" r:id="rId32"/>
+    <p:sldId id="300" r:id="rId33"/>
+    <p:sldId id="301" r:id="rId34"/>
+    <p:sldId id="302" r:id="rId35"/>
+    <p:sldId id="288" r:id="rId36"/>
+    <p:sldId id="303" r:id="rId37"/>
+    <p:sldId id="304" r:id="rId38"/>
+    <p:sldId id="307" r:id="rId39"/>
+    <p:sldId id="312" r:id="rId40"/>
+    <p:sldId id="308" r:id="rId41"/>
+    <p:sldId id="263" r:id="rId42"/>
+    <p:sldId id="305" r:id="rId43"/>
+    <p:sldId id="306" r:id="rId44"/>
+    <p:sldId id="310" r:id="rId45"/>
+    <p:sldId id="311" r:id="rId46"/>
   </p:sldIdLst>
   <p:sldSz cx="12192000" cy="6858000"/>
   <p:notesSz cx="6858000" cy="9144000"/>
@@ -240,7 +241,7 @@
           <a:p>
             <a:fld id="{793144BA-D827-4C5F-84CE-235CAC5CC0A7}" type="datetimeFigureOut">
               <a:rPr lang="zh-CN" altLang="en-US" smtClean="0"/>
-              <a:t>2018/11/1</a:t>
+              <a:t>2018/11/5</a:t>
             </a:fld>
             <a:endParaRPr lang="zh-CN" altLang="en-US"/>
           </a:p>
@@ -657,7 +658,7 @@
           <a:p>
             <a:fld id="{2BB619C3-A3AD-4738-A8F3-054951D8ADA7}" type="slidenum">
               <a:rPr lang="en-US" smtClean="0"/>
-              <a:t>20</a:t>
+              <a:t>21</a:t>
             </a:fld>
             <a:endParaRPr lang="en-US"/>
           </a:p>
@@ -741,7 +742,7 @@
           <a:p>
             <a:fld id="{7D439003-F4DC-4184-820E-8661A476C97D}" type="slidenum">
               <a:rPr lang="zh-CN" altLang="en-US" smtClean="0"/>
-              <a:t>35</a:t>
+              <a:t>36</a:t>
             </a:fld>
             <a:endParaRPr lang="zh-CN" altLang="en-US"/>
           </a:p>
@@ -891,7 +892,7 @@
           <a:p>
             <a:fld id="{B49F1F9E-BB21-4ADB-B707-20B3786FE04D}" type="datetimeFigureOut">
               <a:rPr lang="en-US" smtClean="0"/>
-              <a:t>11/1/2018</a:t>
+              <a:t>11/5/2018</a:t>
             </a:fld>
             <a:endParaRPr lang="en-US"/>
           </a:p>
@@ -1061,7 +1062,7 @@
           <a:p>
             <a:fld id="{B49F1F9E-BB21-4ADB-B707-20B3786FE04D}" type="datetimeFigureOut">
               <a:rPr lang="en-US" smtClean="0"/>
-              <a:t>11/1/2018</a:t>
+              <a:t>11/5/2018</a:t>
             </a:fld>
             <a:endParaRPr lang="en-US"/>
           </a:p>
@@ -1241,7 +1242,7 @@
           <a:p>
             <a:fld id="{B49F1F9E-BB21-4ADB-B707-20B3786FE04D}" type="datetimeFigureOut">
               <a:rPr lang="en-US" smtClean="0"/>
-              <a:t>11/1/2018</a:t>
+              <a:t>11/5/2018</a:t>
             </a:fld>
             <a:endParaRPr lang="en-US"/>
           </a:p>
@@ -1411,7 +1412,7 @@
           <a:p>
             <a:fld id="{B49F1F9E-BB21-4ADB-B707-20B3786FE04D}" type="datetimeFigureOut">
               <a:rPr lang="en-US" smtClean="0"/>
-              <a:t>11/1/2018</a:t>
+              <a:t>11/5/2018</a:t>
             </a:fld>
             <a:endParaRPr lang="en-US"/>
           </a:p>
@@ -1657,7 +1658,7 @@
           <a:p>
             <a:fld id="{B49F1F9E-BB21-4ADB-B707-20B3786FE04D}" type="datetimeFigureOut">
               <a:rPr lang="en-US" smtClean="0"/>
-              <a:t>11/1/2018</a:t>
+              <a:t>11/5/2018</a:t>
             </a:fld>
             <a:endParaRPr lang="en-US"/>
           </a:p>
@@ -1889,7 +1890,7 @@
           <a:p>
             <a:fld id="{B49F1F9E-BB21-4ADB-B707-20B3786FE04D}" type="datetimeFigureOut">
               <a:rPr lang="en-US" smtClean="0"/>
-              <a:t>11/1/2018</a:t>
+              <a:t>11/5/2018</a:t>
             </a:fld>
             <a:endParaRPr lang="en-US"/>
           </a:p>
@@ -2256,7 +2257,7 @@
           <a:p>
             <a:fld id="{B49F1F9E-BB21-4ADB-B707-20B3786FE04D}" type="datetimeFigureOut">
               <a:rPr lang="en-US" smtClean="0"/>
-              <a:t>11/1/2018</a:t>
+              <a:t>11/5/2018</a:t>
             </a:fld>
             <a:endParaRPr lang="en-US"/>
           </a:p>
@@ -2374,7 +2375,7 @@
           <a:p>
             <a:fld id="{B49F1F9E-BB21-4ADB-B707-20B3786FE04D}" type="datetimeFigureOut">
               <a:rPr lang="en-US" smtClean="0"/>
-              <a:t>11/1/2018</a:t>
+              <a:t>11/5/2018</a:t>
             </a:fld>
             <a:endParaRPr lang="en-US"/>
           </a:p>
@@ -2469,7 +2470,7 @@
           <a:p>
             <a:fld id="{B49F1F9E-BB21-4ADB-B707-20B3786FE04D}" type="datetimeFigureOut">
               <a:rPr lang="en-US" smtClean="0"/>
-              <a:t>11/1/2018</a:t>
+              <a:t>11/5/2018</a:t>
             </a:fld>
             <a:endParaRPr lang="en-US"/>
           </a:p>
@@ -2746,7 +2747,7 @@
           <a:p>
             <a:fld id="{B49F1F9E-BB21-4ADB-B707-20B3786FE04D}" type="datetimeFigureOut">
               <a:rPr lang="en-US" smtClean="0"/>
-              <a:t>11/1/2018</a:t>
+              <a:t>11/5/2018</a:t>
             </a:fld>
             <a:endParaRPr lang="en-US"/>
           </a:p>
@@ -2999,7 +3000,7 @@
           <a:p>
             <a:fld id="{B49F1F9E-BB21-4ADB-B707-20B3786FE04D}" type="datetimeFigureOut">
               <a:rPr lang="en-US" smtClean="0"/>
-              <a:t>11/1/2018</a:t>
+              <a:t>11/5/2018</a:t>
             </a:fld>
             <a:endParaRPr lang="en-US"/>
           </a:p>
@@ -3212,7 +3213,7 @@
           <a:p>
             <a:fld id="{B49F1F9E-BB21-4ADB-B707-20B3786FE04D}" type="datetimeFigureOut">
               <a:rPr lang="en-US" smtClean="0"/>
-              <a:t>11/1/2018</a:t>
+              <a:t>11/5/2018</a:t>
             </a:fld>
             <a:endParaRPr lang="en-US"/>
           </a:p>
@@ -3795,6 +3796,120 @@
       </p:grpSpPr>
       <p:sp>
         <p:nvSpPr>
+          <p:cNvPr id="2" name="TextBox 1"/>
+          <p:cNvSpPr txBox="1"/>
+          <p:nvPr/>
+        </p:nvSpPr>
+        <p:spPr>
+          <a:xfrm>
+            <a:off x="0" y="0"/>
+            <a:ext cx="7010400" cy="584775"/>
+          </a:xfrm>
+          <a:prstGeom prst="rect">
+            <a:avLst/>
+          </a:prstGeom>
+          <a:noFill/>
+        </p:spPr>
+        <p:txBody>
+          <a:bodyPr wrap="square" rtlCol="0">
+            <a:spAutoFit/>
+          </a:bodyPr>
+          <a:lstStyle/>
+          <a:p>
+            <a:r>
+              <a:rPr lang="en-US" sz="1600" dirty="0" smtClean="0">
+                <a:solidFill>
+                  <a:srgbClr val="FF0000"/>
+                </a:solidFill>
+              </a:rPr>
+              <a:t>Date: 2018-10-28</a:t>
+            </a:r>
+          </a:p>
+          <a:p>
+            <a:r>
+              <a:rPr lang="en-US" sz="1600" dirty="0" smtClean="0">
+                <a:solidFill>
+                  <a:srgbClr val="FF0000"/>
+                </a:solidFill>
+              </a:rPr>
+              <a:t>Source:  </a:t>
+            </a:r>
+            <a:r>
+              <a:rPr lang="en-US" sz="1600" dirty="0">
+                <a:hlinkClick r:id="rId2" tooltip="Persistent link using digital object identifier"/>
+              </a:rPr>
+              <a:t>https://doi.org/10.1016/j.nima.2017.12.082</a:t>
+            </a:r>
+            <a:endParaRPr lang="en-US" sz="1600" dirty="0">
+              <a:solidFill>
+                <a:srgbClr val="FF0000"/>
+              </a:solidFill>
+            </a:endParaRPr>
+          </a:p>
+        </p:txBody>
+      </p:sp>
+      <p:pic>
+        <p:nvPicPr>
+          <p:cNvPr id="6" name="Picture 5"/>
+          <p:cNvPicPr>
+            <a:picLocks noChangeAspect="1"/>
+          </p:cNvPicPr>
+          <p:nvPr/>
+        </p:nvPicPr>
+        <p:blipFill>
+          <a:blip r:embed="rId3">
+            <a:extLst>
+              <a:ext uri="{28A0092B-C50C-407E-A947-70E740481C1C}">
+                <a14:useLocalDpi xmlns:a14="http://schemas.microsoft.com/office/drawing/2010/main" val="0"/>
+              </a:ext>
+            </a:extLst>
+          </a:blip>
+          <a:stretch>
+            <a:fillRect/>
+          </a:stretch>
+        </p:blipFill>
+        <p:spPr>
+          <a:xfrm>
+            <a:off x="2078182" y="579316"/>
+            <a:ext cx="7811203" cy="6278684"/>
+          </a:xfrm>
+          <a:prstGeom prst="rect">
+            <a:avLst/>
+          </a:prstGeom>
+        </p:spPr>
+      </p:pic>
+    </p:spTree>
+    <p:extLst>
+      <p:ext uri="{BB962C8B-B14F-4D97-AF65-F5344CB8AC3E}">
+        <p14:creationId xmlns:p14="http://schemas.microsoft.com/office/powerpoint/2010/main" val="2643122334"/>
+      </p:ext>
+    </p:extLst>
+  </p:cSld>
+  <p:clrMapOvr>
+    <a:masterClrMapping/>
+  </p:clrMapOvr>
+</p:sld>
+</file>
+
+<file path=ppt/slides/slide11.xml><?xml version="1.0" encoding="utf-8"?>
+<p:sld xmlns:a="http://schemas.openxmlformats.org/drawingml/2006/main" xmlns:r="http://schemas.openxmlformats.org/officeDocument/2006/relationships" xmlns:p="http://schemas.openxmlformats.org/presentationml/2006/main">
+  <p:cSld>
+    <p:spTree>
+      <p:nvGrpSpPr>
+        <p:cNvPr id="1" name=""/>
+        <p:cNvGrpSpPr/>
+        <p:nvPr/>
+      </p:nvGrpSpPr>
+      <p:grpSpPr>
+        <a:xfrm>
+          <a:off x="0" y="0"/>
+          <a:ext cx="0" cy="0"/>
+          <a:chOff x="0" y="0"/>
+          <a:chExt cx="0" cy="0"/>
+        </a:xfrm>
+      </p:grpSpPr>
+      <p:sp>
+        <p:nvSpPr>
           <p:cNvPr id="4" name="TextBox 3"/>
           <p:cNvSpPr txBox="1"/>
           <p:nvPr/>
@@ -4405,7 +4520,7 @@
 </p:sld>
 </file>
 
-<file path=ppt/slides/slide11.xml><?xml version="1.0" encoding="utf-8"?>
+<file path=ppt/slides/slide12.xml><?xml version="1.0" encoding="utf-8"?>
 <p:sld xmlns:a="http://schemas.openxmlformats.org/drawingml/2006/main" xmlns:r="http://schemas.openxmlformats.org/officeDocument/2006/relationships" xmlns:p="http://schemas.openxmlformats.org/presentationml/2006/main">
   <p:cSld>
     <p:spTree>
@@ -4942,7 +5057,7 @@
 </p:sld>
 </file>
 
-<file path=ppt/slides/slide12.xml><?xml version="1.0" encoding="utf-8"?>
+<file path=ppt/slides/slide13.xml><?xml version="1.0" encoding="utf-8"?>
 <p:sld xmlns:a="http://schemas.openxmlformats.org/drawingml/2006/main" xmlns:r="http://schemas.openxmlformats.org/officeDocument/2006/relationships" xmlns:p="http://schemas.openxmlformats.org/presentationml/2006/main">
   <p:cSld>
     <p:spTree>
@@ -5661,7 +5776,7 @@
 </p:sld>
 </file>
 
-<file path=ppt/slides/slide13.xml><?xml version="1.0" encoding="utf-8"?>
+<file path=ppt/slides/slide14.xml><?xml version="1.0" encoding="utf-8"?>
 <p:sld xmlns:a="http://schemas.openxmlformats.org/drawingml/2006/main" xmlns:r="http://schemas.openxmlformats.org/officeDocument/2006/relationships" xmlns:p="http://schemas.openxmlformats.org/presentationml/2006/main">
   <p:cSld>
     <p:spTree>
@@ -6563,7 +6678,7 @@
 </p:sld>
 </file>
 
-<file path=ppt/slides/slide14.xml><?xml version="1.0" encoding="utf-8"?>
+<file path=ppt/slides/slide15.xml><?xml version="1.0" encoding="utf-8"?>
 <p:sld xmlns:a="http://schemas.openxmlformats.org/drawingml/2006/main" xmlns:r="http://schemas.openxmlformats.org/officeDocument/2006/relationships" xmlns:p="http://schemas.openxmlformats.org/presentationml/2006/main">
   <p:cSld>
     <p:spTree>
@@ -7133,7 +7248,7 @@
 </p:sld>
 </file>
 
-<file path=ppt/slides/slide15.xml><?xml version="1.0" encoding="utf-8"?>
+<file path=ppt/slides/slide16.xml><?xml version="1.0" encoding="utf-8"?>
 <p:sld xmlns:a="http://schemas.openxmlformats.org/drawingml/2006/main" xmlns:r="http://schemas.openxmlformats.org/officeDocument/2006/relationships" xmlns:p="http://schemas.openxmlformats.org/presentationml/2006/main">
   <p:cSld>
     <p:spTree>
@@ -7966,7 +8081,7 @@
 </p:sld>
 </file>
 
-<file path=ppt/slides/slide16.xml><?xml version="1.0" encoding="utf-8"?>
+<file path=ppt/slides/slide17.xml><?xml version="1.0" encoding="utf-8"?>
 <p:sld xmlns:a="http://schemas.openxmlformats.org/drawingml/2006/main" xmlns:r="http://schemas.openxmlformats.org/officeDocument/2006/relationships" xmlns:p="http://schemas.openxmlformats.org/presentationml/2006/main">
   <p:cSld>
     <p:spTree>
@@ -8576,7 +8691,7 @@
 </p:sld>
 </file>
 
-<file path=ppt/slides/slide17.xml><?xml version="1.0" encoding="utf-8"?>
+<file path=ppt/slides/slide18.xml><?xml version="1.0" encoding="utf-8"?>
 <p:sld xmlns:a="http://schemas.openxmlformats.org/drawingml/2006/main" xmlns:r="http://schemas.openxmlformats.org/officeDocument/2006/relationships" xmlns:p="http://schemas.openxmlformats.org/presentationml/2006/main">
   <p:cSld>
     <p:spTree>
@@ -8992,36 +9107,6 @@
     <p:extLst>
       <p:ext uri="{BB962C8B-B14F-4D97-AF65-F5344CB8AC3E}">
         <p14:creationId xmlns:p14="http://schemas.microsoft.com/office/powerpoint/2010/main" val="917626728"/>
-      </p:ext>
-    </p:extLst>
-  </p:cSld>
-  <p:clrMapOvr>
-    <a:masterClrMapping/>
-  </p:clrMapOvr>
-</p:sld>
-</file>
-
-<file path=ppt/slides/slide18.xml><?xml version="1.0" encoding="utf-8"?>
-<p:sld xmlns:a="http://schemas.openxmlformats.org/drawingml/2006/main" xmlns:r="http://schemas.openxmlformats.org/officeDocument/2006/relationships" xmlns:p="http://schemas.openxmlformats.org/presentationml/2006/main">
-  <p:cSld>
-    <p:spTree>
-      <p:nvGrpSpPr>
-        <p:cNvPr id="1" name=""/>
-        <p:cNvGrpSpPr/>
-        <p:nvPr/>
-      </p:nvGrpSpPr>
-      <p:grpSpPr>
-        <a:xfrm>
-          <a:off x="0" y="0"/>
-          <a:ext cx="0" cy="0"/>
-          <a:chOff x="0" y="0"/>
-          <a:chExt cx="0" cy="0"/>
-        </a:xfrm>
-      </p:grpSpPr>
-    </p:spTree>
-    <p:extLst>
-      <p:ext uri="{BB962C8B-B14F-4D97-AF65-F5344CB8AC3E}">
-        <p14:creationId xmlns:p14="http://schemas.microsoft.com/office/powerpoint/2010/main" val="3578612920"/>
       </p:ext>
     </p:extLst>
   </p:cSld>
@@ -9048,46 +9133,10 @@
           <a:chExt cx="0" cy="0"/>
         </a:xfrm>
       </p:grpSpPr>
-      <p:sp>
-        <p:nvSpPr>
-          <p:cNvPr id="2" name="TextBox 1"/>
-          <p:cNvSpPr txBox="1"/>
-          <p:nvPr/>
-        </p:nvSpPr>
-        <p:spPr>
-          <a:xfrm>
-            <a:off x="3022521" y="2328937"/>
-            <a:ext cx="6714565" cy="584775"/>
-          </a:xfrm>
-          <a:prstGeom prst="rect">
-            <a:avLst/>
-          </a:prstGeom>
-          <a:noFill/>
-        </p:spPr>
-        <p:txBody>
-          <a:bodyPr wrap="square" rtlCol="0">
-            <a:spAutoFit/>
-          </a:bodyPr>
-          <a:lstStyle/>
-          <a:p>
-            <a:r>
-              <a:rPr lang="en-US" sz="3200" b="1" dirty="0" smtClean="0">
-                <a:latin typeface="Times New Roman" panose="02020603050405020304" pitchFamily="18" charset="0"/>
-                <a:cs typeface="Times New Roman" panose="02020603050405020304" pitchFamily="18" charset="0"/>
-              </a:rPr>
-              <a:t>Scintillator—inorganic crystal</a:t>
-            </a:r>
-            <a:endParaRPr lang="en-US" sz="3200" b="1" dirty="0">
-              <a:latin typeface="Times New Roman" panose="02020603050405020304" pitchFamily="18" charset="0"/>
-              <a:cs typeface="Times New Roman" panose="02020603050405020304" pitchFamily="18" charset="0"/>
-            </a:endParaRPr>
-          </a:p>
-        </p:txBody>
-      </p:sp>
     </p:spTree>
     <p:extLst>
       <p:ext uri="{BB962C8B-B14F-4D97-AF65-F5344CB8AC3E}">
-        <p14:creationId xmlns:p14="http://schemas.microsoft.com/office/powerpoint/2010/main" val="2931871503"/>
+        <p14:creationId xmlns:p14="http://schemas.microsoft.com/office/powerpoint/2010/main" val="3578612920"/>
       </p:ext>
     </p:extLst>
   </p:cSld>
@@ -9128,6 +9177,79 @@
 </file>
 
 <file path=ppt/slides/slide20.xml><?xml version="1.0" encoding="utf-8"?>
+<p:sld xmlns:a="http://schemas.openxmlformats.org/drawingml/2006/main" xmlns:r="http://schemas.openxmlformats.org/officeDocument/2006/relationships" xmlns:p="http://schemas.openxmlformats.org/presentationml/2006/main">
+  <p:cSld>
+    <p:spTree>
+      <p:nvGrpSpPr>
+        <p:cNvPr id="1" name=""/>
+        <p:cNvGrpSpPr/>
+        <p:nvPr/>
+      </p:nvGrpSpPr>
+      <p:grpSpPr>
+        <a:xfrm>
+          <a:off x="0" y="0"/>
+          <a:ext cx="0" cy="0"/>
+          <a:chOff x="0" y="0"/>
+          <a:chExt cx="0" cy="0"/>
+        </a:xfrm>
+      </p:grpSpPr>
+      <p:sp>
+        <p:nvSpPr>
+          <p:cNvPr id="2" name="TextBox 1"/>
+          <p:cNvSpPr txBox="1"/>
+          <p:nvPr/>
+        </p:nvSpPr>
+        <p:spPr>
+          <a:xfrm>
+            <a:off x="4947574" y="2160495"/>
+            <a:ext cx="3779332" cy="584775"/>
+          </a:xfrm>
+          <a:prstGeom prst="rect">
+            <a:avLst/>
+          </a:prstGeom>
+          <a:noFill/>
+        </p:spPr>
+        <p:txBody>
+          <a:bodyPr wrap="square" rtlCol="0">
+            <a:spAutoFit/>
+          </a:bodyPr>
+          <a:lstStyle/>
+          <a:p>
+            <a:r>
+              <a:rPr lang="en-US" sz="3200" b="1" dirty="0" smtClean="0">
+                <a:latin typeface="Times New Roman" panose="02020603050405020304" pitchFamily="18" charset="0"/>
+                <a:cs typeface="Times New Roman" panose="02020603050405020304" pitchFamily="18" charset="0"/>
+              </a:rPr>
+              <a:t>Scintillato</a:t>
+            </a:r>
+            <a:r>
+              <a:rPr lang="en-US" altLang="zh-CN" sz="3200" b="1" dirty="0" smtClean="0">
+                <a:latin typeface="Times New Roman" panose="02020603050405020304" pitchFamily="18" charset="0"/>
+                <a:cs typeface="Times New Roman" panose="02020603050405020304" pitchFamily="18" charset="0"/>
+              </a:rPr>
+              <a:t>r</a:t>
+            </a:r>
+            <a:endParaRPr lang="en-US" sz="3200" b="1" dirty="0">
+              <a:latin typeface="Times New Roman" panose="02020603050405020304" pitchFamily="18" charset="0"/>
+              <a:cs typeface="Times New Roman" panose="02020603050405020304" pitchFamily="18" charset="0"/>
+            </a:endParaRPr>
+          </a:p>
+        </p:txBody>
+      </p:sp>
+    </p:spTree>
+    <p:extLst>
+      <p:ext uri="{BB962C8B-B14F-4D97-AF65-F5344CB8AC3E}">
+        <p14:creationId xmlns:p14="http://schemas.microsoft.com/office/powerpoint/2010/main" val="2931871503"/>
+      </p:ext>
+    </p:extLst>
+  </p:cSld>
+  <p:clrMapOvr>
+    <a:masterClrMapping/>
+  </p:clrMapOvr>
+</p:sld>
+</file>
+
+<file path=ppt/slides/slide21.xml><?xml version="1.0" encoding="utf-8"?>
 <p:sld xmlns:a="http://schemas.openxmlformats.org/drawingml/2006/main" xmlns:r="http://schemas.openxmlformats.org/officeDocument/2006/relationships" xmlns:p="http://schemas.openxmlformats.org/presentationml/2006/main">
   <p:cSld>
     <p:spTree>
@@ -11911,7 +12033,7 @@
 </p:sld>
 </file>
 
-<file path=ppt/slides/slide21.xml><?xml version="1.0" encoding="utf-8"?>
+<file path=ppt/slides/slide22.xml><?xml version="1.0" encoding="utf-8"?>
 <p:sld xmlns:a="http://schemas.openxmlformats.org/drawingml/2006/main" xmlns:r="http://schemas.openxmlformats.org/officeDocument/2006/relationships" xmlns:p="http://schemas.openxmlformats.org/presentationml/2006/main">
   <p:cSld>
     <p:spTree>
@@ -13804,7 +13926,7 @@
 </p:sld>
 </file>
 
-<file path=ppt/slides/slide22.xml><?xml version="1.0" encoding="utf-8"?>
+<file path=ppt/slides/slide23.xml><?xml version="1.0" encoding="utf-8"?>
 <p:sld xmlns:a="http://schemas.openxmlformats.org/drawingml/2006/main" xmlns:r="http://schemas.openxmlformats.org/officeDocument/2006/relationships" xmlns:p="http://schemas.openxmlformats.org/presentationml/2006/main">
   <p:cSld>
     <p:spTree>
@@ -14783,7 +14905,7 @@
 </p:sld>
 </file>
 
-<file path=ppt/slides/slide23.xml><?xml version="1.0" encoding="utf-8"?>
+<file path=ppt/slides/slide24.xml><?xml version="1.0" encoding="utf-8"?>
 <p:sld xmlns:a="http://schemas.openxmlformats.org/drawingml/2006/main" xmlns:r="http://schemas.openxmlformats.org/officeDocument/2006/relationships" xmlns:p="http://schemas.openxmlformats.org/presentationml/2006/main">
   <p:cSld>
     <p:spTree>
@@ -16373,7 +16495,7 @@
 </p:sld>
 </file>
 
-<file path=ppt/slides/slide24.xml><?xml version="1.0" encoding="utf-8"?>
+<file path=ppt/slides/slide25.xml><?xml version="1.0" encoding="utf-8"?>
 <p:sld xmlns:a="http://schemas.openxmlformats.org/drawingml/2006/main" xmlns:r="http://schemas.openxmlformats.org/officeDocument/2006/relationships" xmlns:p="http://schemas.openxmlformats.org/presentationml/2006/main">
   <p:cSld>
     <p:spTree>
@@ -16544,7 +16666,7 @@
 </p:sld>
 </file>
 
-<file path=ppt/slides/slide25.xml><?xml version="1.0" encoding="utf-8"?>
+<file path=ppt/slides/slide26.xml><?xml version="1.0" encoding="utf-8"?>
 <p:sld xmlns:a="http://schemas.openxmlformats.org/drawingml/2006/main" xmlns:r="http://schemas.openxmlformats.org/officeDocument/2006/relationships" xmlns:p="http://schemas.openxmlformats.org/presentationml/2006/main">
   <p:cSld>
     <p:spTree>
@@ -19089,7 +19211,7 @@
 </p:sld>
 </file>
 
-<file path=ppt/slides/slide26.xml><?xml version="1.0" encoding="utf-8"?>
+<file path=ppt/slides/slide27.xml><?xml version="1.0" encoding="utf-8"?>
 <p:sld xmlns:a="http://schemas.openxmlformats.org/drawingml/2006/main" xmlns:r="http://schemas.openxmlformats.org/officeDocument/2006/relationships" xmlns:p="http://schemas.openxmlformats.org/presentationml/2006/main">
   <p:cSld>
     <p:spTree>
@@ -20259,7 +20381,7 @@
 </p:sld>
 </file>
 
-<file path=ppt/slides/slide27.xml><?xml version="1.0" encoding="utf-8"?>
+<file path=ppt/slides/slide28.xml><?xml version="1.0" encoding="utf-8"?>
 <p:sld xmlns:a="http://schemas.openxmlformats.org/drawingml/2006/main" xmlns:r="http://schemas.openxmlformats.org/officeDocument/2006/relationships" xmlns:p="http://schemas.openxmlformats.org/presentationml/2006/main">
   <p:cSld>
     <p:spTree>
@@ -21114,7 +21236,7 @@
 </p:sld>
 </file>
 
-<file path=ppt/slides/slide28.xml><?xml version="1.0" encoding="utf-8"?>
+<file path=ppt/slides/slide29.xml><?xml version="1.0" encoding="utf-8"?>
 <p:sld xmlns:a="http://schemas.openxmlformats.org/drawingml/2006/main" xmlns:r="http://schemas.openxmlformats.org/officeDocument/2006/relationships" xmlns:p="http://schemas.openxmlformats.org/presentationml/2006/main">
   <p:cSld>
     <p:spTree>
@@ -22086,7 +22208,87 @@
 </p:sld>
 </file>
 
-<file path=ppt/slides/slide29.xml><?xml version="1.0" encoding="utf-8"?>
+<file path=ppt/slides/slide3.xml><?xml version="1.0" encoding="utf-8"?>
+<p:sld xmlns:a="http://schemas.openxmlformats.org/drawingml/2006/main" xmlns:r="http://schemas.openxmlformats.org/officeDocument/2006/relationships" xmlns:p="http://schemas.openxmlformats.org/presentationml/2006/main">
+  <p:cSld>
+    <p:spTree>
+      <p:nvGrpSpPr>
+        <p:cNvPr id="1" name=""/>
+        <p:cNvGrpSpPr/>
+        <p:nvPr/>
+      </p:nvGrpSpPr>
+      <p:grpSpPr>
+        <a:xfrm>
+          <a:off x="0" y="0"/>
+          <a:ext cx="0" cy="0"/>
+          <a:chOff x="0" y="0"/>
+          <a:chExt cx="0" cy="0"/>
+        </a:xfrm>
+      </p:grpSpPr>
+      <p:sp>
+        <p:nvSpPr>
+          <p:cNvPr id="3" name="TextBox 2"/>
+          <p:cNvSpPr txBox="1"/>
+          <p:nvPr/>
+        </p:nvSpPr>
+        <p:spPr>
+          <a:xfrm>
+            <a:off x="2581836" y="2357719"/>
+            <a:ext cx="8086163" cy="523220"/>
+          </a:xfrm>
+          <a:prstGeom prst="rect">
+            <a:avLst/>
+          </a:prstGeom>
+          <a:noFill/>
+        </p:spPr>
+        <p:txBody>
+          <a:bodyPr wrap="square" rtlCol="0">
+            <a:spAutoFit/>
+          </a:bodyPr>
+          <a:lstStyle/>
+          <a:p>
+            <a:r>
+              <a:rPr lang="en-US" sz="2800" b="1" dirty="0" smtClean="0">
+                <a:latin typeface="Times New Roman" panose="02020603050405020304" pitchFamily="18" charset="0"/>
+                <a:cs typeface="Times New Roman" panose="02020603050405020304" pitchFamily="18" charset="0"/>
+              </a:rPr>
+              <a:t> Basic Knowledges of ∆E1-</a:t>
+            </a:r>
+            <a:r>
+              <a:rPr lang="en-US" sz="2800" b="1" dirty="0">
+                <a:latin typeface="Times New Roman" panose="02020603050405020304" pitchFamily="18" charset="0"/>
+                <a:cs typeface="Times New Roman" panose="02020603050405020304" pitchFamily="18" charset="0"/>
+              </a:rPr>
+              <a:t> ∆</a:t>
+            </a:r>
+            <a:r>
+              <a:rPr lang="en-US" sz="2800" b="1" dirty="0" smtClean="0">
+                <a:latin typeface="Times New Roman" panose="02020603050405020304" pitchFamily="18" charset="0"/>
+                <a:cs typeface="Times New Roman" panose="02020603050405020304" pitchFamily="18" charset="0"/>
+              </a:rPr>
+              <a:t>E2-E Detector</a:t>
+            </a:r>
+            <a:endParaRPr lang="en-US" sz="2800" b="1" dirty="0">
+              <a:latin typeface="Times New Roman" panose="02020603050405020304" pitchFamily="18" charset="0"/>
+              <a:cs typeface="Times New Roman" panose="02020603050405020304" pitchFamily="18" charset="0"/>
+            </a:endParaRPr>
+          </a:p>
+        </p:txBody>
+      </p:sp>
+    </p:spTree>
+    <p:extLst>
+      <p:ext uri="{BB962C8B-B14F-4D97-AF65-F5344CB8AC3E}">
+        <p14:creationId xmlns:p14="http://schemas.microsoft.com/office/powerpoint/2010/main" val="206238080"/>
+      </p:ext>
+    </p:extLst>
+  </p:cSld>
+  <p:clrMapOvr>
+    <a:masterClrMapping/>
+  </p:clrMapOvr>
+</p:sld>
+</file>
+
+<file path=ppt/slides/slide30.xml><?xml version="1.0" encoding="utf-8"?>
 <p:sld xmlns:a="http://schemas.openxmlformats.org/drawingml/2006/main" xmlns:r="http://schemas.openxmlformats.org/officeDocument/2006/relationships" xmlns:p="http://schemas.openxmlformats.org/presentationml/2006/main">
   <p:cSld>
     <p:spTree>
@@ -22713,87 +22915,7 @@
 </p:sld>
 </file>
 
-<file path=ppt/slides/slide3.xml><?xml version="1.0" encoding="utf-8"?>
-<p:sld xmlns:a="http://schemas.openxmlformats.org/drawingml/2006/main" xmlns:r="http://schemas.openxmlformats.org/officeDocument/2006/relationships" xmlns:p="http://schemas.openxmlformats.org/presentationml/2006/main">
-  <p:cSld>
-    <p:spTree>
-      <p:nvGrpSpPr>
-        <p:cNvPr id="1" name=""/>
-        <p:cNvGrpSpPr/>
-        <p:nvPr/>
-      </p:nvGrpSpPr>
-      <p:grpSpPr>
-        <a:xfrm>
-          <a:off x="0" y="0"/>
-          <a:ext cx="0" cy="0"/>
-          <a:chOff x="0" y="0"/>
-          <a:chExt cx="0" cy="0"/>
-        </a:xfrm>
-      </p:grpSpPr>
-      <p:sp>
-        <p:nvSpPr>
-          <p:cNvPr id="3" name="TextBox 2"/>
-          <p:cNvSpPr txBox="1"/>
-          <p:nvPr/>
-        </p:nvSpPr>
-        <p:spPr>
-          <a:xfrm>
-            <a:off x="2581836" y="2357719"/>
-            <a:ext cx="8086163" cy="523220"/>
-          </a:xfrm>
-          <a:prstGeom prst="rect">
-            <a:avLst/>
-          </a:prstGeom>
-          <a:noFill/>
-        </p:spPr>
-        <p:txBody>
-          <a:bodyPr wrap="square" rtlCol="0">
-            <a:spAutoFit/>
-          </a:bodyPr>
-          <a:lstStyle/>
-          <a:p>
-            <a:r>
-              <a:rPr lang="en-US" sz="2800" b="1" dirty="0" smtClean="0">
-                <a:latin typeface="Times New Roman" panose="02020603050405020304" pitchFamily="18" charset="0"/>
-                <a:cs typeface="Times New Roman" panose="02020603050405020304" pitchFamily="18" charset="0"/>
-              </a:rPr>
-              <a:t> Basic Knowledges of ∆E1-</a:t>
-            </a:r>
-            <a:r>
-              <a:rPr lang="en-US" sz="2800" b="1" dirty="0">
-                <a:latin typeface="Times New Roman" panose="02020603050405020304" pitchFamily="18" charset="0"/>
-                <a:cs typeface="Times New Roman" panose="02020603050405020304" pitchFamily="18" charset="0"/>
-              </a:rPr>
-              <a:t> ∆</a:t>
-            </a:r>
-            <a:r>
-              <a:rPr lang="en-US" sz="2800" b="1" dirty="0" smtClean="0">
-                <a:latin typeface="Times New Roman" panose="02020603050405020304" pitchFamily="18" charset="0"/>
-                <a:cs typeface="Times New Roman" panose="02020603050405020304" pitchFamily="18" charset="0"/>
-              </a:rPr>
-              <a:t>E2-E Detector</a:t>
-            </a:r>
-            <a:endParaRPr lang="en-US" sz="2800" b="1" dirty="0">
-              <a:latin typeface="Times New Roman" panose="02020603050405020304" pitchFamily="18" charset="0"/>
-              <a:cs typeface="Times New Roman" panose="02020603050405020304" pitchFamily="18" charset="0"/>
-            </a:endParaRPr>
-          </a:p>
-        </p:txBody>
-      </p:sp>
-    </p:spTree>
-    <p:extLst>
-      <p:ext uri="{BB962C8B-B14F-4D97-AF65-F5344CB8AC3E}">
-        <p14:creationId xmlns:p14="http://schemas.microsoft.com/office/powerpoint/2010/main" val="206238080"/>
-      </p:ext>
-    </p:extLst>
-  </p:cSld>
-  <p:clrMapOvr>
-    <a:masterClrMapping/>
-  </p:clrMapOvr>
-</p:sld>
-</file>
-
-<file path=ppt/slides/slide30.xml><?xml version="1.0" encoding="utf-8"?>
+<file path=ppt/slides/slide31.xml><?xml version="1.0" encoding="utf-8"?>
 <p:sld xmlns:a="http://schemas.openxmlformats.org/drawingml/2006/main" xmlns:r="http://schemas.openxmlformats.org/officeDocument/2006/relationships" xmlns:p="http://schemas.openxmlformats.org/presentationml/2006/main">
   <p:cSld>
     <p:spTree>
@@ -23282,7 +23404,7 @@
 </p:sld>
 </file>
 
-<file path=ppt/slides/slide31.xml><?xml version="1.0" encoding="utf-8"?>
+<file path=ppt/slides/slide32.xml><?xml version="1.0" encoding="utf-8"?>
 <p:sld xmlns:a="http://schemas.openxmlformats.org/drawingml/2006/main" xmlns:r="http://schemas.openxmlformats.org/officeDocument/2006/relationships" xmlns:p="http://schemas.openxmlformats.org/presentationml/2006/main">
   <p:cSld>
     <p:spTree>
@@ -23484,7 +23606,7 @@
 </p:sld>
 </file>
 
-<file path=ppt/slides/slide32.xml><?xml version="1.0" encoding="utf-8"?>
+<file path=ppt/slides/slide33.xml><?xml version="1.0" encoding="utf-8"?>
 <p:sld xmlns:a="http://schemas.openxmlformats.org/drawingml/2006/main" xmlns:r="http://schemas.openxmlformats.org/officeDocument/2006/relationships" xmlns:p="http://schemas.openxmlformats.org/presentationml/2006/main">
   <p:cSld>
     <p:spTree>
@@ -23835,7 +23957,7 @@
 </p:sld>
 </file>
 
-<file path=ppt/slides/slide33.xml><?xml version="1.0" encoding="utf-8"?>
+<file path=ppt/slides/slide34.xml><?xml version="1.0" encoding="utf-8"?>
 <p:sld xmlns:a="http://schemas.openxmlformats.org/drawingml/2006/main" xmlns:r="http://schemas.openxmlformats.org/officeDocument/2006/relationships" xmlns:p="http://schemas.openxmlformats.org/presentationml/2006/main">
   <p:cSld>
     <p:spTree>
@@ -24229,7 +24351,7 @@
 </p:sld>
 </file>
 
-<file path=ppt/slides/slide34.xml><?xml version="1.0" encoding="utf-8"?>
+<file path=ppt/slides/slide35.xml><?xml version="1.0" encoding="utf-8"?>
 <p:sld xmlns:a="http://schemas.openxmlformats.org/drawingml/2006/main" xmlns:r="http://schemas.openxmlformats.org/officeDocument/2006/relationships" xmlns:p="http://schemas.openxmlformats.org/presentationml/2006/main">
   <p:cSld>
     <p:spTree>
@@ -24259,7 +24381,7 @@
 </p:sld>
 </file>
 
-<file path=ppt/slides/slide35.xml><?xml version="1.0" encoding="utf-8"?>
+<file path=ppt/slides/slide36.xml><?xml version="1.0" encoding="utf-8"?>
 <p:sld xmlns:a="http://schemas.openxmlformats.org/drawingml/2006/main" xmlns:r="http://schemas.openxmlformats.org/officeDocument/2006/relationships" xmlns:p="http://schemas.openxmlformats.org/presentationml/2006/main">
   <p:cSld>
     <p:spTree>
@@ -24284,7 +24406,7 @@
         </p:nvSpPr>
         <p:spPr>
           <a:xfrm>
-            <a:off x="4764505" y="2414337"/>
+            <a:off x="4203031" y="713874"/>
             <a:ext cx="2261937" cy="584775"/>
           </a:xfrm>
           <a:prstGeom prst="rect">
@@ -24303,6 +24425,208 @@
               <a:t>闪烁探测器</a:t>
             </a:r>
             <a:endParaRPr lang="zh-CN" altLang="en-US" sz="3200" b="1" dirty="0"/>
+          </a:p>
+        </p:txBody>
+      </p:sp>
+      <p:sp>
+        <p:nvSpPr>
+          <p:cNvPr id="4" name="Rectangle 1"/>
+          <p:cNvSpPr/>
+          <p:nvPr/>
+        </p:nvSpPr>
+        <p:spPr>
+          <a:xfrm>
+            <a:off x="285181" y="1561220"/>
+            <a:ext cx="10097636" cy="584775"/>
+          </a:xfrm>
+          <a:prstGeom prst="rect">
+            <a:avLst/>
+          </a:prstGeom>
+        </p:spPr>
+        <p:txBody>
+          <a:bodyPr wrap="none">
+            <a:spAutoFit/>
+          </a:bodyPr>
+          <a:lstStyle/>
+          <a:p>
+            <a:r>
+              <a:rPr lang="en-US" sz="1600" b="1" dirty="0" smtClean="0"/>
+              <a:t>● </a:t>
+            </a:r>
+            <a:r>
+              <a:rPr lang="zh-CN" altLang="en-US" sz="1600" b="1" dirty="0"/>
+              <a:t>无机</a:t>
+            </a:r>
+            <a:r>
+              <a:rPr lang="zh-CN" altLang="en-US" sz="1600" b="1" dirty="0" smtClean="0"/>
+              <a:t>闪烁体：</a:t>
+            </a:r>
+            <a:r>
+              <a:rPr lang="zh-CN" altLang="en-US" sz="1600" dirty="0" smtClean="0"/>
+              <a:t>主要用于</a:t>
+            </a:r>
+            <a:r>
+              <a:rPr lang="zh-CN" altLang="en-US" sz="1600" dirty="0" smtClean="0">
+                <a:solidFill>
+                  <a:srgbClr val="FF0000"/>
+                </a:solidFill>
+              </a:rPr>
+              <a:t>能量测量</a:t>
+            </a:r>
+            <a:r>
+              <a:rPr lang="zh-CN" altLang="en-US" sz="1600" dirty="0" smtClean="0"/>
+              <a:t>。原因：密度大，能量分辨较好。发光衰减时间长</a:t>
+            </a:r>
+            <a:r>
+              <a:rPr lang="en-US" altLang="zh-CN" sz="1600" dirty="0" smtClean="0"/>
+              <a:t>(~</a:t>
+            </a:r>
+            <a:r>
+              <a:rPr lang="zh-CN" altLang="en-US" sz="1600" dirty="0" smtClean="0"/>
+              <a:t>百纳秒</a:t>
+            </a:r>
+            <a:r>
+              <a:rPr lang="en-US" altLang="zh-CN" sz="1600" dirty="0" smtClean="0"/>
+              <a:t>)</a:t>
+            </a:r>
+            <a:r>
+              <a:rPr lang="zh-CN" altLang="en-US" sz="1600" dirty="0" smtClean="0"/>
+              <a:t>，光脉冲较宽。</a:t>
+            </a:r>
+            <a:endParaRPr lang="en-US" altLang="zh-CN" sz="1600" dirty="0" smtClean="0"/>
+          </a:p>
+          <a:p>
+            <a:endParaRPr lang="en-US" sz="1600" dirty="0"/>
+          </a:p>
+        </p:txBody>
+      </p:sp>
+      <p:sp>
+        <p:nvSpPr>
+          <p:cNvPr id="5" name="Rectangle 1"/>
+          <p:cNvSpPr/>
+          <p:nvPr/>
+        </p:nvSpPr>
+        <p:spPr>
+          <a:xfrm>
+            <a:off x="285181" y="2124182"/>
+            <a:ext cx="10220490" cy="338554"/>
+          </a:xfrm>
+          <a:prstGeom prst="rect">
+            <a:avLst/>
+          </a:prstGeom>
+        </p:spPr>
+        <p:txBody>
+          <a:bodyPr wrap="none">
+            <a:spAutoFit/>
+          </a:bodyPr>
+          <a:lstStyle/>
+          <a:p>
+            <a:r>
+              <a:rPr lang="en-US" sz="1600" b="1" dirty="0" smtClean="0"/>
+              <a:t>● </a:t>
+            </a:r>
+            <a:r>
+              <a:rPr lang="zh-CN" altLang="en-US" sz="1600" b="1" dirty="0" smtClean="0"/>
+              <a:t>有</a:t>
+            </a:r>
+            <a:r>
+              <a:rPr lang="zh-CN" altLang="en-US" sz="1600" b="1" dirty="0" smtClean="0"/>
+              <a:t>机闪烁体：</a:t>
+            </a:r>
+            <a:r>
+              <a:rPr lang="zh-CN" altLang="en-US" sz="1600" dirty="0" smtClean="0"/>
+              <a:t>主要用于</a:t>
+            </a:r>
+            <a:r>
+              <a:rPr lang="zh-CN" altLang="en-US" sz="1600" dirty="0" smtClean="0">
+                <a:solidFill>
+                  <a:srgbClr val="FF0000"/>
+                </a:solidFill>
+              </a:rPr>
+              <a:t>时间测量</a:t>
+            </a:r>
+            <a:r>
+              <a:rPr lang="zh-CN" altLang="en-US" sz="1600" dirty="0" smtClean="0"/>
+              <a:t>。发光衰减时间短</a:t>
+            </a:r>
+            <a:r>
+              <a:rPr lang="en-US" altLang="zh-CN" sz="1600" dirty="0" smtClean="0"/>
+              <a:t>(3~5ns)</a:t>
+            </a:r>
+            <a:r>
+              <a:rPr lang="zh-CN" altLang="en-US" sz="1600" dirty="0" smtClean="0"/>
+              <a:t>，材质较轻，对</a:t>
+            </a:r>
+            <a:r>
+              <a:rPr lang="en-US" altLang="zh-CN" sz="1600" dirty="0" smtClean="0"/>
+              <a:t>gamma</a:t>
+            </a:r>
+            <a:r>
+              <a:rPr lang="zh-CN" altLang="en-US" sz="1600" dirty="0" smtClean="0"/>
+              <a:t>不能全吸收，</a:t>
+            </a:r>
+            <a:r>
+              <a:rPr lang="zh-CN" altLang="en-US" sz="1600" b="1" dirty="0" smtClean="0">
+                <a:solidFill>
+                  <a:srgbClr val="FF0000"/>
+                </a:solidFill>
+              </a:rPr>
+              <a:t>主能测量计数。</a:t>
+            </a:r>
+            <a:endParaRPr lang="en-US" sz="1600" b="1" dirty="0">
+              <a:solidFill>
+                <a:srgbClr val="FF0000"/>
+              </a:solidFill>
+            </a:endParaRPr>
+          </a:p>
+        </p:txBody>
+      </p:sp>
+      <p:sp>
+        <p:nvSpPr>
+          <p:cNvPr id="6" name="Rectangle 1"/>
+          <p:cNvSpPr/>
+          <p:nvPr/>
+        </p:nvSpPr>
+        <p:spPr>
+          <a:xfrm>
+            <a:off x="285181" y="2686582"/>
+            <a:ext cx="7165744" cy="338554"/>
+          </a:xfrm>
+          <a:prstGeom prst="rect">
+            <a:avLst/>
+          </a:prstGeom>
+        </p:spPr>
+        <p:txBody>
+          <a:bodyPr wrap="none">
+            <a:spAutoFit/>
+          </a:bodyPr>
+          <a:lstStyle/>
+          <a:p>
+            <a:r>
+              <a:rPr lang="en-US" sz="1600" b="1" dirty="0" smtClean="0"/>
+              <a:t>● </a:t>
+            </a:r>
+            <a:r>
+              <a:rPr lang="zh-CN" altLang="en-US" sz="1600" b="1" dirty="0" smtClean="0"/>
+              <a:t>荧光和磷光的区别：</a:t>
+            </a:r>
+            <a:r>
+              <a:rPr lang="zh-CN" altLang="en-US" sz="1600" dirty="0" smtClean="0"/>
+              <a:t>荧光发光时间在</a:t>
+            </a:r>
+            <a:r>
+              <a:rPr lang="en-US" altLang="zh-CN" sz="1600" dirty="0" smtClean="0"/>
+              <a:t>10ns</a:t>
+            </a:r>
+            <a:r>
+              <a:rPr lang="zh-CN" altLang="en-US" sz="1600" dirty="0" smtClean="0"/>
+              <a:t>以内，磷光发光时间比荧光长得多</a:t>
+            </a:r>
+            <a:endParaRPr lang="en-US" sz="1600" dirty="0">
+              <a:solidFill>
+                <a:srgbClr val="FF0000"/>
+              </a:solidFill>
+            </a:endParaRPr>
           </a:p>
         </p:txBody>
       </p:sp>
@@ -24319,7 +24643,7 @@
 </p:sld>
 </file>
 
-<file path=ppt/slides/slide36.xml><?xml version="1.0" encoding="utf-8"?>
+<file path=ppt/slides/slide37.xml><?xml version="1.0" encoding="utf-8"?>
 <p:sld xmlns:a="http://schemas.openxmlformats.org/drawingml/2006/main" xmlns:r="http://schemas.openxmlformats.org/officeDocument/2006/relationships" xmlns:p="http://schemas.openxmlformats.org/presentationml/2006/main">
   <p:cSld>
     <p:spTree>
@@ -25107,278 +25431,6 @@
 </p:sld>
 </file>
 
-<file path=ppt/slides/slide37.xml><?xml version="1.0" encoding="utf-8"?>
-<p:sld xmlns:a="http://schemas.openxmlformats.org/drawingml/2006/main" xmlns:r="http://schemas.openxmlformats.org/officeDocument/2006/relationships" xmlns:p="http://schemas.openxmlformats.org/presentationml/2006/main">
-  <p:cSld>
-    <p:spTree>
-      <p:nvGrpSpPr>
-        <p:cNvPr id="1" name=""/>
-        <p:cNvGrpSpPr/>
-        <p:nvPr/>
-      </p:nvGrpSpPr>
-      <p:grpSpPr>
-        <a:xfrm>
-          <a:off x="0" y="0"/>
-          <a:ext cx="0" cy="0"/>
-          <a:chOff x="0" y="0"/>
-          <a:chExt cx="0" cy="0"/>
-        </a:xfrm>
-      </p:grpSpPr>
-      <p:sp>
-        <p:nvSpPr>
-          <p:cNvPr id="5" name="Rectangle 1"/>
-          <p:cNvSpPr/>
-          <p:nvPr/>
-        </p:nvSpPr>
-        <p:spPr>
-          <a:xfrm>
-            <a:off x="301488" y="379784"/>
-            <a:ext cx="8909042" cy="830997"/>
-          </a:xfrm>
-          <a:prstGeom prst="rect">
-            <a:avLst/>
-          </a:prstGeom>
-        </p:spPr>
-        <p:txBody>
-          <a:bodyPr wrap="none">
-            <a:spAutoFit/>
-          </a:bodyPr>
-          <a:lstStyle/>
-          <a:p>
-            <a:r>
-              <a:rPr lang="en-US" sz="1600" b="1" dirty="0" smtClean="0"/>
-              <a:t>● </a:t>
-            </a:r>
-            <a:r>
-              <a:rPr lang="zh-CN" altLang="en-US" sz="1600" b="1" dirty="0" smtClean="0">
-                <a:solidFill>
-                  <a:srgbClr val="FF0000"/>
-                </a:solidFill>
-              </a:rPr>
-              <a:t>能量分辨是无机闪烁体的主要性能</a:t>
-            </a:r>
-            <a:r>
-              <a:rPr lang="zh-CN" altLang="en-US" sz="1600" dirty="0" smtClean="0"/>
-              <a:t>。在低能粒子探测中，</a:t>
-            </a:r>
-            <a:r>
-              <a:rPr lang="en-US" altLang="zh-CN" sz="1600" dirty="0" err="1" smtClean="0"/>
-              <a:t>NaI</a:t>
-            </a:r>
-            <a:r>
-              <a:rPr lang="en-US" altLang="zh-CN" sz="1600" dirty="0" smtClean="0"/>
-              <a:t>(Tl), </a:t>
-            </a:r>
-            <a:r>
-              <a:rPr lang="en-US" altLang="zh-CN" sz="1600" dirty="0" err="1" smtClean="0"/>
-              <a:t>CsI</a:t>
-            </a:r>
-            <a:r>
-              <a:rPr lang="en-US" altLang="zh-CN" sz="1600" dirty="0" smtClean="0"/>
-              <a:t>(Tl)</a:t>
-            </a:r>
-            <a:r>
-              <a:rPr lang="zh-CN" altLang="en-US" sz="1600" dirty="0" smtClean="0"/>
-              <a:t>对</a:t>
-            </a:r>
-            <a:r>
-              <a:rPr lang="en-US" altLang="zh-CN" sz="1600" dirty="0" smtClean="0"/>
-              <a:t>Cs137</a:t>
-            </a:r>
-            <a:r>
-              <a:rPr lang="zh-CN" altLang="en-US" sz="1600" dirty="0" smtClean="0"/>
-              <a:t>的</a:t>
-            </a:r>
-            <a:r>
-              <a:rPr lang="en-US" altLang="zh-CN" sz="1600" dirty="0" smtClean="0"/>
-              <a:t>662keV gamma </a:t>
-            </a:r>
-          </a:p>
-          <a:p>
-            <a:r>
-              <a:rPr lang="en-US" altLang="zh-CN" sz="1600" dirty="0"/>
-              <a:t> </a:t>
-            </a:r>
-            <a:r>
-              <a:rPr lang="en-US" altLang="zh-CN" sz="1600" dirty="0" smtClean="0"/>
-              <a:t>   </a:t>
-            </a:r>
-            <a:r>
-              <a:rPr lang="zh-CN" altLang="en-US" sz="1600" dirty="0" smtClean="0"/>
-              <a:t>射线的分辨率</a:t>
-            </a:r>
-            <a:r>
-              <a:rPr lang="en-US" altLang="zh-CN" sz="1600" dirty="0" smtClean="0"/>
-              <a:t>&lt;4%</a:t>
-            </a:r>
-          </a:p>
-          <a:p>
-            <a:r>
-              <a:rPr lang="en-US" sz="1600" dirty="0"/>
-              <a:t> </a:t>
-            </a:r>
-            <a:r>
-              <a:rPr lang="en-US" sz="1600" dirty="0" smtClean="0"/>
-              <a:t>   </a:t>
-            </a:r>
-            <a:endParaRPr lang="en-US" sz="1600" dirty="0"/>
-          </a:p>
-        </p:txBody>
-      </p:sp>
-      <p:sp>
-        <p:nvSpPr>
-          <p:cNvPr id="6" name="Rectangle 1"/>
-          <p:cNvSpPr/>
-          <p:nvPr/>
-        </p:nvSpPr>
-        <p:spPr>
-          <a:xfrm>
-            <a:off x="301488" y="1093658"/>
-            <a:ext cx="9937079" cy="1323439"/>
-          </a:xfrm>
-          <a:prstGeom prst="rect">
-            <a:avLst/>
-          </a:prstGeom>
-        </p:spPr>
-        <p:txBody>
-          <a:bodyPr wrap="none">
-            <a:spAutoFit/>
-          </a:bodyPr>
-          <a:lstStyle/>
-          <a:p>
-            <a:r>
-              <a:rPr lang="en-US" sz="1600" b="1" dirty="0" smtClean="0"/>
-              <a:t>● </a:t>
-            </a:r>
-            <a:r>
-              <a:rPr lang="zh-CN" altLang="en-US" sz="1600" b="1" dirty="0" smtClean="0">
-                <a:solidFill>
-                  <a:srgbClr val="FF0000"/>
-                </a:solidFill>
-              </a:rPr>
-              <a:t>闪烁体的能量线性</a:t>
-            </a:r>
-            <a:endParaRPr lang="en-US" altLang="zh-CN" sz="1600" b="1" dirty="0" smtClean="0">
-              <a:solidFill>
-                <a:srgbClr val="FF0000"/>
-              </a:solidFill>
-            </a:endParaRPr>
-          </a:p>
-          <a:p>
-            <a:r>
-              <a:rPr lang="en-US" sz="1600" dirty="0"/>
-              <a:t> </a:t>
-            </a:r>
-            <a:r>
-              <a:rPr lang="en-US" sz="1600" dirty="0" smtClean="0"/>
-              <a:t>   (1) </a:t>
-            </a:r>
-            <a:r>
-              <a:rPr lang="zh-CN" altLang="en-US" sz="1600" dirty="0" smtClean="0"/>
-              <a:t>一般情况下，闪烁体的光输出与沉积能量呈线性关系。但由于</a:t>
-            </a:r>
-            <a:r>
-              <a:rPr lang="en-US" altLang="zh-CN" sz="1600" dirty="0" smtClean="0"/>
-              <a:t>quenching effect &amp;&amp; saturation effect</a:t>
-            </a:r>
-            <a:r>
-              <a:rPr lang="zh-CN" altLang="en-US" sz="1600" dirty="0" smtClean="0"/>
-              <a:t>的存在</a:t>
-            </a:r>
-            <a:endParaRPr lang="en-US" altLang="zh-CN" sz="1600" dirty="0" smtClean="0"/>
-          </a:p>
-          <a:p>
-            <a:r>
-              <a:rPr lang="en-US" sz="1600" dirty="0"/>
-              <a:t> </a:t>
-            </a:r>
-            <a:r>
-              <a:rPr lang="en-US" sz="1600" dirty="0" smtClean="0"/>
-              <a:t>          </a:t>
-            </a:r>
-            <a:r>
-              <a:rPr lang="zh-CN" altLang="en-US" sz="1600" dirty="0" smtClean="0"/>
-              <a:t>使得光响应出现非线性。</a:t>
-            </a:r>
-            <a:endParaRPr lang="en-US" altLang="zh-CN" sz="1600" dirty="0" smtClean="0"/>
-          </a:p>
-          <a:p>
-            <a:r>
-              <a:rPr lang="en-US" sz="1600" dirty="0"/>
-              <a:t> </a:t>
-            </a:r>
-            <a:r>
-              <a:rPr lang="en-US" sz="1600" dirty="0" smtClean="0"/>
-              <a:t>   (2) Quenching effect </a:t>
-            </a:r>
-            <a:r>
-              <a:rPr lang="zh-CN" altLang="en-US" sz="1600" dirty="0" smtClean="0"/>
-              <a:t>主要发生在重离子的低能端。</a:t>
-            </a:r>
-            <a:endParaRPr lang="en-US" altLang="zh-CN" sz="1600" dirty="0" smtClean="0"/>
-          </a:p>
-          <a:p>
-            <a:r>
-              <a:rPr lang="en-US" sz="1600" dirty="0"/>
-              <a:t> </a:t>
-            </a:r>
-            <a:r>
-              <a:rPr lang="en-US" sz="1600" dirty="0" smtClean="0"/>
-              <a:t>   (3) Saturation effect </a:t>
-            </a:r>
-            <a:r>
-              <a:rPr lang="zh-CN" altLang="en-US" sz="1600" dirty="0" smtClean="0"/>
-              <a:t>只要发生在</a:t>
-            </a:r>
-            <a:r>
-              <a:rPr lang="en-US" altLang="zh-CN" sz="1600" dirty="0" err="1" smtClean="0"/>
-              <a:t>p,d,t</a:t>
-            </a:r>
-            <a:r>
-              <a:rPr lang="zh-CN" altLang="en-US" sz="1600" dirty="0" smtClean="0"/>
-              <a:t>的高能端</a:t>
-            </a:r>
-            <a:endParaRPr lang="en-US" sz="1600" dirty="0"/>
-          </a:p>
-        </p:txBody>
-      </p:sp>
-      <p:pic>
-        <p:nvPicPr>
-          <p:cNvPr id="7" name="Picture 10"/>
-          <p:cNvPicPr>
-            <a:picLocks noChangeAspect="1"/>
-          </p:cNvPicPr>
-          <p:nvPr/>
-        </p:nvPicPr>
-        <p:blipFill>
-          <a:blip r:embed="rId2"/>
-          <a:stretch>
-            <a:fillRect/>
-          </a:stretch>
-        </p:blipFill>
-        <p:spPr>
-          <a:xfrm>
-            <a:off x="7596215" y="2439731"/>
-            <a:ext cx="3800475" cy="2990850"/>
-          </a:xfrm>
-          <a:prstGeom prst="rect">
-            <a:avLst/>
-          </a:prstGeom>
-        </p:spPr>
-      </p:pic>
-    </p:spTree>
-    <p:extLst>
-      <p:ext uri="{BB962C8B-B14F-4D97-AF65-F5344CB8AC3E}">
-        <p14:creationId xmlns:p14="http://schemas.microsoft.com/office/powerpoint/2010/main" val="3110426716"/>
-      </p:ext>
-    </p:extLst>
-  </p:cSld>
-  <p:clrMapOvr>
-    <a:masterClrMapping/>
-  </p:clrMapOvr>
-</p:sld>
-</file>
-
 <file path=ppt/slides/slide38.xml><?xml version="1.0" encoding="utf-8"?>
 <p:sld xmlns:a="http://schemas.openxmlformats.org/drawingml/2006/main" xmlns:r="http://schemas.openxmlformats.org/officeDocument/2006/relationships" xmlns:p="http://schemas.openxmlformats.org/presentationml/2006/main">
   <p:cSld>
@@ -25398,60 +25450,14 @@
       </p:grpSpPr>
       <p:sp>
         <p:nvSpPr>
-          <p:cNvPr id="3" name="文本框 2"/>
-          <p:cNvSpPr txBox="1"/>
-          <p:nvPr/>
-        </p:nvSpPr>
-        <p:spPr>
-          <a:xfrm>
-            <a:off x="80210" y="144379"/>
-            <a:ext cx="1973179" cy="369332"/>
-          </a:xfrm>
-          <a:prstGeom prst="rect">
-            <a:avLst/>
-          </a:prstGeom>
-          <a:noFill/>
-        </p:spPr>
-        <p:txBody>
-          <a:bodyPr wrap="square" rtlCol="0">
-            <a:spAutoFit/>
-          </a:bodyPr>
-          <a:lstStyle/>
-          <a:p>
-            <a:r>
-              <a:rPr lang="zh-CN" altLang="en-US" b="1" u="sng" dirty="0">
-                <a:solidFill>
-                  <a:srgbClr val="00B050"/>
-                </a:solidFill>
-              </a:rPr>
-              <a:t>有</a:t>
-            </a:r>
-            <a:r>
-              <a:rPr lang="zh-CN" altLang="en-US" b="1" u="sng" dirty="0" smtClean="0">
-                <a:solidFill>
-                  <a:srgbClr val="00B050"/>
-                </a:solidFill>
-              </a:rPr>
-              <a:t>机闪烁体</a:t>
-            </a:r>
-            <a:endParaRPr lang="zh-CN" altLang="en-US" b="1" u="sng" dirty="0">
-              <a:solidFill>
-                <a:srgbClr val="00B050"/>
-              </a:solidFill>
-            </a:endParaRPr>
-          </a:p>
-        </p:txBody>
-      </p:sp>
-      <p:sp>
-        <p:nvSpPr>
-          <p:cNvPr id="4" name="Rectangle 1"/>
+          <p:cNvPr id="2" name="Rectangle 1"/>
           <p:cNvSpPr/>
           <p:nvPr/>
         </p:nvSpPr>
         <p:spPr>
           <a:xfrm>
-            <a:off x="77852" y="748210"/>
-            <a:ext cx="10208244" cy="338554"/>
+            <a:off x="61733" y="163799"/>
+            <a:ext cx="2406428" cy="338554"/>
           </a:xfrm>
           <a:prstGeom prst="rect">
             <a:avLst/>
@@ -25463,190 +25469,201 @@
           </a:bodyPr>
           <a:lstStyle/>
           <a:p>
-            <a:pPr algn="r"/>
             <a:r>
               <a:rPr lang="en-US" sz="1600" b="1" dirty="0" smtClean="0"/>
               <a:t>● </a:t>
             </a:r>
             <a:r>
               <a:rPr lang="zh-CN" altLang="en-US" sz="1600" dirty="0" smtClean="0"/>
-              <a:t>有机闪烁体包括：</a:t>
-            </a:r>
-            <a:r>
-              <a:rPr lang="zh-CN" altLang="en-US" sz="1600" b="1" dirty="0" smtClean="0">
-                <a:solidFill>
-                  <a:srgbClr val="FF0000"/>
-                </a:solidFill>
-              </a:rPr>
-              <a:t>有机晶体</a:t>
+              <a:t>无机闪烁体</a:t>
             </a:r>
             <a:r>
               <a:rPr lang="zh-CN" altLang="en-US" sz="1600" dirty="0" smtClean="0"/>
-              <a:t>，</a:t>
-            </a:r>
-            <a:r>
-              <a:rPr lang="zh-CN" altLang="en-US" sz="1600" b="1" dirty="0" smtClean="0">
-                <a:solidFill>
-                  <a:srgbClr val="FF0000"/>
-                </a:solidFill>
-              </a:rPr>
-              <a:t>有机闪烁液体</a:t>
+              <a:t>的</a:t>
             </a:r>
             <a:r>
               <a:rPr lang="zh-CN" altLang="en-US" sz="1600" dirty="0" smtClean="0"/>
-              <a:t>，</a:t>
-            </a:r>
-            <a:r>
-              <a:rPr lang="zh-CN" altLang="en-US" sz="1600" b="1" dirty="0" smtClean="0">
-                <a:solidFill>
-                  <a:srgbClr val="FF0000"/>
-                </a:solidFill>
-              </a:rPr>
-              <a:t>塑料闪烁体</a:t>
-            </a:r>
-            <a:r>
-              <a:rPr lang="zh-CN" altLang="en-US" sz="1600" dirty="0" smtClean="0"/>
-              <a:t>。发射荧光波长</a:t>
-            </a:r>
-            <a:r>
-              <a:rPr lang="en-US" altLang="zh-CN" sz="1600" dirty="0" smtClean="0"/>
-              <a:t>350-500nm</a:t>
-            </a:r>
-            <a:r>
-              <a:rPr lang="zh-CN" altLang="en-US" sz="1600" dirty="0" smtClean="0"/>
-              <a:t>，</a:t>
-            </a:r>
-            <a:r>
-              <a:rPr lang="zh-CN" altLang="en-US" sz="1600" b="1" dirty="0" smtClean="0">
-                <a:solidFill>
-                  <a:srgbClr val="FF0000"/>
-                </a:solidFill>
-              </a:rPr>
-              <a:t>发光衰减时间短，</a:t>
-            </a:r>
-            <a:r>
-              <a:rPr lang="en-US" altLang="zh-CN" sz="1600" b="1" dirty="0" smtClean="0">
-                <a:solidFill>
-                  <a:srgbClr val="FF0000"/>
-                </a:solidFill>
-              </a:rPr>
-              <a:t>3-5ns</a:t>
-            </a:r>
-            <a:endParaRPr lang="en-US" sz="1600" b="1" dirty="0">
-              <a:solidFill>
-                <a:srgbClr val="FF0000"/>
-              </a:solidFill>
-            </a:endParaRPr>
+              <a:t>主要性能</a:t>
+            </a:r>
+            <a:endParaRPr lang="en-US" sz="1600" dirty="0"/>
+          </a:p>
+        </p:txBody>
+      </p:sp>
+      <p:pic>
+        <p:nvPicPr>
+          <p:cNvPr id="3" name="图片 2"/>
+          <p:cNvPicPr>
+            <a:picLocks noChangeAspect="1"/>
+          </p:cNvPicPr>
+          <p:nvPr/>
+        </p:nvPicPr>
+        <p:blipFill>
+          <a:blip r:embed="rId2">
+            <a:extLst>
+              <a:ext uri="{28A0092B-C50C-407E-A947-70E740481C1C}">
+                <a14:useLocalDpi xmlns:a14="http://schemas.microsoft.com/office/drawing/2010/main" val="0"/>
+              </a:ext>
+            </a:extLst>
+          </a:blip>
+          <a:stretch>
+            <a:fillRect/>
+          </a:stretch>
+        </p:blipFill>
+        <p:spPr>
+          <a:xfrm>
+            <a:off x="2664762" y="753979"/>
+            <a:ext cx="7190859" cy="4898898"/>
+          </a:xfrm>
+          <a:prstGeom prst="rect">
+            <a:avLst/>
+          </a:prstGeom>
+        </p:spPr>
+      </p:pic>
+      <p:sp>
+        <p:nvSpPr>
+          <p:cNvPr id="4" name="圆角矩形 3"/>
+          <p:cNvSpPr/>
+          <p:nvPr/>
+        </p:nvSpPr>
+        <p:spPr>
+          <a:xfrm>
+            <a:off x="2664762" y="4186989"/>
+            <a:ext cx="7024670" cy="449179"/>
+          </a:xfrm>
+          <a:prstGeom prst="roundRect">
+            <a:avLst/>
+          </a:prstGeom>
+          <a:noFill/>
+          <a:ln w="28575">
+            <a:solidFill>
+              <a:srgbClr val="FF0000"/>
+            </a:solidFill>
+            <a:prstDash val="solid"/>
+          </a:ln>
+        </p:spPr>
+        <p:style>
+          <a:lnRef idx="2">
+            <a:schemeClr val="accent1">
+              <a:shade val="50000"/>
+            </a:schemeClr>
+          </a:lnRef>
+          <a:fillRef idx="1">
+            <a:schemeClr val="accent1"/>
+          </a:fillRef>
+          <a:effectRef idx="0">
+            <a:schemeClr val="accent1"/>
+          </a:effectRef>
+          <a:fontRef idx="minor">
+            <a:schemeClr val="lt1"/>
+          </a:fontRef>
+        </p:style>
+        <p:txBody>
+          <a:bodyPr rtlCol="0" anchor="ctr"/>
+          <a:lstStyle/>
+          <a:p>
+            <a:pPr algn="ctr"/>
+            <a:endParaRPr lang="zh-CN" altLang="en-US"/>
           </a:p>
         </p:txBody>
       </p:sp>
       <p:sp>
         <p:nvSpPr>
-          <p:cNvPr id="5" name="文本框 4"/>
-          <p:cNvSpPr txBox="1"/>
+          <p:cNvPr id="5" name="圆角矩形 4"/>
+          <p:cNvSpPr/>
           <p:nvPr/>
         </p:nvSpPr>
         <p:spPr>
           <a:xfrm>
-            <a:off x="77852" y="2970707"/>
-            <a:ext cx="1973179" cy="369332"/>
-          </a:xfrm>
-          <a:prstGeom prst="rect">
+            <a:off x="2747856" y="1676400"/>
+            <a:ext cx="7024670" cy="344905"/>
+          </a:xfrm>
+          <a:prstGeom prst="roundRect">
             <a:avLst/>
           </a:prstGeom>
           <a:noFill/>
-        </p:spPr>
+          <a:ln w="28575">
+            <a:solidFill>
+              <a:srgbClr val="FF0000"/>
+            </a:solidFill>
+            <a:prstDash val="solid"/>
+          </a:ln>
+        </p:spPr>
+        <p:style>
+          <a:lnRef idx="2">
+            <a:schemeClr val="accent1">
+              <a:shade val="50000"/>
+            </a:schemeClr>
+          </a:lnRef>
+          <a:fillRef idx="1">
+            <a:schemeClr val="accent1"/>
+          </a:fillRef>
+          <a:effectRef idx="0">
+            <a:schemeClr val="accent1"/>
+          </a:effectRef>
+          <a:fontRef idx="minor">
+            <a:schemeClr val="lt1"/>
+          </a:fontRef>
+        </p:style>
         <p:txBody>
-          <a:bodyPr wrap="square" rtlCol="0">
-            <a:spAutoFit/>
-          </a:bodyPr>
+          <a:bodyPr rtlCol="0" anchor="ctr"/>
           <a:lstStyle/>
           <a:p>
-            <a:r>
-              <a:rPr lang="zh-CN" altLang="en-US" b="1" u="sng" dirty="0">
-                <a:solidFill>
-                  <a:srgbClr val="00B050"/>
-                </a:solidFill>
-              </a:rPr>
-              <a:t>气体</a:t>
-            </a:r>
-            <a:r>
-              <a:rPr lang="zh-CN" altLang="en-US" b="1" u="sng" dirty="0" smtClean="0">
-                <a:solidFill>
-                  <a:srgbClr val="00B050"/>
-                </a:solidFill>
-              </a:rPr>
-              <a:t>闪烁体</a:t>
-            </a:r>
-            <a:endParaRPr lang="zh-CN" altLang="en-US" b="1" u="sng" dirty="0">
-              <a:solidFill>
-                <a:srgbClr val="00B050"/>
-              </a:solidFill>
-            </a:endParaRPr>
+            <a:pPr algn="ctr"/>
+            <a:endParaRPr lang="zh-CN" altLang="en-US"/>
           </a:p>
         </p:txBody>
       </p:sp>
       <p:sp>
         <p:nvSpPr>
-          <p:cNvPr id="6" name="Rectangle 1"/>
+          <p:cNvPr id="6" name="圆角矩形 5"/>
           <p:cNvSpPr/>
           <p:nvPr/>
         </p:nvSpPr>
         <p:spPr>
           <a:xfrm>
-            <a:off x="344362" y="3609538"/>
-            <a:ext cx="7521611" cy="338554"/>
-          </a:xfrm>
-          <a:prstGeom prst="rect">
+            <a:off x="2664762" y="2767263"/>
+            <a:ext cx="7024670" cy="403017"/>
+          </a:xfrm>
+          <a:prstGeom prst="roundRect">
             <a:avLst/>
           </a:prstGeom>
-        </p:spPr>
+          <a:noFill/>
+          <a:ln w="28575">
+            <a:solidFill>
+              <a:srgbClr val="FF0000"/>
+            </a:solidFill>
+            <a:prstDash val="solid"/>
+          </a:ln>
+        </p:spPr>
+        <p:style>
+          <a:lnRef idx="2">
+            <a:schemeClr val="accent1">
+              <a:shade val="50000"/>
+            </a:schemeClr>
+          </a:lnRef>
+          <a:fillRef idx="1">
+            <a:schemeClr val="accent1"/>
+          </a:fillRef>
+          <a:effectRef idx="0">
+            <a:schemeClr val="accent1"/>
+          </a:effectRef>
+          <a:fontRef idx="minor">
+            <a:schemeClr val="lt1"/>
+          </a:fontRef>
+        </p:style>
         <p:txBody>
-          <a:bodyPr wrap="none">
-            <a:spAutoFit/>
-          </a:bodyPr>
+          <a:bodyPr rtlCol="0" anchor="ctr"/>
           <a:lstStyle/>
           <a:p>
-            <a:r>
-              <a:rPr lang="en-US" sz="1600" b="1" dirty="0" smtClean="0"/>
-              <a:t>● </a:t>
-            </a:r>
-            <a:r>
-              <a:rPr lang="zh-CN" altLang="en-US" sz="1600" dirty="0" smtClean="0"/>
-              <a:t>气体多为惰性气体，发光效率低，光谱集中紫外区，</a:t>
-            </a:r>
-            <a:r>
-              <a:rPr lang="zh-CN" altLang="en-US" sz="1600" b="1" dirty="0" smtClean="0">
-                <a:solidFill>
-                  <a:srgbClr val="FF0000"/>
-                </a:solidFill>
-              </a:rPr>
-              <a:t>发光衰减时间较快</a:t>
-            </a:r>
-            <a:r>
-              <a:rPr lang="zh-CN" altLang="en-US" sz="1600" dirty="0" smtClean="0"/>
-              <a:t>，</a:t>
-            </a:r>
-            <a:r>
-              <a:rPr lang="en-US" altLang="zh-CN" sz="1600" dirty="0" smtClean="0"/>
-              <a:t>~10ns</a:t>
-            </a:r>
-            <a:r>
-              <a:rPr lang="en-US" sz="1600" dirty="0" smtClean="0"/>
-              <a:t> </a:t>
-            </a:r>
-            <a:endParaRPr lang="en-US" sz="1600" dirty="0">
-              <a:solidFill>
-                <a:srgbClr val="FF0000"/>
-              </a:solidFill>
-            </a:endParaRPr>
+            <a:pPr algn="ctr"/>
+            <a:endParaRPr lang="zh-CN" altLang="en-US"/>
           </a:p>
         </p:txBody>
       </p:sp>
     </p:spTree>
     <p:extLst>
       <p:ext uri="{BB962C8B-B14F-4D97-AF65-F5344CB8AC3E}">
-        <p14:creationId xmlns:p14="http://schemas.microsoft.com/office/powerpoint/2010/main" val="1392733591"/>
+        <p14:creationId xmlns:p14="http://schemas.microsoft.com/office/powerpoint/2010/main" val="3524756701"/>
       </p:ext>
     </p:extLst>
   </p:cSld>
@@ -25675,37 +25692,558 @@
       </p:grpSpPr>
       <p:sp>
         <p:nvSpPr>
-          <p:cNvPr id="3" name="文本框 2"/>
-          <p:cNvSpPr txBox="1"/>
+          <p:cNvPr id="5" name="Rectangle 1"/>
+          <p:cNvSpPr/>
           <p:nvPr/>
         </p:nvSpPr>
         <p:spPr>
           <a:xfrm>
-            <a:off x="80210" y="144379"/>
-            <a:ext cx="1973179" cy="369332"/>
+            <a:off x="301488" y="379784"/>
+            <a:ext cx="8909042" cy="830997"/>
           </a:xfrm>
           <a:prstGeom prst="rect">
             <a:avLst/>
           </a:prstGeom>
-          <a:noFill/>
         </p:spPr>
         <p:txBody>
-          <a:bodyPr wrap="square" rtlCol="0">
+          <a:bodyPr wrap="none">
             <a:spAutoFit/>
           </a:bodyPr>
           <a:lstStyle/>
           <a:p>
             <a:r>
-              <a:rPr lang="zh-CN" altLang="en-US" b="1" u="sng" dirty="0" smtClean="0">
+              <a:rPr lang="en-US" sz="1600" b="1" dirty="0" smtClean="0"/>
+              <a:t>● </a:t>
+            </a:r>
+            <a:r>
+              <a:rPr lang="zh-CN" altLang="en-US" sz="1600" b="1" dirty="0" smtClean="0">
                 <a:solidFill>
-                  <a:srgbClr val="00B050"/>
+                  <a:srgbClr val="FF0000"/>
                 </a:solidFill>
               </a:rPr>
-              <a:t>发光衰减时间</a:t>
-            </a:r>
-            <a:endParaRPr lang="zh-CN" altLang="en-US" b="1" u="sng" dirty="0">
+              <a:t>能量分辨是无机闪烁体的主要性能</a:t>
+            </a:r>
+            <a:r>
+              <a:rPr lang="zh-CN" altLang="en-US" sz="1600" dirty="0" smtClean="0"/>
+              <a:t>。在低能粒子探测中，</a:t>
+            </a:r>
+            <a:r>
+              <a:rPr lang="en-US" altLang="zh-CN" sz="1600" dirty="0" err="1" smtClean="0"/>
+              <a:t>NaI</a:t>
+            </a:r>
+            <a:r>
+              <a:rPr lang="en-US" altLang="zh-CN" sz="1600" dirty="0" smtClean="0"/>
+              <a:t>(Tl), </a:t>
+            </a:r>
+            <a:r>
+              <a:rPr lang="en-US" altLang="zh-CN" sz="1600" dirty="0" err="1" smtClean="0"/>
+              <a:t>CsI</a:t>
+            </a:r>
+            <a:r>
+              <a:rPr lang="en-US" altLang="zh-CN" sz="1600" dirty="0" smtClean="0"/>
+              <a:t>(Tl)</a:t>
+            </a:r>
+            <a:r>
+              <a:rPr lang="zh-CN" altLang="en-US" sz="1600" dirty="0" smtClean="0"/>
+              <a:t>对</a:t>
+            </a:r>
+            <a:r>
+              <a:rPr lang="en-US" altLang="zh-CN" sz="1600" dirty="0" smtClean="0"/>
+              <a:t>Cs137</a:t>
+            </a:r>
+            <a:r>
+              <a:rPr lang="zh-CN" altLang="en-US" sz="1600" dirty="0" smtClean="0"/>
+              <a:t>的</a:t>
+            </a:r>
+            <a:r>
+              <a:rPr lang="en-US" altLang="zh-CN" sz="1600" dirty="0" smtClean="0"/>
+              <a:t>662keV gamma </a:t>
+            </a:r>
+          </a:p>
+          <a:p>
+            <a:r>
+              <a:rPr lang="en-US" altLang="zh-CN" sz="1600" dirty="0"/>
+              <a:t> </a:t>
+            </a:r>
+            <a:r>
+              <a:rPr lang="en-US" altLang="zh-CN" sz="1600" dirty="0" smtClean="0"/>
+              <a:t>   </a:t>
+            </a:r>
+            <a:r>
+              <a:rPr lang="zh-CN" altLang="en-US" sz="1600" dirty="0" smtClean="0"/>
+              <a:t>射线的分辨率</a:t>
+            </a:r>
+            <a:r>
+              <a:rPr lang="en-US" altLang="zh-CN" sz="1600" dirty="0" smtClean="0"/>
+              <a:t>&lt;4%</a:t>
+            </a:r>
+          </a:p>
+          <a:p>
+            <a:r>
+              <a:rPr lang="en-US" sz="1600" dirty="0"/>
+              <a:t> </a:t>
+            </a:r>
+            <a:r>
+              <a:rPr lang="en-US" sz="1600" dirty="0" smtClean="0"/>
+              <a:t>   </a:t>
+            </a:r>
+            <a:endParaRPr lang="en-US" sz="1600" dirty="0"/>
+          </a:p>
+        </p:txBody>
+      </p:sp>
+      <p:sp>
+        <p:nvSpPr>
+          <p:cNvPr id="6" name="Rectangle 1"/>
+          <p:cNvSpPr/>
+          <p:nvPr/>
+        </p:nvSpPr>
+        <p:spPr>
+          <a:xfrm>
+            <a:off x="301488" y="1116292"/>
+            <a:ext cx="9937079" cy="1323439"/>
+          </a:xfrm>
+          <a:prstGeom prst="rect">
+            <a:avLst/>
+          </a:prstGeom>
+        </p:spPr>
+        <p:txBody>
+          <a:bodyPr wrap="none">
+            <a:spAutoFit/>
+          </a:bodyPr>
+          <a:lstStyle/>
+          <a:p>
+            <a:r>
+              <a:rPr lang="en-US" sz="1600" b="1" dirty="0" smtClean="0"/>
+              <a:t>● </a:t>
+            </a:r>
+            <a:r>
+              <a:rPr lang="zh-CN" altLang="en-US" sz="1600" b="1" dirty="0" smtClean="0">
+                <a:solidFill>
+                  <a:srgbClr val="FF0000"/>
+                </a:solidFill>
+              </a:rPr>
+              <a:t>闪烁体的能量线性</a:t>
+            </a:r>
+            <a:endParaRPr lang="en-US" altLang="zh-CN" sz="1600" b="1" dirty="0" smtClean="0">
               <a:solidFill>
-                <a:srgbClr val="00B050"/>
+                <a:srgbClr val="FF0000"/>
+              </a:solidFill>
+            </a:endParaRPr>
+          </a:p>
+          <a:p>
+            <a:r>
+              <a:rPr lang="en-US" sz="1600" dirty="0"/>
+              <a:t> </a:t>
+            </a:r>
+            <a:r>
+              <a:rPr lang="en-US" sz="1600" dirty="0" smtClean="0"/>
+              <a:t>   (1) </a:t>
+            </a:r>
+            <a:r>
+              <a:rPr lang="zh-CN" altLang="en-US" sz="1600" dirty="0" smtClean="0"/>
+              <a:t>一般情况下，闪烁体的光输出与沉积能量呈线性关系。但由于</a:t>
+            </a:r>
+            <a:r>
+              <a:rPr lang="en-US" altLang="zh-CN" sz="1600" dirty="0" smtClean="0"/>
+              <a:t>quenching effect &amp;&amp; saturation effect</a:t>
+            </a:r>
+            <a:r>
+              <a:rPr lang="zh-CN" altLang="en-US" sz="1600" dirty="0" smtClean="0"/>
+              <a:t>的存在</a:t>
+            </a:r>
+            <a:endParaRPr lang="en-US" altLang="zh-CN" sz="1600" dirty="0" smtClean="0"/>
+          </a:p>
+          <a:p>
+            <a:r>
+              <a:rPr lang="en-US" sz="1600" dirty="0"/>
+              <a:t> </a:t>
+            </a:r>
+            <a:r>
+              <a:rPr lang="en-US" sz="1600" dirty="0" smtClean="0"/>
+              <a:t>          </a:t>
+            </a:r>
+            <a:r>
+              <a:rPr lang="zh-CN" altLang="en-US" sz="1600" dirty="0" smtClean="0"/>
+              <a:t>使得光响应出现非线性。</a:t>
+            </a:r>
+            <a:endParaRPr lang="en-US" altLang="zh-CN" sz="1600" dirty="0" smtClean="0"/>
+          </a:p>
+          <a:p>
+            <a:r>
+              <a:rPr lang="en-US" sz="1600" dirty="0"/>
+              <a:t> </a:t>
+            </a:r>
+            <a:r>
+              <a:rPr lang="en-US" sz="1600" dirty="0" smtClean="0"/>
+              <a:t>   (2) Quenching effect </a:t>
+            </a:r>
+            <a:r>
+              <a:rPr lang="zh-CN" altLang="en-US" sz="1600" dirty="0" smtClean="0"/>
+              <a:t>主要发生在重离子的低能端。</a:t>
+            </a:r>
+            <a:endParaRPr lang="en-US" altLang="zh-CN" sz="1600" dirty="0" smtClean="0"/>
+          </a:p>
+          <a:p>
+            <a:r>
+              <a:rPr lang="en-US" sz="1600" dirty="0"/>
+              <a:t> </a:t>
+            </a:r>
+            <a:r>
+              <a:rPr lang="en-US" sz="1600" dirty="0" smtClean="0"/>
+              <a:t>   (3) Saturation effect </a:t>
+            </a:r>
+            <a:r>
+              <a:rPr lang="zh-CN" altLang="en-US" sz="1600" dirty="0" smtClean="0"/>
+              <a:t>只要发生在</a:t>
+            </a:r>
+            <a:r>
+              <a:rPr lang="en-US" altLang="zh-CN" sz="1600" dirty="0" err="1" smtClean="0"/>
+              <a:t>p,d,t</a:t>
+            </a:r>
+            <a:r>
+              <a:rPr lang="zh-CN" altLang="en-US" sz="1600" dirty="0" smtClean="0"/>
+              <a:t>的高能端</a:t>
+            </a:r>
+            <a:endParaRPr lang="en-US" sz="1600" dirty="0"/>
+          </a:p>
+        </p:txBody>
+      </p:sp>
+      <p:pic>
+        <p:nvPicPr>
+          <p:cNvPr id="7" name="Picture 10"/>
+          <p:cNvPicPr>
+            <a:picLocks noChangeAspect="1"/>
+          </p:cNvPicPr>
+          <p:nvPr/>
+        </p:nvPicPr>
+        <p:blipFill>
+          <a:blip r:embed="rId2"/>
+          <a:stretch>
+            <a:fillRect/>
+          </a:stretch>
+        </p:blipFill>
+        <p:spPr>
+          <a:xfrm>
+            <a:off x="7596215" y="2439731"/>
+            <a:ext cx="3800475" cy="2990850"/>
+          </a:xfrm>
+          <a:prstGeom prst="rect">
+            <a:avLst/>
+          </a:prstGeom>
+        </p:spPr>
+      </p:pic>
+      <p:sp>
+        <p:nvSpPr>
+          <p:cNvPr id="9" name="Rectangle 1"/>
+          <p:cNvSpPr/>
+          <p:nvPr/>
+        </p:nvSpPr>
+        <p:spPr>
+          <a:xfrm>
+            <a:off x="301488" y="2526199"/>
+            <a:ext cx="7072770" cy="1569660"/>
+          </a:xfrm>
+          <a:prstGeom prst="rect">
+            <a:avLst/>
+          </a:prstGeom>
+        </p:spPr>
+        <p:txBody>
+          <a:bodyPr wrap="none">
+            <a:spAutoFit/>
+          </a:bodyPr>
+          <a:lstStyle/>
+          <a:p>
+            <a:r>
+              <a:rPr lang="en-US" sz="1600" b="1" dirty="0" smtClean="0"/>
+              <a:t>● </a:t>
+            </a:r>
+            <a:r>
+              <a:rPr lang="zh-CN" altLang="en-US" sz="1600" b="1" dirty="0" smtClean="0">
+                <a:solidFill>
+                  <a:srgbClr val="FF0000"/>
+                </a:solidFill>
+              </a:rPr>
+              <a:t>发光衰减</a:t>
+            </a:r>
+            <a:r>
+              <a:rPr lang="zh-CN" altLang="en-US" sz="1600" b="1" dirty="0" smtClean="0">
+                <a:solidFill>
+                  <a:srgbClr val="FF0000"/>
+                </a:solidFill>
+              </a:rPr>
+              <a:t>时间</a:t>
+            </a:r>
+            <a:endParaRPr lang="en-US" altLang="zh-CN" sz="1600" b="1" dirty="0" smtClean="0">
+              <a:solidFill>
+                <a:srgbClr val="FF0000"/>
+              </a:solidFill>
+            </a:endParaRPr>
+          </a:p>
+          <a:p>
+            <a:r>
+              <a:rPr lang="en-US" altLang="zh-CN" sz="1600" dirty="0">
+                <a:solidFill>
+                  <a:srgbClr val="FF0000"/>
+                </a:solidFill>
+              </a:rPr>
+              <a:t> </a:t>
+            </a:r>
+            <a:r>
+              <a:rPr lang="en-US" altLang="zh-CN" sz="1600" dirty="0" smtClean="0">
+                <a:solidFill>
+                  <a:srgbClr val="FF0000"/>
+                </a:solidFill>
+              </a:rPr>
+              <a:t>   </a:t>
+            </a:r>
+            <a:r>
+              <a:rPr lang="en-US" altLang="zh-CN" sz="1600" dirty="0" smtClean="0"/>
+              <a:t> (1) </a:t>
+            </a:r>
+            <a:r>
+              <a:rPr lang="zh-CN" altLang="en-US" sz="1600" dirty="0" smtClean="0"/>
+              <a:t>闪烁体发光分两个过程，</a:t>
+            </a:r>
+            <a:r>
+              <a:rPr lang="zh-CN" altLang="en-US" sz="1600" b="1" dirty="0" smtClean="0">
+                <a:solidFill>
+                  <a:srgbClr val="FF0000"/>
+                </a:solidFill>
+              </a:rPr>
+              <a:t>发光增加过程</a:t>
+            </a:r>
+            <a:r>
+              <a:rPr lang="zh-CN" altLang="en-US" sz="1600" dirty="0" smtClean="0"/>
+              <a:t>和</a:t>
+            </a:r>
+            <a:r>
+              <a:rPr lang="zh-CN" altLang="en-US" sz="1600" b="1" dirty="0" smtClean="0">
+                <a:solidFill>
+                  <a:srgbClr val="FF0000"/>
+                </a:solidFill>
+              </a:rPr>
+              <a:t>发光衰减过程</a:t>
+            </a:r>
+            <a:r>
+              <a:rPr lang="zh-CN" altLang="en-US" sz="1600" dirty="0" smtClean="0"/>
+              <a:t>。前者与探测器</a:t>
+            </a:r>
+            <a:endParaRPr lang="en-US" altLang="zh-CN" sz="1600" dirty="0" smtClean="0"/>
+          </a:p>
+          <a:p>
+            <a:r>
+              <a:rPr lang="en-US" altLang="zh-CN" sz="1600" dirty="0"/>
+              <a:t> </a:t>
+            </a:r>
+            <a:r>
+              <a:rPr lang="en-US" altLang="zh-CN" sz="1600" dirty="0" smtClean="0"/>
+              <a:t>          </a:t>
+            </a:r>
+            <a:r>
+              <a:rPr lang="zh-CN" altLang="en-US" sz="1600" dirty="0" smtClean="0"/>
+              <a:t>本身的性能相关，不同粒子差异不大；后者对于不同闪烁体种类，不同</a:t>
+            </a:r>
+            <a:endParaRPr lang="en-US" altLang="zh-CN" sz="1600" dirty="0" smtClean="0"/>
+          </a:p>
+          <a:p>
+            <a:r>
+              <a:rPr lang="en-US" altLang="zh-CN" sz="1600" dirty="0"/>
+              <a:t> </a:t>
+            </a:r>
+            <a:r>
+              <a:rPr lang="en-US" altLang="zh-CN" sz="1600" dirty="0" smtClean="0"/>
+              <a:t>          </a:t>
+            </a:r>
+            <a:r>
+              <a:rPr lang="zh-CN" altLang="en-US" sz="1600" dirty="0" smtClean="0"/>
+              <a:t>粒子各有不同。与光衰减过程相比，前者可以忽略不计。</a:t>
+            </a:r>
+            <a:endParaRPr lang="en-US" altLang="zh-CN" sz="1600" dirty="0" smtClean="0"/>
+          </a:p>
+          <a:p>
+            <a:r>
+              <a:rPr lang="en-US" altLang="zh-CN" sz="1600" dirty="0" smtClean="0"/>
+              <a:t>     </a:t>
+            </a:r>
+            <a:r>
+              <a:rPr lang="en-US" altLang="zh-CN" sz="1600" dirty="0" smtClean="0"/>
+              <a:t>(2) </a:t>
+            </a:r>
+            <a:r>
+              <a:rPr lang="zh-CN" altLang="en-US" sz="1600" dirty="0" smtClean="0"/>
+              <a:t>发光衰减时间遵循指数衰减规律</a:t>
+            </a:r>
+            <a:endParaRPr lang="en-US" altLang="zh-CN" sz="1600" dirty="0" smtClean="0"/>
+          </a:p>
+          <a:p>
+            <a:r>
+              <a:rPr lang="en-US" altLang="zh-CN" sz="1600" dirty="0"/>
+              <a:t> </a:t>
+            </a:r>
+            <a:r>
+              <a:rPr lang="en-US" altLang="zh-CN" sz="1600" dirty="0" smtClean="0"/>
+              <a:t>    (3)  </a:t>
+            </a:r>
+            <a:r>
+              <a:rPr lang="zh-CN" altLang="en-US" sz="1600" dirty="0" smtClean="0"/>
+              <a:t>塑闪、液闪探测器一般使用光电倍增管读出</a:t>
+            </a:r>
+            <a:r>
+              <a:rPr lang="en-US" altLang="zh-CN" sz="1600" dirty="0" smtClean="0"/>
+              <a:t> </a:t>
+            </a:r>
+            <a:endParaRPr lang="en-US" altLang="zh-CN" sz="1600" dirty="0" smtClean="0"/>
+          </a:p>
+        </p:txBody>
+      </p:sp>
+      <p:sp>
+        <p:nvSpPr>
+          <p:cNvPr id="8" name="Rectangle 1"/>
+          <p:cNvSpPr/>
+          <p:nvPr/>
+        </p:nvSpPr>
+        <p:spPr>
+          <a:xfrm>
+            <a:off x="301488" y="4290830"/>
+            <a:ext cx="7827784" cy="1323439"/>
+          </a:xfrm>
+          <a:prstGeom prst="rect">
+            <a:avLst/>
+          </a:prstGeom>
+        </p:spPr>
+        <p:txBody>
+          <a:bodyPr wrap="none">
+            <a:spAutoFit/>
+          </a:bodyPr>
+          <a:lstStyle/>
+          <a:p>
+            <a:r>
+              <a:rPr lang="en-US" sz="1600" b="1" dirty="0" smtClean="0"/>
+              <a:t>● </a:t>
+            </a:r>
+            <a:r>
+              <a:rPr lang="zh-CN" altLang="en-US" sz="1600" b="1" dirty="0" smtClean="0">
+                <a:solidFill>
+                  <a:srgbClr val="FF0000"/>
+                </a:solidFill>
+              </a:rPr>
+              <a:t>光收集</a:t>
+            </a:r>
+            <a:r>
+              <a:rPr lang="zh-CN" altLang="en-US" sz="1600" dirty="0" smtClean="0"/>
+              <a:t>：闪烁体通过反射进入到光探测器接收端的，主要考虑的是侧面的</a:t>
+            </a:r>
+            <a:endParaRPr lang="en-US" altLang="zh-CN" sz="1600" dirty="0" smtClean="0"/>
+          </a:p>
+          <a:p>
+            <a:r>
+              <a:rPr lang="en-US" altLang="zh-CN" sz="1600" dirty="0"/>
+              <a:t> </a:t>
+            </a:r>
+            <a:r>
+              <a:rPr lang="en-US" altLang="zh-CN" sz="1600" dirty="0" smtClean="0"/>
+              <a:t>   </a:t>
+            </a:r>
+            <a:r>
+              <a:rPr lang="zh-CN" altLang="en-US" sz="1600" dirty="0" smtClean="0"/>
+              <a:t>光反射问题。</a:t>
+            </a:r>
+            <a:endParaRPr lang="en-US" altLang="zh-CN" sz="1600" dirty="0" smtClean="0"/>
+          </a:p>
+          <a:p>
+            <a:r>
+              <a:rPr lang="en-US" altLang="zh-CN" sz="1600" dirty="0"/>
+              <a:t> </a:t>
+            </a:r>
+            <a:r>
+              <a:rPr lang="en-US" altLang="zh-CN" sz="1600" dirty="0" smtClean="0"/>
+              <a:t>   (1) </a:t>
+            </a:r>
+            <a:r>
+              <a:rPr lang="zh-CN" altLang="en-US" sz="1600" dirty="0" smtClean="0"/>
+              <a:t>全反射：只收集可全反射的光，光程差小，</a:t>
+            </a:r>
+            <a:r>
+              <a:rPr lang="zh-CN" altLang="en-US" sz="1600" b="1" dirty="0" smtClean="0">
+                <a:solidFill>
+                  <a:srgbClr val="FF0000"/>
+                </a:solidFill>
+              </a:rPr>
+              <a:t>行成快脉冲输出，对时间测量有利</a:t>
+            </a:r>
+            <a:r>
+              <a:rPr lang="zh-CN" altLang="en-US" sz="1600" dirty="0" smtClean="0"/>
+              <a:t>。</a:t>
+            </a:r>
+            <a:endParaRPr lang="en-US" altLang="zh-CN" sz="1600" dirty="0" smtClean="0"/>
+          </a:p>
+          <a:p>
+            <a:r>
+              <a:rPr lang="en-US" altLang="zh-CN" sz="1600" dirty="0"/>
+              <a:t> </a:t>
+            </a:r>
+            <a:r>
+              <a:rPr lang="en-US" altLang="zh-CN" sz="1600" dirty="0" smtClean="0"/>
+              <a:t>   </a:t>
+            </a:r>
+            <a:r>
+              <a:rPr lang="en-US" altLang="zh-CN" sz="1600" dirty="0" smtClean="0"/>
+              <a:t>(2) </a:t>
+            </a:r>
+            <a:r>
+              <a:rPr lang="zh-CN" altLang="en-US" sz="1600" dirty="0" smtClean="0"/>
+              <a:t>镜面反射：反射效率</a:t>
+            </a:r>
+            <a:r>
+              <a:rPr lang="en-US" altLang="zh-CN" sz="1600" dirty="0" smtClean="0"/>
+              <a:t>&lt;95%</a:t>
+            </a:r>
+            <a:r>
+              <a:rPr lang="zh-CN" altLang="en-US" sz="1600" dirty="0" smtClean="0"/>
+              <a:t>，多次反射效率不高，只在小尺寸闪烁体上使用。</a:t>
+            </a:r>
+            <a:endParaRPr lang="en-US" altLang="zh-CN" sz="1600" dirty="0" smtClean="0"/>
+          </a:p>
+          <a:p>
+            <a:r>
+              <a:rPr lang="en-US" altLang="zh-CN" sz="1600" dirty="0"/>
+              <a:t> </a:t>
+            </a:r>
+            <a:r>
+              <a:rPr lang="en-US" altLang="zh-CN" sz="1600" dirty="0" smtClean="0"/>
+              <a:t>   </a:t>
+            </a:r>
+            <a:r>
+              <a:rPr lang="en-US" altLang="zh-CN" sz="1600" dirty="0" smtClean="0"/>
+              <a:t>(3) </a:t>
+            </a:r>
+            <a:r>
+              <a:rPr lang="zh-CN" altLang="en-US" sz="1600" dirty="0" smtClean="0"/>
+              <a:t>漫反射：</a:t>
+            </a:r>
+            <a:r>
+              <a:rPr lang="zh-CN" altLang="en-US" sz="1600" b="1" dirty="0" smtClean="0">
+                <a:solidFill>
+                  <a:srgbClr val="FF0000"/>
+                </a:solidFill>
+              </a:rPr>
+              <a:t>效率较高</a:t>
+            </a:r>
+            <a:r>
+              <a:rPr lang="zh-CN" altLang="en-US" sz="1600" dirty="0" smtClean="0"/>
+              <a:t>，但光程差大，行成宽脉冲，</a:t>
+            </a:r>
+            <a:r>
+              <a:rPr lang="zh-CN" altLang="en-US" sz="1600" b="1" dirty="0" smtClean="0">
+                <a:solidFill>
+                  <a:srgbClr val="FF0000"/>
+                </a:solidFill>
+              </a:rPr>
+              <a:t>多用于能量测量。</a:t>
+            </a:r>
+            <a:endParaRPr lang="en-US" altLang="zh-CN" sz="1600" b="1" dirty="0" smtClean="0">
+              <a:solidFill>
+                <a:srgbClr val="FF0000"/>
               </a:solidFill>
             </a:endParaRPr>
           </a:p>
@@ -25714,7 +26252,7 @@
     </p:spTree>
     <p:extLst>
       <p:ext uri="{BB962C8B-B14F-4D97-AF65-F5344CB8AC3E}">
-        <p14:creationId xmlns:p14="http://schemas.microsoft.com/office/powerpoint/2010/main" val="2026066038"/>
+        <p14:creationId xmlns:p14="http://schemas.microsoft.com/office/powerpoint/2010/main" val="3110426716"/>
       </p:ext>
     </p:extLst>
   </p:cSld>
@@ -25998,10 +26536,122 @@
           <a:chExt cx="0" cy="0"/>
         </a:xfrm>
       </p:grpSpPr>
+      <p:sp>
+        <p:nvSpPr>
+          <p:cNvPr id="2" name="Rectangle 1"/>
+          <p:cNvSpPr/>
+          <p:nvPr/>
+        </p:nvSpPr>
+        <p:spPr>
+          <a:xfrm>
+            <a:off x="135233" y="225907"/>
+            <a:ext cx="8177239" cy="584775"/>
+          </a:xfrm>
+          <a:prstGeom prst="rect">
+            <a:avLst/>
+          </a:prstGeom>
+        </p:spPr>
+        <p:txBody>
+          <a:bodyPr wrap="none">
+            <a:spAutoFit/>
+          </a:bodyPr>
+          <a:lstStyle/>
+          <a:p>
+            <a:r>
+              <a:rPr lang="en-US" sz="1600" b="1" dirty="0" smtClean="0"/>
+              <a:t>● </a:t>
+            </a:r>
+            <a:r>
+              <a:rPr lang="zh-CN" altLang="en-US" sz="1600" b="1" dirty="0">
+                <a:solidFill>
+                  <a:srgbClr val="FF0000"/>
+                </a:solidFill>
+              </a:rPr>
+              <a:t>无机</a:t>
+            </a:r>
+            <a:r>
+              <a:rPr lang="zh-CN" altLang="en-US" sz="1600" b="1" dirty="0" smtClean="0">
+                <a:solidFill>
+                  <a:srgbClr val="FF0000"/>
+                </a:solidFill>
+              </a:rPr>
+              <a:t>闪烁体采用漫反射的方法收集光</a:t>
+            </a:r>
+            <a:r>
+              <a:rPr lang="zh-CN" altLang="en-US" sz="1600" dirty="0" smtClean="0"/>
+              <a:t>。原因是发光衰减时间长，光脉冲本来就比较宽。</a:t>
+            </a:r>
+            <a:endParaRPr lang="en-US" altLang="zh-CN" sz="1600" dirty="0" smtClean="0"/>
+          </a:p>
+          <a:p>
+            <a:r>
+              <a:rPr lang="en-US" altLang="zh-CN" sz="1600" dirty="0"/>
+              <a:t> </a:t>
+            </a:r>
+            <a:r>
+              <a:rPr lang="en-US" altLang="zh-CN" sz="1600" dirty="0" smtClean="0"/>
+              <a:t>   </a:t>
+            </a:r>
+            <a:r>
+              <a:rPr lang="zh-CN" altLang="en-US" sz="1600" dirty="0" smtClean="0"/>
+              <a:t>常用的漫反射材料：</a:t>
+            </a:r>
+            <a:r>
+              <a:rPr lang="en-US" altLang="zh-CN" sz="1600" dirty="0" err="1" smtClean="0"/>
+              <a:t>MgO</a:t>
+            </a:r>
+            <a:r>
+              <a:rPr lang="zh-CN" altLang="en-US" sz="1600" dirty="0" smtClean="0"/>
+              <a:t>、</a:t>
+            </a:r>
+            <a:r>
+              <a:rPr lang="en-US" altLang="zh-CN" sz="1600" dirty="0" smtClean="0"/>
+              <a:t>Al2O3</a:t>
+            </a:r>
+            <a:r>
+              <a:rPr lang="zh-CN" altLang="en-US" sz="1600" dirty="0"/>
+              <a:t>细</a:t>
+            </a:r>
+            <a:r>
+              <a:rPr lang="zh-CN" altLang="en-US" sz="1600" dirty="0" smtClean="0"/>
+              <a:t>粉末，白色涂料，</a:t>
+            </a:r>
+            <a:r>
+              <a:rPr lang="zh-CN" altLang="en-US" sz="1600" b="1" dirty="0" smtClean="0">
+                <a:solidFill>
+                  <a:srgbClr val="FF0000"/>
+                </a:solidFill>
+              </a:rPr>
+              <a:t>聚四氟乙烯</a:t>
+            </a:r>
+            <a:r>
+              <a:rPr lang="en-US" altLang="zh-CN" sz="1600" b="1" dirty="0" smtClean="0">
+                <a:solidFill>
+                  <a:srgbClr val="FF0000"/>
+                </a:solidFill>
+              </a:rPr>
+              <a:t>(Teflon)</a:t>
+            </a:r>
+            <a:r>
+              <a:rPr lang="zh-CN" altLang="en-US" sz="1600" b="1" dirty="0" smtClean="0">
+                <a:solidFill>
+                  <a:srgbClr val="FF0000"/>
+                </a:solidFill>
+              </a:rPr>
+              <a:t>膜</a:t>
+            </a:r>
+            <a:endParaRPr lang="en-US" altLang="zh-CN" sz="1600" b="1" dirty="0">
+              <a:solidFill>
+                <a:srgbClr val="FF0000"/>
+              </a:solidFill>
+            </a:endParaRPr>
+          </a:p>
+        </p:txBody>
+      </p:sp>
     </p:spTree>
     <p:extLst>
       <p:ext uri="{BB962C8B-B14F-4D97-AF65-F5344CB8AC3E}">
-        <p14:creationId xmlns:p14="http://schemas.microsoft.com/office/powerpoint/2010/main" val="2373244518"/>
+        <p14:creationId xmlns:p14="http://schemas.microsoft.com/office/powerpoint/2010/main" val="2785149859"/>
       </p:ext>
     </p:extLst>
   </p:cSld>
@@ -26028,10 +26678,580 @@
           <a:chExt cx="0" cy="0"/>
         </a:xfrm>
       </p:grpSpPr>
+      <p:sp>
+        <p:nvSpPr>
+          <p:cNvPr id="3" name="文本框 2"/>
+          <p:cNvSpPr txBox="1"/>
+          <p:nvPr/>
+        </p:nvSpPr>
+        <p:spPr>
+          <a:xfrm>
+            <a:off x="104274" y="1331078"/>
+            <a:ext cx="1973179" cy="369332"/>
+          </a:xfrm>
+          <a:prstGeom prst="rect">
+            <a:avLst/>
+          </a:prstGeom>
+          <a:noFill/>
+        </p:spPr>
+        <p:txBody>
+          <a:bodyPr wrap="square" rtlCol="0">
+            <a:spAutoFit/>
+          </a:bodyPr>
+          <a:lstStyle/>
+          <a:p>
+            <a:r>
+              <a:rPr lang="zh-CN" altLang="en-US" b="1" u="sng" dirty="0">
+                <a:solidFill>
+                  <a:srgbClr val="00B050"/>
+                </a:solidFill>
+              </a:rPr>
+              <a:t>有</a:t>
+            </a:r>
+            <a:r>
+              <a:rPr lang="zh-CN" altLang="en-US" b="1" u="sng" dirty="0" smtClean="0">
+                <a:solidFill>
+                  <a:srgbClr val="00B050"/>
+                </a:solidFill>
+              </a:rPr>
+              <a:t>机闪烁体</a:t>
+            </a:r>
+            <a:endParaRPr lang="zh-CN" altLang="en-US" b="1" u="sng" dirty="0">
+              <a:solidFill>
+                <a:srgbClr val="00B050"/>
+              </a:solidFill>
+            </a:endParaRPr>
+          </a:p>
+        </p:txBody>
+      </p:sp>
+      <p:sp>
+        <p:nvSpPr>
+          <p:cNvPr id="4" name="Rectangle 1"/>
+          <p:cNvSpPr/>
+          <p:nvPr/>
+        </p:nvSpPr>
+        <p:spPr>
+          <a:xfrm>
+            <a:off x="192505" y="1881791"/>
+            <a:ext cx="10208244" cy="338554"/>
+          </a:xfrm>
+          <a:prstGeom prst="rect">
+            <a:avLst/>
+          </a:prstGeom>
+        </p:spPr>
+        <p:txBody>
+          <a:bodyPr wrap="none">
+            <a:spAutoFit/>
+          </a:bodyPr>
+          <a:lstStyle/>
+          <a:p>
+            <a:pPr algn="r"/>
+            <a:r>
+              <a:rPr lang="en-US" sz="1600" b="1" dirty="0" smtClean="0"/>
+              <a:t>● </a:t>
+            </a:r>
+            <a:r>
+              <a:rPr lang="zh-CN" altLang="en-US" sz="1600" dirty="0" smtClean="0"/>
+              <a:t>有机闪烁体包括：</a:t>
+            </a:r>
+            <a:r>
+              <a:rPr lang="zh-CN" altLang="en-US" sz="1600" b="1" dirty="0" smtClean="0">
+                <a:solidFill>
+                  <a:srgbClr val="FF0000"/>
+                </a:solidFill>
+              </a:rPr>
+              <a:t>有机晶体</a:t>
+            </a:r>
+            <a:r>
+              <a:rPr lang="zh-CN" altLang="en-US" sz="1600" dirty="0" smtClean="0"/>
+              <a:t>，</a:t>
+            </a:r>
+            <a:r>
+              <a:rPr lang="zh-CN" altLang="en-US" sz="1600" b="1" dirty="0" smtClean="0">
+                <a:solidFill>
+                  <a:srgbClr val="FF0000"/>
+                </a:solidFill>
+              </a:rPr>
+              <a:t>有机闪烁液体</a:t>
+            </a:r>
+            <a:r>
+              <a:rPr lang="zh-CN" altLang="en-US" sz="1600" dirty="0" smtClean="0"/>
+              <a:t>，</a:t>
+            </a:r>
+            <a:r>
+              <a:rPr lang="zh-CN" altLang="en-US" sz="1600" b="1" dirty="0" smtClean="0">
+                <a:solidFill>
+                  <a:srgbClr val="FF0000"/>
+                </a:solidFill>
+              </a:rPr>
+              <a:t>塑料闪烁体</a:t>
+            </a:r>
+            <a:r>
+              <a:rPr lang="zh-CN" altLang="en-US" sz="1600" dirty="0" smtClean="0"/>
+              <a:t>。发射荧光波长</a:t>
+            </a:r>
+            <a:r>
+              <a:rPr lang="en-US" altLang="zh-CN" sz="1600" dirty="0" smtClean="0"/>
+              <a:t>350-500nm</a:t>
+            </a:r>
+            <a:r>
+              <a:rPr lang="zh-CN" altLang="en-US" sz="1600" dirty="0" smtClean="0"/>
+              <a:t>，</a:t>
+            </a:r>
+            <a:r>
+              <a:rPr lang="zh-CN" altLang="en-US" sz="1600" b="1" dirty="0" smtClean="0">
+                <a:solidFill>
+                  <a:srgbClr val="FF0000"/>
+                </a:solidFill>
+              </a:rPr>
+              <a:t>发光衰减时间短，</a:t>
+            </a:r>
+            <a:r>
+              <a:rPr lang="en-US" altLang="zh-CN" sz="1600" b="1" dirty="0" smtClean="0">
+                <a:solidFill>
+                  <a:srgbClr val="FF0000"/>
+                </a:solidFill>
+              </a:rPr>
+              <a:t>3-5ns</a:t>
+            </a:r>
+            <a:endParaRPr lang="en-US" sz="1600" b="1" dirty="0">
+              <a:solidFill>
+                <a:srgbClr val="FF0000"/>
+              </a:solidFill>
+            </a:endParaRPr>
+          </a:p>
+        </p:txBody>
+      </p:sp>
+      <p:sp>
+        <p:nvSpPr>
+          <p:cNvPr id="8" name="TextBox 1"/>
+          <p:cNvSpPr txBox="1"/>
+          <p:nvPr/>
+        </p:nvSpPr>
+        <p:spPr>
+          <a:xfrm>
+            <a:off x="0" y="0"/>
+            <a:ext cx="10010274" cy="584775"/>
+          </a:xfrm>
+          <a:prstGeom prst="rect">
+            <a:avLst/>
+          </a:prstGeom>
+          <a:noFill/>
+        </p:spPr>
+        <p:txBody>
+          <a:bodyPr wrap="square" rtlCol="0">
+            <a:spAutoFit/>
+          </a:bodyPr>
+          <a:lstStyle/>
+          <a:p>
+            <a:r>
+              <a:rPr lang="en-US" sz="1600" dirty="0" smtClean="0">
+                <a:solidFill>
+                  <a:srgbClr val="FF0000"/>
+                </a:solidFill>
+              </a:rPr>
+              <a:t>Date: 2018</a:t>
+            </a:r>
+            <a:r>
+              <a:rPr lang="en-US" altLang="zh-CN" sz="1600" dirty="0" smtClean="0">
+                <a:solidFill>
+                  <a:srgbClr val="FF0000"/>
+                </a:solidFill>
+              </a:rPr>
+              <a:t>-11-01</a:t>
+            </a:r>
+            <a:endParaRPr lang="en-US" sz="1600" dirty="0" smtClean="0">
+              <a:solidFill>
+                <a:srgbClr val="FF0000"/>
+              </a:solidFill>
+            </a:endParaRPr>
+          </a:p>
+          <a:p>
+            <a:r>
+              <a:rPr lang="en-US" sz="1600" dirty="0" smtClean="0">
+                <a:solidFill>
+                  <a:srgbClr val="FF0000"/>
+                </a:solidFill>
+              </a:rPr>
+              <a:t>Source: </a:t>
+            </a:r>
+            <a:r>
+              <a:rPr lang="zh-CN" altLang="en-US" sz="1600" dirty="0">
+                <a:solidFill>
+                  <a:srgbClr val="FF0000"/>
+                </a:solidFill>
+              </a:rPr>
+              <a:t>高能</a:t>
+            </a:r>
+            <a:r>
+              <a:rPr lang="zh-CN" altLang="en-US" sz="1600" dirty="0" smtClean="0">
+                <a:solidFill>
+                  <a:srgbClr val="FF0000"/>
+                </a:solidFill>
+              </a:rPr>
+              <a:t>所 </a:t>
+            </a:r>
+            <a:r>
+              <a:rPr lang="en-US" altLang="zh-CN" sz="1600" dirty="0" smtClean="0">
+                <a:solidFill>
+                  <a:srgbClr val="FF0000"/>
+                </a:solidFill>
+              </a:rPr>
+              <a:t>《</a:t>
+            </a:r>
+            <a:r>
+              <a:rPr lang="zh-CN" altLang="en-US" sz="1600" dirty="0" smtClean="0">
+                <a:solidFill>
+                  <a:srgbClr val="FF0000"/>
+                </a:solidFill>
+              </a:rPr>
+              <a:t>粒子探测器于数据获取， </a:t>
+            </a:r>
+            <a:r>
+              <a:rPr lang="en-US" altLang="zh-CN" sz="1600" dirty="0" smtClean="0">
+                <a:solidFill>
+                  <a:srgbClr val="FF0000"/>
+                </a:solidFill>
+              </a:rPr>
+              <a:t>Leo &lt;Techniques for Nuclear and Particle Physics Experiment&gt;</a:t>
+            </a:r>
+            <a:endParaRPr lang="en-US" sz="1600" dirty="0">
+              <a:solidFill>
+                <a:srgbClr val="FF0000"/>
+              </a:solidFill>
+            </a:endParaRPr>
+          </a:p>
+        </p:txBody>
+      </p:sp>
+      <p:sp>
+        <p:nvSpPr>
+          <p:cNvPr id="9" name="TextBox 1"/>
+          <p:cNvSpPr txBox="1"/>
+          <p:nvPr/>
+        </p:nvSpPr>
+        <p:spPr>
+          <a:xfrm>
+            <a:off x="0" y="564922"/>
+            <a:ext cx="10010274" cy="584775"/>
+          </a:xfrm>
+          <a:prstGeom prst="rect">
+            <a:avLst/>
+          </a:prstGeom>
+          <a:noFill/>
+        </p:spPr>
+        <p:txBody>
+          <a:bodyPr wrap="square" rtlCol="0">
+            <a:spAutoFit/>
+          </a:bodyPr>
+          <a:lstStyle/>
+          <a:p>
+            <a:r>
+              <a:rPr lang="en-US" sz="1600" dirty="0" smtClean="0">
+                <a:solidFill>
+                  <a:srgbClr val="FF0000"/>
+                </a:solidFill>
+              </a:rPr>
+              <a:t>Date: 2018</a:t>
+            </a:r>
+            <a:r>
+              <a:rPr lang="en-US" altLang="zh-CN" sz="1600" dirty="0" smtClean="0">
+                <a:solidFill>
+                  <a:srgbClr val="FF0000"/>
+                </a:solidFill>
+              </a:rPr>
+              <a:t>-11-02</a:t>
+            </a:r>
+            <a:endParaRPr lang="en-US" sz="1600" dirty="0" smtClean="0">
+              <a:solidFill>
+                <a:srgbClr val="FF0000"/>
+              </a:solidFill>
+            </a:endParaRPr>
+          </a:p>
+          <a:p>
+            <a:r>
+              <a:rPr lang="en-US" sz="1600" dirty="0" smtClean="0">
+                <a:solidFill>
+                  <a:srgbClr val="FF0000"/>
+                </a:solidFill>
+              </a:rPr>
+              <a:t>Source: </a:t>
+            </a:r>
+            <a:r>
+              <a:rPr lang="en-US" altLang="zh-CN" sz="1600" dirty="0" smtClean="0">
+                <a:solidFill>
+                  <a:srgbClr val="FF0000"/>
+                </a:solidFill>
+              </a:rPr>
+              <a:t>Digital pulse-shape discrimination of fast neutron and gamma rays</a:t>
+            </a:r>
+            <a:endParaRPr lang="en-US" sz="1600" dirty="0">
+              <a:solidFill>
+                <a:srgbClr val="FF0000"/>
+              </a:solidFill>
+            </a:endParaRPr>
+          </a:p>
+        </p:txBody>
+      </p:sp>
+      <p:sp>
+        <p:nvSpPr>
+          <p:cNvPr id="10" name="Rectangle 1"/>
+          <p:cNvSpPr/>
+          <p:nvPr/>
+        </p:nvSpPr>
+        <p:spPr>
+          <a:xfrm>
+            <a:off x="284099" y="2401726"/>
+            <a:ext cx="10903369" cy="584775"/>
+          </a:xfrm>
+          <a:prstGeom prst="rect">
+            <a:avLst/>
+          </a:prstGeom>
+        </p:spPr>
+        <p:txBody>
+          <a:bodyPr wrap="none">
+            <a:spAutoFit/>
+          </a:bodyPr>
+          <a:lstStyle/>
+          <a:p>
+            <a:r>
+              <a:rPr lang="en-US" sz="1600" b="1" dirty="0" smtClean="0"/>
+              <a:t>● </a:t>
+            </a:r>
+            <a:r>
+              <a:rPr lang="zh-CN" altLang="en-US" sz="1600" dirty="0" smtClean="0"/>
+              <a:t>有机液闪探测器，也叫“</a:t>
+            </a:r>
+            <a:r>
+              <a:rPr lang="en-US" altLang="zh-CN" sz="1600" dirty="0" smtClean="0"/>
+              <a:t>proton recoil detector</a:t>
+            </a:r>
+            <a:r>
+              <a:rPr lang="zh-CN" altLang="en-US" sz="1600" dirty="0" smtClean="0"/>
+              <a:t>”</a:t>
+            </a:r>
+            <a:r>
+              <a:rPr lang="en-US" altLang="zh-CN" sz="1600" dirty="0" smtClean="0"/>
+              <a:t>. </a:t>
+            </a:r>
+            <a:r>
+              <a:rPr lang="zh-CN" altLang="en-US" sz="1600" dirty="0" smtClean="0"/>
+              <a:t>液闪对快中子有很好的探测效率，因为快中子与质子较大的弹性散射</a:t>
+            </a:r>
+            <a:endParaRPr lang="en-US" altLang="zh-CN" sz="1600" dirty="0" smtClean="0"/>
+          </a:p>
+          <a:p>
+            <a:r>
+              <a:rPr lang="en-US" sz="1600" b="1" dirty="0">
+                <a:solidFill>
+                  <a:srgbClr val="FF0000"/>
+                </a:solidFill>
+              </a:rPr>
+              <a:t> </a:t>
+            </a:r>
+            <a:r>
+              <a:rPr lang="en-US" sz="1600" b="1" dirty="0" smtClean="0">
+                <a:solidFill>
+                  <a:srgbClr val="FF0000"/>
+                </a:solidFill>
+              </a:rPr>
+              <a:t>  </a:t>
+            </a:r>
+            <a:r>
+              <a:rPr lang="en-US" sz="1600" dirty="0" smtClean="0">
+                <a:solidFill>
+                  <a:srgbClr val="FF0000"/>
+                </a:solidFill>
+              </a:rPr>
+              <a:t>  </a:t>
+            </a:r>
+            <a:r>
+              <a:rPr lang="zh-CN" altLang="en-US" sz="1600" dirty="0" smtClean="0"/>
+              <a:t>截面；另外，液闪能很好地区分中子和</a:t>
+            </a:r>
+            <a:r>
+              <a:rPr lang="en-US" altLang="zh-CN" sz="1600" dirty="0" smtClean="0"/>
+              <a:t>gamma</a:t>
+            </a:r>
+            <a:r>
+              <a:rPr lang="zh-CN" altLang="en-US" sz="1600" dirty="0" smtClean="0"/>
+              <a:t>（脉冲形状甄别）</a:t>
+            </a:r>
+            <a:endParaRPr lang="en-US" sz="1600" dirty="0"/>
+          </a:p>
+        </p:txBody>
+      </p:sp>
+      <mc:AlternateContent xmlns:mc="http://schemas.openxmlformats.org/markup-compatibility/2006">
+        <mc:Choice xmlns:a14="http://schemas.microsoft.com/office/drawing/2010/main" Requires="a14">
+          <p:sp>
+            <p:nvSpPr>
+              <p:cNvPr id="7" name="Rectangle 1"/>
+              <p:cNvSpPr/>
+              <p:nvPr/>
+            </p:nvSpPr>
+            <p:spPr>
+              <a:xfrm>
+                <a:off x="284099" y="3186394"/>
+                <a:ext cx="3804247" cy="338554"/>
+              </a:xfrm>
+              <a:prstGeom prst="rect">
+                <a:avLst/>
+              </a:prstGeom>
+            </p:spPr>
+            <p:txBody>
+              <a:bodyPr wrap="none">
+                <a:spAutoFit/>
+              </a:bodyPr>
+              <a:lstStyle/>
+              <a:p>
+                <a:r>
+                  <a:rPr lang="en-US" sz="1600" b="1" dirty="0" smtClean="0"/>
+                  <a:t>● </a:t>
+                </a:r>
+                <a:r>
+                  <a:rPr lang="zh-CN" altLang="en-US" sz="1600" dirty="0" smtClean="0">
+                    <a:solidFill>
+                      <a:schemeClr val="tx1"/>
+                    </a:solidFill>
+                  </a:rPr>
+                  <a:t>有机闪烁体的发光原理：</a:t>
+                </a:r>
+                <a14:m>
+                  <m:oMath xmlns:m="http://schemas.openxmlformats.org/officeDocument/2006/math">
+                    <m:r>
+                      <a:rPr lang="zh-CN" altLang="en-US" sz="1600" b="0" i="1" smtClean="0">
+                        <a:solidFill>
+                          <a:schemeClr val="tx1"/>
+                        </a:solidFill>
+                        <a:latin typeface="Cambria Math" panose="02040503050406030204" pitchFamily="18" charset="0"/>
+                      </a:rPr>
+                      <m:t>𝜋</m:t>
+                    </m:r>
+                  </m:oMath>
+                </a14:m>
+                <a:r>
+                  <a:rPr lang="zh-CN" altLang="en-US" sz="1600" dirty="0" smtClean="0">
+                    <a:solidFill>
+                      <a:schemeClr val="tx1"/>
+                    </a:solidFill>
+                  </a:rPr>
+                  <a:t>电子的跃迁</a:t>
+                </a:r>
+                <a:endParaRPr lang="en-US" sz="1600" dirty="0">
+                  <a:solidFill>
+                    <a:schemeClr val="tx1"/>
+                  </a:solidFill>
+                </a:endParaRPr>
+              </a:p>
+            </p:txBody>
+          </p:sp>
+        </mc:Choice>
+        <mc:Fallback>
+          <p:sp>
+            <p:nvSpPr>
+              <p:cNvPr id="7" name="Rectangle 1"/>
+              <p:cNvSpPr>
+                <a:spLocks noRot="1" noChangeAspect="1" noMove="1" noResize="1" noEditPoints="1" noAdjustHandles="1" noChangeArrowheads="1" noChangeShapeType="1" noTextEdit="1"/>
+              </p:cNvSpPr>
+              <p:nvPr/>
+            </p:nvSpPr>
+            <p:spPr>
+              <a:xfrm>
+                <a:off x="284099" y="3186394"/>
+                <a:ext cx="3804247" cy="338554"/>
+              </a:xfrm>
+              <a:prstGeom prst="rect">
+                <a:avLst/>
+              </a:prstGeom>
+              <a:blipFill rotWithShape="0">
+                <a:blip r:embed="rId2"/>
+                <a:stretch>
+                  <a:fillRect l="-962" t="-9091" b="-25455"/>
+                </a:stretch>
+              </a:blipFill>
+            </p:spPr>
+            <p:txBody>
+              <a:bodyPr/>
+              <a:lstStyle/>
+              <a:p>
+                <a:r>
+                  <a:rPr lang="zh-CN" altLang="en-US">
+                    <a:noFill/>
+                  </a:rPr>
+                  <a:t> </a:t>
+                </a:r>
+              </a:p>
+            </p:txBody>
+          </p:sp>
+        </mc:Fallback>
+      </mc:AlternateContent>
+      <p:sp>
+        <p:nvSpPr>
+          <p:cNvPr id="11" name="Rectangle 1"/>
+          <p:cNvSpPr/>
+          <p:nvPr/>
+        </p:nvSpPr>
+        <p:spPr>
+          <a:xfrm>
+            <a:off x="284099" y="3724841"/>
+            <a:ext cx="10445488" cy="584775"/>
+          </a:xfrm>
+          <a:prstGeom prst="rect">
+            <a:avLst/>
+          </a:prstGeom>
+        </p:spPr>
+        <p:txBody>
+          <a:bodyPr wrap="none">
+            <a:spAutoFit/>
+          </a:bodyPr>
+          <a:lstStyle/>
+          <a:p>
+            <a:r>
+              <a:rPr lang="en-US" sz="1600" b="1" dirty="0" smtClean="0"/>
+              <a:t>● </a:t>
+            </a:r>
+            <a:r>
+              <a:rPr lang="zh-CN" altLang="en-US" sz="1600" b="1" dirty="0" smtClean="0">
+                <a:solidFill>
+                  <a:srgbClr val="FF0000"/>
+                </a:solidFill>
+              </a:rPr>
+              <a:t>有</a:t>
+            </a:r>
+            <a:r>
+              <a:rPr lang="zh-CN" altLang="en-US" sz="1600" b="1" dirty="0" smtClean="0">
+                <a:solidFill>
+                  <a:srgbClr val="FF0000"/>
+                </a:solidFill>
+              </a:rPr>
+              <a:t>机闪烁体采用镜面反射与全反射混合的方法收集光</a:t>
+            </a:r>
+            <a:r>
+              <a:rPr lang="zh-CN" altLang="en-US" sz="1600" dirty="0" smtClean="0"/>
+              <a:t>。既保持了快脉冲输出，又尽可能得到了高的光收集效率。</a:t>
+            </a:r>
+            <a:endParaRPr lang="en-US" altLang="zh-CN" sz="1600" dirty="0" smtClean="0"/>
+          </a:p>
+          <a:p>
+            <a:r>
+              <a:rPr lang="en-US" altLang="zh-CN" sz="1600" dirty="0" smtClean="0"/>
+              <a:t>    </a:t>
+            </a:r>
+            <a:r>
+              <a:rPr lang="zh-CN" altLang="en-US" sz="1600" dirty="0" smtClean="0"/>
+              <a:t>常用的漫反射材料：铝薄膜（最好是镀铝的塑料薄膜）</a:t>
+            </a:r>
+            <a:endParaRPr lang="en-US" altLang="zh-CN" sz="1600" b="1" dirty="0">
+              <a:solidFill>
+                <a:srgbClr val="FF0000"/>
+              </a:solidFill>
+            </a:endParaRPr>
+          </a:p>
+        </p:txBody>
+      </p:sp>
     </p:spTree>
     <p:extLst>
       <p:ext uri="{BB962C8B-B14F-4D97-AF65-F5344CB8AC3E}">
-        <p14:creationId xmlns:p14="http://schemas.microsoft.com/office/powerpoint/2010/main" val="3524756701"/>
+        <p14:creationId xmlns:p14="http://schemas.microsoft.com/office/powerpoint/2010/main" val="1392733591"/>
       </p:ext>
     </p:extLst>
   </p:cSld>
@@ -26058,10 +27278,64 @@
           <a:chExt cx="0" cy="0"/>
         </a:xfrm>
       </p:grpSpPr>
+      <p:sp>
+        <p:nvSpPr>
+          <p:cNvPr id="4" name="文本框 3"/>
+          <p:cNvSpPr txBox="1"/>
+          <p:nvPr/>
+        </p:nvSpPr>
+        <p:spPr>
+          <a:xfrm>
+            <a:off x="136358" y="119899"/>
+            <a:ext cx="2590800" cy="369332"/>
+          </a:xfrm>
+          <a:prstGeom prst="rect">
+            <a:avLst/>
+          </a:prstGeom>
+          <a:noFill/>
+        </p:spPr>
+        <p:txBody>
+          <a:bodyPr wrap="square" rtlCol="0">
+            <a:spAutoFit/>
+          </a:bodyPr>
+          <a:lstStyle/>
+          <a:p>
+            <a:r>
+              <a:rPr lang="zh-CN" altLang="en-US" b="1" u="sng" dirty="0" smtClean="0">
+                <a:solidFill>
+                  <a:srgbClr val="00B050"/>
+                </a:solidFill>
+              </a:rPr>
+              <a:t>脉冲形状甄别（</a:t>
+            </a:r>
+            <a:r>
+              <a:rPr lang="en-US" altLang="zh-CN" b="1" u="sng" dirty="0" smtClean="0">
+                <a:solidFill>
+                  <a:srgbClr val="00B050"/>
+                </a:solidFill>
+              </a:rPr>
+              <a:t>PSD</a:t>
+            </a:r>
+            <a:r>
+              <a:rPr lang="zh-CN" altLang="en-US" b="1" u="sng" dirty="0" smtClean="0">
+                <a:solidFill>
+                  <a:srgbClr val="00B050"/>
+                </a:solidFill>
+              </a:rPr>
+              <a:t>）</a:t>
+            </a:r>
+            <a:endParaRPr lang="zh-CN" altLang="en-US" b="1" u="sng" dirty="0">
+              <a:solidFill>
+                <a:srgbClr val="00B050"/>
+              </a:solidFill>
+            </a:endParaRPr>
+          </a:p>
+        </p:txBody>
+      </p:sp>
     </p:spTree>
     <p:extLst>
       <p:ext uri="{BB962C8B-B14F-4D97-AF65-F5344CB8AC3E}">
-        <p14:creationId xmlns:p14="http://schemas.microsoft.com/office/powerpoint/2010/main" val="2785149859"/>
+        <p14:creationId xmlns:p14="http://schemas.microsoft.com/office/powerpoint/2010/main" val="2026066038"/>
       </p:ext>
     </p:extLst>
   </p:cSld>
@@ -26072,6 +27346,304 @@
 </file>
 
 <file path=ppt/slides/slide43.xml><?xml version="1.0" encoding="utf-8"?>
+<p:sld xmlns:a="http://schemas.openxmlformats.org/drawingml/2006/main" xmlns:r="http://schemas.openxmlformats.org/officeDocument/2006/relationships" xmlns:p="http://schemas.openxmlformats.org/presentationml/2006/main">
+  <p:cSld>
+    <p:spTree>
+      <p:nvGrpSpPr>
+        <p:cNvPr id="1" name=""/>
+        <p:cNvGrpSpPr/>
+        <p:nvPr/>
+      </p:nvGrpSpPr>
+      <p:grpSpPr>
+        <a:xfrm>
+          <a:off x="0" y="0"/>
+          <a:ext cx="0" cy="0"/>
+          <a:chOff x="0" y="0"/>
+          <a:chExt cx="0" cy="0"/>
+        </a:xfrm>
+      </p:grpSpPr>
+      <p:sp>
+        <p:nvSpPr>
+          <p:cNvPr id="2" name="文本框 1"/>
+          <p:cNvSpPr txBox="1"/>
+          <p:nvPr/>
+        </p:nvSpPr>
+        <p:spPr>
+          <a:xfrm>
+            <a:off x="136358" y="119899"/>
+            <a:ext cx="3080084" cy="369332"/>
+          </a:xfrm>
+          <a:prstGeom prst="rect">
+            <a:avLst/>
+          </a:prstGeom>
+          <a:noFill/>
+        </p:spPr>
+        <p:txBody>
+          <a:bodyPr wrap="square" rtlCol="0">
+            <a:spAutoFit/>
+          </a:bodyPr>
+          <a:lstStyle/>
+          <a:p>
+            <a:r>
+              <a:rPr lang="zh-CN" altLang="en-US" b="1" u="sng" dirty="0" smtClean="0">
+                <a:solidFill>
+                  <a:srgbClr val="00B050"/>
+                </a:solidFill>
+              </a:rPr>
+              <a:t>硅光二极管（</a:t>
+            </a:r>
+            <a:r>
+              <a:rPr lang="en-US" altLang="zh-CN" b="1" u="sng" dirty="0" err="1" smtClean="0">
+                <a:solidFill>
+                  <a:srgbClr val="00B050"/>
+                </a:solidFill>
+              </a:rPr>
+              <a:t>PhotoDiode</a:t>
+            </a:r>
+            <a:r>
+              <a:rPr lang="zh-CN" altLang="en-US" b="1" u="sng" dirty="0" smtClean="0">
+                <a:solidFill>
+                  <a:srgbClr val="00B050"/>
+                </a:solidFill>
+              </a:rPr>
+              <a:t>）</a:t>
+            </a:r>
+            <a:endParaRPr lang="zh-CN" altLang="en-US" b="1" u="sng" dirty="0">
+              <a:solidFill>
+                <a:srgbClr val="00B050"/>
+              </a:solidFill>
+            </a:endParaRPr>
+          </a:p>
+        </p:txBody>
+      </p:sp>
+      <p:sp>
+        <p:nvSpPr>
+          <p:cNvPr id="4" name="Rectangle 1"/>
+          <p:cNvSpPr/>
+          <p:nvPr/>
+        </p:nvSpPr>
+        <p:spPr>
+          <a:xfrm>
+            <a:off x="136358" y="691847"/>
+            <a:ext cx="9666429" cy="338554"/>
+          </a:xfrm>
+          <a:prstGeom prst="rect">
+            <a:avLst/>
+          </a:prstGeom>
+        </p:spPr>
+        <p:txBody>
+          <a:bodyPr wrap="none">
+            <a:spAutoFit/>
+          </a:bodyPr>
+          <a:lstStyle/>
+          <a:p>
+            <a:r>
+              <a:rPr lang="en-US" sz="1600" b="1" dirty="0" smtClean="0"/>
+              <a:t>● </a:t>
+            </a:r>
+            <a:r>
+              <a:rPr lang="zh-CN" altLang="en-US" sz="1600" dirty="0" smtClean="0"/>
+              <a:t>我们实验中使用的</a:t>
+            </a:r>
+            <a:r>
+              <a:rPr lang="zh-CN" altLang="en-US" sz="1600" dirty="0"/>
+              <a:t>是</a:t>
+            </a:r>
+            <a:r>
+              <a:rPr lang="en-US" altLang="zh-CN" sz="1600" dirty="0" smtClean="0"/>
+              <a:t>PIN</a:t>
+            </a:r>
+            <a:r>
+              <a:rPr lang="zh-CN" altLang="en-US" sz="1600" dirty="0" smtClean="0"/>
+              <a:t>型的</a:t>
+            </a:r>
+            <a:r>
+              <a:rPr lang="en-US" altLang="zh-CN" sz="1600" dirty="0" smtClean="0"/>
+              <a:t>PD</a:t>
+            </a:r>
+            <a:r>
+              <a:rPr lang="en-US" altLang="zh-CN" sz="1600" dirty="0" smtClean="0"/>
+              <a:t>(</a:t>
+            </a:r>
+            <a:r>
+              <a:rPr lang="zh-CN" altLang="en-US" sz="1600" b="1" dirty="0" smtClean="0">
+                <a:solidFill>
+                  <a:srgbClr val="FF0000"/>
+                </a:solidFill>
+              </a:rPr>
+              <a:t>型号</a:t>
+            </a:r>
+            <a:r>
+              <a:rPr lang="en-US" altLang="zh-CN" sz="1600" b="1" dirty="0" smtClean="0">
+                <a:solidFill>
+                  <a:srgbClr val="FF0000"/>
+                </a:solidFill>
+              </a:rPr>
+              <a:t>S3204-08</a:t>
+            </a:r>
+            <a:r>
+              <a:rPr lang="en-US" altLang="zh-CN" sz="1600" dirty="0" smtClean="0"/>
+              <a:t>)</a:t>
+            </a:r>
+            <a:r>
+              <a:rPr lang="zh-CN" altLang="en-US" sz="1600" dirty="0" smtClean="0"/>
+              <a:t>，在</a:t>
+            </a:r>
+            <a:r>
+              <a:rPr lang="en-US" altLang="zh-CN" sz="1600" dirty="0" smtClean="0"/>
+              <a:t>P</a:t>
+            </a:r>
+            <a:r>
+              <a:rPr lang="zh-CN" altLang="en-US" sz="1600" dirty="0" smtClean="0"/>
+              <a:t>层和</a:t>
+            </a:r>
+            <a:r>
+              <a:rPr lang="en-US" altLang="zh-CN" sz="1600" dirty="0" smtClean="0"/>
+              <a:t>N</a:t>
+            </a:r>
+            <a:r>
+              <a:rPr lang="zh-CN" altLang="en-US" sz="1600" dirty="0" smtClean="0"/>
+              <a:t>层之间制造了一层高阻的</a:t>
+            </a:r>
+            <a:r>
+              <a:rPr lang="en-US" altLang="zh-CN" sz="1600" dirty="0" smtClean="0"/>
+              <a:t>I</a:t>
+            </a:r>
+            <a:r>
+              <a:rPr lang="zh-CN" altLang="en-US" sz="1600" dirty="0" smtClean="0"/>
+              <a:t>层，改善了时间相应</a:t>
+            </a:r>
+            <a:endParaRPr lang="en-US" sz="1600" dirty="0">
+              <a:solidFill>
+                <a:schemeClr val="tx1"/>
+              </a:solidFill>
+            </a:endParaRPr>
+          </a:p>
+        </p:txBody>
+      </p:sp>
+      <p:sp>
+        <p:nvSpPr>
+          <p:cNvPr id="5" name="TextBox 1"/>
+          <p:cNvSpPr txBox="1"/>
+          <p:nvPr/>
+        </p:nvSpPr>
+        <p:spPr>
+          <a:xfrm>
+            <a:off x="3128211" y="-71481"/>
+            <a:ext cx="10010274" cy="584775"/>
+          </a:xfrm>
+          <a:prstGeom prst="rect">
+            <a:avLst/>
+          </a:prstGeom>
+          <a:noFill/>
+        </p:spPr>
+        <p:txBody>
+          <a:bodyPr wrap="square" rtlCol="0">
+            <a:spAutoFit/>
+          </a:bodyPr>
+          <a:lstStyle/>
+          <a:p>
+            <a:r>
+              <a:rPr lang="en-US" sz="1600" dirty="0" smtClean="0">
+                <a:solidFill>
+                  <a:srgbClr val="FF0000"/>
+                </a:solidFill>
+              </a:rPr>
+              <a:t>Date: </a:t>
+            </a:r>
+            <a:r>
+              <a:rPr lang="en-US" sz="1600" dirty="0" smtClean="0">
+                <a:solidFill>
+                  <a:srgbClr val="FF0000"/>
+                </a:solidFill>
+              </a:rPr>
+              <a:t>2018</a:t>
+            </a:r>
+            <a:r>
+              <a:rPr lang="en-US" altLang="zh-CN" sz="1600" dirty="0" smtClean="0">
+                <a:solidFill>
+                  <a:srgbClr val="FF0000"/>
+                </a:solidFill>
+              </a:rPr>
+              <a:t>-11-05</a:t>
+            </a:r>
+            <a:endParaRPr lang="en-US" sz="1600" dirty="0" smtClean="0">
+              <a:solidFill>
+                <a:srgbClr val="FF0000"/>
+              </a:solidFill>
+            </a:endParaRPr>
+          </a:p>
+          <a:p>
+            <a:r>
+              <a:rPr lang="en-US" sz="1600" dirty="0" smtClean="0">
+                <a:solidFill>
+                  <a:srgbClr val="FF0000"/>
+                </a:solidFill>
+              </a:rPr>
+              <a:t>Source: </a:t>
+            </a:r>
+            <a:r>
+              <a:rPr lang="zh-CN" altLang="en-US" sz="1600" dirty="0">
+                <a:solidFill>
+                  <a:srgbClr val="FF0000"/>
+                </a:solidFill>
+              </a:rPr>
+              <a:t>高能</a:t>
+            </a:r>
+            <a:r>
+              <a:rPr lang="zh-CN" altLang="en-US" sz="1600" dirty="0" smtClean="0">
+                <a:solidFill>
+                  <a:srgbClr val="FF0000"/>
+                </a:solidFill>
+              </a:rPr>
+              <a:t>所 </a:t>
+            </a:r>
+            <a:r>
+              <a:rPr lang="en-US" altLang="zh-CN" sz="1600" dirty="0" smtClean="0">
+                <a:solidFill>
+                  <a:srgbClr val="FF0000"/>
+                </a:solidFill>
+              </a:rPr>
+              <a:t>《</a:t>
+            </a:r>
+            <a:r>
+              <a:rPr lang="zh-CN" altLang="en-US" sz="1600" dirty="0" smtClean="0">
+                <a:solidFill>
+                  <a:srgbClr val="FF0000"/>
+                </a:solidFill>
+              </a:rPr>
+              <a:t>粒子探测器于数据获取， </a:t>
+            </a:r>
+            <a:r>
+              <a:rPr lang="en-US" altLang="zh-CN" sz="1600" dirty="0" smtClean="0">
+                <a:solidFill>
+                  <a:srgbClr val="FF0000"/>
+                </a:solidFill>
+              </a:rPr>
+              <a:t>Leo &lt;Techniques for Nuclear and Particle Physics Experiment&gt;</a:t>
+            </a:r>
+            <a:endParaRPr lang="en-US" sz="1600" dirty="0">
+              <a:solidFill>
+                <a:srgbClr val="FF0000"/>
+              </a:solidFill>
+            </a:endParaRPr>
+          </a:p>
+        </p:txBody>
+      </p:sp>
+    </p:spTree>
+    <p:extLst>
+      <p:ext uri="{BB962C8B-B14F-4D97-AF65-F5344CB8AC3E}">
+        <p14:creationId xmlns:p14="http://schemas.microsoft.com/office/powerpoint/2010/main" val="2373244518"/>
+      </p:ext>
+    </p:extLst>
+  </p:cSld>
+  <p:clrMapOvr>
+    <a:masterClrMapping/>
+  </p:clrMapOvr>
+</p:sld>
+</file>
+
+<file path=ppt/slides/slide44.xml><?xml version="1.0" encoding="utf-8"?>
 <p:sld xmlns:a="http://schemas.openxmlformats.org/drawingml/2006/main" xmlns:r="http://schemas.openxmlformats.org/officeDocument/2006/relationships" xmlns:p="http://schemas.openxmlformats.org/presentationml/2006/main">
   <p:cSld>
     <p:spTree>
@@ -26101,7 +27673,7 @@
 </p:sld>
 </file>
 
-<file path=ppt/slides/slide44.xml><?xml version="1.0" encoding="utf-8"?>
+<file path=ppt/slides/slide45.xml><?xml version="1.0" encoding="utf-8"?>
 <p:sld xmlns:a="http://schemas.openxmlformats.org/drawingml/2006/main" xmlns:r="http://schemas.openxmlformats.org/officeDocument/2006/relationships" xmlns:p="http://schemas.openxmlformats.org/presentationml/2006/main">
   <p:cSld>
     <p:spTree>
@@ -27517,94 +29089,10 @@
           <a:chExt cx="0" cy="0"/>
         </a:xfrm>
       </p:grpSpPr>
-      <p:sp>
-        <p:nvSpPr>
-          <p:cNvPr id="2" name="TextBox 1"/>
-          <p:cNvSpPr txBox="1"/>
-          <p:nvPr/>
-        </p:nvSpPr>
-        <p:spPr>
-          <a:xfrm>
-            <a:off x="0" y="0"/>
-            <a:ext cx="7010400" cy="584775"/>
-          </a:xfrm>
-          <a:prstGeom prst="rect">
-            <a:avLst/>
-          </a:prstGeom>
-          <a:noFill/>
-        </p:spPr>
-        <p:txBody>
-          <a:bodyPr wrap="square" rtlCol="0">
-            <a:spAutoFit/>
-          </a:bodyPr>
-          <a:lstStyle/>
-          <a:p>
-            <a:r>
-              <a:rPr lang="en-US" sz="1600" dirty="0" smtClean="0">
-                <a:solidFill>
-                  <a:srgbClr val="FF0000"/>
-                </a:solidFill>
-              </a:rPr>
-              <a:t>Date: 2018-10-28</a:t>
-            </a:r>
-          </a:p>
-          <a:p>
-            <a:r>
-              <a:rPr lang="en-US" sz="1600" dirty="0" smtClean="0">
-                <a:solidFill>
-                  <a:srgbClr val="FF0000"/>
-                </a:solidFill>
-              </a:rPr>
-              <a:t>Source:  </a:t>
-            </a:r>
-            <a:r>
-              <a:rPr lang="en-US" sz="1600" dirty="0">
-                <a:hlinkClick r:id="rId2" tooltip="Persistent link using digital object identifier"/>
-              </a:rPr>
-              <a:t>https://doi.org/10.1016/j.nima.2017.12.082</a:t>
-            </a:r>
-            <a:endParaRPr lang="en-US" sz="1600" dirty="0">
-              <a:solidFill>
-                <a:srgbClr val="FF0000"/>
-              </a:solidFill>
-            </a:endParaRPr>
-          </a:p>
-        </p:txBody>
-      </p:sp>
-      <p:pic>
-        <p:nvPicPr>
-          <p:cNvPr id="6" name="Picture 5"/>
-          <p:cNvPicPr>
-            <a:picLocks noChangeAspect="1"/>
-          </p:cNvPicPr>
-          <p:nvPr/>
-        </p:nvPicPr>
-        <p:blipFill>
-          <a:blip r:embed="rId3">
-            <a:extLst>
-              <a:ext uri="{28A0092B-C50C-407E-A947-70E740481C1C}">
-                <a14:useLocalDpi xmlns:a14="http://schemas.microsoft.com/office/drawing/2010/main" val="0"/>
-              </a:ext>
-            </a:extLst>
-          </a:blip>
-          <a:stretch>
-            <a:fillRect/>
-          </a:stretch>
-        </p:blipFill>
-        <p:spPr>
-          <a:xfrm>
-            <a:off x="2078182" y="579316"/>
-            <a:ext cx="7811203" cy="6278684"/>
-          </a:xfrm>
-          <a:prstGeom prst="rect">
-            <a:avLst/>
-          </a:prstGeom>
-        </p:spPr>
-      </p:pic>
     </p:spTree>
     <p:extLst>
       <p:ext uri="{BB962C8B-B14F-4D97-AF65-F5344CB8AC3E}">
-        <p14:creationId xmlns:p14="http://schemas.microsoft.com/office/powerpoint/2010/main" val="2643122334"/>
+        <p14:creationId xmlns:p14="http://schemas.microsoft.com/office/powerpoint/2010/main" val="2861677367"/>
       </p:ext>
     </p:extLst>
   </p:cSld>
